--- a/Ausarbeitung/präzi.pptx
+++ b/Ausarbeitung/präzi.pptx
@@ -10,33 +10,36 @@
     <p:sldMasterId id="2147483697" r:id="rId6"/>
   </p:sldMasterIdLst>
   <p:notesMasterIdLst>
-    <p:notesMasterId r:id="rId28"/>
+    <p:notesMasterId r:id="rId31"/>
   </p:notesMasterIdLst>
   <p:handoutMasterIdLst>
-    <p:handoutMasterId r:id="rId29"/>
+    <p:handoutMasterId r:id="rId32"/>
   </p:handoutMasterIdLst>
   <p:sldIdLst>
     <p:sldId id="355" r:id="rId7"/>
     <p:sldId id="400" r:id="rId8"/>
-    <p:sldId id="406" r:id="rId9"/>
-    <p:sldId id="429" r:id="rId10"/>
-    <p:sldId id="469" r:id="rId11"/>
-    <p:sldId id="470" r:id="rId12"/>
-    <p:sldId id="449" r:id="rId13"/>
-    <p:sldId id="451" r:id="rId14"/>
-    <p:sldId id="452" r:id="rId15"/>
-    <p:sldId id="460" r:id="rId16"/>
-    <p:sldId id="464" r:id="rId17"/>
-    <p:sldId id="457" r:id="rId18"/>
-    <p:sldId id="454" r:id="rId19"/>
-    <p:sldId id="458" r:id="rId20"/>
-    <p:sldId id="455" r:id="rId21"/>
-    <p:sldId id="459" r:id="rId22"/>
-    <p:sldId id="456" r:id="rId23"/>
-    <p:sldId id="466" r:id="rId24"/>
-    <p:sldId id="468" r:id="rId25"/>
-    <p:sldId id="399" r:id="rId26"/>
-    <p:sldId id="356" r:id="rId27"/>
+    <p:sldId id="473" r:id="rId9"/>
+    <p:sldId id="406" r:id="rId10"/>
+    <p:sldId id="471" r:id="rId11"/>
+    <p:sldId id="429" r:id="rId12"/>
+    <p:sldId id="469" r:id="rId13"/>
+    <p:sldId id="470" r:id="rId14"/>
+    <p:sldId id="472" r:id="rId15"/>
+    <p:sldId id="449" r:id="rId16"/>
+    <p:sldId id="451" r:id="rId17"/>
+    <p:sldId id="452" r:id="rId18"/>
+    <p:sldId id="460" r:id="rId19"/>
+    <p:sldId id="464" r:id="rId20"/>
+    <p:sldId id="457" r:id="rId21"/>
+    <p:sldId id="454" r:id="rId22"/>
+    <p:sldId id="458" r:id="rId23"/>
+    <p:sldId id="455" r:id="rId24"/>
+    <p:sldId id="459" r:id="rId25"/>
+    <p:sldId id="456" r:id="rId26"/>
+    <p:sldId id="466" r:id="rId27"/>
+    <p:sldId id="468" r:id="rId28"/>
+    <p:sldId id="399" r:id="rId29"/>
+    <p:sldId id="356" r:id="rId30"/>
   </p:sldIdLst>
   <p:sldSz cx="9144000" cy="6858000" type="screen4x3"/>
   <p:notesSz cx="9925050" cy="6665913"/>
@@ -14671,6 +14674,190 @@
       </p:grpSpPr>
       <p:sp>
         <p:nvSpPr>
+          <p:cNvPr id="12" name="Content Placeholder 2">
+            <a:extLst>
+              <a:ext uri="{FF2B5EF4-FFF2-40B4-BE49-F238E27FC236}">
+                <a16:creationId xmlns:a16="http://schemas.microsoft.com/office/drawing/2014/main" id="{CEA1C233-A05E-4C0A-9D6F-463ADE16CF81}"/>
+              </a:ext>
+            </a:extLst>
+          </p:cNvPr>
+          <p:cNvSpPr>
+            <a:spLocks noGrp="1"/>
+          </p:cNvSpPr>
+          <p:nvPr>
+            <p:ph idx="15"/>
+          </p:nvPr>
+        </p:nvSpPr>
+        <p:spPr>
+          <a:xfrm>
+            <a:off x="563174" y="1594456"/>
+            <a:ext cx="8440528" cy="4687380"/>
+          </a:xfrm>
+        </p:spPr>
+        <p:txBody>
+          <a:bodyPr wrap="square" anchor="t">
+            <a:noAutofit/>
+          </a:bodyPr>
+          <a:lstStyle/>
+          <a:p>
+            <a:pPr>
+              <a:spcAft>
+                <a:spcPts val="600"/>
+              </a:spcAft>
+            </a:pPr>
+            <a:endParaRPr lang="en-GB" sz="2200" dirty="0"/>
+          </a:p>
+          <a:p>
+            <a:pPr>
+              <a:spcAft>
+                <a:spcPts val="600"/>
+              </a:spcAft>
+            </a:pPr>
+            <a:endParaRPr lang="en-GB" sz="2200" dirty="0"/>
+          </a:p>
+          <a:p>
+            <a:pPr marL="457200" indent="-457200">
+              <a:spcAft>
+                <a:spcPts val="600"/>
+              </a:spcAft>
+              <a:buFont typeface="+mj-lt"/>
+              <a:buAutoNum type="arabicParenR"/>
+            </a:pPr>
+            <a:r>
+              <a:rPr lang="en-GB" sz="2200" dirty="0"/>
+              <a:t>Inter-tuple parallelism: </a:t>
+            </a:r>
+            <a:r>
+              <a:rPr lang="en-GB" sz="2200" dirty="0">
+                <a:solidFill>
+                  <a:schemeClr val="accent1">
+                    <a:lumMod val="60000"/>
+                    <a:lumOff val="40000"/>
+                  </a:schemeClr>
+                </a:solidFill>
+              </a:rPr>
+              <a:t>SIMD registers </a:t>
+            </a:r>
+          </a:p>
+          <a:p>
+            <a:pPr marL="342900" indent="-342900">
+              <a:spcAft>
+                <a:spcPts val="600"/>
+              </a:spcAft>
+              <a:buFont typeface="Wingdings" panose="05000000000000000000" pitchFamily="2" charset="2"/>
+              <a:buChar char="ü"/>
+            </a:pPr>
+            <a:r>
+              <a:rPr lang="en-GB" dirty="0"/>
+              <a:t>SIMD instructions =&gt; speed up processing</a:t>
+            </a:r>
+          </a:p>
+          <a:p>
+            <a:pPr marL="342900" indent="-342900">
+              <a:spcAft>
+                <a:spcPts val="600"/>
+              </a:spcAft>
+              <a:buFont typeface="Wingdings" panose="05000000000000000000" pitchFamily="2" charset="2"/>
+              <a:buChar char="ü"/>
+            </a:pPr>
+            <a:r>
+              <a:rPr lang="en-GB" dirty="0"/>
+              <a:t>Delay branching</a:t>
+            </a:r>
+          </a:p>
+          <a:p>
+            <a:pPr marL="342900" indent="-342900">
+              <a:spcAft>
+                <a:spcPts val="600"/>
+              </a:spcAft>
+              <a:buFont typeface="Wingdings" panose="05000000000000000000" pitchFamily="2" charset="2"/>
+              <a:buChar char="ü"/>
+            </a:pPr>
+            <a:endParaRPr lang="en-GB" sz="1800" dirty="0"/>
+          </a:p>
+          <a:p>
+            <a:pPr marL="342900" indent="-342900">
+              <a:spcAft>
+                <a:spcPts val="600"/>
+              </a:spcAft>
+              <a:buFont typeface="Courier New" panose="02070309020205020404" pitchFamily="49" charset="0"/>
+              <a:buChar char="o"/>
+            </a:pPr>
+            <a:r>
+              <a:rPr lang="en-GB" sz="2000" dirty="0">
+                <a:solidFill>
+                  <a:srgbClr val="FF0000"/>
+                </a:solidFill>
+              </a:rPr>
+              <a:t>BUT …</a:t>
+            </a:r>
+          </a:p>
+          <a:p>
+            <a:pPr marL="285750" indent="-285750">
+              <a:spcAft>
+                <a:spcPts val="600"/>
+              </a:spcAft>
+              <a:buFontTx/>
+              <a:buChar char="-"/>
+            </a:pPr>
+            <a:endParaRPr lang="en-GB" dirty="0"/>
+          </a:p>
+          <a:p>
+            <a:pPr marL="285750" indent="-285750">
+              <a:spcAft>
+                <a:spcPts val="600"/>
+              </a:spcAft>
+              <a:buFontTx/>
+              <a:buChar char="-"/>
+            </a:pPr>
+            <a:r>
+              <a:rPr lang="en-GB" dirty="0"/>
+              <a:t>LLVM directly allows for modelling SIMD values as vector types</a:t>
+            </a:r>
+          </a:p>
+          <a:p>
+            <a:pPr marL="285750" indent="-285750">
+              <a:spcAft>
+                <a:spcPts val="600"/>
+              </a:spcAft>
+              <a:buFont typeface="Symbol" panose="05050102010706020507" pitchFamily="18" charset="2"/>
+              <a:buChar char="Þ"/>
+            </a:pPr>
+            <a:r>
+              <a:rPr lang="en-GB" dirty="0"/>
+              <a:t>The impact is relatively minor</a:t>
+            </a:r>
+          </a:p>
+          <a:p>
+            <a:pPr>
+              <a:spcAft>
+                <a:spcPts val="600"/>
+              </a:spcAft>
+            </a:pPr>
+            <a:endParaRPr lang="en-GB" sz="1800" dirty="0"/>
+          </a:p>
+          <a:p>
+            <a:pPr marL="342900" indent="-342900">
+              <a:spcAft>
+                <a:spcPts val="600"/>
+              </a:spcAft>
+              <a:buFont typeface="Wingdings" panose="05000000000000000000" pitchFamily="2" charset="2"/>
+              <a:buChar char="ü"/>
+            </a:pPr>
+            <a:endParaRPr lang="en-GB" sz="2000" u="sng" dirty="0"/>
+          </a:p>
+          <a:p>
+            <a:pPr>
+              <a:spcAft>
+                <a:spcPts val="600"/>
+              </a:spcAft>
+            </a:pPr>
+            <a:endParaRPr lang="en-GB" sz="2400" u="sng" dirty="0"/>
+          </a:p>
+        </p:txBody>
+      </p:sp>
+      <p:sp>
+        <p:nvSpPr>
           <p:cNvPr id="4" name="Foliennummernplatzhalter 3"/>
           <p:cNvSpPr>
             <a:spLocks noGrp="1"/>
@@ -14704,6 +14891,2215 @@
                 </a:spcAft>
               </a:pPr>
               <a:t>10</a:t>
+            </a:fld>
+            <a:endParaRPr lang="de-DE"/>
+          </a:p>
+        </p:txBody>
+      </p:sp>
+      <p:sp>
+        <p:nvSpPr>
+          <p:cNvPr id="9" name="Fußzeilenplatzhalter 4">
+            <a:extLst>
+              <a:ext uri="{FF2B5EF4-FFF2-40B4-BE49-F238E27FC236}">
+                <a16:creationId xmlns:a16="http://schemas.microsoft.com/office/drawing/2014/main" id="{89D2AE18-7D2E-4FB2-9488-E2F8F4B63139}"/>
+              </a:ext>
+            </a:extLst>
+          </p:cNvPr>
+          <p:cNvSpPr>
+            <a:spLocks noGrp="1"/>
+          </p:cNvSpPr>
+          <p:nvPr>
+            <p:ph type="ftr" sz="quarter" idx="17"/>
+          </p:nvPr>
+        </p:nvSpPr>
+        <p:spPr>
+          <a:xfrm>
+            <a:off x="311162" y="6473313"/>
+            <a:ext cx="6464280" cy="365125"/>
+          </a:xfrm>
+        </p:spPr>
+        <p:txBody>
+          <a:bodyPr anchor="ctr">
+            <a:normAutofit/>
+          </a:bodyPr>
+          <a:lstStyle/>
+          <a:p>
+            <a:pPr>
+              <a:lnSpc>
+                <a:spcPct val="90000"/>
+              </a:lnSpc>
+            </a:pPr>
+            <a:r>
+              <a:rPr lang="en-GB" sz="900" dirty="0"/>
+              <a:t>Eﬃciently Compiling Eﬃcient Query Plans for Modern Hardware</a:t>
+            </a:r>
+            <a:r>
+              <a:rPr lang="de-DE" sz="900" dirty="0"/>
+              <a:t>| 10.06.2020 | </a:t>
+            </a:r>
+            <a:r>
+              <a:rPr lang="en-US" sz="900" b="1" dirty="0"/>
+              <a:t>Seminar - Modern Database Systems </a:t>
+            </a:r>
+          </a:p>
+          <a:p>
+            <a:pPr>
+              <a:lnSpc>
+                <a:spcPct val="90000"/>
+              </a:lnSpc>
+              <a:spcAft>
+                <a:spcPts val="600"/>
+              </a:spcAft>
+            </a:pPr>
+            <a:endParaRPr lang="en-US" sz="900" dirty="0"/>
+          </a:p>
+        </p:txBody>
+      </p:sp>
+      <p:sp>
+        <p:nvSpPr>
+          <p:cNvPr id="6" name="Titel 2">
+            <a:extLst>
+              <a:ext uri="{FF2B5EF4-FFF2-40B4-BE49-F238E27FC236}">
+                <a16:creationId xmlns:a16="http://schemas.microsoft.com/office/drawing/2014/main" id="{E5DAF88E-7533-4CC7-B70E-6A36CBD1B800}"/>
+              </a:ext>
+            </a:extLst>
+          </p:cNvPr>
+          <p:cNvSpPr txBox="1">
+            <a:spLocks/>
+          </p:cNvSpPr>
+          <p:nvPr/>
+        </p:nvSpPr>
+        <p:spPr>
+          <a:xfrm>
+            <a:off x="311162" y="878427"/>
+            <a:ext cx="8508999" cy="410369"/>
+          </a:xfrm>
+          <a:prstGeom prst="rect">
+            <a:avLst/>
+          </a:prstGeom>
+          <a:noFill/>
+          <a:ln w="9525">
+            <a:noFill/>
+            <a:miter lim="800000"/>
+            <a:headEnd/>
+            <a:tailEnd/>
+          </a:ln>
+        </p:spPr>
+        <p:txBody>
+          <a:bodyPr vert="horz" wrap="square" lIns="0" tIns="0" rIns="0" bIns="0" numCol="1" anchor="t" anchorCtr="0" compatLnSpc="1">
+            <a:prstTxWarp prst="textNoShape">
+              <a:avLst/>
+            </a:prstTxWarp>
+            <a:noAutofit/>
+          </a:bodyPr>
+          <a:lstStyle>
+            <a:lvl1pPr algn="l" rtl="0" eaLnBrk="0" fontAlgn="base" hangingPunct="0">
+              <a:lnSpc>
+                <a:spcPts val="3200"/>
+              </a:lnSpc>
+              <a:spcBef>
+                <a:spcPct val="0"/>
+              </a:spcBef>
+              <a:spcAft>
+                <a:spcPct val="0"/>
+              </a:spcAft>
+              <a:defRPr lang="de-DE" sz="3000" b="0" kern="1200" noProof="0" dirty="0">
+                <a:solidFill>
+                  <a:schemeClr val="tx1"/>
+                </a:solidFill>
+                <a:latin typeface="+mj-lt"/>
+                <a:ea typeface="+mj-ea"/>
+                <a:cs typeface="+mj-cs"/>
+              </a:defRPr>
+            </a:lvl1pPr>
+            <a:lvl2pPr algn="l" rtl="0" eaLnBrk="0" fontAlgn="base" hangingPunct="0">
+              <a:spcBef>
+                <a:spcPct val="0"/>
+              </a:spcBef>
+              <a:spcAft>
+                <a:spcPct val="0"/>
+              </a:spcAft>
+              <a:defRPr sz="2000" b="1">
+                <a:solidFill>
+                  <a:schemeClr val="tx2"/>
+                </a:solidFill>
+                <a:latin typeface="Arial" charset="0"/>
+                <a:cs typeface="Arial" charset="0"/>
+              </a:defRPr>
+            </a:lvl2pPr>
+            <a:lvl3pPr algn="l" rtl="0" eaLnBrk="0" fontAlgn="base" hangingPunct="0">
+              <a:spcBef>
+                <a:spcPct val="0"/>
+              </a:spcBef>
+              <a:spcAft>
+                <a:spcPct val="0"/>
+              </a:spcAft>
+              <a:defRPr sz="2000" b="1">
+                <a:solidFill>
+                  <a:schemeClr val="tx2"/>
+                </a:solidFill>
+                <a:latin typeface="Arial" charset="0"/>
+                <a:cs typeface="Arial" charset="0"/>
+              </a:defRPr>
+            </a:lvl3pPr>
+            <a:lvl4pPr algn="l" rtl="0" eaLnBrk="0" fontAlgn="base" hangingPunct="0">
+              <a:spcBef>
+                <a:spcPct val="0"/>
+              </a:spcBef>
+              <a:spcAft>
+                <a:spcPct val="0"/>
+              </a:spcAft>
+              <a:defRPr sz="2000" b="1">
+                <a:solidFill>
+                  <a:schemeClr val="tx2"/>
+                </a:solidFill>
+                <a:latin typeface="Arial" charset="0"/>
+                <a:cs typeface="Arial" charset="0"/>
+              </a:defRPr>
+            </a:lvl4pPr>
+            <a:lvl5pPr algn="l" rtl="0" eaLnBrk="0" fontAlgn="base" hangingPunct="0">
+              <a:spcBef>
+                <a:spcPct val="0"/>
+              </a:spcBef>
+              <a:spcAft>
+                <a:spcPct val="0"/>
+              </a:spcAft>
+              <a:defRPr sz="2000" b="1">
+                <a:solidFill>
+                  <a:schemeClr val="tx2"/>
+                </a:solidFill>
+                <a:latin typeface="Arial" charset="0"/>
+                <a:cs typeface="Arial" charset="0"/>
+              </a:defRPr>
+            </a:lvl5pPr>
+            <a:lvl6pPr marL="457200" algn="l" rtl="0" fontAlgn="base">
+              <a:spcBef>
+                <a:spcPct val="0"/>
+              </a:spcBef>
+              <a:spcAft>
+                <a:spcPct val="0"/>
+              </a:spcAft>
+              <a:defRPr sz="2000" b="1">
+                <a:solidFill>
+                  <a:schemeClr val="tx2"/>
+                </a:solidFill>
+                <a:latin typeface="Arial" charset="0"/>
+                <a:cs typeface="Arial" charset="0"/>
+              </a:defRPr>
+            </a:lvl6pPr>
+            <a:lvl7pPr marL="914400" algn="l" rtl="0" fontAlgn="base">
+              <a:spcBef>
+                <a:spcPct val="0"/>
+              </a:spcBef>
+              <a:spcAft>
+                <a:spcPct val="0"/>
+              </a:spcAft>
+              <a:defRPr sz="2000" b="1">
+                <a:solidFill>
+                  <a:schemeClr val="tx2"/>
+                </a:solidFill>
+                <a:latin typeface="Arial" charset="0"/>
+                <a:cs typeface="Arial" charset="0"/>
+              </a:defRPr>
+            </a:lvl7pPr>
+            <a:lvl8pPr marL="1371600" algn="l" rtl="0" fontAlgn="base">
+              <a:spcBef>
+                <a:spcPct val="0"/>
+              </a:spcBef>
+              <a:spcAft>
+                <a:spcPct val="0"/>
+              </a:spcAft>
+              <a:defRPr sz="2000" b="1">
+                <a:solidFill>
+                  <a:schemeClr val="tx2"/>
+                </a:solidFill>
+                <a:latin typeface="Arial" charset="0"/>
+                <a:cs typeface="Arial" charset="0"/>
+              </a:defRPr>
+            </a:lvl8pPr>
+            <a:lvl9pPr marL="1828800" algn="l" rtl="0" fontAlgn="base">
+              <a:spcBef>
+                <a:spcPct val="0"/>
+              </a:spcBef>
+              <a:spcAft>
+                <a:spcPct val="0"/>
+              </a:spcAft>
+              <a:defRPr sz="2000" b="1">
+                <a:solidFill>
+                  <a:schemeClr val="tx2"/>
+                </a:solidFill>
+                <a:latin typeface="Arial" charset="0"/>
+                <a:cs typeface="Arial" charset="0"/>
+              </a:defRPr>
+            </a:lvl9pPr>
+          </a:lstStyle>
+          <a:p>
+            <a:r>
+              <a:rPr lang="de-DE" sz="3200" dirty="0" err="1"/>
+              <a:t>Advanced</a:t>
+            </a:r>
+            <a:r>
+              <a:rPr lang="de-DE" sz="3200" dirty="0"/>
+              <a:t> </a:t>
+            </a:r>
+            <a:r>
+              <a:rPr lang="de-DE" sz="3200" dirty="0" err="1"/>
+              <a:t>Parallelization</a:t>
+            </a:r>
+            <a:r>
+              <a:rPr lang="de-DE" sz="3200" dirty="0"/>
+              <a:t> </a:t>
+            </a:r>
+            <a:r>
+              <a:rPr lang="de-DE" sz="3200" dirty="0" err="1"/>
+              <a:t>Techniques</a:t>
+            </a:r>
+            <a:r>
+              <a:rPr lang="de-DE" sz="3200" dirty="0"/>
+              <a:t>: 1st Type</a:t>
+            </a:r>
+            <a:endParaRPr lang="en-US" sz="3200" dirty="0"/>
+          </a:p>
+        </p:txBody>
+      </p:sp>
+    </p:spTree>
+    <p:extLst>
+      <p:ext uri="{BB962C8B-B14F-4D97-AF65-F5344CB8AC3E}">
+        <p14:creationId xmlns:p14="http://schemas.microsoft.com/office/powerpoint/2010/main" val="3404172484"/>
+      </p:ext>
+    </p:extLst>
+  </p:cSld>
+  <p:clrMapOvr>
+    <a:masterClrMapping/>
+  </p:clrMapOvr>
+  <mc:AlternateContent xmlns:mc="http://schemas.openxmlformats.org/markup-compatibility/2006" xmlns:p14="http://schemas.microsoft.com/office/powerpoint/2010/main">
+    <mc:Choice Requires="p14">
+      <p:transition spd="med" p14:dur="700" advTm="60013">
+        <p:fade/>
+      </p:transition>
+    </mc:Choice>
+    <mc:Fallback xmlns="">
+      <p:transition spd="med" advTm="60013">
+        <p:fade/>
+      </p:transition>
+    </mc:Fallback>
+  </mc:AlternateContent>
+</p:sld>
+</file>
+
+<file path=ppt/slides/slide11.xml><?xml version="1.0" encoding="utf-8"?>
+<p:sld xmlns:a="http://schemas.openxmlformats.org/drawingml/2006/main" xmlns:r="http://schemas.openxmlformats.org/officeDocument/2006/relationships" xmlns:p="http://schemas.openxmlformats.org/presentationml/2006/main">
+  <p:cSld>
+    <p:spTree>
+      <p:nvGrpSpPr>
+        <p:cNvPr id="1" name=""/>
+        <p:cNvGrpSpPr/>
+        <p:nvPr/>
+      </p:nvGrpSpPr>
+      <p:grpSpPr>
+        <a:xfrm>
+          <a:off x="0" y="0"/>
+          <a:ext cx="0" cy="0"/>
+          <a:chOff x="0" y="0"/>
+          <a:chExt cx="0" cy="0"/>
+        </a:xfrm>
+      </p:grpSpPr>
+      <p:sp>
+        <p:nvSpPr>
+          <p:cNvPr id="12" name="Content Placeholder 2">
+            <a:extLst>
+              <a:ext uri="{FF2B5EF4-FFF2-40B4-BE49-F238E27FC236}">
+                <a16:creationId xmlns:a16="http://schemas.microsoft.com/office/drawing/2014/main" id="{CEA1C233-A05E-4C0A-9D6F-463ADE16CF81}"/>
+              </a:ext>
+            </a:extLst>
+          </p:cNvPr>
+          <p:cNvSpPr>
+            <a:spLocks noGrp="1"/>
+          </p:cNvSpPr>
+          <p:nvPr>
+            <p:ph idx="15"/>
+          </p:nvPr>
+        </p:nvSpPr>
+        <p:spPr>
+          <a:xfrm>
+            <a:off x="563174" y="1594456"/>
+            <a:ext cx="8440528" cy="4687380"/>
+          </a:xfrm>
+        </p:spPr>
+        <p:txBody>
+          <a:bodyPr wrap="square" anchor="t">
+            <a:noAutofit/>
+          </a:bodyPr>
+          <a:lstStyle/>
+          <a:p>
+            <a:pPr>
+              <a:spcAft>
+                <a:spcPts val="600"/>
+              </a:spcAft>
+            </a:pPr>
+            <a:endParaRPr lang="en-GB" dirty="0"/>
+          </a:p>
+          <a:p>
+            <a:pPr marL="285750" indent="-285750">
+              <a:spcAft>
+                <a:spcPts val="600"/>
+              </a:spcAft>
+              <a:buFont typeface="Wingdings" panose="05000000000000000000" pitchFamily="2" charset="2"/>
+              <a:buChar char="Ø"/>
+            </a:pPr>
+            <a:r>
+              <a:rPr lang="en-GB" sz="2000" dirty="0">
+                <a:solidFill>
+                  <a:srgbClr val="005293"/>
+                </a:solidFill>
+              </a:rPr>
+              <a:t>We implemented this in our </a:t>
+            </a:r>
+            <a:r>
+              <a:rPr lang="en-GB" sz="2000" dirty="0" err="1">
+                <a:solidFill>
+                  <a:srgbClr val="005293"/>
+                </a:solidFill>
+              </a:rPr>
+              <a:t>HyPer</a:t>
+            </a:r>
+            <a:r>
+              <a:rPr lang="en-GB" sz="2000" dirty="0">
+                <a:solidFill>
+                  <a:srgbClr val="005293"/>
+                </a:solidFill>
+              </a:rPr>
+              <a:t> system</a:t>
+            </a:r>
+            <a:r>
+              <a:rPr lang="en-GB" sz="2200" dirty="0">
+                <a:solidFill>
+                  <a:srgbClr val="005293"/>
+                </a:solidFill>
+              </a:rPr>
+              <a:t> </a:t>
+            </a:r>
+          </a:p>
+          <a:p>
+            <a:pPr>
+              <a:spcAft>
+                <a:spcPts val="600"/>
+              </a:spcAft>
+            </a:pPr>
+            <a:r>
+              <a:rPr lang="en-GB" dirty="0"/>
+              <a:t>• initially we generated C++ code from code fragments</a:t>
+            </a:r>
+          </a:p>
+          <a:p>
+            <a:pPr>
+              <a:spcAft>
+                <a:spcPts val="600"/>
+              </a:spcAft>
+            </a:pPr>
+            <a:r>
+              <a:rPr lang="en-GB" dirty="0"/>
+              <a:t>• then, switched to the data-centric LLVM code: comparison C++ vs. LLVM</a:t>
+            </a:r>
+          </a:p>
+          <a:p>
+            <a:pPr>
+              <a:spcAft>
+                <a:spcPts val="600"/>
+              </a:spcAft>
+            </a:pPr>
+            <a:endParaRPr lang="en-GB" dirty="0"/>
+          </a:p>
+        </p:txBody>
+      </p:sp>
+      <p:sp>
+        <p:nvSpPr>
+          <p:cNvPr id="4" name="Foliennummernplatzhalter 3"/>
+          <p:cNvSpPr>
+            <a:spLocks noGrp="1"/>
+          </p:cNvSpPr>
+          <p:nvPr>
+            <p:ph type="sldNum" sz="quarter" idx="16"/>
+          </p:nvPr>
+        </p:nvSpPr>
+        <p:spPr>
+          <a:xfrm>
+            <a:off x="6774934" y="6473313"/>
+            <a:ext cx="2052074" cy="365125"/>
+          </a:xfrm>
+        </p:spPr>
+        <p:txBody>
+          <a:bodyPr anchor="ctr">
+            <a:normAutofit/>
+          </a:bodyPr>
+          <a:lstStyle/>
+          <a:p>
+            <a:pPr>
+              <a:spcAft>
+                <a:spcPts val="600"/>
+              </a:spcAft>
+            </a:pPr>
+            <a:fld id="{CE58CB1E-F828-4F11-99E0-327109AF9DA4}" type="slidenum">
+              <a:rPr lang="de-DE" smtClean="0"/>
+              <a:pPr>
+                <a:spcAft>
+                  <a:spcPts val="600"/>
+                </a:spcAft>
+              </a:pPr>
+              <a:t>11</a:t>
+            </a:fld>
+            <a:endParaRPr lang="de-DE"/>
+          </a:p>
+        </p:txBody>
+      </p:sp>
+      <p:sp>
+        <p:nvSpPr>
+          <p:cNvPr id="9" name="Fußzeilenplatzhalter 4">
+            <a:extLst>
+              <a:ext uri="{FF2B5EF4-FFF2-40B4-BE49-F238E27FC236}">
+                <a16:creationId xmlns:a16="http://schemas.microsoft.com/office/drawing/2014/main" id="{89D2AE18-7D2E-4FB2-9488-E2F8F4B63139}"/>
+              </a:ext>
+            </a:extLst>
+          </p:cNvPr>
+          <p:cNvSpPr>
+            <a:spLocks noGrp="1"/>
+          </p:cNvSpPr>
+          <p:nvPr>
+            <p:ph type="ftr" sz="quarter" idx="17"/>
+          </p:nvPr>
+        </p:nvSpPr>
+        <p:spPr>
+          <a:xfrm>
+            <a:off x="311162" y="6473313"/>
+            <a:ext cx="6464280" cy="365125"/>
+          </a:xfrm>
+        </p:spPr>
+        <p:txBody>
+          <a:bodyPr anchor="ctr">
+            <a:normAutofit/>
+          </a:bodyPr>
+          <a:lstStyle/>
+          <a:p>
+            <a:pPr>
+              <a:lnSpc>
+                <a:spcPct val="90000"/>
+              </a:lnSpc>
+            </a:pPr>
+            <a:r>
+              <a:rPr lang="en-GB" sz="900" dirty="0"/>
+              <a:t>Eﬃciently Compiling Eﬃcient Query Plans for Modern Hardware</a:t>
+            </a:r>
+            <a:r>
+              <a:rPr lang="de-DE" sz="900" dirty="0"/>
+              <a:t>| 10.06.2020 | </a:t>
+            </a:r>
+            <a:r>
+              <a:rPr lang="en-US" sz="900" b="1" dirty="0"/>
+              <a:t>Seminar - Modern Database Systems </a:t>
+            </a:r>
+          </a:p>
+          <a:p>
+            <a:pPr>
+              <a:lnSpc>
+                <a:spcPct val="90000"/>
+              </a:lnSpc>
+              <a:spcAft>
+                <a:spcPts val="600"/>
+              </a:spcAft>
+            </a:pPr>
+            <a:endParaRPr lang="en-US" sz="900" dirty="0"/>
+          </a:p>
+        </p:txBody>
+      </p:sp>
+      <p:sp>
+        <p:nvSpPr>
+          <p:cNvPr id="6" name="Titel 2">
+            <a:extLst>
+              <a:ext uri="{FF2B5EF4-FFF2-40B4-BE49-F238E27FC236}">
+                <a16:creationId xmlns:a16="http://schemas.microsoft.com/office/drawing/2014/main" id="{E5DAF88E-7533-4CC7-B70E-6A36CBD1B800}"/>
+              </a:ext>
+            </a:extLst>
+          </p:cNvPr>
+          <p:cNvSpPr txBox="1">
+            <a:spLocks/>
+          </p:cNvSpPr>
+          <p:nvPr/>
+        </p:nvSpPr>
+        <p:spPr>
+          <a:xfrm>
+            <a:off x="311162" y="878427"/>
+            <a:ext cx="8508999" cy="410369"/>
+          </a:xfrm>
+          <a:prstGeom prst="rect">
+            <a:avLst/>
+          </a:prstGeom>
+          <a:noFill/>
+          <a:ln w="9525">
+            <a:noFill/>
+            <a:miter lim="800000"/>
+            <a:headEnd/>
+            <a:tailEnd/>
+          </a:ln>
+        </p:spPr>
+        <p:txBody>
+          <a:bodyPr vert="horz" wrap="square" lIns="0" tIns="0" rIns="0" bIns="0" numCol="1" anchor="t" anchorCtr="0" compatLnSpc="1">
+            <a:prstTxWarp prst="textNoShape">
+              <a:avLst/>
+            </a:prstTxWarp>
+            <a:noAutofit/>
+          </a:bodyPr>
+          <a:lstStyle>
+            <a:lvl1pPr algn="l" rtl="0" eaLnBrk="0" fontAlgn="base" hangingPunct="0">
+              <a:lnSpc>
+                <a:spcPts val="3200"/>
+              </a:lnSpc>
+              <a:spcBef>
+                <a:spcPct val="0"/>
+              </a:spcBef>
+              <a:spcAft>
+                <a:spcPct val="0"/>
+              </a:spcAft>
+              <a:defRPr lang="de-DE" sz="3000" b="0" kern="1200" noProof="0" dirty="0">
+                <a:solidFill>
+                  <a:schemeClr val="tx1"/>
+                </a:solidFill>
+                <a:latin typeface="+mj-lt"/>
+                <a:ea typeface="+mj-ea"/>
+                <a:cs typeface="+mj-cs"/>
+              </a:defRPr>
+            </a:lvl1pPr>
+            <a:lvl2pPr algn="l" rtl="0" eaLnBrk="0" fontAlgn="base" hangingPunct="0">
+              <a:spcBef>
+                <a:spcPct val="0"/>
+              </a:spcBef>
+              <a:spcAft>
+                <a:spcPct val="0"/>
+              </a:spcAft>
+              <a:defRPr sz="2000" b="1">
+                <a:solidFill>
+                  <a:schemeClr val="tx2"/>
+                </a:solidFill>
+                <a:latin typeface="Arial" charset="0"/>
+                <a:cs typeface="Arial" charset="0"/>
+              </a:defRPr>
+            </a:lvl2pPr>
+            <a:lvl3pPr algn="l" rtl="0" eaLnBrk="0" fontAlgn="base" hangingPunct="0">
+              <a:spcBef>
+                <a:spcPct val="0"/>
+              </a:spcBef>
+              <a:spcAft>
+                <a:spcPct val="0"/>
+              </a:spcAft>
+              <a:defRPr sz="2000" b="1">
+                <a:solidFill>
+                  <a:schemeClr val="tx2"/>
+                </a:solidFill>
+                <a:latin typeface="Arial" charset="0"/>
+                <a:cs typeface="Arial" charset="0"/>
+              </a:defRPr>
+            </a:lvl3pPr>
+            <a:lvl4pPr algn="l" rtl="0" eaLnBrk="0" fontAlgn="base" hangingPunct="0">
+              <a:spcBef>
+                <a:spcPct val="0"/>
+              </a:spcBef>
+              <a:spcAft>
+                <a:spcPct val="0"/>
+              </a:spcAft>
+              <a:defRPr sz="2000" b="1">
+                <a:solidFill>
+                  <a:schemeClr val="tx2"/>
+                </a:solidFill>
+                <a:latin typeface="Arial" charset="0"/>
+                <a:cs typeface="Arial" charset="0"/>
+              </a:defRPr>
+            </a:lvl4pPr>
+            <a:lvl5pPr algn="l" rtl="0" eaLnBrk="0" fontAlgn="base" hangingPunct="0">
+              <a:spcBef>
+                <a:spcPct val="0"/>
+              </a:spcBef>
+              <a:spcAft>
+                <a:spcPct val="0"/>
+              </a:spcAft>
+              <a:defRPr sz="2000" b="1">
+                <a:solidFill>
+                  <a:schemeClr val="tx2"/>
+                </a:solidFill>
+                <a:latin typeface="Arial" charset="0"/>
+                <a:cs typeface="Arial" charset="0"/>
+              </a:defRPr>
+            </a:lvl5pPr>
+            <a:lvl6pPr marL="457200" algn="l" rtl="0" fontAlgn="base">
+              <a:spcBef>
+                <a:spcPct val="0"/>
+              </a:spcBef>
+              <a:spcAft>
+                <a:spcPct val="0"/>
+              </a:spcAft>
+              <a:defRPr sz="2000" b="1">
+                <a:solidFill>
+                  <a:schemeClr val="tx2"/>
+                </a:solidFill>
+                <a:latin typeface="Arial" charset="0"/>
+                <a:cs typeface="Arial" charset="0"/>
+              </a:defRPr>
+            </a:lvl6pPr>
+            <a:lvl7pPr marL="914400" algn="l" rtl="0" fontAlgn="base">
+              <a:spcBef>
+                <a:spcPct val="0"/>
+              </a:spcBef>
+              <a:spcAft>
+                <a:spcPct val="0"/>
+              </a:spcAft>
+              <a:defRPr sz="2000" b="1">
+                <a:solidFill>
+                  <a:schemeClr val="tx2"/>
+                </a:solidFill>
+                <a:latin typeface="Arial" charset="0"/>
+                <a:cs typeface="Arial" charset="0"/>
+              </a:defRPr>
+            </a:lvl7pPr>
+            <a:lvl8pPr marL="1371600" algn="l" rtl="0" fontAlgn="base">
+              <a:spcBef>
+                <a:spcPct val="0"/>
+              </a:spcBef>
+              <a:spcAft>
+                <a:spcPct val="0"/>
+              </a:spcAft>
+              <a:defRPr sz="2000" b="1">
+                <a:solidFill>
+                  <a:schemeClr val="tx2"/>
+                </a:solidFill>
+                <a:latin typeface="Arial" charset="0"/>
+                <a:cs typeface="Arial" charset="0"/>
+              </a:defRPr>
+            </a:lvl8pPr>
+            <a:lvl9pPr marL="1828800" algn="l" rtl="0" fontAlgn="base">
+              <a:spcBef>
+                <a:spcPct val="0"/>
+              </a:spcBef>
+              <a:spcAft>
+                <a:spcPct val="0"/>
+              </a:spcAft>
+              <a:defRPr sz="2000" b="1">
+                <a:solidFill>
+                  <a:schemeClr val="tx2"/>
+                </a:solidFill>
+                <a:latin typeface="Arial" charset="0"/>
+                <a:cs typeface="Arial" charset="0"/>
+              </a:defRPr>
+            </a:lvl9pPr>
+          </a:lstStyle>
+          <a:p>
+            <a:r>
+              <a:rPr lang="de-DE" sz="3200" dirty="0"/>
+              <a:t>Evaluation</a:t>
+            </a:r>
+            <a:endParaRPr lang="en-US" sz="3200" dirty="0"/>
+          </a:p>
+        </p:txBody>
+      </p:sp>
+    </p:spTree>
+    <p:extLst>
+      <p:ext uri="{BB962C8B-B14F-4D97-AF65-F5344CB8AC3E}">
+        <p14:creationId xmlns:p14="http://schemas.microsoft.com/office/powerpoint/2010/main" val="3752693589"/>
+      </p:ext>
+    </p:extLst>
+  </p:cSld>
+  <p:clrMapOvr>
+    <a:masterClrMapping/>
+  </p:clrMapOvr>
+  <mc:AlternateContent xmlns:mc="http://schemas.openxmlformats.org/markup-compatibility/2006" xmlns:p14="http://schemas.microsoft.com/office/powerpoint/2010/main">
+    <mc:Choice Requires="p14">
+      <p:transition spd="med" p14:dur="700" advTm="19534">
+        <p:fade/>
+      </p:transition>
+    </mc:Choice>
+    <mc:Fallback xmlns="">
+      <p:transition spd="med" advTm="19534">
+        <p:fade/>
+      </p:transition>
+    </mc:Fallback>
+  </mc:AlternateContent>
+</p:sld>
+</file>
+
+<file path=ppt/slides/slide12.xml><?xml version="1.0" encoding="utf-8"?>
+<p:sld xmlns:a="http://schemas.openxmlformats.org/drawingml/2006/main" xmlns:r="http://schemas.openxmlformats.org/officeDocument/2006/relationships" xmlns:p="http://schemas.openxmlformats.org/presentationml/2006/main">
+  <p:cSld>
+    <p:spTree>
+      <p:nvGrpSpPr>
+        <p:cNvPr id="1" name=""/>
+        <p:cNvGrpSpPr/>
+        <p:nvPr/>
+      </p:nvGrpSpPr>
+      <p:grpSpPr>
+        <a:xfrm>
+          <a:off x="0" y="0"/>
+          <a:ext cx="0" cy="0"/>
+          <a:chOff x="0" y="0"/>
+          <a:chExt cx="0" cy="0"/>
+        </a:xfrm>
+      </p:grpSpPr>
+      <p:sp>
+        <p:nvSpPr>
+          <p:cNvPr id="4" name="Foliennummernplatzhalter 3"/>
+          <p:cNvSpPr>
+            <a:spLocks noGrp="1"/>
+          </p:cNvSpPr>
+          <p:nvPr>
+            <p:ph type="sldNum" sz="quarter" idx="16"/>
+          </p:nvPr>
+        </p:nvSpPr>
+        <p:spPr>
+          <a:xfrm>
+            <a:off x="6774934" y="6473313"/>
+            <a:ext cx="2052074" cy="365125"/>
+          </a:xfrm>
+        </p:spPr>
+        <p:txBody>
+          <a:bodyPr anchor="ctr">
+            <a:normAutofit/>
+          </a:bodyPr>
+          <a:lstStyle/>
+          <a:p>
+            <a:pPr>
+              <a:spcAft>
+                <a:spcPts val="600"/>
+              </a:spcAft>
+            </a:pPr>
+            <a:fld id="{CE58CB1E-F828-4F11-99E0-327109AF9DA4}" type="slidenum">
+              <a:rPr lang="de-DE" smtClean="0"/>
+              <a:pPr>
+                <a:spcAft>
+                  <a:spcPts val="600"/>
+                </a:spcAft>
+              </a:pPr>
+              <a:t>12</a:t>
+            </a:fld>
+            <a:endParaRPr lang="de-DE"/>
+          </a:p>
+        </p:txBody>
+      </p:sp>
+      <p:sp>
+        <p:nvSpPr>
+          <p:cNvPr id="9" name="Fußzeilenplatzhalter 4">
+            <a:extLst>
+              <a:ext uri="{FF2B5EF4-FFF2-40B4-BE49-F238E27FC236}">
+                <a16:creationId xmlns:a16="http://schemas.microsoft.com/office/drawing/2014/main" id="{89D2AE18-7D2E-4FB2-9488-E2F8F4B63139}"/>
+              </a:ext>
+            </a:extLst>
+          </p:cNvPr>
+          <p:cNvSpPr>
+            <a:spLocks noGrp="1"/>
+          </p:cNvSpPr>
+          <p:nvPr>
+            <p:ph type="ftr" sz="quarter" idx="17"/>
+          </p:nvPr>
+        </p:nvSpPr>
+        <p:spPr>
+          <a:xfrm>
+            <a:off x="311162" y="6473313"/>
+            <a:ext cx="6464280" cy="365125"/>
+          </a:xfrm>
+        </p:spPr>
+        <p:txBody>
+          <a:bodyPr anchor="ctr">
+            <a:normAutofit/>
+          </a:bodyPr>
+          <a:lstStyle/>
+          <a:p>
+            <a:pPr>
+              <a:lnSpc>
+                <a:spcPct val="90000"/>
+              </a:lnSpc>
+            </a:pPr>
+            <a:r>
+              <a:rPr lang="en-GB" sz="900" dirty="0"/>
+              <a:t>Eﬃciently Compiling Eﬃcient Query Plans for Modern Hardware</a:t>
+            </a:r>
+            <a:r>
+              <a:rPr lang="de-DE" sz="900" dirty="0"/>
+              <a:t>| 10.06.2020 | </a:t>
+            </a:r>
+            <a:r>
+              <a:rPr lang="en-US" sz="900" b="1" dirty="0"/>
+              <a:t>Seminar - Modern Database Systems </a:t>
+            </a:r>
+          </a:p>
+          <a:p>
+            <a:pPr>
+              <a:lnSpc>
+                <a:spcPct val="90000"/>
+              </a:lnSpc>
+              <a:spcAft>
+                <a:spcPts val="600"/>
+              </a:spcAft>
+            </a:pPr>
+            <a:endParaRPr lang="en-US" sz="900" dirty="0"/>
+          </a:p>
+        </p:txBody>
+      </p:sp>
+      <p:sp>
+        <p:nvSpPr>
+          <p:cNvPr id="6" name="Titel 2">
+            <a:extLst>
+              <a:ext uri="{FF2B5EF4-FFF2-40B4-BE49-F238E27FC236}">
+                <a16:creationId xmlns:a16="http://schemas.microsoft.com/office/drawing/2014/main" id="{E5DAF88E-7533-4CC7-B70E-6A36CBD1B800}"/>
+              </a:ext>
+            </a:extLst>
+          </p:cNvPr>
+          <p:cNvSpPr txBox="1">
+            <a:spLocks/>
+          </p:cNvSpPr>
+          <p:nvPr/>
+        </p:nvSpPr>
+        <p:spPr>
+          <a:xfrm>
+            <a:off x="311162" y="878427"/>
+            <a:ext cx="8508999" cy="410369"/>
+          </a:xfrm>
+          <a:prstGeom prst="rect">
+            <a:avLst/>
+          </a:prstGeom>
+          <a:noFill/>
+          <a:ln w="9525">
+            <a:noFill/>
+            <a:miter lim="800000"/>
+            <a:headEnd/>
+            <a:tailEnd/>
+          </a:ln>
+        </p:spPr>
+        <p:txBody>
+          <a:bodyPr vert="horz" wrap="square" lIns="0" tIns="0" rIns="0" bIns="0" numCol="1" anchor="t" anchorCtr="0" compatLnSpc="1">
+            <a:prstTxWarp prst="textNoShape">
+              <a:avLst/>
+            </a:prstTxWarp>
+            <a:noAutofit/>
+          </a:bodyPr>
+          <a:lstStyle>
+            <a:lvl1pPr algn="l" rtl="0" eaLnBrk="0" fontAlgn="base" hangingPunct="0">
+              <a:lnSpc>
+                <a:spcPts val="3200"/>
+              </a:lnSpc>
+              <a:spcBef>
+                <a:spcPct val="0"/>
+              </a:spcBef>
+              <a:spcAft>
+                <a:spcPct val="0"/>
+              </a:spcAft>
+              <a:defRPr lang="de-DE" sz="3000" b="0" kern="1200" noProof="0" dirty="0">
+                <a:solidFill>
+                  <a:schemeClr val="tx1"/>
+                </a:solidFill>
+                <a:latin typeface="+mj-lt"/>
+                <a:ea typeface="+mj-ea"/>
+                <a:cs typeface="+mj-cs"/>
+              </a:defRPr>
+            </a:lvl1pPr>
+            <a:lvl2pPr algn="l" rtl="0" eaLnBrk="0" fontAlgn="base" hangingPunct="0">
+              <a:spcBef>
+                <a:spcPct val="0"/>
+              </a:spcBef>
+              <a:spcAft>
+                <a:spcPct val="0"/>
+              </a:spcAft>
+              <a:defRPr sz="2000" b="1">
+                <a:solidFill>
+                  <a:schemeClr val="tx2"/>
+                </a:solidFill>
+                <a:latin typeface="Arial" charset="0"/>
+                <a:cs typeface="Arial" charset="0"/>
+              </a:defRPr>
+            </a:lvl2pPr>
+            <a:lvl3pPr algn="l" rtl="0" eaLnBrk="0" fontAlgn="base" hangingPunct="0">
+              <a:spcBef>
+                <a:spcPct val="0"/>
+              </a:spcBef>
+              <a:spcAft>
+                <a:spcPct val="0"/>
+              </a:spcAft>
+              <a:defRPr sz="2000" b="1">
+                <a:solidFill>
+                  <a:schemeClr val="tx2"/>
+                </a:solidFill>
+                <a:latin typeface="Arial" charset="0"/>
+                <a:cs typeface="Arial" charset="0"/>
+              </a:defRPr>
+            </a:lvl3pPr>
+            <a:lvl4pPr algn="l" rtl="0" eaLnBrk="0" fontAlgn="base" hangingPunct="0">
+              <a:spcBef>
+                <a:spcPct val="0"/>
+              </a:spcBef>
+              <a:spcAft>
+                <a:spcPct val="0"/>
+              </a:spcAft>
+              <a:defRPr sz="2000" b="1">
+                <a:solidFill>
+                  <a:schemeClr val="tx2"/>
+                </a:solidFill>
+                <a:latin typeface="Arial" charset="0"/>
+                <a:cs typeface="Arial" charset="0"/>
+              </a:defRPr>
+            </a:lvl4pPr>
+            <a:lvl5pPr algn="l" rtl="0" eaLnBrk="0" fontAlgn="base" hangingPunct="0">
+              <a:spcBef>
+                <a:spcPct val="0"/>
+              </a:spcBef>
+              <a:spcAft>
+                <a:spcPct val="0"/>
+              </a:spcAft>
+              <a:defRPr sz="2000" b="1">
+                <a:solidFill>
+                  <a:schemeClr val="tx2"/>
+                </a:solidFill>
+                <a:latin typeface="Arial" charset="0"/>
+                <a:cs typeface="Arial" charset="0"/>
+              </a:defRPr>
+            </a:lvl5pPr>
+            <a:lvl6pPr marL="457200" algn="l" rtl="0" fontAlgn="base">
+              <a:spcBef>
+                <a:spcPct val="0"/>
+              </a:spcBef>
+              <a:spcAft>
+                <a:spcPct val="0"/>
+              </a:spcAft>
+              <a:defRPr sz="2000" b="1">
+                <a:solidFill>
+                  <a:schemeClr val="tx2"/>
+                </a:solidFill>
+                <a:latin typeface="Arial" charset="0"/>
+                <a:cs typeface="Arial" charset="0"/>
+              </a:defRPr>
+            </a:lvl6pPr>
+            <a:lvl7pPr marL="914400" algn="l" rtl="0" fontAlgn="base">
+              <a:spcBef>
+                <a:spcPct val="0"/>
+              </a:spcBef>
+              <a:spcAft>
+                <a:spcPct val="0"/>
+              </a:spcAft>
+              <a:defRPr sz="2000" b="1">
+                <a:solidFill>
+                  <a:schemeClr val="tx2"/>
+                </a:solidFill>
+                <a:latin typeface="Arial" charset="0"/>
+                <a:cs typeface="Arial" charset="0"/>
+              </a:defRPr>
+            </a:lvl7pPr>
+            <a:lvl8pPr marL="1371600" algn="l" rtl="0" fontAlgn="base">
+              <a:spcBef>
+                <a:spcPct val="0"/>
+              </a:spcBef>
+              <a:spcAft>
+                <a:spcPct val="0"/>
+              </a:spcAft>
+              <a:defRPr sz="2000" b="1">
+                <a:solidFill>
+                  <a:schemeClr val="tx2"/>
+                </a:solidFill>
+                <a:latin typeface="Arial" charset="0"/>
+                <a:cs typeface="Arial" charset="0"/>
+              </a:defRPr>
+            </a:lvl8pPr>
+            <a:lvl9pPr marL="1828800" algn="l" rtl="0" fontAlgn="base">
+              <a:spcBef>
+                <a:spcPct val="0"/>
+              </a:spcBef>
+              <a:spcAft>
+                <a:spcPct val="0"/>
+              </a:spcAft>
+              <a:defRPr sz="2000" b="1">
+                <a:solidFill>
+                  <a:schemeClr val="tx2"/>
+                </a:solidFill>
+                <a:latin typeface="Arial" charset="0"/>
+                <a:cs typeface="Arial" charset="0"/>
+              </a:defRPr>
+            </a:lvl9pPr>
+          </a:lstStyle>
+          <a:p>
+            <a:r>
+              <a:rPr lang="de-DE" sz="3200" dirty="0"/>
+              <a:t>Evaluation: C++ &lt;==&gt; LLVM</a:t>
+            </a:r>
+            <a:endParaRPr lang="en-US" sz="3200" dirty="0"/>
+          </a:p>
+        </p:txBody>
+      </p:sp>
+      <p:graphicFrame>
+        <p:nvGraphicFramePr>
+          <p:cNvPr id="8" name="Table 5">
+            <a:extLst>
+              <a:ext uri="{FF2B5EF4-FFF2-40B4-BE49-F238E27FC236}">
+                <a16:creationId xmlns:a16="http://schemas.microsoft.com/office/drawing/2014/main" id="{210DE898-3051-4248-B7C2-47740EF1D5E9}"/>
+              </a:ext>
+            </a:extLst>
+          </p:cNvPr>
+          <p:cNvGraphicFramePr>
+            <a:graphicFrameLocks/>
+          </p:cNvGraphicFramePr>
+          <p:nvPr>
+            <p:extLst>
+              <p:ext uri="{D42A27DB-BD31-4B8C-83A1-F6EECF244321}">
+                <p14:modId xmlns:p14="http://schemas.microsoft.com/office/powerpoint/2010/main" val="212472176"/>
+              </p:ext>
+            </p:extLst>
+          </p:nvPr>
+        </p:nvGraphicFramePr>
+        <p:xfrm>
+          <a:off x="319088" y="1762125"/>
+          <a:ext cx="8508996" cy="3119120"/>
+        </p:xfrm>
+        <a:graphic>
+          <a:graphicData uri="http://schemas.openxmlformats.org/drawingml/2006/table">
+            <a:tbl>
+              <a:tblPr firstRow="1" bandRow="1">
+                <a:tableStyleId>{5940675A-B579-460E-94D1-54222C63F5DA}</a:tableStyleId>
+              </a:tblPr>
+              <a:tblGrid>
+                <a:gridCol w="1418166">
+                  <a:extLst>
+                    <a:ext uri="{9D8B030D-6E8A-4147-A177-3AD203B41FA5}">
+                      <a16:colId xmlns:a16="http://schemas.microsoft.com/office/drawing/2014/main" val="3506103937"/>
+                    </a:ext>
+                  </a:extLst>
+                </a:gridCol>
+                <a:gridCol w="1418166">
+                  <a:extLst>
+                    <a:ext uri="{9D8B030D-6E8A-4147-A177-3AD203B41FA5}">
+                      <a16:colId xmlns:a16="http://schemas.microsoft.com/office/drawing/2014/main" val="377672637"/>
+                    </a:ext>
+                  </a:extLst>
+                </a:gridCol>
+                <a:gridCol w="1418166">
+                  <a:extLst>
+                    <a:ext uri="{9D8B030D-6E8A-4147-A177-3AD203B41FA5}">
+                      <a16:colId xmlns:a16="http://schemas.microsoft.com/office/drawing/2014/main" val="2050259959"/>
+                    </a:ext>
+                  </a:extLst>
+                </a:gridCol>
+                <a:gridCol w="1418166">
+                  <a:extLst>
+                    <a:ext uri="{9D8B030D-6E8A-4147-A177-3AD203B41FA5}">
+                      <a16:colId xmlns:a16="http://schemas.microsoft.com/office/drawing/2014/main" val="659699811"/>
+                    </a:ext>
+                  </a:extLst>
+                </a:gridCol>
+                <a:gridCol w="1418166">
+                  <a:extLst>
+                    <a:ext uri="{9D8B030D-6E8A-4147-A177-3AD203B41FA5}">
+                      <a16:colId xmlns:a16="http://schemas.microsoft.com/office/drawing/2014/main" val="213472603"/>
+                    </a:ext>
+                  </a:extLst>
+                </a:gridCol>
+                <a:gridCol w="1418166">
+                  <a:extLst>
+                    <a:ext uri="{9D8B030D-6E8A-4147-A177-3AD203B41FA5}">
+                      <a16:colId xmlns:a16="http://schemas.microsoft.com/office/drawing/2014/main" val="2792084178"/>
+                    </a:ext>
+                  </a:extLst>
+                </a:gridCol>
+              </a:tblGrid>
+              <a:tr h="370840">
+                <a:tc>
+                  <a:txBody>
+                    <a:bodyPr/>
+                    <a:lstStyle/>
+                    <a:p>
+                      <a:pPr algn="ctr"/>
+                      <a:endParaRPr lang="en-US" dirty="0"/>
+                    </a:p>
+                  </a:txBody>
+                  <a:tcPr/>
+                </a:tc>
+                <a:tc>
+                  <a:txBody>
+                    <a:bodyPr/>
+                    <a:lstStyle/>
+                    <a:p>
+                      <a:pPr algn="ctr"/>
+                      <a:r>
+                        <a:rPr lang="en-US" dirty="0"/>
+                        <a:t>Q1</a:t>
+                      </a:r>
+                    </a:p>
+                  </a:txBody>
+                  <a:tcPr>
+                    <a:solidFill>
+                      <a:schemeClr val="accent2">
+                        <a:lumMod val="20000"/>
+                        <a:lumOff val="80000"/>
+                      </a:schemeClr>
+                    </a:solidFill>
+                  </a:tcPr>
+                </a:tc>
+                <a:tc>
+                  <a:txBody>
+                    <a:bodyPr/>
+                    <a:lstStyle/>
+                    <a:p>
+                      <a:pPr algn="ctr"/>
+                      <a:r>
+                        <a:rPr lang="en-US" dirty="0"/>
+                        <a:t>Q2</a:t>
+                      </a:r>
+                    </a:p>
+                  </a:txBody>
+                  <a:tcPr>
+                    <a:solidFill>
+                      <a:schemeClr val="accent2">
+                        <a:lumMod val="20000"/>
+                        <a:lumOff val="80000"/>
+                      </a:schemeClr>
+                    </a:solidFill>
+                  </a:tcPr>
+                </a:tc>
+                <a:tc>
+                  <a:txBody>
+                    <a:bodyPr/>
+                    <a:lstStyle/>
+                    <a:p>
+                      <a:pPr algn="ctr"/>
+                      <a:r>
+                        <a:rPr lang="en-US" dirty="0"/>
+                        <a:t>Q3</a:t>
+                      </a:r>
+                    </a:p>
+                  </a:txBody>
+                  <a:tcPr>
+                    <a:solidFill>
+                      <a:schemeClr val="accent2">
+                        <a:lumMod val="20000"/>
+                        <a:lumOff val="80000"/>
+                      </a:schemeClr>
+                    </a:solidFill>
+                  </a:tcPr>
+                </a:tc>
+                <a:tc>
+                  <a:txBody>
+                    <a:bodyPr/>
+                    <a:lstStyle/>
+                    <a:p>
+                      <a:pPr algn="ctr"/>
+                      <a:r>
+                        <a:rPr lang="en-US" dirty="0"/>
+                        <a:t>Q4</a:t>
+                      </a:r>
+                    </a:p>
+                  </a:txBody>
+                  <a:tcPr>
+                    <a:solidFill>
+                      <a:schemeClr val="accent2">
+                        <a:lumMod val="20000"/>
+                        <a:lumOff val="80000"/>
+                      </a:schemeClr>
+                    </a:solidFill>
+                  </a:tcPr>
+                </a:tc>
+                <a:tc>
+                  <a:txBody>
+                    <a:bodyPr/>
+                    <a:lstStyle/>
+                    <a:p>
+                      <a:pPr algn="ctr"/>
+                      <a:r>
+                        <a:rPr lang="en-US" dirty="0"/>
+                        <a:t>Q5</a:t>
+                      </a:r>
+                    </a:p>
+                  </a:txBody>
+                  <a:tcPr>
+                    <a:solidFill>
+                      <a:schemeClr val="accent2">
+                        <a:lumMod val="20000"/>
+                        <a:lumOff val="80000"/>
+                      </a:schemeClr>
+                    </a:solidFill>
+                  </a:tcPr>
+                </a:tc>
+                <a:extLst>
+                  <a:ext uri="{0D108BD9-81ED-4DB2-BD59-A6C34878D82A}">
+                    <a16:rowId xmlns:a16="http://schemas.microsoft.com/office/drawing/2014/main" val="3332384637"/>
+                  </a:ext>
+                </a:extLst>
+              </a:tr>
+              <a:tr h="370840">
+                <a:tc rowSpan="2">
+                  <a:txBody>
+                    <a:bodyPr/>
+                    <a:lstStyle/>
+                    <a:p>
+                      <a:pPr algn="ctr"/>
+                      <a:r>
+                        <a:rPr lang="en-US" sz="1200" dirty="0" err="1"/>
+                        <a:t>HyPer</a:t>
+                      </a:r>
+                      <a:r>
+                        <a:rPr lang="en-US" sz="1200" dirty="0"/>
+                        <a:t>: C++ [</a:t>
+                      </a:r>
+                      <a:r>
+                        <a:rPr lang="en-US" sz="1200" dirty="0" err="1"/>
+                        <a:t>ms</a:t>
+                      </a:r>
+                      <a:r>
+                        <a:rPr lang="en-US" sz="1200" dirty="0"/>
+                        <a:t>]</a:t>
+                      </a:r>
+                    </a:p>
+                    <a:p>
+                      <a:pPr marL="0" marR="0" lvl="0" indent="0" algn="ctr" defTabSz="914400" rtl="0" eaLnBrk="1" fontAlgn="auto" latinLnBrk="0" hangingPunct="1">
+                        <a:lnSpc>
+                          <a:spcPct val="100000"/>
+                        </a:lnSpc>
+                        <a:spcBef>
+                          <a:spcPts val="0"/>
+                        </a:spcBef>
+                        <a:spcAft>
+                          <a:spcPts val="0"/>
+                        </a:spcAft>
+                        <a:buClrTx/>
+                        <a:buSzTx/>
+                        <a:buFontTx/>
+                        <a:buNone/>
+                        <a:tabLst/>
+                        <a:defRPr/>
+                      </a:pPr>
+                      <a:endParaRPr lang="en-US" sz="1200" dirty="0"/>
+                    </a:p>
+                    <a:p>
+                      <a:pPr marL="0" marR="0" lvl="0" indent="0" algn="ctr" defTabSz="914400" rtl="0" eaLnBrk="1" fontAlgn="auto" latinLnBrk="0" hangingPunct="1">
+                        <a:lnSpc>
+                          <a:spcPct val="100000"/>
+                        </a:lnSpc>
+                        <a:spcBef>
+                          <a:spcPts val="0"/>
+                        </a:spcBef>
+                        <a:spcAft>
+                          <a:spcPts val="0"/>
+                        </a:spcAft>
+                        <a:buClrTx/>
+                        <a:buSzTx/>
+                        <a:buFontTx/>
+                        <a:buNone/>
+                        <a:tabLst/>
+                        <a:defRPr/>
+                      </a:pPr>
+                      <a:r>
+                        <a:rPr lang="en-US" sz="1200" dirty="0"/>
+                        <a:t>Compile time[</a:t>
+                      </a:r>
+                      <a:r>
+                        <a:rPr lang="en-US" sz="1200" dirty="0" err="1"/>
+                        <a:t>ms</a:t>
+                      </a:r>
+                      <a:r>
+                        <a:rPr lang="en-US" sz="1200" dirty="0"/>
+                        <a:t>]</a:t>
+                      </a:r>
+                    </a:p>
+                    <a:p>
+                      <a:pPr algn="ctr"/>
+                      <a:endParaRPr lang="en-US" sz="1200" dirty="0"/>
+                    </a:p>
+                  </a:txBody>
+                  <a:tcPr>
+                    <a:solidFill>
+                      <a:schemeClr val="accent4">
+                        <a:lumMod val="20000"/>
+                        <a:lumOff val="80000"/>
+                      </a:schemeClr>
+                    </a:solidFill>
+                  </a:tcPr>
+                </a:tc>
+                <a:tc>
+                  <a:txBody>
+                    <a:bodyPr/>
+                    <a:lstStyle/>
+                    <a:p>
+                      <a:pPr algn="ctr"/>
+                      <a:r>
+                        <a:rPr lang="en-US" dirty="0">
+                          <a:solidFill>
+                            <a:srgbClr val="00B050"/>
+                          </a:solidFill>
+                        </a:rPr>
+                        <a:t>142</a:t>
+                      </a:r>
+                    </a:p>
+                  </a:txBody>
+                  <a:tcPr/>
+                </a:tc>
+                <a:tc>
+                  <a:txBody>
+                    <a:bodyPr/>
+                    <a:lstStyle/>
+                    <a:p>
+                      <a:pPr algn="ctr"/>
+                      <a:r>
+                        <a:rPr lang="en-US" dirty="0">
+                          <a:solidFill>
+                            <a:srgbClr val="00B050"/>
+                          </a:solidFill>
+                        </a:rPr>
+                        <a:t>374</a:t>
+                      </a:r>
+                    </a:p>
+                  </a:txBody>
+                  <a:tcPr/>
+                </a:tc>
+                <a:tc>
+                  <a:txBody>
+                    <a:bodyPr/>
+                    <a:lstStyle/>
+                    <a:p>
+                      <a:pPr algn="ctr"/>
+                      <a:r>
+                        <a:rPr lang="en-US" dirty="0">
+                          <a:solidFill>
+                            <a:srgbClr val="00B050"/>
+                          </a:solidFill>
+                        </a:rPr>
+                        <a:t>141</a:t>
+                      </a:r>
+                    </a:p>
+                  </a:txBody>
+                  <a:tcPr/>
+                </a:tc>
+                <a:tc>
+                  <a:txBody>
+                    <a:bodyPr/>
+                    <a:lstStyle/>
+                    <a:p>
+                      <a:pPr algn="ctr"/>
+                      <a:r>
+                        <a:rPr lang="en-US" dirty="0">
+                          <a:solidFill>
+                            <a:srgbClr val="00B050"/>
+                          </a:solidFill>
+                        </a:rPr>
+                        <a:t>203</a:t>
+                      </a:r>
+                    </a:p>
+                  </a:txBody>
+                  <a:tcPr/>
+                </a:tc>
+                <a:tc>
+                  <a:txBody>
+                    <a:bodyPr/>
+                    <a:lstStyle/>
+                    <a:p>
+                      <a:pPr algn="ctr"/>
+                      <a:r>
+                        <a:rPr lang="en-US" dirty="0">
+                          <a:solidFill>
+                            <a:srgbClr val="00B050"/>
+                          </a:solidFill>
+                        </a:rPr>
+                        <a:t>1416</a:t>
+                      </a:r>
+                    </a:p>
+                  </a:txBody>
+                  <a:tcPr/>
+                </a:tc>
+                <a:extLst>
+                  <a:ext uri="{0D108BD9-81ED-4DB2-BD59-A6C34878D82A}">
+                    <a16:rowId xmlns:a16="http://schemas.microsoft.com/office/drawing/2014/main" val="422562954"/>
+                  </a:ext>
+                </a:extLst>
+              </a:tr>
+              <a:tr h="370840">
+                <a:tc vMerge="1">
+                  <a:txBody>
+                    <a:bodyPr/>
+                    <a:lstStyle/>
+                    <a:p>
+                      <a:pPr algn="ctr"/>
+                      <a:endParaRPr lang="en-US" sz="1200" dirty="0"/>
+                    </a:p>
+                  </a:txBody>
+                  <a:tcPr/>
+                </a:tc>
+                <a:tc>
+                  <a:txBody>
+                    <a:bodyPr/>
+                    <a:lstStyle/>
+                    <a:p>
+                      <a:pPr algn="ctr"/>
+                      <a:r>
+                        <a:rPr lang="en-US" dirty="0">
+                          <a:solidFill>
+                            <a:srgbClr val="FF0000"/>
+                          </a:solidFill>
+                        </a:rPr>
+                        <a:t>1556</a:t>
+                      </a:r>
+                    </a:p>
+                  </a:txBody>
+                  <a:tcPr/>
+                </a:tc>
+                <a:tc>
+                  <a:txBody>
+                    <a:bodyPr/>
+                    <a:lstStyle/>
+                    <a:p>
+                      <a:pPr algn="ctr"/>
+                      <a:r>
+                        <a:rPr lang="en-US" dirty="0">
+                          <a:solidFill>
+                            <a:srgbClr val="FF0000"/>
+                          </a:solidFill>
+                        </a:rPr>
+                        <a:t>2367</a:t>
+                      </a:r>
+                    </a:p>
+                  </a:txBody>
+                  <a:tcPr/>
+                </a:tc>
+                <a:tc>
+                  <a:txBody>
+                    <a:bodyPr/>
+                    <a:lstStyle/>
+                    <a:p>
+                      <a:pPr algn="ctr"/>
+                      <a:r>
+                        <a:rPr lang="en-US" dirty="0">
+                          <a:solidFill>
+                            <a:srgbClr val="FF0000"/>
+                          </a:solidFill>
+                        </a:rPr>
+                        <a:t>1976</a:t>
+                      </a:r>
+                    </a:p>
+                  </a:txBody>
+                  <a:tcPr/>
+                </a:tc>
+                <a:tc>
+                  <a:txBody>
+                    <a:bodyPr/>
+                    <a:lstStyle/>
+                    <a:p>
+                      <a:pPr algn="ctr"/>
+                      <a:r>
+                        <a:rPr lang="en-US" dirty="0">
+                          <a:solidFill>
+                            <a:srgbClr val="FF0000"/>
+                          </a:solidFill>
+                        </a:rPr>
+                        <a:t>2214</a:t>
+                      </a:r>
+                    </a:p>
+                  </a:txBody>
+                  <a:tcPr/>
+                </a:tc>
+                <a:tc>
+                  <a:txBody>
+                    <a:bodyPr/>
+                    <a:lstStyle/>
+                    <a:p>
+                      <a:pPr algn="ctr"/>
+                      <a:r>
+                        <a:rPr lang="en-US" dirty="0">
+                          <a:solidFill>
+                            <a:srgbClr val="FF0000"/>
+                          </a:solidFill>
+                        </a:rPr>
+                        <a:t>2592</a:t>
+                      </a:r>
+                    </a:p>
+                  </a:txBody>
+                  <a:tcPr/>
+                </a:tc>
+                <a:extLst>
+                  <a:ext uri="{0D108BD9-81ED-4DB2-BD59-A6C34878D82A}">
+                    <a16:rowId xmlns:a16="http://schemas.microsoft.com/office/drawing/2014/main" val="304452083"/>
+                  </a:ext>
+                </a:extLst>
+              </a:tr>
+              <a:tr h="370840">
+                <a:tc rowSpan="2">
+                  <a:txBody>
+                    <a:bodyPr/>
+                    <a:lstStyle/>
+                    <a:p>
+                      <a:pPr algn="ctr"/>
+                      <a:r>
+                        <a:rPr lang="en-US" sz="1200" dirty="0" err="1"/>
+                        <a:t>HyPer</a:t>
+                      </a:r>
+                      <a:r>
+                        <a:rPr lang="en-US" sz="1200" dirty="0"/>
+                        <a:t>: LLVM [</a:t>
+                      </a:r>
+                      <a:r>
+                        <a:rPr lang="en-US" sz="1200" dirty="0" err="1"/>
+                        <a:t>ms</a:t>
+                      </a:r>
+                      <a:r>
+                        <a:rPr lang="en-US" sz="1200" dirty="0"/>
+                        <a:t>]</a:t>
+                      </a:r>
+                    </a:p>
+                    <a:p>
+                      <a:pPr algn="ctr"/>
+                      <a:endParaRPr lang="en-US" sz="1200" dirty="0"/>
+                    </a:p>
+                    <a:p>
+                      <a:pPr marL="0" marR="0" lvl="0" indent="0" algn="ctr" defTabSz="914400" rtl="0" eaLnBrk="1" fontAlgn="auto" latinLnBrk="0" hangingPunct="1">
+                        <a:lnSpc>
+                          <a:spcPct val="100000"/>
+                        </a:lnSpc>
+                        <a:spcBef>
+                          <a:spcPts val="0"/>
+                        </a:spcBef>
+                        <a:spcAft>
+                          <a:spcPts val="0"/>
+                        </a:spcAft>
+                        <a:buClrTx/>
+                        <a:buSzTx/>
+                        <a:buFontTx/>
+                        <a:buNone/>
+                        <a:tabLst/>
+                        <a:defRPr/>
+                      </a:pPr>
+                      <a:r>
+                        <a:rPr lang="en-US" sz="1200" dirty="0"/>
+                        <a:t>Compile time[</a:t>
+                      </a:r>
+                      <a:r>
+                        <a:rPr lang="en-US" sz="1200" dirty="0" err="1"/>
+                        <a:t>ms</a:t>
+                      </a:r>
+                      <a:r>
+                        <a:rPr lang="en-US" sz="1200" dirty="0"/>
+                        <a:t>]</a:t>
+                      </a:r>
+                    </a:p>
+                    <a:p>
+                      <a:pPr algn="ctr"/>
+                      <a:endParaRPr lang="en-US" sz="1200" dirty="0"/>
+                    </a:p>
+                  </a:txBody>
+                  <a:tcPr>
+                    <a:solidFill>
+                      <a:schemeClr val="accent4">
+                        <a:lumMod val="20000"/>
+                        <a:lumOff val="80000"/>
+                      </a:schemeClr>
+                    </a:solidFill>
+                  </a:tcPr>
+                </a:tc>
+                <a:tc>
+                  <a:txBody>
+                    <a:bodyPr/>
+                    <a:lstStyle/>
+                    <a:p>
+                      <a:pPr algn="ctr"/>
+                      <a:r>
+                        <a:rPr lang="en-US" dirty="0">
+                          <a:solidFill>
+                            <a:srgbClr val="00B050"/>
+                          </a:solidFill>
+                        </a:rPr>
+                        <a:t>35</a:t>
+                      </a:r>
+                    </a:p>
+                  </a:txBody>
+                  <a:tcPr/>
+                </a:tc>
+                <a:tc>
+                  <a:txBody>
+                    <a:bodyPr/>
+                    <a:lstStyle/>
+                    <a:p>
+                      <a:pPr algn="ctr"/>
+                      <a:r>
+                        <a:rPr lang="en-US" dirty="0">
+                          <a:solidFill>
+                            <a:srgbClr val="00B050"/>
+                          </a:solidFill>
+                        </a:rPr>
+                        <a:t>125</a:t>
+                      </a:r>
+                    </a:p>
+                  </a:txBody>
+                  <a:tcPr/>
+                </a:tc>
+                <a:tc>
+                  <a:txBody>
+                    <a:bodyPr/>
+                    <a:lstStyle/>
+                    <a:p>
+                      <a:pPr algn="ctr"/>
+                      <a:r>
+                        <a:rPr lang="en-US" dirty="0">
+                          <a:solidFill>
+                            <a:srgbClr val="00B050"/>
+                          </a:solidFill>
+                        </a:rPr>
+                        <a:t>80</a:t>
+                      </a:r>
+                    </a:p>
+                  </a:txBody>
+                  <a:tcPr/>
+                </a:tc>
+                <a:tc>
+                  <a:txBody>
+                    <a:bodyPr/>
+                    <a:lstStyle/>
+                    <a:p>
+                      <a:pPr algn="ctr"/>
+                      <a:r>
+                        <a:rPr lang="en-US" dirty="0">
+                          <a:solidFill>
+                            <a:srgbClr val="00B050"/>
+                          </a:solidFill>
+                        </a:rPr>
+                        <a:t>117</a:t>
+                      </a:r>
+                    </a:p>
+                  </a:txBody>
+                  <a:tcPr/>
+                </a:tc>
+                <a:tc>
+                  <a:txBody>
+                    <a:bodyPr/>
+                    <a:lstStyle/>
+                    <a:p>
+                      <a:pPr algn="ctr"/>
+                      <a:r>
+                        <a:rPr lang="en-US" dirty="0">
+                          <a:solidFill>
+                            <a:srgbClr val="00B050"/>
+                          </a:solidFill>
+                        </a:rPr>
+                        <a:t>1105</a:t>
+                      </a:r>
+                    </a:p>
+                  </a:txBody>
+                  <a:tcPr/>
+                </a:tc>
+                <a:extLst>
+                  <a:ext uri="{0D108BD9-81ED-4DB2-BD59-A6C34878D82A}">
+                    <a16:rowId xmlns:a16="http://schemas.microsoft.com/office/drawing/2014/main" val="611653366"/>
+                  </a:ext>
+                </a:extLst>
+              </a:tr>
+              <a:tr h="370840">
+                <a:tc vMerge="1">
+                  <a:txBody>
+                    <a:bodyPr/>
+                    <a:lstStyle/>
+                    <a:p>
+                      <a:pPr algn="ctr"/>
+                      <a:endParaRPr lang="en-US" sz="1200" dirty="0"/>
+                    </a:p>
+                  </a:txBody>
+                  <a:tcPr/>
+                </a:tc>
+                <a:tc>
+                  <a:txBody>
+                    <a:bodyPr/>
+                    <a:lstStyle/>
+                    <a:p>
+                      <a:pPr algn="ctr"/>
+                      <a:r>
+                        <a:rPr lang="en-US" dirty="0">
+                          <a:solidFill>
+                            <a:srgbClr val="FF0000"/>
+                          </a:solidFill>
+                        </a:rPr>
+                        <a:t>16</a:t>
+                      </a:r>
+                    </a:p>
+                  </a:txBody>
+                  <a:tcPr/>
+                </a:tc>
+                <a:tc>
+                  <a:txBody>
+                    <a:bodyPr/>
+                    <a:lstStyle/>
+                    <a:p>
+                      <a:pPr algn="ctr"/>
+                      <a:r>
+                        <a:rPr lang="en-US" dirty="0">
+                          <a:solidFill>
+                            <a:srgbClr val="FF0000"/>
+                          </a:solidFill>
+                        </a:rPr>
+                        <a:t>41</a:t>
+                      </a:r>
+                    </a:p>
+                  </a:txBody>
+                  <a:tcPr/>
+                </a:tc>
+                <a:tc>
+                  <a:txBody>
+                    <a:bodyPr/>
+                    <a:lstStyle/>
+                    <a:p>
+                      <a:pPr algn="ctr"/>
+                      <a:r>
+                        <a:rPr lang="en-US" dirty="0">
+                          <a:solidFill>
+                            <a:srgbClr val="FF0000"/>
+                          </a:solidFill>
+                        </a:rPr>
+                        <a:t>30</a:t>
+                      </a:r>
+                    </a:p>
+                  </a:txBody>
+                  <a:tcPr/>
+                </a:tc>
+                <a:tc>
+                  <a:txBody>
+                    <a:bodyPr/>
+                    <a:lstStyle/>
+                    <a:p>
+                      <a:pPr algn="ctr"/>
+                      <a:r>
+                        <a:rPr lang="en-US" dirty="0">
+                          <a:solidFill>
+                            <a:srgbClr val="FF0000"/>
+                          </a:solidFill>
+                        </a:rPr>
+                        <a:t>16</a:t>
+                      </a:r>
+                    </a:p>
+                  </a:txBody>
+                  <a:tcPr/>
+                </a:tc>
+                <a:tc>
+                  <a:txBody>
+                    <a:bodyPr/>
+                    <a:lstStyle/>
+                    <a:p>
+                      <a:pPr algn="ctr"/>
+                      <a:r>
+                        <a:rPr lang="en-US" dirty="0">
+                          <a:solidFill>
+                            <a:srgbClr val="FF0000"/>
+                          </a:solidFill>
+                        </a:rPr>
+                        <a:t>34</a:t>
+                      </a:r>
+                    </a:p>
+                  </a:txBody>
+                  <a:tcPr/>
+                </a:tc>
+                <a:extLst>
+                  <a:ext uri="{0D108BD9-81ED-4DB2-BD59-A6C34878D82A}">
+                    <a16:rowId xmlns:a16="http://schemas.microsoft.com/office/drawing/2014/main" val="1135858555"/>
+                  </a:ext>
+                </a:extLst>
+              </a:tr>
+              <a:tr h="370840">
+                <a:tc>
+                  <a:txBody>
+                    <a:bodyPr/>
+                    <a:lstStyle/>
+                    <a:p>
+                      <a:pPr algn="ctr"/>
+                      <a:r>
+                        <a:rPr lang="en-US" sz="1200" dirty="0" err="1"/>
+                        <a:t>VectorWise</a:t>
+                      </a:r>
+                      <a:r>
+                        <a:rPr lang="en-US" sz="1200" dirty="0"/>
+                        <a:t> [</a:t>
+                      </a:r>
+                      <a:r>
+                        <a:rPr lang="en-US" sz="1200" dirty="0" err="1"/>
+                        <a:t>ms</a:t>
+                      </a:r>
+                      <a:r>
+                        <a:rPr lang="en-US" sz="1200" dirty="0"/>
+                        <a:t>]</a:t>
+                      </a:r>
+                    </a:p>
+                  </a:txBody>
+                  <a:tcPr>
+                    <a:solidFill>
+                      <a:schemeClr val="accent4">
+                        <a:lumMod val="20000"/>
+                        <a:lumOff val="80000"/>
+                      </a:schemeClr>
+                    </a:solidFill>
+                  </a:tcPr>
+                </a:tc>
+                <a:tc>
+                  <a:txBody>
+                    <a:bodyPr/>
+                    <a:lstStyle/>
+                    <a:p>
+                      <a:pPr algn="ctr"/>
+                      <a:r>
+                        <a:rPr lang="en-US" dirty="0"/>
+                        <a:t>98</a:t>
+                      </a:r>
+                    </a:p>
+                  </a:txBody>
+                  <a:tcPr/>
+                </a:tc>
+                <a:tc>
+                  <a:txBody>
+                    <a:bodyPr/>
+                    <a:lstStyle/>
+                    <a:p>
+                      <a:pPr algn="ctr"/>
+                      <a:r>
+                        <a:rPr lang="en-US" dirty="0"/>
+                        <a:t>-</a:t>
+                      </a:r>
+                    </a:p>
+                  </a:txBody>
+                  <a:tcPr/>
+                </a:tc>
+                <a:tc>
+                  <a:txBody>
+                    <a:bodyPr/>
+                    <a:lstStyle/>
+                    <a:p>
+                      <a:pPr algn="ctr"/>
+                      <a:r>
+                        <a:rPr lang="en-US" dirty="0"/>
+                        <a:t>257</a:t>
+                      </a:r>
+                    </a:p>
+                  </a:txBody>
+                  <a:tcPr/>
+                </a:tc>
+                <a:tc>
+                  <a:txBody>
+                    <a:bodyPr/>
+                    <a:lstStyle/>
+                    <a:p>
+                      <a:pPr algn="ctr"/>
+                      <a:r>
+                        <a:rPr lang="en-US" dirty="0"/>
+                        <a:t>436</a:t>
+                      </a:r>
+                    </a:p>
+                  </a:txBody>
+                  <a:tcPr/>
+                </a:tc>
+                <a:tc>
+                  <a:txBody>
+                    <a:bodyPr/>
+                    <a:lstStyle/>
+                    <a:p>
+                      <a:pPr algn="ctr"/>
+                      <a:r>
+                        <a:rPr lang="en-US" dirty="0"/>
+                        <a:t>1107</a:t>
+                      </a:r>
+                    </a:p>
+                  </a:txBody>
+                  <a:tcPr/>
+                </a:tc>
+                <a:extLst>
+                  <a:ext uri="{0D108BD9-81ED-4DB2-BD59-A6C34878D82A}">
+                    <a16:rowId xmlns:a16="http://schemas.microsoft.com/office/drawing/2014/main" val="3043065665"/>
+                  </a:ext>
+                </a:extLst>
+              </a:tr>
+              <a:tr h="185420">
+                <a:tc>
+                  <a:txBody>
+                    <a:bodyPr/>
+                    <a:lstStyle/>
+                    <a:p>
+                      <a:pPr algn="ctr"/>
+                      <a:r>
+                        <a:rPr lang="en-US" sz="1200" dirty="0" err="1"/>
+                        <a:t>MonetDB</a:t>
+                      </a:r>
+                      <a:r>
+                        <a:rPr lang="en-US" sz="1200" dirty="0"/>
+                        <a:t> [</a:t>
+                      </a:r>
+                      <a:r>
+                        <a:rPr lang="en-US" sz="1200" dirty="0" err="1"/>
+                        <a:t>ms</a:t>
+                      </a:r>
+                      <a:r>
+                        <a:rPr lang="en-US" sz="1200" dirty="0"/>
+                        <a:t>]</a:t>
+                      </a:r>
+                    </a:p>
+                  </a:txBody>
+                  <a:tcPr>
+                    <a:solidFill>
+                      <a:schemeClr val="accent4">
+                        <a:lumMod val="20000"/>
+                        <a:lumOff val="80000"/>
+                      </a:schemeClr>
+                    </a:solidFill>
+                  </a:tcPr>
+                </a:tc>
+                <a:tc>
+                  <a:txBody>
+                    <a:bodyPr/>
+                    <a:lstStyle/>
+                    <a:p>
+                      <a:pPr algn="ctr"/>
+                      <a:r>
+                        <a:rPr lang="en-US" dirty="0"/>
+                        <a:t>72</a:t>
+                      </a:r>
+                    </a:p>
+                  </a:txBody>
+                  <a:tcPr/>
+                </a:tc>
+                <a:tc>
+                  <a:txBody>
+                    <a:bodyPr/>
+                    <a:lstStyle/>
+                    <a:p>
+                      <a:pPr algn="ctr"/>
+                      <a:r>
+                        <a:rPr lang="en-US" dirty="0"/>
+                        <a:t>218</a:t>
+                      </a:r>
+                    </a:p>
+                  </a:txBody>
+                  <a:tcPr/>
+                </a:tc>
+                <a:tc>
+                  <a:txBody>
+                    <a:bodyPr/>
+                    <a:lstStyle/>
+                    <a:p>
+                      <a:pPr algn="ctr"/>
+                      <a:r>
+                        <a:rPr lang="en-US" dirty="0"/>
+                        <a:t>112</a:t>
+                      </a:r>
+                    </a:p>
+                  </a:txBody>
+                  <a:tcPr/>
+                </a:tc>
+                <a:tc>
+                  <a:txBody>
+                    <a:bodyPr/>
+                    <a:lstStyle/>
+                    <a:p>
+                      <a:pPr algn="ctr"/>
+                      <a:r>
+                        <a:rPr lang="en-US" dirty="0"/>
+                        <a:t>8168</a:t>
+                      </a:r>
+                    </a:p>
+                  </a:txBody>
+                  <a:tcPr/>
+                </a:tc>
+                <a:tc>
+                  <a:txBody>
+                    <a:bodyPr/>
+                    <a:lstStyle/>
+                    <a:p>
+                      <a:pPr algn="ctr"/>
+                      <a:r>
+                        <a:rPr lang="en-US" dirty="0"/>
+                        <a:t>12028</a:t>
+                      </a:r>
+                    </a:p>
+                  </a:txBody>
+                  <a:tcPr/>
+                </a:tc>
+                <a:extLst>
+                  <a:ext uri="{0D108BD9-81ED-4DB2-BD59-A6C34878D82A}">
+                    <a16:rowId xmlns:a16="http://schemas.microsoft.com/office/drawing/2014/main" val="3138083511"/>
+                  </a:ext>
+                </a:extLst>
+              </a:tr>
+              <a:tr h="185420">
+                <a:tc>
+                  <a:txBody>
+                    <a:bodyPr/>
+                    <a:lstStyle/>
+                    <a:p>
+                      <a:pPr algn="ctr"/>
+                      <a:r>
+                        <a:rPr lang="en-US" sz="1200" dirty="0"/>
+                        <a:t>DB X [</a:t>
+                      </a:r>
+                      <a:r>
+                        <a:rPr lang="en-US" sz="1200" dirty="0" err="1"/>
+                        <a:t>ms</a:t>
+                      </a:r>
+                      <a:r>
+                        <a:rPr lang="en-US" sz="1200" dirty="0"/>
+                        <a:t>]</a:t>
+                      </a:r>
+                    </a:p>
+                  </a:txBody>
+                  <a:tcPr>
+                    <a:solidFill>
+                      <a:schemeClr val="accent4">
+                        <a:lumMod val="20000"/>
+                        <a:lumOff val="80000"/>
+                      </a:schemeClr>
+                    </a:solidFill>
+                  </a:tcPr>
+                </a:tc>
+                <a:tc>
+                  <a:txBody>
+                    <a:bodyPr/>
+                    <a:lstStyle/>
+                    <a:p>
+                      <a:pPr algn="ctr"/>
+                      <a:r>
+                        <a:rPr lang="en-US" dirty="0"/>
+                        <a:t>4221</a:t>
+                      </a:r>
+                    </a:p>
+                  </a:txBody>
+                  <a:tcPr/>
+                </a:tc>
+                <a:tc>
+                  <a:txBody>
+                    <a:bodyPr/>
+                    <a:lstStyle/>
+                    <a:p>
+                      <a:pPr algn="ctr"/>
+                      <a:r>
+                        <a:rPr lang="en-US" dirty="0"/>
+                        <a:t>6555</a:t>
+                      </a:r>
+                    </a:p>
+                  </a:txBody>
+                  <a:tcPr/>
+                </a:tc>
+                <a:tc>
+                  <a:txBody>
+                    <a:bodyPr/>
+                    <a:lstStyle/>
+                    <a:p>
+                      <a:pPr algn="ctr"/>
+                      <a:r>
+                        <a:rPr lang="en-US" dirty="0"/>
+                        <a:t>6410</a:t>
+                      </a:r>
+                    </a:p>
+                  </a:txBody>
+                  <a:tcPr/>
+                </a:tc>
+                <a:tc>
+                  <a:txBody>
+                    <a:bodyPr/>
+                    <a:lstStyle/>
+                    <a:p>
+                      <a:pPr algn="ctr"/>
+                      <a:r>
+                        <a:rPr lang="en-US" dirty="0"/>
+                        <a:t>3830</a:t>
+                      </a:r>
+                    </a:p>
+                  </a:txBody>
+                  <a:tcPr/>
+                </a:tc>
+                <a:tc>
+                  <a:txBody>
+                    <a:bodyPr/>
+                    <a:lstStyle/>
+                    <a:p>
+                      <a:pPr algn="ctr"/>
+                      <a:r>
+                        <a:rPr lang="en-US" dirty="0"/>
+                        <a:t>15212</a:t>
+                      </a:r>
+                    </a:p>
+                  </a:txBody>
+                  <a:tcPr/>
+                </a:tc>
+                <a:extLst>
+                  <a:ext uri="{0D108BD9-81ED-4DB2-BD59-A6C34878D82A}">
+                    <a16:rowId xmlns:a16="http://schemas.microsoft.com/office/drawing/2014/main" val="3866664685"/>
+                  </a:ext>
+                </a:extLst>
+              </a:tr>
+            </a:tbl>
+          </a:graphicData>
+        </a:graphic>
+      </p:graphicFrame>
+    </p:spTree>
+    <p:extLst>
+      <p:ext uri="{BB962C8B-B14F-4D97-AF65-F5344CB8AC3E}">
+        <p14:creationId xmlns:p14="http://schemas.microsoft.com/office/powerpoint/2010/main" val="920434952"/>
+      </p:ext>
+    </p:extLst>
+  </p:cSld>
+  <p:clrMapOvr>
+    <a:masterClrMapping/>
+  </p:clrMapOvr>
+  <mc:AlternateContent xmlns:mc="http://schemas.openxmlformats.org/markup-compatibility/2006" xmlns:p14="http://schemas.microsoft.com/office/powerpoint/2010/main">
+    <mc:Choice Requires="p14">
+      <p:transition spd="med" p14:dur="700" advTm="44331">
+        <p:fade/>
+      </p:transition>
+    </mc:Choice>
+    <mc:Fallback xmlns="">
+      <p:transition spd="med" advTm="44331">
+        <p:fade/>
+      </p:transition>
+    </mc:Fallback>
+  </mc:AlternateContent>
+</p:sld>
+</file>
+
+<file path=ppt/slides/slide13.xml><?xml version="1.0" encoding="utf-8"?>
+<p:sld xmlns:a="http://schemas.openxmlformats.org/drawingml/2006/main" xmlns:r="http://schemas.openxmlformats.org/officeDocument/2006/relationships" xmlns:p="http://schemas.openxmlformats.org/presentationml/2006/main">
+  <p:cSld>
+    <p:spTree>
+      <p:nvGrpSpPr>
+        <p:cNvPr id="1" name=""/>
+        <p:cNvGrpSpPr/>
+        <p:nvPr/>
+      </p:nvGrpSpPr>
+      <p:grpSpPr>
+        <a:xfrm>
+          <a:off x="0" y="0"/>
+          <a:ext cx="0" cy="0"/>
+          <a:chOff x="0" y="0"/>
+          <a:chExt cx="0" cy="0"/>
+        </a:xfrm>
+      </p:grpSpPr>
+      <p:sp>
+        <p:nvSpPr>
+          <p:cNvPr id="4" name="Foliennummernplatzhalter 3"/>
+          <p:cNvSpPr>
+            <a:spLocks noGrp="1"/>
+          </p:cNvSpPr>
+          <p:nvPr>
+            <p:ph type="sldNum" sz="quarter" idx="16"/>
+          </p:nvPr>
+        </p:nvSpPr>
+        <p:spPr>
+          <a:xfrm>
+            <a:off x="6774934" y="6473313"/>
+            <a:ext cx="2052074" cy="365125"/>
+          </a:xfrm>
+        </p:spPr>
+        <p:txBody>
+          <a:bodyPr anchor="ctr">
+            <a:normAutofit/>
+          </a:bodyPr>
+          <a:lstStyle/>
+          <a:p>
+            <a:pPr>
+              <a:spcAft>
+                <a:spcPts val="600"/>
+              </a:spcAft>
+            </a:pPr>
+            <a:fld id="{CE58CB1E-F828-4F11-99E0-327109AF9DA4}" type="slidenum">
+              <a:rPr lang="de-DE" smtClean="0"/>
+              <a:pPr>
+                <a:spcAft>
+                  <a:spcPts val="600"/>
+                </a:spcAft>
+              </a:pPr>
+              <a:t>13</a:t>
             </a:fld>
             <a:endParaRPr lang="de-DE"/>
           </a:p>
@@ -15008,7 +17404,7 @@
 </p:sld>
 </file>
 
-<file path=ppt/slides/slide11.xml><?xml version="1.0" encoding="utf-8"?>
+<file path=ppt/slides/slide14.xml><?xml version="1.0" encoding="utf-8"?>
 <p:sld xmlns:a="http://schemas.openxmlformats.org/drawingml/2006/main" xmlns:r="http://schemas.openxmlformats.org/officeDocument/2006/relationships" xmlns:p="http://schemas.openxmlformats.org/presentationml/2006/main">
   <p:cSld>
     <p:spTree>
@@ -15222,7 +17618,7 @@
                   <a:spcPts val="600"/>
                 </a:spcAft>
               </a:pPr>
-              <a:t>11</a:t>
+              <a:t>14</a:t>
             </a:fld>
             <a:endParaRPr lang="de-DE"/>
           </a:p>
@@ -15499,7 +17895,7 @@
 </p:sld>
 </file>
 
-<file path=ppt/slides/slide12.xml><?xml version="1.0" encoding="utf-8"?>
+<file path=ppt/slides/slide15.xml><?xml version="1.0" encoding="utf-8"?>
 <p:sld xmlns:a="http://schemas.openxmlformats.org/drawingml/2006/main" xmlns:r="http://schemas.openxmlformats.org/officeDocument/2006/relationships" xmlns:p="http://schemas.openxmlformats.org/presentationml/2006/main">
   <p:cSld>
     <p:spTree>
@@ -15550,7 +17946,7 @@
                   <a:spcPts val="600"/>
                 </a:spcAft>
               </a:pPr>
-              <a:t>12</a:t>
+              <a:t>15</a:t>
             </a:fld>
             <a:endParaRPr lang="de-DE"/>
           </a:p>
@@ -16904,7 +19300,7 @@
 </p:sld>
 </file>
 
-<file path=ppt/slides/slide13.xml><?xml version="1.0" encoding="utf-8"?>
+<file path=ppt/slides/slide16.xml><?xml version="1.0" encoding="utf-8"?>
 <p:sld xmlns:a="http://schemas.openxmlformats.org/drawingml/2006/main" xmlns:r="http://schemas.openxmlformats.org/officeDocument/2006/relationships" xmlns:p="http://schemas.openxmlformats.org/presentationml/2006/main">
   <p:cSld>
     <p:spTree>
@@ -16955,7 +19351,7 @@
                   <a:spcPts val="600"/>
                 </a:spcAft>
               </a:pPr>
-              <a:t>13</a:t>
+              <a:t>16</a:t>
             </a:fld>
             <a:endParaRPr lang="de-DE"/>
           </a:p>
@@ -17305,7 +19701,7 @@
 </p:sld>
 </file>
 
-<file path=ppt/slides/slide14.xml><?xml version="1.0" encoding="utf-8"?>
+<file path=ppt/slides/slide17.xml><?xml version="1.0" encoding="utf-8"?>
 <p:sld xmlns:a="http://schemas.openxmlformats.org/drawingml/2006/main" xmlns:r="http://schemas.openxmlformats.org/officeDocument/2006/relationships" xmlns:p="http://schemas.openxmlformats.org/presentationml/2006/main">
   <p:cSld>
     <p:spTree>
@@ -17356,7 +19752,7 @@
                   <a:spcPts val="600"/>
                 </a:spcAft>
               </a:pPr>
-              <a:t>14</a:t>
+              <a:t>17</a:t>
             </a:fld>
             <a:endParaRPr lang="de-DE"/>
           </a:p>
@@ -18734,7 +21130,7 @@
 </p:sld>
 </file>
 
-<file path=ppt/slides/slide15.xml><?xml version="1.0" encoding="utf-8"?>
+<file path=ppt/slides/slide18.xml><?xml version="1.0" encoding="utf-8"?>
 <p:sld xmlns:a="http://schemas.openxmlformats.org/drawingml/2006/main" xmlns:r="http://schemas.openxmlformats.org/officeDocument/2006/relationships" xmlns:p="http://schemas.openxmlformats.org/presentationml/2006/main">
   <p:cSld>
     <p:spTree>
@@ -18785,7 +21181,7 @@
                   <a:spcPts val="600"/>
                 </a:spcAft>
               </a:pPr>
-              <a:t>15</a:t>
+              <a:t>18</a:t>
             </a:fld>
             <a:endParaRPr lang="de-DE"/>
           </a:p>
@@ -19139,7 +21535,7 @@
 </p:sld>
 </file>
 
-<file path=ppt/slides/slide16.xml><?xml version="1.0" encoding="utf-8"?>
+<file path=ppt/slides/slide19.xml><?xml version="1.0" encoding="utf-8"?>
 <p:sld xmlns:a="http://schemas.openxmlformats.org/drawingml/2006/main" xmlns:r="http://schemas.openxmlformats.org/officeDocument/2006/relationships" xmlns:p="http://schemas.openxmlformats.org/presentationml/2006/main">
   <p:cSld>
     <p:spTree>
@@ -19190,7 +21586,7 @@
                   <a:spcPts val="600"/>
                 </a:spcAft>
               </a:pPr>
-              <a:t>16</a:t>
+              <a:t>19</a:t>
             </a:fld>
             <a:endParaRPr lang="de-DE"/>
           </a:p>
@@ -20628,7 +23024,422 @@
 </p:sld>
 </file>
 
-<file path=ppt/slides/slide17.xml><?xml version="1.0" encoding="utf-8"?>
+<file path=ppt/slides/slide2.xml><?xml version="1.0" encoding="utf-8"?>
+<p:sld xmlns:a="http://schemas.openxmlformats.org/drawingml/2006/main" xmlns:r="http://schemas.openxmlformats.org/officeDocument/2006/relationships" xmlns:p="http://schemas.openxmlformats.org/presentationml/2006/main">
+  <p:cSld>
+    <p:spTree>
+      <p:nvGrpSpPr>
+        <p:cNvPr id="1" name=""/>
+        <p:cNvGrpSpPr/>
+        <p:nvPr/>
+      </p:nvGrpSpPr>
+      <p:grpSpPr>
+        <a:xfrm>
+          <a:off x="0" y="0"/>
+          <a:ext cx="0" cy="0"/>
+          <a:chOff x="0" y="0"/>
+          <a:chExt cx="0" cy="0"/>
+        </a:xfrm>
+      </p:grpSpPr>
+      <p:sp>
+        <p:nvSpPr>
+          <p:cNvPr id="14" name="Content Placeholder 13">
+            <a:extLst>
+              <a:ext uri="{FF2B5EF4-FFF2-40B4-BE49-F238E27FC236}">
+                <a16:creationId xmlns:a16="http://schemas.microsoft.com/office/drawing/2014/main" id="{4F27CAB4-9F06-4A2C-924C-826960716AE6}"/>
+              </a:ext>
+            </a:extLst>
+          </p:cNvPr>
+          <p:cNvSpPr>
+            <a:spLocks noGrp="1"/>
+          </p:cNvSpPr>
+          <p:nvPr>
+            <p:ph idx="15"/>
+          </p:nvPr>
+        </p:nvSpPr>
+        <p:spPr>
+          <a:xfrm>
+            <a:off x="260392" y="1925690"/>
+            <a:ext cx="8508999" cy="4523878"/>
+          </a:xfrm>
+        </p:spPr>
+        <p:txBody>
+          <a:bodyPr wrap="square" anchor="t">
+            <a:normAutofit/>
+          </a:bodyPr>
+          <a:lstStyle/>
+          <a:p>
+            <a:pPr>
+              <a:spcAft>
+                <a:spcPts val="600"/>
+              </a:spcAft>
+            </a:pPr>
+            <a:r>
+              <a:rPr lang="en-GB" dirty="0"/>
+              <a:t>•</a:t>
+            </a:r>
+          </a:p>
+          <a:p>
+            <a:pPr marL="457200" indent="-457200">
+              <a:spcAft>
+                <a:spcPts val="600"/>
+              </a:spcAft>
+              <a:buFont typeface="Courier New" panose="02070309020205020404" pitchFamily="49" charset="0"/>
+              <a:buChar char="o"/>
+            </a:pPr>
+            <a:endParaRPr lang="en-GB" dirty="0">
+              <a:solidFill>
+                <a:srgbClr val="FF0000"/>
+              </a:solidFill>
+            </a:endParaRPr>
+          </a:p>
+          <a:p>
+            <a:pPr marL="285750" indent="-285750">
+              <a:spcAft>
+                <a:spcPts val="600"/>
+              </a:spcAft>
+              <a:buFont typeface="Courier New" panose="02070309020205020404" pitchFamily="49" charset="0"/>
+              <a:buChar char="o"/>
+            </a:pPr>
+            <a:endParaRPr lang="en-US" dirty="0">
+              <a:solidFill>
+                <a:srgbClr val="FF0000"/>
+              </a:solidFill>
+            </a:endParaRPr>
+          </a:p>
+        </p:txBody>
+      </p:sp>
+      <p:sp>
+        <p:nvSpPr>
+          <p:cNvPr id="4" name="Foliennummernplatzhalter 3"/>
+          <p:cNvSpPr>
+            <a:spLocks noGrp="1"/>
+          </p:cNvSpPr>
+          <p:nvPr>
+            <p:ph type="sldNum" sz="quarter" idx="16"/>
+          </p:nvPr>
+        </p:nvSpPr>
+        <p:spPr>
+          <a:xfrm>
+            <a:off x="6774934" y="6473313"/>
+            <a:ext cx="2052074" cy="365125"/>
+          </a:xfrm>
+        </p:spPr>
+        <p:txBody>
+          <a:bodyPr anchor="ctr">
+            <a:normAutofit/>
+          </a:bodyPr>
+          <a:lstStyle/>
+          <a:p>
+            <a:pPr>
+              <a:spcAft>
+                <a:spcPts val="600"/>
+              </a:spcAft>
+            </a:pPr>
+            <a:fld id="{CE58CB1E-F828-4F11-99E0-327109AF9DA4}" type="slidenum">
+              <a:rPr lang="de-DE" smtClean="0"/>
+              <a:pPr>
+                <a:spcAft>
+                  <a:spcPts val="600"/>
+                </a:spcAft>
+              </a:pPr>
+              <a:t>2</a:t>
+            </a:fld>
+            <a:endParaRPr lang="de-DE" dirty="0"/>
+          </a:p>
+        </p:txBody>
+      </p:sp>
+      <p:sp>
+        <p:nvSpPr>
+          <p:cNvPr id="7" name="Fußzeilenplatzhalter 4"/>
+          <p:cNvSpPr>
+            <a:spLocks noGrp="1"/>
+          </p:cNvSpPr>
+          <p:nvPr>
+            <p:ph type="ftr" sz="quarter" idx="17"/>
+          </p:nvPr>
+        </p:nvSpPr>
+        <p:spPr>
+          <a:xfrm>
+            <a:off x="311162" y="6473313"/>
+            <a:ext cx="6464280" cy="365125"/>
+          </a:xfrm>
+        </p:spPr>
+        <p:txBody>
+          <a:bodyPr anchor="ctr">
+            <a:normAutofit/>
+          </a:bodyPr>
+          <a:lstStyle/>
+          <a:p>
+            <a:pPr>
+              <a:lnSpc>
+                <a:spcPct val="90000"/>
+              </a:lnSpc>
+            </a:pPr>
+            <a:r>
+              <a:rPr lang="de-DE" sz="900" dirty="0"/>
+              <a:t>Aspekte der systemnahen Programmierung bei der Spieleentwicklung | 16.02.2021 | </a:t>
+            </a:r>
+            <a:r>
+              <a:rPr lang="en-US" sz="900" b="1" dirty="0" err="1"/>
+              <a:t>Peano-Kurven</a:t>
+            </a:r>
+            <a:r>
+              <a:rPr lang="en-US" sz="900" b="1" dirty="0"/>
+              <a:t> (A214)</a:t>
+            </a:r>
+          </a:p>
+          <a:p>
+            <a:pPr>
+              <a:lnSpc>
+                <a:spcPct val="90000"/>
+              </a:lnSpc>
+              <a:spcAft>
+                <a:spcPts val="600"/>
+              </a:spcAft>
+            </a:pPr>
+            <a:endParaRPr lang="en-US" sz="900" dirty="0"/>
+          </a:p>
+        </p:txBody>
+      </p:sp>
+      <p:sp>
+        <p:nvSpPr>
+          <p:cNvPr id="8" name="Titel 2">
+            <a:extLst>
+              <a:ext uri="{FF2B5EF4-FFF2-40B4-BE49-F238E27FC236}">
+                <a16:creationId xmlns:a16="http://schemas.microsoft.com/office/drawing/2014/main" id="{66D87E1D-CB52-40CC-9D1E-558B606176A6}"/>
+              </a:ext>
+            </a:extLst>
+          </p:cNvPr>
+          <p:cNvSpPr txBox="1">
+            <a:spLocks/>
+          </p:cNvSpPr>
+          <p:nvPr/>
+        </p:nvSpPr>
+        <p:spPr>
+          <a:xfrm>
+            <a:off x="311162" y="878427"/>
+            <a:ext cx="8508999" cy="410369"/>
+          </a:xfrm>
+          <a:prstGeom prst="rect">
+            <a:avLst/>
+          </a:prstGeom>
+          <a:noFill/>
+          <a:ln w="9525">
+            <a:noFill/>
+            <a:miter lim="800000"/>
+            <a:headEnd/>
+            <a:tailEnd/>
+          </a:ln>
+        </p:spPr>
+        <p:txBody>
+          <a:bodyPr vert="horz" wrap="square" lIns="0" tIns="0" rIns="0" bIns="0" numCol="1" anchor="t" anchorCtr="0" compatLnSpc="1">
+            <a:prstTxWarp prst="textNoShape">
+              <a:avLst/>
+            </a:prstTxWarp>
+            <a:noAutofit/>
+          </a:bodyPr>
+          <a:lstStyle>
+            <a:lvl1pPr algn="l" rtl="0" eaLnBrk="0" fontAlgn="base" hangingPunct="0">
+              <a:lnSpc>
+                <a:spcPts val="3200"/>
+              </a:lnSpc>
+              <a:spcBef>
+                <a:spcPct val="0"/>
+              </a:spcBef>
+              <a:spcAft>
+                <a:spcPct val="0"/>
+              </a:spcAft>
+              <a:defRPr lang="de-DE" sz="3000" b="0" kern="1200" noProof="0" dirty="0">
+                <a:solidFill>
+                  <a:schemeClr val="tx1"/>
+                </a:solidFill>
+                <a:latin typeface="+mj-lt"/>
+                <a:ea typeface="+mj-ea"/>
+                <a:cs typeface="+mj-cs"/>
+              </a:defRPr>
+            </a:lvl1pPr>
+            <a:lvl2pPr algn="l" rtl="0" eaLnBrk="0" fontAlgn="base" hangingPunct="0">
+              <a:spcBef>
+                <a:spcPct val="0"/>
+              </a:spcBef>
+              <a:spcAft>
+                <a:spcPct val="0"/>
+              </a:spcAft>
+              <a:defRPr sz="2000" b="1">
+                <a:solidFill>
+                  <a:schemeClr val="tx2"/>
+                </a:solidFill>
+                <a:latin typeface="Arial" charset="0"/>
+                <a:cs typeface="Arial" charset="0"/>
+              </a:defRPr>
+            </a:lvl2pPr>
+            <a:lvl3pPr algn="l" rtl="0" eaLnBrk="0" fontAlgn="base" hangingPunct="0">
+              <a:spcBef>
+                <a:spcPct val="0"/>
+              </a:spcBef>
+              <a:spcAft>
+                <a:spcPct val="0"/>
+              </a:spcAft>
+              <a:defRPr sz="2000" b="1">
+                <a:solidFill>
+                  <a:schemeClr val="tx2"/>
+                </a:solidFill>
+                <a:latin typeface="Arial" charset="0"/>
+                <a:cs typeface="Arial" charset="0"/>
+              </a:defRPr>
+            </a:lvl3pPr>
+            <a:lvl4pPr algn="l" rtl="0" eaLnBrk="0" fontAlgn="base" hangingPunct="0">
+              <a:spcBef>
+                <a:spcPct val="0"/>
+              </a:spcBef>
+              <a:spcAft>
+                <a:spcPct val="0"/>
+              </a:spcAft>
+              <a:defRPr sz="2000" b="1">
+                <a:solidFill>
+                  <a:schemeClr val="tx2"/>
+                </a:solidFill>
+                <a:latin typeface="Arial" charset="0"/>
+                <a:cs typeface="Arial" charset="0"/>
+              </a:defRPr>
+            </a:lvl4pPr>
+            <a:lvl5pPr algn="l" rtl="0" eaLnBrk="0" fontAlgn="base" hangingPunct="0">
+              <a:spcBef>
+                <a:spcPct val="0"/>
+              </a:spcBef>
+              <a:spcAft>
+                <a:spcPct val="0"/>
+              </a:spcAft>
+              <a:defRPr sz="2000" b="1">
+                <a:solidFill>
+                  <a:schemeClr val="tx2"/>
+                </a:solidFill>
+                <a:latin typeface="Arial" charset="0"/>
+                <a:cs typeface="Arial" charset="0"/>
+              </a:defRPr>
+            </a:lvl5pPr>
+            <a:lvl6pPr marL="457200" algn="l" rtl="0" fontAlgn="base">
+              <a:spcBef>
+                <a:spcPct val="0"/>
+              </a:spcBef>
+              <a:spcAft>
+                <a:spcPct val="0"/>
+              </a:spcAft>
+              <a:defRPr sz="2000" b="1">
+                <a:solidFill>
+                  <a:schemeClr val="tx2"/>
+                </a:solidFill>
+                <a:latin typeface="Arial" charset="0"/>
+                <a:cs typeface="Arial" charset="0"/>
+              </a:defRPr>
+            </a:lvl6pPr>
+            <a:lvl7pPr marL="914400" algn="l" rtl="0" fontAlgn="base">
+              <a:spcBef>
+                <a:spcPct val="0"/>
+              </a:spcBef>
+              <a:spcAft>
+                <a:spcPct val="0"/>
+              </a:spcAft>
+              <a:defRPr sz="2000" b="1">
+                <a:solidFill>
+                  <a:schemeClr val="tx2"/>
+                </a:solidFill>
+                <a:latin typeface="Arial" charset="0"/>
+                <a:cs typeface="Arial" charset="0"/>
+              </a:defRPr>
+            </a:lvl7pPr>
+            <a:lvl8pPr marL="1371600" algn="l" rtl="0" fontAlgn="base">
+              <a:spcBef>
+                <a:spcPct val="0"/>
+              </a:spcBef>
+              <a:spcAft>
+                <a:spcPct val="0"/>
+              </a:spcAft>
+              <a:defRPr sz="2000" b="1">
+                <a:solidFill>
+                  <a:schemeClr val="tx2"/>
+                </a:solidFill>
+                <a:latin typeface="Arial" charset="0"/>
+                <a:cs typeface="Arial" charset="0"/>
+              </a:defRPr>
+            </a:lvl8pPr>
+            <a:lvl9pPr marL="1828800" algn="l" rtl="0" fontAlgn="base">
+              <a:spcBef>
+                <a:spcPct val="0"/>
+              </a:spcBef>
+              <a:spcAft>
+                <a:spcPct val="0"/>
+              </a:spcAft>
+              <a:defRPr sz="2000" b="1">
+                <a:solidFill>
+                  <a:schemeClr val="tx2"/>
+                </a:solidFill>
+                <a:latin typeface="Arial" charset="0"/>
+                <a:cs typeface="Arial" charset="0"/>
+              </a:defRPr>
+            </a:lvl9pPr>
+          </a:lstStyle>
+          <a:p>
+            <a:r>
+              <a:rPr lang="en-US" sz="3200" dirty="0">
+                <a:solidFill>
+                  <a:schemeClr val="bg2">
+                    <a:lumMod val="75000"/>
+                  </a:schemeClr>
+                </a:solidFill>
+              </a:rPr>
+              <a:t>Motivation: </a:t>
+            </a:r>
+            <a:r>
+              <a:rPr lang="en-US" sz="3200" dirty="0" err="1">
+                <a:solidFill>
+                  <a:schemeClr val="bg2">
+                    <a:lumMod val="75000"/>
+                  </a:schemeClr>
+                </a:solidFill>
+              </a:rPr>
+              <a:t>Beispiel</a:t>
+            </a:r>
+            <a:r>
+              <a:rPr lang="en-US" sz="3200" dirty="0">
+                <a:solidFill>
+                  <a:schemeClr val="bg2">
+                    <a:lumMod val="75000"/>
+                  </a:schemeClr>
+                </a:solidFill>
+              </a:rPr>
+              <a:t> des Ansatzes </a:t>
+            </a:r>
+          </a:p>
+        </p:txBody>
+      </p:sp>
+    </p:spTree>
+    <p:extLst>
+      <p:ext uri="{BB962C8B-B14F-4D97-AF65-F5344CB8AC3E}">
+        <p14:creationId xmlns:p14="http://schemas.microsoft.com/office/powerpoint/2010/main" val="2257163135"/>
+      </p:ext>
+    </p:extLst>
+  </p:cSld>
+  <p:clrMapOvr>
+    <a:masterClrMapping/>
+  </p:clrMapOvr>
+  <mc:AlternateContent xmlns:mc="http://schemas.openxmlformats.org/markup-compatibility/2006" xmlns:p14="http://schemas.microsoft.com/office/powerpoint/2010/main">
+    <mc:Choice Requires="p14">
+      <p:transition spd="med" p14:dur="700" advTm="82598">
+        <p:fade/>
+      </p:transition>
+    </mc:Choice>
+    <mc:Fallback xmlns="">
+      <p:transition spd="med" advTm="82598">
+        <p:fade/>
+      </p:transition>
+    </mc:Fallback>
+  </mc:AlternateContent>
+</p:sld>
+</file>
+
+<file path=ppt/slides/slide20.xml><?xml version="1.0" encoding="utf-8"?>
 <p:sld xmlns:a="http://schemas.openxmlformats.org/drawingml/2006/main" xmlns:r="http://schemas.openxmlformats.org/officeDocument/2006/relationships" xmlns:p="http://schemas.openxmlformats.org/presentationml/2006/main">
   <p:cSld>
     <p:spTree>
@@ -20679,7 +23490,7 @@
                   <a:spcPts val="600"/>
                 </a:spcAft>
               </a:pPr>
-              <a:t>17</a:t>
+              <a:t>20</a:t>
             </a:fld>
             <a:endParaRPr lang="de-DE"/>
           </a:p>
@@ -21033,7 +23844,7 @@
 </p:sld>
 </file>
 
-<file path=ppt/slides/slide18.xml><?xml version="1.0" encoding="utf-8"?>
+<file path=ppt/slides/slide21.xml><?xml version="1.0" encoding="utf-8"?>
 <p:sld xmlns:a="http://schemas.openxmlformats.org/drawingml/2006/main" xmlns:r="http://schemas.openxmlformats.org/officeDocument/2006/relationships" xmlns:p="http://schemas.openxmlformats.org/presentationml/2006/main">
   <p:cSld>
     <p:spTree>
@@ -21359,7 +24170,7 @@
                   <a:spcPts val="600"/>
                 </a:spcAft>
               </a:pPr>
-              <a:t>18</a:t>
+              <a:t>21</a:t>
             </a:fld>
             <a:endParaRPr lang="de-DE"/>
           </a:p>
@@ -21636,7 +24447,7 @@
 </p:sld>
 </file>
 
-<file path=ppt/slides/slide19.xml><?xml version="1.0" encoding="utf-8"?>
+<file path=ppt/slides/slide22.xml><?xml version="1.0" encoding="utf-8"?>
 <p:sld xmlns:a="http://schemas.openxmlformats.org/drawingml/2006/main" xmlns:r="http://schemas.openxmlformats.org/officeDocument/2006/relationships" xmlns:p="http://schemas.openxmlformats.org/presentationml/2006/main">
   <p:cSld>
     <p:spTree>
@@ -21671,7 +24482,7 @@
             <a:fld id="{CE58CB1E-F828-4F11-99E0-327109AF9DA4}" type="slidenum">
               <a:rPr lang="de-DE" smtClean="0"/>
               <a:pPr/>
-              <a:t>19</a:t>
+              <a:t>22</a:t>
             </a:fld>
             <a:endParaRPr lang="de-DE" dirty="0"/>
           </a:p>
@@ -23255,7 +26066,654 @@
 </p:sld>
 </file>
 
-<file path=ppt/slides/slide2.xml><?xml version="1.0" encoding="utf-8"?>
+<file path=ppt/slides/slide23.xml><?xml version="1.0" encoding="utf-8"?>
+<p:sld xmlns:a="http://schemas.openxmlformats.org/drawingml/2006/main" xmlns:r="http://schemas.openxmlformats.org/officeDocument/2006/relationships" xmlns:p="http://schemas.openxmlformats.org/presentationml/2006/main">
+  <p:cSld>
+    <p:spTree>
+      <p:nvGrpSpPr>
+        <p:cNvPr id="1" name=""/>
+        <p:cNvGrpSpPr/>
+        <p:nvPr/>
+      </p:nvGrpSpPr>
+      <p:grpSpPr>
+        <a:xfrm>
+          <a:off x="0" y="0"/>
+          <a:ext cx="0" cy="0"/>
+          <a:chOff x="0" y="0"/>
+          <a:chExt cx="0" cy="0"/>
+        </a:xfrm>
+      </p:grpSpPr>
+      <p:sp>
+        <p:nvSpPr>
+          <p:cNvPr id="2" name="Inhaltsplatzhalter 1"/>
+          <p:cNvSpPr>
+            <a:spLocks noGrp="1"/>
+          </p:cNvSpPr>
+          <p:nvPr>
+            <p:ph idx="15"/>
+          </p:nvPr>
+        </p:nvSpPr>
+        <p:spPr>
+          <a:xfrm>
+            <a:off x="319090" y="1707687"/>
+            <a:ext cx="8739113" cy="4384396"/>
+          </a:xfrm>
+        </p:spPr>
+        <p:txBody>
+          <a:bodyPr wrap="square" anchor="t">
+            <a:normAutofit/>
+          </a:bodyPr>
+          <a:lstStyle/>
+          <a:p>
+            <a:pPr marL="342900" indent="-342900">
+              <a:spcAft>
+                <a:spcPts val="600"/>
+              </a:spcAft>
+              <a:buFont typeface="Wingdings" panose="05000000000000000000" pitchFamily="2" charset="2"/>
+              <a:buChar char="§"/>
+            </a:pPr>
+            <a:r>
+              <a:rPr lang="en-US" sz="1800" dirty="0">
+                <a:solidFill>
+                  <a:srgbClr val="00B050"/>
+                </a:solidFill>
+              </a:rPr>
+              <a:t>Data-centric query processing shows excellent performance</a:t>
+            </a:r>
+          </a:p>
+          <a:p>
+            <a:pPr marL="342900" indent="-342900">
+              <a:spcAft>
+                <a:spcPts val="600"/>
+              </a:spcAft>
+              <a:buFont typeface="Symbol" panose="05050102010706020507" pitchFamily="18" charset="2"/>
+              <a:buChar char="Þ"/>
+            </a:pPr>
+            <a:r>
+              <a:rPr lang="en-US" sz="1800" dirty="0"/>
+              <a:t>Minimize number of memory accesses</a:t>
+            </a:r>
+          </a:p>
+          <a:p>
+            <a:pPr marL="342900" indent="-342900">
+              <a:spcAft>
+                <a:spcPts val="600"/>
+              </a:spcAft>
+              <a:buFont typeface="Symbol" panose="05050102010706020507" pitchFamily="18" charset="2"/>
+              <a:buChar char="Þ"/>
+            </a:pPr>
+            <a:r>
+              <a:rPr lang="en-US" sz="1800" dirty="0"/>
+              <a:t>Data kept in CPU registers</a:t>
+            </a:r>
+          </a:p>
+          <a:p>
+            <a:pPr marL="342900" indent="-342900">
+              <a:spcAft>
+                <a:spcPts val="600"/>
+              </a:spcAft>
+              <a:buFont typeface="Symbol" panose="05050102010706020507" pitchFamily="18" charset="2"/>
+              <a:buChar char="Þ"/>
+            </a:pPr>
+            <a:r>
+              <a:rPr lang="en-US" sz="1800" dirty="0"/>
+              <a:t>Increases locality, reduces branching </a:t>
+            </a:r>
+          </a:p>
+          <a:p>
+            <a:pPr marL="342900" indent="-342900">
+              <a:spcAft>
+                <a:spcPts val="600"/>
+              </a:spcAft>
+              <a:buFont typeface="Symbol" panose="05050102010706020507" pitchFamily="18" charset="2"/>
+              <a:buChar char="Þ"/>
+            </a:pPr>
+            <a:endParaRPr lang="en-US" sz="1800" dirty="0"/>
+          </a:p>
+          <a:p>
+            <a:pPr marL="342900" indent="-342900">
+              <a:spcAft>
+                <a:spcPts val="600"/>
+              </a:spcAft>
+              <a:buFont typeface="Wingdings" panose="05000000000000000000" pitchFamily="2" charset="2"/>
+              <a:buChar char="§"/>
+            </a:pPr>
+            <a:r>
+              <a:rPr lang="en-US" sz="1800" dirty="0">
+                <a:solidFill>
+                  <a:srgbClr val="00B050"/>
+                </a:solidFill>
+              </a:rPr>
+              <a:t>LLVM is an excellent tool for code generation</a:t>
+            </a:r>
+          </a:p>
+          <a:p>
+            <a:pPr marL="342900" indent="-342900">
+              <a:spcAft>
+                <a:spcPts val="600"/>
+              </a:spcAft>
+              <a:buFont typeface="Symbol" panose="05050102010706020507" pitchFamily="18" charset="2"/>
+              <a:buChar char="Þ"/>
+            </a:pPr>
+            <a:endParaRPr lang="en-US" sz="1800" dirty="0"/>
+          </a:p>
+          <a:p>
+            <a:pPr marL="342900" indent="-342900">
+              <a:spcAft>
+                <a:spcPts val="600"/>
+              </a:spcAft>
+              <a:buFont typeface="Symbol" panose="05050102010706020507" pitchFamily="18" charset="2"/>
+              <a:buChar char="Þ"/>
+            </a:pPr>
+            <a:r>
+              <a:rPr lang="en-US" sz="1800" dirty="0"/>
+              <a:t>Fast on demand code generation</a:t>
+            </a:r>
+          </a:p>
+          <a:p>
+            <a:pPr marL="342900" indent="-342900">
+              <a:spcAft>
+                <a:spcPts val="600"/>
+              </a:spcAft>
+              <a:buFont typeface="Symbol" panose="05050102010706020507" pitchFamily="18" charset="2"/>
+              <a:buChar char="Þ"/>
+            </a:pPr>
+            <a:r>
+              <a:rPr lang="en-US" sz="1800" dirty="0"/>
+              <a:t>Good code quality</a:t>
+            </a:r>
+          </a:p>
+          <a:p>
+            <a:pPr marL="342900" indent="-342900">
+              <a:spcAft>
+                <a:spcPts val="600"/>
+              </a:spcAft>
+              <a:buFont typeface="Symbol" panose="05050102010706020507" pitchFamily="18" charset="2"/>
+              <a:buChar char="Þ"/>
+            </a:pPr>
+            <a:r>
+              <a:rPr lang="en-US" sz="1800" dirty="0"/>
+              <a:t>Portable and well maintained</a:t>
+            </a:r>
+          </a:p>
+          <a:p>
+            <a:pPr marL="342900" indent="-342900">
+              <a:spcAft>
+                <a:spcPts val="600"/>
+              </a:spcAft>
+              <a:buFont typeface="Symbol" panose="05050102010706020507" pitchFamily="18" charset="2"/>
+              <a:buChar char="Þ"/>
+            </a:pPr>
+            <a:r>
+              <a:rPr lang="en-US" sz="1800" dirty="0"/>
+              <a:t>Low compile times</a:t>
+            </a:r>
+          </a:p>
+          <a:p>
+            <a:pPr marL="342900" indent="-342900">
+              <a:spcAft>
+                <a:spcPts val="600"/>
+              </a:spcAft>
+              <a:buFont typeface="Symbol" panose="05050102010706020507" pitchFamily="18" charset="2"/>
+              <a:buChar char="Þ"/>
+            </a:pPr>
+            <a:endParaRPr lang="en-US" sz="1800" dirty="0"/>
+          </a:p>
+          <a:p>
+            <a:pPr>
+              <a:spcAft>
+                <a:spcPts val="600"/>
+              </a:spcAft>
+            </a:pPr>
+            <a:endParaRPr lang="en-US" sz="1800" dirty="0"/>
+          </a:p>
+        </p:txBody>
+      </p:sp>
+      <p:sp>
+        <p:nvSpPr>
+          <p:cNvPr id="4" name="Foliennummernplatzhalter 3"/>
+          <p:cNvSpPr>
+            <a:spLocks noGrp="1"/>
+          </p:cNvSpPr>
+          <p:nvPr>
+            <p:ph type="sldNum" sz="quarter" idx="16"/>
+          </p:nvPr>
+        </p:nvSpPr>
+        <p:spPr>
+          <a:xfrm>
+            <a:off x="6774934" y="6473313"/>
+            <a:ext cx="2052074" cy="365125"/>
+          </a:xfrm>
+        </p:spPr>
+        <p:txBody>
+          <a:bodyPr anchor="ctr">
+            <a:normAutofit/>
+          </a:bodyPr>
+          <a:lstStyle/>
+          <a:p>
+            <a:pPr>
+              <a:spcAft>
+                <a:spcPts val="600"/>
+              </a:spcAft>
+            </a:pPr>
+            <a:fld id="{CE58CB1E-F828-4F11-99E0-327109AF9DA4}" type="slidenum">
+              <a:rPr lang="de-DE" smtClean="0"/>
+              <a:pPr>
+                <a:spcAft>
+                  <a:spcPts val="600"/>
+                </a:spcAft>
+              </a:pPr>
+              <a:t>23</a:t>
+            </a:fld>
+            <a:endParaRPr lang="de-DE"/>
+          </a:p>
+        </p:txBody>
+      </p:sp>
+      <p:sp>
+        <p:nvSpPr>
+          <p:cNvPr id="9" name="Fußzeilenplatzhalter 4">
+            <a:extLst>
+              <a:ext uri="{FF2B5EF4-FFF2-40B4-BE49-F238E27FC236}">
+                <a16:creationId xmlns:a16="http://schemas.microsoft.com/office/drawing/2014/main" id="{E875A8F6-02CE-4254-82FC-05D2BB57BE87}"/>
+              </a:ext>
+            </a:extLst>
+          </p:cNvPr>
+          <p:cNvSpPr>
+            <a:spLocks noGrp="1"/>
+          </p:cNvSpPr>
+          <p:nvPr>
+            <p:ph type="ftr" sz="quarter" idx="17"/>
+          </p:nvPr>
+        </p:nvSpPr>
+        <p:spPr>
+          <a:xfrm>
+            <a:off x="311162" y="6473313"/>
+            <a:ext cx="6464280" cy="365125"/>
+          </a:xfrm>
+        </p:spPr>
+        <p:txBody>
+          <a:bodyPr anchor="ctr">
+            <a:normAutofit/>
+          </a:bodyPr>
+          <a:lstStyle/>
+          <a:p>
+            <a:pPr>
+              <a:lnSpc>
+                <a:spcPct val="90000"/>
+              </a:lnSpc>
+            </a:pPr>
+            <a:r>
+              <a:rPr lang="en-GB" sz="900" dirty="0"/>
+              <a:t>Eﬃciently Compiling Eﬃcient Query Plans for Modern Hardware</a:t>
+            </a:r>
+            <a:r>
+              <a:rPr lang="de-DE" sz="900" dirty="0"/>
+              <a:t>| 10.06.2020 | </a:t>
+            </a:r>
+            <a:r>
+              <a:rPr lang="en-US" sz="900" b="1" dirty="0"/>
+              <a:t>Seminar - Modern Database Systems </a:t>
+            </a:r>
+          </a:p>
+          <a:p>
+            <a:pPr>
+              <a:lnSpc>
+                <a:spcPct val="90000"/>
+              </a:lnSpc>
+              <a:spcAft>
+                <a:spcPts val="600"/>
+              </a:spcAft>
+            </a:pPr>
+            <a:endParaRPr lang="en-US" sz="900" dirty="0"/>
+          </a:p>
+        </p:txBody>
+      </p:sp>
+      <p:sp>
+        <p:nvSpPr>
+          <p:cNvPr id="6" name="Titel 2">
+            <a:extLst>
+              <a:ext uri="{FF2B5EF4-FFF2-40B4-BE49-F238E27FC236}">
+                <a16:creationId xmlns:a16="http://schemas.microsoft.com/office/drawing/2014/main" id="{6BF57E55-E66C-4647-845B-0D87DF16E557}"/>
+              </a:ext>
+            </a:extLst>
+          </p:cNvPr>
+          <p:cNvSpPr txBox="1">
+            <a:spLocks/>
+          </p:cNvSpPr>
+          <p:nvPr/>
+        </p:nvSpPr>
+        <p:spPr>
+          <a:xfrm>
+            <a:off x="311162" y="878427"/>
+            <a:ext cx="8508999" cy="410369"/>
+          </a:xfrm>
+          <a:prstGeom prst="rect">
+            <a:avLst/>
+          </a:prstGeom>
+          <a:noFill/>
+          <a:ln w="9525">
+            <a:noFill/>
+            <a:miter lim="800000"/>
+            <a:headEnd/>
+            <a:tailEnd/>
+          </a:ln>
+        </p:spPr>
+        <p:txBody>
+          <a:bodyPr vert="horz" wrap="square" lIns="0" tIns="0" rIns="0" bIns="0" numCol="1" anchor="t" anchorCtr="0" compatLnSpc="1">
+            <a:prstTxWarp prst="textNoShape">
+              <a:avLst/>
+            </a:prstTxWarp>
+            <a:noAutofit/>
+          </a:bodyPr>
+          <a:lstStyle>
+            <a:lvl1pPr algn="l" rtl="0" eaLnBrk="0" fontAlgn="base" hangingPunct="0">
+              <a:lnSpc>
+                <a:spcPts val="3200"/>
+              </a:lnSpc>
+              <a:spcBef>
+                <a:spcPct val="0"/>
+              </a:spcBef>
+              <a:spcAft>
+                <a:spcPct val="0"/>
+              </a:spcAft>
+              <a:defRPr lang="de-DE" sz="3000" b="0" kern="1200" noProof="0" dirty="0">
+                <a:solidFill>
+                  <a:schemeClr val="tx1"/>
+                </a:solidFill>
+                <a:latin typeface="+mj-lt"/>
+                <a:ea typeface="+mj-ea"/>
+                <a:cs typeface="+mj-cs"/>
+              </a:defRPr>
+            </a:lvl1pPr>
+            <a:lvl2pPr algn="l" rtl="0" eaLnBrk="0" fontAlgn="base" hangingPunct="0">
+              <a:spcBef>
+                <a:spcPct val="0"/>
+              </a:spcBef>
+              <a:spcAft>
+                <a:spcPct val="0"/>
+              </a:spcAft>
+              <a:defRPr sz="2000" b="1">
+                <a:solidFill>
+                  <a:schemeClr val="tx2"/>
+                </a:solidFill>
+                <a:latin typeface="Arial" charset="0"/>
+                <a:cs typeface="Arial" charset="0"/>
+              </a:defRPr>
+            </a:lvl2pPr>
+            <a:lvl3pPr algn="l" rtl="0" eaLnBrk="0" fontAlgn="base" hangingPunct="0">
+              <a:spcBef>
+                <a:spcPct val="0"/>
+              </a:spcBef>
+              <a:spcAft>
+                <a:spcPct val="0"/>
+              </a:spcAft>
+              <a:defRPr sz="2000" b="1">
+                <a:solidFill>
+                  <a:schemeClr val="tx2"/>
+                </a:solidFill>
+                <a:latin typeface="Arial" charset="0"/>
+                <a:cs typeface="Arial" charset="0"/>
+              </a:defRPr>
+            </a:lvl3pPr>
+            <a:lvl4pPr algn="l" rtl="0" eaLnBrk="0" fontAlgn="base" hangingPunct="0">
+              <a:spcBef>
+                <a:spcPct val="0"/>
+              </a:spcBef>
+              <a:spcAft>
+                <a:spcPct val="0"/>
+              </a:spcAft>
+              <a:defRPr sz="2000" b="1">
+                <a:solidFill>
+                  <a:schemeClr val="tx2"/>
+                </a:solidFill>
+                <a:latin typeface="Arial" charset="0"/>
+                <a:cs typeface="Arial" charset="0"/>
+              </a:defRPr>
+            </a:lvl4pPr>
+            <a:lvl5pPr algn="l" rtl="0" eaLnBrk="0" fontAlgn="base" hangingPunct="0">
+              <a:spcBef>
+                <a:spcPct val="0"/>
+              </a:spcBef>
+              <a:spcAft>
+                <a:spcPct val="0"/>
+              </a:spcAft>
+              <a:defRPr sz="2000" b="1">
+                <a:solidFill>
+                  <a:schemeClr val="tx2"/>
+                </a:solidFill>
+                <a:latin typeface="Arial" charset="0"/>
+                <a:cs typeface="Arial" charset="0"/>
+              </a:defRPr>
+            </a:lvl5pPr>
+            <a:lvl6pPr marL="457200" algn="l" rtl="0" fontAlgn="base">
+              <a:spcBef>
+                <a:spcPct val="0"/>
+              </a:spcBef>
+              <a:spcAft>
+                <a:spcPct val="0"/>
+              </a:spcAft>
+              <a:defRPr sz="2000" b="1">
+                <a:solidFill>
+                  <a:schemeClr val="tx2"/>
+                </a:solidFill>
+                <a:latin typeface="Arial" charset="0"/>
+                <a:cs typeface="Arial" charset="0"/>
+              </a:defRPr>
+            </a:lvl6pPr>
+            <a:lvl7pPr marL="914400" algn="l" rtl="0" fontAlgn="base">
+              <a:spcBef>
+                <a:spcPct val="0"/>
+              </a:spcBef>
+              <a:spcAft>
+                <a:spcPct val="0"/>
+              </a:spcAft>
+              <a:defRPr sz="2000" b="1">
+                <a:solidFill>
+                  <a:schemeClr val="tx2"/>
+                </a:solidFill>
+                <a:latin typeface="Arial" charset="0"/>
+                <a:cs typeface="Arial" charset="0"/>
+              </a:defRPr>
+            </a:lvl7pPr>
+            <a:lvl8pPr marL="1371600" algn="l" rtl="0" fontAlgn="base">
+              <a:spcBef>
+                <a:spcPct val="0"/>
+              </a:spcBef>
+              <a:spcAft>
+                <a:spcPct val="0"/>
+              </a:spcAft>
+              <a:defRPr sz="2000" b="1">
+                <a:solidFill>
+                  <a:schemeClr val="tx2"/>
+                </a:solidFill>
+                <a:latin typeface="Arial" charset="0"/>
+                <a:cs typeface="Arial" charset="0"/>
+              </a:defRPr>
+            </a:lvl8pPr>
+            <a:lvl9pPr marL="1828800" algn="l" rtl="0" fontAlgn="base">
+              <a:spcBef>
+                <a:spcPct val="0"/>
+              </a:spcBef>
+              <a:spcAft>
+                <a:spcPct val="0"/>
+              </a:spcAft>
+              <a:defRPr sz="2000" b="1">
+                <a:solidFill>
+                  <a:schemeClr val="tx2"/>
+                </a:solidFill>
+                <a:latin typeface="Arial" charset="0"/>
+                <a:cs typeface="Arial" charset="0"/>
+              </a:defRPr>
+            </a:lvl9pPr>
+          </a:lstStyle>
+          <a:p>
+            <a:r>
+              <a:rPr lang="de-DE" sz="3200" dirty="0" err="1">
+                <a:solidFill>
+                  <a:srgbClr val="005293"/>
+                </a:solidFill>
+              </a:rPr>
+              <a:t>Conclusion</a:t>
+            </a:r>
+            <a:endParaRPr lang="de-DE" sz="3200" dirty="0">
+              <a:solidFill>
+                <a:srgbClr val="005293"/>
+              </a:solidFill>
+            </a:endParaRPr>
+          </a:p>
+          <a:p>
+            <a:endParaRPr lang="en-US" sz="3200" dirty="0"/>
+          </a:p>
+        </p:txBody>
+      </p:sp>
+    </p:spTree>
+    <p:extLst>
+      <p:ext uri="{BB962C8B-B14F-4D97-AF65-F5344CB8AC3E}">
+        <p14:creationId xmlns:p14="http://schemas.microsoft.com/office/powerpoint/2010/main" val="4209039500"/>
+      </p:ext>
+    </p:extLst>
+  </p:cSld>
+  <p:clrMapOvr>
+    <a:masterClrMapping/>
+  </p:clrMapOvr>
+  <mc:AlternateContent xmlns:mc="http://schemas.openxmlformats.org/markup-compatibility/2006" xmlns:p14="http://schemas.microsoft.com/office/powerpoint/2010/main">
+    <mc:Choice Requires="p14">
+      <p:transition spd="med" p14:dur="700" advTm="28400">
+        <p:fade/>
+      </p:transition>
+    </mc:Choice>
+    <mc:Fallback xmlns="">
+      <p:transition spd="med" advTm="28400">
+        <p:fade/>
+      </p:transition>
+    </mc:Fallback>
+  </mc:AlternateContent>
+</p:sld>
+</file>
+
+<file path=ppt/slides/slide24.xml><?xml version="1.0" encoding="utf-8"?>
+<p:sld xmlns:a="http://schemas.openxmlformats.org/drawingml/2006/main" xmlns:r="http://schemas.openxmlformats.org/officeDocument/2006/relationships" xmlns:p="http://schemas.openxmlformats.org/presentationml/2006/main">
+  <p:cSld>
+    <p:spTree>
+      <p:nvGrpSpPr>
+        <p:cNvPr id="1" name=""/>
+        <p:cNvGrpSpPr/>
+        <p:nvPr/>
+      </p:nvGrpSpPr>
+      <p:grpSpPr>
+        <a:xfrm>
+          <a:off x="0" y="0"/>
+          <a:ext cx="0" cy="0"/>
+          <a:chOff x="0" y="0"/>
+          <a:chExt cx="0" cy="0"/>
+        </a:xfrm>
+      </p:grpSpPr>
+      <p:sp>
+        <p:nvSpPr>
+          <p:cNvPr id="5" name="Titel 4"/>
+          <p:cNvSpPr>
+            <a:spLocks noGrp="1"/>
+          </p:cNvSpPr>
+          <p:nvPr>
+            <p:ph type="title"/>
+          </p:nvPr>
+        </p:nvSpPr>
+        <p:spPr/>
+        <p:txBody>
+          <a:bodyPr/>
+          <a:lstStyle/>
+          <a:p>
+            <a:r>
+              <a:rPr lang="de-DE" dirty="0" err="1"/>
+              <a:t>Thank</a:t>
+            </a:r>
+            <a:r>
+              <a:rPr lang="de-DE" dirty="0"/>
+              <a:t> </a:t>
+            </a:r>
+            <a:r>
+              <a:rPr lang="de-DE" dirty="0" err="1"/>
+              <a:t>you</a:t>
+            </a:r>
+            <a:r>
+              <a:rPr lang="de-DE" dirty="0"/>
+              <a:t> </a:t>
+            </a:r>
+            <a:r>
+              <a:rPr lang="de-DE" dirty="0" err="1"/>
+              <a:t>for</a:t>
+            </a:r>
+            <a:r>
+              <a:rPr lang="de-DE" dirty="0"/>
+              <a:t> </a:t>
+            </a:r>
+            <a:r>
+              <a:rPr lang="de-DE" dirty="0" err="1"/>
+              <a:t>your</a:t>
+            </a:r>
+            <a:r>
+              <a:rPr lang="de-DE" dirty="0"/>
+              <a:t> </a:t>
+            </a:r>
+            <a:r>
+              <a:rPr lang="de-DE" dirty="0" err="1"/>
+              <a:t>attention</a:t>
+            </a:r>
+            <a:r>
+              <a:rPr lang="de-DE" dirty="0"/>
+              <a:t> !</a:t>
+            </a:r>
+          </a:p>
+        </p:txBody>
+      </p:sp>
+      <p:sp>
+        <p:nvSpPr>
+          <p:cNvPr id="3" name="Inhaltsplatzhalter 2"/>
+          <p:cNvSpPr>
+            <a:spLocks noGrp="1"/>
+          </p:cNvSpPr>
+          <p:nvPr>
+            <p:ph idx="10"/>
+          </p:nvPr>
+        </p:nvSpPr>
+        <p:spPr/>
+        <p:txBody>
+          <a:bodyPr/>
+          <a:lstStyle/>
+          <a:p>
+            <a:r>
+              <a:rPr lang="en-US" sz="1400" dirty="0"/>
+              <a:t>Mohamed Attia, Patrick Zimmermann, Thomas </a:t>
+            </a:r>
+            <a:r>
+              <a:rPr lang="en-US" sz="1400" dirty="0" err="1"/>
+              <a:t>Torggler</a:t>
+            </a:r>
+            <a:endParaRPr lang="en-US" sz="1400" dirty="0"/>
+          </a:p>
+        </p:txBody>
+      </p:sp>
+    </p:spTree>
+  </p:cSld>
+  <p:clrMapOvr>
+    <a:masterClrMapping/>
+  </p:clrMapOvr>
+  <mc:AlternateContent xmlns:mc="http://schemas.openxmlformats.org/markup-compatibility/2006" xmlns:p14="http://schemas.microsoft.com/office/powerpoint/2010/main">
+    <mc:Choice Requires="p14">
+      <p:transition spd="med" p14:dur="700" advTm="2026">
+        <p:fade/>
+      </p:transition>
+    </mc:Choice>
+    <mc:Fallback xmlns="">
+      <p:transition spd="med" advTm="2026">
+        <p:fade/>
+      </p:transition>
+    </mc:Fallback>
+  </mc:AlternateContent>
+</p:sld>
+</file>
+
+<file path=ppt/slides/slide3.xml><?xml version="1.0" encoding="utf-8"?>
 <p:sld xmlns:a="http://schemas.openxmlformats.org/drawingml/2006/main" xmlns:r="http://schemas.openxmlformats.org/officeDocument/2006/relationships" xmlns:p="http://schemas.openxmlformats.org/presentationml/2006/main">
   <p:cSld>
     <p:spTree>
@@ -23374,7 +26832,7 @@
                   <a:spcPts val="600"/>
                 </a:spcAft>
               </a:pPr>
-              <a:t>2</a:t>
+              <a:t>3</a:t>
             </a:fld>
             <a:endParaRPr lang="de-DE" dirty="0"/>
           </a:p>
@@ -23613,42 +27071,102 @@
           </a:lstStyle>
           <a:p>
             <a:r>
-              <a:rPr lang="en-US" sz="3200" dirty="0"/>
+              <a:rPr lang="en-US" sz="3200" dirty="0">
+                <a:solidFill>
+                  <a:schemeClr val="bg2">
+                    <a:lumMod val="75000"/>
+                  </a:schemeClr>
+                </a:solidFill>
+              </a:rPr>
               <a:t>Motivation: </a:t>
             </a:r>
             <a:r>
-              <a:rPr lang="en-US" sz="3200" dirty="0" err="1"/>
+              <a:rPr lang="en-US" sz="3200" dirty="0" err="1">
+                <a:solidFill>
+                  <a:schemeClr val="bg2">
+                    <a:lumMod val="75000"/>
+                  </a:schemeClr>
+                </a:solidFill>
+              </a:rPr>
               <a:t>Raumfüllende</a:t>
             </a:r>
             <a:r>
-              <a:rPr lang="en-US" sz="3200" dirty="0"/>
+              <a:rPr lang="en-US" sz="3200" dirty="0">
+                <a:solidFill>
+                  <a:schemeClr val="bg2">
+                    <a:lumMod val="75000"/>
+                  </a:schemeClr>
+                </a:solidFill>
+              </a:rPr>
               <a:t> </a:t>
             </a:r>
             <a:r>
-              <a:rPr lang="en-US" sz="3200" dirty="0" err="1"/>
+              <a:rPr lang="en-US" sz="3200" dirty="0" err="1">
+                <a:solidFill>
+                  <a:schemeClr val="bg2">
+                    <a:lumMod val="75000"/>
+                  </a:schemeClr>
+                </a:solidFill>
+              </a:rPr>
               <a:t>Kurven</a:t>
             </a:r>
-            <a:endParaRPr lang="en-US" sz="3200" dirty="0"/>
+            <a:endParaRPr lang="en-US" sz="3200" dirty="0">
+              <a:solidFill>
+                <a:schemeClr val="bg2">
+                  <a:lumMod val="75000"/>
+                </a:schemeClr>
+              </a:solidFill>
+            </a:endParaRPr>
           </a:p>
         </p:txBody>
       </p:sp>
+      <p:pic>
+        <p:nvPicPr>
+          <p:cNvPr id="3" name="Picture 2" descr="Diagram&#10;&#10;Description automatically generated with low confidence">
+            <a:extLst>
+              <a:ext uri="{FF2B5EF4-FFF2-40B4-BE49-F238E27FC236}">
+                <a16:creationId xmlns:a16="http://schemas.microsoft.com/office/drawing/2014/main" id="{7DF1AC57-45D7-4520-A778-C6A3E209B1DF}"/>
+              </a:ext>
+            </a:extLst>
+          </p:cNvPr>
+          <p:cNvPicPr>
+            <a:picLocks noChangeAspect="1"/>
+          </p:cNvPicPr>
+          <p:nvPr/>
+        </p:nvPicPr>
+        <p:blipFill>
+          <a:blip r:embed="rId2"/>
+          <a:stretch>
+            <a:fillRect/>
+          </a:stretch>
+        </p:blipFill>
+        <p:spPr>
+          <a:xfrm>
+            <a:off x="169559" y="2373994"/>
+            <a:ext cx="4764476" cy="2591622"/>
+          </a:xfrm>
+          <a:prstGeom prst="rect">
+            <a:avLst/>
+          </a:prstGeom>
+        </p:spPr>
+      </p:pic>
     </p:spTree>
     <p:extLst>
       <p:ext uri="{BB962C8B-B14F-4D97-AF65-F5344CB8AC3E}">
-        <p14:creationId xmlns:p14="http://schemas.microsoft.com/office/powerpoint/2010/main" val="2257163135"/>
+        <p14:creationId xmlns:p14="http://schemas.microsoft.com/office/powerpoint/2010/main" val="4072176880"/>
       </p:ext>
     </p:extLst>
   </p:cSld>
   <p:clrMapOvr>
     <a:masterClrMapping/>
   </p:clrMapOvr>
-  <mc:AlternateContent xmlns:mc="http://schemas.openxmlformats.org/markup-compatibility/2006" xmlns:p14="http://schemas.microsoft.com/office/powerpoint/2010/main">
-    <mc:Choice Requires="p14">
+  <mc:AlternateContent xmlns:mc="http://schemas.openxmlformats.org/markup-compatibility/2006">
+    <mc:Choice xmlns:p14="http://schemas.microsoft.com/office/powerpoint/2010/main" Requires="p14">
       <p:transition spd="med" p14:dur="700" advTm="82598">
         <p:fade/>
       </p:transition>
     </mc:Choice>
-    <mc:Fallback xmlns="">
+    <mc:Fallback>
       <p:transition spd="med" advTm="82598">
         <p:fade/>
       </p:transition>
@@ -23657,654 +27175,7 @@
 </p:sld>
 </file>
 
-<file path=ppt/slides/slide20.xml><?xml version="1.0" encoding="utf-8"?>
-<p:sld xmlns:a="http://schemas.openxmlformats.org/drawingml/2006/main" xmlns:r="http://schemas.openxmlformats.org/officeDocument/2006/relationships" xmlns:p="http://schemas.openxmlformats.org/presentationml/2006/main">
-  <p:cSld>
-    <p:spTree>
-      <p:nvGrpSpPr>
-        <p:cNvPr id="1" name=""/>
-        <p:cNvGrpSpPr/>
-        <p:nvPr/>
-      </p:nvGrpSpPr>
-      <p:grpSpPr>
-        <a:xfrm>
-          <a:off x="0" y="0"/>
-          <a:ext cx="0" cy="0"/>
-          <a:chOff x="0" y="0"/>
-          <a:chExt cx="0" cy="0"/>
-        </a:xfrm>
-      </p:grpSpPr>
-      <p:sp>
-        <p:nvSpPr>
-          <p:cNvPr id="2" name="Inhaltsplatzhalter 1"/>
-          <p:cNvSpPr>
-            <a:spLocks noGrp="1"/>
-          </p:cNvSpPr>
-          <p:nvPr>
-            <p:ph idx="15"/>
-          </p:nvPr>
-        </p:nvSpPr>
-        <p:spPr>
-          <a:xfrm>
-            <a:off x="319090" y="1707687"/>
-            <a:ext cx="8739113" cy="4384396"/>
-          </a:xfrm>
-        </p:spPr>
-        <p:txBody>
-          <a:bodyPr wrap="square" anchor="t">
-            <a:normAutofit/>
-          </a:bodyPr>
-          <a:lstStyle/>
-          <a:p>
-            <a:pPr marL="342900" indent="-342900">
-              <a:spcAft>
-                <a:spcPts val="600"/>
-              </a:spcAft>
-              <a:buFont typeface="Wingdings" panose="05000000000000000000" pitchFamily="2" charset="2"/>
-              <a:buChar char="§"/>
-            </a:pPr>
-            <a:r>
-              <a:rPr lang="en-US" sz="1800" dirty="0">
-                <a:solidFill>
-                  <a:srgbClr val="00B050"/>
-                </a:solidFill>
-              </a:rPr>
-              <a:t>Data-centric query processing shows excellent performance</a:t>
-            </a:r>
-          </a:p>
-          <a:p>
-            <a:pPr marL="342900" indent="-342900">
-              <a:spcAft>
-                <a:spcPts val="600"/>
-              </a:spcAft>
-              <a:buFont typeface="Symbol" panose="05050102010706020507" pitchFamily="18" charset="2"/>
-              <a:buChar char="Þ"/>
-            </a:pPr>
-            <a:r>
-              <a:rPr lang="en-US" sz="1800" dirty="0"/>
-              <a:t>Minimize number of memory accesses</a:t>
-            </a:r>
-          </a:p>
-          <a:p>
-            <a:pPr marL="342900" indent="-342900">
-              <a:spcAft>
-                <a:spcPts val="600"/>
-              </a:spcAft>
-              <a:buFont typeface="Symbol" panose="05050102010706020507" pitchFamily="18" charset="2"/>
-              <a:buChar char="Þ"/>
-            </a:pPr>
-            <a:r>
-              <a:rPr lang="en-US" sz="1800" dirty="0"/>
-              <a:t>Data kept in CPU registers</a:t>
-            </a:r>
-          </a:p>
-          <a:p>
-            <a:pPr marL="342900" indent="-342900">
-              <a:spcAft>
-                <a:spcPts val="600"/>
-              </a:spcAft>
-              <a:buFont typeface="Symbol" panose="05050102010706020507" pitchFamily="18" charset="2"/>
-              <a:buChar char="Þ"/>
-            </a:pPr>
-            <a:r>
-              <a:rPr lang="en-US" sz="1800" dirty="0"/>
-              <a:t>Increases locality, reduces branching </a:t>
-            </a:r>
-          </a:p>
-          <a:p>
-            <a:pPr marL="342900" indent="-342900">
-              <a:spcAft>
-                <a:spcPts val="600"/>
-              </a:spcAft>
-              <a:buFont typeface="Symbol" panose="05050102010706020507" pitchFamily="18" charset="2"/>
-              <a:buChar char="Þ"/>
-            </a:pPr>
-            <a:endParaRPr lang="en-US" sz="1800" dirty="0"/>
-          </a:p>
-          <a:p>
-            <a:pPr marL="342900" indent="-342900">
-              <a:spcAft>
-                <a:spcPts val="600"/>
-              </a:spcAft>
-              <a:buFont typeface="Wingdings" panose="05000000000000000000" pitchFamily="2" charset="2"/>
-              <a:buChar char="§"/>
-            </a:pPr>
-            <a:r>
-              <a:rPr lang="en-US" sz="1800" dirty="0">
-                <a:solidFill>
-                  <a:srgbClr val="00B050"/>
-                </a:solidFill>
-              </a:rPr>
-              <a:t>LLVM is an excellent tool for code generation</a:t>
-            </a:r>
-          </a:p>
-          <a:p>
-            <a:pPr marL="342900" indent="-342900">
-              <a:spcAft>
-                <a:spcPts val="600"/>
-              </a:spcAft>
-              <a:buFont typeface="Symbol" panose="05050102010706020507" pitchFamily="18" charset="2"/>
-              <a:buChar char="Þ"/>
-            </a:pPr>
-            <a:endParaRPr lang="en-US" sz="1800" dirty="0"/>
-          </a:p>
-          <a:p>
-            <a:pPr marL="342900" indent="-342900">
-              <a:spcAft>
-                <a:spcPts val="600"/>
-              </a:spcAft>
-              <a:buFont typeface="Symbol" panose="05050102010706020507" pitchFamily="18" charset="2"/>
-              <a:buChar char="Þ"/>
-            </a:pPr>
-            <a:r>
-              <a:rPr lang="en-US" sz="1800" dirty="0"/>
-              <a:t>Fast on demand code generation</a:t>
-            </a:r>
-          </a:p>
-          <a:p>
-            <a:pPr marL="342900" indent="-342900">
-              <a:spcAft>
-                <a:spcPts val="600"/>
-              </a:spcAft>
-              <a:buFont typeface="Symbol" panose="05050102010706020507" pitchFamily="18" charset="2"/>
-              <a:buChar char="Þ"/>
-            </a:pPr>
-            <a:r>
-              <a:rPr lang="en-US" sz="1800" dirty="0"/>
-              <a:t>Good code quality</a:t>
-            </a:r>
-          </a:p>
-          <a:p>
-            <a:pPr marL="342900" indent="-342900">
-              <a:spcAft>
-                <a:spcPts val="600"/>
-              </a:spcAft>
-              <a:buFont typeface="Symbol" panose="05050102010706020507" pitchFamily="18" charset="2"/>
-              <a:buChar char="Þ"/>
-            </a:pPr>
-            <a:r>
-              <a:rPr lang="en-US" sz="1800" dirty="0"/>
-              <a:t>Portable and well maintained</a:t>
-            </a:r>
-          </a:p>
-          <a:p>
-            <a:pPr marL="342900" indent="-342900">
-              <a:spcAft>
-                <a:spcPts val="600"/>
-              </a:spcAft>
-              <a:buFont typeface="Symbol" panose="05050102010706020507" pitchFamily="18" charset="2"/>
-              <a:buChar char="Þ"/>
-            </a:pPr>
-            <a:r>
-              <a:rPr lang="en-US" sz="1800" dirty="0"/>
-              <a:t>Low compile times</a:t>
-            </a:r>
-          </a:p>
-          <a:p>
-            <a:pPr marL="342900" indent="-342900">
-              <a:spcAft>
-                <a:spcPts val="600"/>
-              </a:spcAft>
-              <a:buFont typeface="Symbol" panose="05050102010706020507" pitchFamily="18" charset="2"/>
-              <a:buChar char="Þ"/>
-            </a:pPr>
-            <a:endParaRPr lang="en-US" sz="1800" dirty="0"/>
-          </a:p>
-          <a:p>
-            <a:pPr>
-              <a:spcAft>
-                <a:spcPts val="600"/>
-              </a:spcAft>
-            </a:pPr>
-            <a:endParaRPr lang="en-US" sz="1800" dirty="0"/>
-          </a:p>
-        </p:txBody>
-      </p:sp>
-      <p:sp>
-        <p:nvSpPr>
-          <p:cNvPr id="4" name="Foliennummernplatzhalter 3"/>
-          <p:cNvSpPr>
-            <a:spLocks noGrp="1"/>
-          </p:cNvSpPr>
-          <p:nvPr>
-            <p:ph type="sldNum" sz="quarter" idx="16"/>
-          </p:nvPr>
-        </p:nvSpPr>
-        <p:spPr>
-          <a:xfrm>
-            <a:off x="6774934" y="6473313"/>
-            <a:ext cx="2052074" cy="365125"/>
-          </a:xfrm>
-        </p:spPr>
-        <p:txBody>
-          <a:bodyPr anchor="ctr">
-            <a:normAutofit/>
-          </a:bodyPr>
-          <a:lstStyle/>
-          <a:p>
-            <a:pPr>
-              <a:spcAft>
-                <a:spcPts val="600"/>
-              </a:spcAft>
-            </a:pPr>
-            <a:fld id="{CE58CB1E-F828-4F11-99E0-327109AF9DA4}" type="slidenum">
-              <a:rPr lang="de-DE" smtClean="0"/>
-              <a:pPr>
-                <a:spcAft>
-                  <a:spcPts val="600"/>
-                </a:spcAft>
-              </a:pPr>
-              <a:t>20</a:t>
-            </a:fld>
-            <a:endParaRPr lang="de-DE"/>
-          </a:p>
-        </p:txBody>
-      </p:sp>
-      <p:sp>
-        <p:nvSpPr>
-          <p:cNvPr id="9" name="Fußzeilenplatzhalter 4">
-            <a:extLst>
-              <a:ext uri="{FF2B5EF4-FFF2-40B4-BE49-F238E27FC236}">
-                <a16:creationId xmlns:a16="http://schemas.microsoft.com/office/drawing/2014/main" id="{E875A8F6-02CE-4254-82FC-05D2BB57BE87}"/>
-              </a:ext>
-            </a:extLst>
-          </p:cNvPr>
-          <p:cNvSpPr>
-            <a:spLocks noGrp="1"/>
-          </p:cNvSpPr>
-          <p:nvPr>
-            <p:ph type="ftr" sz="quarter" idx="17"/>
-          </p:nvPr>
-        </p:nvSpPr>
-        <p:spPr>
-          <a:xfrm>
-            <a:off x="311162" y="6473313"/>
-            <a:ext cx="6464280" cy="365125"/>
-          </a:xfrm>
-        </p:spPr>
-        <p:txBody>
-          <a:bodyPr anchor="ctr">
-            <a:normAutofit/>
-          </a:bodyPr>
-          <a:lstStyle/>
-          <a:p>
-            <a:pPr>
-              <a:lnSpc>
-                <a:spcPct val="90000"/>
-              </a:lnSpc>
-            </a:pPr>
-            <a:r>
-              <a:rPr lang="en-GB" sz="900" dirty="0"/>
-              <a:t>Eﬃciently Compiling Eﬃcient Query Plans for Modern Hardware</a:t>
-            </a:r>
-            <a:r>
-              <a:rPr lang="de-DE" sz="900" dirty="0"/>
-              <a:t>| 10.06.2020 | </a:t>
-            </a:r>
-            <a:r>
-              <a:rPr lang="en-US" sz="900" b="1" dirty="0"/>
-              <a:t>Seminar - Modern Database Systems </a:t>
-            </a:r>
-          </a:p>
-          <a:p>
-            <a:pPr>
-              <a:lnSpc>
-                <a:spcPct val="90000"/>
-              </a:lnSpc>
-              <a:spcAft>
-                <a:spcPts val="600"/>
-              </a:spcAft>
-            </a:pPr>
-            <a:endParaRPr lang="en-US" sz="900" dirty="0"/>
-          </a:p>
-        </p:txBody>
-      </p:sp>
-      <p:sp>
-        <p:nvSpPr>
-          <p:cNvPr id="6" name="Titel 2">
-            <a:extLst>
-              <a:ext uri="{FF2B5EF4-FFF2-40B4-BE49-F238E27FC236}">
-                <a16:creationId xmlns:a16="http://schemas.microsoft.com/office/drawing/2014/main" id="{6BF57E55-E66C-4647-845B-0D87DF16E557}"/>
-              </a:ext>
-            </a:extLst>
-          </p:cNvPr>
-          <p:cNvSpPr txBox="1">
-            <a:spLocks/>
-          </p:cNvSpPr>
-          <p:nvPr/>
-        </p:nvSpPr>
-        <p:spPr>
-          <a:xfrm>
-            <a:off x="311162" y="878427"/>
-            <a:ext cx="8508999" cy="410369"/>
-          </a:xfrm>
-          <a:prstGeom prst="rect">
-            <a:avLst/>
-          </a:prstGeom>
-          <a:noFill/>
-          <a:ln w="9525">
-            <a:noFill/>
-            <a:miter lim="800000"/>
-            <a:headEnd/>
-            <a:tailEnd/>
-          </a:ln>
-        </p:spPr>
-        <p:txBody>
-          <a:bodyPr vert="horz" wrap="square" lIns="0" tIns="0" rIns="0" bIns="0" numCol="1" anchor="t" anchorCtr="0" compatLnSpc="1">
-            <a:prstTxWarp prst="textNoShape">
-              <a:avLst/>
-            </a:prstTxWarp>
-            <a:noAutofit/>
-          </a:bodyPr>
-          <a:lstStyle>
-            <a:lvl1pPr algn="l" rtl="0" eaLnBrk="0" fontAlgn="base" hangingPunct="0">
-              <a:lnSpc>
-                <a:spcPts val="3200"/>
-              </a:lnSpc>
-              <a:spcBef>
-                <a:spcPct val="0"/>
-              </a:spcBef>
-              <a:spcAft>
-                <a:spcPct val="0"/>
-              </a:spcAft>
-              <a:defRPr lang="de-DE" sz="3000" b="0" kern="1200" noProof="0" dirty="0">
-                <a:solidFill>
-                  <a:schemeClr val="tx1"/>
-                </a:solidFill>
-                <a:latin typeface="+mj-lt"/>
-                <a:ea typeface="+mj-ea"/>
-                <a:cs typeface="+mj-cs"/>
-              </a:defRPr>
-            </a:lvl1pPr>
-            <a:lvl2pPr algn="l" rtl="0" eaLnBrk="0" fontAlgn="base" hangingPunct="0">
-              <a:spcBef>
-                <a:spcPct val="0"/>
-              </a:spcBef>
-              <a:spcAft>
-                <a:spcPct val="0"/>
-              </a:spcAft>
-              <a:defRPr sz="2000" b="1">
-                <a:solidFill>
-                  <a:schemeClr val="tx2"/>
-                </a:solidFill>
-                <a:latin typeface="Arial" charset="0"/>
-                <a:cs typeface="Arial" charset="0"/>
-              </a:defRPr>
-            </a:lvl2pPr>
-            <a:lvl3pPr algn="l" rtl="0" eaLnBrk="0" fontAlgn="base" hangingPunct="0">
-              <a:spcBef>
-                <a:spcPct val="0"/>
-              </a:spcBef>
-              <a:spcAft>
-                <a:spcPct val="0"/>
-              </a:spcAft>
-              <a:defRPr sz="2000" b="1">
-                <a:solidFill>
-                  <a:schemeClr val="tx2"/>
-                </a:solidFill>
-                <a:latin typeface="Arial" charset="0"/>
-                <a:cs typeface="Arial" charset="0"/>
-              </a:defRPr>
-            </a:lvl3pPr>
-            <a:lvl4pPr algn="l" rtl="0" eaLnBrk="0" fontAlgn="base" hangingPunct="0">
-              <a:spcBef>
-                <a:spcPct val="0"/>
-              </a:spcBef>
-              <a:spcAft>
-                <a:spcPct val="0"/>
-              </a:spcAft>
-              <a:defRPr sz="2000" b="1">
-                <a:solidFill>
-                  <a:schemeClr val="tx2"/>
-                </a:solidFill>
-                <a:latin typeface="Arial" charset="0"/>
-                <a:cs typeface="Arial" charset="0"/>
-              </a:defRPr>
-            </a:lvl4pPr>
-            <a:lvl5pPr algn="l" rtl="0" eaLnBrk="0" fontAlgn="base" hangingPunct="0">
-              <a:spcBef>
-                <a:spcPct val="0"/>
-              </a:spcBef>
-              <a:spcAft>
-                <a:spcPct val="0"/>
-              </a:spcAft>
-              <a:defRPr sz="2000" b="1">
-                <a:solidFill>
-                  <a:schemeClr val="tx2"/>
-                </a:solidFill>
-                <a:latin typeface="Arial" charset="0"/>
-                <a:cs typeface="Arial" charset="0"/>
-              </a:defRPr>
-            </a:lvl5pPr>
-            <a:lvl6pPr marL="457200" algn="l" rtl="0" fontAlgn="base">
-              <a:spcBef>
-                <a:spcPct val="0"/>
-              </a:spcBef>
-              <a:spcAft>
-                <a:spcPct val="0"/>
-              </a:spcAft>
-              <a:defRPr sz="2000" b="1">
-                <a:solidFill>
-                  <a:schemeClr val="tx2"/>
-                </a:solidFill>
-                <a:latin typeface="Arial" charset="0"/>
-                <a:cs typeface="Arial" charset="0"/>
-              </a:defRPr>
-            </a:lvl6pPr>
-            <a:lvl7pPr marL="914400" algn="l" rtl="0" fontAlgn="base">
-              <a:spcBef>
-                <a:spcPct val="0"/>
-              </a:spcBef>
-              <a:spcAft>
-                <a:spcPct val="0"/>
-              </a:spcAft>
-              <a:defRPr sz="2000" b="1">
-                <a:solidFill>
-                  <a:schemeClr val="tx2"/>
-                </a:solidFill>
-                <a:latin typeface="Arial" charset="0"/>
-                <a:cs typeface="Arial" charset="0"/>
-              </a:defRPr>
-            </a:lvl7pPr>
-            <a:lvl8pPr marL="1371600" algn="l" rtl="0" fontAlgn="base">
-              <a:spcBef>
-                <a:spcPct val="0"/>
-              </a:spcBef>
-              <a:spcAft>
-                <a:spcPct val="0"/>
-              </a:spcAft>
-              <a:defRPr sz="2000" b="1">
-                <a:solidFill>
-                  <a:schemeClr val="tx2"/>
-                </a:solidFill>
-                <a:latin typeface="Arial" charset="0"/>
-                <a:cs typeface="Arial" charset="0"/>
-              </a:defRPr>
-            </a:lvl8pPr>
-            <a:lvl9pPr marL="1828800" algn="l" rtl="0" fontAlgn="base">
-              <a:spcBef>
-                <a:spcPct val="0"/>
-              </a:spcBef>
-              <a:spcAft>
-                <a:spcPct val="0"/>
-              </a:spcAft>
-              <a:defRPr sz="2000" b="1">
-                <a:solidFill>
-                  <a:schemeClr val="tx2"/>
-                </a:solidFill>
-                <a:latin typeface="Arial" charset="0"/>
-                <a:cs typeface="Arial" charset="0"/>
-              </a:defRPr>
-            </a:lvl9pPr>
-          </a:lstStyle>
-          <a:p>
-            <a:r>
-              <a:rPr lang="de-DE" sz="3200" dirty="0" err="1">
-                <a:solidFill>
-                  <a:srgbClr val="005293"/>
-                </a:solidFill>
-              </a:rPr>
-              <a:t>Conclusion</a:t>
-            </a:r>
-            <a:endParaRPr lang="de-DE" sz="3200" dirty="0">
-              <a:solidFill>
-                <a:srgbClr val="005293"/>
-              </a:solidFill>
-            </a:endParaRPr>
-          </a:p>
-          <a:p>
-            <a:endParaRPr lang="en-US" sz="3200" dirty="0"/>
-          </a:p>
-        </p:txBody>
-      </p:sp>
-    </p:spTree>
-    <p:extLst>
-      <p:ext uri="{BB962C8B-B14F-4D97-AF65-F5344CB8AC3E}">
-        <p14:creationId xmlns:p14="http://schemas.microsoft.com/office/powerpoint/2010/main" val="4209039500"/>
-      </p:ext>
-    </p:extLst>
-  </p:cSld>
-  <p:clrMapOvr>
-    <a:masterClrMapping/>
-  </p:clrMapOvr>
-  <mc:AlternateContent xmlns:mc="http://schemas.openxmlformats.org/markup-compatibility/2006" xmlns:p14="http://schemas.microsoft.com/office/powerpoint/2010/main">
-    <mc:Choice Requires="p14">
-      <p:transition spd="med" p14:dur="700" advTm="28400">
-        <p:fade/>
-      </p:transition>
-    </mc:Choice>
-    <mc:Fallback xmlns="">
-      <p:transition spd="med" advTm="28400">
-        <p:fade/>
-      </p:transition>
-    </mc:Fallback>
-  </mc:AlternateContent>
-</p:sld>
-</file>
-
-<file path=ppt/slides/slide21.xml><?xml version="1.0" encoding="utf-8"?>
-<p:sld xmlns:a="http://schemas.openxmlformats.org/drawingml/2006/main" xmlns:r="http://schemas.openxmlformats.org/officeDocument/2006/relationships" xmlns:p="http://schemas.openxmlformats.org/presentationml/2006/main">
-  <p:cSld>
-    <p:spTree>
-      <p:nvGrpSpPr>
-        <p:cNvPr id="1" name=""/>
-        <p:cNvGrpSpPr/>
-        <p:nvPr/>
-      </p:nvGrpSpPr>
-      <p:grpSpPr>
-        <a:xfrm>
-          <a:off x="0" y="0"/>
-          <a:ext cx="0" cy="0"/>
-          <a:chOff x="0" y="0"/>
-          <a:chExt cx="0" cy="0"/>
-        </a:xfrm>
-      </p:grpSpPr>
-      <p:sp>
-        <p:nvSpPr>
-          <p:cNvPr id="5" name="Titel 4"/>
-          <p:cNvSpPr>
-            <a:spLocks noGrp="1"/>
-          </p:cNvSpPr>
-          <p:nvPr>
-            <p:ph type="title"/>
-          </p:nvPr>
-        </p:nvSpPr>
-        <p:spPr/>
-        <p:txBody>
-          <a:bodyPr/>
-          <a:lstStyle/>
-          <a:p>
-            <a:r>
-              <a:rPr lang="de-DE" dirty="0" err="1"/>
-              <a:t>Thank</a:t>
-            </a:r>
-            <a:r>
-              <a:rPr lang="de-DE" dirty="0"/>
-              <a:t> </a:t>
-            </a:r>
-            <a:r>
-              <a:rPr lang="de-DE" dirty="0" err="1"/>
-              <a:t>you</a:t>
-            </a:r>
-            <a:r>
-              <a:rPr lang="de-DE" dirty="0"/>
-              <a:t> </a:t>
-            </a:r>
-            <a:r>
-              <a:rPr lang="de-DE" dirty="0" err="1"/>
-              <a:t>for</a:t>
-            </a:r>
-            <a:r>
-              <a:rPr lang="de-DE" dirty="0"/>
-              <a:t> </a:t>
-            </a:r>
-            <a:r>
-              <a:rPr lang="de-DE" dirty="0" err="1"/>
-              <a:t>your</a:t>
-            </a:r>
-            <a:r>
-              <a:rPr lang="de-DE" dirty="0"/>
-              <a:t> </a:t>
-            </a:r>
-            <a:r>
-              <a:rPr lang="de-DE" dirty="0" err="1"/>
-              <a:t>attention</a:t>
-            </a:r>
-            <a:r>
-              <a:rPr lang="de-DE" dirty="0"/>
-              <a:t> !</a:t>
-            </a:r>
-          </a:p>
-        </p:txBody>
-      </p:sp>
-      <p:sp>
-        <p:nvSpPr>
-          <p:cNvPr id="3" name="Inhaltsplatzhalter 2"/>
-          <p:cNvSpPr>
-            <a:spLocks noGrp="1"/>
-          </p:cNvSpPr>
-          <p:nvPr>
-            <p:ph idx="10"/>
-          </p:nvPr>
-        </p:nvSpPr>
-        <p:spPr/>
-        <p:txBody>
-          <a:bodyPr/>
-          <a:lstStyle/>
-          <a:p>
-            <a:r>
-              <a:rPr lang="en-US" sz="1400" dirty="0"/>
-              <a:t>Mohamed Attia, Patrick Zimmermann, Thomas </a:t>
-            </a:r>
-            <a:r>
-              <a:rPr lang="en-US" sz="1400" dirty="0" err="1"/>
-              <a:t>Torggler</a:t>
-            </a:r>
-            <a:endParaRPr lang="en-US" sz="1400" dirty="0"/>
-          </a:p>
-        </p:txBody>
-      </p:sp>
-    </p:spTree>
-  </p:cSld>
-  <p:clrMapOvr>
-    <a:masterClrMapping/>
-  </p:clrMapOvr>
-  <mc:AlternateContent xmlns:mc="http://schemas.openxmlformats.org/markup-compatibility/2006" xmlns:p14="http://schemas.microsoft.com/office/powerpoint/2010/main">
-    <mc:Choice Requires="p14">
-      <p:transition spd="med" p14:dur="700" advTm="2026">
-        <p:fade/>
-      </p:transition>
-    </mc:Choice>
-    <mc:Fallback xmlns="">
-      <p:transition spd="med" advTm="2026">
-        <p:fade/>
-      </p:transition>
-    </mc:Fallback>
-  </mc:AlternateContent>
-</p:sld>
-</file>
-
-<file path=ppt/slides/slide3.xml><?xml version="1.0" encoding="utf-8"?>
+<file path=ppt/slides/slide4.xml><?xml version="1.0" encoding="utf-8"?>
 <p:sld xmlns:a="http://schemas.openxmlformats.org/drawingml/2006/main" xmlns:r="http://schemas.openxmlformats.org/officeDocument/2006/relationships" xmlns:p="http://schemas.openxmlformats.org/presentationml/2006/main">
   <p:cSld>
     <p:spTree>
@@ -24456,7 +27327,7 @@
                   <a:spcPts val="600"/>
                 </a:spcAft>
               </a:pPr>
-              <a:t>3</a:t>
+              <a:t>4</a:t>
             </a:fld>
             <a:endParaRPr lang="de-DE"/>
           </a:p>
@@ -24642,13 +27513,22 @@
           </a:lstStyle>
           <a:p>
             <a:r>
-              <a:rPr lang="en-US" sz="3200" dirty="0" err="1"/>
+              <a:rPr lang="en-US" sz="3200" dirty="0" err="1">
+                <a:solidFill>
+                  <a:schemeClr val="bg2">
+                    <a:lumMod val="75000"/>
+                  </a:schemeClr>
+                </a:solidFill>
+              </a:rPr>
               <a:t>Lösungsansatz</a:t>
             </a:r>
-            <a:r>
-              <a:rPr lang="en-US" sz="3200" dirty="0"/>
-              <a:t>:</a:t>
-            </a:r>
+            <a:endParaRPr lang="en-US" sz="3200" dirty="0">
+              <a:solidFill>
+                <a:schemeClr val="bg2">
+                  <a:lumMod val="75000"/>
+                </a:schemeClr>
+              </a:solidFill>
+            </a:endParaRPr>
           </a:p>
         </p:txBody>
       </p:sp>
@@ -24796,7 +27676,569 @@
 </p:sld>
 </file>
 
-<file path=ppt/slides/slide4.xml><?xml version="1.0" encoding="utf-8"?>
+<file path=ppt/slides/slide5.xml><?xml version="1.0" encoding="utf-8"?>
+<p:sld xmlns:a="http://schemas.openxmlformats.org/drawingml/2006/main" xmlns:r="http://schemas.openxmlformats.org/officeDocument/2006/relationships" xmlns:p="http://schemas.openxmlformats.org/presentationml/2006/main">
+  <p:cSld>
+    <p:spTree>
+      <p:nvGrpSpPr>
+        <p:cNvPr id="1" name=""/>
+        <p:cNvGrpSpPr/>
+        <p:nvPr/>
+      </p:nvGrpSpPr>
+      <p:grpSpPr>
+        <a:xfrm>
+          <a:off x="0" y="0"/>
+          <a:ext cx="0" cy="0"/>
+          <a:chOff x="0" y="0"/>
+          <a:chExt cx="0" cy="0"/>
+        </a:xfrm>
+      </p:grpSpPr>
+      <p:pic>
+        <p:nvPicPr>
+          <p:cNvPr id="3" name="Picture 2" descr="Diagram&#10;&#10;Description automatically generated">
+            <a:extLst>
+              <a:ext uri="{FF2B5EF4-FFF2-40B4-BE49-F238E27FC236}">
+                <a16:creationId xmlns:a16="http://schemas.microsoft.com/office/drawing/2014/main" id="{305E1BC3-C11D-49A0-83A1-D8B97C6ED2CB}"/>
+              </a:ext>
+            </a:extLst>
+          </p:cNvPr>
+          <p:cNvPicPr>
+            <a:picLocks noChangeAspect="1"/>
+          </p:cNvPicPr>
+          <p:nvPr/>
+        </p:nvPicPr>
+        <p:blipFill>
+          <a:blip r:embed="rId2"/>
+          <a:stretch>
+            <a:fillRect/>
+          </a:stretch>
+        </p:blipFill>
+        <p:spPr>
+          <a:xfrm>
+            <a:off x="319091" y="2263459"/>
+            <a:ext cx="4180910" cy="2728043"/>
+          </a:xfrm>
+          <a:prstGeom prst="rect">
+            <a:avLst/>
+          </a:prstGeom>
+          <a:noFill/>
+          <a:ln w="9525">
+            <a:noFill/>
+            <a:miter lim="800000"/>
+            <a:headEnd/>
+            <a:tailEnd/>
+          </a:ln>
+        </p:spPr>
+      </p:pic>
+      <p:sp>
+        <p:nvSpPr>
+          <p:cNvPr id="12" name="Content Placeholder 2">
+            <a:extLst>
+              <a:ext uri="{FF2B5EF4-FFF2-40B4-BE49-F238E27FC236}">
+                <a16:creationId xmlns:a16="http://schemas.microsoft.com/office/drawing/2014/main" id="{CEA1C233-A05E-4C0A-9D6F-463ADE16CF81}"/>
+              </a:ext>
+            </a:extLst>
+          </p:cNvPr>
+          <p:cNvSpPr>
+            <a:spLocks noGrp="1"/>
+          </p:cNvSpPr>
+          <p:nvPr>
+            <p:ph idx="15"/>
+          </p:nvPr>
+        </p:nvSpPr>
+        <p:spPr>
+          <a:xfrm>
+            <a:off x="4647179" y="1762188"/>
+            <a:ext cx="4180910" cy="4687380"/>
+          </a:xfrm>
+        </p:spPr>
+        <p:txBody>
+          <a:bodyPr vert="horz" wrap="square" lIns="0" tIns="0" rIns="0" bIns="0" numCol="1" anchor="t" anchorCtr="0" compatLnSpc="1">
+            <a:prstTxWarp prst="textNoShape">
+              <a:avLst/>
+            </a:prstTxWarp>
+            <a:normAutofit/>
+          </a:bodyPr>
+          <a:lstStyle/>
+          <a:p>
+            <a:pPr marL="285750" indent="-285750">
+              <a:spcAft>
+                <a:spcPts val="600"/>
+              </a:spcAft>
+              <a:buFont typeface="Arial" panose="020B0604020202020204" pitchFamily="34" charset="0"/>
+              <a:buChar char="•"/>
+            </a:pPr>
+            <a:r>
+              <a:rPr lang="de-DE" dirty="0"/>
+              <a:t>Data </a:t>
+            </a:r>
+            <a:r>
+              <a:rPr lang="de-DE" dirty="0" err="1"/>
+              <a:t>centric</a:t>
+            </a:r>
+            <a:r>
+              <a:rPr lang="de-DE" dirty="0"/>
+              <a:t> </a:t>
+            </a:r>
+            <a:r>
+              <a:rPr lang="de-DE" dirty="0" err="1"/>
+              <a:t>processing</a:t>
+            </a:r>
+            <a:endParaRPr lang="de-DE" dirty="0"/>
+          </a:p>
+          <a:p>
+            <a:pPr marL="285750" indent="-285750">
+              <a:spcAft>
+                <a:spcPts val="600"/>
+              </a:spcAft>
+              <a:buFont typeface="Arial" panose="020B0604020202020204" pitchFamily="34" charset="0"/>
+              <a:buChar char="•"/>
+            </a:pPr>
+            <a:endParaRPr lang="de-DE" dirty="0"/>
+          </a:p>
+          <a:p>
+            <a:pPr marL="285750" indent="-285750">
+              <a:spcAft>
+                <a:spcPts val="600"/>
+              </a:spcAft>
+              <a:buFont typeface="Arial" panose="020B0604020202020204" pitchFamily="34" charset="0"/>
+              <a:buChar char="•"/>
+            </a:pPr>
+            <a:r>
+              <a:rPr lang="de-DE" dirty="0"/>
+              <a:t>Data </a:t>
+            </a:r>
+            <a:r>
+              <a:rPr lang="de-DE" dirty="0" err="1"/>
+              <a:t>pushed</a:t>
+            </a:r>
+            <a:r>
+              <a:rPr lang="de-DE" dirty="0"/>
+              <a:t> </a:t>
+            </a:r>
+            <a:r>
+              <a:rPr lang="de-DE" dirty="0" err="1"/>
+              <a:t>towards</a:t>
+            </a:r>
+            <a:r>
+              <a:rPr lang="de-DE" dirty="0"/>
+              <a:t> </a:t>
+            </a:r>
+            <a:r>
+              <a:rPr lang="de-DE" dirty="0" err="1"/>
+              <a:t>operator</a:t>
+            </a:r>
+            <a:endParaRPr lang="de-DE" dirty="0"/>
+          </a:p>
+          <a:p>
+            <a:pPr marL="285750" indent="-285750">
+              <a:spcAft>
+                <a:spcPts val="600"/>
+              </a:spcAft>
+              <a:buFont typeface="Arial" panose="020B0604020202020204" pitchFamily="34" charset="0"/>
+              <a:buChar char="•"/>
+            </a:pPr>
+            <a:endParaRPr lang="de-DE" dirty="0"/>
+          </a:p>
+          <a:p>
+            <a:pPr marL="285750" indent="-285750">
+              <a:spcAft>
+                <a:spcPts val="600"/>
+              </a:spcAft>
+              <a:buFont typeface="Arial" panose="020B0604020202020204" pitchFamily="34" charset="0"/>
+              <a:buChar char="•"/>
+            </a:pPr>
+            <a:r>
+              <a:rPr lang="de-DE" dirty="0" err="1"/>
+              <a:t>Queries</a:t>
+            </a:r>
+            <a:r>
+              <a:rPr lang="de-DE" dirty="0"/>
+              <a:t> </a:t>
+            </a:r>
+            <a:r>
+              <a:rPr lang="de-DE" dirty="0" err="1"/>
+              <a:t>compiled</a:t>
+            </a:r>
+            <a:r>
+              <a:rPr lang="de-DE" dirty="0"/>
+              <a:t> into native </a:t>
+            </a:r>
+            <a:r>
+              <a:rPr lang="de-DE" dirty="0" err="1"/>
+              <a:t>machine</a:t>
+            </a:r>
+            <a:r>
+              <a:rPr lang="de-DE" dirty="0"/>
+              <a:t> code (LLVM)</a:t>
+            </a:r>
+          </a:p>
+          <a:p>
+            <a:pPr marL="285750" indent="-285750">
+              <a:spcAft>
+                <a:spcPts val="600"/>
+              </a:spcAft>
+              <a:buFont typeface="Arial" panose="020B0604020202020204" pitchFamily="34" charset="0"/>
+              <a:buChar char="•"/>
+            </a:pPr>
+            <a:endParaRPr lang="de-DE" dirty="0"/>
+          </a:p>
+          <a:p>
+            <a:pPr marL="285750" indent="-285750">
+              <a:spcAft>
+                <a:spcPts val="600"/>
+              </a:spcAft>
+              <a:buFont typeface="Arial" panose="020B0604020202020204" pitchFamily="34" charset="0"/>
+              <a:buChar char="•"/>
+            </a:pPr>
+            <a:r>
+              <a:rPr lang="de-DE" dirty="0" err="1"/>
+              <a:t>Maximize</a:t>
+            </a:r>
+            <a:r>
+              <a:rPr lang="de-DE" dirty="0"/>
+              <a:t> </a:t>
+            </a:r>
+            <a:r>
+              <a:rPr lang="de-DE" dirty="0" err="1"/>
+              <a:t>data</a:t>
+            </a:r>
+            <a:r>
+              <a:rPr lang="de-DE" dirty="0"/>
+              <a:t> and code </a:t>
+            </a:r>
+            <a:r>
+              <a:rPr lang="de-DE" dirty="0" err="1"/>
+              <a:t>locality</a:t>
+            </a:r>
+            <a:endParaRPr lang="de-DE" dirty="0"/>
+          </a:p>
+        </p:txBody>
+      </p:sp>
+      <p:sp>
+        <p:nvSpPr>
+          <p:cNvPr id="4" name="Foliennummernplatzhalter 3"/>
+          <p:cNvSpPr>
+            <a:spLocks noGrp="1"/>
+          </p:cNvSpPr>
+          <p:nvPr>
+            <p:ph type="sldNum" sz="quarter" idx="16"/>
+          </p:nvPr>
+        </p:nvSpPr>
+        <p:spPr>
+          <a:xfrm>
+            <a:off x="6774934" y="6473313"/>
+            <a:ext cx="2052074" cy="365125"/>
+          </a:xfrm>
+        </p:spPr>
+        <p:txBody>
+          <a:bodyPr vert="horz" lIns="0" tIns="45720" rIns="0" bIns="45720" rtlCol="0" anchor="ctr">
+            <a:normAutofit/>
+          </a:bodyPr>
+          <a:lstStyle/>
+          <a:p>
+            <a:pPr>
+              <a:spcAft>
+                <a:spcPts val="600"/>
+              </a:spcAft>
+            </a:pPr>
+            <a:fld id="{CE58CB1E-F828-4F11-99E0-327109AF9DA4}" type="slidenum">
+              <a:rPr lang="de-DE" smtClean="0"/>
+              <a:pPr>
+                <a:spcAft>
+                  <a:spcPts val="600"/>
+                </a:spcAft>
+              </a:pPr>
+              <a:t>5</a:t>
+            </a:fld>
+            <a:endParaRPr lang="de-DE"/>
+          </a:p>
+        </p:txBody>
+      </p:sp>
+      <p:sp>
+        <p:nvSpPr>
+          <p:cNvPr id="16" name="Fußzeilenplatzhalter 4">
+            <a:extLst>
+              <a:ext uri="{FF2B5EF4-FFF2-40B4-BE49-F238E27FC236}">
+                <a16:creationId xmlns:a16="http://schemas.microsoft.com/office/drawing/2014/main" id="{CB4F78A1-EEC5-4A53-BCD7-E37EB0C55518}"/>
+              </a:ext>
+            </a:extLst>
+          </p:cNvPr>
+          <p:cNvSpPr>
+            <a:spLocks noGrp="1"/>
+          </p:cNvSpPr>
+          <p:nvPr>
+            <p:ph type="ftr" sz="quarter" idx="17"/>
+          </p:nvPr>
+        </p:nvSpPr>
+        <p:spPr>
+          <a:xfrm>
+            <a:off x="311162" y="6473313"/>
+            <a:ext cx="6464280" cy="365125"/>
+          </a:xfrm>
+        </p:spPr>
+        <p:txBody>
+          <a:bodyPr vert="horz" lIns="0" tIns="45720" rIns="0" bIns="45720" rtlCol="0" anchor="ctr">
+            <a:normAutofit/>
+          </a:bodyPr>
+          <a:lstStyle/>
+          <a:p>
+            <a:pPr>
+              <a:lnSpc>
+                <a:spcPct val="90000"/>
+              </a:lnSpc>
+              <a:spcAft>
+                <a:spcPts val="600"/>
+              </a:spcAft>
+            </a:pPr>
+            <a:r>
+              <a:rPr lang="de-DE" sz="1000"/>
+              <a:t>Aspekte der systemnahen Programmierung bei der Spieleentwicklung | 16.02.2021 | </a:t>
+            </a:r>
+            <a:r>
+              <a:rPr lang="en-US" sz="1000" b="1"/>
+              <a:t>Peano-Kurven (A214)</a:t>
+            </a:r>
+          </a:p>
+          <a:p>
+            <a:pPr>
+              <a:lnSpc>
+                <a:spcPct val="90000"/>
+              </a:lnSpc>
+              <a:spcAft>
+                <a:spcPts val="600"/>
+              </a:spcAft>
+            </a:pPr>
+            <a:endParaRPr lang="en-US" sz="1000"/>
+          </a:p>
+        </p:txBody>
+      </p:sp>
+      <p:sp>
+        <p:nvSpPr>
+          <p:cNvPr id="13" name="Titel 2">
+            <a:extLst>
+              <a:ext uri="{FF2B5EF4-FFF2-40B4-BE49-F238E27FC236}">
+                <a16:creationId xmlns:a16="http://schemas.microsoft.com/office/drawing/2014/main" id="{7336CDAB-C088-4FDD-A2DB-CACAE4828BED}"/>
+              </a:ext>
+            </a:extLst>
+          </p:cNvPr>
+          <p:cNvSpPr txBox="1">
+            <a:spLocks/>
+          </p:cNvSpPr>
+          <p:nvPr/>
+        </p:nvSpPr>
+        <p:spPr>
+          <a:xfrm>
+            <a:off x="319090" y="994334"/>
+            <a:ext cx="8508999" cy="410369"/>
+          </a:xfrm>
+          <a:prstGeom prst="rect">
+            <a:avLst/>
+          </a:prstGeom>
+          <a:noFill/>
+          <a:ln w="9525">
+            <a:noFill/>
+            <a:miter lim="800000"/>
+            <a:headEnd/>
+            <a:tailEnd/>
+          </a:ln>
+        </p:spPr>
+        <p:txBody>
+          <a:bodyPr vert="horz" wrap="square" lIns="0" tIns="0" rIns="0" bIns="0" numCol="1" anchor="t" anchorCtr="0" compatLnSpc="1">
+            <a:prstTxWarp prst="textNoShape">
+              <a:avLst/>
+            </a:prstTxWarp>
+            <a:normAutofit/>
+          </a:bodyPr>
+          <a:lstStyle>
+            <a:lvl1pPr algn="l" rtl="0" eaLnBrk="0" fontAlgn="base" hangingPunct="0">
+              <a:lnSpc>
+                <a:spcPts val="3200"/>
+              </a:lnSpc>
+              <a:spcBef>
+                <a:spcPct val="0"/>
+              </a:spcBef>
+              <a:spcAft>
+                <a:spcPct val="0"/>
+              </a:spcAft>
+              <a:defRPr lang="de-DE" sz="3000" b="0" kern="1200" noProof="0" dirty="0">
+                <a:solidFill>
+                  <a:schemeClr val="tx1"/>
+                </a:solidFill>
+                <a:latin typeface="+mj-lt"/>
+                <a:ea typeface="+mj-ea"/>
+                <a:cs typeface="+mj-cs"/>
+              </a:defRPr>
+            </a:lvl1pPr>
+            <a:lvl2pPr algn="l" rtl="0" eaLnBrk="0" fontAlgn="base" hangingPunct="0">
+              <a:spcBef>
+                <a:spcPct val="0"/>
+              </a:spcBef>
+              <a:spcAft>
+                <a:spcPct val="0"/>
+              </a:spcAft>
+              <a:defRPr sz="2000" b="1">
+                <a:solidFill>
+                  <a:schemeClr val="tx2"/>
+                </a:solidFill>
+                <a:latin typeface="Arial" charset="0"/>
+                <a:cs typeface="Arial" charset="0"/>
+              </a:defRPr>
+            </a:lvl2pPr>
+            <a:lvl3pPr algn="l" rtl="0" eaLnBrk="0" fontAlgn="base" hangingPunct="0">
+              <a:spcBef>
+                <a:spcPct val="0"/>
+              </a:spcBef>
+              <a:spcAft>
+                <a:spcPct val="0"/>
+              </a:spcAft>
+              <a:defRPr sz="2000" b="1">
+                <a:solidFill>
+                  <a:schemeClr val="tx2"/>
+                </a:solidFill>
+                <a:latin typeface="Arial" charset="0"/>
+                <a:cs typeface="Arial" charset="0"/>
+              </a:defRPr>
+            </a:lvl3pPr>
+            <a:lvl4pPr algn="l" rtl="0" eaLnBrk="0" fontAlgn="base" hangingPunct="0">
+              <a:spcBef>
+                <a:spcPct val="0"/>
+              </a:spcBef>
+              <a:spcAft>
+                <a:spcPct val="0"/>
+              </a:spcAft>
+              <a:defRPr sz="2000" b="1">
+                <a:solidFill>
+                  <a:schemeClr val="tx2"/>
+                </a:solidFill>
+                <a:latin typeface="Arial" charset="0"/>
+                <a:cs typeface="Arial" charset="0"/>
+              </a:defRPr>
+            </a:lvl4pPr>
+            <a:lvl5pPr algn="l" rtl="0" eaLnBrk="0" fontAlgn="base" hangingPunct="0">
+              <a:spcBef>
+                <a:spcPct val="0"/>
+              </a:spcBef>
+              <a:spcAft>
+                <a:spcPct val="0"/>
+              </a:spcAft>
+              <a:defRPr sz="2000" b="1">
+                <a:solidFill>
+                  <a:schemeClr val="tx2"/>
+                </a:solidFill>
+                <a:latin typeface="Arial" charset="0"/>
+                <a:cs typeface="Arial" charset="0"/>
+              </a:defRPr>
+            </a:lvl5pPr>
+            <a:lvl6pPr marL="457200" algn="l" rtl="0" fontAlgn="base">
+              <a:spcBef>
+                <a:spcPct val="0"/>
+              </a:spcBef>
+              <a:spcAft>
+                <a:spcPct val="0"/>
+              </a:spcAft>
+              <a:defRPr sz="2000" b="1">
+                <a:solidFill>
+                  <a:schemeClr val="tx2"/>
+                </a:solidFill>
+                <a:latin typeface="Arial" charset="0"/>
+                <a:cs typeface="Arial" charset="0"/>
+              </a:defRPr>
+            </a:lvl6pPr>
+            <a:lvl7pPr marL="914400" algn="l" rtl="0" fontAlgn="base">
+              <a:spcBef>
+                <a:spcPct val="0"/>
+              </a:spcBef>
+              <a:spcAft>
+                <a:spcPct val="0"/>
+              </a:spcAft>
+              <a:defRPr sz="2000" b="1">
+                <a:solidFill>
+                  <a:schemeClr val="tx2"/>
+                </a:solidFill>
+                <a:latin typeface="Arial" charset="0"/>
+                <a:cs typeface="Arial" charset="0"/>
+              </a:defRPr>
+            </a:lvl7pPr>
+            <a:lvl8pPr marL="1371600" algn="l" rtl="0" fontAlgn="base">
+              <a:spcBef>
+                <a:spcPct val="0"/>
+              </a:spcBef>
+              <a:spcAft>
+                <a:spcPct val="0"/>
+              </a:spcAft>
+              <a:defRPr sz="2000" b="1">
+                <a:solidFill>
+                  <a:schemeClr val="tx2"/>
+                </a:solidFill>
+                <a:latin typeface="Arial" charset="0"/>
+                <a:cs typeface="Arial" charset="0"/>
+              </a:defRPr>
+            </a:lvl8pPr>
+            <a:lvl9pPr marL="1828800" algn="l" rtl="0" fontAlgn="base">
+              <a:spcBef>
+                <a:spcPct val="0"/>
+              </a:spcBef>
+              <a:spcAft>
+                <a:spcPct val="0"/>
+              </a:spcAft>
+              <a:defRPr sz="2000" b="1">
+                <a:solidFill>
+                  <a:schemeClr val="tx2"/>
+                </a:solidFill>
+                <a:latin typeface="Arial" charset="0"/>
+                <a:cs typeface="Arial" charset="0"/>
+              </a:defRPr>
+            </a:lvl9pPr>
+          </a:lstStyle>
+          <a:p>
+            <a:pPr>
+              <a:spcAft>
+                <a:spcPts val="600"/>
+              </a:spcAft>
+            </a:pPr>
+            <a:r>
+              <a:rPr lang="de-DE" b="0" kern="1200" noProof="0" dirty="0">
+                <a:solidFill>
+                  <a:schemeClr val="bg2">
+                    <a:lumMod val="75000"/>
+                  </a:schemeClr>
+                </a:solidFill>
+                <a:latin typeface="+mj-lt"/>
+                <a:ea typeface="+mj-ea"/>
+                <a:cs typeface="+mj-cs"/>
+              </a:rPr>
+              <a:t>Lösungsansatz: Richtungsarray</a:t>
+            </a:r>
+          </a:p>
+        </p:txBody>
+      </p:sp>
+    </p:spTree>
+    <p:extLst>
+      <p:ext uri="{BB962C8B-B14F-4D97-AF65-F5344CB8AC3E}">
+        <p14:creationId xmlns:p14="http://schemas.microsoft.com/office/powerpoint/2010/main" val="3469765047"/>
+      </p:ext>
+    </p:extLst>
+  </p:cSld>
+  <p:clrMapOvr>
+    <a:masterClrMapping/>
+  </p:clrMapOvr>
+  <mc:AlternateContent xmlns:mc="http://schemas.openxmlformats.org/markup-compatibility/2006" xmlns:p14="http://schemas.microsoft.com/office/powerpoint/2010/main">
+    <mc:Choice Requires="p14">
+      <p:transition spd="med" p14:dur="700" advTm="1315">
+        <p:fade/>
+      </p:transition>
+    </mc:Choice>
+    <mc:Fallback xmlns="">
+      <p:transition spd="med" advTm="1315">
+        <p:fade/>
+      </p:transition>
+    </mc:Fallback>
+  </mc:AlternateContent>
+</p:sld>
+</file>
+
+<file path=ppt/slides/slide6.xml><?xml version="1.0" encoding="utf-8"?>
 <p:sld xmlns:a="http://schemas.openxmlformats.org/drawingml/2006/main" xmlns:r="http://schemas.openxmlformats.org/officeDocument/2006/relationships" xmlns:p="http://schemas.openxmlformats.org/presentationml/2006/main">
   <p:cSld>
     <p:spTree>
@@ -24847,7 +28289,7 @@
                   <a:spcPts val="600"/>
                 </a:spcAft>
               </a:pPr>
-              <a:t>4</a:t>
+              <a:t>6</a:t>
             </a:fld>
             <a:endParaRPr lang="de-DE"/>
           </a:p>
@@ -24880,12 +28322,24 @@
               <a:t> </a:t>
             </a:r>
             <a:r>
-              <a:rPr lang="en-US" sz="3200" dirty="0" err="1"/>
+              <a:rPr lang="en-US" sz="3200" dirty="0" err="1">
+                <a:solidFill>
+                  <a:schemeClr val="bg2">
+                    <a:lumMod val="75000"/>
+                  </a:schemeClr>
+                </a:solidFill>
+              </a:rPr>
               <a:t>Korrektheit</a:t>
             </a:r>
             <a:r>
-              <a:rPr lang="en-US" sz="3200" dirty="0"/>
-              <a:t>:</a:t>
+              <a:rPr lang="en-US" sz="3200" dirty="0">
+                <a:solidFill>
+                  <a:schemeClr val="bg2">
+                    <a:lumMod val="75000"/>
+                  </a:schemeClr>
+                </a:solidFill>
+              </a:rPr>
+              <a:t>: </a:t>
             </a:r>
             <a:endParaRPr lang="de-DE" sz="3200" dirty="0"/>
           </a:p>
@@ -25218,7 +28672,7 @@
 </p:sld>
 </file>
 
-<file path=ppt/slides/slide5.xml><?xml version="1.0" encoding="utf-8"?>
+<file path=ppt/slides/slide7.xml><?xml version="1.0" encoding="utf-8"?>
 <p:sld xmlns:a="http://schemas.openxmlformats.org/drawingml/2006/main" xmlns:r="http://schemas.openxmlformats.org/officeDocument/2006/relationships" xmlns:p="http://schemas.openxmlformats.org/presentationml/2006/main">
   <p:cSld>
     <p:spTree>
@@ -25269,7 +28723,7 @@
                   <a:spcPts val="600"/>
                 </a:spcAft>
               </a:pPr>
-              <a:t>5</a:t>
+              <a:t>7</a:t>
             </a:fld>
             <a:endParaRPr lang="de-DE"/>
           </a:p>
@@ -25302,7 +28756,13 @@
               <a:t> </a:t>
             </a:r>
             <a:r>
-              <a:rPr lang="en-US" sz="3200" dirty="0" err="1"/>
+              <a:rPr lang="en-US" sz="3200" dirty="0" err="1">
+                <a:solidFill>
+                  <a:schemeClr val="bg2">
+                    <a:lumMod val="75000"/>
+                  </a:schemeClr>
+                </a:solidFill>
+              </a:rPr>
               <a:t>Performanzanalyse</a:t>
             </a:r>
             <a:r>
@@ -25625,13 +29085,13 @@
   <p:clrMapOvr>
     <a:masterClrMapping/>
   </p:clrMapOvr>
-  <mc:AlternateContent xmlns:mc="http://schemas.openxmlformats.org/markup-compatibility/2006">
-    <mc:Choice xmlns:p14="http://schemas.microsoft.com/office/powerpoint/2010/main" Requires="p14">
+  <mc:AlternateContent xmlns:mc="http://schemas.openxmlformats.org/markup-compatibility/2006" xmlns:p14="http://schemas.microsoft.com/office/powerpoint/2010/main">
+    <mc:Choice Requires="p14">
       <p:transition spd="med" p14:dur="700" advTm="29363">
         <p:fade/>
       </p:transition>
     </mc:Choice>
-    <mc:Fallback>
+    <mc:Fallback xmlns="">
       <p:transition spd="med" advTm="29363">
         <p:fade/>
       </p:transition>
@@ -25640,7 +29100,7 @@
 </p:sld>
 </file>
 
-<file path=ppt/slides/slide6.xml><?xml version="1.0" encoding="utf-8"?>
+<file path=ppt/slides/slide8.xml><?xml version="1.0" encoding="utf-8"?>
 <p:sld xmlns:a="http://schemas.openxmlformats.org/drawingml/2006/main" xmlns:r="http://schemas.openxmlformats.org/officeDocument/2006/relationships" xmlns:p="http://schemas.openxmlformats.org/presentationml/2006/main">
   <p:cSld>
     <p:spTree>
@@ -25691,7 +29151,7 @@
                   <a:spcPts val="600"/>
                 </a:spcAft>
               </a:pPr>
-              <a:t>6</a:t>
+              <a:t>8</a:t>
             </a:fld>
             <a:endParaRPr lang="de-DE"/>
           </a:p>
@@ -25724,12 +29184,24 @@
               <a:t> </a:t>
             </a:r>
             <a:r>
-              <a:rPr lang="en-US" sz="3200" dirty="0" err="1"/>
+              <a:rPr lang="en-US" sz="3200" dirty="0" err="1">
+                <a:solidFill>
+                  <a:schemeClr val="bg2">
+                    <a:lumMod val="75000"/>
+                  </a:schemeClr>
+                </a:solidFill>
+              </a:rPr>
               <a:t>Performanzanalyse</a:t>
             </a:r>
             <a:r>
-              <a:rPr lang="en-US" sz="3200" dirty="0"/>
-              <a:t>:</a:t>
+              <a:rPr lang="en-US" sz="3200" dirty="0">
+                <a:solidFill>
+                  <a:schemeClr val="bg2">
+                    <a:lumMod val="75000"/>
+                  </a:schemeClr>
+                </a:solidFill>
+              </a:rPr>
+              <a:t>: </a:t>
             </a:r>
             <a:endParaRPr lang="de-DE" sz="3200" dirty="0"/>
           </a:p>
@@ -26047,982 +29519,14 @@
   <p:clrMapOvr>
     <a:masterClrMapping/>
   </p:clrMapOvr>
-  <mc:AlternateContent xmlns:mc="http://schemas.openxmlformats.org/markup-compatibility/2006">
-    <mc:Choice xmlns:p14="http://schemas.microsoft.com/office/powerpoint/2010/main" Requires="p14">
+  <mc:AlternateContent xmlns:mc="http://schemas.openxmlformats.org/markup-compatibility/2006" xmlns:p14="http://schemas.microsoft.com/office/powerpoint/2010/main">
+    <mc:Choice Requires="p14">
       <p:transition spd="med" p14:dur="700" advTm="29363">
         <p:fade/>
       </p:transition>
     </mc:Choice>
-    <mc:Fallback>
+    <mc:Fallback xmlns="">
       <p:transition spd="med" advTm="29363">
-        <p:fade/>
-      </p:transition>
-    </mc:Fallback>
-  </mc:AlternateContent>
-</p:sld>
-</file>
-
-<file path=ppt/slides/slide7.xml><?xml version="1.0" encoding="utf-8"?>
-<p:sld xmlns:a="http://schemas.openxmlformats.org/drawingml/2006/main" xmlns:r="http://schemas.openxmlformats.org/officeDocument/2006/relationships" xmlns:p="http://schemas.openxmlformats.org/presentationml/2006/main">
-  <p:cSld>
-    <p:spTree>
-      <p:nvGrpSpPr>
-        <p:cNvPr id="1" name=""/>
-        <p:cNvGrpSpPr/>
-        <p:nvPr/>
-      </p:nvGrpSpPr>
-      <p:grpSpPr>
-        <a:xfrm>
-          <a:off x="0" y="0"/>
-          <a:ext cx="0" cy="0"/>
-          <a:chOff x="0" y="0"/>
-          <a:chExt cx="0" cy="0"/>
-        </a:xfrm>
-      </p:grpSpPr>
-      <p:sp>
-        <p:nvSpPr>
-          <p:cNvPr id="12" name="Content Placeholder 2">
-            <a:extLst>
-              <a:ext uri="{FF2B5EF4-FFF2-40B4-BE49-F238E27FC236}">
-                <a16:creationId xmlns:a16="http://schemas.microsoft.com/office/drawing/2014/main" id="{CEA1C233-A05E-4C0A-9D6F-463ADE16CF81}"/>
-              </a:ext>
-            </a:extLst>
-          </p:cNvPr>
-          <p:cNvSpPr>
-            <a:spLocks noGrp="1"/>
-          </p:cNvSpPr>
-          <p:nvPr>
-            <p:ph idx="15"/>
-          </p:nvPr>
-        </p:nvSpPr>
-        <p:spPr>
-          <a:xfrm>
-            <a:off x="563174" y="1594456"/>
-            <a:ext cx="8440528" cy="4687380"/>
-          </a:xfrm>
-        </p:spPr>
-        <p:txBody>
-          <a:bodyPr wrap="square" anchor="t">
-            <a:noAutofit/>
-          </a:bodyPr>
-          <a:lstStyle/>
-          <a:p>
-            <a:pPr>
-              <a:spcAft>
-                <a:spcPts val="600"/>
-              </a:spcAft>
-            </a:pPr>
-            <a:endParaRPr lang="en-GB" sz="2200" dirty="0"/>
-          </a:p>
-          <a:p>
-            <a:pPr>
-              <a:spcAft>
-                <a:spcPts val="600"/>
-              </a:spcAft>
-            </a:pPr>
-            <a:endParaRPr lang="en-GB" sz="2200" dirty="0"/>
-          </a:p>
-          <a:p>
-            <a:pPr marL="457200" indent="-457200">
-              <a:spcAft>
-                <a:spcPts val="600"/>
-              </a:spcAft>
-              <a:buFont typeface="+mj-lt"/>
-              <a:buAutoNum type="arabicParenR"/>
-            </a:pPr>
-            <a:r>
-              <a:rPr lang="en-GB" sz="2200" dirty="0"/>
-              <a:t>Inter-tuple parallelism: </a:t>
-            </a:r>
-            <a:r>
-              <a:rPr lang="en-GB" sz="2200" dirty="0">
-                <a:solidFill>
-                  <a:schemeClr val="accent1">
-                    <a:lumMod val="60000"/>
-                    <a:lumOff val="40000"/>
-                  </a:schemeClr>
-                </a:solidFill>
-              </a:rPr>
-              <a:t>SIMD registers </a:t>
-            </a:r>
-          </a:p>
-          <a:p>
-            <a:pPr marL="342900" indent="-342900">
-              <a:spcAft>
-                <a:spcPts val="600"/>
-              </a:spcAft>
-              <a:buFont typeface="Wingdings" panose="05000000000000000000" pitchFamily="2" charset="2"/>
-              <a:buChar char="ü"/>
-            </a:pPr>
-            <a:r>
-              <a:rPr lang="en-GB" dirty="0"/>
-              <a:t>SIMD instructions =&gt; speed up processing</a:t>
-            </a:r>
-          </a:p>
-          <a:p>
-            <a:pPr marL="342900" indent="-342900">
-              <a:spcAft>
-                <a:spcPts val="600"/>
-              </a:spcAft>
-              <a:buFont typeface="Wingdings" panose="05000000000000000000" pitchFamily="2" charset="2"/>
-              <a:buChar char="ü"/>
-            </a:pPr>
-            <a:r>
-              <a:rPr lang="en-GB" dirty="0"/>
-              <a:t>Delay branching</a:t>
-            </a:r>
-          </a:p>
-          <a:p>
-            <a:pPr marL="342900" indent="-342900">
-              <a:spcAft>
-                <a:spcPts val="600"/>
-              </a:spcAft>
-              <a:buFont typeface="Wingdings" panose="05000000000000000000" pitchFamily="2" charset="2"/>
-              <a:buChar char="ü"/>
-            </a:pPr>
-            <a:endParaRPr lang="en-GB" sz="1800" dirty="0"/>
-          </a:p>
-          <a:p>
-            <a:pPr marL="342900" indent="-342900">
-              <a:spcAft>
-                <a:spcPts val="600"/>
-              </a:spcAft>
-              <a:buFont typeface="Courier New" panose="02070309020205020404" pitchFamily="49" charset="0"/>
-              <a:buChar char="o"/>
-            </a:pPr>
-            <a:r>
-              <a:rPr lang="en-GB" sz="2000" dirty="0">
-                <a:solidFill>
-                  <a:srgbClr val="FF0000"/>
-                </a:solidFill>
-              </a:rPr>
-              <a:t>BUT …</a:t>
-            </a:r>
-          </a:p>
-          <a:p>
-            <a:pPr marL="285750" indent="-285750">
-              <a:spcAft>
-                <a:spcPts val="600"/>
-              </a:spcAft>
-              <a:buFontTx/>
-              <a:buChar char="-"/>
-            </a:pPr>
-            <a:endParaRPr lang="en-GB" dirty="0"/>
-          </a:p>
-          <a:p>
-            <a:pPr marL="285750" indent="-285750">
-              <a:spcAft>
-                <a:spcPts val="600"/>
-              </a:spcAft>
-              <a:buFontTx/>
-              <a:buChar char="-"/>
-            </a:pPr>
-            <a:r>
-              <a:rPr lang="en-GB" dirty="0"/>
-              <a:t>LLVM directly allows for modelling SIMD values as vector types</a:t>
-            </a:r>
-          </a:p>
-          <a:p>
-            <a:pPr marL="285750" indent="-285750">
-              <a:spcAft>
-                <a:spcPts val="600"/>
-              </a:spcAft>
-              <a:buFont typeface="Symbol" panose="05050102010706020507" pitchFamily="18" charset="2"/>
-              <a:buChar char="Þ"/>
-            </a:pPr>
-            <a:r>
-              <a:rPr lang="en-GB" dirty="0"/>
-              <a:t>The impact is relatively minor</a:t>
-            </a:r>
-          </a:p>
-          <a:p>
-            <a:pPr>
-              <a:spcAft>
-                <a:spcPts val="600"/>
-              </a:spcAft>
-            </a:pPr>
-            <a:endParaRPr lang="en-GB" sz="1800" dirty="0"/>
-          </a:p>
-          <a:p>
-            <a:pPr marL="342900" indent="-342900">
-              <a:spcAft>
-                <a:spcPts val="600"/>
-              </a:spcAft>
-              <a:buFont typeface="Wingdings" panose="05000000000000000000" pitchFamily="2" charset="2"/>
-              <a:buChar char="ü"/>
-            </a:pPr>
-            <a:endParaRPr lang="en-GB" sz="2000" u="sng" dirty="0"/>
-          </a:p>
-          <a:p>
-            <a:pPr>
-              <a:spcAft>
-                <a:spcPts val="600"/>
-              </a:spcAft>
-            </a:pPr>
-            <a:endParaRPr lang="en-GB" sz="2400" u="sng" dirty="0"/>
-          </a:p>
-        </p:txBody>
-      </p:sp>
-      <p:sp>
-        <p:nvSpPr>
-          <p:cNvPr id="4" name="Foliennummernplatzhalter 3"/>
-          <p:cNvSpPr>
-            <a:spLocks noGrp="1"/>
-          </p:cNvSpPr>
-          <p:nvPr>
-            <p:ph type="sldNum" sz="quarter" idx="16"/>
-          </p:nvPr>
-        </p:nvSpPr>
-        <p:spPr>
-          <a:xfrm>
-            <a:off x="6774934" y="6473313"/>
-            <a:ext cx="2052074" cy="365125"/>
-          </a:xfrm>
-        </p:spPr>
-        <p:txBody>
-          <a:bodyPr anchor="ctr">
-            <a:normAutofit/>
-          </a:bodyPr>
-          <a:lstStyle/>
-          <a:p>
-            <a:pPr>
-              <a:spcAft>
-                <a:spcPts val="600"/>
-              </a:spcAft>
-            </a:pPr>
-            <a:fld id="{CE58CB1E-F828-4F11-99E0-327109AF9DA4}" type="slidenum">
-              <a:rPr lang="de-DE" smtClean="0"/>
-              <a:pPr>
-                <a:spcAft>
-                  <a:spcPts val="600"/>
-                </a:spcAft>
-              </a:pPr>
-              <a:t>7</a:t>
-            </a:fld>
-            <a:endParaRPr lang="de-DE"/>
-          </a:p>
-        </p:txBody>
-      </p:sp>
-      <p:sp>
-        <p:nvSpPr>
-          <p:cNvPr id="9" name="Fußzeilenplatzhalter 4">
-            <a:extLst>
-              <a:ext uri="{FF2B5EF4-FFF2-40B4-BE49-F238E27FC236}">
-                <a16:creationId xmlns:a16="http://schemas.microsoft.com/office/drawing/2014/main" id="{89D2AE18-7D2E-4FB2-9488-E2F8F4B63139}"/>
-              </a:ext>
-            </a:extLst>
-          </p:cNvPr>
-          <p:cNvSpPr>
-            <a:spLocks noGrp="1"/>
-          </p:cNvSpPr>
-          <p:nvPr>
-            <p:ph type="ftr" sz="quarter" idx="17"/>
-          </p:nvPr>
-        </p:nvSpPr>
-        <p:spPr>
-          <a:xfrm>
-            <a:off x="311162" y="6473313"/>
-            <a:ext cx="6464280" cy="365125"/>
-          </a:xfrm>
-        </p:spPr>
-        <p:txBody>
-          <a:bodyPr anchor="ctr">
-            <a:normAutofit/>
-          </a:bodyPr>
-          <a:lstStyle/>
-          <a:p>
-            <a:pPr>
-              <a:lnSpc>
-                <a:spcPct val="90000"/>
-              </a:lnSpc>
-            </a:pPr>
-            <a:r>
-              <a:rPr lang="en-GB" sz="900" dirty="0"/>
-              <a:t>Eﬃciently Compiling Eﬃcient Query Plans for Modern Hardware</a:t>
-            </a:r>
-            <a:r>
-              <a:rPr lang="de-DE" sz="900" dirty="0"/>
-              <a:t>| 10.06.2020 | </a:t>
-            </a:r>
-            <a:r>
-              <a:rPr lang="en-US" sz="900" b="1" dirty="0"/>
-              <a:t>Seminar - Modern Database Systems </a:t>
-            </a:r>
-          </a:p>
-          <a:p>
-            <a:pPr>
-              <a:lnSpc>
-                <a:spcPct val="90000"/>
-              </a:lnSpc>
-              <a:spcAft>
-                <a:spcPts val="600"/>
-              </a:spcAft>
-            </a:pPr>
-            <a:endParaRPr lang="en-US" sz="900" dirty="0"/>
-          </a:p>
-        </p:txBody>
-      </p:sp>
-      <p:sp>
-        <p:nvSpPr>
-          <p:cNvPr id="6" name="Titel 2">
-            <a:extLst>
-              <a:ext uri="{FF2B5EF4-FFF2-40B4-BE49-F238E27FC236}">
-                <a16:creationId xmlns:a16="http://schemas.microsoft.com/office/drawing/2014/main" id="{E5DAF88E-7533-4CC7-B70E-6A36CBD1B800}"/>
-              </a:ext>
-            </a:extLst>
-          </p:cNvPr>
-          <p:cNvSpPr txBox="1">
-            <a:spLocks/>
-          </p:cNvSpPr>
-          <p:nvPr/>
-        </p:nvSpPr>
-        <p:spPr>
-          <a:xfrm>
-            <a:off x="311162" y="878427"/>
-            <a:ext cx="8508999" cy="410369"/>
-          </a:xfrm>
-          <a:prstGeom prst="rect">
-            <a:avLst/>
-          </a:prstGeom>
-          <a:noFill/>
-          <a:ln w="9525">
-            <a:noFill/>
-            <a:miter lim="800000"/>
-            <a:headEnd/>
-            <a:tailEnd/>
-          </a:ln>
-        </p:spPr>
-        <p:txBody>
-          <a:bodyPr vert="horz" wrap="square" lIns="0" tIns="0" rIns="0" bIns="0" numCol="1" anchor="t" anchorCtr="0" compatLnSpc="1">
-            <a:prstTxWarp prst="textNoShape">
-              <a:avLst/>
-            </a:prstTxWarp>
-            <a:noAutofit/>
-          </a:bodyPr>
-          <a:lstStyle>
-            <a:lvl1pPr algn="l" rtl="0" eaLnBrk="0" fontAlgn="base" hangingPunct="0">
-              <a:lnSpc>
-                <a:spcPts val="3200"/>
-              </a:lnSpc>
-              <a:spcBef>
-                <a:spcPct val="0"/>
-              </a:spcBef>
-              <a:spcAft>
-                <a:spcPct val="0"/>
-              </a:spcAft>
-              <a:defRPr lang="de-DE" sz="3000" b="0" kern="1200" noProof="0" dirty="0">
-                <a:solidFill>
-                  <a:schemeClr val="tx1"/>
-                </a:solidFill>
-                <a:latin typeface="+mj-lt"/>
-                <a:ea typeface="+mj-ea"/>
-                <a:cs typeface="+mj-cs"/>
-              </a:defRPr>
-            </a:lvl1pPr>
-            <a:lvl2pPr algn="l" rtl="0" eaLnBrk="0" fontAlgn="base" hangingPunct="0">
-              <a:spcBef>
-                <a:spcPct val="0"/>
-              </a:spcBef>
-              <a:spcAft>
-                <a:spcPct val="0"/>
-              </a:spcAft>
-              <a:defRPr sz="2000" b="1">
-                <a:solidFill>
-                  <a:schemeClr val="tx2"/>
-                </a:solidFill>
-                <a:latin typeface="Arial" charset="0"/>
-                <a:cs typeface="Arial" charset="0"/>
-              </a:defRPr>
-            </a:lvl2pPr>
-            <a:lvl3pPr algn="l" rtl="0" eaLnBrk="0" fontAlgn="base" hangingPunct="0">
-              <a:spcBef>
-                <a:spcPct val="0"/>
-              </a:spcBef>
-              <a:spcAft>
-                <a:spcPct val="0"/>
-              </a:spcAft>
-              <a:defRPr sz="2000" b="1">
-                <a:solidFill>
-                  <a:schemeClr val="tx2"/>
-                </a:solidFill>
-                <a:latin typeface="Arial" charset="0"/>
-                <a:cs typeface="Arial" charset="0"/>
-              </a:defRPr>
-            </a:lvl3pPr>
-            <a:lvl4pPr algn="l" rtl="0" eaLnBrk="0" fontAlgn="base" hangingPunct="0">
-              <a:spcBef>
-                <a:spcPct val="0"/>
-              </a:spcBef>
-              <a:spcAft>
-                <a:spcPct val="0"/>
-              </a:spcAft>
-              <a:defRPr sz="2000" b="1">
-                <a:solidFill>
-                  <a:schemeClr val="tx2"/>
-                </a:solidFill>
-                <a:latin typeface="Arial" charset="0"/>
-                <a:cs typeface="Arial" charset="0"/>
-              </a:defRPr>
-            </a:lvl4pPr>
-            <a:lvl5pPr algn="l" rtl="0" eaLnBrk="0" fontAlgn="base" hangingPunct="0">
-              <a:spcBef>
-                <a:spcPct val="0"/>
-              </a:spcBef>
-              <a:spcAft>
-                <a:spcPct val="0"/>
-              </a:spcAft>
-              <a:defRPr sz="2000" b="1">
-                <a:solidFill>
-                  <a:schemeClr val="tx2"/>
-                </a:solidFill>
-                <a:latin typeface="Arial" charset="0"/>
-                <a:cs typeface="Arial" charset="0"/>
-              </a:defRPr>
-            </a:lvl5pPr>
-            <a:lvl6pPr marL="457200" algn="l" rtl="0" fontAlgn="base">
-              <a:spcBef>
-                <a:spcPct val="0"/>
-              </a:spcBef>
-              <a:spcAft>
-                <a:spcPct val="0"/>
-              </a:spcAft>
-              <a:defRPr sz="2000" b="1">
-                <a:solidFill>
-                  <a:schemeClr val="tx2"/>
-                </a:solidFill>
-                <a:latin typeface="Arial" charset="0"/>
-                <a:cs typeface="Arial" charset="0"/>
-              </a:defRPr>
-            </a:lvl6pPr>
-            <a:lvl7pPr marL="914400" algn="l" rtl="0" fontAlgn="base">
-              <a:spcBef>
-                <a:spcPct val="0"/>
-              </a:spcBef>
-              <a:spcAft>
-                <a:spcPct val="0"/>
-              </a:spcAft>
-              <a:defRPr sz="2000" b="1">
-                <a:solidFill>
-                  <a:schemeClr val="tx2"/>
-                </a:solidFill>
-                <a:latin typeface="Arial" charset="0"/>
-                <a:cs typeface="Arial" charset="0"/>
-              </a:defRPr>
-            </a:lvl7pPr>
-            <a:lvl8pPr marL="1371600" algn="l" rtl="0" fontAlgn="base">
-              <a:spcBef>
-                <a:spcPct val="0"/>
-              </a:spcBef>
-              <a:spcAft>
-                <a:spcPct val="0"/>
-              </a:spcAft>
-              <a:defRPr sz="2000" b="1">
-                <a:solidFill>
-                  <a:schemeClr val="tx2"/>
-                </a:solidFill>
-                <a:latin typeface="Arial" charset="0"/>
-                <a:cs typeface="Arial" charset="0"/>
-              </a:defRPr>
-            </a:lvl8pPr>
-            <a:lvl9pPr marL="1828800" algn="l" rtl="0" fontAlgn="base">
-              <a:spcBef>
-                <a:spcPct val="0"/>
-              </a:spcBef>
-              <a:spcAft>
-                <a:spcPct val="0"/>
-              </a:spcAft>
-              <a:defRPr sz="2000" b="1">
-                <a:solidFill>
-                  <a:schemeClr val="tx2"/>
-                </a:solidFill>
-                <a:latin typeface="Arial" charset="0"/>
-                <a:cs typeface="Arial" charset="0"/>
-              </a:defRPr>
-            </a:lvl9pPr>
-          </a:lstStyle>
-          <a:p>
-            <a:r>
-              <a:rPr lang="de-DE" sz="3200" dirty="0" err="1"/>
-              <a:t>Advanced</a:t>
-            </a:r>
-            <a:r>
-              <a:rPr lang="de-DE" sz="3200" dirty="0"/>
-              <a:t> </a:t>
-            </a:r>
-            <a:r>
-              <a:rPr lang="de-DE" sz="3200" dirty="0" err="1"/>
-              <a:t>Parallelization</a:t>
-            </a:r>
-            <a:r>
-              <a:rPr lang="de-DE" sz="3200" dirty="0"/>
-              <a:t> </a:t>
-            </a:r>
-            <a:r>
-              <a:rPr lang="de-DE" sz="3200" dirty="0" err="1"/>
-              <a:t>Techniques</a:t>
-            </a:r>
-            <a:r>
-              <a:rPr lang="de-DE" sz="3200" dirty="0"/>
-              <a:t>: 1st Type</a:t>
-            </a:r>
-            <a:endParaRPr lang="en-US" sz="3200" dirty="0"/>
-          </a:p>
-        </p:txBody>
-      </p:sp>
-    </p:spTree>
-    <p:extLst>
-      <p:ext uri="{BB962C8B-B14F-4D97-AF65-F5344CB8AC3E}">
-        <p14:creationId xmlns:p14="http://schemas.microsoft.com/office/powerpoint/2010/main" val="3404172484"/>
-      </p:ext>
-    </p:extLst>
-  </p:cSld>
-  <p:clrMapOvr>
-    <a:masterClrMapping/>
-  </p:clrMapOvr>
-  <mc:AlternateContent xmlns:mc="http://schemas.openxmlformats.org/markup-compatibility/2006" xmlns:p14="http://schemas.microsoft.com/office/powerpoint/2010/main">
-    <mc:Choice Requires="p14">
-      <p:transition spd="med" p14:dur="700" advTm="60013">
-        <p:fade/>
-      </p:transition>
-    </mc:Choice>
-    <mc:Fallback xmlns="">
-      <p:transition spd="med" advTm="60013">
-        <p:fade/>
-      </p:transition>
-    </mc:Fallback>
-  </mc:AlternateContent>
-</p:sld>
-</file>
-
-<file path=ppt/slides/slide8.xml><?xml version="1.0" encoding="utf-8"?>
-<p:sld xmlns:a="http://schemas.openxmlformats.org/drawingml/2006/main" xmlns:r="http://schemas.openxmlformats.org/officeDocument/2006/relationships" xmlns:p="http://schemas.openxmlformats.org/presentationml/2006/main">
-  <p:cSld>
-    <p:spTree>
-      <p:nvGrpSpPr>
-        <p:cNvPr id="1" name=""/>
-        <p:cNvGrpSpPr/>
-        <p:nvPr/>
-      </p:nvGrpSpPr>
-      <p:grpSpPr>
-        <a:xfrm>
-          <a:off x="0" y="0"/>
-          <a:ext cx="0" cy="0"/>
-          <a:chOff x="0" y="0"/>
-          <a:chExt cx="0" cy="0"/>
-        </a:xfrm>
-      </p:grpSpPr>
-      <p:sp>
-        <p:nvSpPr>
-          <p:cNvPr id="12" name="Content Placeholder 2">
-            <a:extLst>
-              <a:ext uri="{FF2B5EF4-FFF2-40B4-BE49-F238E27FC236}">
-                <a16:creationId xmlns:a16="http://schemas.microsoft.com/office/drawing/2014/main" id="{CEA1C233-A05E-4C0A-9D6F-463ADE16CF81}"/>
-              </a:ext>
-            </a:extLst>
-          </p:cNvPr>
-          <p:cNvSpPr>
-            <a:spLocks noGrp="1"/>
-          </p:cNvSpPr>
-          <p:nvPr>
-            <p:ph idx="15"/>
-          </p:nvPr>
-        </p:nvSpPr>
-        <p:spPr>
-          <a:xfrm>
-            <a:off x="563174" y="1594456"/>
-            <a:ext cx="8440528" cy="4687380"/>
-          </a:xfrm>
-        </p:spPr>
-        <p:txBody>
-          <a:bodyPr wrap="square" anchor="t">
-            <a:noAutofit/>
-          </a:bodyPr>
-          <a:lstStyle/>
-          <a:p>
-            <a:pPr>
-              <a:spcAft>
-                <a:spcPts val="600"/>
-              </a:spcAft>
-            </a:pPr>
-            <a:endParaRPr lang="en-GB" dirty="0"/>
-          </a:p>
-          <a:p>
-            <a:pPr marL="285750" indent="-285750">
-              <a:spcAft>
-                <a:spcPts val="600"/>
-              </a:spcAft>
-              <a:buFont typeface="Wingdings" panose="05000000000000000000" pitchFamily="2" charset="2"/>
-              <a:buChar char="Ø"/>
-            </a:pPr>
-            <a:r>
-              <a:rPr lang="en-GB" sz="2000" dirty="0">
-                <a:solidFill>
-                  <a:srgbClr val="005293"/>
-                </a:solidFill>
-              </a:rPr>
-              <a:t>We implemented this in our </a:t>
-            </a:r>
-            <a:r>
-              <a:rPr lang="en-GB" sz="2000" dirty="0" err="1">
-                <a:solidFill>
-                  <a:srgbClr val="005293"/>
-                </a:solidFill>
-              </a:rPr>
-              <a:t>HyPer</a:t>
-            </a:r>
-            <a:r>
-              <a:rPr lang="en-GB" sz="2000" dirty="0">
-                <a:solidFill>
-                  <a:srgbClr val="005293"/>
-                </a:solidFill>
-              </a:rPr>
-              <a:t> system</a:t>
-            </a:r>
-            <a:r>
-              <a:rPr lang="en-GB" sz="2200" dirty="0">
-                <a:solidFill>
-                  <a:srgbClr val="005293"/>
-                </a:solidFill>
-              </a:rPr>
-              <a:t> </a:t>
-            </a:r>
-          </a:p>
-          <a:p>
-            <a:pPr>
-              <a:spcAft>
-                <a:spcPts val="600"/>
-              </a:spcAft>
-            </a:pPr>
-            <a:r>
-              <a:rPr lang="en-GB" dirty="0"/>
-              <a:t>• initially we generated C++ code from code fragments</a:t>
-            </a:r>
-          </a:p>
-          <a:p>
-            <a:pPr>
-              <a:spcAft>
-                <a:spcPts val="600"/>
-              </a:spcAft>
-            </a:pPr>
-            <a:r>
-              <a:rPr lang="en-GB" dirty="0"/>
-              <a:t>• then, switched to the data-centric LLVM code: comparison C++ vs. LLVM</a:t>
-            </a:r>
-          </a:p>
-          <a:p>
-            <a:pPr>
-              <a:spcAft>
-                <a:spcPts val="600"/>
-              </a:spcAft>
-            </a:pPr>
-            <a:endParaRPr lang="en-GB" dirty="0"/>
-          </a:p>
-        </p:txBody>
-      </p:sp>
-      <p:sp>
-        <p:nvSpPr>
-          <p:cNvPr id="4" name="Foliennummernplatzhalter 3"/>
-          <p:cNvSpPr>
-            <a:spLocks noGrp="1"/>
-          </p:cNvSpPr>
-          <p:nvPr>
-            <p:ph type="sldNum" sz="quarter" idx="16"/>
-          </p:nvPr>
-        </p:nvSpPr>
-        <p:spPr>
-          <a:xfrm>
-            <a:off x="6774934" y="6473313"/>
-            <a:ext cx="2052074" cy="365125"/>
-          </a:xfrm>
-        </p:spPr>
-        <p:txBody>
-          <a:bodyPr anchor="ctr">
-            <a:normAutofit/>
-          </a:bodyPr>
-          <a:lstStyle/>
-          <a:p>
-            <a:pPr>
-              <a:spcAft>
-                <a:spcPts val="600"/>
-              </a:spcAft>
-            </a:pPr>
-            <a:fld id="{CE58CB1E-F828-4F11-99E0-327109AF9DA4}" type="slidenum">
-              <a:rPr lang="de-DE" smtClean="0"/>
-              <a:pPr>
-                <a:spcAft>
-                  <a:spcPts val="600"/>
-                </a:spcAft>
-              </a:pPr>
-              <a:t>8</a:t>
-            </a:fld>
-            <a:endParaRPr lang="de-DE"/>
-          </a:p>
-        </p:txBody>
-      </p:sp>
-      <p:sp>
-        <p:nvSpPr>
-          <p:cNvPr id="9" name="Fußzeilenplatzhalter 4">
-            <a:extLst>
-              <a:ext uri="{FF2B5EF4-FFF2-40B4-BE49-F238E27FC236}">
-                <a16:creationId xmlns:a16="http://schemas.microsoft.com/office/drawing/2014/main" id="{89D2AE18-7D2E-4FB2-9488-E2F8F4B63139}"/>
-              </a:ext>
-            </a:extLst>
-          </p:cNvPr>
-          <p:cNvSpPr>
-            <a:spLocks noGrp="1"/>
-          </p:cNvSpPr>
-          <p:nvPr>
-            <p:ph type="ftr" sz="quarter" idx="17"/>
-          </p:nvPr>
-        </p:nvSpPr>
-        <p:spPr>
-          <a:xfrm>
-            <a:off x="311162" y="6473313"/>
-            <a:ext cx="6464280" cy="365125"/>
-          </a:xfrm>
-        </p:spPr>
-        <p:txBody>
-          <a:bodyPr anchor="ctr">
-            <a:normAutofit/>
-          </a:bodyPr>
-          <a:lstStyle/>
-          <a:p>
-            <a:pPr>
-              <a:lnSpc>
-                <a:spcPct val="90000"/>
-              </a:lnSpc>
-            </a:pPr>
-            <a:r>
-              <a:rPr lang="en-GB" sz="900" dirty="0"/>
-              <a:t>Eﬃciently Compiling Eﬃcient Query Plans for Modern Hardware</a:t>
-            </a:r>
-            <a:r>
-              <a:rPr lang="de-DE" sz="900" dirty="0"/>
-              <a:t>| 10.06.2020 | </a:t>
-            </a:r>
-            <a:r>
-              <a:rPr lang="en-US" sz="900" b="1" dirty="0"/>
-              <a:t>Seminar - Modern Database Systems </a:t>
-            </a:r>
-          </a:p>
-          <a:p>
-            <a:pPr>
-              <a:lnSpc>
-                <a:spcPct val="90000"/>
-              </a:lnSpc>
-              <a:spcAft>
-                <a:spcPts val="600"/>
-              </a:spcAft>
-            </a:pPr>
-            <a:endParaRPr lang="en-US" sz="900" dirty="0"/>
-          </a:p>
-        </p:txBody>
-      </p:sp>
-      <p:sp>
-        <p:nvSpPr>
-          <p:cNvPr id="6" name="Titel 2">
-            <a:extLst>
-              <a:ext uri="{FF2B5EF4-FFF2-40B4-BE49-F238E27FC236}">
-                <a16:creationId xmlns:a16="http://schemas.microsoft.com/office/drawing/2014/main" id="{E5DAF88E-7533-4CC7-B70E-6A36CBD1B800}"/>
-              </a:ext>
-            </a:extLst>
-          </p:cNvPr>
-          <p:cNvSpPr txBox="1">
-            <a:spLocks/>
-          </p:cNvSpPr>
-          <p:nvPr/>
-        </p:nvSpPr>
-        <p:spPr>
-          <a:xfrm>
-            <a:off x="311162" y="878427"/>
-            <a:ext cx="8508999" cy="410369"/>
-          </a:xfrm>
-          <a:prstGeom prst="rect">
-            <a:avLst/>
-          </a:prstGeom>
-          <a:noFill/>
-          <a:ln w="9525">
-            <a:noFill/>
-            <a:miter lim="800000"/>
-            <a:headEnd/>
-            <a:tailEnd/>
-          </a:ln>
-        </p:spPr>
-        <p:txBody>
-          <a:bodyPr vert="horz" wrap="square" lIns="0" tIns="0" rIns="0" bIns="0" numCol="1" anchor="t" anchorCtr="0" compatLnSpc="1">
-            <a:prstTxWarp prst="textNoShape">
-              <a:avLst/>
-            </a:prstTxWarp>
-            <a:noAutofit/>
-          </a:bodyPr>
-          <a:lstStyle>
-            <a:lvl1pPr algn="l" rtl="0" eaLnBrk="0" fontAlgn="base" hangingPunct="0">
-              <a:lnSpc>
-                <a:spcPts val="3200"/>
-              </a:lnSpc>
-              <a:spcBef>
-                <a:spcPct val="0"/>
-              </a:spcBef>
-              <a:spcAft>
-                <a:spcPct val="0"/>
-              </a:spcAft>
-              <a:defRPr lang="de-DE" sz="3000" b="0" kern="1200" noProof="0" dirty="0">
-                <a:solidFill>
-                  <a:schemeClr val="tx1"/>
-                </a:solidFill>
-                <a:latin typeface="+mj-lt"/>
-                <a:ea typeface="+mj-ea"/>
-                <a:cs typeface="+mj-cs"/>
-              </a:defRPr>
-            </a:lvl1pPr>
-            <a:lvl2pPr algn="l" rtl="0" eaLnBrk="0" fontAlgn="base" hangingPunct="0">
-              <a:spcBef>
-                <a:spcPct val="0"/>
-              </a:spcBef>
-              <a:spcAft>
-                <a:spcPct val="0"/>
-              </a:spcAft>
-              <a:defRPr sz="2000" b="1">
-                <a:solidFill>
-                  <a:schemeClr val="tx2"/>
-                </a:solidFill>
-                <a:latin typeface="Arial" charset="0"/>
-                <a:cs typeface="Arial" charset="0"/>
-              </a:defRPr>
-            </a:lvl2pPr>
-            <a:lvl3pPr algn="l" rtl="0" eaLnBrk="0" fontAlgn="base" hangingPunct="0">
-              <a:spcBef>
-                <a:spcPct val="0"/>
-              </a:spcBef>
-              <a:spcAft>
-                <a:spcPct val="0"/>
-              </a:spcAft>
-              <a:defRPr sz="2000" b="1">
-                <a:solidFill>
-                  <a:schemeClr val="tx2"/>
-                </a:solidFill>
-                <a:latin typeface="Arial" charset="0"/>
-                <a:cs typeface="Arial" charset="0"/>
-              </a:defRPr>
-            </a:lvl3pPr>
-            <a:lvl4pPr algn="l" rtl="0" eaLnBrk="0" fontAlgn="base" hangingPunct="0">
-              <a:spcBef>
-                <a:spcPct val="0"/>
-              </a:spcBef>
-              <a:spcAft>
-                <a:spcPct val="0"/>
-              </a:spcAft>
-              <a:defRPr sz="2000" b="1">
-                <a:solidFill>
-                  <a:schemeClr val="tx2"/>
-                </a:solidFill>
-                <a:latin typeface="Arial" charset="0"/>
-                <a:cs typeface="Arial" charset="0"/>
-              </a:defRPr>
-            </a:lvl4pPr>
-            <a:lvl5pPr algn="l" rtl="0" eaLnBrk="0" fontAlgn="base" hangingPunct="0">
-              <a:spcBef>
-                <a:spcPct val="0"/>
-              </a:spcBef>
-              <a:spcAft>
-                <a:spcPct val="0"/>
-              </a:spcAft>
-              <a:defRPr sz="2000" b="1">
-                <a:solidFill>
-                  <a:schemeClr val="tx2"/>
-                </a:solidFill>
-                <a:latin typeface="Arial" charset="0"/>
-                <a:cs typeface="Arial" charset="0"/>
-              </a:defRPr>
-            </a:lvl5pPr>
-            <a:lvl6pPr marL="457200" algn="l" rtl="0" fontAlgn="base">
-              <a:spcBef>
-                <a:spcPct val="0"/>
-              </a:spcBef>
-              <a:spcAft>
-                <a:spcPct val="0"/>
-              </a:spcAft>
-              <a:defRPr sz="2000" b="1">
-                <a:solidFill>
-                  <a:schemeClr val="tx2"/>
-                </a:solidFill>
-                <a:latin typeface="Arial" charset="0"/>
-                <a:cs typeface="Arial" charset="0"/>
-              </a:defRPr>
-            </a:lvl6pPr>
-            <a:lvl7pPr marL="914400" algn="l" rtl="0" fontAlgn="base">
-              <a:spcBef>
-                <a:spcPct val="0"/>
-              </a:spcBef>
-              <a:spcAft>
-                <a:spcPct val="0"/>
-              </a:spcAft>
-              <a:defRPr sz="2000" b="1">
-                <a:solidFill>
-                  <a:schemeClr val="tx2"/>
-                </a:solidFill>
-                <a:latin typeface="Arial" charset="0"/>
-                <a:cs typeface="Arial" charset="0"/>
-              </a:defRPr>
-            </a:lvl7pPr>
-            <a:lvl8pPr marL="1371600" algn="l" rtl="0" fontAlgn="base">
-              <a:spcBef>
-                <a:spcPct val="0"/>
-              </a:spcBef>
-              <a:spcAft>
-                <a:spcPct val="0"/>
-              </a:spcAft>
-              <a:defRPr sz="2000" b="1">
-                <a:solidFill>
-                  <a:schemeClr val="tx2"/>
-                </a:solidFill>
-                <a:latin typeface="Arial" charset="0"/>
-                <a:cs typeface="Arial" charset="0"/>
-              </a:defRPr>
-            </a:lvl8pPr>
-            <a:lvl9pPr marL="1828800" algn="l" rtl="0" fontAlgn="base">
-              <a:spcBef>
-                <a:spcPct val="0"/>
-              </a:spcBef>
-              <a:spcAft>
-                <a:spcPct val="0"/>
-              </a:spcAft>
-              <a:defRPr sz="2000" b="1">
-                <a:solidFill>
-                  <a:schemeClr val="tx2"/>
-                </a:solidFill>
-                <a:latin typeface="Arial" charset="0"/>
-                <a:cs typeface="Arial" charset="0"/>
-              </a:defRPr>
-            </a:lvl9pPr>
-          </a:lstStyle>
-          <a:p>
-            <a:r>
-              <a:rPr lang="de-DE" sz="3200" dirty="0"/>
-              <a:t>Evaluation</a:t>
-            </a:r>
-            <a:endParaRPr lang="en-US" sz="3200" dirty="0"/>
-          </a:p>
-        </p:txBody>
-      </p:sp>
-    </p:spTree>
-    <p:extLst>
-      <p:ext uri="{BB962C8B-B14F-4D97-AF65-F5344CB8AC3E}">
-        <p14:creationId xmlns:p14="http://schemas.microsoft.com/office/powerpoint/2010/main" val="3752693589"/>
-      </p:ext>
-    </p:extLst>
-  </p:cSld>
-  <p:clrMapOvr>
-    <a:masterClrMapping/>
-  </p:clrMapOvr>
-  <mc:AlternateContent xmlns:mc="http://schemas.openxmlformats.org/markup-compatibility/2006" xmlns:p14="http://schemas.microsoft.com/office/powerpoint/2010/main">
-    <mc:Choice Requires="p14">
-      <p:transition spd="med" p14:dur="700" advTm="19534">
-        <p:fade/>
-      </p:transition>
-    </mc:Choice>
-    <mc:Fallback xmlns="">
-      <p:transition spd="med" advTm="19534">
         <p:fade/>
       </p:transition>
     </mc:Fallback>
@@ -27089,10 +29593,313 @@
       </p:sp>
       <p:sp>
         <p:nvSpPr>
-          <p:cNvPr id="9" name="Fußzeilenplatzhalter 4">
+          <p:cNvPr id="3" name="Titel 2"/>
+          <p:cNvSpPr>
+            <a:spLocks noGrp="1"/>
+          </p:cNvSpPr>
+          <p:nvPr>
+            <p:ph type="title"/>
+          </p:nvPr>
+        </p:nvSpPr>
+        <p:spPr>
+          <a:xfrm>
+            <a:off x="311162" y="878427"/>
+            <a:ext cx="8508999" cy="410369"/>
+          </a:xfrm>
+        </p:spPr>
+        <p:txBody>
+          <a:bodyPr wrap="square" anchor="t">
+            <a:noAutofit/>
+          </a:bodyPr>
+          <a:lstStyle/>
+          <a:p>
+            <a:r>
+              <a:rPr lang="en-US" sz="3200" dirty="0"/>
+              <a:t> </a:t>
+            </a:r>
+            <a:r>
+              <a:rPr lang="en-US" sz="3200" dirty="0" err="1">
+                <a:solidFill>
+                  <a:schemeClr val="bg2">
+                    <a:lumMod val="75000"/>
+                  </a:schemeClr>
+                </a:solidFill>
+              </a:rPr>
+              <a:t>Fazit</a:t>
+            </a:r>
+            <a:r>
+              <a:rPr lang="en-US" sz="3200" dirty="0">
+                <a:solidFill>
+                  <a:schemeClr val="bg2">
+                    <a:lumMod val="75000"/>
+                  </a:schemeClr>
+                </a:solidFill>
+              </a:rPr>
+              <a:t>: </a:t>
+            </a:r>
+            <a:r>
+              <a:rPr lang="en-US" sz="3200" dirty="0" err="1">
+                <a:solidFill>
+                  <a:schemeClr val="bg2">
+                    <a:lumMod val="75000"/>
+                  </a:schemeClr>
+                </a:solidFill>
+              </a:rPr>
+              <a:t>Verbesserungsmöglichkeiten</a:t>
+            </a:r>
+            <a:endParaRPr lang="de-DE" sz="3200" dirty="0"/>
+          </a:p>
+        </p:txBody>
+      </p:sp>
+      <p:sp>
+        <p:nvSpPr>
+          <p:cNvPr id="12" name="Content Placeholder 13">
             <a:extLst>
               <a:ext uri="{FF2B5EF4-FFF2-40B4-BE49-F238E27FC236}">
-                <a16:creationId xmlns:a16="http://schemas.microsoft.com/office/drawing/2014/main" id="{89D2AE18-7D2E-4FB2-9488-E2F8F4B63139}"/>
+                <a16:creationId xmlns:a16="http://schemas.microsoft.com/office/drawing/2014/main" id="{BD0F1FD7-B55C-4C88-940C-DE7178B6A3B2}"/>
+              </a:ext>
+            </a:extLst>
+          </p:cNvPr>
+          <p:cNvSpPr txBox="1">
+            <a:spLocks/>
+          </p:cNvSpPr>
+          <p:nvPr/>
+        </p:nvSpPr>
+        <p:spPr>
+          <a:xfrm>
+            <a:off x="260392" y="1925690"/>
+            <a:ext cx="8508999" cy="4523878"/>
+          </a:xfrm>
+          <a:prstGeom prst="rect">
+            <a:avLst/>
+          </a:prstGeom>
+          <a:noFill/>
+          <a:ln w="9525">
+            <a:noFill/>
+            <a:miter lim="800000"/>
+            <a:headEnd/>
+            <a:tailEnd/>
+          </a:ln>
+        </p:spPr>
+        <p:txBody>
+          <a:bodyPr vert="horz" wrap="square" lIns="0" tIns="0" rIns="0" bIns="0" numCol="1" anchor="t" anchorCtr="0" compatLnSpc="1">
+            <a:prstTxWarp prst="textNoShape">
+              <a:avLst/>
+            </a:prstTxWarp>
+            <a:normAutofit/>
+          </a:bodyPr>
+          <a:lstStyle>
+            <a:lvl1pPr algn="l" rtl="0" eaLnBrk="0" fontAlgn="base" hangingPunct="0">
+              <a:lnSpc>
+                <a:spcPct val="114000"/>
+              </a:lnSpc>
+              <a:spcBef>
+                <a:spcPct val="0"/>
+              </a:spcBef>
+              <a:spcAft>
+                <a:spcPct val="0"/>
+              </a:spcAft>
+              <a:defRPr lang="de-DE" sz="1600" kern="1200" noProof="0" dirty="0" smtClean="0">
+                <a:solidFill>
+                  <a:schemeClr val="tx1"/>
+                </a:solidFill>
+                <a:latin typeface="+mn-lt"/>
+                <a:ea typeface="+mn-ea"/>
+                <a:cs typeface="+mn-cs"/>
+              </a:defRPr>
+            </a:lvl1pPr>
+            <a:lvl2pPr marL="176213" indent="-176213" algn="l" rtl="0" eaLnBrk="0" fontAlgn="base" hangingPunct="0">
+              <a:lnSpc>
+                <a:spcPct val="114000"/>
+              </a:lnSpc>
+              <a:spcBef>
+                <a:spcPct val="0"/>
+              </a:spcBef>
+              <a:spcAft>
+                <a:spcPct val="0"/>
+              </a:spcAft>
+              <a:buFont typeface="Arial" charset="0"/>
+              <a:buChar char="•"/>
+              <a:defRPr lang="de-DE" sz="1600" kern="1200" noProof="0" dirty="0" smtClean="0">
+                <a:solidFill>
+                  <a:schemeClr val="tx1"/>
+                </a:solidFill>
+                <a:latin typeface="+mn-lt"/>
+                <a:ea typeface="+mn-ea"/>
+                <a:cs typeface="+mn-cs"/>
+              </a:defRPr>
+            </a:lvl2pPr>
+            <a:lvl3pPr marL="360363" indent="-184150" algn="l" rtl="0" eaLnBrk="0" fontAlgn="base" hangingPunct="0">
+              <a:lnSpc>
+                <a:spcPct val="125000"/>
+              </a:lnSpc>
+              <a:spcBef>
+                <a:spcPct val="0"/>
+              </a:spcBef>
+              <a:spcAft>
+                <a:spcPct val="0"/>
+              </a:spcAft>
+              <a:buFont typeface="Symbol" pitchFamily="18" charset="2"/>
+              <a:buChar char="-"/>
+              <a:defRPr sz="1600" kern="1200">
+                <a:solidFill>
+                  <a:schemeClr val="tx1"/>
+                </a:solidFill>
+                <a:latin typeface="+mn-lt"/>
+                <a:ea typeface="+mn-ea"/>
+                <a:cs typeface="+mn-cs"/>
+              </a:defRPr>
+            </a:lvl3pPr>
+            <a:lvl4pPr marL="538163" indent="-177800" algn="l" rtl="0" eaLnBrk="0" fontAlgn="base" hangingPunct="0">
+              <a:lnSpc>
+                <a:spcPct val="125000"/>
+              </a:lnSpc>
+              <a:spcBef>
+                <a:spcPct val="0"/>
+              </a:spcBef>
+              <a:spcAft>
+                <a:spcPct val="0"/>
+              </a:spcAft>
+              <a:buFont typeface="Symbol" pitchFamily="18" charset="2"/>
+              <a:buChar char="-"/>
+              <a:defRPr sz="1400" kern="1200">
+                <a:solidFill>
+                  <a:schemeClr val="tx1"/>
+                </a:solidFill>
+                <a:latin typeface="+mn-lt"/>
+                <a:ea typeface="+mn-ea"/>
+                <a:cs typeface="+mn-cs"/>
+              </a:defRPr>
+            </a:lvl4pPr>
+            <a:lvl5pPr marL="714375" indent="-176213" algn="l" rtl="0" eaLnBrk="0" fontAlgn="base" hangingPunct="0">
+              <a:lnSpc>
+                <a:spcPct val="125000"/>
+              </a:lnSpc>
+              <a:spcBef>
+                <a:spcPct val="0"/>
+              </a:spcBef>
+              <a:spcAft>
+                <a:spcPct val="0"/>
+              </a:spcAft>
+              <a:buFont typeface="Symbol" pitchFamily="18" charset="2"/>
+              <a:buChar char="-"/>
+              <a:defRPr sz="1400" kern="1200">
+                <a:solidFill>
+                  <a:schemeClr val="tx1"/>
+                </a:solidFill>
+                <a:latin typeface="+mn-lt"/>
+                <a:ea typeface="+mn-ea"/>
+                <a:cs typeface="+mn-cs"/>
+              </a:defRPr>
+            </a:lvl5pPr>
+            <a:lvl6pPr marL="2514600" indent="-228600" algn="l" defTabSz="914400" rtl="0" eaLnBrk="1" latinLnBrk="0" hangingPunct="1">
+              <a:spcBef>
+                <a:spcPct val="20000"/>
+              </a:spcBef>
+              <a:buFont typeface="Arial" pitchFamily="34" charset="0"/>
+              <a:buChar char="•"/>
+              <a:defRPr sz="2000" kern="1200">
+                <a:solidFill>
+                  <a:schemeClr val="tx1"/>
+                </a:solidFill>
+                <a:latin typeface="+mn-lt"/>
+                <a:ea typeface="+mn-ea"/>
+                <a:cs typeface="+mn-cs"/>
+              </a:defRPr>
+            </a:lvl6pPr>
+            <a:lvl7pPr marL="2971800" indent="-228600" algn="l" defTabSz="914400" rtl="0" eaLnBrk="1" latinLnBrk="0" hangingPunct="1">
+              <a:spcBef>
+                <a:spcPct val="20000"/>
+              </a:spcBef>
+              <a:buFont typeface="Arial" pitchFamily="34" charset="0"/>
+              <a:buChar char="•"/>
+              <a:defRPr sz="2000" kern="1200">
+                <a:solidFill>
+                  <a:schemeClr val="tx1"/>
+                </a:solidFill>
+                <a:latin typeface="+mn-lt"/>
+                <a:ea typeface="+mn-ea"/>
+                <a:cs typeface="+mn-cs"/>
+              </a:defRPr>
+            </a:lvl7pPr>
+            <a:lvl8pPr marL="3429000" indent="-228600" algn="l" defTabSz="914400" rtl="0" eaLnBrk="1" latinLnBrk="0" hangingPunct="1">
+              <a:spcBef>
+                <a:spcPct val="20000"/>
+              </a:spcBef>
+              <a:buFont typeface="Arial" pitchFamily="34" charset="0"/>
+              <a:buChar char="•"/>
+              <a:defRPr sz="2000" kern="1200">
+                <a:solidFill>
+                  <a:schemeClr val="tx1"/>
+                </a:solidFill>
+                <a:latin typeface="+mn-lt"/>
+                <a:ea typeface="+mn-ea"/>
+                <a:cs typeface="+mn-cs"/>
+              </a:defRPr>
+            </a:lvl8pPr>
+            <a:lvl9pPr marL="3886200" indent="-228600" algn="l" defTabSz="914400" rtl="0" eaLnBrk="1" latinLnBrk="0" hangingPunct="1">
+              <a:spcBef>
+                <a:spcPct val="20000"/>
+              </a:spcBef>
+              <a:buFont typeface="Arial" pitchFamily="34" charset="0"/>
+              <a:buChar char="•"/>
+              <a:defRPr sz="2000" kern="1200">
+                <a:solidFill>
+                  <a:schemeClr val="tx1"/>
+                </a:solidFill>
+                <a:latin typeface="+mn-lt"/>
+                <a:ea typeface="+mn-ea"/>
+                <a:cs typeface="+mn-cs"/>
+              </a:defRPr>
+            </a:lvl9pPr>
+          </a:lstStyle>
+          <a:p>
+            <a:pPr>
+              <a:spcAft>
+                <a:spcPts val="600"/>
+              </a:spcAft>
+            </a:pPr>
+            <a:r>
+              <a:rPr lang="en-GB"/>
+              <a:t>•</a:t>
+            </a:r>
+          </a:p>
+          <a:p>
+            <a:pPr marL="457200" indent="-457200">
+              <a:spcAft>
+                <a:spcPts val="600"/>
+              </a:spcAft>
+              <a:buFont typeface="Courier New" panose="02070309020205020404" pitchFamily="49" charset="0"/>
+              <a:buChar char="o"/>
+            </a:pPr>
+            <a:endParaRPr lang="en-GB">
+              <a:solidFill>
+                <a:srgbClr val="FF0000"/>
+              </a:solidFill>
+            </a:endParaRPr>
+          </a:p>
+          <a:p>
+            <a:pPr marL="285750" indent="-285750">
+              <a:spcAft>
+                <a:spcPts val="600"/>
+              </a:spcAft>
+              <a:buFont typeface="Courier New" panose="02070309020205020404" pitchFamily="49" charset="0"/>
+              <a:buChar char="o"/>
+            </a:pPr>
+            <a:endParaRPr lang="en-US">
+              <a:solidFill>
+                <a:srgbClr val="FF0000"/>
+              </a:solidFill>
+            </a:endParaRPr>
+          </a:p>
+        </p:txBody>
+      </p:sp>
+      <p:sp>
+        <p:nvSpPr>
+          <p:cNvPr id="13" name="Fußzeilenplatzhalter 4">
+            <a:extLst>
+              <a:ext uri="{FF2B5EF4-FFF2-40B4-BE49-F238E27FC236}">
+                <a16:creationId xmlns:a16="http://schemas.microsoft.com/office/drawing/2014/main" id="{371774CC-B998-4A6F-92E9-0A28E389481F}"/>
               </a:ext>
             </a:extLst>
           </p:cNvPr>
@@ -27121,16 +29928,16 @@
               </a:lnSpc>
             </a:pPr>
             <a:r>
-              <a:rPr lang="en-GB" sz="900" dirty="0"/>
-              <a:t>Eﬃciently Compiling Eﬃcient Query Plans for Modern Hardware</a:t>
-            </a:r>
-            <a:r>
               <a:rPr lang="de-DE" sz="900" dirty="0"/>
-              <a:t>| 10.06.2020 | </a:t>
+              <a:t>Aspekte der systemnahen Programmierung bei der Spieleentwicklung | 16.02.2021 | </a:t>
+            </a:r>
+            <a:r>
+              <a:rPr lang="en-US" sz="900" b="1" dirty="0" err="1"/>
+              <a:t>Peano-Kurven</a:t>
             </a:r>
             <a:r>
               <a:rPr lang="en-US" sz="900" b="1" dirty="0"/>
-              <a:t>Seminar - Modern Database Systems </a:t>
+              <a:t> (A214)</a:t>
             </a:r>
           </a:p>
           <a:p>
@@ -27146,1308 +29953,24 @@
           </a:p>
         </p:txBody>
       </p:sp>
-      <p:sp>
-        <p:nvSpPr>
-          <p:cNvPr id="6" name="Titel 2">
-            <a:extLst>
-              <a:ext uri="{FF2B5EF4-FFF2-40B4-BE49-F238E27FC236}">
-                <a16:creationId xmlns:a16="http://schemas.microsoft.com/office/drawing/2014/main" id="{E5DAF88E-7533-4CC7-B70E-6A36CBD1B800}"/>
-              </a:ext>
-            </a:extLst>
-          </p:cNvPr>
-          <p:cNvSpPr txBox="1">
-            <a:spLocks/>
-          </p:cNvSpPr>
-          <p:nvPr/>
-        </p:nvSpPr>
-        <p:spPr>
-          <a:xfrm>
-            <a:off x="311162" y="878427"/>
-            <a:ext cx="8508999" cy="410369"/>
-          </a:xfrm>
-          <a:prstGeom prst="rect">
-            <a:avLst/>
-          </a:prstGeom>
-          <a:noFill/>
-          <a:ln w="9525">
-            <a:noFill/>
-            <a:miter lim="800000"/>
-            <a:headEnd/>
-            <a:tailEnd/>
-          </a:ln>
-        </p:spPr>
-        <p:txBody>
-          <a:bodyPr vert="horz" wrap="square" lIns="0" tIns="0" rIns="0" bIns="0" numCol="1" anchor="t" anchorCtr="0" compatLnSpc="1">
-            <a:prstTxWarp prst="textNoShape">
-              <a:avLst/>
-            </a:prstTxWarp>
-            <a:noAutofit/>
-          </a:bodyPr>
-          <a:lstStyle>
-            <a:lvl1pPr algn="l" rtl="0" eaLnBrk="0" fontAlgn="base" hangingPunct="0">
-              <a:lnSpc>
-                <a:spcPts val="3200"/>
-              </a:lnSpc>
-              <a:spcBef>
-                <a:spcPct val="0"/>
-              </a:spcBef>
-              <a:spcAft>
-                <a:spcPct val="0"/>
-              </a:spcAft>
-              <a:defRPr lang="de-DE" sz="3000" b="0" kern="1200" noProof="0" dirty="0">
-                <a:solidFill>
-                  <a:schemeClr val="tx1"/>
-                </a:solidFill>
-                <a:latin typeface="+mj-lt"/>
-                <a:ea typeface="+mj-ea"/>
-                <a:cs typeface="+mj-cs"/>
-              </a:defRPr>
-            </a:lvl1pPr>
-            <a:lvl2pPr algn="l" rtl="0" eaLnBrk="0" fontAlgn="base" hangingPunct="0">
-              <a:spcBef>
-                <a:spcPct val="0"/>
-              </a:spcBef>
-              <a:spcAft>
-                <a:spcPct val="0"/>
-              </a:spcAft>
-              <a:defRPr sz="2000" b="1">
-                <a:solidFill>
-                  <a:schemeClr val="tx2"/>
-                </a:solidFill>
-                <a:latin typeface="Arial" charset="0"/>
-                <a:cs typeface="Arial" charset="0"/>
-              </a:defRPr>
-            </a:lvl2pPr>
-            <a:lvl3pPr algn="l" rtl="0" eaLnBrk="0" fontAlgn="base" hangingPunct="0">
-              <a:spcBef>
-                <a:spcPct val="0"/>
-              </a:spcBef>
-              <a:spcAft>
-                <a:spcPct val="0"/>
-              </a:spcAft>
-              <a:defRPr sz="2000" b="1">
-                <a:solidFill>
-                  <a:schemeClr val="tx2"/>
-                </a:solidFill>
-                <a:latin typeface="Arial" charset="0"/>
-                <a:cs typeface="Arial" charset="0"/>
-              </a:defRPr>
-            </a:lvl3pPr>
-            <a:lvl4pPr algn="l" rtl="0" eaLnBrk="0" fontAlgn="base" hangingPunct="0">
-              <a:spcBef>
-                <a:spcPct val="0"/>
-              </a:spcBef>
-              <a:spcAft>
-                <a:spcPct val="0"/>
-              </a:spcAft>
-              <a:defRPr sz="2000" b="1">
-                <a:solidFill>
-                  <a:schemeClr val="tx2"/>
-                </a:solidFill>
-                <a:latin typeface="Arial" charset="0"/>
-                <a:cs typeface="Arial" charset="0"/>
-              </a:defRPr>
-            </a:lvl4pPr>
-            <a:lvl5pPr algn="l" rtl="0" eaLnBrk="0" fontAlgn="base" hangingPunct="0">
-              <a:spcBef>
-                <a:spcPct val="0"/>
-              </a:spcBef>
-              <a:spcAft>
-                <a:spcPct val="0"/>
-              </a:spcAft>
-              <a:defRPr sz="2000" b="1">
-                <a:solidFill>
-                  <a:schemeClr val="tx2"/>
-                </a:solidFill>
-                <a:latin typeface="Arial" charset="0"/>
-                <a:cs typeface="Arial" charset="0"/>
-              </a:defRPr>
-            </a:lvl5pPr>
-            <a:lvl6pPr marL="457200" algn="l" rtl="0" fontAlgn="base">
-              <a:spcBef>
-                <a:spcPct val="0"/>
-              </a:spcBef>
-              <a:spcAft>
-                <a:spcPct val="0"/>
-              </a:spcAft>
-              <a:defRPr sz="2000" b="1">
-                <a:solidFill>
-                  <a:schemeClr val="tx2"/>
-                </a:solidFill>
-                <a:latin typeface="Arial" charset="0"/>
-                <a:cs typeface="Arial" charset="0"/>
-              </a:defRPr>
-            </a:lvl6pPr>
-            <a:lvl7pPr marL="914400" algn="l" rtl="0" fontAlgn="base">
-              <a:spcBef>
-                <a:spcPct val="0"/>
-              </a:spcBef>
-              <a:spcAft>
-                <a:spcPct val="0"/>
-              </a:spcAft>
-              <a:defRPr sz="2000" b="1">
-                <a:solidFill>
-                  <a:schemeClr val="tx2"/>
-                </a:solidFill>
-                <a:latin typeface="Arial" charset="0"/>
-                <a:cs typeface="Arial" charset="0"/>
-              </a:defRPr>
-            </a:lvl7pPr>
-            <a:lvl8pPr marL="1371600" algn="l" rtl="0" fontAlgn="base">
-              <a:spcBef>
-                <a:spcPct val="0"/>
-              </a:spcBef>
-              <a:spcAft>
-                <a:spcPct val="0"/>
-              </a:spcAft>
-              <a:defRPr sz="2000" b="1">
-                <a:solidFill>
-                  <a:schemeClr val="tx2"/>
-                </a:solidFill>
-                <a:latin typeface="Arial" charset="0"/>
-                <a:cs typeface="Arial" charset="0"/>
-              </a:defRPr>
-            </a:lvl8pPr>
-            <a:lvl9pPr marL="1828800" algn="l" rtl="0" fontAlgn="base">
-              <a:spcBef>
-                <a:spcPct val="0"/>
-              </a:spcBef>
-              <a:spcAft>
-                <a:spcPct val="0"/>
-              </a:spcAft>
-              <a:defRPr sz="2000" b="1">
-                <a:solidFill>
-                  <a:schemeClr val="tx2"/>
-                </a:solidFill>
-                <a:latin typeface="Arial" charset="0"/>
-                <a:cs typeface="Arial" charset="0"/>
-              </a:defRPr>
-            </a:lvl9pPr>
-          </a:lstStyle>
-          <a:p>
-            <a:r>
-              <a:rPr lang="de-DE" sz="3200" dirty="0"/>
-              <a:t>Evaluation: C++ &lt;==&gt; LLVM</a:t>
-            </a:r>
-            <a:endParaRPr lang="en-US" sz="3200" dirty="0"/>
-          </a:p>
-        </p:txBody>
-      </p:sp>
-      <p:graphicFrame>
-        <p:nvGraphicFramePr>
-          <p:cNvPr id="8" name="Table 5">
-            <a:extLst>
-              <a:ext uri="{FF2B5EF4-FFF2-40B4-BE49-F238E27FC236}">
-                <a16:creationId xmlns:a16="http://schemas.microsoft.com/office/drawing/2014/main" id="{210DE898-3051-4248-B7C2-47740EF1D5E9}"/>
-              </a:ext>
-            </a:extLst>
-          </p:cNvPr>
-          <p:cNvGraphicFramePr>
-            <a:graphicFrameLocks/>
-          </p:cNvGraphicFramePr>
-          <p:nvPr>
-            <p:extLst>
-              <p:ext uri="{D42A27DB-BD31-4B8C-83A1-F6EECF244321}">
-                <p14:modId xmlns:p14="http://schemas.microsoft.com/office/powerpoint/2010/main" val="212472176"/>
-              </p:ext>
-            </p:extLst>
-          </p:nvPr>
-        </p:nvGraphicFramePr>
-        <p:xfrm>
-          <a:off x="319088" y="1762125"/>
-          <a:ext cx="8508996" cy="3119120"/>
-        </p:xfrm>
-        <a:graphic>
-          <a:graphicData uri="http://schemas.openxmlformats.org/drawingml/2006/table">
-            <a:tbl>
-              <a:tblPr firstRow="1" bandRow="1">
-                <a:tableStyleId>{5940675A-B579-460E-94D1-54222C63F5DA}</a:tableStyleId>
-              </a:tblPr>
-              <a:tblGrid>
-                <a:gridCol w="1418166">
-                  <a:extLst>
-                    <a:ext uri="{9D8B030D-6E8A-4147-A177-3AD203B41FA5}">
-                      <a16:colId xmlns:a16="http://schemas.microsoft.com/office/drawing/2014/main" val="3506103937"/>
-                    </a:ext>
-                  </a:extLst>
-                </a:gridCol>
-                <a:gridCol w="1418166">
-                  <a:extLst>
-                    <a:ext uri="{9D8B030D-6E8A-4147-A177-3AD203B41FA5}">
-                      <a16:colId xmlns:a16="http://schemas.microsoft.com/office/drawing/2014/main" val="377672637"/>
-                    </a:ext>
-                  </a:extLst>
-                </a:gridCol>
-                <a:gridCol w="1418166">
-                  <a:extLst>
-                    <a:ext uri="{9D8B030D-6E8A-4147-A177-3AD203B41FA5}">
-                      <a16:colId xmlns:a16="http://schemas.microsoft.com/office/drawing/2014/main" val="2050259959"/>
-                    </a:ext>
-                  </a:extLst>
-                </a:gridCol>
-                <a:gridCol w="1418166">
-                  <a:extLst>
-                    <a:ext uri="{9D8B030D-6E8A-4147-A177-3AD203B41FA5}">
-                      <a16:colId xmlns:a16="http://schemas.microsoft.com/office/drawing/2014/main" val="659699811"/>
-                    </a:ext>
-                  </a:extLst>
-                </a:gridCol>
-                <a:gridCol w="1418166">
-                  <a:extLst>
-                    <a:ext uri="{9D8B030D-6E8A-4147-A177-3AD203B41FA5}">
-                      <a16:colId xmlns:a16="http://schemas.microsoft.com/office/drawing/2014/main" val="213472603"/>
-                    </a:ext>
-                  </a:extLst>
-                </a:gridCol>
-                <a:gridCol w="1418166">
-                  <a:extLst>
-                    <a:ext uri="{9D8B030D-6E8A-4147-A177-3AD203B41FA5}">
-                      <a16:colId xmlns:a16="http://schemas.microsoft.com/office/drawing/2014/main" val="2792084178"/>
-                    </a:ext>
-                  </a:extLst>
-                </a:gridCol>
-              </a:tblGrid>
-              <a:tr h="370840">
-                <a:tc>
-                  <a:txBody>
-                    <a:bodyPr/>
-                    <a:lstStyle/>
-                    <a:p>
-                      <a:pPr algn="ctr"/>
-                      <a:endParaRPr lang="en-US" dirty="0"/>
-                    </a:p>
-                  </a:txBody>
-                  <a:tcPr/>
-                </a:tc>
-                <a:tc>
-                  <a:txBody>
-                    <a:bodyPr/>
-                    <a:lstStyle/>
-                    <a:p>
-                      <a:pPr algn="ctr"/>
-                      <a:r>
-                        <a:rPr lang="en-US" dirty="0"/>
-                        <a:t>Q1</a:t>
-                      </a:r>
-                    </a:p>
-                  </a:txBody>
-                  <a:tcPr>
-                    <a:solidFill>
-                      <a:schemeClr val="accent2">
-                        <a:lumMod val="20000"/>
-                        <a:lumOff val="80000"/>
-                      </a:schemeClr>
-                    </a:solidFill>
-                  </a:tcPr>
-                </a:tc>
-                <a:tc>
-                  <a:txBody>
-                    <a:bodyPr/>
-                    <a:lstStyle/>
-                    <a:p>
-                      <a:pPr algn="ctr"/>
-                      <a:r>
-                        <a:rPr lang="en-US" dirty="0"/>
-                        <a:t>Q2</a:t>
-                      </a:r>
-                    </a:p>
-                  </a:txBody>
-                  <a:tcPr>
-                    <a:solidFill>
-                      <a:schemeClr val="accent2">
-                        <a:lumMod val="20000"/>
-                        <a:lumOff val="80000"/>
-                      </a:schemeClr>
-                    </a:solidFill>
-                  </a:tcPr>
-                </a:tc>
-                <a:tc>
-                  <a:txBody>
-                    <a:bodyPr/>
-                    <a:lstStyle/>
-                    <a:p>
-                      <a:pPr algn="ctr"/>
-                      <a:r>
-                        <a:rPr lang="en-US" dirty="0"/>
-                        <a:t>Q3</a:t>
-                      </a:r>
-                    </a:p>
-                  </a:txBody>
-                  <a:tcPr>
-                    <a:solidFill>
-                      <a:schemeClr val="accent2">
-                        <a:lumMod val="20000"/>
-                        <a:lumOff val="80000"/>
-                      </a:schemeClr>
-                    </a:solidFill>
-                  </a:tcPr>
-                </a:tc>
-                <a:tc>
-                  <a:txBody>
-                    <a:bodyPr/>
-                    <a:lstStyle/>
-                    <a:p>
-                      <a:pPr algn="ctr"/>
-                      <a:r>
-                        <a:rPr lang="en-US" dirty="0"/>
-                        <a:t>Q4</a:t>
-                      </a:r>
-                    </a:p>
-                  </a:txBody>
-                  <a:tcPr>
-                    <a:solidFill>
-                      <a:schemeClr val="accent2">
-                        <a:lumMod val="20000"/>
-                        <a:lumOff val="80000"/>
-                      </a:schemeClr>
-                    </a:solidFill>
-                  </a:tcPr>
-                </a:tc>
-                <a:tc>
-                  <a:txBody>
-                    <a:bodyPr/>
-                    <a:lstStyle/>
-                    <a:p>
-                      <a:pPr algn="ctr"/>
-                      <a:r>
-                        <a:rPr lang="en-US" dirty="0"/>
-                        <a:t>Q5</a:t>
-                      </a:r>
-                    </a:p>
-                  </a:txBody>
-                  <a:tcPr>
-                    <a:solidFill>
-                      <a:schemeClr val="accent2">
-                        <a:lumMod val="20000"/>
-                        <a:lumOff val="80000"/>
-                      </a:schemeClr>
-                    </a:solidFill>
-                  </a:tcPr>
-                </a:tc>
-                <a:extLst>
-                  <a:ext uri="{0D108BD9-81ED-4DB2-BD59-A6C34878D82A}">
-                    <a16:rowId xmlns:a16="http://schemas.microsoft.com/office/drawing/2014/main" val="3332384637"/>
-                  </a:ext>
-                </a:extLst>
-              </a:tr>
-              <a:tr h="370840">
-                <a:tc rowSpan="2">
-                  <a:txBody>
-                    <a:bodyPr/>
-                    <a:lstStyle/>
-                    <a:p>
-                      <a:pPr algn="ctr"/>
-                      <a:r>
-                        <a:rPr lang="en-US" sz="1200" dirty="0" err="1"/>
-                        <a:t>HyPer</a:t>
-                      </a:r>
-                      <a:r>
-                        <a:rPr lang="en-US" sz="1200" dirty="0"/>
-                        <a:t>: C++ [</a:t>
-                      </a:r>
-                      <a:r>
-                        <a:rPr lang="en-US" sz="1200" dirty="0" err="1"/>
-                        <a:t>ms</a:t>
-                      </a:r>
-                      <a:r>
-                        <a:rPr lang="en-US" sz="1200" dirty="0"/>
-                        <a:t>]</a:t>
-                      </a:r>
-                    </a:p>
-                    <a:p>
-                      <a:pPr marL="0" marR="0" lvl="0" indent="0" algn="ctr" defTabSz="914400" rtl="0" eaLnBrk="1" fontAlgn="auto" latinLnBrk="0" hangingPunct="1">
-                        <a:lnSpc>
-                          <a:spcPct val="100000"/>
-                        </a:lnSpc>
-                        <a:spcBef>
-                          <a:spcPts val="0"/>
-                        </a:spcBef>
-                        <a:spcAft>
-                          <a:spcPts val="0"/>
-                        </a:spcAft>
-                        <a:buClrTx/>
-                        <a:buSzTx/>
-                        <a:buFontTx/>
-                        <a:buNone/>
-                        <a:tabLst/>
-                        <a:defRPr/>
-                      </a:pPr>
-                      <a:endParaRPr lang="en-US" sz="1200" dirty="0"/>
-                    </a:p>
-                    <a:p>
-                      <a:pPr marL="0" marR="0" lvl="0" indent="0" algn="ctr" defTabSz="914400" rtl="0" eaLnBrk="1" fontAlgn="auto" latinLnBrk="0" hangingPunct="1">
-                        <a:lnSpc>
-                          <a:spcPct val="100000"/>
-                        </a:lnSpc>
-                        <a:spcBef>
-                          <a:spcPts val="0"/>
-                        </a:spcBef>
-                        <a:spcAft>
-                          <a:spcPts val="0"/>
-                        </a:spcAft>
-                        <a:buClrTx/>
-                        <a:buSzTx/>
-                        <a:buFontTx/>
-                        <a:buNone/>
-                        <a:tabLst/>
-                        <a:defRPr/>
-                      </a:pPr>
-                      <a:r>
-                        <a:rPr lang="en-US" sz="1200" dirty="0"/>
-                        <a:t>Compile time[</a:t>
-                      </a:r>
-                      <a:r>
-                        <a:rPr lang="en-US" sz="1200" dirty="0" err="1"/>
-                        <a:t>ms</a:t>
-                      </a:r>
-                      <a:r>
-                        <a:rPr lang="en-US" sz="1200" dirty="0"/>
-                        <a:t>]</a:t>
-                      </a:r>
-                    </a:p>
-                    <a:p>
-                      <a:pPr algn="ctr"/>
-                      <a:endParaRPr lang="en-US" sz="1200" dirty="0"/>
-                    </a:p>
-                  </a:txBody>
-                  <a:tcPr>
-                    <a:solidFill>
-                      <a:schemeClr val="accent4">
-                        <a:lumMod val="20000"/>
-                        <a:lumOff val="80000"/>
-                      </a:schemeClr>
-                    </a:solidFill>
-                  </a:tcPr>
-                </a:tc>
-                <a:tc>
-                  <a:txBody>
-                    <a:bodyPr/>
-                    <a:lstStyle/>
-                    <a:p>
-                      <a:pPr algn="ctr"/>
-                      <a:r>
-                        <a:rPr lang="en-US" dirty="0">
-                          <a:solidFill>
-                            <a:srgbClr val="00B050"/>
-                          </a:solidFill>
-                        </a:rPr>
-                        <a:t>142</a:t>
-                      </a:r>
-                    </a:p>
-                  </a:txBody>
-                  <a:tcPr/>
-                </a:tc>
-                <a:tc>
-                  <a:txBody>
-                    <a:bodyPr/>
-                    <a:lstStyle/>
-                    <a:p>
-                      <a:pPr algn="ctr"/>
-                      <a:r>
-                        <a:rPr lang="en-US" dirty="0">
-                          <a:solidFill>
-                            <a:srgbClr val="00B050"/>
-                          </a:solidFill>
-                        </a:rPr>
-                        <a:t>374</a:t>
-                      </a:r>
-                    </a:p>
-                  </a:txBody>
-                  <a:tcPr/>
-                </a:tc>
-                <a:tc>
-                  <a:txBody>
-                    <a:bodyPr/>
-                    <a:lstStyle/>
-                    <a:p>
-                      <a:pPr algn="ctr"/>
-                      <a:r>
-                        <a:rPr lang="en-US" dirty="0">
-                          <a:solidFill>
-                            <a:srgbClr val="00B050"/>
-                          </a:solidFill>
-                        </a:rPr>
-                        <a:t>141</a:t>
-                      </a:r>
-                    </a:p>
-                  </a:txBody>
-                  <a:tcPr/>
-                </a:tc>
-                <a:tc>
-                  <a:txBody>
-                    <a:bodyPr/>
-                    <a:lstStyle/>
-                    <a:p>
-                      <a:pPr algn="ctr"/>
-                      <a:r>
-                        <a:rPr lang="en-US" dirty="0">
-                          <a:solidFill>
-                            <a:srgbClr val="00B050"/>
-                          </a:solidFill>
-                        </a:rPr>
-                        <a:t>203</a:t>
-                      </a:r>
-                    </a:p>
-                  </a:txBody>
-                  <a:tcPr/>
-                </a:tc>
-                <a:tc>
-                  <a:txBody>
-                    <a:bodyPr/>
-                    <a:lstStyle/>
-                    <a:p>
-                      <a:pPr algn="ctr"/>
-                      <a:r>
-                        <a:rPr lang="en-US" dirty="0">
-                          <a:solidFill>
-                            <a:srgbClr val="00B050"/>
-                          </a:solidFill>
-                        </a:rPr>
-                        <a:t>1416</a:t>
-                      </a:r>
-                    </a:p>
-                  </a:txBody>
-                  <a:tcPr/>
-                </a:tc>
-                <a:extLst>
-                  <a:ext uri="{0D108BD9-81ED-4DB2-BD59-A6C34878D82A}">
-                    <a16:rowId xmlns:a16="http://schemas.microsoft.com/office/drawing/2014/main" val="422562954"/>
-                  </a:ext>
-                </a:extLst>
-              </a:tr>
-              <a:tr h="370840">
-                <a:tc vMerge="1">
-                  <a:txBody>
-                    <a:bodyPr/>
-                    <a:lstStyle/>
-                    <a:p>
-                      <a:pPr algn="ctr"/>
-                      <a:endParaRPr lang="en-US" sz="1200" dirty="0"/>
-                    </a:p>
-                  </a:txBody>
-                  <a:tcPr/>
-                </a:tc>
-                <a:tc>
-                  <a:txBody>
-                    <a:bodyPr/>
-                    <a:lstStyle/>
-                    <a:p>
-                      <a:pPr algn="ctr"/>
-                      <a:r>
-                        <a:rPr lang="en-US" dirty="0">
-                          <a:solidFill>
-                            <a:srgbClr val="FF0000"/>
-                          </a:solidFill>
-                        </a:rPr>
-                        <a:t>1556</a:t>
-                      </a:r>
-                    </a:p>
-                  </a:txBody>
-                  <a:tcPr/>
-                </a:tc>
-                <a:tc>
-                  <a:txBody>
-                    <a:bodyPr/>
-                    <a:lstStyle/>
-                    <a:p>
-                      <a:pPr algn="ctr"/>
-                      <a:r>
-                        <a:rPr lang="en-US" dirty="0">
-                          <a:solidFill>
-                            <a:srgbClr val="FF0000"/>
-                          </a:solidFill>
-                        </a:rPr>
-                        <a:t>2367</a:t>
-                      </a:r>
-                    </a:p>
-                  </a:txBody>
-                  <a:tcPr/>
-                </a:tc>
-                <a:tc>
-                  <a:txBody>
-                    <a:bodyPr/>
-                    <a:lstStyle/>
-                    <a:p>
-                      <a:pPr algn="ctr"/>
-                      <a:r>
-                        <a:rPr lang="en-US" dirty="0">
-                          <a:solidFill>
-                            <a:srgbClr val="FF0000"/>
-                          </a:solidFill>
-                        </a:rPr>
-                        <a:t>1976</a:t>
-                      </a:r>
-                    </a:p>
-                  </a:txBody>
-                  <a:tcPr/>
-                </a:tc>
-                <a:tc>
-                  <a:txBody>
-                    <a:bodyPr/>
-                    <a:lstStyle/>
-                    <a:p>
-                      <a:pPr algn="ctr"/>
-                      <a:r>
-                        <a:rPr lang="en-US" dirty="0">
-                          <a:solidFill>
-                            <a:srgbClr val="FF0000"/>
-                          </a:solidFill>
-                        </a:rPr>
-                        <a:t>2214</a:t>
-                      </a:r>
-                    </a:p>
-                  </a:txBody>
-                  <a:tcPr/>
-                </a:tc>
-                <a:tc>
-                  <a:txBody>
-                    <a:bodyPr/>
-                    <a:lstStyle/>
-                    <a:p>
-                      <a:pPr algn="ctr"/>
-                      <a:r>
-                        <a:rPr lang="en-US" dirty="0">
-                          <a:solidFill>
-                            <a:srgbClr val="FF0000"/>
-                          </a:solidFill>
-                        </a:rPr>
-                        <a:t>2592</a:t>
-                      </a:r>
-                    </a:p>
-                  </a:txBody>
-                  <a:tcPr/>
-                </a:tc>
-                <a:extLst>
-                  <a:ext uri="{0D108BD9-81ED-4DB2-BD59-A6C34878D82A}">
-                    <a16:rowId xmlns:a16="http://schemas.microsoft.com/office/drawing/2014/main" val="304452083"/>
-                  </a:ext>
-                </a:extLst>
-              </a:tr>
-              <a:tr h="370840">
-                <a:tc rowSpan="2">
-                  <a:txBody>
-                    <a:bodyPr/>
-                    <a:lstStyle/>
-                    <a:p>
-                      <a:pPr algn="ctr"/>
-                      <a:r>
-                        <a:rPr lang="en-US" sz="1200" dirty="0" err="1"/>
-                        <a:t>HyPer</a:t>
-                      </a:r>
-                      <a:r>
-                        <a:rPr lang="en-US" sz="1200" dirty="0"/>
-                        <a:t>: LLVM [</a:t>
-                      </a:r>
-                      <a:r>
-                        <a:rPr lang="en-US" sz="1200" dirty="0" err="1"/>
-                        <a:t>ms</a:t>
-                      </a:r>
-                      <a:r>
-                        <a:rPr lang="en-US" sz="1200" dirty="0"/>
-                        <a:t>]</a:t>
-                      </a:r>
-                    </a:p>
-                    <a:p>
-                      <a:pPr algn="ctr"/>
-                      <a:endParaRPr lang="en-US" sz="1200" dirty="0"/>
-                    </a:p>
-                    <a:p>
-                      <a:pPr marL="0" marR="0" lvl="0" indent="0" algn="ctr" defTabSz="914400" rtl="0" eaLnBrk="1" fontAlgn="auto" latinLnBrk="0" hangingPunct="1">
-                        <a:lnSpc>
-                          <a:spcPct val="100000"/>
-                        </a:lnSpc>
-                        <a:spcBef>
-                          <a:spcPts val="0"/>
-                        </a:spcBef>
-                        <a:spcAft>
-                          <a:spcPts val="0"/>
-                        </a:spcAft>
-                        <a:buClrTx/>
-                        <a:buSzTx/>
-                        <a:buFontTx/>
-                        <a:buNone/>
-                        <a:tabLst/>
-                        <a:defRPr/>
-                      </a:pPr>
-                      <a:r>
-                        <a:rPr lang="en-US" sz="1200" dirty="0"/>
-                        <a:t>Compile time[</a:t>
-                      </a:r>
-                      <a:r>
-                        <a:rPr lang="en-US" sz="1200" dirty="0" err="1"/>
-                        <a:t>ms</a:t>
-                      </a:r>
-                      <a:r>
-                        <a:rPr lang="en-US" sz="1200" dirty="0"/>
-                        <a:t>]</a:t>
-                      </a:r>
-                    </a:p>
-                    <a:p>
-                      <a:pPr algn="ctr"/>
-                      <a:endParaRPr lang="en-US" sz="1200" dirty="0"/>
-                    </a:p>
-                  </a:txBody>
-                  <a:tcPr>
-                    <a:solidFill>
-                      <a:schemeClr val="accent4">
-                        <a:lumMod val="20000"/>
-                        <a:lumOff val="80000"/>
-                      </a:schemeClr>
-                    </a:solidFill>
-                  </a:tcPr>
-                </a:tc>
-                <a:tc>
-                  <a:txBody>
-                    <a:bodyPr/>
-                    <a:lstStyle/>
-                    <a:p>
-                      <a:pPr algn="ctr"/>
-                      <a:r>
-                        <a:rPr lang="en-US" dirty="0">
-                          <a:solidFill>
-                            <a:srgbClr val="00B050"/>
-                          </a:solidFill>
-                        </a:rPr>
-                        <a:t>35</a:t>
-                      </a:r>
-                    </a:p>
-                  </a:txBody>
-                  <a:tcPr/>
-                </a:tc>
-                <a:tc>
-                  <a:txBody>
-                    <a:bodyPr/>
-                    <a:lstStyle/>
-                    <a:p>
-                      <a:pPr algn="ctr"/>
-                      <a:r>
-                        <a:rPr lang="en-US" dirty="0">
-                          <a:solidFill>
-                            <a:srgbClr val="00B050"/>
-                          </a:solidFill>
-                        </a:rPr>
-                        <a:t>125</a:t>
-                      </a:r>
-                    </a:p>
-                  </a:txBody>
-                  <a:tcPr/>
-                </a:tc>
-                <a:tc>
-                  <a:txBody>
-                    <a:bodyPr/>
-                    <a:lstStyle/>
-                    <a:p>
-                      <a:pPr algn="ctr"/>
-                      <a:r>
-                        <a:rPr lang="en-US" dirty="0">
-                          <a:solidFill>
-                            <a:srgbClr val="00B050"/>
-                          </a:solidFill>
-                        </a:rPr>
-                        <a:t>80</a:t>
-                      </a:r>
-                    </a:p>
-                  </a:txBody>
-                  <a:tcPr/>
-                </a:tc>
-                <a:tc>
-                  <a:txBody>
-                    <a:bodyPr/>
-                    <a:lstStyle/>
-                    <a:p>
-                      <a:pPr algn="ctr"/>
-                      <a:r>
-                        <a:rPr lang="en-US" dirty="0">
-                          <a:solidFill>
-                            <a:srgbClr val="00B050"/>
-                          </a:solidFill>
-                        </a:rPr>
-                        <a:t>117</a:t>
-                      </a:r>
-                    </a:p>
-                  </a:txBody>
-                  <a:tcPr/>
-                </a:tc>
-                <a:tc>
-                  <a:txBody>
-                    <a:bodyPr/>
-                    <a:lstStyle/>
-                    <a:p>
-                      <a:pPr algn="ctr"/>
-                      <a:r>
-                        <a:rPr lang="en-US" dirty="0">
-                          <a:solidFill>
-                            <a:srgbClr val="00B050"/>
-                          </a:solidFill>
-                        </a:rPr>
-                        <a:t>1105</a:t>
-                      </a:r>
-                    </a:p>
-                  </a:txBody>
-                  <a:tcPr/>
-                </a:tc>
-                <a:extLst>
-                  <a:ext uri="{0D108BD9-81ED-4DB2-BD59-A6C34878D82A}">
-                    <a16:rowId xmlns:a16="http://schemas.microsoft.com/office/drawing/2014/main" val="611653366"/>
-                  </a:ext>
-                </a:extLst>
-              </a:tr>
-              <a:tr h="370840">
-                <a:tc vMerge="1">
-                  <a:txBody>
-                    <a:bodyPr/>
-                    <a:lstStyle/>
-                    <a:p>
-                      <a:pPr algn="ctr"/>
-                      <a:endParaRPr lang="en-US" sz="1200" dirty="0"/>
-                    </a:p>
-                  </a:txBody>
-                  <a:tcPr/>
-                </a:tc>
-                <a:tc>
-                  <a:txBody>
-                    <a:bodyPr/>
-                    <a:lstStyle/>
-                    <a:p>
-                      <a:pPr algn="ctr"/>
-                      <a:r>
-                        <a:rPr lang="en-US" dirty="0">
-                          <a:solidFill>
-                            <a:srgbClr val="FF0000"/>
-                          </a:solidFill>
-                        </a:rPr>
-                        <a:t>16</a:t>
-                      </a:r>
-                    </a:p>
-                  </a:txBody>
-                  <a:tcPr/>
-                </a:tc>
-                <a:tc>
-                  <a:txBody>
-                    <a:bodyPr/>
-                    <a:lstStyle/>
-                    <a:p>
-                      <a:pPr algn="ctr"/>
-                      <a:r>
-                        <a:rPr lang="en-US" dirty="0">
-                          <a:solidFill>
-                            <a:srgbClr val="FF0000"/>
-                          </a:solidFill>
-                        </a:rPr>
-                        <a:t>41</a:t>
-                      </a:r>
-                    </a:p>
-                  </a:txBody>
-                  <a:tcPr/>
-                </a:tc>
-                <a:tc>
-                  <a:txBody>
-                    <a:bodyPr/>
-                    <a:lstStyle/>
-                    <a:p>
-                      <a:pPr algn="ctr"/>
-                      <a:r>
-                        <a:rPr lang="en-US" dirty="0">
-                          <a:solidFill>
-                            <a:srgbClr val="FF0000"/>
-                          </a:solidFill>
-                        </a:rPr>
-                        <a:t>30</a:t>
-                      </a:r>
-                    </a:p>
-                  </a:txBody>
-                  <a:tcPr/>
-                </a:tc>
-                <a:tc>
-                  <a:txBody>
-                    <a:bodyPr/>
-                    <a:lstStyle/>
-                    <a:p>
-                      <a:pPr algn="ctr"/>
-                      <a:r>
-                        <a:rPr lang="en-US" dirty="0">
-                          <a:solidFill>
-                            <a:srgbClr val="FF0000"/>
-                          </a:solidFill>
-                        </a:rPr>
-                        <a:t>16</a:t>
-                      </a:r>
-                    </a:p>
-                  </a:txBody>
-                  <a:tcPr/>
-                </a:tc>
-                <a:tc>
-                  <a:txBody>
-                    <a:bodyPr/>
-                    <a:lstStyle/>
-                    <a:p>
-                      <a:pPr algn="ctr"/>
-                      <a:r>
-                        <a:rPr lang="en-US" dirty="0">
-                          <a:solidFill>
-                            <a:srgbClr val="FF0000"/>
-                          </a:solidFill>
-                        </a:rPr>
-                        <a:t>34</a:t>
-                      </a:r>
-                    </a:p>
-                  </a:txBody>
-                  <a:tcPr/>
-                </a:tc>
-                <a:extLst>
-                  <a:ext uri="{0D108BD9-81ED-4DB2-BD59-A6C34878D82A}">
-                    <a16:rowId xmlns:a16="http://schemas.microsoft.com/office/drawing/2014/main" val="1135858555"/>
-                  </a:ext>
-                </a:extLst>
-              </a:tr>
-              <a:tr h="370840">
-                <a:tc>
-                  <a:txBody>
-                    <a:bodyPr/>
-                    <a:lstStyle/>
-                    <a:p>
-                      <a:pPr algn="ctr"/>
-                      <a:r>
-                        <a:rPr lang="en-US" sz="1200" dirty="0" err="1"/>
-                        <a:t>VectorWise</a:t>
-                      </a:r>
-                      <a:r>
-                        <a:rPr lang="en-US" sz="1200" dirty="0"/>
-                        <a:t> [</a:t>
-                      </a:r>
-                      <a:r>
-                        <a:rPr lang="en-US" sz="1200" dirty="0" err="1"/>
-                        <a:t>ms</a:t>
-                      </a:r>
-                      <a:r>
-                        <a:rPr lang="en-US" sz="1200" dirty="0"/>
-                        <a:t>]</a:t>
-                      </a:r>
-                    </a:p>
-                  </a:txBody>
-                  <a:tcPr>
-                    <a:solidFill>
-                      <a:schemeClr val="accent4">
-                        <a:lumMod val="20000"/>
-                        <a:lumOff val="80000"/>
-                      </a:schemeClr>
-                    </a:solidFill>
-                  </a:tcPr>
-                </a:tc>
-                <a:tc>
-                  <a:txBody>
-                    <a:bodyPr/>
-                    <a:lstStyle/>
-                    <a:p>
-                      <a:pPr algn="ctr"/>
-                      <a:r>
-                        <a:rPr lang="en-US" dirty="0"/>
-                        <a:t>98</a:t>
-                      </a:r>
-                    </a:p>
-                  </a:txBody>
-                  <a:tcPr/>
-                </a:tc>
-                <a:tc>
-                  <a:txBody>
-                    <a:bodyPr/>
-                    <a:lstStyle/>
-                    <a:p>
-                      <a:pPr algn="ctr"/>
-                      <a:r>
-                        <a:rPr lang="en-US" dirty="0"/>
-                        <a:t>-</a:t>
-                      </a:r>
-                    </a:p>
-                  </a:txBody>
-                  <a:tcPr/>
-                </a:tc>
-                <a:tc>
-                  <a:txBody>
-                    <a:bodyPr/>
-                    <a:lstStyle/>
-                    <a:p>
-                      <a:pPr algn="ctr"/>
-                      <a:r>
-                        <a:rPr lang="en-US" dirty="0"/>
-                        <a:t>257</a:t>
-                      </a:r>
-                    </a:p>
-                  </a:txBody>
-                  <a:tcPr/>
-                </a:tc>
-                <a:tc>
-                  <a:txBody>
-                    <a:bodyPr/>
-                    <a:lstStyle/>
-                    <a:p>
-                      <a:pPr algn="ctr"/>
-                      <a:r>
-                        <a:rPr lang="en-US" dirty="0"/>
-                        <a:t>436</a:t>
-                      </a:r>
-                    </a:p>
-                  </a:txBody>
-                  <a:tcPr/>
-                </a:tc>
-                <a:tc>
-                  <a:txBody>
-                    <a:bodyPr/>
-                    <a:lstStyle/>
-                    <a:p>
-                      <a:pPr algn="ctr"/>
-                      <a:r>
-                        <a:rPr lang="en-US" dirty="0"/>
-                        <a:t>1107</a:t>
-                      </a:r>
-                    </a:p>
-                  </a:txBody>
-                  <a:tcPr/>
-                </a:tc>
-                <a:extLst>
-                  <a:ext uri="{0D108BD9-81ED-4DB2-BD59-A6C34878D82A}">
-                    <a16:rowId xmlns:a16="http://schemas.microsoft.com/office/drawing/2014/main" val="3043065665"/>
-                  </a:ext>
-                </a:extLst>
-              </a:tr>
-              <a:tr h="185420">
-                <a:tc>
-                  <a:txBody>
-                    <a:bodyPr/>
-                    <a:lstStyle/>
-                    <a:p>
-                      <a:pPr algn="ctr"/>
-                      <a:r>
-                        <a:rPr lang="en-US" sz="1200" dirty="0" err="1"/>
-                        <a:t>MonetDB</a:t>
-                      </a:r>
-                      <a:r>
-                        <a:rPr lang="en-US" sz="1200" dirty="0"/>
-                        <a:t> [</a:t>
-                      </a:r>
-                      <a:r>
-                        <a:rPr lang="en-US" sz="1200" dirty="0" err="1"/>
-                        <a:t>ms</a:t>
-                      </a:r>
-                      <a:r>
-                        <a:rPr lang="en-US" sz="1200" dirty="0"/>
-                        <a:t>]</a:t>
-                      </a:r>
-                    </a:p>
-                  </a:txBody>
-                  <a:tcPr>
-                    <a:solidFill>
-                      <a:schemeClr val="accent4">
-                        <a:lumMod val="20000"/>
-                        <a:lumOff val="80000"/>
-                      </a:schemeClr>
-                    </a:solidFill>
-                  </a:tcPr>
-                </a:tc>
-                <a:tc>
-                  <a:txBody>
-                    <a:bodyPr/>
-                    <a:lstStyle/>
-                    <a:p>
-                      <a:pPr algn="ctr"/>
-                      <a:r>
-                        <a:rPr lang="en-US" dirty="0"/>
-                        <a:t>72</a:t>
-                      </a:r>
-                    </a:p>
-                  </a:txBody>
-                  <a:tcPr/>
-                </a:tc>
-                <a:tc>
-                  <a:txBody>
-                    <a:bodyPr/>
-                    <a:lstStyle/>
-                    <a:p>
-                      <a:pPr algn="ctr"/>
-                      <a:r>
-                        <a:rPr lang="en-US" dirty="0"/>
-                        <a:t>218</a:t>
-                      </a:r>
-                    </a:p>
-                  </a:txBody>
-                  <a:tcPr/>
-                </a:tc>
-                <a:tc>
-                  <a:txBody>
-                    <a:bodyPr/>
-                    <a:lstStyle/>
-                    <a:p>
-                      <a:pPr algn="ctr"/>
-                      <a:r>
-                        <a:rPr lang="en-US" dirty="0"/>
-                        <a:t>112</a:t>
-                      </a:r>
-                    </a:p>
-                  </a:txBody>
-                  <a:tcPr/>
-                </a:tc>
-                <a:tc>
-                  <a:txBody>
-                    <a:bodyPr/>
-                    <a:lstStyle/>
-                    <a:p>
-                      <a:pPr algn="ctr"/>
-                      <a:r>
-                        <a:rPr lang="en-US" dirty="0"/>
-                        <a:t>8168</a:t>
-                      </a:r>
-                    </a:p>
-                  </a:txBody>
-                  <a:tcPr/>
-                </a:tc>
-                <a:tc>
-                  <a:txBody>
-                    <a:bodyPr/>
-                    <a:lstStyle/>
-                    <a:p>
-                      <a:pPr algn="ctr"/>
-                      <a:r>
-                        <a:rPr lang="en-US" dirty="0"/>
-                        <a:t>12028</a:t>
-                      </a:r>
-                    </a:p>
-                  </a:txBody>
-                  <a:tcPr/>
-                </a:tc>
-                <a:extLst>
-                  <a:ext uri="{0D108BD9-81ED-4DB2-BD59-A6C34878D82A}">
-                    <a16:rowId xmlns:a16="http://schemas.microsoft.com/office/drawing/2014/main" val="3138083511"/>
-                  </a:ext>
-                </a:extLst>
-              </a:tr>
-              <a:tr h="185420">
-                <a:tc>
-                  <a:txBody>
-                    <a:bodyPr/>
-                    <a:lstStyle/>
-                    <a:p>
-                      <a:pPr algn="ctr"/>
-                      <a:r>
-                        <a:rPr lang="en-US" sz="1200" dirty="0"/>
-                        <a:t>DB X [</a:t>
-                      </a:r>
-                      <a:r>
-                        <a:rPr lang="en-US" sz="1200" dirty="0" err="1"/>
-                        <a:t>ms</a:t>
-                      </a:r>
-                      <a:r>
-                        <a:rPr lang="en-US" sz="1200" dirty="0"/>
-                        <a:t>]</a:t>
-                      </a:r>
-                    </a:p>
-                  </a:txBody>
-                  <a:tcPr>
-                    <a:solidFill>
-                      <a:schemeClr val="accent4">
-                        <a:lumMod val="20000"/>
-                        <a:lumOff val="80000"/>
-                      </a:schemeClr>
-                    </a:solidFill>
-                  </a:tcPr>
-                </a:tc>
-                <a:tc>
-                  <a:txBody>
-                    <a:bodyPr/>
-                    <a:lstStyle/>
-                    <a:p>
-                      <a:pPr algn="ctr"/>
-                      <a:r>
-                        <a:rPr lang="en-US" dirty="0"/>
-                        <a:t>4221</a:t>
-                      </a:r>
-                    </a:p>
-                  </a:txBody>
-                  <a:tcPr/>
-                </a:tc>
-                <a:tc>
-                  <a:txBody>
-                    <a:bodyPr/>
-                    <a:lstStyle/>
-                    <a:p>
-                      <a:pPr algn="ctr"/>
-                      <a:r>
-                        <a:rPr lang="en-US" dirty="0"/>
-                        <a:t>6555</a:t>
-                      </a:r>
-                    </a:p>
-                  </a:txBody>
-                  <a:tcPr/>
-                </a:tc>
-                <a:tc>
-                  <a:txBody>
-                    <a:bodyPr/>
-                    <a:lstStyle/>
-                    <a:p>
-                      <a:pPr algn="ctr"/>
-                      <a:r>
-                        <a:rPr lang="en-US" dirty="0"/>
-                        <a:t>6410</a:t>
-                      </a:r>
-                    </a:p>
-                  </a:txBody>
-                  <a:tcPr/>
-                </a:tc>
-                <a:tc>
-                  <a:txBody>
-                    <a:bodyPr/>
-                    <a:lstStyle/>
-                    <a:p>
-                      <a:pPr algn="ctr"/>
-                      <a:r>
-                        <a:rPr lang="en-US" dirty="0"/>
-                        <a:t>3830</a:t>
-                      </a:r>
-                    </a:p>
-                  </a:txBody>
-                  <a:tcPr/>
-                </a:tc>
-                <a:tc>
-                  <a:txBody>
-                    <a:bodyPr/>
-                    <a:lstStyle/>
-                    <a:p>
-                      <a:pPr algn="ctr"/>
-                      <a:r>
-                        <a:rPr lang="en-US" dirty="0"/>
-                        <a:t>15212</a:t>
-                      </a:r>
-                    </a:p>
-                  </a:txBody>
-                  <a:tcPr/>
-                </a:tc>
-                <a:extLst>
-                  <a:ext uri="{0D108BD9-81ED-4DB2-BD59-A6C34878D82A}">
-                    <a16:rowId xmlns:a16="http://schemas.microsoft.com/office/drawing/2014/main" val="3866664685"/>
-                  </a:ext>
-                </a:extLst>
-              </a:tr>
-            </a:tbl>
-          </a:graphicData>
-        </a:graphic>
-      </p:graphicFrame>
     </p:spTree>
     <p:extLst>
       <p:ext uri="{BB962C8B-B14F-4D97-AF65-F5344CB8AC3E}">
-        <p14:creationId xmlns:p14="http://schemas.microsoft.com/office/powerpoint/2010/main" val="920434952"/>
+        <p14:creationId xmlns:p14="http://schemas.microsoft.com/office/powerpoint/2010/main" val="2187016146"/>
       </p:ext>
     </p:extLst>
   </p:cSld>
   <p:clrMapOvr>
     <a:masterClrMapping/>
   </p:clrMapOvr>
-  <mc:AlternateContent xmlns:mc="http://schemas.openxmlformats.org/markup-compatibility/2006" xmlns:p14="http://schemas.microsoft.com/office/powerpoint/2010/main">
-    <mc:Choice Requires="p14">
-      <p:transition spd="med" p14:dur="700" advTm="44331">
+  <mc:AlternateContent xmlns:mc="http://schemas.openxmlformats.org/markup-compatibility/2006">
+    <mc:Choice xmlns:p14="http://schemas.microsoft.com/office/powerpoint/2010/main" Requires="p14">
+      <p:transition spd="med" p14:dur="700" advTm="29363">
         <p:fade/>
       </p:transition>
     </mc:Choice>
-    <mc:Fallback xmlns="">
-      <p:transition spd="med" advTm="44331">
+    <mc:Fallback>
+      <p:transition spd="med" advTm="29363">
         <p:fade/>
       </p:transition>
     </mc:Fallback>

--- a/Ausarbeitung/präzi.pptx
+++ b/Ausarbeitung/präzi.pptx
@@ -297,7 +297,7 @@
               <a:pPr>
                 <a:defRPr/>
               </a:pPr>
-              <a:t>12/02/2021</a:t>
+              <a:t>13/02/2021</a:t>
             </a:fld>
             <a:endParaRPr lang="en-GB" dirty="0"/>
           </a:p>
@@ -390,7 +390,7 @@
               <a:pPr>
                 <a:defRPr/>
               </a:pPr>
-              <a:t>‹#›</a:t>
+              <a:t>‹Nr.›</a:t>
             </a:fld>
             <a:endParaRPr lang="en-GB"/>
           </a:p>
@@ -405,6 +405,64 @@
   </p:cSld>
   <p:clrMap bg1="lt1" tx1="dk1" bg2="lt2" tx2="dk2" accent1="accent1" accent2="accent2" accent3="accent3" accent4="accent4" accent5="accent5" accent6="accent6" hlink="hlink" folHlink="folHlink"/>
 </p:handoutMaster>
+</file>
+
+<file path=ppt/ink/ink1.xml><?xml version="1.0" encoding="utf-8"?>
+<inkml:ink xmlns:inkml="http://www.w3.org/2003/InkML">
+  <inkml:definitions>
+    <inkml:context xml:id="ctx0">
+      <inkml:inkSource xml:id="inkSrc0">
+        <inkml:traceFormat>
+          <inkml:channel name="X" type="integer" min="-2.14748E9" max="2.14748E9" units="cm"/>
+          <inkml:channel name="Y" type="integer" min="-2.14748E9" max="2.14748E9" units="cm"/>
+          <inkml:channel name="F" type="integer" max="32767" units="dev"/>
+        </inkml:traceFormat>
+        <inkml:channelProperties>
+          <inkml:channelProperty channel="X" name="resolution" value="1000" units="1/cm"/>
+          <inkml:channelProperty channel="Y" name="resolution" value="1000" units="1/cm"/>
+          <inkml:channelProperty channel="F" name="resolution" value="0" units="1/dev"/>
+        </inkml:channelProperties>
+      </inkml:inkSource>
+      <inkml:timestamp xml:id="ts0" timeString="2021-02-13T11:42:13.903"/>
+    </inkml:context>
+    <inkml:brush xml:id="br0">
+      <inkml:brushProperty name="width" value="0.05" units="cm"/>
+      <inkml:brushProperty name="height" value="0.3" units="cm"/>
+      <inkml:brushProperty name="color" value="#AB008B"/>
+      <inkml:brushProperty name="inkEffects" value="pencil"/>
+    </inkml:brush>
+  </inkml:definitions>
+  <inkml:trace contextRef="#ctx0" brushRef="#br0">9 34 688,'0'0'2244,"-1"-1"441,0 1 283,0-1-208,1 1-1116,-1-1-612,0 1-324,1 0-148,-1 0-64,1 0-40,0 0-75,0 0-233,0-1-432,1-2-533,-1 1-907,0-1-1056,-1-1-368,1 0 87,-1-1 349,1 0 828,-1 1 1524</inkml:trace>
+</inkml:ink>
+</file>
+
+<file path=ppt/ink/ink2.xml><?xml version="1.0" encoding="utf-8"?>
+<inkml:ink xmlns:inkml="http://www.w3.org/2003/InkML">
+  <inkml:definitions>
+    <inkml:context xml:id="ctx0">
+      <inkml:inkSource xml:id="inkSrc0">
+        <inkml:traceFormat>
+          <inkml:channel name="X" type="integer" min="-2.14748E9" max="2.14748E9" units="cm"/>
+          <inkml:channel name="Y" type="integer" min="-2.14748E9" max="2.14748E9" units="cm"/>
+          <inkml:channel name="F" type="integer" max="32767" units="dev"/>
+        </inkml:traceFormat>
+        <inkml:channelProperties>
+          <inkml:channelProperty channel="X" name="resolution" value="1000" units="1/cm"/>
+          <inkml:channelProperty channel="Y" name="resolution" value="1000" units="1/cm"/>
+          <inkml:channelProperty channel="F" name="resolution" value="0" units="1/dev"/>
+        </inkml:channelProperties>
+      </inkml:inkSource>
+      <inkml:timestamp xml:id="ts0" timeString="2021-02-13T11:42:15.862"/>
+    </inkml:context>
+    <inkml:brush xml:id="br0">
+      <inkml:brushProperty name="width" value="0.05" units="cm"/>
+      <inkml:brushProperty name="height" value="0.3" units="cm"/>
+      <inkml:brushProperty name="color" value="#AB008B"/>
+      <inkml:brushProperty name="inkEffects" value="pencil"/>
+    </inkml:brush>
+  </inkml:definitions>
+  <inkml:trace contextRef="#ctx0" brushRef="#br0">15 1 1404,'1'0'1716,"-1"1"200,0-1-123,0 1-553,0 0-420,-1-1-196,1 1-124,-1 0-80,1-1-56,-1 1-60,1 1-56,1 0-36,-1 0-20,0-1 8,1 1 16,0 0 24,-1-1 36,1 1 48,-1 0 36,0-1 20,0 1 4,0 0-20,-1 0-40,0 1-64,0-1-48,0 2-52,0-1-16,1 1-20,-1-1-4,0 1-16,0 0-20,0-1-8,1 0 0,0 0-8,-1-1 8,1 0 1,-1 0-9,0-1-12,1 1-8,-1 0-20,1-1 0,0 1-12,0 0-4,0 0 4,0 0 8,0 0-8,0 0 4,0 0-8,0 1 0,0-1-8,0 1 4,0-1-4,0 0-4,0 0 4,0 0 4,0 0 0,0 0-8,0 0 12,0 0-8,0 0-8,0 0 4,0 0 4,1 0-4,0 1 0,0-1 4,-1 1-4,1 0 4,-1-1 0,0 0 4,0 1 0,0-1 4,0 0 0,0 0-4,0 0-8,0 0 8,0-1 0,0 0-4,0 0-8,0 0 4,0-1 0,0 0 0,0 0 0,0 0 4,0 0-4,0 1-12,0-1 12,0 0-8,0 0-8,0 0-32,0 0-144,1 0-205,-1 0-259,0 0-372,0 0-656,-1-1-880,1 1-264,-2-1 47,1 0 289,-1-1 640,0 1 1520</inkml:trace>
+</inkml:ink>
 </file>
 
 <file path=ppt/notesMasters/notesMaster1.xml><?xml version="1.0" encoding="utf-8"?>
@@ -516,7 +574,7 @@
               <a:pPr>
                 <a:defRPr/>
               </a:pPr>
-              <a:t>12/02/2021</a:t>
+              <a:t>13/02/2021</a:t>
             </a:fld>
             <a:endParaRPr lang="en-GB"/>
           </a:p>
@@ -708,7 +766,7 @@
               <a:pPr>
                 <a:defRPr/>
               </a:pPr>
-              <a:t>‹#›</a:t>
+              <a:t>‹Nr.›</a:t>
             </a:fld>
             <a:endParaRPr lang="en-GB"/>
           </a:p>
@@ -1099,7 +1157,7 @@
             <a:fld id="{CE58CB1E-F828-4F11-99E0-327109AF9DA4}" type="slidenum">
               <a:rPr lang="de-DE" smtClean="0"/>
               <a:pPr/>
-              <a:t>‹#›</a:t>
+              <a:t>‹Nr.›</a:t>
             </a:fld>
             <a:endParaRPr lang="de-DE" dirty="0"/>
           </a:p>
@@ -1318,7 +1376,7 @@
             <a:fld id="{CE58CB1E-F828-4F11-99E0-327109AF9DA4}" type="slidenum">
               <a:rPr lang="de-DE" smtClean="0"/>
               <a:pPr/>
-              <a:t>‹#›</a:t>
+              <a:t>‹Nr.›</a:t>
             </a:fld>
             <a:endParaRPr lang="de-DE" dirty="0"/>
           </a:p>
@@ -1663,7 +1721,7 @@
             <a:fld id="{CE58CB1E-F828-4F11-99E0-327109AF9DA4}" type="slidenum">
               <a:rPr lang="de-DE" smtClean="0"/>
               <a:pPr/>
-              <a:t>‹#›</a:t>
+              <a:t>‹Nr.›</a:t>
             </a:fld>
             <a:endParaRPr lang="de-DE" dirty="0"/>
           </a:p>
@@ -1862,7 +1920,7 @@
             <a:fld id="{CE58CB1E-F828-4F11-99E0-327109AF9DA4}" type="slidenum">
               <a:rPr lang="de-DE" smtClean="0"/>
               <a:pPr/>
-              <a:t>‹#›</a:t>
+              <a:t>‹Nr.›</a:t>
             </a:fld>
             <a:endParaRPr lang="de-DE" dirty="0"/>
           </a:p>
@@ -2061,7 +2119,7 @@
             <a:fld id="{CE58CB1E-F828-4F11-99E0-327109AF9DA4}" type="slidenum">
               <a:rPr lang="de-DE" smtClean="0"/>
               <a:pPr/>
-              <a:t>‹#›</a:t>
+              <a:t>‹Nr.›</a:t>
             </a:fld>
             <a:endParaRPr lang="de-DE" dirty="0"/>
           </a:p>
@@ -2382,7 +2440,7 @@
             <a:fld id="{CE58CB1E-F828-4F11-99E0-327109AF9DA4}" type="slidenum">
               <a:rPr lang="de-DE" smtClean="0"/>
               <a:pPr/>
-              <a:t>‹#›</a:t>
+              <a:t>‹Nr.›</a:t>
             </a:fld>
             <a:endParaRPr lang="de-DE" dirty="0"/>
           </a:p>
@@ -2558,7 +2616,7 @@
             <a:fld id="{CE58CB1E-F828-4F11-99E0-327109AF9DA4}" type="slidenum">
               <a:rPr lang="de-DE" smtClean="0"/>
               <a:pPr/>
-              <a:t>‹#›</a:t>
+              <a:t>‹Nr.›</a:t>
             </a:fld>
             <a:endParaRPr lang="de-DE" dirty="0"/>
           </a:p>
@@ -2873,7 +2931,7 @@
             <a:fld id="{CE58CB1E-F828-4F11-99E0-327109AF9DA4}" type="slidenum">
               <a:rPr lang="de-DE" smtClean="0"/>
               <a:pPr/>
-              <a:t>‹#›</a:t>
+              <a:t>‹Nr.›</a:t>
             </a:fld>
             <a:endParaRPr lang="de-DE" dirty="0"/>
           </a:p>
@@ -3145,7 +3203,7 @@
             <a:fld id="{CE58CB1E-F828-4F11-99E0-327109AF9DA4}" type="slidenum">
               <a:rPr lang="de-DE" smtClean="0"/>
               <a:pPr/>
-              <a:t>‹#›</a:t>
+              <a:t>‹Nr.›</a:t>
             </a:fld>
             <a:endParaRPr lang="de-DE" dirty="0"/>
           </a:p>
@@ -3332,7 +3390,7 @@
             <a:fld id="{CE58CB1E-F828-4F11-99E0-327109AF9DA4}" type="slidenum">
               <a:rPr lang="de-DE" smtClean="0"/>
               <a:pPr/>
-              <a:t>‹#›</a:t>
+              <a:t>‹Nr.›</a:t>
             </a:fld>
             <a:endParaRPr lang="de-DE" dirty="0"/>
           </a:p>
@@ -3531,7 +3589,7 @@
             <a:fld id="{CE58CB1E-F828-4F11-99E0-327109AF9DA4}" type="slidenum">
               <a:rPr lang="de-DE" smtClean="0"/>
               <a:pPr/>
-              <a:t>‹#›</a:t>
+              <a:t>‹Nr.›</a:t>
             </a:fld>
             <a:endParaRPr lang="de-DE" dirty="0"/>
           </a:p>
@@ -3732,7 +3790,7 @@
             <a:fld id="{CE58CB1E-F828-4F11-99E0-327109AF9DA4}" type="slidenum">
               <a:rPr lang="de-DE" smtClean="0"/>
               <a:pPr/>
-              <a:t>‹#›</a:t>
+              <a:t>‹Nr.›</a:t>
             </a:fld>
             <a:endParaRPr lang="de-DE" dirty="0"/>
           </a:p>
@@ -3825,7 +3883,7 @@
             <a:fld id="{CE58CB1E-F828-4F11-99E0-327109AF9DA4}" type="slidenum">
               <a:rPr lang="de-DE" smtClean="0"/>
               <a:pPr/>
-              <a:t>‹#›</a:t>
+              <a:t>‹Nr.›</a:t>
             </a:fld>
             <a:endParaRPr lang="de-DE" dirty="0"/>
           </a:p>
@@ -4108,7 +4166,7 @@
             <a:fld id="{CE58CB1E-F828-4F11-99E0-327109AF9DA4}" type="slidenum">
               <a:rPr lang="de-DE" smtClean="0"/>
               <a:pPr/>
-              <a:t>‹#›</a:t>
+              <a:t>‹Nr.›</a:t>
             </a:fld>
             <a:endParaRPr lang="de-DE" dirty="0"/>
           </a:p>
@@ -4307,7 +4365,7 @@
             <a:fld id="{CE58CB1E-F828-4F11-99E0-327109AF9DA4}" type="slidenum">
               <a:rPr lang="de-DE" smtClean="0"/>
               <a:pPr/>
-              <a:t>‹#›</a:t>
+              <a:t>‹Nr.›</a:t>
             </a:fld>
             <a:endParaRPr lang="de-DE" dirty="0"/>
           </a:p>
@@ -4483,7 +4541,7 @@
             <a:fld id="{CE58CB1E-F828-4F11-99E0-327109AF9DA4}" type="slidenum">
               <a:rPr lang="de-DE" smtClean="0"/>
               <a:pPr/>
-              <a:t>‹#›</a:t>
+              <a:t>‹Nr.›</a:t>
             </a:fld>
             <a:endParaRPr lang="de-DE" dirty="0"/>
           </a:p>
@@ -4852,7 +4910,7 @@
             <a:fld id="{CE58CB1E-F828-4F11-99E0-327109AF9DA4}" type="slidenum">
               <a:rPr lang="de-DE" smtClean="0"/>
               <a:pPr/>
-              <a:t>‹#›</a:t>
+              <a:t>‹Nr.›</a:t>
             </a:fld>
             <a:endParaRPr lang="de-DE" dirty="0"/>
           </a:p>
@@ -5051,7 +5109,7 @@
             <a:fld id="{CE58CB1E-F828-4F11-99E0-327109AF9DA4}" type="slidenum">
               <a:rPr lang="de-DE" smtClean="0"/>
               <a:pPr/>
-              <a:t>‹#›</a:t>
+              <a:t>‹Nr.›</a:t>
             </a:fld>
             <a:endParaRPr lang="de-DE" dirty="0"/>
           </a:p>
@@ -5275,7 +5333,7 @@
             <a:fld id="{CE58CB1E-F828-4F11-99E0-327109AF9DA4}" type="slidenum">
               <a:rPr lang="de-DE" smtClean="0"/>
               <a:pPr/>
-              <a:t>‹#›</a:t>
+              <a:t>‹Nr.›</a:t>
             </a:fld>
             <a:endParaRPr lang="de-DE" dirty="0"/>
           </a:p>
@@ -5462,7 +5520,7 @@
             <a:fld id="{CE58CB1E-F828-4F11-99E0-327109AF9DA4}" type="slidenum">
               <a:rPr lang="de-DE" smtClean="0"/>
               <a:pPr/>
-              <a:t>‹#›</a:t>
+              <a:t>‹Nr.›</a:t>
             </a:fld>
             <a:endParaRPr lang="de-DE" dirty="0"/>
           </a:p>
@@ -5673,7 +5731,7 @@
             <a:fld id="{CE58CB1E-F828-4F11-99E0-327109AF9DA4}" type="slidenum">
               <a:rPr lang="de-DE" smtClean="0"/>
               <a:pPr/>
-              <a:t>‹#›</a:t>
+              <a:t>‹Nr.›</a:t>
             </a:fld>
             <a:endParaRPr lang="de-DE" dirty="0"/>
           </a:p>
@@ -6150,7 +6208,7 @@
                   <a:spcPct val="114000"/>
                 </a:lnSpc>
               </a:pPr>
-              <a:t>‹#›</a:t>
+              <a:t>‹Nr.›</a:t>
             </a:fld>
             <a:endParaRPr lang="de-DE" sz="1200" dirty="0">
               <a:latin typeface="+mn-lt"/>
@@ -6242,7 +6300,7 @@
             <a:fld id="{CE58CB1E-F828-4F11-99E0-327109AF9DA4}" type="slidenum">
               <a:rPr lang="de-DE" noProof="0" smtClean="0"/>
               <a:pPr/>
-              <a:t>‹#›</a:t>
+              <a:t>‹Nr.›</a:t>
             </a:fld>
             <a:endParaRPr lang="de-DE" noProof="0"/>
           </a:p>
@@ -6756,7 +6814,7 @@
             <a:fld id="{CE58CB1E-F828-4F11-99E0-327109AF9DA4}" type="slidenum">
               <a:rPr lang="de-DE" smtClean="0"/>
               <a:pPr/>
-              <a:t>‹#›</a:t>
+              <a:t>‹Nr.›</a:t>
             </a:fld>
             <a:endParaRPr lang="de-DE" dirty="0"/>
           </a:p>
@@ -7414,7 +7472,7 @@
             <a:fld id="{CE58CB1E-F828-4F11-99E0-327109AF9DA4}" type="slidenum">
               <a:rPr lang="de-DE" smtClean="0"/>
               <a:pPr/>
-              <a:t>‹#›</a:t>
+              <a:t>‹Nr.›</a:t>
             </a:fld>
             <a:endParaRPr lang="de-DE" dirty="0"/>
           </a:p>
@@ -8011,7 +8069,7 @@
             <a:fld id="{CE58CB1E-F828-4F11-99E0-327109AF9DA4}" type="slidenum">
               <a:rPr lang="de-DE" smtClean="0"/>
               <a:pPr/>
-              <a:t>‹#›</a:t>
+              <a:t>‹Nr.›</a:t>
             </a:fld>
             <a:endParaRPr lang="de-DE" dirty="0"/>
           </a:p>
@@ -8608,7 +8666,7 @@
             <a:fld id="{CE58CB1E-F828-4F11-99E0-327109AF9DA4}" type="slidenum">
               <a:rPr lang="de-DE" smtClean="0"/>
               <a:pPr/>
-              <a:t>‹#›</a:t>
+              <a:t>‹Nr.›</a:t>
             </a:fld>
             <a:endParaRPr lang="de-DE" dirty="0"/>
           </a:p>
@@ -9656,13 +9714,13 @@
   <p:clrMapOvr>
     <a:masterClrMapping/>
   </p:clrMapOvr>
-  <mc:AlternateContent xmlns:mc="http://schemas.openxmlformats.org/markup-compatibility/2006">
-    <mc:Choice xmlns:p14="http://schemas.microsoft.com/office/powerpoint/2010/main" Requires="p14">
+  <mc:AlternateContent xmlns:mc="http://schemas.openxmlformats.org/markup-compatibility/2006" xmlns:p14="http://schemas.microsoft.com/office/powerpoint/2010/main">
+    <mc:Choice Requires="p14">
       <p:transition spd="med" p14:dur="700" advTm="29363">
         <p:fade/>
       </p:transition>
     </mc:Choice>
-    <mc:Fallback>
+    <mc:Fallback xmlns="">
       <p:transition spd="med" advTm="29363">
         <p:fade/>
       </p:transition>
@@ -10213,13 +10271,13 @@
   <p:clrMapOvr>
     <a:masterClrMapping/>
   </p:clrMapOvr>
-  <mc:AlternateContent xmlns:mc="http://schemas.openxmlformats.org/markup-compatibility/2006">
-    <mc:Choice xmlns:p14="http://schemas.microsoft.com/office/powerpoint/2010/main" Requires="p14">
+  <mc:AlternateContent xmlns:mc="http://schemas.openxmlformats.org/markup-compatibility/2006" xmlns:p14="http://schemas.microsoft.com/office/powerpoint/2010/main">
+    <mc:Choice Requires="p14">
       <p:transition spd="med" p14:dur="700" advTm="82598">
         <p:fade/>
       </p:transition>
     </mc:Choice>
-    <mc:Fallback>
+    <mc:Fallback xmlns="">
       <p:transition spd="med" advTm="82598">
         <p:fade/>
       </p:transition>
@@ -10632,13 +10690,13 @@
   <p:clrMapOvr>
     <a:masterClrMapping/>
   </p:clrMapOvr>
-  <mc:AlternateContent xmlns:mc="http://schemas.openxmlformats.org/markup-compatibility/2006">
-    <mc:Choice xmlns:p14="http://schemas.microsoft.com/office/powerpoint/2010/main" Requires="p14">
+  <mc:AlternateContent xmlns:mc="http://schemas.openxmlformats.org/markup-compatibility/2006" xmlns:p14="http://schemas.microsoft.com/office/powerpoint/2010/main">
+    <mc:Choice Requires="p14">
       <p:transition spd="med" p14:dur="700" advTm="82598">
         <p:fade/>
       </p:transition>
     </mc:Choice>
-    <mc:Fallback>
+    <mc:Fallback xmlns="">
       <p:transition spd="med" advTm="82598">
         <p:fade/>
       </p:transition>
@@ -11140,7 +11198,7 @@
             </a:pPr>
             <a:r>
               <a:rPr lang="de-DE" dirty="0"/>
-              <a:t>Reverse</a:t>
+              <a:t>Richtungen speichern</a:t>
             </a:r>
           </a:p>
           <a:p>
@@ -11163,7 +11221,7 @@
             </a:pPr>
             <a:r>
               <a:rPr lang="de-DE" dirty="0"/>
-              <a:t>Mirror</a:t>
+              <a:t>Invertierte und gespiegelte Permutation</a:t>
             </a:r>
           </a:p>
           <a:p>
@@ -11185,28 +11243,8 @@
               <a:buChar char="•"/>
             </a:pPr>
             <a:r>
-              <a:rPr lang="de-DE" dirty="0" err="1"/>
-              <a:t>Queries</a:t>
-            </a:r>
-            <a:r>
               <a:rPr lang="de-DE" dirty="0"/>
-              <a:t> </a:t>
-            </a:r>
-            <a:r>
-              <a:rPr lang="de-DE" dirty="0" err="1"/>
-              <a:t>compiled</a:t>
-            </a:r>
-            <a:r>
-              <a:rPr lang="de-DE" dirty="0"/>
-              <a:t> into native </a:t>
-            </a:r>
-            <a:r>
-              <a:rPr lang="de-DE" dirty="0" err="1"/>
-              <a:t>machine</a:t>
-            </a:r>
-            <a:r>
-              <a:rPr lang="de-DE" dirty="0"/>
-              <a:t> code (LLVM)</a:t>
+              <a:t>Verbinden mit Kurve mit Grad 1</a:t>
             </a:r>
           </a:p>
           <a:p>
@@ -11228,26 +11266,35 @@
               <a:buChar char="•"/>
             </a:pPr>
             <a:r>
-              <a:rPr lang="de-DE" dirty="0" err="1"/>
-              <a:t>Maximize</a:t>
-            </a:r>
-            <a:r>
               <a:rPr lang="de-DE" dirty="0"/>
-              <a:t> </a:t>
-            </a:r>
-            <a:r>
-              <a:rPr lang="de-DE" dirty="0" err="1"/>
-              <a:t>data</a:t>
-            </a:r>
+              <a:t>Alternativ: </a:t>
+            </a:r>
+          </a:p>
+          <a:p>
+            <a:pPr marL="461963" lvl="1" indent="-285750">
+              <a:spcAft>
+                <a:spcPts val="600"/>
+              </a:spcAft>
+              <a:buFont typeface="Arial" panose="020B0604020202020204" pitchFamily="34" charset="0"/>
+              <a:buChar char="•"/>
+            </a:pPr>
             <a:r>
               <a:rPr lang="de-DE" dirty="0"/>
-              <a:t> and code </a:t>
-            </a:r>
-            <a:r>
-              <a:rPr lang="de-DE" dirty="0" err="1"/>
-              <a:t>locality</a:t>
-            </a:r>
-            <a:endParaRPr lang="de-DE" dirty="0"/>
+              <a:t>Richtungsarray weglassen</a:t>
+            </a:r>
+          </a:p>
+          <a:p>
+            <a:pPr marL="461963" lvl="1" indent="-285750">
+              <a:spcAft>
+                <a:spcPts val="600"/>
+              </a:spcAft>
+              <a:buFont typeface="Arial" panose="020B0604020202020204" pitchFamily="34" charset="0"/>
+              <a:buChar char="•"/>
+            </a:pPr>
+            <a:r>
+              <a:rPr lang="de-DE" dirty="0"/>
+              <a:t>Komplett SIMD-Optimieren</a:t>
+            </a:r>
           </a:p>
         </p:txBody>
       </p:sp>
@@ -11307,7 +11354,7 @@
         </p:nvSpPr>
         <p:spPr>
           <a:xfrm>
-            <a:off x="319090" y="994334"/>
+            <a:off x="309600" y="878400"/>
             <a:ext cx="8508999" cy="410369"/>
           </a:xfrm>
           <a:prstGeom prst="rect">
@@ -11476,6 +11523,19 @@
               </a:spcAft>
             </a:pPr>
             <a:r>
+              <a:rPr lang="de-DE" sz="3200" b="0" kern="1200" noProof="0" dirty="0">
+                <a:solidFill>
+                  <a:schemeClr val="bg2">
+                    <a:lumMod val="75000"/>
+                  </a:schemeClr>
+                </a:solidFill>
+                <a:latin typeface="+mj-lt"/>
+                <a:ea typeface="+mj-ea"/>
+                <a:cs typeface="+mj-cs"/>
+              </a:rPr>
+              <a:t>Lösungsansatz</a:t>
+            </a:r>
+            <a:r>
               <a:rPr lang="de-DE" b="0" kern="1200" noProof="0" dirty="0">
                 <a:solidFill>
                   <a:schemeClr val="bg2">
@@ -11486,7 +11546,7 @@
                 <a:ea typeface="+mj-ea"/>
                 <a:cs typeface="+mj-cs"/>
               </a:rPr>
-              <a:t>Lösungsansatz: Richtungsarray</a:t>
+              <a:t>: Richtungsarray</a:t>
             </a:r>
           </a:p>
         </p:txBody>
@@ -11750,7 +11810,7 @@
         </p:nvSpPr>
         <p:spPr>
           <a:xfrm>
-            <a:off x="311162" y="878427"/>
+            <a:off x="311162" y="878400"/>
             <a:ext cx="8508999" cy="410369"/>
           </a:xfrm>
           <a:prstGeom prst="rect">
@@ -12201,8 +12261,8 @@
         </p:nvSpPr>
         <p:spPr>
           <a:xfrm>
-            <a:off x="260392" y="1925690"/>
-            <a:ext cx="8508999" cy="4523878"/>
+            <a:off x="4572000" y="1949435"/>
+            <a:ext cx="4171265" cy="4523878"/>
           </a:xfrm>
           <a:prstGeom prst="rect">
             <a:avLst/>
@@ -12395,8 +12455,151 @@
             </a:pPr>
             <a:r>
               <a:rPr lang="en-GB" dirty="0"/>
-              <a:t>•</a:t>
-            </a:r>
+              <a:t>• </a:t>
+            </a:r>
+            <a:r>
+              <a:rPr lang="en-GB" dirty="0" err="1"/>
+              <a:t>Abhänig</a:t>
+            </a:r>
+            <a:r>
+              <a:rPr lang="en-GB" dirty="0"/>
+              <a:t> </a:t>
+            </a:r>
+            <a:r>
+              <a:rPr lang="en-GB" dirty="0" err="1"/>
+              <a:t>vom</a:t>
+            </a:r>
+            <a:r>
+              <a:rPr lang="en-GB" dirty="0"/>
+              <a:t> </a:t>
+            </a:r>
+            <a:r>
+              <a:rPr lang="en-GB" dirty="0" err="1"/>
+              <a:t>Richtungsarray</a:t>
+            </a:r>
+            <a:endParaRPr lang="en-GB" dirty="0"/>
+          </a:p>
+          <a:p>
+            <a:pPr marL="285750" indent="-285750">
+              <a:spcAft>
+                <a:spcPts val="600"/>
+              </a:spcAft>
+              <a:buFont typeface="Arial" panose="020B0604020202020204" pitchFamily="34" charset="0"/>
+              <a:buChar char="•"/>
+            </a:pPr>
+            <a:endParaRPr lang="en-GB" dirty="0"/>
+          </a:p>
+          <a:p>
+            <a:pPr marL="285750" indent="-285750">
+              <a:spcAft>
+                <a:spcPts val="600"/>
+              </a:spcAft>
+              <a:buFont typeface="Arial" panose="020B0604020202020204" pitchFamily="34" charset="0"/>
+              <a:buChar char="•"/>
+            </a:pPr>
+            <a:r>
+              <a:rPr lang="en-GB" dirty="0" err="1"/>
+              <a:t>Induktiv</a:t>
+            </a:r>
+            <a:r>
+              <a:rPr lang="en-GB" dirty="0"/>
+              <a:t> </a:t>
+            </a:r>
+            <a:r>
+              <a:rPr lang="en-GB" dirty="0" err="1"/>
+              <a:t>zu</a:t>
+            </a:r>
+            <a:r>
+              <a:rPr lang="en-GB" dirty="0"/>
+              <a:t> </a:t>
+            </a:r>
+            <a:r>
+              <a:rPr lang="en-GB" dirty="0" err="1"/>
+              <a:t>zeigen</a:t>
+            </a:r>
+            <a:endParaRPr lang="en-GB" dirty="0"/>
+          </a:p>
+          <a:p>
+            <a:pPr marL="285750" indent="-285750">
+              <a:spcAft>
+                <a:spcPts val="600"/>
+              </a:spcAft>
+              <a:buFont typeface="Arial" panose="020B0604020202020204" pitchFamily="34" charset="0"/>
+              <a:buChar char="•"/>
+            </a:pPr>
+            <a:endParaRPr lang="en-GB" dirty="0"/>
+          </a:p>
+          <a:p>
+            <a:pPr marL="285750" indent="-285750">
+              <a:spcAft>
+                <a:spcPts val="600"/>
+              </a:spcAft>
+              <a:buFont typeface="Arial" panose="020B0604020202020204" pitchFamily="34" charset="0"/>
+              <a:buChar char="•"/>
+            </a:pPr>
+            <a:r>
+              <a:rPr lang="en-GB" dirty="0" err="1"/>
+              <a:t>Technische</a:t>
+            </a:r>
+            <a:r>
+              <a:rPr lang="en-GB" dirty="0"/>
+              <a:t> </a:t>
+            </a:r>
+            <a:r>
+              <a:rPr lang="en-GB" dirty="0" err="1"/>
+              <a:t>Limitationen</a:t>
+            </a:r>
+            <a:r>
+              <a:rPr lang="en-GB"/>
+              <a:t>: </a:t>
+            </a:r>
+            <a:endParaRPr lang="en-GB" dirty="0"/>
+          </a:p>
+          <a:p>
+            <a:pPr marL="461963" lvl="1" indent="-285750">
+              <a:spcAft>
+                <a:spcPts val="600"/>
+              </a:spcAft>
+              <a:buFont typeface="Arial" panose="020B0604020202020204" pitchFamily="34" charset="0"/>
+              <a:buChar char="•"/>
+            </a:pPr>
+            <a:r>
+              <a:rPr lang="en-GB"/>
+              <a:t>Nur </a:t>
+            </a:r>
+            <a:r>
+              <a:rPr lang="en-GB" dirty="0" err="1"/>
+              <a:t>begrenzt</a:t>
+            </a:r>
+            <a:r>
+              <a:rPr lang="en-GB" dirty="0"/>
+              <a:t> Speicher </a:t>
+            </a:r>
+            <a:r>
+              <a:rPr lang="en-GB" dirty="0" err="1"/>
+              <a:t>verfügbar</a:t>
+            </a:r>
+            <a:endParaRPr lang="en-GB" dirty="0"/>
+          </a:p>
+          <a:p>
+            <a:pPr marL="285750" indent="-285750">
+              <a:spcAft>
+                <a:spcPts val="600"/>
+              </a:spcAft>
+              <a:buFont typeface="Arial" panose="020B0604020202020204" pitchFamily="34" charset="0"/>
+              <a:buChar char="•"/>
+            </a:pPr>
+            <a:endParaRPr lang="en-GB" dirty="0"/>
+          </a:p>
+          <a:p>
+            <a:pPr marL="285750" indent="-285750">
+              <a:spcAft>
+                <a:spcPts val="600"/>
+              </a:spcAft>
+              <a:buFont typeface="Arial" panose="020B0604020202020204" pitchFamily="34" charset="0"/>
+              <a:buChar char="•"/>
+            </a:pPr>
+            <a:endParaRPr lang="en-GB" dirty="0"/>
           </a:p>
           <a:p>
             <a:pPr marL="457200" indent="-457200">
@@ -12488,6 +12691,138 @@
           </a:p>
         </p:txBody>
       </p:sp>
+      <p:pic>
+        <p:nvPicPr>
+          <p:cNvPr id="5" name="Grafik 4">
+            <a:extLst>
+              <a:ext uri="{FF2B5EF4-FFF2-40B4-BE49-F238E27FC236}">
+                <a16:creationId xmlns:a16="http://schemas.microsoft.com/office/drawing/2014/main" id="{4DED0517-4E97-4431-883C-8025BFFE544B}"/>
+              </a:ext>
+            </a:extLst>
+          </p:cNvPr>
+          <p:cNvPicPr>
+            <a:picLocks noChangeAspect="1"/>
+          </p:cNvPicPr>
+          <p:nvPr/>
+        </p:nvPicPr>
+        <p:blipFill>
+          <a:blip r:embed="rId2"/>
+          <a:stretch>
+            <a:fillRect/>
+          </a:stretch>
+        </p:blipFill>
+        <p:spPr>
+          <a:xfrm>
+            <a:off x="311162" y="1949435"/>
+            <a:ext cx="3322320" cy="3322320"/>
+          </a:xfrm>
+          <a:prstGeom prst="rect">
+            <a:avLst/>
+          </a:prstGeom>
+        </p:spPr>
+      </p:pic>
+      <mc:AlternateContent xmlns:mc="http://schemas.openxmlformats.org/markup-compatibility/2006">
+        <mc:Choice xmlns:p14="http://schemas.microsoft.com/office/powerpoint/2010/main" xmlns:aink="http://schemas.microsoft.com/office/drawing/2016/ink" Requires="p14 aink">
+          <p:contentPart p14:bwMode="auto" r:id="rId3">
+            <p14:nvContentPartPr>
+              <p14:cNvPr id="10" name="Freihand 9">
+                <a:extLst>
+                  <a:ext uri="{FF2B5EF4-FFF2-40B4-BE49-F238E27FC236}">
+                    <a16:creationId xmlns:a16="http://schemas.microsoft.com/office/drawing/2014/main" id="{DF48B890-4C42-4836-A83E-C631940C31D2}"/>
+                  </a:ext>
+                </a:extLst>
+              </p14:cNvPr>
+              <p14:cNvContentPartPr/>
+              <p14:nvPr/>
+            </p14:nvContentPartPr>
+            <p14:xfrm>
+              <a:off x="1749240" y="4381080"/>
+              <a:ext cx="3240" cy="12240"/>
+            </p14:xfrm>
+          </p:contentPart>
+        </mc:Choice>
+        <mc:Fallback>
+          <p:pic>
+            <p:nvPicPr>
+              <p:cNvPr id="10" name="Freihand 9">
+                <a:extLst>
+                  <a:ext uri="{FF2B5EF4-FFF2-40B4-BE49-F238E27FC236}">
+                    <a16:creationId xmlns:a16="http://schemas.microsoft.com/office/drawing/2014/main" id="{DF48B890-4C42-4836-A83E-C631940C31D2}"/>
+                  </a:ext>
+                </a:extLst>
+              </p:cNvPr>
+              <p:cNvPicPr/>
+              <p:nvPr/>
+            </p:nvPicPr>
+            <p:blipFill>
+              <a:blip r:embed="rId4"/>
+              <a:stretch>
+                <a:fillRect/>
+              </a:stretch>
+            </p:blipFill>
+            <p:spPr>
+              <a:xfrm>
+                <a:off x="1740600" y="4327080"/>
+                <a:ext cx="20880" cy="119880"/>
+              </a:xfrm>
+              <a:prstGeom prst="rect">
+                <a:avLst/>
+              </a:prstGeom>
+            </p:spPr>
+          </p:pic>
+        </mc:Fallback>
+      </mc:AlternateContent>
+      <mc:AlternateContent xmlns:mc="http://schemas.openxmlformats.org/markup-compatibility/2006">
+        <mc:Choice xmlns:p14="http://schemas.microsoft.com/office/powerpoint/2010/main" xmlns:aink="http://schemas.microsoft.com/office/drawing/2016/ink" Requires="p14 aink">
+          <p:contentPart p14:bwMode="auto" r:id="rId5">
+            <p14:nvContentPartPr>
+              <p14:cNvPr id="11" name="Freihand 10">
+                <a:extLst>
+                  <a:ext uri="{FF2B5EF4-FFF2-40B4-BE49-F238E27FC236}">
+                    <a16:creationId xmlns:a16="http://schemas.microsoft.com/office/drawing/2014/main" id="{1A3E1392-2202-40DB-AA1D-AC5EAC7600CE}"/>
+                  </a:ext>
+                </a:extLst>
+              </p14:cNvPr>
+              <p14:cNvContentPartPr/>
+              <p14:nvPr/>
+            </p14:nvContentPartPr>
+            <p14:xfrm>
+              <a:off x="352440" y="5147160"/>
+              <a:ext cx="6120" cy="56880"/>
+            </p14:xfrm>
+          </p:contentPart>
+        </mc:Choice>
+        <mc:Fallback>
+          <p:pic>
+            <p:nvPicPr>
+              <p:cNvPr id="11" name="Freihand 10">
+                <a:extLst>
+                  <a:ext uri="{FF2B5EF4-FFF2-40B4-BE49-F238E27FC236}">
+                    <a16:creationId xmlns:a16="http://schemas.microsoft.com/office/drawing/2014/main" id="{1A3E1392-2202-40DB-AA1D-AC5EAC7600CE}"/>
+                  </a:ext>
+                </a:extLst>
+              </p:cNvPr>
+              <p:cNvPicPr/>
+              <p:nvPr/>
+            </p:nvPicPr>
+            <p:blipFill>
+              <a:blip r:embed="rId6"/>
+              <a:stretch>
+                <a:fillRect/>
+              </a:stretch>
+            </p:blipFill>
+            <p:spPr>
+              <a:xfrm>
+                <a:off x="343800" y="5093520"/>
+                <a:ext cx="23760" cy="164520"/>
+              </a:xfrm>
+              <a:prstGeom prst="rect">
+                <a:avLst/>
+              </a:prstGeom>
+            </p:spPr>
+          </p:pic>
+        </mc:Fallback>
+      </mc:AlternateContent>
     </p:spTree>
     <p:extLst>
       <p:ext uri="{BB962C8B-B14F-4D97-AF65-F5344CB8AC3E}">

--- a/Ausarbeitung/präzi.pptx
+++ b/Ausarbeitung/präzi.pptx
@@ -11176,8 +11176,8 @@
         </p:nvSpPr>
         <p:spPr>
           <a:xfrm>
-            <a:off x="4647179" y="1762188"/>
-            <a:ext cx="4180910" cy="4687380"/>
+            <a:off x="4644001" y="2263459"/>
+            <a:ext cx="4184088" cy="3716142"/>
           </a:xfrm>
         </p:spPr>
         <p:txBody>
@@ -11267,7 +11267,7 @@
             </a:pPr>
             <a:r>
               <a:rPr lang="de-DE" dirty="0"/>
-              <a:t>Alternativ: </a:t>
+              <a:t>Alternativen: </a:t>
             </a:r>
           </a:p>
           <a:p>
@@ -12448,18 +12448,54 @@
             </a:lvl9pPr>
           </a:lstStyle>
           <a:p>
+            <a:pPr marL="285750" indent="-285750">
+              <a:spcAft>
+                <a:spcPts val="600"/>
+              </a:spcAft>
+              <a:buFont typeface="Arial" panose="020B0604020202020204" pitchFamily="34" charset="0"/>
+              <a:buChar char="•"/>
+            </a:pPr>
+            <a:r>
+              <a:rPr lang="en-GB" dirty="0" err="1"/>
+              <a:t>Abhänig</a:t>
+            </a:r>
+            <a:r>
+              <a:rPr lang="en-GB" dirty="0"/>
+              <a:t> </a:t>
+            </a:r>
+            <a:r>
+              <a:rPr lang="en-GB" dirty="0" err="1"/>
+              <a:t>vom</a:t>
+            </a:r>
+            <a:r>
+              <a:rPr lang="en-GB" dirty="0"/>
+              <a:t> </a:t>
+            </a:r>
+            <a:r>
+              <a:rPr lang="en-GB" dirty="0" err="1"/>
+              <a:t>Richtungsarray</a:t>
+            </a:r>
+            <a:endParaRPr lang="en-GB" dirty="0"/>
+          </a:p>
+          <a:p>
             <a:pPr>
               <a:spcAft>
                 <a:spcPts val="600"/>
               </a:spcAft>
             </a:pPr>
-            <a:r>
-              <a:rPr lang="en-GB" dirty="0"/>
-              <a:t>• </a:t>
-            </a:r>
+            <a:endParaRPr lang="en-GB" dirty="0"/>
+          </a:p>
+          <a:p>
+            <a:pPr marL="285750" indent="-285750">
+              <a:spcAft>
+                <a:spcPts val="600"/>
+              </a:spcAft>
+              <a:buFont typeface="Arial" panose="020B0604020202020204" pitchFamily="34" charset="0"/>
+              <a:buChar char="•"/>
+            </a:pPr>
             <a:r>
               <a:rPr lang="en-GB" dirty="0" err="1"/>
-              <a:t>Abhänig</a:t>
+              <a:t>Induktiv</a:t>
             </a:r>
             <a:r>
               <a:rPr lang="en-GB" dirty="0"/>
@@ -12467,7 +12503,7 @@
             </a:r>
             <a:r>
               <a:rPr lang="en-GB" dirty="0" err="1"/>
-              <a:t>vom</a:t>
+              <a:t>zu</a:t>
             </a:r>
             <a:r>
               <a:rPr lang="en-GB" dirty="0"/>
@@ -12475,7 +12511,7 @@
             </a:r>
             <a:r>
               <a:rPr lang="en-GB" dirty="0" err="1"/>
-              <a:t>Richtungsarray</a:t>
+              <a:t>zeigen</a:t>
             </a:r>
             <a:endParaRPr lang="en-GB" dirty="0"/>
           </a:p>
@@ -12499,7 +12535,7 @@
             </a:pPr>
             <a:r>
               <a:rPr lang="en-GB" dirty="0" err="1"/>
-              <a:t>Induktiv</a:t>
+              <a:t>Konstruktion</a:t>
             </a:r>
             <a:r>
               <a:rPr lang="en-GB" dirty="0"/>
@@ -12507,7 +12543,15 @@
             </a:r>
             <a:r>
               <a:rPr lang="en-GB" dirty="0" err="1"/>
-              <a:t>zu</a:t>
+              <a:t>aus</a:t>
+            </a:r>
+            <a:r>
+              <a:rPr lang="en-GB" dirty="0"/>
+              <a:t> den </a:t>
+            </a:r>
+            <a:r>
+              <a:rPr lang="en-GB" dirty="0" err="1"/>
+              <a:t>Kurven</a:t>
             </a:r>
             <a:r>
               <a:rPr lang="en-GB" dirty="0"/>
@@ -12515,8 +12559,24 @@
             </a:r>
             <a:r>
               <a:rPr lang="en-GB" dirty="0" err="1"/>
-              <a:t>zeigen</a:t>
-            </a:r>
+              <a:t>mit</a:t>
+            </a:r>
+            <a:r>
+              <a:rPr lang="en-GB" dirty="0"/>
+              <a:t> Grad 1 &amp; 2 </a:t>
+            </a:r>
+            <a:r>
+              <a:rPr lang="en-GB" dirty="0" err="1"/>
+              <a:t>abgeleitet</a:t>
+            </a:r>
+            <a:endParaRPr lang="en-GB" dirty="0"/>
+          </a:p>
+          <a:p>
+            <a:pPr>
+              <a:spcAft>
+                <a:spcPts val="600"/>
+              </a:spcAft>
+            </a:pPr>
             <a:endParaRPr lang="en-GB" dirty="0"/>
           </a:p>
           <a:p>
@@ -12527,16 +12587,6 @@
               <a:buFont typeface="Arial" panose="020B0604020202020204" pitchFamily="34" charset="0"/>
               <a:buChar char="•"/>
             </a:pPr>
-            <a:endParaRPr lang="en-GB" dirty="0"/>
-          </a:p>
-          <a:p>
-            <a:pPr marL="285750" indent="-285750">
-              <a:spcAft>
-                <a:spcPts val="600"/>
-              </a:spcAft>
-              <a:buFont typeface="Arial" panose="020B0604020202020204" pitchFamily="34" charset="0"/>
-              <a:buChar char="•"/>
-            </a:pPr>
             <a:r>
               <a:rPr lang="en-GB" dirty="0" err="1"/>
               <a:t>Technische</a:t>
@@ -12550,10 +12600,9 @@
               <a:t>Limitationen</a:t>
             </a:r>
             <a:r>
-              <a:rPr lang="en-GB"/>
+              <a:rPr lang="en-GB" dirty="0"/>
               <a:t>: </a:t>
             </a:r>
-            <a:endParaRPr lang="en-GB" dirty="0"/>
           </a:p>
           <a:p>
             <a:pPr marL="461963" lvl="1" indent="-285750">
@@ -12564,7 +12613,7 @@
               <a:buChar char="•"/>
             </a:pPr>
             <a:r>
-              <a:rPr lang="en-GB"/>
+              <a:rPr lang="en-GB" dirty="0"/>
               <a:t>Nur </a:t>
             </a:r>
             <a:r>
@@ -12582,13 +12631,41 @@
             <a:endParaRPr lang="en-GB" dirty="0"/>
           </a:p>
           <a:p>
-            <a:pPr marL="285750" indent="-285750">
+            <a:pPr marL="461963" lvl="1" indent="-285750">
               <a:spcAft>
                 <a:spcPts val="600"/>
               </a:spcAft>
               <a:buFont typeface="Arial" panose="020B0604020202020204" pitchFamily="34" charset="0"/>
               <a:buChar char="•"/>
             </a:pPr>
+            <a:r>
+              <a:rPr lang="en-GB" dirty="0" err="1"/>
+              <a:t>Kurve</a:t>
+            </a:r>
+            <a:r>
+              <a:rPr lang="en-GB" dirty="0"/>
+              <a:t> </a:t>
+            </a:r>
+            <a:r>
+              <a:rPr lang="en-GB" dirty="0" err="1"/>
+              <a:t>schon</a:t>
+            </a:r>
+            <a:r>
+              <a:rPr lang="en-GB" dirty="0"/>
+              <a:t> ab Grad 5 </a:t>
+            </a:r>
+            <a:r>
+              <a:rPr lang="en-GB" dirty="0" err="1"/>
+              <a:t>schwer</a:t>
+            </a:r>
+            <a:r>
+              <a:rPr lang="en-GB" dirty="0"/>
+              <a:t> </a:t>
+            </a:r>
+            <a:r>
+              <a:rPr lang="en-GB" dirty="0" err="1"/>
+              <a:t>lesbar</a:t>
+            </a:r>
             <a:endParaRPr lang="en-GB" dirty="0"/>
           </a:p>
           <a:p>
@@ -12721,8 +12798,8 @@
           </a:prstGeom>
         </p:spPr>
       </p:pic>
-      <mc:AlternateContent xmlns:mc="http://schemas.openxmlformats.org/markup-compatibility/2006">
-        <mc:Choice xmlns:p14="http://schemas.microsoft.com/office/powerpoint/2010/main" xmlns:aink="http://schemas.microsoft.com/office/drawing/2016/ink" Requires="p14 aink">
+      <mc:AlternateContent xmlns:mc="http://schemas.openxmlformats.org/markup-compatibility/2006" xmlns:p14="http://schemas.microsoft.com/office/powerpoint/2010/main" xmlns:aink="http://schemas.microsoft.com/office/drawing/2016/ink">
+        <mc:Choice Requires="p14 aink">
           <p:contentPart p14:bwMode="auto" r:id="rId3">
             <p14:nvContentPartPr>
               <p14:cNvPr id="10" name="Freihand 9">
@@ -12741,7 +12818,7 @@
             </p14:xfrm>
           </p:contentPart>
         </mc:Choice>
-        <mc:Fallback>
+        <mc:Fallback xmlns="">
           <p:pic>
             <p:nvPicPr>
               <p:cNvPr id="10" name="Freihand 9">
@@ -12772,8 +12849,8 @@
           </p:pic>
         </mc:Fallback>
       </mc:AlternateContent>
-      <mc:AlternateContent xmlns:mc="http://schemas.openxmlformats.org/markup-compatibility/2006">
-        <mc:Choice xmlns:p14="http://schemas.microsoft.com/office/powerpoint/2010/main" xmlns:aink="http://schemas.microsoft.com/office/drawing/2016/ink" Requires="p14 aink">
+      <mc:AlternateContent xmlns:mc="http://schemas.openxmlformats.org/markup-compatibility/2006" xmlns:p14="http://schemas.microsoft.com/office/powerpoint/2010/main" xmlns:aink="http://schemas.microsoft.com/office/drawing/2016/ink">
+        <mc:Choice Requires="p14 aink">
           <p:contentPart p14:bwMode="auto" r:id="rId5">
             <p14:nvContentPartPr>
               <p14:cNvPr id="11" name="Freihand 10">
@@ -12792,7 +12869,7 @@
             </p14:xfrm>
           </p:contentPart>
         </mc:Choice>
-        <mc:Fallback>
+        <mc:Fallback xmlns="">
           <p:pic>
             <p:nvPicPr>
               <p:cNvPr id="11" name="Freihand 10">

--- a/Ausarbeitung/präzi.pptx
+++ b/Ausarbeitung/präzi.pptx
@@ -1,6 +1,6 @@
 
 <file path=ppt/presentation.xml><?xml version="1.0" encoding="utf-8"?>
-<p:presentation xmlns:a="http://schemas.openxmlformats.org/drawingml/2006/main" xmlns:r="http://schemas.openxmlformats.org/officeDocument/2006/relationships" xmlns:p="http://schemas.openxmlformats.org/presentationml/2006/main" showSpecialPlsOnTitleSld="0" saveSubsetFonts="1" autoCompressPictures="0">
+<p:presentation xmlns:a="http://schemas.openxmlformats.org/drawingml/2006/main" xmlns:r="http://schemas.openxmlformats.org/officeDocument/2006/relationships" xmlns:p="http://schemas.openxmlformats.org/presentationml/2006/main" saveSubsetFonts="1" autoCompressPictures="0">
   <p:sldMasterIdLst>
     <p:sldMasterId id="2147483663" r:id="rId1"/>
     <p:sldMasterId id="2147483668" r:id="rId2"/>
@@ -5743,7 +5743,7 @@
   <p:sldLayoutIdLst>
     <p:sldLayoutId id="2147483664" r:id="rId1"/>
   </p:sldLayoutIdLst>
-  <p:hf hdr="0" dt="0"/>
+  <p:hf hdr="0" ftr="0" dt="0"/>
   <p:txStyles>
     <p:titleStyle>
       <a:lvl1pPr algn="l" rtl="0" eaLnBrk="1" fontAlgn="base" hangingPunct="1">
@@ -6351,7 +6351,7 @@
   <p:sldLayoutIdLst>
     <p:sldLayoutId id="2147483669" r:id="rId1"/>
   </p:sldLayoutIdLst>
-  <p:hf hdr="0" dt="0"/>
+  <p:hf hdr="0" ftr="0" dt="0"/>
   <p:txStyles>
     <p:titleStyle>
       <a:lvl1pPr algn="l" rtl="0" eaLnBrk="0" fontAlgn="base" hangingPunct="0">
@@ -6985,7 +6985,7 @@
     <p:sldLayoutId id="2147483717" r:id="rId7"/>
     <p:sldLayoutId id="2147483718" r:id="rId8"/>
   </p:sldLayoutIdLst>
-  <p:hf hdr="0" dt="0"/>
+  <p:hf hdr="0" ftr="0" dt="0"/>
   <p:txStyles>
     <p:titleStyle>
       <a:lvl1pPr algn="l" rtl="0" eaLnBrk="0" fontAlgn="base" hangingPunct="0">
@@ -7530,7 +7530,7 @@
     <p:sldLayoutId id="2147483653" r:id="rId7"/>
     <p:sldLayoutId id="2147483656" r:id="rId8"/>
   </p:sldLayoutIdLst>
-  <p:hf hdr="0" dt="0"/>
+  <p:hf hdr="0" ftr="0" dt="0"/>
   <p:txStyles>
     <p:titleStyle>
       <a:lvl1pPr algn="l" rtl="0" eaLnBrk="0" fontAlgn="base" hangingPunct="0">
@@ -8120,7 +8120,7 @@
   <p:sldLayoutIdLst>
     <p:sldLayoutId id="2147483685" r:id="rId1"/>
   </p:sldLayoutIdLst>
-  <p:hf hdr="0" dt="0"/>
+  <p:hf hdr="0" ftr="0" dt="0"/>
   <p:txStyles>
     <p:titleStyle>
       <a:lvl1pPr algn="l" rtl="0" eaLnBrk="0" fontAlgn="base" hangingPunct="0">
@@ -8717,7 +8717,7 @@
   <p:sldLayoutIdLst>
     <p:sldLayoutId id="2147483698" r:id="rId1"/>
   </p:sldLayoutIdLst>
-  <p:hf hdr="0" dt="0"/>
+  <p:hf hdr="0" ftr="0" dt="0"/>
   <p:txStyles>
     <p:titleStyle>
       <a:lvl1pPr algn="l" rtl="0" eaLnBrk="0" fontAlgn="base" hangingPunct="0">
@@ -9271,6 +9271,36 @@
           </a:prstGeom>
         </p:spPr>
       </p:pic>
+      <p:sp>
+        <p:nvSpPr>
+          <p:cNvPr id="2" name="Foliennummernplatzhalter 1">
+            <a:extLst>
+              <a:ext uri="{FF2B5EF4-FFF2-40B4-BE49-F238E27FC236}">
+                <a16:creationId xmlns:a16="http://schemas.microsoft.com/office/drawing/2014/main" id="{5A4FB968-3119-4854-BB56-C5616488883F}"/>
+              </a:ext>
+            </a:extLst>
+          </p:cNvPr>
+          <p:cNvSpPr>
+            <a:spLocks noGrp="1"/>
+          </p:cNvSpPr>
+          <p:nvPr>
+            <p:ph type="sldNum" sz="quarter" idx="12"/>
+          </p:nvPr>
+        </p:nvSpPr>
+        <p:spPr/>
+        <p:txBody>
+          <a:bodyPr/>
+          <a:lstStyle/>
+          <a:p>
+            <a:fld id="{CE58CB1E-F828-4F11-99E0-327109AF9DA4}" type="slidenum">
+              <a:rPr lang="de-DE" smtClean="0"/>
+              <a:pPr/>
+              <a:t>1</a:t>
+            </a:fld>
+            <a:endParaRPr lang="de-DE" dirty="0"/>
+          </a:p>
+        </p:txBody>
+      </p:sp>
     </p:spTree>
   </p:cSld>
   <p:clrMapOvr>
@@ -9344,7 +9374,7 @@
               </a:pPr>
               <a:t>10</a:t>
             </a:fld>
-            <a:endParaRPr lang="de-DE"/>
+            <a:endParaRPr lang="de-DE" dirty="0"/>
           </a:p>
         </p:txBody>
       </p:sp>
@@ -9651,59 +9681,6 @@
           </a:p>
         </p:txBody>
       </p:sp>
-      <p:sp>
-        <p:nvSpPr>
-          <p:cNvPr id="6" name="Fußzeilenplatzhalter 4">
-            <a:extLst>
-              <a:ext uri="{FF2B5EF4-FFF2-40B4-BE49-F238E27FC236}">
-                <a16:creationId xmlns:a16="http://schemas.microsoft.com/office/drawing/2014/main" id="{64C2E136-AC46-4D88-8561-726B9D9A8B1B}"/>
-              </a:ext>
-            </a:extLst>
-          </p:cNvPr>
-          <p:cNvSpPr>
-            <a:spLocks noGrp="1"/>
-          </p:cNvSpPr>
-          <p:nvPr>
-            <p:ph type="ftr" sz="quarter" idx="17"/>
-          </p:nvPr>
-        </p:nvSpPr>
-        <p:spPr>
-          <a:xfrm>
-            <a:off x="311162" y="6473313"/>
-            <a:ext cx="8760170" cy="365125"/>
-          </a:xfrm>
-        </p:spPr>
-        <p:txBody>
-          <a:bodyPr anchor="ctr">
-            <a:normAutofit/>
-          </a:bodyPr>
-          <a:lstStyle/>
-          <a:p>
-            <a:pPr>
-              <a:lnSpc>
-                <a:spcPct val="90000"/>
-              </a:lnSpc>
-            </a:pPr>
-            <a:r>
-              <a:rPr lang="de-DE" sz="900" dirty="0"/>
-              <a:t>Aspekte der systemnahen Programmierung bei der Spieleentwicklung | 16.02.2021 | </a:t>
-            </a:r>
-            <a:r>
-              <a:rPr lang="en-US" sz="900" b="1" dirty="0" err="1"/>
-              <a:t>Peano-Kurven</a:t>
-            </a:r>
-            <a:r>
-              <a:rPr lang="en-US" sz="900" b="1" dirty="0"/>
-              <a:t> (A214) 		</a:t>
-            </a:r>
-            <a:r>
-              <a:rPr lang="en-US" sz="1400" b="1" dirty="0"/>
-              <a:t>Mohamed Attia</a:t>
-            </a:r>
-            <a:endParaRPr lang="en-US" sz="900" dirty="0"/>
-          </a:p>
-        </p:txBody>
-      </p:sp>
     </p:spTree>
     <p:extLst>
       <p:ext uri="{BB962C8B-B14F-4D97-AF65-F5344CB8AC3E}">
@@ -9806,6 +9783,36 @@
           </a:p>
         </p:txBody>
       </p:sp>
+      <p:sp>
+        <p:nvSpPr>
+          <p:cNvPr id="2" name="Foliennummernplatzhalter 1">
+            <a:extLst>
+              <a:ext uri="{FF2B5EF4-FFF2-40B4-BE49-F238E27FC236}">
+                <a16:creationId xmlns:a16="http://schemas.microsoft.com/office/drawing/2014/main" id="{F54BC5A4-944E-4405-8F4B-124F1397FA96}"/>
+              </a:ext>
+            </a:extLst>
+          </p:cNvPr>
+          <p:cNvSpPr>
+            <a:spLocks noGrp="1"/>
+          </p:cNvSpPr>
+          <p:nvPr>
+            <p:ph type="sldNum" sz="quarter" idx="12"/>
+          </p:nvPr>
+        </p:nvSpPr>
+        <p:spPr/>
+        <p:txBody>
+          <a:bodyPr/>
+          <a:lstStyle/>
+          <a:p>
+            <a:fld id="{CE58CB1E-F828-4F11-99E0-327109AF9DA4}" type="slidenum">
+              <a:rPr lang="de-DE" smtClean="0"/>
+              <a:pPr/>
+              <a:t>11</a:t>
+            </a:fld>
+            <a:endParaRPr lang="de-DE" dirty="0"/>
+          </a:p>
+        </p:txBody>
+      </p:sp>
     </p:spTree>
   </p:cSld>
   <p:clrMapOvr>
@@ -9948,57 +9955,6 @@
               <a:t>2</a:t>
             </a:fld>
             <a:endParaRPr lang="de-DE" dirty="0"/>
-          </a:p>
-        </p:txBody>
-      </p:sp>
-      <p:sp>
-        <p:nvSpPr>
-          <p:cNvPr id="7" name="Fußzeilenplatzhalter 4"/>
-          <p:cNvSpPr>
-            <a:spLocks noGrp="1"/>
-          </p:cNvSpPr>
-          <p:nvPr>
-            <p:ph type="ftr" sz="quarter" idx="17"/>
-          </p:nvPr>
-        </p:nvSpPr>
-        <p:spPr>
-          <a:xfrm>
-            <a:off x="311162" y="6473313"/>
-            <a:ext cx="8760170" cy="365125"/>
-          </a:xfrm>
-        </p:spPr>
-        <p:txBody>
-          <a:bodyPr anchor="ctr">
-            <a:normAutofit/>
-          </a:bodyPr>
-          <a:lstStyle/>
-          <a:p>
-            <a:pPr>
-              <a:lnSpc>
-                <a:spcPct val="90000"/>
-              </a:lnSpc>
-            </a:pPr>
-            <a:r>
-              <a:rPr lang="de-DE" sz="900" dirty="0"/>
-              <a:t>Aspekte der systemnahen Programmierung bei der Spieleentwicklung | 16.02.2021 | </a:t>
-            </a:r>
-            <a:r>
-              <a:rPr lang="en-US" sz="900" b="1" dirty="0" err="1"/>
-              <a:t>Peano-Kurven</a:t>
-            </a:r>
-            <a:r>
-              <a:rPr lang="en-US" sz="900" b="1" dirty="0"/>
-              <a:t> (A214) 		</a:t>
-            </a:r>
-            <a:r>
-              <a:rPr lang="en-US" sz="1400" b="1" dirty="0"/>
-              <a:t>Thomas </a:t>
-            </a:r>
-            <a:r>
-              <a:rPr lang="en-US" sz="1400" b="1" dirty="0" err="1"/>
-              <a:t>Torggler</a:t>
-            </a:r>
-            <a:endParaRPr lang="en-US" sz="900" dirty="0"/>
           </a:p>
         </p:txBody>
       </p:sp>
@@ -10623,63 +10579,6 @@
           </a:p>
         </p:txBody>
       </p:sp>
-      <p:sp>
-        <p:nvSpPr>
-          <p:cNvPr id="6" name="Fußzeilenplatzhalter 4">
-            <a:extLst>
-              <a:ext uri="{FF2B5EF4-FFF2-40B4-BE49-F238E27FC236}">
-                <a16:creationId xmlns:a16="http://schemas.microsoft.com/office/drawing/2014/main" id="{2AF21C1A-026D-45C8-9527-3FCD2C058BF0}"/>
-              </a:ext>
-            </a:extLst>
-          </p:cNvPr>
-          <p:cNvSpPr>
-            <a:spLocks noGrp="1"/>
-          </p:cNvSpPr>
-          <p:nvPr>
-            <p:ph type="ftr" sz="quarter" idx="17"/>
-          </p:nvPr>
-        </p:nvSpPr>
-        <p:spPr>
-          <a:xfrm>
-            <a:off x="311162" y="6473313"/>
-            <a:ext cx="8760170" cy="365125"/>
-          </a:xfrm>
-        </p:spPr>
-        <p:txBody>
-          <a:bodyPr anchor="ctr">
-            <a:normAutofit/>
-          </a:bodyPr>
-          <a:lstStyle/>
-          <a:p>
-            <a:pPr>
-              <a:lnSpc>
-                <a:spcPct val="90000"/>
-              </a:lnSpc>
-            </a:pPr>
-            <a:r>
-              <a:rPr lang="de-DE" sz="900" dirty="0"/>
-              <a:t>Aspekte der systemnahen Programmierung bei der Spieleentwicklung | 16.02.2021 | </a:t>
-            </a:r>
-            <a:r>
-              <a:rPr lang="en-US" sz="900" b="1" dirty="0" err="1"/>
-              <a:t>Peano-Kurven</a:t>
-            </a:r>
-            <a:r>
-              <a:rPr lang="en-US" sz="900" b="1" dirty="0"/>
-              <a:t> (A214) 		</a:t>
-            </a:r>
-            <a:r>
-              <a:rPr lang="en-US" sz="1400" b="1" dirty="0"/>
-              <a:t>Thomas </a:t>
-            </a:r>
-            <a:r>
-              <a:rPr lang="en-US" sz="1400" b="1" dirty="0" err="1"/>
-              <a:t>Torggler</a:t>
-            </a:r>
-            <a:endParaRPr lang="en-US" sz="900" dirty="0"/>
-          </a:p>
-        </p:txBody>
-      </p:sp>
     </p:spTree>
     <p:extLst>
       <p:ext uri="{BB962C8B-B14F-4D97-AF65-F5344CB8AC3E}">
@@ -11022,63 +10921,6 @@
           </a:p>
         </p:txBody>
       </p:sp>
-      <p:sp>
-        <p:nvSpPr>
-          <p:cNvPr id="9" name="Fußzeilenplatzhalter 4">
-            <a:extLst>
-              <a:ext uri="{FF2B5EF4-FFF2-40B4-BE49-F238E27FC236}">
-                <a16:creationId xmlns:a16="http://schemas.microsoft.com/office/drawing/2014/main" id="{36CC2A49-7F74-4EDA-AD34-5949FDEB6A53}"/>
-              </a:ext>
-            </a:extLst>
-          </p:cNvPr>
-          <p:cNvSpPr>
-            <a:spLocks noGrp="1"/>
-          </p:cNvSpPr>
-          <p:nvPr>
-            <p:ph type="ftr" sz="quarter" idx="17"/>
-          </p:nvPr>
-        </p:nvSpPr>
-        <p:spPr>
-          <a:xfrm>
-            <a:off x="311162" y="6473313"/>
-            <a:ext cx="8760170" cy="365125"/>
-          </a:xfrm>
-        </p:spPr>
-        <p:txBody>
-          <a:bodyPr anchor="ctr">
-            <a:normAutofit/>
-          </a:bodyPr>
-          <a:lstStyle/>
-          <a:p>
-            <a:pPr>
-              <a:lnSpc>
-                <a:spcPct val="90000"/>
-              </a:lnSpc>
-            </a:pPr>
-            <a:r>
-              <a:rPr lang="de-DE" sz="900" dirty="0"/>
-              <a:t>Aspekte der systemnahen Programmierung bei der Spieleentwicklung | 16.02.2021 | </a:t>
-            </a:r>
-            <a:r>
-              <a:rPr lang="en-US" sz="900" b="1" dirty="0" err="1"/>
-              <a:t>Peano-Kurven</a:t>
-            </a:r>
-            <a:r>
-              <a:rPr lang="en-US" sz="900" b="1" dirty="0"/>
-              <a:t> (A214) 		</a:t>
-            </a:r>
-            <a:r>
-              <a:rPr lang="en-US" sz="1400" b="1" dirty="0"/>
-              <a:t>Thomas </a:t>
-            </a:r>
-            <a:r>
-              <a:rPr lang="en-US" sz="1400" b="1" dirty="0" err="1"/>
-              <a:t>Torggler</a:t>
-            </a:r>
-            <a:endParaRPr lang="en-US" sz="900" dirty="0"/>
-          </a:p>
-        </p:txBody>
-      </p:sp>
     </p:spTree>
     <p:extLst>
       <p:ext uri="{BB962C8B-B14F-4D97-AF65-F5344CB8AC3E}">
@@ -11551,66 +11393,6 @@
           </a:p>
         </p:txBody>
       </p:sp>
-      <p:sp>
-        <p:nvSpPr>
-          <p:cNvPr id="7" name="Fußzeilenplatzhalter 4">
-            <a:extLst>
-              <a:ext uri="{FF2B5EF4-FFF2-40B4-BE49-F238E27FC236}">
-                <a16:creationId xmlns:a16="http://schemas.microsoft.com/office/drawing/2014/main" id="{0F3EA4E7-33C1-4C40-B9E7-8F82BF1E26B1}"/>
-              </a:ext>
-            </a:extLst>
-          </p:cNvPr>
-          <p:cNvSpPr>
-            <a:spLocks noGrp="1"/>
-          </p:cNvSpPr>
-          <p:nvPr>
-            <p:ph type="ftr" sz="quarter" idx="17"/>
-          </p:nvPr>
-        </p:nvSpPr>
-        <p:spPr>
-          <a:xfrm>
-            <a:off x="311162" y="6473313"/>
-            <a:ext cx="8760170" cy="365125"/>
-          </a:xfrm>
-        </p:spPr>
-        <p:txBody>
-          <a:bodyPr anchor="ctr">
-            <a:normAutofit/>
-          </a:bodyPr>
-          <a:lstStyle/>
-          <a:p>
-            <a:pPr>
-              <a:lnSpc>
-                <a:spcPct val="90000"/>
-              </a:lnSpc>
-            </a:pPr>
-            <a:r>
-              <a:rPr lang="de-DE" sz="900" dirty="0"/>
-              <a:t>Aspekte der systemnahen Programmierung bei der Spieleentwicklung | 16.02.2021 | </a:t>
-            </a:r>
-            <a:r>
-              <a:rPr lang="en-US" sz="900" b="1" dirty="0" err="1"/>
-              <a:t>Peano-Kurven</a:t>
-            </a:r>
-            <a:r>
-              <a:rPr lang="en-US" sz="900" b="1" dirty="0"/>
-              <a:t> (A214) 		</a:t>
-            </a:r>
-            <a:r>
-              <a:rPr lang="en-US" sz="1400" b="1" dirty="0"/>
-              <a:t>Patrick Zimmermann</a:t>
-            </a:r>
-          </a:p>
-          <a:p>
-            <a:pPr>
-              <a:lnSpc>
-                <a:spcPct val="90000"/>
-              </a:lnSpc>
-            </a:pPr>
-            <a:endParaRPr lang="en-US" sz="900" dirty="0"/>
-          </a:p>
-        </p:txBody>
-      </p:sp>
     </p:spTree>
     <p:extLst>
       <p:ext uri="{BB962C8B-B14F-4D97-AF65-F5344CB8AC3E}">
@@ -11790,7 +11572,7 @@
               </a:pPr>
               <a:t>6</a:t>
             </a:fld>
-            <a:endParaRPr lang="de-DE"/>
+            <a:endParaRPr lang="de-DE" dirty="0"/>
           </a:p>
         </p:txBody>
       </p:sp>
@@ -12053,66 +11835,6 @@
           </a:prstGeom>
         </p:spPr>
       </p:pic>
-      <p:sp>
-        <p:nvSpPr>
-          <p:cNvPr id="8" name="Fußzeilenplatzhalter 4">
-            <a:extLst>
-              <a:ext uri="{FF2B5EF4-FFF2-40B4-BE49-F238E27FC236}">
-                <a16:creationId xmlns:a16="http://schemas.microsoft.com/office/drawing/2014/main" id="{06A0CE1A-6F41-4533-973A-D165D0F68D47}"/>
-              </a:ext>
-            </a:extLst>
-          </p:cNvPr>
-          <p:cNvSpPr>
-            <a:spLocks noGrp="1"/>
-          </p:cNvSpPr>
-          <p:nvPr>
-            <p:ph type="ftr" sz="quarter" idx="17"/>
-          </p:nvPr>
-        </p:nvSpPr>
-        <p:spPr>
-          <a:xfrm>
-            <a:off x="311162" y="6473313"/>
-            <a:ext cx="8760170" cy="365125"/>
-          </a:xfrm>
-        </p:spPr>
-        <p:txBody>
-          <a:bodyPr anchor="ctr">
-            <a:normAutofit/>
-          </a:bodyPr>
-          <a:lstStyle/>
-          <a:p>
-            <a:pPr>
-              <a:lnSpc>
-                <a:spcPct val="90000"/>
-              </a:lnSpc>
-            </a:pPr>
-            <a:r>
-              <a:rPr lang="de-DE" sz="900" dirty="0"/>
-              <a:t>Aspekte der systemnahen Programmierung bei der Spieleentwicklung | 16.02.2021 | </a:t>
-            </a:r>
-            <a:r>
-              <a:rPr lang="en-US" sz="900" b="1" dirty="0" err="1"/>
-              <a:t>Peano-Kurven</a:t>
-            </a:r>
-            <a:r>
-              <a:rPr lang="en-US" sz="900" b="1" dirty="0"/>
-              <a:t> (A214) 		</a:t>
-            </a:r>
-            <a:r>
-              <a:rPr lang="en-US" sz="1400" b="1" dirty="0"/>
-              <a:t>Patrick Zimmermann</a:t>
-            </a:r>
-          </a:p>
-          <a:p>
-            <a:pPr>
-              <a:lnSpc>
-                <a:spcPct val="90000"/>
-              </a:lnSpc>
-            </a:pPr>
-            <a:endParaRPr lang="en-US" sz="900" dirty="0"/>
-          </a:p>
-        </p:txBody>
-      </p:sp>
     </p:spTree>
     <p:extLst>
       <p:ext uri="{BB962C8B-B14F-4D97-AF65-F5344CB8AC3E}">
@@ -12708,66 +12430,6 @@
           </a:p>
         </p:txBody>
       </p:sp>
-      <p:sp>
-        <p:nvSpPr>
-          <p:cNvPr id="6" name="Fußzeilenplatzhalter 4">
-            <a:extLst>
-              <a:ext uri="{FF2B5EF4-FFF2-40B4-BE49-F238E27FC236}">
-                <a16:creationId xmlns:a16="http://schemas.microsoft.com/office/drawing/2014/main" id="{D5B5DBB3-9CA8-426E-B7EC-C09DA9B579E1}"/>
-              </a:ext>
-            </a:extLst>
-          </p:cNvPr>
-          <p:cNvSpPr>
-            <a:spLocks noGrp="1"/>
-          </p:cNvSpPr>
-          <p:nvPr>
-            <p:ph type="ftr" sz="quarter" idx="17"/>
-          </p:nvPr>
-        </p:nvSpPr>
-        <p:spPr>
-          <a:xfrm>
-            <a:off x="311162" y="6473313"/>
-            <a:ext cx="8760170" cy="365125"/>
-          </a:xfrm>
-        </p:spPr>
-        <p:txBody>
-          <a:bodyPr anchor="ctr">
-            <a:normAutofit/>
-          </a:bodyPr>
-          <a:lstStyle/>
-          <a:p>
-            <a:pPr>
-              <a:lnSpc>
-                <a:spcPct val="90000"/>
-              </a:lnSpc>
-            </a:pPr>
-            <a:r>
-              <a:rPr lang="de-DE" sz="900" dirty="0"/>
-              <a:t>Aspekte der systemnahen Programmierung bei der Spieleentwicklung | 16.02.2021 | </a:t>
-            </a:r>
-            <a:r>
-              <a:rPr lang="en-US" sz="900" b="1" dirty="0" err="1"/>
-              <a:t>Peano-Kurven</a:t>
-            </a:r>
-            <a:r>
-              <a:rPr lang="en-US" sz="900" b="1" dirty="0"/>
-              <a:t> (A214) 		</a:t>
-            </a:r>
-            <a:r>
-              <a:rPr lang="en-US" sz="1400" b="1" dirty="0"/>
-              <a:t>Patrick Zimmermann</a:t>
-            </a:r>
-          </a:p>
-          <a:p>
-            <a:pPr>
-              <a:lnSpc>
-                <a:spcPct val="90000"/>
-              </a:lnSpc>
-            </a:pPr>
-            <a:endParaRPr lang="en-US" sz="900" dirty="0"/>
-          </a:p>
-        </p:txBody>
-      </p:sp>
       <p:pic>
         <p:nvPicPr>
           <p:cNvPr id="5" name="Grafik 4">
@@ -13299,59 +12961,6 @@
           </a:prstGeom>
         </p:spPr>
       </p:pic>
-      <p:sp>
-        <p:nvSpPr>
-          <p:cNvPr id="8" name="Fußzeilenplatzhalter 4">
-            <a:extLst>
-              <a:ext uri="{FF2B5EF4-FFF2-40B4-BE49-F238E27FC236}">
-                <a16:creationId xmlns:a16="http://schemas.microsoft.com/office/drawing/2014/main" id="{9BE297F5-F76F-4349-9250-004A1D72373D}"/>
-              </a:ext>
-            </a:extLst>
-          </p:cNvPr>
-          <p:cNvSpPr>
-            <a:spLocks noGrp="1"/>
-          </p:cNvSpPr>
-          <p:nvPr>
-            <p:ph type="ftr" sz="quarter" idx="17"/>
-          </p:nvPr>
-        </p:nvSpPr>
-        <p:spPr>
-          <a:xfrm>
-            <a:off x="311162" y="6473313"/>
-            <a:ext cx="8760170" cy="365125"/>
-          </a:xfrm>
-        </p:spPr>
-        <p:txBody>
-          <a:bodyPr anchor="ctr">
-            <a:normAutofit/>
-          </a:bodyPr>
-          <a:lstStyle/>
-          <a:p>
-            <a:pPr>
-              <a:lnSpc>
-                <a:spcPct val="90000"/>
-              </a:lnSpc>
-            </a:pPr>
-            <a:r>
-              <a:rPr lang="de-DE" sz="900" dirty="0"/>
-              <a:t>Aspekte der systemnahen Programmierung bei der Spieleentwicklung | 16.02.2021 | </a:t>
-            </a:r>
-            <a:r>
-              <a:rPr lang="en-US" sz="900" b="1" dirty="0" err="1"/>
-              <a:t>Peano-Kurven</a:t>
-            </a:r>
-            <a:r>
-              <a:rPr lang="en-US" sz="900" b="1" dirty="0"/>
-              <a:t> (A214) 		</a:t>
-            </a:r>
-            <a:r>
-              <a:rPr lang="en-US" sz="1400" b="1" dirty="0"/>
-              <a:t>Mohamed Attia</a:t>
-            </a:r>
-            <a:endParaRPr lang="en-US" sz="900" dirty="0"/>
-          </a:p>
-        </p:txBody>
-      </p:sp>
     </p:spTree>
     <p:extLst>
       <p:ext uri="{BB962C8B-B14F-4D97-AF65-F5344CB8AC3E}">
@@ -13789,59 +13398,6 @@
           </a:prstGeom>
         </p:spPr>
       </p:pic>
-      <p:sp>
-        <p:nvSpPr>
-          <p:cNvPr id="8" name="Fußzeilenplatzhalter 4">
-            <a:extLst>
-              <a:ext uri="{FF2B5EF4-FFF2-40B4-BE49-F238E27FC236}">
-                <a16:creationId xmlns:a16="http://schemas.microsoft.com/office/drawing/2014/main" id="{4A445705-B563-45A5-9008-D9189C25EFB1}"/>
-              </a:ext>
-            </a:extLst>
-          </p:cNvPr>
-          <p:cNvSpPr>
-            <a:spLocks noGrp="1"/>
-          </p:cNvSpPr>
-          <p:nvPr>
-            <p:ph type="ftr" sz="quarter" idx="17"/>
-          </p:nvPr>
-        </p:nvSpPr>
-        <p:spPr>
-          <a:xfrm>
-            <a:off x="311162" y="6473313"/>
-            <a:ext cx="8760170" cy="365125"/>
-          </a:xfrm>
-        </p:spPr>
-        <p:txBody>
-          <a:bodyPr anchor="ctr">
-            <a:normAutofit/>
-          </a:bodyPr>
-          <a:lstStyle/>
-          <a:p>
-            <a:pPr>
-              <a:lnSpc>
-                <a:spcPct val="90000"/>
-              </a:lnSpc>
-            </a:pPr>
-            <a:r>
-              <a:rPr lang="de-DE" sz="900" dirty="0"/>
-              <a:t>Aspekte der systemnahen Programmierung bei der Spieleentwicklung | 16.02.2021 | </a:t>
-            </a:r>
-            <a:r>
-              <a:rPr lang="en-US" sz="900" b="1" dirty="0" err="1"/>
-              <a:t>Peano-Kurven</a:t>
-            </a:r>
-            <a:r>
-              <a:rPr lang="en-US" sz="900" b="1" dirty="0"/>
-              <a:t> (A214) 		</a:t>
-            </a:r>
-            <a:r>
-              <a:rPr lang="en-US" sz="1400" b="1" dirty="0"/>
-              <a:t>Mohamed Attia</a:t>
-            </a:r>
-            <a:endParaRPr lang="en-US" sz="900" dirty="0"/>
-          </a:p>
-        </p:txBody>
-      </p:sp>
     </p:spTree>
     <p:extLst>
       <p:ext uri="{BB962C8B-B14F-4D97-AF65-F5344CB8AC3E}">

--- a/Ausarbeitung/präzi.pptx
+++ b/Ausarbeitung/präzi.pptx
@@ -11984,7 +11984,7 @@
         <p:spPr>
           <a:xfrm>
             <a:off x="4572000" y="1949435"/>
-            <a:ext cx="4171265" cy="4523878"/>
+            <a:ext cx="4153989" cy="3859182"/>
           </a:xfrm>
           <a:prstGeom prst="rect">
             <a:avLst/>
@@ -12453,7 +12453,7 @@
         <p:spPr>
           <a:xfrm>
             <a:off x="311162" y="1949435"/>
-            <a:ext cx="3322320" cy="3322320"/>
+            <a:ext cx="3999581" cy="3999581"/>
           </a:xfrm>
           <a:prstGeom prst="rect">
             <a:avLst/>

--- a/Ausarbeitung/präzi.pptx
+++ b/Ausarbeitung/präzi.pptx
@@ -20,8 +20,8 @@
     <p:sldId id="473" r:id="rId8"/>
     <p:sldId id="474" r:id="rId9"/>
     <p:sldId id="400" r:id="rId10"/>
-    <p:sldId id="471" r:id="rId11"/>
-    <p:sldId id="406" r:id="rId12"/>
+    <p:sldId id="406" r:id="rId11"/>
+    <p:sldId id="471" r:id="rId12"/>
     <p:sldId id="429" r:id="rId13"/>
     <p:sldId id="469" r:id="rId14"/>
     <p:sldId id="470" r:id="rId15"/>
@@ -10963,6 +10963,448 @@
           <a:chExt cx="0" cy="0"/>
         </a:xfrm>
       </p:grpSpPr>
+      <p:sp>
+        <p:nvSpPr>
+          <p:cNvPr id="12" name="Content Placeholder 2">
+            <a:extLst>
+              <a:ext uri="{FF2B5EF4-FFF2-40B4-BE49-F238E27FC236}">
+                <a16:creationId xmlns:a16="http://schemas.microsoft.com/office/drawing/2014/main" id="{CEA1C233-A05E-4C0A-9D6F-463ADE16CF81}"/>
+              </a:ext>
+            </a:extLst>
+          </p:cNvPr>
+          <p:cNvSpPr>
+            <a:spLocks noGrp="1"/>
+          </p:cNvSpPr>
+          <p:nvPr>
+            <p:ph idx="15"/>
+          </p:nvPr>
+        </p:nvSpPr>
+        <p:spPr>
+          <a:xfrm>
+            <a:off x="4644001" y="2228472"/>
+            <a:ext cx="4180910" cy="4687380"/>
+          </a:xfrm>
+        </p:spPr>
+        <p:txBody>
+          <a:bodyPr/>
+          <a:lstStyle/>
+          <a:p>
+            <a:pPr marL="285750" indent="-285750">
+              <a:buFont typeface="Arial" panose="020B0604020202020204" pitchFamily="34" charset="0"/>
+              <a:buChar char="•"/>
+            </a:pPr>
+            <a:r>
+              <a:rPr lang="de-DE" sz="1800" dirty="0"/>
+              <a:t>Data </a:t>
+            </a:r>
+            <a:r>
+              <a:rPr lang="de-DE" sz="1800" dirty="0" err="1"/>
+              <a:t>centric</a:t>
+            </a:r>
+            <a:r>
+              <a:rPr lang="de-DE" sz="1800" dirty="0"/>
+              <a:t> </a:t>
+            </a:r>
+            <a:r>
+              <a:rPr lang="de-DE" sz="1800" dirty="0" err="1"/>
+              <a:t>processing</a:t>
+            </a:r>
+            <a:endParaRPr lang="de-DE" sz="1800" dirty="0"/>
+          </a:p>
+          <a:p>
+            <a:pPr marL="285750" indent="-285750">
+              <a:buFont typeface="Arial" panose="020B0604020202020204" pitchFamily="34" charset="0"/>
+              <a:buChar char="•"/>
+            </a:pPr>
+            <a:endParaRPr lang="de-DE" sz="1800" dirty="0"/>
+          </a:p>
+          <a:p>
+            <a:pPr marL="285750" indent="-285750">
+              <a:buFont typeface="Arial" panose="020B0604020202020204" pitchFamily="34" charset="0"/>
+              <a:buChar char="•"/>
+            </a:pPr>
+            <a:r>
+              <a:rPr lang="en-US" sz="1800" dirty="0"/>
+              <a:t>Data pushed towards operator</a:t>
+            </a:r>
+          </a:p>
+          <a:p>
+            <a:pPr marL="285750" indent="-285750">
+              <a:buFont typeface="Arial" panose="020B0604020202020204" pitchFamily="34" charset="0"/>
+              <a:buChar char="•"/>
+            </a:pPr>
+            <a:endParaRPr lang="en-US" sz="1800" dirty="0"/>
+          </a:p>
+          <a:p>
+            <a:pPr marL="285750" indent="-285750">
+              <a:buFont typeface="Arial" panose="020B0604020202020204" pitchFamily="34" charset="0"/>
+              <a:buChar char="•"/>
+            </a:pPr>
+            <a:r>
+              <a:rPr lang="en-US" sz="1800" dirty="0"/>
+              <a:t>Queries compiled into native machine code (LLVM)</a:t>
+            </a:r>
+          </a:p>
+          <a:p>
+            <a:pPr marL="285750" indent="-285750">
+              <a:buFont typeface="Arial" panose="020B0604020202020204" pitchFamily="34" charset="0"/>
+              <a:buChar char="•"/>
+            </a:pPr>
+            <a:endParaRPr lang="en-US" sz="1800" dirty="0"/>
+          </a:p>
+          <a:p>
+            <a:pPr marL="285750" indent="-285750">
+              <a:buFont typeface="Arial" panose="020B0604020202020204" pitchFamily="34" charset="0"/>
+              <a:buChar char="•"/>
+            </a:pPr>
+            <a:r>
+              <a:rPr lang="en-US" sz="1800" dirty="0"/>
+              <a:t>Maximize data and code locality</a:t>
+            </a:r>
+          </a:p>
+        </p:txBody>
+      </p:sp>
+      <p:sp>
+        <p:nvSpPr>
+          <p:cNvPr id="4" name="Foliennummernplatzhalter 3"/>
+          <p:cNvSpPr>
+            <a:spLocks noGrp="1"/>
+          </p:cNvSpPr>
+          <p:nvPr>
+            <p:ph type="sldNum" sz="quarter" idx="16"/>
+          </p:nvPr>
+        </p:nvSpPr>
+        <p:spPr>
+          <a:xfrm>
+            <a:off x="6774934" y="6473313"/>
+            <a:ext cx="2052074" cy="365125"/>
+          </a:xfrm>
+        </p:spPr>
+        <p:txBody>
+          <a:bodyPr anchor="ctr">
+            <a:normAutofit/>
+          </a:bodyPr>
+          <a:lstStyle/>
+          <a:p>
+            <a:pPr>
+              <a:spcAft>
+                <a:spcPts val="600"/>
+              </a:spcAft>
+            </a:pPr>
+            <a:fld id="{CE58CB1E-F828-4F11-99E0-327109AF9DA4}" type="slidenum">
+              <a:rPr lang="de-DE" smtClean="0"/>
+              <a:pPr>
+                <a:spcAft>
+                  <a:spcPts val="600"/>
+                </a:spcAft>
+              </a:pPr>
+              <a:t>5</a:t>
+            </a:fld>
+            <a:endParaRPr lang="de-DE" dirty="0"/>
+          </a:p>
+        </p:txBody>
+      </p:sp>
+      <p:sp>
+        <p:nvSpPr>
+          <p:cNvPr id="13" name="Titel 2">
+            <a:extLst>
+              <a:ext uri="{FF2B5EF4-FFF2-40B4-BE49-F238E27FC236}">
+                <a16:creationId xmlns:a16="http://schemas.microsoft.com/office/drawing/2014/main" id="{7336CDAB-C088-4FDD-A2DB-CACAE4828BED}"/>
+              </a:ext>
+            </a:extLst>
+          </p:cNvPr>
+          <p:cNvSpPr txBox="1">
+            <a:spLocks/>
+          </p:cNvSpPr>
+          <p:nvPr/>
+        </p:nvSpPr>
+        <p:spPr>
+          <a:xfrm>
+            <a:off x="311162" y="878400"/>
+            <a:ext cx="8508999" cy="410369"/>
+          </a:xfrm>
+          <a:prstGeom prst="rect">
+            <a:avLst/>
+          </a:prstGeom>
+          <a:noFill/>
+          <a:ln w="9525">
+            <a:noFill/>
+            <a:miter lim="800000"/>
+            <a:headEnd/>
+            <a:tailEnd/>
+          </a:ln>
+        </p:spPr>
+        <p:txBody>
+          <a:bodyPr vert="horz" wrap="square" lIns="0" tIns="0" rIns="0" bIns="0" numCol="1" anchor="t" anchorCtr="0" compatLnSpc="1">
+            <a:prstTxWarp prst="textNoShape">
+              <a:avLst/>
+            </a:prstTxWarp>
+            <a:noAutofit/>
+          </a:bodyPr>
+          <a:lstStyle>
+            <a:lvl1pPr algn="l" rtl="0" eaLnBrk="0" fontAlgn="base" hangingPunct="0">
+              <a:lnSpc>
+                <a:spcPts val="3200"/>
+              </a:lnSpc>
+              <a:spcBef>
+                <a:spcPct val="0"/>
+              </a:spcBef>
+              <a:spcAft>
+                <a:spcPct val="0"/>
+              </a:spcAft>
+              <a:defRPr lang="de-DE" sz="3000" b="0" kern="1200" noProof="0" dirty="0">
+                <a:solidFill>
+                  <a:schemeClr val="tx1"/>
+                </a:solidFill>
+                <a:latin typeface="+mj-lt"/>
+                <a:ea typeface="+mj-ea"/>
+                <a:cs typeface="+mj-cs"/>
+              </a:defRPr>
+            </a:lvl1pPr>
+            <a:lvl2pPr algn="l" rtl="0" eaLnBrk="0" fontAlgn="base" hangingPunct="0">
+              <a:spcBef>
+                <a:spcPct val="0"/>
+              </a:spcBef>
+              <a:spcAft>
+                <a:spcPct val="0"/>
+              </a:spcAft>
+              <a:defRPr sz="2000" b="1">
+                <a:solidFill>
+                  <a:schemeClr val="tx2"/>
+                </a:solidFill>
+                <a:latin typeface="Arial" charset="0"/>
+                <a:cs typeface="Arial" charset="0"/>
+              </a:defRPr>
+            </a:lvl2pPr>
+            <a:lvl3pPr algn="l" rtl="0" eaLnBrk="0" fontAlgn="base" hangingPunct="0">
+              <a:spcBef>
+                <a:spcPct val="0"/>
+              </a:spcBef>
+              <a:spcAft>
+                <a:spcPct val="0"/>
+              </a:spcAft>
+              <a:defRPr sz="2000" b="1">
+                <a:solidFill>
+                  <a:schemeClr val="tx2"/>
+                </a:solidFill>
+                <a:latin typeface="Arial" charset="0"/>
+                <a:cs typeface="Arial" charset="0"/>
+              </a:defRPr>
+            </a:lvl3pPr>
+            <a:lvl4pPr algn="l" rtl="0" eaLnBrk="0" fontAlgn="base" hangingPunct="0">
+              <a:spcBef>
+                <a:spcPct val="0"/>
+              </a:spcBef>
+              <a:spcAft>
+                <a:spcPct val="0"/>
+              </a:spcAft>
+              <a:defRPr sz="2000" b="1">
+                <a:solidFill>
+                  <a:schemeClr val="tx2"/>
+                </a:solidFill>
+                <a:latin typeface="Arial" charset="0"/>
+                <a:cs typeface="Arial" charset="0"/>
+              </a:defRPr>
+            </a:lvl4pPr>
+            <a:lvl5pPr algn="l" rtl="0" eaLnBrk="0" fontAlgn="base" hangingPunct="0">
+              <a:spcBef>
+                <a:spcPct val="0"/>
+              </a:spcBef>
+              <a:spcAft>
+                <a:spcPct val="0"/>
+              </a:spcAft>
+              <a:defRPr sz="2000" b="1">
+                <a:solidFill>
+                  <a:schemeClr val="tx2"/>
+                </a:solidFill>
+                <a:latin typeface="Arial" charset="0"/>
+                <a:cs typeface="Arial" charset="0"/>
+              </a:defRPr>
+            </a:lvl5pPr>
+            <a:lvl6pPr marL="457200" algn="l" rtl="0" fontAlgn="base">
+              <a:spcBef>
+                <a:spcPct val="0"/>
+              </a:spcBef>
+              <a:spcAft>
+                <a:spcPct val="0"/>
+              </a:spcAft>
+              <a:defRPr sz="2000" b="1">
+                <a:solidFill>
+                  <a:schemeClr val="tx2"/>
+                </a:solidFill>
+                <a:latin typeface="Arial" charset="0"/>
+                <a:cs typeface="Arial" charset="0"/>
+              </a:defRPr>
+            </a:lvl6pPr>
+            <a:lvl7pPr marL="914400" algn="l" rtl="0" fontAlgn="base">
+              <a:spcBef>
+                <a:spcPct val="0"/>
+              </a:spcBef>
+              <a:spcAft>
+                <a:spcPct val="0"/>
+              </a:spcAft>
+              <a:defRPr sz="2000" b="1">
+                <a:solidFill>
+                  <a:schemeClr val="tx2"/>
+                </a:solidFill>
+                <a:latin typeface="Arial" charset="0"/>
+                <a:cs typeface="Arial" charset="0"/>
+              </a:defRPr>
+            </a:lvl7pPr>
+            <a:lvl8pPr marL="1371600" algn="l" rtl="0" fontAlgn="base">
+              <a:spcBef>
+                <a:spcPct val="0"/>
+              </a:spcBef>
+              <a:spcAft>
+                <a:spcPct val="0"/>
+              </a:spcAft>
+              <a:defRPr sz="2000" b="1">
+                <a:solidFill>
+                  <a:schemeClr val="tx2"/>
+                </a:solidFill>
+                <a:latin typeface="Arial" charset="0"/>
+                <a:cs typeface="Arial" charset="0"/>
+              </a:defRPr>
+            </a:lvl8pPr>
+            <a:lvl9pPr marL="1828800" algn="l" rtl="0" fontAlgn="base">
+              <a:spcBef>
+                <a:spcPct val="0"/>
+              </a:spcBef>
+              <a:spcAft>
+                <a:spcPct val="0"/>
+              </a:spcAft>
+              <a:defRPr sz="2000" b="1">
+                <a:solidFill>
+                  <a:schemeClr val="tx2"/>
+                </a:solidFill>
+                <a:latin typeface="Arial" charset="0"/>
+                <a:cs typeface="Arial" charset="0"/>
+              </a:defRPr>
+            </a:lvl9pPr>
+          </a:lstStyle>
+          <a:p>
+            <a:r>
+              <a:rPr lang="en-US" sz="3200" dirty="0" err="1">
+                <a:solidFill>
+                  <a:schemeClr val="bg2">
+                    <a:lumMod val="75000"/>
+                  </a:schemeClr>
+                </a:solidFill>
+              </a:rPr>
+              <a:t>Lösungsansatz</a:t>
+            </a:r>
+            <a:endParaRPr lang="en-US" sz="3200" dirty="0">
+              <a:solidFill>
+                <a:schemeClr val="bg2">
+                  <a:lumMod val="75000"/>
+                </a:schemeClr>
+              </a:solidFill>
+            </a:endParaRPr>
+          </a:p>
+        </p:txBody>
+      </p:sp>
+      <p:pic>
+        <p:nvPicPr>
+          <p:cNvPr id="6" name="Picture 5" descr="Text&#10;&#10;Description automatically generated">
+            <a:extLst>
+              <a:ext uri="{FF2B5EF4-FFF2-40B4-BE49-F238E27FC236}">
+                <a16:creationId xmlns:a16="http://schemas.microsoft.com/office/drawing/2014/main" id="{218FE5F2-F830-4280-B737-85D5F8AAB29E}"/>
+              </a:ext>
+            </a:extLst>
+          </p:cNvPr>
+          <p:cNvPicPr>
+            <a:picLocks noChangeAspect="1"/>
+          </p:cNvPicPr>
+          <p:nvPr/>
+        </p:nvPicPr>
+        <p:blipFill>
+          <a:blip r:embed="rId2"/>
+          <a:stretch>
+            <a:fillRect/>
+          </a:stretch>
+        </p:blipFill>
+        <p:spPr>
+          <a:xfrm>
+            <a:off x="16450" y="1615741"/>
+            <a:ext cx="4745026" cy="4530626"/>
+          </a:xfrm>
+          <a:prstGeom prst="rect">
+            <a:avLst/>
+          </a:prstGeom>
+        </p:spPr>
+      </p:pic>
+      <p:pic>
+        <p:nvPicPr>
+          <p:cNvPr id="10" name="Picture 9" descr="Text&#10;&#10;Description automatically generated">
+            <a:extLst>
+              <a:ext uri="{FF2B5EF4-FFF2-40B4-BE49-F238E27FC236}">
+                <a16:creationId xmlns:a16="http://schemas.microsoft.com/office/drawing/2014/main" id="{A9337FD1-AAAB-444E-B97B-6DA9FBE302F4}"/>
+              </a:ext>
+            </a:extLst>
+          </p:cNvPr>
+          <p:cNvPicPr>
+            <a:picLocks noChangeAspect="1"/>
+          </p:cNvPicPr>
+          <p:nvPr/>
+        </p:nvPicPr>
+        <p:blipFill>
+          <a:blip r:embed="rId3"/>
+          <a:stretch>
+            <a:fillRect/>
+          </a:stretch>
+        </p:blipFill>
+        <p:spPr>
+          <a:xfrm>
+            <a:off x="4741333" y="1615741"/>
+            <a:ext cx="4402667" cy="4530626"/>
+          </a:xfrm>
+          <a:prstGeom prst="rect">
+            <a:avLst/>
+          </a:prstGeom>
+        </p:spPr>
+      </p:pic>
+    </p:spTree>
+    <p:extLst>
+      <p:ext uri="{BB962C8B-B14F-4D97-AF65-F5344CB8AC3E}">
+        <p14:creationId xmlns:p14="http://schemas.microsoft.com/office/powerpoint/2010/main" val="407081727"/>
+      </p:ext>
+    </p:extLst>
+  </p:cSld>
+  <p:clrMapOvr>
+    <a:masterClrMapping/>
+  </p:clrMapOvr>
+  <mc:AlternateContent xmlns:mc="http://schemas.openxmlformats.org/markup-compatibility/2006" xmlns:p14="http://schemas.microsoft.com/office/powerpoint/2010/main">
+    <mc:Choice Requires="p14">
+      <p:transition spd="med" p14:dur="700" advTm="1315">
+        <p:fade/>
+      </p:transition>
+    </mc:Choice>
+    <mc:Fallback xmlns="">
+      <p:transition spd="med" advTm="1315">
+        <p:fade/>
+      </p:transition>
+    </mc:Fallback>
+  </mc:AlternateContent>
+</p:sld>
+</file>
+
+<file path=ppt/slides/slide6.xml><?xml version="1.0" encoding="utf-8"?>
+<p:sld xmlns:a="http://schemas.openxmlformats.org/drawingml/2006/main" xmlns:r="http://schemas.openxmlformats.org/officeDocument/2006/relationships" xmlns:p="http://schemas.openxmlformats.org/presentationml/2006/main">
+  <p:cSld>
+    <p:spTree>
+      <p:nvGrpSpPr>
+        <p:cNvPr id="1" name=""/>
+        <p:cNvGrpSpPr/>
+        <p:nvPr/>
+      </p:nvGrpSpPr>
+      <p:grpSpPr>
+        <a:xfrm>
+          <a:off x="0" y="0"/>
+          <a:ext cx="0" cy="0"/>
+          <a:chOff x="0" y="0"/>
+          <a:chExt cx="0" cy="0"/>
+        </a:xfrm>
+      </p:grpSpPr>
       <p:pic>
         <p:nvPicPr>
           <p:cNvPr id="3" name="Picture 2" descr="Diagram&#10;&#10;Description automatically generated">
@@ -11174,7 +11616,7 @@
                   <a:spcPts val="600"/>
                 </a:spcAft>
               </a:pPr>
-              <a:t>5</a:t>
+              <a:t>6</a:t>
             </a:fld>
             <a:endParaRPr lang="de-DE"/>
           </a:p>
@@ -11397,448 +11839,6 @@
     <p:extLst>
       <p:ext uri="{BB962C8B-B14F-4D97-AF65-F5344CB8AC3E}">
         <p14:creationId xmlns:p14="http://schemas.microsoft.com/office/powerpoint/2010/main" val="3469765047"/>
-      </p:ext>
-    </p:extLst>
-  </p:cSld>
-  <p:clrMapOvr>
-    <a:masterClrMapping/>
-  </p:clrMapOvr>
-  <mc:AlternateContent xmlns:mc="http://schemas.openxmlformats.org/markup-compatibility/2006" xmlns:p14="http://schemas.microsoft.com/office/powerpoint/2010/main">
-    <mc:Choice Requires="p14">
-      <p:transition spd="med" p14:dur="700" advTm="1315">
-        <p:fade/>
-      </p:transition>
-    </mc:Choice>
-    <mc:Fallback xmlns="">
-      <p:transition spd="med" advTm="1315">
-        <p:fade/>
-      </p:transition>
-    </mc:Fallback>
-  </mc:AlternateContent>
-</p:sld>
-</file>
-
-<file path=ppt/slides/slide6.xml><?xml version="1.0" encoding="utf-8"?>
-<p:sld xmlns:a="http://schemas.openxmlformats.org/drawingml/2006/main" xmlns:r="http://schemas.openxmlformats.org/officeDocument/2006/relationships" xmlns:p="http://schemas.openxmlformats.org/presentationml/2006/main">
-  <p:cSld>
-    <p:spTree>
-      <p:nvGrpSpPr>
-        <p:cNvPr id="1" name=""/>
-        <p:cNvGrpSpPr/>
-        <p:nvPr/>
-      </p:nvGrpSpPr>
-      <p:grpSpPr>
-        <a:xfrm>
-          <a:off x="0" y="0"/>
-          <a:ext cx="0" cy="0"/>
-          <a:chOff x="0" y="0"/>
-          <a:chExt cx="0" cy="0"/>
-        </a:xfrm>
-      </p:grpSpPr>
-      <p:sp>
-        <p:nvSpPr>
-          <p:cNvPr id="12" name="Content Placeholder 2">
-            <a:extLst>
-              <a:ext uri="{FF2B5EF4-FFF2-40B4-BE49-F238E27FC236}">
-                <a16:creationId xmlns:a16="http://schemas.microsoft.com/office/drawing/2014/main" id="{CEA1C233-A05E-4C0A-9D6F-463ADE16CF81}"/>
-              </a:ext>
-            </a:extLst>
-          </p:cNvPr>
-          <p:cNvSpPr>
-            <a:spLocks noGrp="1"/>
-          </p:cNvSpPr>
-          <p:nvPr>
-            <p:ph idx="15"/>
-          </p:nvPr>
-        </p:nvSpPr>
-        <p:spPr>
-          <a:xfrm>
-            <a:off x="4644001" y="2228472"/>
-            <a:ext cx="4180910" cy="4687380"/>
-          </a:xfrm>
-        </p:spPr>
-        <p:txBody>
-          <a:bodyPr/>
-          <a:lstStyle/>
-          <a:p>
-            <a:pPr marL="285750" indent="-285750">
-              <a:buFont typeface="Arial" panose="020B0604020202020204" pitchFamily="34" charset="0"/>
-              <a:buChar char="•"/>
-            </a:pPr>
-            <a:r>
-              <a:rPr lang="de-DE" sz="1800" dirty="0"/>
-              <a:t>Data </a:t>
-            </a:r>
-            <a:r>
-              <a:rPr lang="de-DE" sz="1800" dirty="0" err="1"/>
-              <a:t>centric</a:t>
-            </a:r>
-            <a:r>
-              <a:rPr lang="de-DE" sz="1800" dirty="0"/>
-              <a:t> </a:t>
-            </a:r>
-            <a:r>
-              <a:rPr lang="de-DE" sz="1800" dirty="0" err="1"/>
-              <a:t>processing</a:t>
-            </a:r>
-            <a:endParaRPr lang="de-DE" sz="1800" dirty="0"/>
-          </a:p>
-          <a:p>
-            <a:pPr marL="285750" indent="-285750">
-              <a:buFont typeface="Arial" panose="020B0604020202020204" pitchFamily="34" charset="0"/>
-              <a:buChar char="•"/>
-            </a:pPr>
-            <a:endParaRPr lang="de-DE" sz="1800" dirty="0"/>
-          </a:p>
-          <a:p>
-            <a:pPr marL="285750" indent="-285750">
-              <a:buFont typeface="Arial" panose="020B0604020202020204" pitchFamily="34" charset="0"/>
-              <a:buChar char="•"/>
-            </a:pPr>
-            <a:r>
-              <a:rPr lang="en-US" sz="1800" dirty="0"/>
-              <a:t>Data pushed towards operator</a:t>
-            </a:r>
-          </a:p>
-          <a:p>
-            <a:pPr marL="285750" indent="-285750">
-              <a:buFont typeface="Arial" panose="020B0604020202020204" pitchFamily="34" charset="0"/>
-              <a:buChar char="•"/>
-            </a:pPr>
-            <a:endParaRPr lang="en-US" sz="1800" dirty="0"/>
-          </a:p>
-          <a:p>
-            <a:pPr marL="285750" indent="-285750">
-              <a:buFont typeface="Arial" panose="020B0604020202020204" pitchFamily="34" charset="0"/>
-              <a:buChar char="•"/>
-            </a:pPr>
-            <a:r>
-              <a:rPr lang="en-US" sz="1800" dirty="0"/>
-              <a:t>Queries compiled into native machine code (LLVM)</a:t>
-            </a:r>
-          </a:p>
-          <a:p>
-            <a:pPr marL="285750" indent="-285750">
-              <a:buFont typeface="Arial" panose="020B0604020202020204" pitchFamily="34" charset="0"/>
-              <a:buChar char="•"/>
-            </a:pPr>
-            <a:endParaRPr lang="en-US" sz="1800" dirty="0"/>
-          </a:p>
-          <a:p>
-            <a:pPr marL="285750" indent="-285750">
-              <a:buFont typeface="Arial" panose="020B0604020202020204" pitchFamily="34" charset="0"/>
-              <a:buChar char="•"/>
-            </a:pPr>
-            <a:r>
-              <a:rPr lang="en-US" sz="1800" dirty="0"/>
-              <a:t>Maximize data and code locality</a:t>
-            </a:r>
-          </a:p>
-        </p:txBody>
-      </p:sp>
-      <p:sp>
-        <p:nvSpPr>
-          <p:cNvPr id="4" name="Foliennummernplatzhalter 3"/>
-          <p:cNvSpPr>
-            <a:spLocks noGrp="1"/>
-          </p:cNvSpPr>
-          <p:nvPr>
-            <p:ph type="sldNum" sz="quarter" idx="16"/>
-          </p:nvPr>
-        </p:nvSpPr>
-        <p:spPr>
-          <a:xfrm>
-            <a:off x="6774934" y="6473313"/>
-            <a:ext cx="2052074" cy="365125"/>
-          </a:xfrm>
-        </p:spPr>
-        <p:txBody>
-          <a:bodyPr anchor="ctr">
-            <a:normAutofit/>
-          </a:bodyPr>
-          <a:lstStyle/>
-          <a:p>
-            <a:pPr>
-              <a:spcAft>
-                <a:spcPts val="600"/>
-              </a:spcAft>
-            </a:pPr>
-            <a:fld id="{CE58CB1E-F828-4F11-99E0-327109AF9DA4}" type="slidenum">
-              <a:rPr lang="de-DE" smtClean="0"/>
-              <a:pPr>
-                <a:spcAft>
-                  <a:spcPts val="600"/>
-                </a:spcAft>
-              </a:pPr>
-              <a:t>6</a:t>
-            </a:fld>
-            <a:endParaRPr lang="de-DE" dirty="0"/>
-          </a:p>
-        </p:txBody>
-      </p:sp>
-      <p:sp>
-        <p:nvSpPr>
-          <p:cNvPr id="13" name="Titel 2">
-            <a:extLst>
-              <a:ext uri="{FF2B5EF4-FFF2-40B4-BE49-F238E27FC236}">
-                <a16:creationId xmlns:a16="http://schemas.microsoft.com/office/drawing/2014/main" id="{7336CDAB-C088-4FDD-A2DB-CACAE4828BED}"/>
-              </a:ext>
-            </a:extLst>
-          </p:cNvPr>
-          <p:cNvSpPr txBox="1">
-            <a:spLocks/>
-          </p:cNvSpPr>
-          <p:nvPr/>
-        </p:nvSpPr>
-        <p:spPr>
-          <a:xfrm>
-            <a:off x="311162" y="878400"/>
-            <a:ext cx="8508999" cy="410369"/>
-          </a:xfrm>
-          <a:prstGeom prst="rect">
-            <a:avLst/>
-          </a:prstGeom>
-          <a:noFill/>
-          <a:ln w="9525">
-            <a:noFill/>
-            <a:miter lim="800000"/>
-            <a:headEnd/>
-            <a:tailEnd/>
-          </a:ln>
-        </p:spPr>
-        <p:txBody>
-          <a:bodyPr vert="horz" wrap="square" lIns="0" tIns="0" rIns="0" bIns="0" numCol="1" anchor="t" anchorCtr="0" compatLnSpc="1">
-            <a:prstTxWarp prst="textNoShape">
-              <a:avLst/>
-            </a:prstTxWarp>
-            <a:noAutofit/>
-          </a:bodyPr>
-          <a:lstStyle>
-            <a:lvl1pPr algn="l" rtl="0" eaLnBrk="0" fontAlgn="base" hangingPunct="0">
-              <a:lnSpc>
-                <a:spcPts val="3200"/>
-              </a:lnSpc>
-              <a:spcBef>
-                <a:spcPct val="0"/>
-              </a:spcBef>
-              <a:spcAft>
-                <a:spcPct val="0"/>
-              </a:spcAft>
-              <a:defRPr lang="de-DE" sz="3000" b="0" kern="1200" noProof="0" dirty="0">
-                <a:solidFill>
-                  <a:schemeClr val="tx1"/>
-                </a:solidFill>
-                <a:latin typeface="+mj-lt"/>
-                <a:ea typeface="+mj-ea"/>
-                <a:cs typeface="+mj-cs"/>
-              </a:defRPr>
-            </a:lvl1pPr>
-            <a:lvl2pPr algn="l" rtl="0" eaLnBrk="0" fontAlgn="base" hangingPunct="0">
-              <a:spcBef>
-                <a:spcPct val="0"/>
-              </a:spcBef>
-              <a:spcAft>
-                <a:spcPct val="0"/>
-              </a:spcAft>
-              <a:defRPr sz="2000" b="1">
-                <a:solidFill>
-                  <a:schemeClr val="tx2"/>
-                </a:solidFill>
-                <a:latin typeface="Arial" charset="0"/>
-                <a:cs typeface="Arial" charset="0"/>
-              </a:defRPr>
-            </a:lvl2pPr>
-            <a:lvl3pPr algn="l" rtl="0" eaLnBrk="0" fontAlgn="base" hangingPunct="0">
-              <a:spcBef>
-                <a:spcPct val="0"/>
-              </a:spcBef>
-              <a:spcAft>
-                <a:spcPct val="0"/>
-              </a:spcAft>
-              <a:defRPr sz="2000" b="1">
-                <a:solidFill>
-                  <a:schemeClr val="tx2"/>
-                </a:solidFill>
-                <a:latin typeface="Arial" charset="0"/>
-                <a:cs typeface="Arial" charset="0"/>
-              </a:defRPr>
-            </a:lvl3pPr>
-            <a:lvl4pPr algn="l" rtl="0" eaLnBrk="0" fontAlgn="base" hangingPunct="0">
-              <a:spcBef>
-                <a:spcPct val="0"/>
-              </a:spcBef>
-              <a:spcAft>
-                <a:spcPct val="0"/>
-              </a:spcAft>
-              <a:defRPr sz="2000" b="1">
-                <a:solidFill>
-                  <a:schemeClr val="tx2"/>
-                </a:solidFill>
-                <a:latin typeface="Arial" charset="0"/>
-                <a:cs typeface="Arial" charset="0"/>
-              </a:defRPr>
-            </a:lvl4pPr>
-            <a:lvl5pPr algn="l" rtl="0" eaLnBrk="0" fontAlgn="base" hangingPunct="0">
-              <a:spcBef>
-                <a:spcPct val="0"/>
-              </a:spcBef>
-              <a:spcAft>
-                <a:spcPct val="0"/>
-              </a:spcAft>
-              <a:defRPr sz="2000" b="1">
-                <a:solidFill>
-                  <a:schemeClr val="tx2"/>
-                </a:solidFill>
-                <a:latin typeface="Arial" charset="0"/>
-                <a:cs typeface="Arial" charset="0"/>
-              </a:defRPr>
-            </a:lvl5pPr>
-            <a:lvl6pPr marL="457200" algn="l" rtl="0" fontAlgn="base">
-              <a:spcBef>
-                <a:spcPct val="0"/>
-              </a:spcBef>
-              <a:spcAft>
-                <a:spcPct val="0"/>
-              </a:spcAft>
-              <a:defRPr sz="2000" b="1">
-                <a:solidFill>
-                  <a:schemeClr val="tx2"/>
-                </a:solidFill>
-                <a:latin typeface="Arial" charset="0"/>
-                <a:cs typeface="Arial" charset="0"/>
-              </a:defRPr>
-            </a:lvl6pPr>
-            <a:lvl7pPr marL="914400" algn="l" rtl="0" fontAlgn="base">
-              <a:spcBef>
-                <a:spcPct val="0"/>
-              </a:spcBef>
-              <a:spcAft>
-                <a:spcPct val="0"/>
-              </a:spcAft>
-              <a:defRPr sz="2000" b="1">
-                <a:solidFill>
-                  <a:schemeClr val="tx2"/>
-                </a:solidFill>
-                <a:latin typeface="Arial" charset="0"/>
-                <a:cs typeface="Arial" charset="0"/>
-              </a:defRPr>
-            </a:lvl7pPr>
-            <a:lvl8pPr marL="1371600" algn="l" rtl="0" fontAlgn="base">
-              <a:spcBef>
-                <a:spcPct val="0"/>
-              </a:spcBef>
-              <a:spcAft>
-                <a:spcPct val="0"/>
-              </a:spcAft>
-              <a:defRPr sz="2000" b="1">
-                <a:solidFill>
-                  <a:schemeClr val="tx2"/>
-                </a:solidFill>
-                <a:latin typeface="Arial" charset="0"/>
-                <a:cs typeface="Arial" charset="0"/>
-              </a:defRPr>
-            </a:lvl8pPr>
-            <a:lvl9pPr marL="1828800" algn="l" rtl="0" fontAlgn="base">
-              <a:spcBef>
-                <a:spcPct val="0"/>
-              </a:spcBef>
-              <a:spcAft>
-                <a:spcPct val="0"/>
-              </a:spcAft>
-              <a:defRPr sz="2000" b="1">
-                <a:solidFill>
-                  <a:schemeClr val="tx2"/>
-                </a:solidFill>
-                <a:latin typeface="Arial" charset="0"/>
-                <a:cs typeface="Arial" charset="0"/>
-              </a:defRPr>
-            </a:lvl9pPr>
-          </a:lstStyle>
-          <a:p>
-            <a:r>
-              <a:rPr lang="en-US" sz="3200" dirty="0" err="1">
-                <a:solidFill>
-                  <a:schemeClr val="bg2">
-                    <a:lumMod val="75000"/>
-                  </a:schemeClr>
-                </a:solidFill>
-              </a:rPr>
-              <a:t>Lösungsansatz</a:t>
-            </a:r>
-            <a:endParaRPr lang="en-US" sz="3200" dirty="0">
-              <a:solidFill>
-                <a:schemeClr val="bg2">
-                  <a:lumMod val="75000"/>
-                </a:schemeClr>
-              </a:solidFill>
-            </a:endParaRPr>
-          </a:p>
-        </p:txBody>
-      </p:sp>
-      <p:pic>
-        <p:nvPicPr>
-          <p:cNvPr id="6" name="Picture 5" descr="Text&#10;&#10;Description automatically generated">
-            <a:extLst>
-              <a:ext uri="{FF2B5EF4-FFF2-40B4-BE49-F238E27FC236}">
-                <a16:creationId xmlns:a16="http://schemas.microsoft.com/office/drawing/2014/main" id="{218FE5F2-F830-4280-B737-85D5F8AAB29E}"/>
-              </a:ext>
-            </a:extLst>
-          </p:cNvPr>
-          <p:cNvPicPr>
-            <a:picLocks noChangeAspect="1"/>
-          </p:cNvPicPr>
-          <p:nvPr/>
-        </p:nvPicPr>
-        <p:blipFill>
-          <a:blip r:embed="rId2"/>
-          <a:stretch>
-            <a:fillRect/>
-          </a:stretch>
-        </p:blipFill>
-        <p:spPr>
-          <a:xfrm>
-            <a:off x="16450" y="1615741"/>
-            <a:ext cx="4745026" cy="4530626"/>
-          </a:xfrm>
-          <a:prstGeom prst="rect">
-            <a:avLst/>
-          </a:prstGeom>
-        </p:spPr>
-      </p:pic>
-      <p:pic>
-        <p:nvPicPr>
-          <p:cNvPr id="10" name="Picture 9" descr="Text&#10;&#10;Description automatically generated">
-            <a:extLst>
-              <a:ext uri="{FF2B5EF4-FFF2-40B4-BE49-F238E27FC236}">
-                <a16:creationId xmlns:a16="http://schemas.microsoft.com/office/drawing/2014/main" id="{A9337FD1-AAAB-444E-B97B-6DA9FBE302F4}"/>
-              </a:ext>
-            </a:extLst>
-          </p:cNvPr>
-          <p:cNvPicPr>
-            <a:picLocks noChangeAspect="1"/>
-          </p:cNvPicPr>
-          <p:nvPr/>
-        </p:nvPicPr>
-        <p:blipFill>
-          <a:blip r:embed="rId3"/>
-          <a:stretch>
-            <a:fillRect/>
-          </a:stretch>
-        </p:blipFill>
-        <p:spPr>
-          <a:xfrm>
-            <a:off x="4741333" y="1615741"/>
-            <a:ext cx="4402667" cy="4530626"/>
-          </a:xfrm>
-          <a:prstGeom prst="rect">
-            <a:avLst/>
-          </a:prstGeom>
-        </p:spPr>
-      </p:pic>
-    </p:spTree>
-    <p:extLst>
-      <p:ext uri="{BB962C8B-B14F-4D97-AF65-F5344CB8AC3E}">
-        <p14:creationId xmlns:p14="http://schemas.microsoft.com/office/powerpoint/2010/main" val="407081727"/>
       </p:ext>
     </p:extLst>
   </p:cSld>

--- a/Ausarbeitung/präzi.pptx
+++ b/Ausarbeitung/präzi.pptx
@@ -10,10 +10,10 @@
     <p:sldMasterId id="2147483697" r:id="rId6"/>
   </p:sldMasterIdLst>
   <p:notesMasterIdLst>
-    <p:notesMasterId r:id="rId18"/>
+    <p:notesMasterId r:id="rId21"/>
   </p:notesMasterIdLst>
   <p:handoutMasterIdLst>
-    <p:handoutMasterId r:id="rId19"/>
+    <p:handoutMasterId r:id="rId22"/>
   </p:handoutMasterIdLst>
   <p:sldIdLst>
     <p:sldId id="355" r:id="rId7"/>
@@ -23,10 +23,13 @@
     <p:sldId id="406" r:id="rId11"/>
     <p:sldId id="471" r:id="rId12"/>
     <p:sldId id="429" r:id="rId13"/>
-    <p:sldId id="469" r:id="rId14"/>
-    <p:sldId id="470" r:id="rId15"/>
-    <p:sldId id="472" r:id="rId16"/>
-    <p:sldId id="356" r:id="rId17"/>
+    <p:sldId id="475" r:id="rId14"/>
+    <p:sldId id="476" r:id="rId15"/>
+    <p:sldId id="477" r:id="rId16"/>
+    <p:sldId id="478" r:id="rId17"/>
+    <p:sldId id="479" r:id="rId18"/>
+    <p:sldId id="480" r:id="rId19"/>
+    <p:sldId id="356" r:id="rId20"/>
   </p:sldIdLst>
   <p:sldSz cx="9144000" cy="6858000" type="screen4x3"/>
   <p:notesSz cx="9925050" cy="6665913"/>
@@ -297,7 +300,7 @@
               <a:pPr>
                 <a:defRPr/>
               </a:pPr>
-              <a:t>13/02/2021</a:t>
+              <a:t>15/02/2021</a:t>
             </a:fld>
             <a:endParaRPr lang="en-GB" dirty="0"/>
           </a:p>
@@ -390,7 +393,7 @@
               <a:pPr>
                 <a:defRPr/>
               </a:pPr>
-              <a:t>‹Nr.›</a:t>
+              <a:t>‹#›</a:t>
             </a:fld>
             <a:endParaRPr lang="en-GB"/>
           </a:p>
@@ -574,7 +577,7 @@
               <a:pPr>
                 <a:defRPr/>
               </a:pPr>
-              <a:t>13/02/2021</a:t>
+              <a:t>15/02/2021</a:t>
             </a:fld>
             <a:endParaRPr lang="en-GB"/>
           </a:p>
@@ -766,7 +769,7 @@
               <a:pPr>
                 <a:defRPr/>
               </a:pPr>
-              <a:t>‹Nr.›</a:t>
+              <a:t>‹#›</a:t>
             </a:fld>
             <a:endParaRPr lang="en-GB"/>
           </a:p>
@@ -1157,7 +1160,7 @@
             <a:fld id="{CE58CB1E-F828-4F11-99E0-327109AF9DA4}" type="slidenum">
               <a:rPr lang="de-DE" smtClean="0"/>
               <a:pPr/>
-              <a:t>‹Nr.›</a:t>
+              <a:t>‹#›</a:t>
             </a:fld>
             <a:endParaRPr lang="de-DE" dirty="0"/>
           </a:p>
@@ -1376,7 +1379,7 @@
             <a:fld id="{CE58CB1E-F828-4F11-99E0-327109AF9DA4}" type="slidenum">
               <a:rPr lang="de-DE" smtClean="0"/>
               <a:pPr/>
-              <a:t>‹Nr.›</a:t>
+              <a:t>‹#›</a:t>
             </a:fld>
             <a:endParaRPr lang="de-DE" dirty="0"/>
           </a:p>
@@ -1721,7 +1724,7 @@
             <a:fld id="{CE58CB1E-F828-4F11-99E0-327109AF9DA4}" type="slidenum">
               <a:rPr lang="de-DE" smtClean="0"/>
               <a:pPr/>
-              <a:t>‹Nr.›</a:t>
+              <a:t>‹#›</a:t>
             </a:fld>
             <a:endParaRPr lang="de-DE" dirty="0"/>
           </a:p>
@@ -1920,7 +1923,7 @@
             <a:fld id="{CE58CB1E-F828-4F11-99E0-327109AF9DA4}" type="slidenum">
               <a:rPr lang="de-DE" smtClean="0"/>
               <a:pPr/>
-              <a:t>‹Nr.›</a:t>
+              <a:t>‹#›</a:t>
             </a:fld>
             <a:endParaRPr lang="de-DE" dirty="0"/>
           </a:p>
@@ -2119,7 +2122,7 @@
             <a:fld id="{CE58CB1E-F828-4F11-99E0-327109AF9DA4}" type="slidenum">
               <a:rPr lang="de-DE" smtClean="0"/>
               <a:pPr/>
-              <a:t>‹Nr.›</a:t>
+              <a:t>‹#›</a:t>
             </a:fld>
             <a:endParaRPr lang="de-DE" dirty="0"/>
           </a:p>
@@ -2440,7 +2443,7 @@
             <a:fld id="{CE58CB1E-F828-4F11-99E0-327109AF9DA4}" type="slidenum">
               <a:rPr lang="de-DE" smtClean="0"/>
               <a:pPr/>
-              <a:t>‹Nr.›</a:t>
+              <a:t>‹#›</a:t>
             </a:fld>
             <a:endParaRPr lang="de-DE" dirty="0"/>
           </a:p>
@@ -2616,7 +2619,7 @@
             <a:fld id="{CE58CB1E-F828-4F11-99E0-327109AF9DA4}" type="slidenum">
               <a:rPr lang="de-DE" smtClean="0"/>
               <a:pPr/>
-              <a:t>‹Nr.›</a:t>
+              <a:t>‹#›</a:t>
             </a:fld>
             <a:endParaRPr lang="de-DE" dirty="0"/>
           </a:p>
@@ -2931,7 +2934,7 @@
             <a:fld id="{CE58CB1E-F828-4F11-99E0-327109AF9DA4}" type="slidenum">
               <a:rPr lang="de-DE" smtClean="0"/>
               <a:pPr/>
-              <a:t>‹Nr.›</a:t>
+              <a:t>‹#›</a:t>
             </a:fld>
             <a:endParaRPr lang="de-DE" dirty="0"/>
           </a:p>
@@ -3203,7 +3206,7 @@
             <a:fld id="{CE58CB1E-F828-4F11-99E0-327109AF9DA4}" type="slidenum">
               <a:rPr lang="de-DE" smtClean="0"/>
               <a:pPr/>
-              <a:t>‹Nr.›</a:t>
+              <a:t>‹#›</a:t>
             </a:fld>
             <a:endParaRPr lang="de-DE" dirty="0"/>
           </a:p>
@@ -3390,7 +3393,7 @@
             <a:fld id="{CE58CB1E-F828-4F11-99E0-327109AF9DA4}" type="slidenum">
               <a:rPr lang="de-DE" smtClean="0"/>
               <a:pPr/>
-              <a:t>‹Nr.›</a:t>
+              <a:t>‹#›</a:t>
             </a:fld>
             <a:endParaRPr lang="de-DE" dirty="0"/>
           </a:p>
@@ -3589,7 +3592,7 @@
             <a:fld id="{CE58CB1E-F828-4F11-99E0-327109AF9DA4}" type="slidenum">
               <a:rPr lang="de-DE" smtClean="0"/>
               <a:pPr/>
-              <a:t>‹Nr.›</a:t>
+              <a:t>‹#›</a:t>
             </a:fld>
             <a:endParaRPr lang="de-DE" dirty="0"/>
           </a:p>
@@ -3790,7 +3793,7 @@
             <a:fld id="{CE58CB1E-F828-4F11-99E0-327109AF9DA4}" type="slidenum">
               <a:rPr lang="de-DE" smtClean="0"/>
               <a:pPr/>
-              <a:t>‹Nr.›</a:t>
+              <a:t>‹#›</a:t>
             </a:fld>
             <a:endParaRPr lang="de-DE" dirty="0"/>
           </a:p>
@@ -3883,7 +3886,7 @@
             <a:fld id="{CE58CB1E-F828-4F11-99E0-327109AF9DA4}" type="slidenum">
               <a:rPr lang="de-DE" smtClean="0"/>
               <a:pPr/>
-              <a:t>‹Nr.›</a:t>
+              <a:t>‹#›</a:t>
             </a:fld>
             <a:endParaRPr lang="de-DE" dirty="0"/>
           </a:p>
@@ -4166,7 +4169,7 @@
             <a:fld id="{CE58CB1E-F828-4F11-99E0-327109AF9DA4}" type="slidenum">
               <a:rPr lang="de-DE" smtClean="0"/>
               <a:pPr/>
-              <a:t>‹Nr.›</a:t>
+              <a:t>‹#›</a:t>
             </a:fld>
             <a:endParaRPr lang="de-DE" dirty="0"/>
           </a:p>
@@ -4365,7 +4368,7 @@
             <a:fld id="{CE58CB1E-F828-4F11-99E0-327109AF9DA4}" type="slidenum">
               <a:rPr lang="de-DE" smtClean="0"/>
               <a:pPr/>
-              <a:t>‹Nr.›</a:t>
+              <a:t>‹#›</a:t>
             </a:fld>
             <a:endParaRPr lang="de-DE" dirty="0"/>
           </a:p>
@@ -4541,7 +4544,7 @@
             <a:fld id="{CE58CB1E-F828-4F11-99E0-327109AF9DA4}" type="slidenum">
               <a:rPr lang="de-DE" smtClean="0"/>
               <a:pPr/>
-              <a:t>‹Nr.›</a:t>
+              <a:t>‹#›</a:t>
             </a:fld>
             <a:endParaRPr lang="de-DE" dirty="0"/>
           </a:p>
@@ -4910,7 +4913,7 @@
             <a:fld id="{CE58CB1E-F828-4F11-99E0-327109AF9DA4}" type="slidenum">
               <a:rPr lang="de-DE" smtClean="0"/>
               <a:pPr/>
-              <a:t>‹Nr.›</a:t>
+              <a:t>‹#›</a:t>
             </a:fld>
             <a:endParaRPr lang="de-DE" dirty="0"/>
           </a:p>
@@ -5109,7 +5112,7 @@
             <a:fld id="{CE58CB1E-F828-4F11-99E0-327109AF9DA4}" type="slidenum">
               <a:rPr lang="de-DE" smtClean="0"/>
               <a:pPr/>
-              <a:t>‹Nr.›</a:t>
+              <a:t>‹#›</a:t>
             </a:fld>
             <a:endParaRPr lang="de-DE" dirty="0"/>
           </a:p>
@@ -5333,7 +5336,7 @@
             <a:fld id="{CE58CB1E-F828-4F11-99E0-327109AF9DA4}" type="slidenum">
               <a:rPr lang="de-DE" smtClean="0"/>
               <a:pPr/>
-              <a:t>‹Nr.›</a:t>
+              <a:t>‹#›</a:t>
             </a:fld>
             <a:endParaRPr lang="de-DE" dirty="0"/>
           </a:p>
@@ -5520,7 +5523,7 @@
             <a:fld id="{CE58CB1E-F828-4F11-99E0-327109AF9DA4}" type="slidenum">
               <a:rPr lang="de-DE" smtClean="0"/>
               <a:pPr/>
-              <a:t>‹Nr.›</a:t>
+              <a:t>‹#›</a:t>
             </a:fld>
             <a:endParaRPr lang="de-DE" dirty="0"/>
           </a:p>
@@ -5731,7 +5734,7 @@
             <a:fld id="{CE58CB1E-F828-4F11-99E0-327109AF9DA4}" type="slidenum">
               <a:rPr lang="de-DE" smtClean="0"/>
               <a:pPr/>
-              <a:t>‹Nr.›</a:t>
+              <a:t>‹#›</a:t>
             </a:fld>
             <a:endParaRPr lang="de-DE" dirty="0"/>
           </a:p>
@@ -6208,7 +6211,7 @@
                   <a:spcPct val="114000"/>
                 </a:lnSpc>
               </a:pPr>
-              <a:t>‹Nr.›</a:t>
+              <a:t>‹#›</a:t>
             </a:fld>
             <a:endParaRPr lang="de-DE" sz="1200" dirty="0">
               <a:latin typeface="+mn-lt"/>
@@ -6300,7 +6303,7 @@
             <a:fld id="{CE58CB1E-F828-4F11-99E0-327109AF9DA4}" type="slidenum">
               <a:rPr lang="de-DE" noProof="0" smtClean="0"/>
               <a:pPr/>
-              <a:t>‹Nr.›</a:t>
+              <a:t>‹#›</a:t>
             </a:fld>
             <a:endParaRPr lang="de-DE" noProof="0"/>
           </a:p>
@@ -6814,7 +6817,7 @@
             <a:fld id="{CE58CB1E-F828-4F11-99E0-327109AF9DA4}" type="slidenum">
               <a:rPr lang="de-DE" smtClean="0"/>
               <a:pPr/>
-              <a:t>‹Nr.›</a:t>
+              <a:t>‹#›</a:t>
             </a:fld>
             <a:endParaRPr lang="de-DE" dirty="0"/>
           </a:p>
@@ -7472,7 +7475,7 @@
             <a:fld id="{CE58CB1E-F828-4F11-99E0-327109AF9DA4}" type="slidenum">
               <a:rPr lang="de-DE" smtClean="0"/>
               <a:pPr/>
-              <a:t>‹Nr.›</a:t>
+              <a:t>‹#›</a:t>
             </a:fld>
             <a:endParaRPr lang="de-DE" dirty="0"/>
           </a:p>
@@ -8069,7 +8072,7 @@
             <a:fld id="{CE58CB1E-F828-4F11-99E0-327109AF9DA4}" type="slidenum">
               <a:rPr lang="de-DE" smtClean="0"/>
               <a:pPr/>
-              <a:t>‹Nr.›</a:t>
+              <a:t>‹#›</a:t>
             </a:fld>
             <a:endParaRPr lang="de-DE" dirty="0"/>
           </a:p>
@@ -8666,7 +8669,7 @@
             <a:fld id="{CE58CB1E-F828-4F11-99E0-327109AF9DA4}" type="slidenum">
               <a:rPr lang="de-DE" smtClean="0"/>
               <a:pPr/>
-              <a:t>‹Nr.›</a:t>
+              <a:t>‹#›</a:t>
             </a:fld>
             <a:endParaRPr lang="de-DE" dirty="0"/>
           </a:p>
@@ -9211,7 +9214,15 @@
           <a:p>
             <a:r>
               <a:rPr lang="de-DE" sz="1200" dirty="0"/>
-              <a:t>München,  der 16. Februar 2021</a:t>
+              <a:t>München</a:t>
+            </a:r>
+            <a:r>
+              <a:rPr lang="de-DE" sz="1200"/>
+              <a:t>, den 16</a:t>
+            </a:r>
+            <a:r>
+              <a:rPr lang="de-DE" sz="1200" dirty="0"/>
+              <a:t>. Februar 2021</a:t>
             </a:r>
           </a:p>
         </p:txBody>
@@ -9338,6 +9349,1114 @@
           <a:chExt cx="0" cy="0"/>
         </a:xfrm>
       </p:grpSpPr>
+      <p:pic>
+        <p:nvPicPr>
+          <p:cNvPr id="5" name="Picture 4" descr="Chart, bar chart&#10;&#10;Description automatically generated">
+            <a:extLst>
+              <a:ext uri="{FF2B5EF4-FFF2-40B4-BE49-F238E27FC236}">
+                <a16:creationId xmlns:a16="http://schemas.microsoft.com/office/drawing/2014/main" id="{547B83D1-95EE-4F7E-8B63-DE0AAF710199}"/>
+              </a:ext>
+            </a:extLst>
+          </p:cNvPr>
+          <p:cNvPicPr>
+            <a:picLocks noChangeAspect="1"/>
+          </p:cNvPicPr>
+          <p:nvPr/>
+        </p:nvPicPr>
+        <p:blipFill>
+          <a:blip r:embed="rId2"/>
+          <a:stretch>
+            <a:fillRect/>
+          </a:stretch>
+        </p:blipFill>
+        <p:spPr>
+          <a:xfrm>
+            <a:off x="319090" y="1641075"/>
+            <a:ext cx="8508999" cy="4651227"/>
+          </a:xfrm>
+          <a:prstGeom prst="rect">
+            <a:avLst/>
+          </a:prstGeom>
+          <a:noFill/>
+          <a:ln w="9525">
+            <a:noFill/>
+            <a:miter lim="800000"/>
+            <a:headEnd/>
+            <a:tailEnd/>
+          </a:ln>
+        </p:spPr>
+      </p:pic>
+      <p:sp>
+        <p:nvSpPr>
+          <p:cNvPr id="4" name="Foliennummernplatzhalter 3"/>
+          <p:cNvSpPr>
+            <a:spLocks noGrp="1"/>
+          </p:cNvSpPr>
+          <p:nvPr>
+            <p:ph type="sldNum" sz="quarter" idx="11"/>
+          </p:nvPr>
+        </p:nvSpPr>
+        <p:spPr>
+          <a:xfrm>
+            <a:off x="6774934" y="6473313"/>
+            <a:ext cx="2052074" cy="365125"/>
+          </a:xfrm>
+        </p:spPr>
+        <p:txBody>
+          <a:bodyPr anchor="ctr">
+            <a:normAutofit/>
+          </a:bodyPr>
+          <a:lstStyle/>
+          <a:p>
+            <a:pPr>
+              <a:spcAft>
+                <a:spcPts val="600"/>
+              </a:spcAft>
+            </a:pPr>
+            <a:fld id="{CE58CB1E-F828-4F11-99E0-327109AF9DA4}" type="slidenum">
+              <a:rPr lang="de-DE" smtClean="0"/>
+              <a:pPr>
+                <a:spcAft>
+                  <a:spcPts val="600"/>
+                </a:spcAft>
+              </a:pPr>
+              <a:t>10</a:t>
+            </a:fld>
+            <a:endParaRPr lang="de-DE"/>
+          </a:p>
+        </p:txBody>
+      </p:sp>
+      <p:sp>
+        <p:nvSpPr>
+          <p:cNvPr id="8" name="Titel 2">
+            <a:extLst>
+              <a:ext uri="{FF2B5EF4-FFF2-40B4-BE49-F238E27FC236}">
+                <a16:creationId xmlns:a16="http://schemas.microsoft.com/office/drawing/2014/main" id="{573D1DC5-689B-478B-B4A9-CBDED710DE1B}"/>
+              </a:ext>
+            </a:extLst>
+          </p:cNvPr>
+          <p:cNvSpPr txBox="1">
+            <a:spLocks/>
+          </p:cNvSpPr>
+          <p:nvPr/>
+        </p:nvSpPr>
+        <p:spPr>
+          <a:xfrm>
+            <a:off x="311162" y="878427"/>
+            <a:ext cx="8508999" cy="410369"/>
+          </a:xfrm>
+          <a:prstGeom prst="rect">
+            <a:avLst/>
+          </a:prstGeom>
+          <a:noFill/>
+          <a:ln w="9525">
+            <a:noFill/>
+            <a:miter lim="800000"/>
+            <a:headEnd/>
+            <a:tailEnd/>
+          </a:ln>
+        </p:spPr>
+        <p:txBody>
+          <a:bodyPr vert="horz" wrap="square" lIns="0" tIns="0" rIns="0" bIns="0" numCol="1" anchor="t" anchorCtr="0" compatLnSpc="1">
+            <a:prstTxWarp prst="textNoShape">
+              <a:avLst/>
+            </a:prstTxWarp>
+            <a:noAutofit/>
+          </a:bodyPr>
+          <a:lstStyle>
+            <a:lvl1pPr algn="l" rtl="0" eaLnBrk="0" fontAlgn="base" hangingPunct="0">
+              <a:lnSpc>
+                <a:spcPts val="3200"/>
+              </a:lnSpc>
+              <a:spcBef>
+                <a:spcPct val="0"/>
+              </a:spcBef>
+              <a:spcAft>
+                <a:spcPct val="0"/>
+              </a:spcAft>
+              <a:defRPr lang="de-DE" sz="3000" b="0" kern="1200" noProof="0" dirty="0">
+                <a:solidFill>
+                  <a:schemeClr val="tx1"/>
+                </a:solidFill>
+                <a:latin typeface="+mj-lt"/>
+                <a:ea typeface="+mj-ea"/>
+                <a:cs typeface="+mj-cs"/>
+              </a:defRPr>
+            </a:lvl1pPr>
+            <a:lvl2pPr algn="l" rtl="0" eaLnBrk="0" fontAlgn="base" hangingPunct="0">
+              <a:spcBef>
+                <a:spcPct val="0"/>
+              </a:spcBef>
+              <a:spcAft>
+                <a:spcPct val="0"/>
+              </a:spcAft>
+              <a:defRPr sz="2000" b="1">
+                <a:solidFill>
+                  <a:schemeClr val="tx2"/>
+                </a:solidFill>
+                <a:latin typeface="Arial" charset="0"/>
+                <a:cs typeface="Arial" charset="0"/>
+              </a:defRPr>
+            </a:lvl2pPr>
+            <a:lvl3pPr algn="l" rtl="0" eaLnBrk="0" fontAlgn="base" hangingPunct="0">
+              <a:spcBef>
+                <a:spcPct val="0"/>
+              </a:spcBef>
+              <a:spcAft>
+                <a:spcPct val="0"/>
+              </a:spcAft>
+              <a:defRPr sz="2000" b="1">
+                <a:solidFill>
+                  <a:schemeClr val="tx2"/>
+                </a:solidFill>
+                <a:latin typeface="Arial" charset="0"/>
+                <a:cs typeface="Arial" charset="0"/>
+              </a:defRPr>
+            </a:lvl3pPr>
+            <a:lvl4pPr algn="l" rtl="0" eaLnBrk="0" fontAlgn="base" hangingPunct="0">
+              <a:spcBef>
+                <a:spcPct val="0"/>
+              </a:spcBef>
+              <a:spcAft>
+                <a:spcPct val="0"/>
+              </a:spcAft>
+              <a:defRPr sz="2000" b="1">
+                <a:solidFill>
+                  <a:schemeClr val="tx2"/>
+                </a:solidFill>
+                <a:latin typeface="Arial" charset="0"/>
+                <a:cs typeface="Arial" charset="0"/>
+              </a:defRPr>
+            </a:lvl4pPr>
+            <a:lvl5pPr algn="l" rtl="0" eaLnBrk="0" fontAlgn="base" hangingPunct="0">
+              <a:spcBef>
+                <a:spcPct val="0"/>
+              </a:spcBef>
+              <a:spcAft>
+                <a:spcPct val="0"/>
+              </a:spcAft>
+              <a:defRPr sz="2000" b="1">
+                <a:solidFill>
+                  <a:schemeClr val="tx2"/>
+                </a:solidFill>
+                <a:latin typeface="Arial" charset="0"/>
+                <a:cs typeface="Arial" charset="0"/>
+              </a:defRPr>
+            </a:lvl5pPr>
+            <a:lvl6pPr marL="457200" algn="l" rtl="0" fontAlgn="base">
+              <a:spcBef>
+                <a:spcPct val="0"/>
+              </a:spcBef>
+              <a:spcAft>
+                <a:spcPct val="0"/>
+              </a:spcAft>
+              <a:defRPr sz="2000" b="1">
+                <a:solidFill>
+                  <a:schemeClr val="tx2"/>
+                </a:solidFill>
+                <a:latin typeface="Arial" charset="0"/>
+                <a:cs typeface="Arial" charset="0"/>
+              </a:defRPr>
+            </a:lvl6pPr>
+            <a:lvl7pPr marL="914400" algn="l" rtl="0" fontAlgn="base">
+              <a:spcBef>
+                <a:spcPct val="0"/>
+              </a:spcBef>
+              <a:spcAft>
+                <a:spcPct val="0"/>
+              </a:spcAft>
+              <a:defRPr sz="2000" b="1">
+                <a:solidFill>
+                  <a:schemeClr val="tx2"/>
+                </a:solidFill>
+                <a:latin typeface="Arial" charset="0"/>
+                <a:cs typeface="Arial" charset="0"/>
+              </a:defRPr>
+            </a:lvl7pPr>
+            <a:lvl8pPr marL="1371600" algn="l" rtl="0" fontAlgn="base">
+              <a:spcBef>
+                <a:spcPct val="0"/>
+              </a:spcBef>
+              <a:spcAft>
+                <a:spcPct val="0"/>
+              </a:spcAft>
+              <a:defRPr sz="2000" b="1">
+                <a:solidFill>
+                  <a:schemeClr val="tx2"/>
+                </a:solidFill>
+                <a:latin typeface="Arial" charset="0"/>
+                <a:cs typeface="Arial" charset="0"/>
+              </a:defRPr>
+            </a:lvl8pPr>
+            <a:lvl9pPr marL="1828800" algn="l" rtl="0" fontAlgn="base">
+              <a:spcBef>
+                <a:spcPct val="0"/>
+              </a:spcBef>
+              <a:spcAft>
+                <a:spcPct val="0"/>
+              </a:spcAft>
+              <a:defRPr sz="2000" b="1">
+                <a:solidFill>
+                  <a:schemeClr val="tx2"/>
+                </a:solidFill>
+                <a:latin typeface="Arial" charset="0"/>
+                <a:cs typeface="Arial" charset="0"/>
+              </a:defRPr>
+            </a:lvl9pPr>
+          </a:lstStyle>
+          <a:p>
+            <a:r>
+              <a:rPr lang="en-US" sz="3200" dirty="0"/>
+              <a:t> </a:t>
+            </a:r>
+            <a:r>
+              <a:rPr lang="de-DE" sz="3200" dirty="0" err="1">
+                <a:solidFill>
+                  <a:schemeClr val="bg2">
+                    <a:lumMod val="75000"/>
+                  </a:schemeClr>
+                </a:solidFill>
+              </a:rPr>
+              <a:t>Performanzanalyse</a:t>
+            </a:r>
+            <a:r>
+              <a:rPr lang="en-US" sz="3200" dirty="0">
+                <a:solidFill>
+                  <a:schemeClr val="bg2">
+                    <a:lumMod val="75000"/>
+                  </a:schemeClr>
+                </a:solidFill>
+              </a:rPr>
+              <a:t>: </a:t>
+            </a:r>
+            <a:r>
+              <a:rPr lang="en-US" sz="3200" dirty="0">
+                <a:solidFill>
+                  <a:srgbClr val="005293"/>
+                </a:solidFill>
+              </a:rPr>
+              <a:t>Grad 1 bis 3</a:t>
+            </a:r>
+            <a:endParaRPr lang="en-US" sz="3200" dirty="0"/>
+          </a:p>
+        </p:txBody>
+      </p:sp>
+      <p:pic>
+        <p:nvPicPr>
+          <p:cNvPr id="6" name="Picture 5" descr="Chart, bar chart&#10;&#10;Description automatically generated">
+            <a:extLst>
+              <a:ext uri="{FF2B5EF4-FFF2-40B4-BE49-F238E27FC236}">
+                <a16:creationId xmlns:a16="http://schemas.microsoft.com/office/drawing/2014/main" id="{56CC4D61-DB78-4D27-A5DA-EA73E88277E1}"/>
+              </a:ext>
+            </a:extLst>
+          </p:cNvPr>
+          <p:cNvPicPr>
+            <a:picLocks noChangeAspect="1"/>
+          </p:cNvPicPr>
+          <p:nvPr/>
+        </p:nvPicPr>
+        <p:blipFill rotWithShape="1">
+          <a:blip r:embed="rId3"/>
+          <a:srcRect t="-167" b="94092"/>
+          <a:stretch/>
+        </p:blipFill>
+        <p:spPr>
+          <a:xfrm>
+            <a:off x="319090" y="1628286"/>
+            <a:ext cx="8508999" cy="487185"/>
+          </a:xfrm>
+          <a:prstGeom prst="rect">
+            <a:avLst/>
+          </a:prstGeom>
+          <a:noFill/>
+          <a:ln w="9525">
+            <a:noFill/>
+            <a:miter lim="800000"/>
+            <a:headEnd/>
+            <a:tailEnd/>
+          </a:ln>
+        </p:spPr>
+      </p:pic>
+    </p:spTree>
+    <p:extLst>
+      <p:ext uri="{BB962C8B-B14F-4D97-AF65-F5344CB8AC3E}">
+        <p14:creationId xmlns:p14="http://schemas.microsoft.com/office/powerpoint/2010/main" val="4076214429"/>
+      </p:ext>
+    </p:extLst>
+  </p:cSld>
+  <p:clrMapOvr>
+    <a:masterClrMapping/>
+  </p:clrMapOvr>
+  <mc:AlternateContent xmlns:mc="http://schemas.openxmlformats.org/markup-compatibility/2006" xmlns:p14="http://schemas.microsoft.com/office/powerpoint/2010/main">
+    <mc:Choice Requires="p14">
+      <p:transition spd="med" p14:dur="700" advTm="29363">
+        <p:fade/>
+      </p:transition>
+    </mc:Choice>
+    <mc:Fallback xmlns="">
+      <p:transition spd="med" advTm="29363">
+        <p:fade/>
+      </p:transition>
+    </mc:Fallback>
+  </mc:AlternateContent>
+</p:sld>
+</file>
+
+<file path=ppt/slides/slide11.xml><?xml version="1.0" encoding="utf-8"?>
+<p:sld xmlns:a="http://schemas.openxmlformats.org/drawingml/2006/main" xmlns:r="http://schemas.openxmlformats.org/officeDocument/2006/relationships" xmlns:p="http://schemas.openxmlformats.org/presentationml/2006/main">
+  <p:cSld>
+    <p:spTree>
+      <p:nvGrpSpPr>
+        <p:cNvPr id="1" name=""/>
+        <p:cNvGrpSpPr/>
+        <p:nvPr/>
+      </p:nvGrpSpPr>
+      <p:grpSpPr>
+        <a:xfrm>
+          <a:off x="0" y="0"/>
+          <a:ext cx="0" cy="0"/>
+          <a:chOff x="0" y="0"/>
+          <a:chExt cx="0" cy="0"/>
+        </a:xfrm>
+      </p:grpSpPr>
+      <p:pic>
+        <p:nvPicPr>
+          <p:cNvPr id="7" name="Picture 6" descr="Chart, bar chart&#10;&#10;Description automatically generated">
+            <a:extLst>
+              <a:ext uri="{FF2B5EF4-FFF2-40B4-BE49-F238E27FC236}">
+                <a16:creationId xmlns:a16="http://schemas.microsoft.com/office/drawing/2014/main" id="{F6EF73C4-2F64-4013-98AD-C981F86635C4}"/>
+              </a:ext>
+            </a:extLst>
+          </p:cNvPr>
+          <p:cNvPicPr>
+            <a:picLocks noChangeAspect="1"/>
+          </p:cNvPicPr>
+          <p:nvPr/>
+        </p:nvPicPr>
+        <p:blipFill rotWithShape="1">
+          <a:blip r:embed="rId2"/>
+          <a:srcRect b="52054"/>
+          <a:stretch/>
+        </p:blipFill>
+        <p:spPr>
+          <a:xfrm>
+            <a:off x="323839" y="1562353"/>
+            <a:ext cx="8508999" cy="4060408"/>
+          </a:xfrm>
+          <a:prstGeom prst="rect">
+            <a:avLst/>
+          </a:prstGeom>
+          <a:noFill/>
+          <a:ln w="9525">
+            <a:noFill/>
+            <a:miter lim="800000"/>
+            <a:headEnd/>
+            <a:tailEnd/>
+          </a:ln>
+        </p:spPr>
+      </p:pic>
+      <p:sp>
+        <p:nvSpPr>
+          <p:cNvPr id="4" name="Foliennummernplatzhalter 3"/>
+          <p:cNvSpPr>
+            <a:spLocks noGrp="1"/>
+          </p:cNvSpPr>
+          <p:nvPr>
+            <p:ph type="sldNum" sz="quarter" idx="11"/>
+          </p:nvPr>
+        </p:nvSpPr>
+        <p:spPr>
+          <a:xfrm>
+            <a:off x="6774934" y="6473313"/>
+            <a:ext cx="2052074" cy="365125"/>
+          </a:xfrm>
+        </p:spPr>
+        <p:txBody>
+          <a:bodyPr anchor="ctr">
+            <a:normAutofit/>
+          </a:bodyPr>
+          <a:lstStyle/>
+          <a:p>
+            <a:pPr>
+              <a:spcAft>
+                <a:spcPts val="600"/>
+              </a:spcAft>
+            </a:pPr>
+            <a:fld id="{CE58CB1E-F828-4F11-99E0-327109AF9DA4}" type="slidenum">
+              <a:rPr lang="de-DE" smtClean="0"/>
+              <a:pPr>
+                <a:spcAft>
+                  <a:spcPts val="600"/>
+                </a:spcAft>
+              </a:pPr>
+              <a:t>11</a:t>
+            </a:fld>
+            <a:endParaRPr lang="de-DE"/>
+          </a:p>
+        </p:txBody>
+      </p:sp>
+      <p:sp>
+        <p:nvSpPr>
+          <p:cNvPr id="8" name="Titel 2">
+            <a:extLst>
+              <a:ext uri="{FF2B5EF4-FFF2-40B4-BE49-F238E27FC236}">
+                <a16:creationId xmlns:a16="http://schemas.microsoft.com/office/drawing/2014/main" id="{8B86187C-3AC6-4172-A4F8-48DF292EB314}"/>
+              </a:ext>
+            </a:extLst>
+          </p:cNvPr>
+          <p:cNvSpPr txBox="1">
+            <a:spLocks/>
+          </p:cNvSpPr>
+          <p:nvPr/>
+        </p:nvSpPr>
+        <p:spPr>
+          <a:xfrm>
+            <a:off x="311162" y="878427"/>
+            <a:ext cx="8508999" cy="410369"/>
+          </a:xfrm>
+          <a:prstGeom prst="rect">
+            <a:avLst/>
+          </a:prstGeom>
+          <a:noFill/>
+          <a:ln w="9525">
+            <a:noFill/>
+            <a:miter lim="800000"/>
+            <a:headEnd/>
+            <a:tailEnd/>
+          </a:ln>
+        </p:spPr>
+        <p:txBody>
+          <a:bodyPr vert="horz" wrap="square" lIns="0" tIns="0" rIns="0" bIns="0" numCol="1" anchor="t" anchorCtr="0" compatLnSpc="1">
+            <a:prstTxWarp prst="textNoShape">
+              <a:avLst/>
+            </a:prstTxWarp>
+            <a:noAutofit/>
+          </a:bodyPr>
+          <a:lstStyle>
+            <a:lvl1pPr algn="l" rtl="0" eaLnBrk="0" fontAlgn="base" hangingPunct="0">
+              <a:lnSpc>
+                <a:spcPts val="3200"/>
+              </a:lnSpc>
+              <a:spcBef>
+                <a:spcPct val="0"/>
+              </a:spcBef>
+              <a:spcAft>
+                <a:spcPct val="0"/>
+              </a:spcAft>
+              <a:defRPr lang="de-DE" sz="3000" b="0" kern="1200" noProof="0" dirty="0">
+                <a:solidFill>
+                  <a:schemeClr val="tx1"/>
+                </a:solidFill>
+                <a:latin typeface="+mj-lt"/>
+                <a:ea typeface="+mj-ea"/>
+                <a:cs typeface="+mj-cs"/>
+              </a:defRPr>
+            </a:lvl1pPr>
+            <a:lvl2pPr algn="l" rtl="0" eaLnBrk="0" fontAlgn="base" hangingPunct="0">
+              <a:spcBef>
+                <a:spcPct val="0"/>
+              </a:spcBef>
+              <a:spcAft>
+                <a:spcPct val="0"/>
+              </a:spcAft>
+              <a:defRPr sz="2000" b="1">
+                <a:solidFill>
+                  <a:schemeClr val="tx2"/>
+                </a:solidFill>
+                <a:latin typeface="Arial" charset="0"/>
+                <a:cs typeface="Arial" charset="0"/>
+              </a:defRPr>
+            </a:lvl2pPr>
+            <a:lvl3pPr algn="l" rtl="0" eaLnBrk="0" fontAlgn="base" hangingPunct="0">
+              <a:spcBef>
+                <a:spcPct val="0"/>
+              </a:spcBef>
+              <a:spcAft>
+                <a:spcPct val="0"/>
+              </a:spcAft>
+              <a:defRPr sz="2000" b="1">
+                <a:solidFill>
+                  <a:schemeClr val="tx2"/>
+                </a:solidFill>
+                <a:latin typeface="Arial" charset="0"/>
+                <a:cs typeface="Arial" charset="0"/>
+              </a:defRPr>
+            </a:lvl3pPr>
+            <a:lvl4pPr algn="l" rtl="0" eaLnBrk="0" fontAlgn="base" hangingPunct="0">
+              <a:spcBef>
+                <a:spcPct val="0"/>
+              </a:spcBef>
+              <a:spcAft>
+                <a:spcPct val="0"/>
+              </a:spcAft>
+              <a:defRPr sz="2000" b="1">
+                <a:solidFill>
+                  <a:schemeClr val="tx2"/>
+                </a:solidFill>
+                <a:latin typeface="Arial" charset="0"/>
+                <a:cs typeface="Arial" charset="0"/>
+              </a:defRPr>
+            </a:lvl4pPr>
+            <a:lvl5pPr algn="l" rtl="0" eaLnBrk="0" fontAlgn="base" hangingPunct="0">
+              <a:spcBef>
+                <a:spcPct val="0"/>
+              </a:spcBef>
+              <a:spcAft>
+                <a:spcPct val="0"/>
+              </a:spcAft>
+              <a:defRPr sz="2000" b="1">
+                <a:solidFill>
+                  <a:schemeClr val="tx2"/>
+                </a:solidFill>
+                <a:latin typeface="Arial" charset="0"/>
+                <a:cs typeface="Arial" charset="0"/>
+              </a:defRPr>
+            </a:lvl5pPr>
+            <a:lvl6pPr marL="457200" algn="l" rtl="0" fontAlgn="base">
+              <a:spcBef>
+                <a:spcPct val="0"/>
+              </a:spcBef>
+              <a:spcAft>
+                <a:spcPct val="0"/>
+              </a:spcAft>
+              <a:defRPr sz="2000" b="1">
+                <a:solidFill>
+                  <a:schemeClr val="tx2"/>
+                </a:solidFill>
+                <a:latin typeface="Arial" charset="0"/>
+                <a:cs typeface="Arial" charset="0"/>
+              </a:defRPr>
+            </a:lvl6pPr>
+            <a:lvl7pPr marL="914400" algn="l" rtl="0" fontAlgn="base">
+              <a:spcBef>
+                <a:spcPct val="0"/>
+              </a:spcBef>
+              <a:spcAft>
+                <a:spcPct val="0"/>
+              </a:spcAft>
+              <a:defRPr sz="2000" b="1">
+                <a:solidFill>
+                  <a:schemeClr val="tx2"/>
+                </a:solidFill>
+                <a:latin typeface="Arial" charset="0"/>
+                <a:cs typeface="Arial" charset="0"/>
+              </a:defRPr>
+            </a:lvl7pPr>
+            <a:lvl8pPr marL="1371600" algn="l" rtl="0" fontAlgn="base">
+              <a:spcBef>
+                <a:spcPct val="0"/>
+              </a:spcBef>
+              <a:spcAft>
+                <a:spcPct val="0"/>
+              </a:spcAft>
+              <a:defRPr sz="2000" b="1">
+                <a:solidFill>
+                  <a:schemeClr val="tx2"/>
+                </a:solidFill>
+                <a:latin typeface="Arial" charset="0"/>
+                <a:cs typeface="Arial" charset="0"/>
+              </a:defRPr>
+            </a:lvl8pPr>
+            <a:lvl9pPr marL="1828800" algn="l" rtl="0" fontAlgn="base">
+              <a:spcBef>
+                <a:spcPct val="0"/>
+              </a:spcBef>
+              <a:spcAft>
+                <a:spcPct val="0"/>
+              </a:spcAft>
+              <a:defRPr sz="2000" b="1">
+                <a:solidFill>
+                  <a:schemeClr val="tx2"/>
+                </a:solidFill>
+                <a:latin typeface="Arial" charset="0"/>
+                <a:cs typeface="Arial" charset="0"/>
+              </a:defRPr>
+            </a:lvl9pPr>
+          </a:lstStyle>
+          <a:p>
+            <a:r>
+              <a:rPr lang="en-US" sz="3200" dirty="0"/>
+              <a:t> </a:t>
+            </a:r>
+            <a:r>
+              <a:rPr lang="en-US" sz="3200" dirty="0" err="1">
+                <a:solidFill>
+                  <a:schemeClr val="bg2">
+                    <a:lumMod val="75000"/>
+                  </a:schemeClr>
+                </a:solidFill>
+              </a:rPr>
+              <a:t>Performanzanalyse</a:t>
+            </a:r>
+            <a:r>
+              <a:rPr lang="en-US" sz="3200" dirty="0">
+                <a:solidFill>
+                  <a:schemeClr val="bg2">
+                    <a:lumMod val="75000"/>
+                  </a:schemeClr>
+                </a:solidFill>
+              </a:rPr>
+              <a:t>: </a:t>
+            </a:r>
+            <a:r>
+              <a:rPr lang="en-US" sz="3200" dirty="0">
+                <a:solidFill>
+                  <a:srgbClr val="005293"/>
+                </a:solidFill>
+              </a:rPr>
+              <a:t>Grad 4 bis 6</a:t>
+            </a:r>
+            <a:endParaRPr lang="en-US" sz="3200" dirty="0"/>
+          </a:p>
+        </p:txBody>
+      </p:sp>
+      <p:pic>
+        <p:nvPicPr>
+          <p:cNvPr id="6" name="Picture 5" descr="Chart, bar chart&#10;&#10;Description automatically generated">
+            <a:extLst>
+              <a:ext uri="{FF2B5EF4-FFF2-40B4-BE49-F238E27FC236}">
+                <a16:creationId xmlns:a16="http://schemas.microsoft.com/office/drawing/2014/main" id="{AADFC083-A29D-4E15-ABFF-FFAF7864FFDE}"/>
+              </a:ext>
+            </a:extLst>
+          </p:cNvPr>
+          <p:cNvPicPr>
+            <a:picLocks noChangeAspect="1"/>
+          </p:cNvPicPr>
+          <p:nvPr/>
+        </p:nvPicPr>
+        <p:blipFill rotWithShape="1">
+          <a:blip r:embed="rId2"/>
+          <a:srcRect t="94241"/>
+          <a:stretch/>
+        </p:blipFill>
+        <p:spPr>
+          <a:xfrm>
+            <a:off x="323839" y="5586198"/>
+            <a:ext cx="8508999" cy="461838"/>
+          </a:xfrm>
+          <a:prstGeom prst="rect">
+            <a:avLst/>
+          </a:prstGeom>
+          <a:noFill/>
+          <a:ln w="9525">
+            <a:noFill/>
+            <a:miter lim="800000"/>
+            <a:headEnd/>
+            <a:tailEnd/>
+          </a:ln>
+        </p:spPr>
+      </p:pic>
+    </p:spTree>
+    <p:extLst>
+      <p:ext uri="{BB962C8B-B14F-4D97-AF65-F5344CB8AC3E}">
+        <p14:creationId xmlns:p14="http://schemas.microsoft.com/office/powerpoint/2010/main" val="1672962177"/>
+      </p:ext>
+    </p:extLst>
+  </p:cSld>
+  <p:clrMapOvr>
+    <a:masterClrMapping/>
+  </p:clrMapOvr>
+  <mc:AlternateContent xmlns:mc="http://schemas.openxmlformats.org/markup-compatibility/2006" xmlns:p14="http://schemas.microsoft.com/office/powerpoint/2010/main">
+    <mc:Choice Requires="p14">
+      <p:transition spd="med" p14:dur="700" advTm="29363">
+        <p:fade/>
+      </p:transition>
+    </mc:Choice>
+    <mc:Fallback xmlns="">
+      <p:transition spd="med" advTm="29363">
+        <p:fade/>
+      </p:transition>
+    </mc:Fallback>
+  </mc:AlternateContent>
+</p:sld>
+</file>
+
+<file path=ppt/slides/slide12.xml><?xml version="1.0" encoding="utf-8"?>
+<p:sld xmlns:a="http://schemas.openxmlformats.org/drawingml/2006/main" xmlns:r="http://schemas.openxmlformats.org/officeDocument/2006/relationships" xmlns:p="http://schemas.openxmlformats.org/presentationml/2006/main">
+  <p:cSld>
+    <p:spTree>
+      <p:nvGrpSpPr>
+        <p:cNvPr id="1" name=""/>
+        <p:cNvGrpSpPr/>
+        <p:nvPr/>
+      </p:nvGrpSpPr>
+      <p:grpSpPr>
+        <a:xfrm>
+          <a:off x="0" y="0"/>
+          <a:ext cx="0" cy="0"/>
+          <a:chOff x="0" y="0"/>
+          <a:chExt cx="0" cy="0"/>
+        </a:xfrm>
+      </p:grpSpPr>
+      <p:pic>
+        <p:nvPicPr>
+          <p:cNvPr id="6" name="Picture 5" descr="Chart, bar chart&#10;&#10;Description automatically generated">
+            <a:extLst>
+              <a:ext uri="{FF2B5EF4-FFF2-40B4-BE49-F238E27FC236}">
+                <a16:creationId xmlns:a16="http://schemas.microsoft.com/office/drawing/2014/main" id="{652AE685-3ACC-48E4-8D6F-1A1F92D9116C}"/>
+              </a:ext>
+            </a:extLst>
+          </p:cNvPr>
+          <p:cNvPicPr>
+            <a:picLocks noChangeAspect="1"/>
+          </p:cNvPicPr>
+          <p:nvPr/>
+        </p:nvPicPr>
+        <p:blipFill rotWithShape="1">
+          <a:blip r:embed="rId2"/>
+          <a:srcRect t="47615"/>
+          <a:stretch/>
+        </p:blipFill>
+        <p:spPr>
+          <a:xfrm>
+            <a:off x="319090" y="1907523"/>
+            <a:ext cx="8508999" cy="4305019"/>
+          </a:xfrm>
+          <a:prstGeom prst="rect">
+            <a:avLst/>
+          </a:prstGeom>
+          <a:noFill/>
+          <a:ln w="9525">
+            <a:noFill/>
+            <a:miter lim="800000"/>
+            <a:headEnd/>
+            <a:tailEnd/>
+          </a:ln>
+        </p:spPr>
+      </p:pic>
+      <p:sp>
+        <p:nvSpPr>
+          <p:cNvPr id="4" name="Foliennummernplatzhalter 3"/>
+          <p:cNvSpPr>
+            <a:spLocks noGrp="1"/>
+          </p:cNvSpPr>
+          <p:nvPr>
+            <p:ph type="sldNum" sz="quarter" idx="11"/>
+          </p:nvPr>
+        </p:nvSpPr>
+        <p:spPr>
+          <a:xfrm>
+            <a:off x="6774934" y="6473313"/>
+            <a:ext cx="2052074" cy="365125"/>
+          </a:xfrm>
+        </p:spPr>
+        <p:txBody>
+          <a:bodyPr anchor="ctr">
+            <a:normAutofit/>
+          </a:bodyPr>
+          <a:lstStyle/>
+          <a:p>
+            <a:pPr>
+              <a:spcAft>
+                <a:spcPts val="600"/>
+              </a:spcAft>
+            </a:pPr>
+            <a:fld id="{CE58CB1E-F828-4F11-99E0-327109AF9DA4}" type="slidenum">
+              <a:rPr lang="de-DE" smtClean="0"/>
+              <a:pPr>
+                <a:spcAft>
+                  <a:spcPts val="600"/>
+                </a:spcAft>
+              </a:pPr>
+              <a:t>12</a:t>
+            </a:fld>
+            <a:endParaRPr lang="de-DE"/>
+          </a:p>
+        </p:txBody>
+      </p:sp>
+      <p:sp>
+        <p:nvSpPr>
+          <p:cNvPr id="7" name="Titel 2">
+            <a:extLst>
+              <a:ext uri="{FF2B5EF4-FFF2-40B4-BE49-F238E27FC236}">
+                <a16:creationId xmlns:a16="http://schemas.microsoft.com/office/drawing/2014/main" id="{350939F0-E62E-4063-BF78-80FD7E8E29E3}"/>
+              </a:ext>
+            </a:extLst>
+          </p:cNvPr>
+          <p:cNvSpPr txBox="1">
+            <a:spLocks/>
+          </p:cNvSpPr>
+          <p:nvPr/>
+        </p:nvSpPr>
+        <p:spPr>
+          <a:xfrm>
+            <a:off x="311162" y="878427"/>
+            <a:ext cx="8508999" cy="410369"/>
+          </a:xfrm>
+          <a:prstGeom prst="rect">
+            <a:avLst/>
+          </a:prstGeom>
+          <a:noFill/>
+          <a:ln w="9525">
+            <a:noFill/>
+            <a:miter lim="800000"/>
+            <a:headEnd/>
+            <a:tailEnd/>
+          </a:ln>
+        </p:spPr>
+        <p:txBody>
+          <a:bodyPr vert="horz" wrap="square" lIns="0" tIns="0" rIns="0" bIns="0" numCol="1" anchor="t" anchorCtr="0" compatLnSpc="1">
+            <a:prstTxWarp prst="textNoShape">
+              <a:avLst/>
+            </a:prstTxWarp>
+            <a:noAutofit/>
+          </a:bodyPr>
+          <a:lstStyle>
+            <a:lvl1pPr algn="l" rtl="0" eaLnBrk="0" fontAlgn="base" hangingPunct="0">
+              <a:lnSpc>
+                <a:spcPts val="3200"/>
+              </a:lnSpc>
+              <a:spcBef>
+                <a:spcPct val="0"/>
+              </a:spcBef>
+              <a:spcAft>
+                <a:spcPct val="0"/>
+              </a:spcAft>
+              <a:defRPr lang="de-DE" sz="3000" b="0" kern="1200" noProof="0" dirty="0">
+                <a:solidFill>
+                  <a:schemeClr val="tx1"/>
+                </a:solidFill>
+                <a:latin typeface="+mj-lt"/>
+                <a:ea typeface="+mj-ea"/>
+                <a:cs typeface="+mj-cs"/>
+              </a:defRPr>
+            </a:lvl1pPr>
+            <a:lvl2pPr algn="l" rtl="0" eaLnBrk="0" fontAlgn="base" hangingPunct="0">
+              <a:spcBef>
+                <a:spcPct val="0"/>
+              </a:spcBef>
+              <a:spcAft>
+                <a:spcPct val="0"/>
+              </a:spcAft>
+              <a:defRPr sz="2000" b="1">
+                <a:solidFill>
+                  <a:schemeClr val="tx2"/>
+                </a:solidFill>
+                <a:latin typeface="Arial" charset="0"/>
+                <a:cs typeface="Arial" charset="0"/>
+              </a:defRPr>
+            </a:lvl2pPr>
+            <a:lvl3pPr algn="l" rtl="0" eaLnBrk="0" fontAlgn="base" hangingPunct="0">
+              <a:spcBef>
+                <a:spcPct val="0"/>
+              </a:spcBef>
+              <a:spcAft>
+                <a:spcPct val="0"/>
+              </a:spcAft>
+              <a:defRPr sz="2000" b="1">
+                <a:solidFill>
+                  <a:schemeClr val="tx2"/>
+                </a:solidFill>
+                <a:latin typeface="Arial" charset="0"/>
+                <a:cs typeface="Arial" charset="0"/>
+              </a:defRPr>
+            </a:lvl3pPr>
+            <a:lvl4pPr algn="l" rtl="0" eaLnBrk="0" fontAlgn="base" hangingPunct="0">
+              <a:spcBef>
+                <a:spcPct val="0"/>
+              </a:spcBef>
+              <a:spcAft>
+                <a:spcPct val="0"/>
+              </a:spcAft>
+              <a:defRPr sz="2000" b="1">
+                <a:solidFill>
+                  <a:schemeClr val="tx2"/>
+                </a:solidFill>
+                <a:latin typeface="Arial" charset="0"/>
+                <a:cs typeface="Arial" charset="0"/>
+              </a:defRPr>
+            </a:lvl4pPr>
+            <a:lvl5pPr algn="l" rtl="0" eaLnBrk="0" fontAlgn="base" hangingPunct="0">
+              <a:spcBef>
+                <a:spcPct val="0"/>
+              </a:spcBef>
+              <a:spcAft>
+                <a:spcPct val="0"/>
+              </a:spcAft>
+              <a:defRPr sz="2000" b="1">
+                <a:solidFill>
+                  <a:schemeClr val="tx2"/>
+                </a:solidFill>
+                <a:latin typeface="Arial" charset="0"/>
+                <a:cs typeface="Arial" charset="0"/>
+              </a:defRPr>
+            </a:lvl5pPr>
+            <a:lvl6pPr marL="457200" algn="l" rtl="0" fontAlgn="base">
+              <a:spcBef>
+                <a:spcPct val="0"/>
+              </a:spcBef>
+              <a:spcAft>
+                <a:spcPct val="0"/>
+              </a:spcAft>
+              <a:defRPr sz="2000" b="1">
+                <a:solidFill>
+                  <a:schemeClr val="tx2"/>
+                </a:solidFill>
+                <a:latin typeface="Arial" charset="0"/>
+                <a:cs typeface="Arial" charset="0"/>
+              </a:defRPr>
+            </a:lvl6pPr>
+            <a:lvl7pPr marL="914400" algn="l" rtl="0" fontAlgn="base">
+              <a:spcBef>
+                <a:spcPct val="0"/>
+              </a:spcBef>
+              <a:spcAft>
+                <a:spcPct val="0"/>
+              </a:spcAft>
+              <a:defRPr sz="2000" b="1">
+                <a:solidFill>
+                  <a:schemeClr val="tx2"/>
+                </a:solidFill>
+                <a:latin typeface="Arial" charset="0"/>
+                <a:cs typeface="Arial" charset="0"/>
+              </a:defRPr>
+            </a:lvl7pPr>
+            <a:lvl8pPr marL="1371600" algn="l" rtl="0" fontAlgn="base">
+              <a:spcBef>
+                <a:spcPct val="0"/>
+              </a:spcBef>
+              <a:spcAft>
+                <a:spcPct val="0"/>
+              </a:spcAft>
+              <a:defRPr sz="2000" b="1">
+                <a:solidFill>
+                  <a:schemeClr val="tx2"/>
+                </a:solidFill>
+                <a:latin typeface="Arial" charset="0"/>
+                <a:cs typeface="Arial" charset="0"/>
+              </a:defRPr>
+            </a:lvl8pPr>
+            <a:lvl9pPr marL="1828800" algn="l" rtl="0" fontAlgn="base">
+              <a:spcBef>
+                <a:spcPct val="0"/>
+              </a:spcBef>
+              <a:spcAft>
+                <a:spcPct val="0"/>
+              </a:spcAft>
+              <a:defRPr sz="2000" b="1">
+                <a:solidFill>
+                  <a:schemeClr val="tx2"/>
+                </a:solidFill>
+                <a:latin typeface="Arial" charset="0"/>
+                <a:cs typeface="Arial" charset="0"/>
+              </a:defRPr>
+            </a:lvl9pPr>
+          </a:lstStyle>
+          <a:p>
+            <a:r>
+              <a:rPr lang="en-US" sz="3200" dirty="0"/>
+              <a:t> </a:t>
+            </a:r>
+            <a:r>
+              <a:rPr lang="en-US" sz="3200" dirty="0" err="1">
+                <a:solidFill>
+                  <a:schemeClr val="bg2">
+                    <a:lumMod val="75000"/>
+                  </a:schemeClr>
+                </a:solidFill>
+              </a:rPr>
+              <a:t>Performanzanalyse</a:t>
+            </a:r>
+            <a:r>
+              <a:rPr lang="en-US" sz="3200" dirty="0">
+                <a:solidFill>
+                  <a:schemeClr val="bg2">
+                    <a:lumMod val="75000"/>
+                  </a:schemeClr>
+                </a:solidFill>
+              </a:rPr>
+              <a:t>: </a:t>
+            </a:r>
+            <a:r>
+              <a:rPr lang="en-US" sz="3200" dirty="0">
+                <a:solidFill>
+                  <a:srgbClr val="005293"/>
+                </a:solidFill>
+              </a:rPr>
+              <a:t>Grad 6 bis 8</a:t>
+            </a:r>
+            <a:endParaRPr lang="en-US" sz="3200" dirty="0"/>
+          </a:p>
+        </p:txBody>
+      </p:sp>
+      <p:pic>
+        <p:nvPicPr>
+          <p:cNvPr id="5" name="Picture 4" descr="Chart, bar chart&#10;&#10;Description automatically generated">
+            <a:extLst>
+              <a:ext uri="{FF2B5EF4-FFF2-40B4-BE49-F238E27FC236}">
+                <a16:creationId xmlns:a16="http://schemas.microsoft.com/office/drawing/2014/main" id="{710F71BB-1104-447C-8A3F-06EF3369E532}"/>
+              </a:ext>
+            </a:extLst>
+          </p:cNvPr>
+          <p:cNvPicPr>
+            <a:picLocks noChangeAspect="1"/>
+          </p:cNvPicPr>
+          <p:nvPr/>
+        </p:nvPicPr>
+        <p:blipFill rotWithShape="1">
+          <a:blip r:embed="rId2"/>
+          <a:srcRect t="-167" b="94092"/>
+          <a:stretch/>
+        </p:blipFill>
+        <p:spPr>
+          <a:xfrm>
+            <a:off x="319090" y="1501119"/>
+            <a:ext cx="8508999" cy="487185"/>
+          </a:xfrm>
+          <a:prstGeom prst="rect">
+            <a:avLst/>
+          </a:prstGeom>
+          <a:noFill/>
+          <a:ln w="9525">
+            <a:noFill/>
+            <a:miter lim="800000"/>
+            <a:headEnd/>
+            <a:tailEnd/>
+          </a:ln>
+        </p:spPr>
+      </p:pic>
+    </p:spTree>
+    <p:extLst>
+      <p:ext uri="{BB962C8B-B14F-4D97-AF65-F5344CB8AC3E}">
+        <p14:creationId xmlns:p14="http://schemas.microsoft.com/office/powerpoint/2010/main" val="2898193272"/>
+      </p:ext>
+    </p:extLst>
+  </p:cSld>
+  <p:clrMapOvr>
+    <a:masterClrMapping/>
+  </p:clrMapOvr>
+  <mc:AlternateContent xmlns:mc="http://schemas.openxmlformats.org/markup-compatibility/2006" xmlns:p14="http://schemas.microsoft.com/office/powerpoint/2010/main">
+    <mc:Choice Requires="p14">
+      <p:transition spd="med" p14:dur="700" advTm="29363">
+        <p:fade/>
+      </p:transition>
+    </mc:Choice>
+    <mc:Fallback xmlns="">
+      <p:transition spd="med" advTm="29363">
+        <p:fade/>
+      </p:transition>
+    </mc:Fallback>
+  </mc:AlternateContent>
+</p:sld>
+</file>
+
+<file path=ppt/slides/slide13.xml><?xml version="1.0" encoding="utf-8"?>
+<p:sld xmlns:a="http://schemas.openxmlformats.org/drawingml/2006/main" xmlns:r="http://schemas.openxmlformats.org/officeDocument/2006/relationships" xmlns:p="http://schemas.openxmlformats.org/presentationml/2006/main">
+  <p:cSld>
+    <p:spTree>
+      <p:nvGrpSpPr>
+        <p:cNvPr id="1" name=""/>
+        <p:cNvGrpSpPr/>
+        <p:nvPr/>
+      </p:nvGrpSpPr>
+      <p:grpSpPr>
+        <a:xfrm>
+          <a:off x="0" y="0"/>
+          <a:ext cx="0" cy="0"/>
+          <a:chOff x="0" y="0"/>
+          <a:chExt cx="0" cy="0"/>
+        </a:xfrm>
+      </p:grpSpPr>
       <p:sp>
         <p:nvSpPr>
           <p:cNvPr id="4" name="Foliennummernplatzhalter 3"/>
@@ -9372,7 +10491,7 @@
                   <a:spcPts val="600"/>
                 </a:spcAft>
               </a:pPr>
-              <a:t>10</a:t>
+              <a:t>13</a:t>
             </a:fld>
             <a:endParaRPr lang="de-DE" dirty="0"/>
           </a:p>
@@ -9413,26 +10532,6 @@
                 </a:solidFill>
               </a:rPr>
               <a:t>Fazit</a:t>
-            </a:r>
-            <a:r>
-              <a:rPr lang="en-US" sz="3200" dirty="0">
-                <a:solidFill>
-                  <a:schemeClr val="bg2">
-                    <a:lumMod val="75000"/>
-                  </a:schemeClr>
-                </a:solidFill>
-              </a:rPr>
-              <a:t>: </a:t>
-            </a:r>
-            <a:r>
-              <a:rPr lang="en-US" sz="3200" dirty="0" err="1">
-                <a:solidFill>
-                  <a:schemeClr val="bg2">
-                    <a:lumMod val="75000"/>
-                  </a:schemeClr>
-                </a:solidFill>
-              </a:rPr>
-              <a:t>Verbesserungsmöglichkeiten</a:t>
             </a:r>
             <a:endParaRPr lang="de-DE" sz="3200" dirty="0"/>
           </a:p>
@@ -9641,27 +10740,18 @@
             </a:lvl9pPr>
           </a:lstStyle>
           <a:p>
-            <a:pPr>
-              <a:spcAft>
-                <a:spcPts val="600"/>
-              </a:spcAft>
-            </a:pPr>
-            <a:r>
-              <a:rPr lang="en-GB"/>
-              <a:t>•</a:t>
-            </a:r>
-          </a:p>
-          <a:p>
-            <a:pPr marL="457200" indent="-457200">
+            <a:pPr marL="285750" indent="-285750">
               <a:spcAft>
                 <a:spcPts val="600"/>
               </a:spcAft>
               <a:buFont typeface="Courier New" panose="02070309020205020404" pitchFamily="49" charset="0"/>
               <a:buChar char="o"/>
             </a:pPr>
-            <a:endParaRPr lang="en-GB">
+            <a:endParaRPr lang="en-US" sz="2400" dirty="0">
               <a:solidFill>
-                <a:srgbClr val="FF0000"/>
+                <a:schemeClr val="bg2">
+                  <a:lumMod val="75000"/>
+                </a:schemeClr>
               </a:solidFill>
             </a:endParaRPr>
           </a:p>
@@ -9673,18 +10763,131 @@
               <a:buFont typeface="Courier New" panose="02070309020205020404" pitchFamily="49" charset="0"/>
               <a:buChar char="o"/>
             </a:pPr>
-            <a:endParaRPr lang="en-US">
+            <a:r>
+              <a:rPr lang="de-DE" sz="2400" dirty="0">
+                <a:solidFill>
+                  <a:schemeClr val="bg2">
+                    <a:lumMod val="75000"/>
+                  </a:schemeClr>
+                </a:solidFill>
+              </a:rPr>
+              <a:t>Verbesserungsmöglichkeiten</a:t>
+            </a:r>
+            <a:r>
+              <a:rPr lang="en-US" sz="2400" dirty="0">
+                <a:solidFill>
+                  <a:schemeClr val="bg2">
+                    <a:lumMod val="75000"/>
+                  </a:schemeClr>
+                </a:solidFill>
+              </a:rPr>
+              <a:t>:</a:t>
+            </a:r>
+            <a:endParaRPr lang="de-DE" sz="2400" dirty="0">
               <a:solidFill>
-                <a:srgbClr val="FF0000"/>
+                <a:srgbClr val="005293"/>
               </a:solidFill>
             </a:endParaRPr>
+          </a:p>
+          <a:p>
+            <a:pPr marL="285750" indent="-285750">
+              <a:spcAft>
+                <a:spcPts val="600"/>
+              </a:spcAft>
+              <a:buFont typeface="Wingdings" panose="05000000000000000000" pitchFamily="2" charset="2"/>
+              <a:buChar char="ü"/>
+            </a:pPr>
+            <a:endParaRPr lang="de-DE" dirty="0">
+              <a:solidFill>
+                <a:srgbClr val="005293"/>
+              </a:solidFill>
+            </a:endParaRPr>
+          </a:p>
+          <a:p>
+            <a:pPr marL="285750" indent="-285750">
+              <a:spcAft>
+                <a:spcPts val="600"/>
+              </a:spcAft>
+              <a:buFont typeface="Wingdings" panose="05000000000000000000" pitchFamily="2" charset="2"/>
+              <a:buChar char="ü"/>
+            </a:pPr>
+            <a:r>
+              <a:rPr lang="de-DE" sz="1800" dirty="0"/>
+              <a:t>Speicheroptimierungen</a:t>
+            </a:r>
+          </a:p>
+          <a:p>
+            <a:pPr marL="285750" indent="-285750">
+              <a:spcAft>
+                <a:spcPts val="600"/>
+              </a:spcAft>
+              <a:buFont typeface="Wingdings" panose="05000000000000000000" pitchFamily="2" charset="2"/>
+              <a:buChar char="ü"/>
+            </a:pPr>
+            <a:endParaRPr lang="de-DE" sz="1800" dirty="0"/>
+          </a:p>
+          <a:p>
+            <a:pPr marL="285750" indent="-285750">
+              <a:spcAft>
+                <a:spcPts val="600"/>
+              </a:spcAft>
+              <a:buFont typeface="Wingdings" panose="05000000000000000000" pitchFamily="2" charset="2"/>
+              <a:buChar char="ü"/>
+            </a:pPr>
+            <a:r>
+              <a:rPr lang="de-DE" sz="1800" dirty="0"/>
+              <a:t>Multithreading</a:t>
+            </a:r>
+          </a:p>
+          <a:p>
+            <a:pPr marL="285750" indent="-285750">
+              <a:spcAft>
+                <a:spcPts val="600"/>
+              </a:spcAft>
+              <a:buFont typeface="Wingdings" panose="05000000000000000000" pitchFamily="2" charset="2"/>
+              <a:buChar char="ü"/>
+            </a:pPr>
+            <a:endParaRPr lang="de-DE" sz="1800" dirty="0"/>
+          </a:p>
+          <a:p>
+            <a:pPr marL="285750" indent="-285750">
+              <a:spcAft>
+                <a:spcPts val="600"/>
+              </a:spcAft>
+              <a:buFont typeface="Wingdings" panose="05000000000000000000" pitchFamily="2" charset="2"/>
+              <a:buChar char="ü"/>
+            </a:pPr>
+            <a:r>
+              <a:rPr lang="de-DE" sz="1800" dirty="0"/>
+              <a:t>16-bit Alignment SIMD-Instruktionen </a:t>
+            </a:r>
+          </a:p>
+          <a:p>
+            <a:pPr marL="285750" indent="-285750">
+              <a:spcAft>
+                <a:spcPts val="600"/>
+              </a:spcAft>
+              <a:buFont typeface="Wingdings" panose="05000000000000000000" pitchFamily="2" charset="2"/>
+              <a:buChar char="ü"/>
+            </a:pPr>
+            <a:endParaRPr lang="de-DE" sz="1800" dirty="0"/>
+          </a:p>
+          <a:p>
+            <a:pPr marL="285750" indent="-285750">
+              <a:spcAft>
+                <a:spcPts val="600"/>
+              </a:spcAft>
+              <a:buFont typeface="Wingdings" panose="05000000000000000000" pitchFamily="2" charset="2"/>
+              <a:buChar char="ü"/>
+            </a:pPr>
+            <a:endParaRPr lang="de-DE" dirty="0"/>
           </a:p>
         </p:txBody>
       </p:sp>
     </p:spTree>
     <p:extLst>
       <p:ext uri="{BB962C8B-B14F-4D97-AF65-F5344CB8AC3E}">
-        <p14:creationId xmlns:p14="http://schemas.microsoft.com/office/powerpoint/2010/main" val="2187016146"/>
+        <p14:creationId xmlns:p14="http://schemas.microsoft.com/office/powerpoint/2010/main" val="104453609"/>
       </p:ext>
     </p:extLst>
   </p:cSld>
@@ -9706,7 +10909,7 @@
 </p:sld>
 </file>
 
-<file path=ppt/slides/slide11.xml><?xml version="1.0" encoding="utf-8"?>
+<file path=ppt/slides/slide14.xml><?xml version="1.0" encoding="utf-8"?>
 <p:sld xmlns:a="http://schemas.openxmlformats.org/drawingml/2006/main" xmlns:r="http://schemas.openxmlformats.org/officeDocument/2006/relationships" xmlns:p="http://schemas.openxmlformats.org/presentationml/2006/main">
   <p:cSld>
     <p:spTree>
@@ -9807,7 +11010,7 @@
             <a:fld id="{CE58CB1E-F828-4F11-99E0-327109AF9DA4}" type="slidenum">
               <a:rPr lang="de-DE" smtClean="0"/>
               <a:pPr/>
-              <a:t>11</a:t>
+              <a:t>14</a:t>
             </a:fld>
             <a:endParaRPr lang="de-DE" dirty="0"/>
           </a:p>
@@ -12680,10 +13883,6 @@
               </a:rPr>
               <a:t>Performanzanalyse</a:t>
             </a:r>
-            <a:r>
-              <a:rPr lang="en-US" sz="3200" dirty="0"/>
-              <a:t>:</a:t>
-            </a:r>
             <a:endParaRPr lang="de-DE" sz="3200" dirty="0"/>
           </a:p>
         </p:txBody>
@@ -12891,25 +14090,162 @@
             </a:lvl9pPr>
           </a:lstStyle>
           <a:p>
-            <a:pPr>
-              <a:spcAft>
-                <a:spcPts val="600"/>
-              </a:spcAft>
-            </a:pPr>
-            <a:r>
-              <a:rPr lang="en-GB"/>
-              <a:t>•</a:t>
-            </a:r>
-          </a:p>
-          <a:p>
-            <a:pPr marL="457200" indent="-457200">
+            <a:pPr marL="285750" indent="-285750">
               <a:spcAft>
                 <a:spcPts val="600"/>
               </a:spcAft>
               <a:buFont typeface="Courier New" panose="02070309020205020404" pitchFamily="49" charset="0"/>
               <a:buChar char="o"/>
             </a:pPr>
-            <a:endParaRPr lang="en-GB">
+            <a:r>
+              <a:rPr lang="en-GB" sz="2400" dirty="0">
+                <a:solidFill>
+                  <a:srgbClr val="005293"/>
+                </a:solidFill>
+              </a:rPr>
+              <a:t>Environment:</a:t>
+            </a:r>
+          </a:p>
+          <a:p>
+            <a:pPr marL="285750" indent="-285750">
+              <a:spcAft>
+                <a:spcPts val="600"/>
+              </a:spcAft>
+              <a:buFont typeface="Courier New" panose="02070309020205020404" pitchFamily="49" charset="0"/>
+              <a:buChar char="o"/>
+            </a:pPr>
+            <a:endParaRPr lang="en-GB" sz="2400" dirty="0">
+              <a:solidFill>
+                <a:srgbClr val="005293"/>
+              </a:solidFill>
+            </a:endParaRPr>
+          </a:p>
+          <a:p>
+            <a:pPr marL="285750" indent="-285750">
+              <a:spcAft>
+                <a:spcPts val="600"/>
+              </a:spcAft>
+              <a:buFont typeface="Wingdings" panose="05000000000000000000" pitchFamily="2" charset="2"/>
+              <a:buChar char="Ø"/>
+            </a:pPr>
+            <a:r>
+              <a:rPr lang="en-GB" sz="1800" dirty="0"/>
+              <a:t> I</a:t>
+            </a:r>
+            <a:r>
+              <a:rPr lang="en-US" sz="1800" dirty="0" err="1"/>
+              <a:t>ntel</a:t>
+            </a:r>
+            <a:r>
+              <a:rPr lang="en-US" sz="1800" dirty="0"/>
+              <a:t> Core i7-7700K (4.20GHz)</a:t>
+            </a:r>
+          </a:p>
+          <a:p>
+            <a:pPr marL="285750" indent="-285750">
+              <a:spcAft>
+                <a:spcPts val="600"/>
+              </a:spcAft>
+              <a:buFont typeface="Wingdings" panose="05000000000000000000" pitchFamily="2" charset="2"/>
+              <a:buChar char="Ø"/>
+            </a:pPr>
+            <a:r>
+              <a:rPr lang="en-US" sz="1800" dirty="0"/>
+              <a:t>16GB</a:t>
+            </a:r>
+            <a:endParaRPr lang="de-DE" sz="1800" dirty="0"/>
+          </a:p>
+          <a:p>
+            <a:pPr marL="285750" indent="-285750">
+              <a:spcAft>
+                <a:spcPts val="600"/>
+              </a:spcAft>
+              <a:buFont typeface="Wingdings" panose="05000000000000000000" pitchFamily="2" charset="2"/>
+              <a:buChar char="Ø"/>
+            </a:pPr>
+            <a:r>
+              <a:rPr lang="en-US" sz="1800" dirty="0"/>
+              <a:t>Linux Mint 20 64-bit (Kernel 5.4.0-26-generic)</a:t>
+            </a:r>
+          </a:p>
+          <a:p>
+            <a:pPr marL="342900" indent="-342900">
+              <a:spcAft>
+                <a:spcPts val="600"/>
+              </a:spcAft>
+              <a:buFont typeface="Wingdings" panose="05000000000000000000" pitchFamily="2" charset="2"/>
+              <a:buChar char="Ø"/>
+            </a:pPr>
+            <a:endParaRPr lang="en-GB" sz="2400" dirty="0">
+              <a:solidFill>
+                <a:srgbClr val="005293"/>
+              </a:solidFill>
+            </a:endParaRPr>
+          </a:p>
+          <a:p>
+            <a:pPr marL="285750" indent="-285750">
+              <a:spcAft>
+                <a:spcPts val="600"/>
+              </a:spcAft>
+              <a:buFont typeface="Courier New" panose="02070309020205020404" pitchFamily="49" charset="0"/>
+              <a:buChar char="o"/>
+            </a:pPr>
+            <a:r>
+              <a:rPr lang="en-GB" sz="2400" dirty="0">
+                <a:solidFill>
+                  <a:srgbClr val="005293"/>
+                </a:solidFill>
+              </a:rPr>
+              <a:t>Compiler:</a:t>
+            </a:r>
+          </a:p>
+          <a:p>
+            <a:pPr marL="285750" indent="-285750">
+              <a:spcAft>
+                <a:spcPts val="600"/>
+              </a:spcAft>
+              <a:buFont typeface="Courier New" panose="02070309020205020404" pitchFamily="49" charset="0"/>
+              <a:buChar char="o"/>
+            </a:pPr>
+            <a:endParaRPr lang="en-GB" sz="2400" dirty="0">
+              <a:solidFill>
+                <a:srgbClr val="005293"/>
+              </a:solidFill>
+            </a:endParaRPr>
+          </a:p>
+          <a:p>
+            <a:pPr marL="342900" indent="-342900">
+              <a:spcAft>
+                <a:spcPts val="600"/>
+              </a:spcAft>
+              <a:buFont typeface="Wingdings" panose="05000000000000000000" pitchFamily="2" charset="2"/>
+              <a:buChar char="Ø"/>
+            </a:pPr>
+            <a:r>
+              <a:rPr lang="de-DE" dirty="0"/>
+              <a:t>GCC 9.3.0 mit Option -03</a:t>
+            </a:r>
+            <a:endParaRPr lang="en-GB" dirty="0"/>
+          </a:p>
+          <a:p>
+            <a:pPr marL="285750" indent="-285750">
+              <a:spcAft>
+                <a:spcPts val="600"/>
+              </a:spcAft>
+              <a:buFont typeface="Wingdings" panose="05000000000000000000" pitchFamily="2" charset="2"/>
+              <a:buChar char="Ø"/>
+            </a:pPr>
+            <a:endParaRPr lang="en-GB" dirty="0"/>
+          </a:p>
+          <a:p>
+            <a:pPr marL="457200" indent="-457200">
+              <a:spcAft>
+                <a:spcPts val="600"/>
+              </a:spcAft>
+              <a:buFont typeface="Courier New" panose="02070309020205020404" pitchFamily="49" charset="0"/>
+              <a:buChar char="o"/>
+            </a:pPr>
+            <a:endParaRPr lang="en-GB" dirty="0">
               <a:solidFill>
                 <a:srgbClr val="FF0000"/>
               </a:solidFill>
@@ -12923,7 +14259,7 @@
               <a:buFont typeface="Courier New" panose="02070309020205020404" pitchFamily="49" charset="0"/>
               <a:buChar char="o"/>
             </a:pPr>
-            <a:endParaRPr lang="en-US">
+            <a:endParaRPr lang="en-US" dirty="0">
               <a:solidFill>
                 <a:srgbClr val="FF0000"/>
               </a:solidFill>
@@ -12931,40 +14267,10 @@
           </a:p>
         </p:txBody>
       </p:sp>
-      <p:pic>
-        <p:nvPicPr>
-          <p:cNvPr id="5" name="Picture 4" descr="Table&#10;&#10;Description automatically generated">
-            <a:extLst>
-              <a:ext uri="{FF2B5EF4-FFF2-40B4-BE49-F238E27FC236}">
-                <a16:creationId xmlns:a16="http://schemas.microsoft.com/office/drawing/2014/main" id="{65799A29-2797-4FED-B8F4-BE803AD3B5C6}"/>
-              </a:ext>
-            </a:extLst>
-          </p:cNvPr>
-          <p:cNvPicPr>
-            <a:picLocks noChangeAspect="1"/>
-          </p:cNvPicPr>
-          <p:nvPr/>
-        </p:nvPicPr>
-        <p:blipFill>
-          <a:blip r:embed="rId2"/>
-          <a:stretch>
-            <a:fillRect/>
-          </a:stretch>
-        </p:blipFill>
-        <p:spPr>
-          <a:xfrm>
-            <a:off x="613810" y="2176287"/>
-            <a:ext cx="7916380" cy="2505425"/>
-          </a:xfrm>
-          <a:prstGeom prst="rect">
-            <a:avLst/>
-          </a:prstGeom>
-        </p:spPr>
-      </p:pic>
     </p:spTree>
     <p:extLst>
       <p:ext uri="{BB962C8B-B14F-4D97-AF65-F5344CB8AC3E}">
-        <p14:creationId xmlns:p14="http://schemas.microsoft.com/office/powerpoint/2010/main" val="444073437"/>
+        <p14:creationId xmlns:p14="http://schemas.microsoft.com/office/powerpoint/2010/main" val="2239404565"/>
       </p:ext>
     </p:extLst>
   </p:cSld>
@@ -13010,7 +14316,7 @@
             <a:spLocks noGrp="1"/>
           </p:cNvSpPr>
           <p:nvPr>
-            <p:ph type="sldNum" sz="quarter" idx="16"/>
+            <p:ph type="sldNum" sz="quarter" idx="11"/>
           </p:nvPr>
         </p:nvSpPr>
         <p:spPr>
@@ -13039,66 +14345,16 @@
               </a:pPr>
               <a:t>9</a:t>
             </a:fld>
-            <a:endParaRPr lang="de-DE"/>
+            <a:endParaRPr lang="de-DE" dirty="0"/>
           </a:p>
         </p:txBody>
       </p:sp>
       <p:sp>
         <p:nvSpPr>
-          <p:cNvPr id="3" name="Titel 2"/>
-          <p:cNvSpPr>
-            <a:spLocks noGrp="1"/>
-          </p:cNvSpPr>
-          <p:nvPr>
-            <p:ph type="title"/>
-          </p:nvPr>
-        </p:nvSpPr>
-        <p:spPr>
-          <a:xfrm>
-            <a:off x="311162" y="878427"/>
-            <a:ext cx="8508999" cy="410369"/>
-          </a:xfrm>
-        </p:spPr>
-        <p:txBody>
-          <a:bodyPr wrap="square" anchor="t">
-            <a:noAutofit/>
-          </a:bodyPr>
-          <a:lstStyle/>
-          <a:p>
-            <a:r>
-              <a:rPr lang="en-US" sz="3200" dirty="0"/>
-              <a:t> </a:t>
-            </a:r>
-            <a:r>
-              <a:rPr lang="en-US" sz="3200" dirty="0" err="1">
-                <a:solidFill>
-                  <a:schemeClr val="bg2">
-                    <a:lumMod val="75000"/>
-                  </a:schemeClr>
-                </a:solidFill>
-              </a:rPr>
-              <a:t>Performanzanalyse</a:t>
-            </a:r>
-            <a:r>
-              <a:rPr lang="en-US" sz="3200" dirty="0">
-                <a:solidFill>
-                  <a:schemeClr val="bg2">
-                    <a:lumMod val="75000"/>
-                  </a:schemeClr>
-                </a:solidFill>
-              </a:rPr>
-              <a:t>: </a:t>
-            </a:r>
-            <a:endParaRPr lang="de-DE" sz="3200" dirty="0"/>
-          </a:p>
-        </p:txBody>
-      </p:sp>
-      <p:sp>
-        <p:nvSpPr>
-          <p:cNvPr id="12" name="Content Placeholder 13">
+          <p:cNvPr id="7" name="Titel 2">
             <a:extLst>
               <a:ext uri="{FF2B5EF4-FFF2-40B4-BE49-F238E27FC236}">
-                <a16:creationId xmlns:a16="http://schemas.microsoft.com/office/drawing/2014/main" id="{BD0F1FD7-B55C-4C88-940C-DE7178B6A3B2}"/>
+                <a16:creationId xmlns:a16="http://schemas.microsoft.com/office/drawing/2014/main" id="{B24129D1-E71B-47E0-9724-460D627BC21D}"/>
               </a:ext>
             </a:extLst>
           </p:cNvPr>
@@ -13109,8 +14365,8 @@
         </p:nvSpPr>
         <p:spPr>
           <a:xfrm>
-            <a:off x="5607513" y="1816689"/>
-            <a:ext cx="3161878" cy="4632879"/>
+            <a:off x="311162" y="878427"/>
+            <a:ext cx="8508999" cy="410369"/>
           </a:xfrm>
           <a:prstGeom prst="rect">
             <a:avLst/>
@@ -13128,12 +14384,12 @@
             <a:prstTxWarp prst="textNoShape">
               <a:avLst/>
             </a:prstTxWarp>
-            <a:normAutofit/>
+            <a:noAutofit/>
           </a:bodyPr>
           <a:lstStyle>
             <a:lvl1pPr algn="l" rtl="0" eaLnBrk="0" fontAlgn="base" hangingPunct="0">
               <a:lnSpc>
-                <a:spcPct val="114000"/>
+                <a:spcPts val="3200"/>
               </a:lnSpc>
               <a:spcBef>
                 <a:spcPct val="0"/>
@@ -13141,239 +14397,187 @@
               <a:spcAft>
                 <a:spcPct val="0"/>
               </a:spcAft>
-              <a:defRPr lang="de-DE" sz="1600" kern="1200" noProof="0" dirty="0" smtClean="0">
+              <a:defRPr lang="de-DE" sz="3000" b="0" kern="1200" noProof="0" dirty="0">
                 <a:solidFill>
                   <a:schemeClr val="tx1"/>
                 </a:solidFill>
-                <a:latin typeface="+mn-lt"/>
-                <a:ea typeface="+mn-ea"/>
-                <a:cs typeface="+mn-cs"/>
+                <a:latin typeface="+mj-lt"/>
+                <a:ea typeface="+mj-ea"/>
+                <a:cs typeface="+mj-cs"/>
               </a:defRPr>
             </a:lvl1pPr>
-            <a:lvl2pPr marL="176213" indent="-176213" algn="l" rtl="0" eaLnBrk="0" fontAlgn="base" hangingPunct="0">
-              <a:lnSpc>
-                <a:spcPct val="114000"/>
-              </a:lnSpc>
+            <a:lvl2pPr algn="l" rtl="0" eaLnBrk="0" fontAlgn="base" hangingPunct="0">
               <a:spcBef>
                 <a:spcPct val="0"/>
               </a:spcBef>
               <a:spcAft>
                 <a:spcPct val="0"/>
               </a:spcAft>
-              <a:buFont typeface="Arial" charset="0"/>
-              <a:buChar char="•"/>
-              <a:defRPr lang="de-DE" sz="1600" kern="1200" noProof="0" dirty="0" smtClean="0">
+              <a:defRPr sz="2000" b="1">
                 <a:solidFill>
-                  <a:schemeClr val="tx1"/>
+                  <a:schemeClr val="tx2"/>
                 </a:solidFill>
-                <a:latin typeface="+mn-lt"/>
-                <a:ea typeface="+mn-ea"/>
-                <a:cs typeface="+mn-cs"/>
+                <a:latin typeface="Arial" charset="0"/>
+                <a:cs typeface="Arial" charset="0"/>
               </a:defRPr>
             </a:lvl2pPr>
-            <a:lvl3pPr marL="360363" indent="-184150" algn="l" rtl="0" eaLnBrk="0" fontAlgn="base" hangingPunct="0">
-              <a:lnSpc>
-                <a:spcPct val="125000"/>
-              </a:lnSpc>
+            <a:lvl3pPr algn="l" rtl="0" eaLnBrk="0" fontAlgn="base" hangingPunct="0">
               <a:spcBef>
                 <a:spcPct val="0"/>
               </a:spcBef>
               <a:spcAft>
                 <a:spcPct val="0"/>
               </a:spcAft>
-              <a:buFont typeface="Symbol" pitchFamily="18" charset="2"/>
-              <a:buChar char="-"/>
-              <a:defRPr sz="1600" kern="1200">
+              <a:defRPr sz="2000" b="1">
                 <a:solidFill>
-                  <a:schemeClr val="tx1"/>
+                  <a:schemeClr val="tx2"/>
                 </a:solidFill>
-                <a:latin typeface="+mn-lt"/>
-                <a:ea typeface="+mn-ea"/>
-                <a:cs typeface="+mn-cs"/>
+                <a:latin typeface="Arial" charset="0"/>
+                <a:cs typeface="Arial" charset="0"/>
               </a:defRPr>
             </a:lvl3pPr>
-            <a:lvl4pPr marL="538163" indent="-177800" algn="l" rtl="0" eaLnBrk="0" fontAlgn="base" hangingPunct="0">
-              <a:lnSpc>
-                <a:spcPct val="125000"/>
-              </a:lnSpc>
+            <a:lvl4pPr algn="l" rtl="0" eaLnBrk="0" fontAlgn="base" hangingPunct="0">
               <a:spcBef>
                 <a:spcPct val="0"/>
               </a:spcBef>
               <a:spcAft>
                 <a:spcPct val="0"/>
               </a:spcAft>
-              <a:buFont typeface="Symbol" pitchFamily="18" charset="2"/>
-              <a:buChar char="-"/>
-              <a:defRPr sz="1400" kern="1200">
+              <a:defRPr sz="2000" b="1">
                 <a:solidFill>
-                  <a:schemeClr val="tx1"/>
+                  <a:schemeClr val="tx2"/>
                 </a:solidFill>
-                <a:latin typeface="+mn-lt"/>
-                <a:ea typeface="+mn-ea"/>
-                <a:cs typeface="+mn-cs"/>
+                <a:latin typeface="Arial" charset="0"/>
+                <a:cs typeface="Arial" charset="0"/>
               </a:defRPr>
             </a:lvl4pPr>
-            <a:lvl5pPr marL="714375" indent="-176213" algn="l" rtl="0" eaLnBrk="0" fontAlgn="base" hangingPunct="0">
-              <a:lnSpc>
-                <a:spcPct val="125000"/>
-              </a:lnSpc>
+            <a:lvl5pPr algn="l" rtl="0" eaLnBrk="0" fontAlgn="base" hangingPunct="0">
               <a:spcBef>
                 <a:spcPct val="0"/>
               </a:spcBef>
               <a:spcAft>
                 <a:spcPct val="0"/>
               </a:spcAft>
-              <a:buFont typeface="Symbol" pitchFamily="18" charset="2"/>
-              <a:buChar char="-"/>
-              <a:defRPr sz="1400" kern="1200">
+              <a:defRPr sz="2000" b="1">
                 <a:solidFill>
-                  <a:schemeClr val="tx1"/>
+                  <a:schemeClr val="tx2"/>
                 </a:solidFill>
-                <a:latin typeface="+mn-lt"/>
-                <a:ea typeface="+mn-ea"/>
-                <a:cs typeface="+mn-cs"/>
+                <a:latin typeface="Arial" charset="0"/>
+                <a:cs typeface="Arial" charset="0"/>
               </a:defRPr>
             </a:lvl5pPr>
-            <a:lvl6pPr marL="2514600" indent="-228600" algn="l" defTabSz="914400" rtl="0" eaLnBrk="1" latinLnBrk="0" hangingPunct="1">
+            <a:lvl6pPr marL="457200" algn="l" rtl="0" fontAlgn="base">
               <a:spcBef>
-                <a:spcPct val="20000"/>
+                <a:spcPct val="0"/>
               </a:spcBef>
-              <a:buFont typeface="Arial" pitchFamily="34" charset="0"/>
-              <a:buChar char="•"/>
-              <a:defRPr sz="2000" kern="1200">
+              <a:spcAft>
+                <a:spcPct val="0"/>
+              </a:spcAft>
+              <a:defRPr sz="2000" b="1">
                 <a:solidFill>
-                  <a:schemeClr val="tx1"/>
+                  <a:schemeClr val="tx2"/>
                 </a:solidFill>
-                <a:latin typeface="+mn-lt"/>
-                <a:ea typeface="+mn-ea"/>
-                <a:cs typeface="+mn-cs"/>
+                <a:latin typeface="Arial" charset="0"/>
+                <a:cs typeface="Arial" charset="0"/>
               </a:defRPr>
             </a:lvl6pPr>
-            <a:lvl7pPr marL="2971800" indent="-228600" algn="l" defTabSz="914400" rtl="0" eaLnBrk="1" latinLnBrk="0" hangingPunct="1">
+            <a:lvl7pPr marL="914400" algn="l" rtl="0" fontAlgn="base">
               <a:spcBef>
-                <a:spcPct val="20000"/>
+                <a:spcPct val="0"/>
               </a:spcBef>
-              <a:buFont typeface="Arial" pitchFamily="34" charset="0"/>
-              <a:buChar char="•"/>
-              <a:defRPr sz="2000" kern="1200">
+              <a:spcAft>
+                <a:spcPct val="0"/>
+              </a:spcAft>
+              <a:defRPr sz="2000" b="1">
                 <a:solidFill>
-                  <a:schemeClr val="tx1"/>
+                  <a:schemeClr val="tx2"/>
                 </a:solidFill>
-                <a:latin typeface="+mn-lt"/>
-                <a:ea typeface="+mn-ea"/>
-                <a:cs typeface="+mn-cs"/>
+                <a:latin typeface="Arial" charset="0"/>
+                <a:cs typeface="Arial" charset="0"/>
               </a:defRPr>
             </a:lvl7pPr>
-            <a:lvl8pPr marL="3429000" indent="-228600" algn="l" defTabSz="914400" rtl="0" eaLnBrk="1" latinLnBrk="0" hangingPunct="1">
+            <a:lvl8pPr marL="1371600" algn="l" rtl="0" fontAlgn="base">
               <a:spcBef>
-                <a:spcPct val="20000"/>
+                <a:spcPct val="0"/>
               </a:spcBef>
-              <a:buFont typeface="Arial" pitchFamily="34" charset="0"/>
-              <a:buChar char="•"/>
-              <a:defRPr sz="2000" kern="1200">
+              <a:spcAft>
+                <a:spcPct val="0"/>
+              </a:spcAft>
+              <a:defRPr sz="2000" b="1">
                 <a:solidFill>
-                  <a:schemeClr val="tx1"/>
+                  <a:schemeClr val="tx2"/>
                 </a:solidFill>
-                <a:latin typeface="+mn-lt"/>
-                <a:ea typeface="+mn-ea"/>
-                <a:cs typeface="+mn-cs"/>
+                <a:latin typeface="Arial" charset="0"/>
+                <a:cs typeface="Arial" charset="0"/>
               </a:defRPr>
             </a:lvl8pPr>
-            <a:lvl9pPr marL="3886200" indent="-228600" algn="l" defTabSz="914400" rtl="0" eaLnBrk="1" latinLnBrk="0" hangingPunct="1">
+            <a:lvl9pPr marL="1828800" algn="l" rtl="0" fontAlgn="base">
               <a:spcBef>
-                <a:spcPct val="20000"/>
+                <a:spcPct val="0"/>
               </a:spcBef>
-              <a:buFont typeface="Arial" pitchFamily="34" charset="0"/>
-              <a:buChar char="•"/>
-              <a:defRPr sz="2000" kern="1200">
+              <a:spcAft>
+                <a:spcPct val="0"/>
+              </a:spcAft>
+              <a:defRPr sz="2000" b="1">
                 <a:solidFill>
-                  <a:schemeClr val="tx1"/>
+                  <a:schemeClr val="tx2"/>
                 </a:solidFill>
-                <a:latin typeface="+mn-lt"/>
-                <a:ea typeface="+mn-ea"/>
-                <a:cs typeface="+mn-cs"/>
+                <a:latin typeface="Arial" charset="0"/>
+                <a:cs typeface="Arial" charset="0"/>
               </a:defRPr>
             </a:lvl9pPr>
           </a:lstStyle>
           <a:p>
-            <a:pPr>
-              <a:spcAft>
-                <a:spcPts val="600"/>
-              </a:spcAft>
-            </a:pPr>
-            <a:r>
-              <a:rPr lang="en-GB" dirty="0"/>
-              <a:t>•</a:t>
-            </a:r>
-          </a:p>
-          <a:p>
-            <a:pPr>
-              <a:spcAft>
-                <a:spcPts val="600"/>
-              </a:spcAft>
-            </a:pPr>
-            <a:endParaRPr lang="en-GB" dirty="0"/>
-          </a:p>
-          <a:p>
-            <a:pPr>
-              <a:spcAft>
-                <a:spcPts val="600"/>
-              </a:spcAft>
-            </a:pPr>
-            <a:endParaRPr lang="en-GB" dirty="0"/>
-          </a:p>
-          <a:p>
-            <a:pPr>
-              <a:spcAft>
-                <a:spcPts val="600"/>
-              </a:spcAft>
-            </a:pPr>
-            <a:endParaRPr lang="en-GB" dirty="0"/>
-          </a:p>
-          <a:p>
-            <a:pPr>
-              <a:spcAft>
-                <a:spcPts val="600"/>
-              </a:spcAft>
-            </a:pPr>
-            <a:endParaRPr lang="en-GB" dirty="0"/>
-          </a:p>
-          <a:p>
-            <a:pPr marL="457200" indent="-457200">
-              <a:spcAft>
-                <a:spcPts val="600"/>
-              </a:spcAft>
-              <a:buFont typeface="Courier New" panose="02070309020205020404" pitchFamily="49" charset="0"/>
-              <a:buChar char="o"/>
-            </a:pPr>
-            <a:endParaRPr lang="en-GB" dirty="0">
-              <a:solidFill>
-                <a:srgbClr val="FF0000"/>
-              </a:solidFill>
-            </a:endParaRPr>
-          </a:p>
-          <a:p>
-            <a:pPr marL="285750" indent="-285750">
-              <a:spcAft>
-                <a:spcPts val="600"/>
-              </a:spcAft>
-              <a:buFont typeface="Courier New" panose="02070309020205020404" pitchFamily="49" charset="0"/>
-              <a:buChar char="o"/>
-            </a:pPr>
-            <a:endParaRPr lang="en-US" dirty="0">
-              <a:solidFill>
-                <a:srgbClr val="FF0000"/>
-              </a:solidFill>
-            </a:endParaRPr>
+            <a:r>
+              <a:rPr lang="en-US" sz="3200" dirty="0"/>
+              <a:t> </a:t>
+            </a:r>
+            <a:r>
+              <a:rPr lang="en-US" sz="3200" dirty="0" err="1">
+                <a:solidFill>
+                  <a:schemeClr val="bg2">
+                    <a:lumMod val="75000"/>
+                  </a:schemeClr>
+                </a:solidFill>
+              </a:rPr>
+              <a:t>Performanzanalyse</a:t>
+            </a:r>
+            <a:r>
+              <a:rPr lang="en-US" sz="3200" dirty="0">
+                <a:solidFill>
+                  <a:schemeClr val="bg2">
+                    <a:lumMod val="75000"/>
+                  </a:schemeClr>
+                </a:solidFill>
+              </a:rPr>
+              <a:t>: </a:t>
+            </a:r>
+            <a:r>
+              <a:rPr lang="en-US" sz="3200" dirty="0">
+                <a:solidFill>
+                  <a:srgbClr val="005293"/>
+                </a:solidFill>
+              </a:rPr>
+              <a:t>SIMD-</a:t>
+            </a:r>
+            <a:r>
+              <a:rPr lang="en-US" sz="3200" dirty="0" err="1">
+                <a:solidFill>
+                  <a:srgbClr val="005293"/>
+                </a:solidFill>
+              </a:rPr>
+              <a:t>Instruktionen</a:t>
+            </a:r>
+            <a:endParaRPr lang="en-US" sz="3200" dirty="0"/>
           </a:p>
         </p:txBody>
       </p:sp>
       <p:pic>
         <p:nvPicPr>
-          <p:cNvPr id="5" name="Picture 4" descr="Chart, bar chart&#10;&#10;Description automatically generated">
+          <p:cNvPr id="10" name="Picture 9" descr="Table&#10;&#10;Description automatically generated">
             <a:extLst>
               <a:ext uri="{FF2B5EF4-FFF2-40B4-BE49-F238E27FC236}">
-                <a16:creationId xmlns:a16="http://schemas.microsoft.com/office/drawing/2014/main" id="{547B83D1-95EE-4F7E-8B63-DE0AAF710199}"/>
+                <a16:creationId xmlns:a16="http://schemas.microsoft.com/office/drawing/2014/main" id="{1419B984-9DED-4B28-95AC-4B074D22B4CA}"/>
               </a:ext>
             </a:extLst>
           </p:cNvPr>
@@ -13390,8 +14594,8 @@
         </p:blipFill>
         <p:spPr>
           <a:xfrm>
-            <a:off x="425093" y="1925690"/>
-            <a:ext cx="4963218" cy="3463820"/>
+            <a:off x="442659" y="2398029"/>
+            <a:ext cx="8333530" cy="3118148"/>
           </a:xfrm>
           <a:prstGeom prst="rect">
             <a:avLst/>
@@ -13401,7 +14605,7 @@
     </p:spTree>
     <p:extLst>
       <p:ext uri="{BB962C8B-B14F-4D97-AF65-F5344CB8AC3E}">
-        <p14:creationId xmlns:p14="http://schemas.microsoft.com/office/powerpoint/2010/main" val="288213369"/>
+        <p14:creationId xmlns:p14="http://schemas.microsoft.com/office/powerpoint/2010/main" val="1685893145"/>
       </p:ext>
     </p:extLst>
   </p:cSld>

--- a/Ausarbeitung/präzi.pptx
+++ b/Ausarbeitung/präzi.pptx
@@ -393,7 +393,7 @@
               <a:pPr>
                 <a:defRPr/>
               </a:pPr>
-              <a:t>‹#›</a:t>
+              <a:t>‹Nr.›</a:t>
             </a:fld>
             <a:endParaRPr lang="en-GB"/>
           </a:p>
@@ -769,7 +769,7 @@
               <a:pPr>
                 <a:defRPr/>
               </a:pPr>
-              <a:t>‹#›</a:t>
+              <a:t>‹Nr.›</a:t>
             </a:fld>
             <a:endParaRPr lang="en-GB"/>
           </a:p>
@@ -1160,7 +1160,7 @@
             <a:fld id="{CE58CB1E-F828-4F11-99E0-327109AF9DA4}" type="slidenum">
               <a:rPr lang="de-DE" smtClean="0"/>
               <a:pPr/>
-              <a:t>‹#›</a:t>
+              <a:t>‹Nr.›</a:t>
             </a:fld>
             <a:endParaRPr lang="de-DE" dirty="0"/>
           </a:p>
@@ -1379,7 +1379,7 @@
             <a:fld id="{CE58CB1E-F828-4F11-99E0-327109AF9DA4}" type="slidenum">
               <a:rPr lang="de-DE" smtClean="0"/>
               <a:pPr/>
-              <a:t>‹#›</a:t>
+              <a:t>‹Nr.›</a:t>
             </a:fld>
             <a:endParaRPr lang="de-DE" dirty="0"/>
           </a:p>
@@ -1724,7 +1724,7 @@
             <a:fld id="{CE58CB1E-F828-4F11-99E0-327109AF9DA4}" type="slidenum">
               <a:rPr lang="de-DE" smtClean="0"/>
               <a:pPr/>
-              <a:t>‹#›</a:t>
+              <a:t>‹Nr.›</a:t>
             </a:fld>
             <a:endParaRPr lang="de-DE" dirty="0"/>
           </a:p>
@@ -1923,7 +1923,7 @@
             <a:fld id="{CE58CB1E-F828-4F11-99E0-327109AF9DA4}" type="slidenum">
               <a:rPr lang="de-DE" smtClean="0"/>
               <a:pPr/>
-              <a:t>‹#›</a:t>
+              <a:t>‹Nr.›</a:t>
             </a:fld>
             <a:endParaRPr lang="de-DE" dirty="0"/>
           </a:p>
@@ -2122,7 +2122,7 @@
             <a:fld id="{CE58CB1E-F828-4F11-99E0-327109AF9DA4}" type="slidenum">
               <a:rPr lang="de-DE" smtClean="0"/>
               <a:pPr/>
-              <a:t>‹#›</a:t>
+              <a:t>‹Nr.›</a:t>
             </a:fld>
             <a:endParaRPr lang="de-DE" dirty="0"/>
           </a:p>
@@ -2443,7 +2443,7 @@
             <a:fld id="{CE58CB1E-F828-4F11-99E0-327109AF9DA4}" type="slidenum">
               <a:rPr lang="de-DE" smtClean="0"/>
               <a:pPr/>
-              <a:t>‹#›</a:t>
+              <a:t>‹Nr.›</a:t>
             </a:fld>
             <a:endParaRPr lang="de-DE" dirty="0"/>
           </a:p>
@@ -2619,7 +2619,7 @@
             <a:fld id="{CE58CB1E-F828-4F11-99E0-327109AF9DA4}" type="slidenum">
               <a:rPr lang="de-DE" smtClean="0"/>
               <a:pPr/>
-              <a:t>‹#›</a:t>
+              <a:t>‹Nr.›</a:t>
             </a:fld>
             <a:endParaRPr lang="de-DE" dirty="0"/>
           </a:p>
@@ -2934,7 +2934,7 @@
             <a:fld id="{CE58CB1E-F828-4F11-99E0-327109AF9DA4}" type="slidenum">
               <a:rPr lang="de-DE" smtClean="0"/>
               <a:pPr/>
-              <a:t>‹#›</a:t>
+              <a:t>‹Nr.›</a:t>
             </a:fld>
             <a:endParaRPr lang="de-DE" dirty="0"/>
           </a:p>
@@ -3206,7 +3206,7 @@
             <a:fld id="{CE58CB1E-F828-4F11-99E0-327109AF9DA4}" type="slidenum">
               <a:rPr lang="de-DE" smtClean="0"/>
               <a:pPr/>
-              <a:t>‹#›</a:t>
+              <a:t>‹Nr.›</a:t>
             </a:fld>
             <a:endParaRPr lang="de-DE" dirty="0"/>
           </a:p>
@@ -3393,7 +3393,7 @@
             <a:fld id="{CE58CB1E-F828-4F11-99E0-327109AF9DA4}" type="slidenum">
               <a:rPr lang="de-DE" smtClean="0"/>
               <a:pPr/>
-              <a:t>‹#›</a:t>
+              <a:t>‹Nr.›</a:t>
             </a:fld>
             <a:endParaRPr lang="de-DE" dirty="0"/>
           </a:p>
@@ -3592,7 +3592,7 @@
             <a:fld id="{CE58CB1E-F828-4F11-99E0-327109AF9DA4}" type="slidenum">
               <a:rPr lang="de-DE" smtClean="0"/>
               <a:pPr/>
-              <a:t>‹#›</a:t>
+              <a:t>‹Nr.›</a:t>
             </a:fld>
             <a:endParaRPr lang="de-DE" dirty="0"/>
           </a:p>
@@ -3793,7 +3793,7 @@
             <a:fld id="{CE58CB1E-F828-4F11-99E0-327109AF9DA4}" type="slidenum">
               <a:rPr lang="de-DE" smtClean="0"/>
               <a:pPr/>
-              <a:t>‹#›</a:t>
+              <a:t>‹Nr.›</a:t>
             </a:fld>
             <a:endParaRPr lang="de-DE" dirty="0"/>
           </a:p>
@@ -3886,7 +3886,7 @@
             <a:fld id="{CE58CB1E-F828-4F11-99E0-327109AF9DA4}" type="slidenum">
               <a:rPr lang="de-DE" smtClean="0"/>
               <a:pPr/>
-              <a:t>‹#›</a:t>
+              <a:t>‹Nr.›</a:t>
             </a:fld>
             <a:endParaRPr lang="de-DE" dirty="0"/>
           </a:p>
@@ -4169,7 +4169,7 @@
             <a:fld id="{CE58CB1E-F828-4F11-99E0-327109AF9DA4}" type="slidenum">
               <a:rPr lang="de-DE" smtClean="0"/>
               <a:pPr/>
-              <a:t>‹#›</a:t>
+              <a:t>‹Nr.›</a:t>
             </a:fld>
             <a:endParaRPr lang="de-DE" dirty="0"/>
           </a:p>
@@ -4368,7 +4368,7 @@
             <a:fld id="{CE58CB1E-F828-4F11-99E0-327109AF9DA4}" type="slidenum">
               <a:rPr lang="de-DE" smtClean="0"/>
               <a:pPr/>
-              <a:t>‹#›</a:t>
+              <a:t>‹Nr.›</a:t>
             </a:fld>
             <a:endParaRPr lang="de-DE" dirty="0"/>
           </a:p>
@@ -4544,7 +4544,7 @@
             <a:fld id="{CE58CB1E-F828-4F11-99E0-327109AF9DA4}" type="slidenum">
               <a:rPr lang="de-DE" smtClean="0"/>
               <a:pPr/>
-              <a:t>‹#›</a:t>
+              <a:t>‹Nr.›</a:t>
             </a:fld>
             <a:endParaRPr lang="de-DE" dirty="0"/>
           </a:p>
@@ -4913,7 +4913,7 @@
             <a:fld id="{CE58CB1E-F828-4F11-99E0-327109AF9DA4}" type="slidenum">
               <a:rPr lang="de-DE" smtClean="0"/>
               <a:pPr/>
-              <a:t>‹#›</a:t>
+              <a:t>‹Nr.›</a:t>
             </a:fld>
             <a:endParaRPr lang="de-DE" dirty="0"/>
           </a:p>
@@ -5112,7 +5112,7 @@
             <a:fld id="{CE58CB1E-F828-4F11-99E0-327109AF9DA4}" type="slidenum">
               <a:rPr lang="de-DE" smtClean="0"/>
               <a:pPr/>
-              <a:t>‹#›</a:t>
+              <a:t>‹Nr.›</a:t>
             </a:fld>
             <a:endParaRPr lang="de-DE" dirty="0"/>
           </a:p>
@@ -5336,7 +5336,7 @@
             <a:fld id="{CE58CB1E-F828-4F11-99E0-327109AF9DA4}" type="slidenum">
               <a:rPr lang="de-DE" smtClean="0"/>
               <a:pPr/>
-              <a:t>‹#›</a:t>
+              <a:t>‹Nr.›</a:t>
             </a:fld>
             <a:endParaRPr lang="de-DE" dirty="0"/>
           </a:p>
@@ -5523,7 +5523,7 @@
             <a:fld id="{CE58CB1E-F828-4F11-99E0-327109AF9DA4}" type="slidenum">
               <a:rPr lang="de-DE" smtClean="0"/>
               <a:pPr/>
-              <a:t>‹#›</a:t>
+              <a:t>‹Nr.›</a:t>
             </a:fld>
             <a:endParaRPr lang="de-DE" dirty="0"/>
           </a:p>
@@ -5734,7 +5734,7 @@
             <a:fld id="{CE58CB1E-F828-4F11-99E0-327109AF9DA4}" type="slidenum">
               <a:rPr lang="de-DE" smtClean="0"/>
               <a:pPr/>
-              <a:t>‹#›</a:t>
+              <a:t>‹Nr.›</a:t>
             </a:fld>
             <a:endParaRPr lang="de-DE" dirty="0"/>
           </a:p>
@@ -6211,7 +6211,7 @@
                   <a:spcPct val="114000"/>
                 </a:lnSpc>
               </a:pPr>
-              <a:t>‹#›</a:t>
+              <a:t>‹Nr.›</a:t>
             </a:fld>
             <a:endParaRPr lang="de-DE" sz="1200" dirty="0">
               <a:latin typeface="+mn-lt"/>
@@ -6303,7 +6303,7 @@
             <a:fld id="{CE58CB1E-F828-4F11-99E0-327109AF9DA4}" type="slidenum">
               <a:rPr lang="de-DE" noProof="0" smtClean="0"/>
               <a:pPr/>
-              <a:t>‹#›</a:t>
+              <a:t>‹Nr.›</a:t>
             </a:fld>
             <a:endParaRPr lang="de-DE" noProof="0"/>
           </a:p>
@@ -6817,7 +6817,7 @@
             <a:fld id="{CE58CB1E-F828-4F11-99E0-327109AF9DA4}" type="slidenum">
               <a:rPr lang="de-DE" smtClean="0"/>
               <a:pPr/>
-              <a:t>‹#›</a:t>
+              <a:t>‹Nr.›</a:t>
             </a:fld>
             <a:endParaRPr lang="de-DE" dirty="0"/>
           </a:p>
@@ -7475,7 +7475,7 @@
             <a:fld id="{CE58CB1E-F828-4F11-99E0-327109AF9DA4}" type="slidenum">
               <a:rPr lang="de-DE" smtClean="0"/>
               <a:pPr/>
-              <a:t>‹#›</a:t>
+              <a:t>‹Nr.›</a:t>
             </a:fld>
             <a:endParaRPr lang="de-DE" dirty="0"/>
           </a:p>
@@ -8072,7 +8072,7 @@
             <a:fld id="{CE58CB1E-F828-4F11-99E0-327109AF9DA4}" type="slidenum">
               <a:rPr lang="de-DE" smtClean="0"/>
               <a:pPr/>
-              <a:t>‹#›</a:t>
+              <a:t>‹Nr.›</a:t>
             </a:fld>
             <a:endParaRPr lang="de-DE" dirty="0"/>
           </a:p>
@@ -8669,7 +8669,7 @@
             <a:fld id="{CE58CB1E-F828-4F11-99E0-327109AF9DA4}" type="slidenum">
               <a:rPr lang="de-DE" smtClean="0"/>
               <a:pPr/>
-              <a:t>‹#›</a:t>
+              <a:t>‹Nr.›</a:t>
             </a:fld>
             <a:endParaRPr lang="de-DE" dirty="0"/>
           </a:p>
@@ -14130,7 +14130,7 @@
             </a:pPr>
             <a:r>
               <a:rPr lang="en-GB" sz="1800" dirty="0"/>
-              <a:t> I</a:t>
+              <a:t>I</a:t>
             </a:r>
             <a:r>
               <a:rPr lang="en-US" sz="1800" dirty="0" err="1"/>
@@ -14151,7 +14151,7 @@
             </a:pPr>
             <a:r>
               <a:rPr lang="en-US" sz="1800" dirty="0"/>
-              <a:t>16GB</a:t>
+              <a:t>16GB RAM</a:t>
             </a:r>
             <a:endParaRPr lang="de-DE" sz="1800" dirty="0"/>
           </a:p>

--- a/Ausarbeitung/präzi.pptx
+++ b/Ausarbeitung/präzi.pptx
@@ -393,7 +393,7 @@
               <a:pPr>
                 <a:defRPr/>
               </a:pPr>
-              <a:t>‹Nr.›</a:t>
+              <a:t>‹#›</a:t>
             </a:fld>
             <a:endParaRPr lang="en-GB"/>
           </a:p>
@@ -769,7 +769,7 @@
               <a:pPr>
                 <a:defRPr/>
               </a:pPr>
-              <a:t>‹Nr.›</a:t>
+              <a:t>‹#›</a:t>
             </a:fld>
             <a:endParaRPr lang="en-GB"/>
           </a:p>
@@ -1160,7 +1160,7 @@
             <a:fld id="{CE58CB1E-F828-4F11-99E0-327109AF9DA4}" type="slidenum">
               <a:rPr lang="de-DE" smtClean="0"/>
               <a:pPr/>
-              <a:t>‹Nr.›</a:t>
+              <a:t>‹#›</a:t>
             </a:fld>
             <a:endParaRPr lang="de-DE" dirty="0"/>
           </a:p>
@@ -1379,7 +1379,7 @@
             <a:fld id="{CE58CB1E-F828-4F11-99E0-327109AF9DA4}" type="slidenum">
               <a:rPr lang="de-DE" smtClean="0"/>
               <a:pPr/>
-              <a:t>‹Nr.›</a:t>
+              <a:t>‹#›</a:t>
             </a:fld>
             <a:endParaRPr lang="de-DE" dirty="0"/>
           </a:p>
@@ -1724,7 +1724,7 @@
             <a:fld id="{CE58CB1E-F828-4F11-99E0-327109AF9DA4}" type="slidenum">
               <a:rPr lang="de-DE" smtClean="0"/>
               <a:pPr/>
-              <a:t>‹Nr.›</a:t>
+              <a:t>‹#›</a:t>
             </a:fld>
             <a:endParaRPr lang="de-DE" dirty="0"/>
           </a:p>
@@ -1923,7 +1923,7 @@
             <a:fld id="{CE58CB1E-F828-4F11-99E0-327109AF9DA4}" type="slidenum">
               <a:rPr lang="de-DE" smtClean="0"/>
               <a:pPr/>
-              <a:t>‹Nr.›</a:t>
+              <a:t>‹#›</a:t>
             </a:fld>
             <a:endParaRPr lang="de-DE" dirty="0"/>
           </a:p>
@@ -2122,7 +2122,7 @@
             <a:fld id="{CE58CB1E-F828-4F11-99E0-327109AF9DA4}" type="slidenum">
               <a:rPr lang="de-DE" smtClean="0"/>
               <a:pPr/>
-              <a:t>‹Nr.›</a:t>
+              <a:t>‹#›</a:t>
             </a:fld>
             <a:endParaRPr lang="de-DE" dirty="0"/>
           </a:p>
@@ -2443,7 +2443,7 @@
             <a:fld id="{CE58CB1E-F828-4F11-99E0-327109AF9DA4}" type="slidenum">
               <a:rPr lang="de-DE" smtClean="0"/>
               <a:pPr/>
-              <a:t>‹Nr.›</a:t>
+              <a:t>‹#›</a:t>
             </a:fld>
             <a:endParaRPr lang="de-DE" dirty="0"/>
           </a:p>
@@ -2619,7 +2619,7 @@
             <a:fld id="{CE58CB1E-F828-4F11-99E0-327109AF9DA4}" type="slidenum">
               <a:rPr lang="de-DE" smtClean="0"/>
               <a:pPr/>
-              <a:t>‹Nr.›</a:t>
+              <a:t>‹#›</a:t>
             </a:fld>
             <a:endParaRPr lang="de-DE" dirty="0"/>
           </a:p>
@@ -2934,7 +2934,7 @@
             <a:fld id="{CE58CB1E-F828-4F11-99E0-327109AF9DA4}" type="slidenum">
               <a:rPr lang="de-DE" smtClean="0"/>
               <a:pPr/>
-              <a:t>‹Nr.›</a:t>
+              <a:t>‹#›</a:t>
             </a:fld>
             <a:endParaRPr lang="de-DE" dirty="0"/>
           </a:p>
@@ -3206,7 +3206,7 @@
             <a:fld id="{CE58CB1E-F828-4F11-99E0-327109AF9DA4}" type="slidenum">
               <a:rPr lang="de-DE" smtClean="0"/>
               <a:pPr/>
-              <a:t>‹Nr.›</a:t>
+              <a:t>‹#›</a:t>
             </a:fld>
             <a:endParaRPr lang="de-DE" dirty="0"/>
           </a:p>
@@ -3393,7 +3393,7 @@
             <a:fld id="{CE58CB1E-F828-4F11-99E0-327109AF9DA4}" type="slidenum">
               <a:rPr lang="de-DE" smtClean="0"/>
               <a:pPr/>
-              <a:t>‹Nr.›</a:t>
+              <a:t>‹#›</a:t>
             </a:fld>
             <a:endParaRPr lang="de-DE" dirty="0"/>
           </a:p>
@@ -3592,7 +3592,7 @@
             <a:fld id="{CE58CB1E-F828-4F11-99E0-327109AF9DA4}" type="slidenum">
               <a:rPr lang="de-DE" smtClean="0"/>
               <a:pPr/>
-              <a:t>‹Nr.›</a:t>
+              <a:t>‹#›</a:t>
             </a:fld>
             <a:endParaRPr lang="de-DE" dirty="0"/>
           </a:p>
@@ -3793,7 +3793,7 @@
             <a:fld id="{CE58CB1E-F828-4F11-99E0-327109AF9DA4}" type="slidenum">
               <a:rPr lang="de-DE" smtClean="0"/>
               <a:pPr/>
-              <a:t>‹Nr.›</a:t>
+              <a:t>‹#›</a:t>
             </a:fld>
             <a:endParaRPr lang="de-DE" dirty="0"/>
           </a:p>
@@ -3886,7 +3886,7 @@
             <a:fld id="{CE58CB1E-F828-4F11-99E0-327109AF9DA4}" type="slidenum">
               <a:rPr lang="de-DE" smtClean="0"/>
               <a:pPr/>
-              <a:t>‹Nr.›</a:t>
+              <a:t>‹#›</a:t>
             </a:fld>
             <a:endParaRPr lang="de-DE" dirty="0"/>
           </a:p>
@@ -4169,7 +4169,7 @@
             <a:fld id="{CE58CB1E-F828-4F11-99E0-327109AF9DA4}" type="slidenum">
               <a:rPr lang="de-DE" smtClean="0"/>
               <a:pPr/>
-              <a:t>‹Nr.›</a:t>
+              <a:t>‹#›</a:t>
             </a:fld>
             <a:endParaRPr lang="de-DE" dirty="0"/>
           </a:p>
@@ -4368,7 +4368,7 @@
             <a:fld id="{CE58CB1E-F828-4F11-99E0-327109AF9DA4}" type="slidenum">
               <a:rPr lang="de-DE" smtClean="0"/>
               <a:pPr/>
-              <a:t>‹Nr.›</a:t>
+              <a:t>‹#›</a:t>
             </a:fld>
             <a:endParaRPr lang="de-DE" dirty="0"/>
           </a:p>
@@ -4544,7 +4544,7 @@
             <a:fld id="{CE58CB1E-F828-4F11-99E0-327109AF9DA4}" type="slidenum">
               <a:rPr lang="de-DE" smtClean="0"/>
               <a:pPr/>
-              <a:t>‹Nr.›</a:t>
+              <a:t>‹#›</a:t>
             </a:fld>
             <a:endParaRPr lang="de-DE" dirty="0"/>
           </a:p>
@@ -4913,7 +4913,7 @@
             <a:fld id="{CE58CB1E-F828-4F11-99E0-327109AF9DA4}" type="slidenum">
               <a:rPr lang="de-DE" smtClean="0"/>
               <a:pPr/>
-              <a:t>‹Nr.›</a:t>
+              <a:t>‹#›</a:t>
             </a:fld>
             <a:endParaRPr lang="de-DE" dirty="0"/>
           </a:p>
@@ -5112,7 +5112,7 @@
             <a:fld id="{CE58CB1E-F828-4F11-99E0-327109AF9DA4}" type="slidenum">
               <a:rPr lang="de-DE" smtClean="0"/>
               <a:pPr/>
-              <a:t>‹Nr.›</a:t>
+              <a:t>‹#›</a:t>
             </a:fld>
             <a:endParaRPr lang="de-DE" dirty="0"/>
           </a:p>
@@ -5336,7 +5336,7 @@
             <a:fld id="{CE58CB1E-F828-4F11-99E0-327109AF9DA4}" type="slidenum">
               <a:rPr lang="de-DE" smtClean="0"/>
               <a:pPr/>
-              <a:t>‹Nr.›</a:t>
+              <a:t>‹#›</a:t>
             </a:fld>
             <a:endParaRPr lang="de-DE" dirty="0"/>
           </a:p>
@@ -5523,7 +5523,7 @@
             <a:fld id="{CE58CB1E-F828-4F11-99E0-327109AF9DA4}" type="slidenum">
               <a:rPr lang="de-DE" smtClean="0"/>
               <a:pPr/>
-              <a:t>‹Nr.›</a:t>
+              <a:t>‹#›</a:t>
             </a:fld>
             <a:endParaRPr lang="de-DE" dirty="0"/>
           </a:p>
@@ -5734,7 +5734,7 @@
             <a:fld id="{CE58CB1E-F828-4F11-99E0-327109AF9DA4}" type="slidenum">
               <a:rPr lang="de-DE" smtClean="0"/>
               <a:pPr/>
-              <a:t>‹Nr.›</a:t>
+              <a:t>‹#›</a:t>
             </a:fld>
             <a:endParaRPr lang="de-DE" dirty="0"/>
           </a:p>
@@ -6211,7 +6211,7 @@
                   <a:spcPct val="114000"/>
                 </a:lnSpc>
               </a:pPr>
-              <a:t>‹Nr.›</a:t>
+              <a:t>‹#›</a:t>
             </a:fld>
             <a:endParaRPr lang="de-DE" sz="1200" dirty="0">
               <a:latin typeface="+mn-lt"/>
@@ -6303,7 +6303,7 @@
             <a:fld id="{CE58CB1E-F828-4F11-99E0-327109AF9DA4}" type="slidenum">
               <a:rPr lang="de-DE" noProof="0" smtClean="0"/>
               <a:pPr/>
-              <a:t>‹Nr.›</a:t>
+              <a:t>‹#›</a:t>
             </a:fld>
             <a:endParaRPr lang="de-DE" noProof="0"/>
           </a:p>
@@ -6817,7 +6817,7 @@
             <a:fld id="{CE58CB1E-F828-4F11-99E0-327109AF9DA4}" type="slidenum">
               <a:rPr lang="de-DE" smtClean="0"/>
               <a:pPr/>
-              <a:t>‹Nr.›</a:t>
+              <a:t>‹#›</a:t>
             </a:fld>
             <a:endParaRPr lang="de-DE" dirty="0"/>
           </a:p>
@@ -7475,7 +7475,7 @@
             <a:fld id="{CE58CB1E-F828-4F11-99E0-327109AF9DA4}" type="slidenum">
               <a:rPr lang="de-DE" smtClean="0"/>
               <a:pPr/>
-              <a:t>‹Nr.›</a:t>
+              <a:t>‹#›</a:t>
             </a:fld>
             <a:endParaRPr lang="de-DE" dirty="0"/>
           </a:p>
@@ -8072,7 +8072,7 @@
             <a:fld id="{CE58CB1E-F828-4F11-99E0-327109AF9DA4}" type="slidenum">
               <a:rPr lang="de-DE" smtClean="0"/>
               <a:pPr/>
-              <a:t>‹Nr.›</a:t>
+              <a:t>‹#›</a:t>
             </a:fld>
             <a:endParaRPr lang="de-DE" dirty="0"/>
           </a:p>
@@ -8669,7 +8669,7 @@
             <a:fld id="{CE58CB1E-F828-4F11-99E0-327109AF9DA4}" type="slidenum">
               <a:rPr lang="de-DE" smtClean="0"/>
               <a:pPr/>
-              <a:t>‹Nr.›</a:t>
+              <a:t>‹#›</a:t>
             </a:fld>
             <a:endParaRPr lang="de-DE" dirty="0"/>
           </a:p>
@@ -9214,15 +9214,7 @@
           <a:p>
             <a:r>
               <a:rPr lang="de-DE" sz="1200" dirty="0"/>
-              <a:t>München</a:t>
-            </a:r>
-            <a:r>
-              <a:rPr lang="de-DE" sz="1200"/>
-              <a:t>, den 16</a:t>
-            </a:r>
-            <a:r>
-              <a:rPr lang="de-DE" sz="1200" dirty="0"/>
-              <a:t>. Februar 2021</a:t>
+              <a:t>München, den 16. Februar 2021</a:t>
             </a:r>
           </a:p>
         </p:txBody>
@@ -9677,6 +9669,206 @@
           </a:ln>
         </p:spPr>
       </p:pic>
+      <p:sp>
+        <p:nvSpPr>
+          <p:cNvPr id="7" name="Fußzeilenplatzhalter 4">
+            <a:extLst>
+              <a:ext uri="{FF2B5EF4-FFF2-40B4-BE49-F238E27FC236}">
+                <a16:creationId xmlns:a16="http://schemas.microsoft.com/office/drawing/2014/main" id="{80BC8B82-5684-4BF2-856C-E1B1010C50BA}"/>
+              </a:ext>
+            </a:extLst>
+          </p:cNvPr>
+          <p:cNvSpPr>
+            <a:spLocks noGrp="1"/>
+          </p:cNvSpPr>
+          <p:nvPr/>
+        </p:nvSpPr>
+        <p:spPr bwMode="auto">
+          <a:xfrm>
+            <a:off x="169558" y="6473313"/>
+            <a:ext cx="8393101" cy="365125"/>
+          </a:xfrm>
+          <a:prstGeom prst="rect">
+            <a:avLst/>
+          </a:prstGeom>
+        </p:spPr>
+        <p:txBody>
+          <a:bodyPr vert="horz" lIns="0" tIns="45720" rIns="0" bIns="45720" rtlCol="0" anchor="ctr">
+            <a:normAutofit/>
+          </a:bodyPr>
+          <a:lstStyle>
+            <a:defPPr>
+              <a:defRPr lang="de-DE"/>
+            </a:defPPr>
+            <a:lvl1pPr algn="l">
+              <a:spcBef>
+                <a:spcPts val="0"/>
+              </a:spcBef>
+              <a:spcAft>
+                <a:spcPts val="0"/>
+              </a:spcAft>
+              <a:defRPr sz="1200">
+                <a:solidFill>
+                  <a:schemeClr val="tx1"/>
+                </a:solidFill>
+                <a:latin typeface="Arial"/>
+                <a:ea typeface="+mn-ea"/>
+                <a:cs typeface="Arial"/>
+              </a:defRPr>
+            </a:lvl1pPr>
+            <a:lvl2pPr marL="457200" algn="l">
+              <a:spcBef>
+                <a:spcPts val="0"/>
+              </a:spcBef>
+              <a:spcAft>
+                <a:spcPts val="0"/>
+              </a:spcAft>
+              <a:defRPr>
+                <a:solidFill>
+                  <a:schemeClr val="tx1"/>
+                </a:solidFill>
+                <a:latin typeface="Arial"/>
+                <a:ea typeface="+mn-ea"/>
+                <a:cs typeface="Arial"/>
+              </a:defRPr>
+            </a:lvl2pPr>
+            <a:lvl3pPr marL="914400" algn="l">
+              <a:spcBef>
+                <a:spcPts val="0"/>
+              </a:spcBef>
+              <a:spcAft>
+                <a:spcPts val="0"/>
+              </a:spcAft>
+              <a:defRPr>
+                <a:solidFill>
+                  <a:schemeClr val="tx1"/>
+                </a:solidFill>
+                <a:latin typeface="Arial"/>
+                <a:ea typeface="+mn-ea"/>
+                <a:cs typeface="Arial"/>
+              </a:defRPr>
+            </a:lvl3pPr>
+            <a:lvl4pPr marL="1371600" algn="l">
+              <a:spcBef>
+                <a:spcPts val="0"/>
+              </a:spcBef>
+              <a:spcAft>
+                <a:spcPts val="0"/>
+              </a:spcAft>
+              <a:defRPr>
+                <a:solidFill>
+                  <a:schemeClr val="tx1"/>
+                </a:solidFill>
+                <a:latin typeface="Arial"/>
+                <a:ea typeface="+mn-ea"/>
+                <a:cs typeface="Arial"/>
+              </a:defRPr>
+            </a:lvl4pPr>
+            <a:lvl5pPr marL="1828800" algn="l">
+              <a:spcBef>
+                <a:spcPts val="0"/>
+              </a:spcBef>
+              <a:spcAft>
+                <a:spcPts val="0"/>
+              </a:spcAft>
+              <a:defRPr>
+                <a:solidFill>
+                  <a:schemeClr val="tx1"/>
+                </a:solidFill>
+                <a:latin typeface="Arial"/>
+                <a:ea typeface="+mn-ea"/>
+                <a:cs typeface="Arial"/>
+              </a:defRPr>
+            </a:lvl5pPr>
+            <a:lvl6pPr marL="2286000" algn="l" defTabSz="914400">
+              <a:defRPr>
+                <a:solidFill>
+                  <a:schemeClr val="tx1"/>
+                </a:solidFill>
+                <a:latin typeface="Arial"/>
+                <a:ea typeface="+mn-ea"/>
+                <a:cs typeface="Arial"/>
+              </a:defRPr>
+            </a:lvl6pPr>
+            <a:lvl7pPr marL="2743200" algn="l" defTabSz="914400">
+              <a:defRPr>
+                <a:solidFill>
+                  <a:schemeClr val="tx1"/>
+                </a:solidFill>
+                <a:latin typeface="Arial"/>
+                <a:ea typeface="+mn-ea"/>
+                <a:cs typeface="Arial"/>
+              </a:defRPr>
+            </a:lvl7pPr>
+            <a:lvl8pPr marL="3200400" algn="l" defTabSz="914400">
+              <a:defRPr>
+                <a:solidFill>
+                  <a:schemeClr val="tx1"/>
+                </a:solidFill>
+                <a:latin typeface="Arial"/>
+                <a:ea typeface="+mn-ea"/>
+                <a:cs typeface="Arial"/>
+              </a:defRPr>
+            </a:lvl8pPr>
+            <a:lvl9pPr marL="3657600" algn="l" defTabSz="914400">
+              <a:defRPr>
+                <a:solidFill>
+                  <a:schemeClr val="tx1"/>
+                </a:solidFill>
+                <a:latin typeface="Arial"/>
+                <a:ea typeface="+mn-ea"/>
+                <a:cs typeface="Arial"/>
+              </a:defRPr>
+            </a:lvl9pPr>
+          </a:lstStyle>
+          <a:p>
+            <a:pPr>
+              <a:lnSpc>
+                <a:spcPct val="90000"/>
+              </a:lnSpc>
+              <a:defRPr/>
+            </a:pPr>
+            <a:r>
+              <a:rPr lang="de-DE" sz="900" dirty="0"/>
+              <a:t>Aspekte der systemnahen Programmierung bei der Spieleentwicklung | 16.02.2021 | </a:t>
+            </a:r>
+            <a:r>
+              <a:rPr lang="de-DE" sz="900" b="1" dirty="0" err="1"/>
+              <a:t>Peano</a:t>
+            </a:r>
+            <a:r>
+              <a:rPr lang="de-DE" sz="900" b="1" dirty="0"/>
+              <a:t>-Kurven (A214)		 </a:t>
+            </a:r>
+            <a:r>
+              <a:rPr lang="en-US" sz="1600" b="1" dirty="0"/>
+              <a:t>Mohamed Attia</a:t>
+            </a:r>
+            <a:endParaRPr lang="de-DE" sz="1600" b="1" dirty="0"/>
+          </a:p>
+          <a:p>
+            <a:pPr>
+              <a:lnSpc>
+                <a:spcPct val="90000"/>
+              </a:lnSpc>
+              <a:defRPr/>
+            </a:pPr>
+            <a:endParaRPr lang="de-DE" dirty="0"/>
+          </a:p>
+          <a:p>
+            <a:pPr>
+              <a:lnSpc>
+                <a:spcPct val="90000"/>
+              </a:lnSpc>
+              <a:spcAft>
+                <a:spcPts val="600"/>
+              </a:spcAft>
+              <a:defRPr/>
+            </a:pPr>
+            <a:endParaRPr lang="en-US" sz="900" dirty="0"/>
+          </a:p>
+        </p:txBody>
+      </p:sp>
     </p:spTree>
     <p:extLst>
       <p:ext uri="{BB962C8B-B14F-4D97-AF65-F5344CB8AC3E}">
@@ -10046,6 +10238,206 @@
           </a:ln>
         </p:spPr>
       </p:pic>
+      <p:sp>
+        <p:nvSpPr>
+          <p:cNvPr id="9" name="Fußzeilenplatzhalter 4">
+            <a:extLst>
+              <a:ext uri="{FF2B5EF4-FFF2-40B4-BE49-F238E27FC236}">
+                <a16:creationId xmlns:a16="http://schemas.microsoft.com/office/drawing/2014/main" id="{C04D0BFA-AF99-46F7-ADFE-F934B49C8FA5}"/>
+              </a:ext>
+            </a:extLst>
+          </p:cNvPr>
+          <p:cNvSpPr>
+            <a:spLocks noGrp="1"/>
+          </p:cNvSpPr>
+          <p:nvPr/>
+        </p:nvSpPr>
+        <p:spPr bwMode="auto">
+          <a:xfrm>
+            <a:off x="169558" y="6473313"/>
+            <a:ext cx="8393101" cy="365125"/>
+          </a:xfrm>
+          <a:prstGeom prst="rect">
+            <a:avLst/>
+          </a:prstGeom>
+        </p:spPr>
+        <p:txBody>
+          <a:bodyPr vert="horz" lIns="0" tIns="45720" rIns="0" bIns="45720" rtlCol="0" anchor="ctr">
+            <a:normAutofit/>
+          </a:bodyPr>
+          <a:lstStyle>
+            <a:defPPr>
+              <a:defRPr lang="de-DE"/>
+            </a:defPPr>
+            <a:lvl1pPr algn="l">
+              <a:spcBef>
+                <a:spcPts val="0"/>
+              </a:spcBef>
+              <a:spcAft>
+                <a:spcPts val="0"/>
+              </a:spcAft>
+              <a:defRPr sz="1200">
+                <a:solidFill>
+                  <a:schemeClr val="tx1"/>
+                </a:solidFill>
+                <a:latin typeface="Arial"/>
+                <a:ea typeface="+mn-ea"/>
+                <a:cs typeface="Arial"/>
+              </a:defRPr>
+            </a:lvl1pPr>
+            <a:lvl2pPr marL="457200" algn="l">
+              <a:spcBef>
+                <a:spcPts val="0"/>
+              </a:spcBef>
+              <a:spcAft>
+                <a:spcPts val="0"/>
+              </a:spcAft>
+              <a:defRPr>
+                <a:solidFill>
+                  <a:schemeClr val="tx1"/>
+                </a:solidFill>
+                <a:latin typeface="Arial"/>
+                <a:ea typeface="+mn-ea"/>
+                <a:cs typeface="Arial"/>
+              </a:defRPr>
+            </a:lvl2pPr>
+            <a:lvl3pPr marL="914400" algn="l">
+              <a:spcBef>
+                <a:spcPts val="0"/>
+              </a:spcBef>
+              <a:spcAft>
+                <a:spcPts val="0"/>
+              </a:spcAft>
+              <a:defRPr>
+                <a:solidFill>
+                  <a:schemeClr val="tx1"/>
+                </a:solidFill>
+                <a:latin typeface="Arial"/>
+                <a:ea typeface="+mn-ea"/>
+                <a:cs typeface="Arial"/>
+              </a:defRPr>
+            </a:lvl3pPr>
+            <a:lvl4pPr marL="1371600" algn="l">
+              <a:spcBef>
+                <a:spcPts val="0"/>
+              </a:spcBef>
+              <a:spcAft>
+                <a:spcPts val="0"/>
+              </a:spcAft>
+              <a:defRPr>
+                <a:solidFill>
+                  <a:schemeClr val="tx1"/>
+                </a:solidFill>
+                <a:latin typeface="Arial"/>
+                <a:ea typeface="+mn-ea"/>
+                <a:cs typeface="Arial"/>
+              </a:defRPr>
+            </a:lvl4pPr>
+            <a:lvl5pPr marL="1828800" algn="l">
+              <a:spcBef>
+                <a:spcPts val="0"/>
+              </a:spcBef>
+              <a:spcAft>
+                <a:spcPts val="0"/>
+              </a:spcAft>
+              <a:defRPr>
+                <a:solidFill>
+                  <a:schemeClr val="tx1"/>
+                </a:solidFill>
+                <a:latin typeface="Arial"/>
+                <a:ea typeface="+mn-ea"/>
+                <a:cs typeface="Arial"/>
+              </a:defRPr>
+            </a:lvl5pPr>
+            <a:lvl6pPr marL="2286000" algn="l" defTabSz="914400">
+              <a:defRPr>
+                <a:solidFill>
+                  <a:schemeClr val="tx1"/>
+                </a:solidFill>
+                <a:latin typeface="Arial"/>
+                <a:ea typeface="+mn-ea"/>
+                <a:cs typeface="Arial"/>
+              </a:defRPr>
+            </a:lvl6pPr>
+            <a:lvl7pPr marL="2743200" algn="l" defTabSz="914400">
+              <a:defRPr>
+                <a:solidFill>
+                  <a:schemeClr val="tx1"/>
+                </a:solidFill>
+                <a:latin typeface="Arial"/>
+                <a:ea typeface="+mn-ea"/>
+                <a:cs typeface="Arial"/>
+              </a:defRPr>
+            </a:lvl7pPr>
+            <a:lvl8pPr marL="3200400" algn="l" defTabSz="914400">
+              <a:defRPr>
+                <a:solidFill>
+                  <a:schemeClr val="tx1"/>
+                </a:solidFill>
+                <a:latin typeface="Arial"/>
+                <a:ea typeface="+mn-ea"/>
+                <a:cs typeface="Arial"/>
+              </a:defRPr>
+            </a:lvl8pPr>
+            <a:lvl9pPr marL="3657600" algn="l" defTabSz="914400">
+              <a:defRPr>
+                <a:solidFill>
+                  <a:schemeClr val="tx1"/>
+                </a:solidFill>
+                <a:latin typeface="Arial"/>
+                <a:ea typeface="+mn-ea"/>
+                <a:cs typeface="Arial"/>
+              </a:defRPr>
+            </a:lvl9pPr>
+          </a:lstStyle>
+          <a:p>
+            <a:pPr>
+              <a:lnSpc>
+                <a:spcPct val="90000"/>
+              </a:lnSpc>
+              <a:defRPr/>
+            </a:pPr>
+            <a:r>
+              <a:rPr lang="de-DE" sz="900" dirty="0"/>
+              <a:t>Aspekte der systemnahen Programmierung bei der Spieleentwicklung | 16.02.2021 | </a:t>
+            </a:r>
+            <a:r>
+              <a:rPr lang="de-DE" sz="900" b="1" dirty="0" err="1"/>
+              <a:t>Peano</a:t>
+            </a:r>
+            <a:r>
+              <a:rPr lang="de-DE" sz="900" b="1" dirty="0"/>
+              <a:t>-Kurven (A214)		 </a:t>
+            </a:r>
+            <a:r>
+              <a:rPr lang="en-US" sz="1600" b="1" dirty="0"/>
+              <a:t>Mohamed Attia</a:t>
+            </a:r>
+            <a:endParaRPr lang="de-DE" sz="1600" b="1" dirty="0"/>
+          </a:p>
+          <a:p>
+            <a:pPr>
+              <a:lnSpc>
+                <a:spcPct val="90000"/>
+              </a:lnSpc>
+              <a:defRPr/>
+            </a:pPr>
+            <a:endParaRPr lang="de-DE" dirty="0"/>
+          </a:p>
+          <a:p>
+            <a:pPr>
+              <a:lnSpc>
+                <a:spcPct val="90000"/>
+              </a:lnSpc>
+              <a:spcAft>
+                <a:spcPts val="600"/>
+              </a:spcAft>
+              <a:defRPr/>
+            </a:pPr>
+            <a:endParaRPr lang="en-US" sz="900" dirty="0"/>
+          </a:p>
+        </p:txBody>
+      </p:sp>
     </p:spTree>
     <p:extLst>
       <p:ext uri="{BB962C8B-B14F-4D97-AF65-F5344CB8AC3E}">
@@ -10415,6 +10807,206 @@
           </a:ln>
         </p:spPr>
       </p:pic>
+      <p:sp>
+        <p:nvSpPr>
+          <p:cNvPr id="8" name="Fußzeilenplatzhalter 4">
+            <a:extLst>
+              <a:ext uri="{FF2B5EF4-FFF2-40B4-BE49-F238E27FC236}">
+                <a16:creationId xmlns:a16="http://schemas.microsoft.com/office/drawing/2014/main" id="{C27265F2-5432-4CD0-8FFF-5C513EC885DD}"/>
+              </a:ext>
+            </a:extLst>
+          </p:cNvPr>
+          <p:cNvSpPr>
+            <a:spLocks noGrp="1"/>
+          </p:cNvSpPr>
+          <p:nvPr/>
+        </p:nvSpPr>
+        <p:spPr bwMode="auto">
+          <a:xfrm>
+            <a:off x="169558" y="6473313"/>
+            <a:ext cx="8393101" cy="365125"/>
+          </a:xfrm>
+          <a:prstGeom prst="rect">
+            <a:avLst/>
+          </a:prstGeom>
+        </p:spPr>
+        <p:txBody>
+          <a:bodyPr vert="horz" lIns="0" tIns="45720" rIns="0" bIns="45720" rtlCol="0" anchor="ctr">
+            <a:normAutofit/>
+          </a:bodyPr>
+          <a:lstStyle>
+            <a:defPPr>
+              <a:defRPr lang="de-DE"/>
+            </a:defPPr>
+            <a:lvl1pPr algn="l">
+              <a:spcBef>
+                <a:spcPts val="0"/>
+              </a:spcBef>
+              <a:spcAft>
+                <a:spcPts val="0"/>
+              </a:spcAft>
+              <a:defRPr sz="1200">
+                <a:solidFill>
+                  <a:schemeClr val="tx1"/>
+                </a:solidFill>
+                <a:latin typeface="Arial"/>
+                <a:ea typeface="+mn-ea"/>
+                <a:cs typeface="Arial"/>
+              </a:defRPr>
+            </a:lvl1pPr>
+            <a:lvl2pPr marL="457200" algn="l">
+              <a:spcBef>
+                <a:spcPts val="0"/>
+              </a:spcBef>
+              <a:spcAft>
+                <a:spcPts val="0"/>
+              </a:spcAft>
+              <a:defRPr>
+                <a:solidFill>
+                  <a:schemeClr val="tx1"/>
+                </a:solidFill>
+                <a:latin typeface="Arial"/>
+                <a:ea typeface="+mn-ea"/>
+                <a:cs typeface="Arial"/>
+              </a:defRPr>
+            </a:lvl2pPr>
+            <a:lvl3pPr marL="914400" algn="l">
+              <a:spcBef>
+                <a:spcPts val="0"/>
+              </a:spcBef>
+              <a:spcAft>
+                <a:spcPts val="0"/>
+              </a:spcAft>
+              <a:defRPr>
+                <a:solidFill>
+                  <a:schemeClr val="tx1"/>
+                </a:solidFill>
+                <a:latin typeface="Arial"/>
+                <a:ea typeface="+mn-ea"/>
+                <a:cs typeface="Arial"/>
+              </a:defRPr>
+            </a:lvl3pPr>
+            <a:lvl4pPr marL="1371600" algn="l">
+              <a:spcBef>
+                <a:spcPts val="0"/>
+              </a:spcBef>
+              <a:spcAft>
+                <a:spcPts val="0"/>
+              </a:spcAft>
+              <a:defRPr>
+                <a:solidFill>
+                  <a:schemeClr val="tx1"/>
+                </a:solidFill>
+                <a:latin typeface="Arial"/>
+                <a:ea typeface="+mn-ea"/>
+                <a:cs typeface="Arial"/>
+              </a:defRPr>
+            </a:lvl4pPr>
+            <a:lvl5pPr marL="1828800" algn="l">
+              <a:spcBef>
+                <a:spcPts val="0"/>
+              </a:spcBef>
+              <a:spcAft>
+                <a:spcPts val="0"/>
+              </a:spcAft>
+              <a:defRPr>
+                <a:solidFill>
+                  <a:schemeClr val="tx1"/>
+                </a:solidFill>
+                <a:latin typeface="Arial"/>
+                <a:ea typeface="+mn-ea"/>
+                <a:cs typeface="Arial"/>
+              </a:defRPr>
+            </a:lvl5pPr>
+            <a:lvl6pPr marL="2286000" algn="l" defTabSz="914400">
+              <a:defRPr>
+                <a:solidFill>
+                  <a:schemeClr val="tx1"/>
+                </a:solidFill>
+                <a:latin typeface="Arial"/>
+                <a:ea typeface="+mn-ea"/>
+                <a:cs typeface="Arial"/>
+              </a:defRPr>
+            </a:lvl6pPr>
+            <a:lvl7pPr marL="2743200" algn="l" defTabSz="914400">
+              <a:defRPr>
+                <a:solidFill>
+                  <a:schemeClr val="tx1"/>
+                </a:solidFill>
+                <a:latin typeface="Arial"/>
+                <a:ea typeface="+mn-ea"/>
+                <a:cs typeface="Arial"/>
+              </a:defRPr>
+            </a:lvl7pPr>
+            <a:lvl8pPr marL="3200400" algn="l" defTabSz="914400">
+              <a:defRPr>
+                <a:solidFill>
+                  <a:schemeClr val="tx1"/>
+                </a:solidFill>
+                <a:latin typeface="Arial"/>
+                <a:ea typeface="+mn-ea"/>
+                <a:cs typeface="Arial"/>
+              </a:defRPr>
+            </a:lvl8pPr>
+            <a:lvl9pPr marL="3657600" algn="l" defTabSz="914400">
+              <a:defRPr>
+                <a:solidFill>
+                  <a:schemeClr val="tx1"/>
+                </a:solidFill>
+                <a:latin typeface="Arial"/>
+                <a:ea typeface="+mn-ea"/>
+                <a:cs typeface="Arial"/>
+              </a:defRPr>
+            </a:lvl9pPr>
+          </a:lstStyle>
+          <a:p>
+            <a:pPr>
+              <a:lnSpc>
+                <a:spcPct val="90000"/>
+              </a:lnSpc>
+              <a:defRPr/>
+            </a:pPr>
+            <a:r>
+              <a:rPr lang="de-DE" sz="900" dirty="0"/>
+              <a:t>Aspekte der systemnahen Programmierung bei der Spieleentwicklung | 16.02.2021 | </a:t>
+            </a:r>
+            <a:r>
+              <a:rPr lang="de-DE" sz="900" b="1" dirty="0" err="1"/>
+              <a:t>Peano</a:t>
+            </a:r>
+            <a:r>
+              <a:rPr lang="de-DE" sz="900" b="1" dirty="0"/>
+              <a:t>-Kurven (A214)		 </a:t>
+            </a:r>
+            <a:r>
+              <a:rPr lang="en-US" sz="1600" b="1" dirty="0"/>
+              <a:t>Mohamed Attia</a:t>
+            </a:r>
+            <a:endParaRPr lang="de-DE" sz="1600" b="1" dirty="0"/>
+          </a:p>
+          <a:p>
+            <a:pPr>
+              <a:lnSpc>
+                <a:spcPct val="90000"/>
+              </a:lnSpc>
+              <a:defRPr/>
+            </a:pPr>
+            <a:endParaRPr lang="de-DE" dirty="0"/>
+          </a:p>
+          <a:p>
+            <a:pPr>
+              <a:lnSpc>
+                <a:spcPct val="90000"/>
+              </a:lnSpc>
+              <a:spcAft>
+                <a:spcPts val="600"/>
+              </a:spcAft>
+              <a:defRPr/>
+            </a:pPr>
+            <a:endParaRPr lang="en-US" sz="900" dirty="0"/>
+          </a:p>
+        </p:txBody>
+      </p:sp>
     </p:spTree>
     <p:extLst>
       <p:ext uri="{BB962C8B-B14F-4D97-AF65-F5344CB8AC3E}">
@@ -10884,6 +11476,206 @@
           </a:p>
         </p:txBody>
       </p:sp>
+      <p:sp>
+        <p:nvSpPr>
+          <p:cNvPr id="5" name="Fußzeilenplatzhalter 4">
+            <a:extLst>
+              <a:ext uri="{FF2B5EF4-FFF2-40B4-BE49-F238E27FC236}">
+                <a16:creationId xmlns:a16="http://schemas.microsoft.com/office/drawing/2014/main" id="{22F97955-CB18-402A-9A45-F0973AE1513D}"/>
+              </a:ext>
+            </a:extLst>
+          </p:cNvPr>
+          <p:cNvSpPr>
+            <a:spLocks noGrp="1"/>
+          </p:cNvSpPr>
+          <p:nvPr/>
+        </p:nvSpPr>
+        <p:spPr bwMode="auto">
+          <a:xfrm>
+            <a:off x="169558" y="6473313"/>
+            <a:ext cx="8393101" cy="365125"/>
+          </a:xfrm>
+          <a:prstGeom prst="rect">
+            <a:avLst/>
+          </a:prstGeom>
+        </p:spPr>
+        <p:txBody>
+          <a:bodyPr vert="horz" lIns="0" tIns="45720" rIns="0" bIns="45720" rtlCol="0" anchor="ctr">
+            <a:normAutofit/>
+          </a:bodyPr>
+          <a:lstStyle>
+            <a:defPPr>
+              <a:defRPr lang="de-DE"/>
+            </a:defPPr>
+            <a:lvl1pPr algn="l">
+              <a:spcBef>
+                <a:spcPts val="0"/>
+              </a:spcBef>
+              <a:spcAft>
+                <a:spcPts val="0"/>
+              </a:spcAft>
+              <a:defRPr sz="1200">
+                <a:solidFill>
+                  <a:schemeClr val="tx1"/>
+                </a:solidFill>
+                <a:latin typeface="Arial"/>
+                <a:ea typeface="+mn-ea"/>
+                <a:cs typeface="Arial"/>
+              </a:defRPr>
+            </a:lvl1pPr>
+            <a:lvl2pPr marL="457200" algn="l">
+              <a:spcBef>
+                <a:spcPts val="0"/>
+              </a:spcBef>
+              <a:spcAft>
+                <a:spcPts val="0"/>
+              </a:spcAft>
+              <a:defRPr>
+                <a:solidFill>
+                  <a:schemeClr val="tx1"/>
+                </a:solidFill>
+                <a:latin typeface="Arial"/>
+                <a:ea typeface="+mn-ea"/>
+                <a:cs typeface="Arial"/>
+              </a:defRPr>
+            </a:lvl2pPr>
+            <a:lvl3pPr marL="914400" algn="l">
+              <a:spcBef>
+                <a:spcPts val="0"/>
+              </a:spcBef>
+              <a:spcAft>
+                <a:spcPts val="0"/>
+              </a:spcAft>
+              <a:defRPr>
+                <a:solidFill>
+                  <a:schemeClr val="tx1"/>
+                </a:solidFill>
+                <a:latin typeface="Arial"/>
+                <a:ea typeface="+mn-ea"/>
+                <a:cs typeface="Arial"/>
+              </a:defRPr>
+            </a:lvl3pPr>
+            <a:lvl4pPr marL="1371600" algn="l">
+              <a:spcBef>
+                <a:spcPts val="0"/>
+              </a:spcBef>
+              <a:spcAft>
+                <a:spcPts val="0"/>
+              </a:spcAft>
+              <a:defRPr>
+                <a:solidFill>
+                  <a:schemeClr val="tx1"/>
+                </a:solidFill>
+                <a:latin typeface="Arial"/>
+                <a:ea typeface="+mn-ea"/>
+                <a:cs typeface="Arial"/>
+              </a:defRPr>
+            </a:lvl4pPr>
+            <a:lvl5pPr marL="1828800" algn="l">
+              <a:spcBef>
+                <a:spcPts val="0"/>
+              </a:spcBef>
+              <a:spcAft>
+                <a:spcPts val="0"/>
+              </a:spcAft>
+              <a:defRPr>
+                <a:solidFill>
+                  <a:schemeClr val="tx1"/>
+                </a:solidFill>
+                <a:latin typeface="Arial"/>
+                <a:ea typeface="+mn-ea"/>
+                <a:cs typeface="Arial"/>
+              </a:defRPr>
+            </a:lvl5pPr>
+            <a:lvl6pPr marL="2286000" algn="l" defTabSz="914400">
+              <a:defRPr>
+                <a:solidFill>
+                  <a:schemeClr val="tx1"/>
+                </a:solidFill>
+                <a:latin typeface="Arial"/>
+                <a:ea typeface="+mn-ea"/>
+                <a:cs typeface="Arial"/>
+              </a:defRPr>
+            </a:lvl6pPr>
+            <a:lvl7pPr marL="2743200" algn="l" defTabSz="914400">
+              <a:defRPr>
+                <a:solidFill>
+                  <a:schemeClr val="tx1"/>
+                </a:solidFill>
+                <a:latin typeface="Arial"/>
+                <a:ea typeface="+mn-ea"/>
+                <a:cs typeface="Arial"/>
+              </a:defRPr>
+            </a:lvl7pPr>
+            <a:lvl8pPr marL="3200400" algn="l" defTabSz="914400">
+              <a:defRPr>
+                <a:solidFill>
+                  <a:schemeClr val="tx1"/>
+                </a:solidFill>
+                <a:latin typeface="Arial"/>
+                <a:ea typeface="+mn-ea"/>
+                <a:cs typeface="Arial"/>
+              </a:defRPr>
+            </a:lvl8pPr>
+            <a:lvl9pPr marL="3657600" algn="l" defTabSz="914400">
+              <a:defRPr>
+                <a:solidFill>
+                  <a:schemeClr val="tx1"/>
+                </a:solidFill>
+                <a:latin typeface="Arial"/>
+                <a:ea typeface="+mn-ea"/>
+                <a:cs typeface="Arial"/>
+              </a:defRPr>
+            </a:lvl9pPr>
+          </a:lstStyle>
+          <a:p>
+            <a:pPr>
+              <a:lnSpc>
+                <a:spcPct val="90000"/>
+              </a:lnSpc>
+              <a:defRPr/>
+            </a:pPr>
+            <a:r>
+              <a:rPr lang="de-DE" sz="900" dirty="0"/>
+              <a:t>Aspekte der systemnahen Programmierung bei der Spieleentwicklung | 16.02.2021 | </a:t>
+            </a:r>
+            <a:r>
+              <a:rPr lang="de-DE" sz="900" b="1" dirty="0" err="1"/>
+              <a:t>Peano</a:t>
+            </a:r>
+            <a:r>
+              <a:rPr lang="de-DE" sz="900" b="1" dirty="0"/>
+              <a:t>-Kurven (A214)		 </a:t>
+            </a:r>
+            <a:r>
+              <a:rPr lang="en-US" sz="1600" b="1" dirty="0"/>
+              <a:t>Mohamed Attia</a:t>
+            </a:r>
+            <a:endParaRPr lang="de-DE" sz="1600" b="1" dirty="0"/>
+          </a:p>
+          <a:p>
+            <a:pPr>
+              <a:lnSpc>
+                <a:spcPct val="90000"/>
+              </a:lnSpc>
+              <a:defRPr/>
+            </a:pPr>
+            <a:endParaRPr lang="de-DE" dirty="0"/>
+          </a:p>
+          <a:p>
+            <a:pPr>
+              <a:lnSpc>
+                <a:spcPct val="90000"/>
+              </a:lnSpc>
+              <a:spcAft>
+                <a:spcPts val="600"/>
+              </a:spcAft>
+              <a:defRPr/>
+            </a:pPr>
+            <a:endParaRPr lang="en-US" sz="900" dirty="0"/>
+          </a:p>
+        </p:txBody>
+      </p:sp>
     </p:spTree>
     <p:extLst>
       <p:ext uri="{BB962C8B-B14F-4D97-AF65-F5344CB8AC3E}">
@@ -10965,15 +11757,7 @@
           <a:p>
             <a:r>
               <a:rPr lang="en-US" sz="1400" dirty="0"/>
-              <a:t>Mohamed </a:t>
-            </a:r>
-            <a:r>
-              <a:rPr lang="en-US" sz="1400" dirty="0" err="1"/>
-              <a:t>AttiaThomas</a:t>
-            </a:r>
-            <a:r>
-              <a:rPr lang="en-US" sz="1400" dirty="0"/>
-              <a:t> </a:t>
+              <a:t>Mohamed Attia, Thomas </a:t>
             </a:r>
             <a:r>
               <a:rPr lang="en-US" sz="1400" dirty="0" err="1"/>
@@ -10981,7 +11765,7 @@
             </a:r>
             <a:r>
               <a:rPr lang="en-US" sz="1400" dirty="0"/>
-              <a:t>, Patrick Zimmermann, </a:t>
+              <a:t>, Patrick Zimmermann </a:t>
             </a:r>
           </a:p>
         </p:txBody>
@@ -11420,6 +12204,210 @@
           </a:prstGeom>
         </p:spPr>
       </p:pic>
+      <p:sp>
+        <p:nvSpPr>
+          <p:cNvPr id="7" name="Fußzeilenplatzhalter 4">
+            <a:extLst>
+              <a:ext uri="{FF2B5EF4-FFF2-40B4-BE49-F238E27FC236}">
+                <a16:creationId xmlns:a16="http://schemas.microsoft.com/office/drawing/2014/main" id="{C3BD614B-76A3-450B-BEB9-8A340045349E}"/>
+              </a:ext>
+            </a:extLst>
+          </p:cNvPr>
+          <p:cNvSpPr>
+            <a:spLocks noGrp="1"/>
+          </p:cNvSpPr>
+          <p:nvPr/>
+        </p:nvSpPr>
+        <p:spPr bwMode="auto">
+          <a:xfrm>
+            <a:off x="169558" y="6473313"/>
+            <a:ext cx="8393101" cy="365125"/>
+          </a:xfrm>
+          <a:prstGeom prst="rect">
+            <a:avLst/>
+          </a:prstGeom>
+        </p:spPr>
+        <p:txBody>
+          <a:bodyPr vert="horz" lIns="0" tIns="45720" rIns="0" bIns="45720" rtlCol="0" anchor="ctr">
+            <a:normAutofit/>
+          </a:bodyPr>
+          <a:lstStyle>
+            <a:defPPr>
+              <a:defRPr lang="de-DE"/>
+            </a:defPPr>
+            <a:lvl1pPr algn="l">
+              <a:spcBef>
+                <a:spcPts val="0"/>
+              </a:spcBef>
+              <a:spcAft>
+                <a:spcPts val="0"/>
+              </a:spcAft>
+              <a:defRPr sz="1200">
+                <a:solidFill>
+                  <a:schemeClr val="tx1"/>
+                </a:solidFill>
+                <a:latin typeface="Arial"/>
+                <a:ea typeface="+mn-ea"/>
+                <a:cs typeface="Arial"/>
+              </a:defRPr>
+            </a:lvl1pPr>
+            <a:lvl2pPr marL="457200" algn="l">
+              <a:spcBef>
+                <a:spcPts val="0"/>
+              </a:spcBef>
+              <a:spcAft>
+                <a:spcPts val="0"/>
+              </a:spcAft>
+              <a:defRPr>
+                <a:solidFill>
+                  <a:schemeClr val="tx1"/>
+                </a:solidFill>
+                <a:latin typeface="Arial"/>
+                <a:ea typeface="+mn-ea"/>
+                <a:cs typeface="Arial"/>
+              </a:defRPr>
+            </a:lvl2pPr>
+            <a:lvl3pPr marL="914400" algn="l">
+              <a:spcBef>
+                <a:spcPts val="0"/>
+              </a:spcBef>
+              <a:spcAft>
+                <a:spcPts val="0"/>
+              </a:spcAft>
+              <a:defRPr>
+                <a:solidFill>
+                  <a:schemeClr val="tx1"/>
+                </a:solidFill>
+                <a:latin typeface="Arial"/>
+                <a:ea typeface="+mn-ea"/>
+                <a:cs typeface="Arial"/>
+              </a:defRPr>
+            </a:lvl3pPr>
+            <a:lvl4pPr marL="1371600" algn="l">
+              <a:spcBef>
+                <a:spcPts val="0"/>
+              </a:spcBef>
+              <a:spcAft>
+                <a:spcPts val="0"/>
+              </a:spcAft>
+              <a:defRPr>
+                <a:solidFill>
+                  <a:schemeClr val="tx1"/>
+                </a:solidFill>
+                <a:latin typeface="Arial"/>
+                <a:ea typeface="+mn-ea"/>
+                <a:cs typeface="Arial"/>
+              </a:defRPr>
+            </a:lvl4pPr>
+            <a:lvl5pPr marL="1828800" algn="l">
+              <a:spcBef>
+                <a:spcPts val="0"/>
+              </a:spcBef>
+              <a:spcAft>
+                <a:spcPts val="0"/>
+              </a:spcAft>
+              <a:defRPr>
+                <a:solidFill>
+                  <a:schemeClr val="tx1"/>
+                </a:solidFill>
+                <a:latin typeface="Arial"/>
+                <a:ea typeface="+mn-ea"/>
+                <a:cs typeface="Arial"/>
+              </a:defRPr>
+            </a:lvl5pPr>
+            <a:lvl6pPr marL="2286000" algn="l" defTabSz="914400">
+              <a:defRPr>
+                <a:solidFill>
+                  <a:schemeClr val="tx1"/>
+                </a:solidFill>
+                <a:latin typeface="Arial"/>
+                <a:ea typeface="+mn-ea"/>
+                <a:cs typeface="Arial"/>
+              </a:defRPr>
+            </a:lvl6pPr>
+            <a:lvl7pPr marL="2743200" algn="l" defTabSz="914400">
+              <a:defRPr>
+                <a:solidFill>
+                  <a:schemeClr val="tx1"/>
+                </a:solidFill>
+                <a:latin typeface="Arial"/>
+                <a:ea typeface="+mn-ea"/>
+                <a:cs typeface="Arial"/>
+              </a:defRPr>
+            </a:lvl7pPr>
+            <a:lvl8pPr marL="3200400" algn="l" defTabSz="914400">
+              <a:defRPr>
+                <a:solidFill>
+                  <a:schemeClr val="tx1"/>
+                </a:solidFill>
+                <a:latin typeface="Arial"/>
+                <a:ea typeface="+mn-ea"/>
+                <a:cs typeface="Arial"/>
+              </a:defRPr>
+            </a:lvl8pPr>
+            <a:lvl9pPr marL="3657600" algn="l" defTabSz="914400">
+              <a:defRPr>
+                <a:solidFill>
+                  <a:schemeClr val="tx1"/>
+                </a:solidFill>
+                <a:latin typeface="Arial"/>
+                <a:ea typeface="+mn-ea"/>
+                <a:cs typeface="Arial"/>
+              </a:defRPr>
+            </a:lvl9pPr>
+          </a:lstStyle>
+          <a:p>
+            <a:pPr>
+              <a:lnSpc>
+                <a:spcPct val="90000"/>
+              </a:lnSpc>
+              <a:defRPr/>
+            </a:pPr>
+            <a:r>
+              <a:rPr lang="de-DE" sz="900" dirty="0"/>
+              <a:t>Aspekte der systemnahen Programmierung bei der Spieleentwicklung | 16.02.2021 | </a:t>
+            </a:r>
+            <a:r>
+              <a:rPr lang="de-DE" sz="900" b="1" dirty="0" err="1"/>
+              <a:t>Peano</a:t>
+            </a:r>
+            <a:r>
+              <a:rPr lang="de-DE" sz="900" b="1" dirty="0"/>
+              <a:t>-Kurven (A214)		 </a:t>
+            </a:r>
+            <a:r>
+              <a:rPr lang="en-US" sz="1600" b="1" dirty="0"/>
+              <a:t>Thomas </a:t>
+            </a:r>
+            <a:r>
+              <a:rPr lang="en-US" sz="1600" b="1" dirty="0" err="1"/>
+              <a:t>Torggler</a:t>
+            </a:r>
+            <a:endParaRPr lang="de-DE" sz="1600" b="1" dirty="0"/>
+          </a:p>
+          <a:p>
+            <a:pPr>
+              <a:lnSpc>
+                <a:spcPct val="90000"/>
+              </a:lnSpc>
+              <a:defRPr/>
+            </a:pPr>
+            <a:endParaRPr lang="de-DE" dirty="0"/>
+          </a:p>
+          <a:p>
+            <a:pPr>
+              <a:lnSpc>
+                <a:spcPct val="90000"/>
+              </a:lnSpc>
+              <a:spcAft>
+                <a:spcPts val="600"/>
+              </a:spcAft>
+              <a:defRPr/>
+            </a:pPr>
+            <a:endParaRPr lang="en-US" sz="900" dirty="0"/>
+          </a:p>
+        </p:txBody>
+      </p:sp>
     </p:spTree>
     <p:extLst>
       <p:ext uri="{BB962C8B-B14F-4D97-AF65-F5344CB8AC3E}">
@@ -11779,6 +12767,210 @@
               </a:rPr>
               <a:t> des Ansatzes </a:t>
             </a:r>
+          </a:p>
+        </p:txBody>
+      </p:sp>
+      <p:sp>
+        <p:nvSpPr>
+          <p:cNvPr id="5" name="Fußzeilenplatzhalter 4">
+            <a:extLst>
+              <a:ext uri="{FF2B5EF4-FFF2-40B4-BE49-F238E27FC236}">
+                <a16:creationId xmlns:a16="http://schemas.microsoft.com/office/drawing/2014/main" id="{B15D540A-76FB-4324-8830-DA84688E5EF4}"/>
+              </a:ext>
+            </a:extLst>
+          </p:cNvPr>
+          <p:cNvSpPr>
+            <a:spLocks noGrp="1"/>
+          </p:cNvSpPr>
+          <p:nvPr/>
+        </p:nvSpPr>
+        <p:spPr bwMode="auto">
+          <a:xfrm>
+            <a:off x="169558" y="6473313"/>
+            <a:ext cx="8393101" cy="365125"/>
+          </a:xfrm>
+          <a:prstGeom prst="rect">
+            <a:avLst/>
+          </a:prstGeom>
+        </p:spPr>
+        <p:txBody>
+          <a:bodyPr vert="horz" lIns="0" tIns="45720" rIns="0" bIns="45720" rtlCol="0" anchor="ctr">
+            <a:normAutofit/>
+          </a:bodyPr>
+          <a:lstStyle>
+            <a:defPPr>
+              <a:defRPr lang="de-DE"/>
+            </a:defPPr>
+            <a:lvl1pPr algn="l">
+              <a:spcBef>
+                <a:spcPts val="0"/>
+              </a:spcBef>
+              <a:spcAft>
+                <a:spcPts val="0"/>
+              </a:spcAft>
+              <a:defRPr sz="1200">
+                <a:solidFill>
+                  <a:schemeClr val="tx1"/>
+                </a:solidFill>
+                <a:latin typeface="Arial"/>
+                <a:ea typeface="+mn-ea"/>
+                <a:cs typeface="Arial"/>
+              </a:defRPr>
+            </a:lvl1pPr>
+            <a:lvl2pPr marL="457200" algn="l">
+              <a:spcBef>
+                <a:spcPts val="0"/>
+              </a:spcBef>
+              <a:spcAft>
+                <a:spcPts val="0"/>
+              </a:spcAft>
+              <a:defRPr>
+                <a:solidFill>
+                  <a:schemeClr val="tx1"/>
+                </a:solidFill>
+                <a:latin typeface="Arial"/>
+                <a:ea typeface="+mn-ea"/>
+                <a:cs typeface="Arial"/>
+              </a:defRPr>
+            </a:lvl2pPr>
+            <a:lvl3pPr marL="914400" algn="l">
+              <a:spcBef>
+                <a:spcPts val="0"/>
+              </a:spcBef>
+              <a:spcAft>
+                <a:spcPts val="0"/>
+              </a:spcAft>
+              <a:defRPr>
+                <a:solidFill>
+                  <a:schemeClr val="tx1"/>
+                </a:solidFill>
+                <a:latin typeface="Arial"/>
+                <a:ea typeface="+mn-ea"/>
+                <a:cs typeface="Arial"/>
+              </a:defRPr>
+            </a:lvl3pPr>
+            <a:lvl4pPr marL="1371600" algn="l">
+              <a:spcBef>
+                <a:spcPts val="0"/>
+              </a:spcBef>
+              <a:spcAft>
+                <a:spcPts val="0"/>
+              </a:spcAft>
+              <a:defRPr>
+                <a:solidFill>
+                  <a:schemeClr val="tx1"/>
+                </a:solidFill>
+                <a:latin typeface="Arial"/>
+                <a:ea typeface="+mn-ea"/>
+                <a:cs typeface="Arial"/>
+              </a:defRPr>
+            </a:lvl4pPr>
+            <a:lvl5pPr marL="1828800" algn="l">
+              <a:spcBef>
+                <a:spcPts val="0"/>
+              </a:spcBef>
+              <a:spcAft>
+                <a:spcPts val="0"/>
+              </a:spcAft>
+              <a:defRPr>
+                <a:solidFill>
+                  <a:schemeClr val="tx1"/>
+                </a:solidFill>
+                <a:latin typeface="Arial"/>
+                <a:ea typeface="+mn-ea"/>
+                <a:cs typeface="Arial"/>
+              </a:defRPr>
+            </a:lvl5pPr>
+            <a:lvl6pPr marL="2286000" algn="l" defTabSz="914400">
+              <a:defRPr>
+                <a:solidFill>
+                  <a:schemeClr val="tx1"/>
+                </a:solidFill>
+                <a:latin typeface="Arial"/>
+                <a:ea typeface="+mn-ea"/>
+                <a:cs typeface="Arial"/>
+              </a:defRPr>
+            </a:lvl6pPr>
+            <a:lvl7pPr marL="2743200" algn="l" defTabSz="914400">
+              <a:defRPr>
+                <a:solidFill>
+                  <a:schemeClr val="tx1"/>
+                </a:solidFill>
+                <a:latin typeface="Arial"/>
+                <a:ea typeface="+mn-ea"/>
+                <a:cs typeface="Arial"/>
+              </a:defRPr>
+            </a:lvl7pPr>
+            <a:lvl8pPr marL="3200400" algn="l" defTabSz="914400">
+              <a:defRPr>
+                <a:solidFill>
+                  <a:schemeClr val="tx1"/>
+                </a:solidFill>
+                <a:latin typeface="Arial"/>
+                <a:ea typeface="+mn-ea"/>
+                <a:cs typeface="Arial"/>
+              </a:defRPr>
+            </a:lvl8pPr>
+            <a:lvl9pPr marL="3657600" algn="l" defTabSz="914400">
+              <a:defRPr>
+                <a:solidFill>
+                  <a:schemeClr val="tx1"/>
+                </a:solidFill>
+                <a:latin typeface="Arial"/>
+                <a:ea typeface="+mn-ea"/>
+                <a:cs typeface="Arial"/>
+              </a:defRPr>
+            </a:lvl9pPr>
+          </a:lstStyle>
+          <a:p>
+            <a:pPr>
+              <a:lnSpc>
+                <a:spcPct val="90000"/>
+              </a:lnSpc>
+              <a:defRPr/>
+            </a:pPr>
+            <a:r>
+              <a:rPr lang="de-DE" sz="900" dirty="0"/>
+              <a:t>Aspekte der systemnahen Programmierung bei der Spieleentwicklung | 16.02.2021 | </a:t>
+            </a:r>
+            <a:r>
+              <a:rPr lang="de-DE" sz="900" b="1" dirty="0" err="1"/>
+              <a:t>Peano</a:t>
+            </a:r>
+            <a:r>
+              <a:rPr lang="de-DE" sz="900" b="1" dirty="0"/>
+              <a:t>-Kurven (A214)		 </a:t>
+            </a:r>
+            <a:r>
+              <a:rPr lang="en-US" sz="1600" b="1" dirty="0"/>
+              <a:t>Thomas </a:t>
+            </a:r>
+            <a:r>
+              <a:rPr lang="en-US" sz="1600" b="1" dirty="0" err="1"/>
+              <a:t>Torggler</a:t>
+            </a:r>
+            <a:endParaRPr lang="de-DE" sz="1600" b="1" dirty="0"/>
+          </a:p>
+          <a:p>
+            <a:pPr>
+              <a:lnSpc>
+                <a:spcPct val="90000"/>
+              </a:lnSpc>
+              <a:defRPr/>
+            </a:pPr>
+            <a:endParaRPr lang="de-DE" dirty="0"/>
+          </a:p>
+          <a:p>
+            <a:pPr>
+              <a:lnSpc>
+                <a:spcPct val="90000"/>
+              </a:lnSpc>
+              <a:spcAft>
+                <a:spcPts val="600"/>
+              </a:spcAft>
+              <a:defRPr/>
+            </a:pPr>
+            <a:endParaRPr lang="en-US" sz="900" dirty="0"/>
           </a:p>
         </p:txBody>
       </p:sp>
@@ -12124,6 +13316,210 @@
           </a:p>
         </p:txBody>
       </p:sp>
+      <p:sp>
+        <p:nvSpPr>
+          <p:cNvPr id="5" name="Fußzeilenplatzhalter 4">
+            <a:extLst>
+              <a:ext uri="{FF2B5EF4-FFF2-40B4-BE49-F238E27FC236}">
+                <a16:creationId xmlns:a16="http://schemas.microsoft.com/office/drawing/2014/main" id="{0669DAC8-0629-4919-9127-A8D198CB7618}"/>
+              </a:ext>
+            </a:extLst>
+          </p:cNvPr>
+          <p:cNvSpPr>
+            <a:spLocks noGrp="1"/>
+          </p:cNvSpPr>
+          <p:nvPr/>
+        </p:nvSpPr>
+        <p:spPr bwMode="auto">
+          <a:xfrm>
+            <a:off x="169558" y="6473313"/>
+            <a:ext cx="8393101" cy="365125"/>
+          </a:xfrm>
+          <a:prstGeom prst="rect">
+            <a:avLst/>
+          </a:prstGeom>
+        </p:spPr>
+        <p:txBody>
+          <a:bodyPr vert="horz" lIns="0" tIns="45720" rIns="0" bIns="45720" rtlCol="0" anchor="ctr">
+            <a:normAutofit/>
+          </a:bodyPr>
+          <a:lstStyle>
+            <a:defPPr>
+              <a:defRPr lang="de-DE"/>
+            </a:defPPr>
+            <a:lvl1pPr algn="l">
+              <a:spcBef>
+                <a:spcPts val="0"/>
+              </a:spcBef>
+              <a:spcAft>
+                <a:spcPts val="0"/>
+              </a:spcAft>
+              <a:defRPr sz="1200">
+                <a:solidFill>
+                  <a:schemeClr val="tx1"/>
+                </a:solidFill>
+                <a:latin typeface="Arial"/>
+                <a:ea typeface="+mn-ea"/>
+                <a:cs typeface="Arial"/>
+              </a:defRPr>
+            </a:lvl1pPr>
+            <a:lvl2pPr marL="457200" algn="l">
+              <a:spcBef>
+                <a:spcPts val="0"/>
+              </a:spcBef>
+              <a:spcAft>
+                <a:spcPts val="0"/>
+              </a:spcAft>
+              <a:defRPr>
+                <a:solidFill>
+                  <a:schemeClr val="tx1"/>
+                </a:solidFill>
+                <a:latin typeface="Arial"/>
+                <a:ea typeface="+mn-ea"/>
+                <a:cs typeface="Arial"/>
+              </a:defRPr>
+            </a:lvl2pPr>
+            <a:lvl3pPr marL="914400" algn="l">
+              <a:spcBef>
+                <a:spcPts val="0"/>
+              </a:spcBef>
+              <a:spcAft>
+                <a:spcPts val="0"/>
+              </a:spcAft>
+              <a:defRPr>
+                <a:solidFill>
+                  <a:schemeClr val="tx1"/>
+                </a:solidFill>
+                <a:latin typeface="Arial"/>
+                <a:ea typeface="+mn-ea"/>
+                <a:cs typeface="Arial"/>
+              </a:defRPr>
+            </a:lvl3pPr>
+            <a:lvl4pPr marL="1371600" algn="l">
+              <a:spcBef>
+                <a:spcPts val="0"/>
+              </a:spcBef>
+              <a:spcAft>
+                <a:spcPts val="0"/>
+              </a:spcAft>
+              <a:defRPr>
+                <a:solidFill>
+                  <a:schemeClr val="tx1"/>
+                </a:solidFill>
+                <a:latin typeface="Arial"/>
+                <a:ea typeface="+mn-ea"/>
+                <a:cs typeface="Arial"/>
+              </a:defRPr>
+            </a:lvl4pPr>
+            <a:lvl5pPr marL="1828800" algn="l">
+              <a:spcBef>
+                <a:spcPts val="0"/>
+              </a:spcBef>
+              <a:spcAft>
+                <a:spcPts val="0"/>
+              </a:spcAft>
+              <a:defRPr>
+                <a:solidFill>
+                  <a:schemeClr val="tx1"/>
+                </a:solidFill>
+                <a:latin typeface="Arial"/>
+                <a:ea typeface="+mn-ea"/>
+                <a:cs typeface="Arial"/>
+              </a:defRPr>
+            </a:lvl5pPr>
+            <a:lvl6pPr marL="2286000" algn="l" defTabSz="914400">
+              <a:defRPr>
+                <a:solidFill>
+                  <a:schemeClr val="tx1"/>
+                </a:solidFill>
+                <a:latin typeface="Arial"/>
+                <a:ea typeface="+mn-ea"/>
+                <a:cs typeface="Arial"/>
+              </a:defRPr>
+            </a:lvl6pPr>
+            <a:lvl7pPr marL="2743200" algn="l" defTabSz="914400">
+              <a:defRPr>
+                <a:solidFill>
+                  <a:schemeClr val="tx1"/>
+                </a:solidFill>
+                <a:latin typeface="Arial"/>
+                <a:ea typeface="+mn-ea"/>
+                <a:cs typeface="Arial"/>
+              </a:defRPr>
+            </a:lvl7pPr>
+            <a:lvl8pPr marL="3200400" algn="l" defTabSz="914400">
+              <a:defRPr>
+                <a:solidFill>
+                  <a:schemeClr val="tx1"/>
+                </a:solidFill>
+                <a:latin typeface="Arial"/>
+                <a:ea typeface="+mn-ea"/>
+                <a:cs typeface="Arial"/>
+              </a:defRPr>
+            </a:lvl8pPr>
+            <a:lvl9pPr marL="3657600" algn="l" defTabSz="914400">
+              <a:defRPr>
+                <a:solidFill>
+                  <a:schemeClr val="tx1"/>
+                </a:solidFill>
+                <a:latin typeface="Arial"/>
+                <a:ea typeface="+mn-ea"/>
+                <a:cs typeface="Arial"/>
+              </a:defRPr>
+            </a:lvl9pPr>
+          </a:lstStyle>
+          <a:p>
+            <a:pPr>
+              <a:lnSpc>
+                <a:spcPct val="90000"/>
+              </a:lnSpc>
+              <a:defRPr/>
+            </a:pPr>
+            <a:r>
+              <a:rPr lang="de-DE" sz="900" dirty="0"/>
+              <a:t>Aspekte der systemnahen Programmierung bei der Spieleentwicklung | 16.02.2021 | </a:t>
+            </a:r>
+            <a:r>
+              <a:rPr lang="de-DE" sz="900" b="1" dirty="0" err="1"/>
+              <a:t>Peano</a:t>
+            </a:r>
+            <a:r>
+              <a:rPr lang="de-DE" sz="900" b="1" dirty="0"/>
+              <a:t>-Kurven (A214)		 </a:t>
+            </a:r>
+            <a:r>
+              <a:rPr lang="en-US" sz="1600" b="1" dirty="0"/>
+              <a:t>Thomas </a:t>
+            </a:r>
+            <a:r>
+              <a:rPr lang="en-US" sz="1600" b="1" dirty="0" err="1"/>
+              <a:t>Torggler</a:t>
+            </a:r>
+            <a:endParaRPr lang="de-DE" sz="1600" b="1" dirty="0"/>
+          </a:p>
+          <a:p>
+            <a:pPr>
+              <a:lnSpc>
+                <a:spcPct val="90000"/>
+              </a:lnSpc>
+              <a:defRPr/>
+            </a:pPr>
+            <a:endParaRPr lang="de-DE" dirty="0"/>
+          </a:p>
+          <a:p>
+            <a:pPr>
+              <a:lnSpc>
+                <a:spcPct val="90000"/>
+              </a:lnSpc>
+              <a:spcAft>
+                <a:spcPts val="600"/>
+              </a:spcAft>
+              <a:defRPr/>
+            </a:pPr>
+            <a:endParaRPr lang="en-US" sz="900" dirty="0"/>
+          </a:p>
+        </p:txBody>
+      </p:sp>
     </p:spTree>
     <p:extLst>
       <p:ext uri="{BB962C8B-B14F-4D97-AF65-F5344CB8AC3E}">
@@ -12566,6 +13962,206 @@
           </a:prstGeom>
         </p:spPr>
       </p:pic>
+      <p:sp>
+        <p:nvSpPr>
+          <p:cNvPr id="7" name="Fußzeilenplatzhalter 4">
+            <a:extLst>
+              <a:ext uri="{FF2B5EF4-FFF2-40B4-BE49-F238E27FC236}">
+                <a16:creationId xmlns:a16="http://schemas.microsoft.com/office/drawing/2014/main" id="{9550B08B-58AB-4771-9549-7CAE9B4FADDD}"/>
+              </a:ext>
+            </a:extLst>
+          </p:cNvPr>
+          <p:cNvSpPr>
+            <a:spLocks noGrp="1"/>
+          </p:cNvSpPr>
+          <p:nvPr/>
+        </p:nvSpPr>
+        <p:spPr bwMode="auto">
+          <a:xfrm>
+            <a:off x="169558" y="6473313"/>
+            <a:ext cx="8393101" cy="365125"/>
+          </a:xfrm>
+          <a:prstGeom prst="rect">
+            <a:avLst/>
+          </a:prstGeom>
+        </p:spPr>
+        <p:txBody>
+          <a:bodyPr vert="horz" lIns="0" tIns="45720" rIns="0" bIns="45720" rtlCol="0" anchor="ctr">
+            <a:normAutofit/>
+          </a:bodyPr>
+          <a:lstStyle>
+            <a:defPPr>
+              <a:defRPr lang="de-DE"/>
+            </a:defPPr>
+            <a:lvl1pPr algn="l">
+              <a:spcBef>
+                <a:spcPts val="0"/>
+              </a:spcBef>
+              <a:spcAft>
+                <a:spcPts val="0"/>
+              </a:spcAft>
+              <a:defRPr sz="1200">
+                <a:solidFill>
+                  <a:schemeClr val="tx1"/>
+                </a:solidFill>
+                <a:latin typeface="Arial"/>
+                <a:ea typeface="+mn-ea"/>
+                <a:cs typeface="Arial"/>
+              </a:defRPr>
+            </a:lvl1pPr>
+            <a:lvl2pPr marL="457200" algn="l">
+              <a:spcBef>
+                <a:spcPts val="0"/>
+              </a:spcBef>
+              <a:spcAft>
+                <a:spcPts val="0"/>
+              </a:spcAft>
+              <a:defRPr>
+                <a:solidFill>
+                  <a:schemeClr val="tx1"/>
+                </a:solidFill>
+                <a:latin typeface="Arial"/>
+                <a:ea typeface="+mn-ea"/>
+                <a:cs typeface="Arial"/>
+              </a:defRPr>
+            </a:lvl2pPr>
+            <a:lvl3pPr marL="914400" algn="l">
+              <a:spcBef>
+                <a:spcPts val="0"/>
+              </a:spcBef>
+              <a:spcAft>
+                <a:spcPts val="0"/>
+              </a:spcAft>
+              <a:defRPr>
+                <a:solidFill>
+                  <a:schemeClr val="tx1"/>
+                </a:solidFill>
+                <a:latin typeface="Arial"/>
+                <a:ea typeface="+mn-ea"/>
+                <a:cs typeface="Arial"/>
+              </a:defRPr>
+            </a:lvl3pPr>
+            <a:lvl4pPr marL="1371600" algn="l">
+              <a:spcBef>
+                <a:spcPts val="0"/>
+              </a:spcBef>
+              <a:spcAft>
+                <a:spcPts val="0"/>
+              </a:spcAft>
+              <a:defRPr>
+                <a:solidFill>
+                  <a:schemeClr val="tx1"/>
+                </a:solidFill>
+                <a:latin typeface="Arial"/>
+                <a:ea typeface="+mn-ea"/>
+                <a:cs typeface="Arial"/>
+              </a:defRPr>
+            </a:lvl4pPr>
+            <a:lvl5pPr marL="1828800" algn="l">
+              <a:spcBef>
+                <a:spcPts val="0"/>
+              </a:spcBef>
+              <a:spcAft>
+                <a:spcPts val="0"/>
+              </a:spcAft>
+              <a:defRPr>
+                <a:solidFill>
+                  <a:schemeClr val="tx1"/>
+                </a:solidFill>
+                <a:latin typeface="Arial"/>
+                <a:ea typeface="+mn-ea"/>
+                <a:cs typeface="Arial"/>
+              </a:defRPr>
+            </a:lvl5pPr>
+            <a:lvl6pPr marL="2286000" algn="l" defTabSz="914400">
+              <a:defRPr>
+                <a:solidFill>
+                  <a:schemeClr val="tx1"/>
+                </a:solidFill>
+                <a:latin typeface="Arial"/>
+                <a:ea typeface="+mn-ea"/>
+                <a:cs typeface="Arial"/>
+              </a:defRPr>
+            </a:lvl6pPr>
+            <a:lvl7pPr marL="2743200" algn="l" defTabSz="914400">
+              <a:defRPr>
+                <a:solidFill>
+                  <a:schemeClr val="tx1"/>
+                </a:solidFill>
+                <a:latin typeface="Arial"/>
+                <a:ea typeface="+mn-ea"/>
+                <a:cs typeface="Arial"/>
+              </a:defRPr>
+            </a:lvl7pPr>
+            <a:lvl8pPr marL="3200400" algn="l" defTabSz="914400">
+              <a:defRPr>
+                <a:solidFill>
+                  <a:schemeClr val="tx1"/>
+                </a:solidFill>
+                <a:latin typeface="Arial"/>
+                <a:ea typeface="+mn-ea"/>
+                <a:cs typeface="Arial"/>
+              </a:defRPr>
+            </a:lvl8pPr>
+            <a:lvl9pPr marL="3657600" algn="l" defTabSz="914400">
+              <a:defRPr>
+                <a:solidFill>
+                  <a:schemeClr val="tx1"/>
+                </a:solidFill>
+                <a:latin typeface="Arial"/>
+                <a:ea typeface="+mn-ea"/>
+                <a:cs typeface="Arial"/>
+              </a:defRPr>
+            </a:lvl9pPr>
+          </a:lstStyle>
+          <a:p>
+            <a:pPr>
+              <a:lnSpc>
+                <a:spcPct val="90000"/>
+              </a:lnSpc>
+              <a:defRPr/>
+            </a:pPr>
+            <a:r>
+              <a:rPr lang="de-DE" sz="900" dirty="0"/>
+              <a:t>Aspekte der systemnahen Programmierung bei der Spieleentwicklung | 16.02.2021 | </a:t>
+            </a:r>
+            <a:r>
+              <a:rPr lang="de-DE" sz="900" b="1" dirty="0" err="1"/>
+              <a:t>Peano</a:t>
+            </a:r>
+            <a:r>
+              <a:rPr lang="de-DE" sz="900" b="1" dirty="0"/>
+              <a:t>-Kurven (A214)	                          </a:t>
+            </a:r>
+            <a:r>
+              <a:rPr lang="en-US" sz="1600" b="1" dirty="0"/>
+              <a:t>Patrick Zimmermann</a:t>
+            </a:r>
+            <a:endParaRPr lang="de-DE" sz="1600" b="1" dirty="0"/>
+          </a:p>
+          <a:p>
+            <a:pPr>
+              <a:lnSpc>
+                <a:spcPct val="90000"/>
+              </a:lnSpc>
+              <a:defRPr/>
+            </a:pPr>
+            <a:endParaRPr lang="de-DE" dirty="0"/>
+          </a:p>
+          <a:p>
+            <a:pPr>
+              <a:lnSpc>
+                <a:spcPct val="90000"/>
+              </a:lnSpc>
+              <a:spcAft>
+                <a:spcPts val="600"/>
+              </a:spcAft>
+              <a:defRPr/>
+            </a:pPr>
+            <a:endParaRPr lang="en-US" sz="900" dirty="0"/>
+          </a:p>
+        </p:txBody>
+      </p:sp>
     </p:spTree>
     <p:extLst>
       <p:ext uri="{BB962C8B-B14F-4D97-AF65-F5344CB8AC3E}">
@@ -13035,6 +14631,206 @@
               </a:rPr>
               <a:t>: Richtungsarray</a:t>
             </a:r>
+          </a:p>
+        </p:txBody>
+      </p:sp>
+      <p:sp>
+        <p:nvSpPr>
+          <p:cNvPr id="7" name="Fußzeilenplatzhalter 4">
+            <a:extLst>
+              <a:ext uri="{FF2B5EF4-FFF2-40B4-BE49-F238E27FC236}">
+                <a16:creationId xmlns:a16="http://schemas.microsoft.com/office/drawing/2014/main" id="{750E50C5-B0E0-4AD1-912D-9432D1124440}"/>
+              </a:ext>
+            </a:extLst>
+          </p:cNvPr>
+          <p:cNvSpPr>
+            <a:spLocks noGrp="1"/>
+          </p:cNvSpPr>
+          <p:nvPr/>
+        </p:nvSpPr>
+        <p:spPr bwMode="auto">
+          <a:xfrm>
+            <a:off x="169558" y="6473313"/>
+            <a:ext cx="8393101" cy="365125"/>
+          </a:xfrm>
+          <a:prstGeom prst="rect">
+            <a:avLst/>
+          </a:prstGeom>
+        </p:spPr>
+        <p:txBody>
+          <a:bodyPr vert="horz" lIns="0" tIns="45720" rIns="0" bIns="45720" rtlCol="0" anchor="ctr">
+            <a:normAutofit/>
+          </a:bodyPr>
+          <a:lstStyle>
+            <a:defPPr>
+              <a:defRPr lang="de-DE"/>
+            </a:defPPr>
+            <a:lvl1pPr algn="l">
+              <a:spcBef>
+                <a:spcPts val="0"/>
+              </a:spcBef>
+              <a:spcAft>
+                <a:spcPts val="0"/>
+              </a:spcAft>
+              <a:defRPr sz="1200">
+                <a:solidFill>
+                  <a:schemeClr val="tx1"/>
+                </a:solidFill>
+                <a:latin typeface="Arial"/>
+                <a:ea typeface="+mn-ea"/>
+                <a:cs typeface="Arial"/>
+              </a:defRPr>
+            </a:lvl1pPr>
+            <a:lvl2pPr marL="457200" algn="l">
+              <a:spcBef>
+                <a:spcPts val="0"/>
+              </a:spcBef>
+              <a:spcAft>
+                <a:spcPts val="0"/>
+              </a:spcAft>
+              <a:defRPr>
+                <a:solidFill>
+                  <a:schemeClr val="tx1"/>
+                </a:solidFill>
+                <a:latin typeface="Arial"/>
+                <a:ea typeface="+mn-ea"/>
+                <a:cs typeface="Arial"/>
+              </a:defRPr>
+            </a:lvl2pPr>
+            <a:lvl3pPr marL="914400" algn="l">
+              <a:spcBef>
+                <a:spcPts val="0"/>
+              </a:spcBef>
+              <a:spcAft>
+                <a:spcPts val="0"/>
+              </a:spcAft>
+              <a:defRPr>
+                <a:solidFill>
+                  <a:schemeClr val="tx1"/>
+                </a:solidFill>
+                <a:latin typeface="Arial"/>
+                <a:ea typeface="+mn-ea"/>
+                <a:cs typeface="Arial"/>
+              </a:defRPr>
+            </a:lvl3pPr>
+            <a:lvl4pPr marL="1371600" algn="l">
+              <a:spcBef>
+                <a:spcPts val="0"/>
+              </a:spcBef>
+              <a:spcAft>
+                <a:spcPts val="0"/>
+              </a:spcAft>
+              <a:defRPr>
+                <a:solidFill>
+                  <a:schemeClr val="tx1"/>
+                </a:solidFill>
+                <a:latin typeface="Arial"/>
+                <a:ea typeface="+mn-ea"/>
+                <a:cs typeface="Arial"/>
+              </a:defRPr>
+            </a:lvl4pPr>
+            <a:lvl5pPr marL="1828800" algn="l">
+              <a:spcBef>
+                <a:spcPts val="0"/>
+              </a:spcBef>
+              <a:spcAft>
+                <a:spcPts val="0"/>
+              </a:spcAft>
+              <a:defRPr>
+                <a:solidFill>
+                  <a:schemeClr val="tx1"/>
+                </a:solidFill>
+                <a:latin typeface="Arial"/>
+                <a:ea typeface="+mn-ea"/>
+                <a:cs typeface="Arial"/>
+              </a:defRPr>
+            </a:lvl5pPr>
+            <a:lvl6pPr marL="2286000" algn="l" defTabSz="914400">
+              <a:defRPr>
+                <a:solidFill>
+                  <a:schemeClr val="tx1"/>
+                </a:solidFill>
+                <a:latin typeface="Arial"/>
+                <a:ea typeface="+mn-ea"/>
+                <a:cs typeface="Arial"/>
+              </a:defRPr>
+            </a:lvl6pPr>
+            <a:lvl7pPr marL="2743200" algn="l" defTabSz="914400">
+              <a:defRPr>
+                <a:solidFill>
+                  <a:schemeClr val="tx1"/>
+                </a:solidFill>
+                <a:latin typeface="Arial"/>
+                <a:ea typeface="+mn-ea"/>
+                <a:cs typeface="Arial"/>
+              </a:defRPr>
+            </a:lvl7pPr>
+            <a:lvl8pPr marL="3200400" algn="l" defTabSz="914400">
+              <a:defRPr>
+                <a:solidFill>
+                  <a:schemeClr val="tx1"/>
+                </a:solidFill>
+                <a:latin typeface="Arial"/>
+                <a:ea typeface="+mn-ea"/>
+                <a:cs typeface="Arial"/>
+              </a:defRPr>
+            </a:lvl8pPr>
+            <a:lvl9pPr marL="3657600" algn="l" defTabSz="914400">
+              <a:defRPr>
+                <a:solidFill>
+                  <a:schemeClr val="tx1"/>
+                </a:solidFill>
+                <a:latin typeface="Arial"/>
+                <a:ea typeface="+mn-ea"/>
+                <a:cs typeface="Arial"/>
+              </a:defRPr>
+            </a:lvl9pPr>
+          </a:lstStyle>
+          <a:p>
+            <a:pPr>
+              <a:lnSpc>
+                <a:spcPct val="90000"/>
+              </a:lnSpc>
+              <a:defRPr/>
+            </a:pPr>
+            <a:r>
+              <a:rPr lang="de-DE" sz="900" dirty="0"/>
+              <a:t>Aspekte der systemnahen Programmierung bei der Spieleentwicklung | 16.02.2021 | </a:t>
+            </a:r>
+            <a:r>
+              <a:rPr lang="de-DE" sz="900" b="1" dirty="0" err="1"/>
+              <a:t>Peano</a:t>
+            </a:r>
+            <a:r>
+              <a:rPr lang="de-DE" sz="900" b="1" dirty="0"/>
+              <a:t>-Kurven (A214)	                          </a:t>
+            </a:r>
+            <a:r>
+              <a:rPr lang="en-US" sz="1600" b="1" dirty="0"/>
+              <a:t>Patrick Zimmermann</a:t>
+            </a:r>
+            <a:endParaRPr lang="de-DE" sz="1600" b="1" dirty="0"/>
+          </a:p>
+          <a:p>
+            <a:pPr>
+              <a:lnSpc>
+                <a:spcPct val="90000"/>
+              </a:lnSpc>
+              <a:defRPr/>
+            </a:pPr>
+            <a:endParaRPr lang="de-DE" dirty="0"/>
+          </a:p>
+          <a:p>
+            <a:pPr>
+              <a:lnSpc>
+                <a:spcPct val="90000"/>
+              </a:lnSpc>
+              <a:spcAft>
+                <a:spcPts val="600"/>
+              </a:spcAft>
+              <a:defRPr/>
+            </a:pPr>
+            <a:endParaRPr lang="en-US" sz="900" dirty="0"/>
           </a:p>
         </p:txBody>
       </p:sp>
@@ -13765,6 +15561,206 @@
           </p:pic>
         </mc:Fallback>
       </mc:AlternateContent>
+      <p:sp>
+        <p:nvSpPr>
+          <p:cNvPr id="9" name="Fußzeilenplatzhalter 4">
+            <a:extLst>
+              <a:ext uri="{FF2B5EF4-FFF2-40B4-BE49-F238E27FC236}">
+                <a16:creationId xmlns:a16="http://schemas.microsoft.com/office/drawing/2014/main" id="{FDE7B416-557A-4D7A-ACB2-E33DA9F20C06}"/>
+              </a:ext>
+            </a:extLst>
+          </p:cNvPr>
+          <p:cNvSpPr>
+            <a:spLocks noGrp="1"/>
+          </p:cNvSpPr>
+          <p:nvPr/>
+        </p:nvSpPr>
+        <p:spPr bwMode="auto">
+          <a:xfrm>
+            <a:off x="169558" y="6473313"/>
+            <a:ext cx="8393101" cy="365125"/>
+          </a:xfrm>
+          <a:prstGeom prst="rect">
+            <a:avLst/>
+          </a:prstGeom>
+        </p:spPr>
+        <p:txBody>
+          <a:bodyPr vert="horz" lIns="0" tIns="45720" rIns="0" bIns="45720" rtlCol="0" anchor="ctr">
+            <a:normAutofit/>
+          </a:bodyPr>
+          <a:lstStyle>
+            <a:defPPr>
+              <a:defRPr lang="de-DE"/>
+            </a:defPPr>
+            <a:lvl1pPr algn="l">
+              <a:spcBef>
+                <a:spcPts val="0"/>
+              </a:spcBef>
+              <a:spcAft>
+                <a:spcPts val="0"/>
+              </a:spcAft>
+              <a:defRPr sz="1200">
+                <a:solidFill>
+                  <a:schemeClr val="tx1"/>
+                </a:solidFill>
+                <a:latin typeface="Arial"/>
+                <a:ea typeface="+mn-ea"/>
+                <a:cs typeface="Arial"/>
+              </a:defRPr>
+            </a:lvl1pPr>
+            <a:lvl2pPr marL="457200" algn="l">
+              <a:spcBef>
+                <a:spcPts val="0"/>
+              </a:spcBef>
+              <a:spcAft>
+                <a:spcPts val="0"/>
+              </a:spcAft>
+              <a:defRPr>
+                <a:solidFill>
+                  <a:schemeClr val="tx1"/>
+                </a:solidFill>
+                <a:latin typeface="Arial"/>
+                <a:ea typeface="+mn-ea"/>
+                <a:cs typeface="Arial"/>
+              </a:defRPr>
+            </a:lvl2pPr>
+            <a:lvl3pPr marL="914400" algn="l">
+              <a:spcBef>
+                <a:spcPts val="0"/>
+              </a:spcBef>
+              <a:spcAft>
+                <a:spcPts val="0"/>
+              </a:spcAft>
+              <a:defRPr>
+                <a:solidFill>
+                  <a:schemeClr val="tx1"/>
+                </a:solidFill>
+                <a:latin typeface="Arial"/>
+                <a:ea typeface="+mn-ea"/>
+                <a:cs typeface="Arial"/>
+              </a:defRPr>
+            </a:lvl3pPr>
+            <a:lvl4pPr marL="1371600" algn="l">
+              <a:spcBef>
+                <a:spcPts val="0"/>
+              </a:spcBef>
+              <a:spcAft>
+                <a:spcPts val="0"/>
+              </a:spcAft>
+              <a:defRPr>
+                <a:solidFill>
+                  <a:schemeClr val="tx1"/>
+                </a:solidFill>
+                <a:latin typeface="Arial"/>
+                <a:ea typeface="+mn-ea"/>
+                <a:cs typeface="Arial"/>
+              </a:defRPr>
+            </a:lvl4pPr>
+            <a:lvl5pPr marL="1828800" algn="l">
+              <a:spcBef>
+                <a:spcPts val="0"/>
+              </a:spcBef>
+              <a:spcAft>
+                <a:spcPts val="0"/>
+              </a:spcAft>
+              <a:defRPr>
+                <a:solidFill>
+                  <a:schemeClr val="tx1"/>
+                </a:solidFill>
+                <a:latin typeface="Arial"/>
+                <a:ea typeface="+mn-ea"/>
+                <a:cs typeface="Arial"/>
+              </a:defRPr>
+            </a:lvl5pPr>
+            <a:lvl6pPr marL="2286000" algn="l" defTabSz="914400">
+              <a:defRPr>
+                <a:solidFill>
+                  <a:schemeClr val="tx1"/>
+                </a:solidFill>
+                <a:latin typeface="Arial"/>
+                <a:ea typeface="+mn-ea"/>
+                <a:cs typeface="Arial"/>
+              </a:defRPr>
+            </a:lvl6pPr>
+            <a:lvl7pPr marL="2743200" algn="l" defTabSz="914400">
+              <a:defRPr>
+                <a:solidFill>
+                  <a:schemeClr val="tx1"/>
+                </a:solidFill>
+                <a:latin typeface="Arial"/>
+                <a:ea typeface="+mn-ea"/>
+                <a:cs typeface="Arial"/>
+              </a:defRPr>
+            </a:lvl7pPr>
+            <a:lvl8pPr marL="3200400" algn="l" defTabSz="914400">
+              <a:defRPr>
+                <a:solidFill>
+                  <a:schemeClr val="tx1"/>
+                </a:solidFill>
+                <a:latin typeface="Arial"/>
+                <a:ea typeface="+mn-ea"/>
+                <a:cs typeface="Arial"/>
+              </a:defRPr>
+            </a:lvl8pPr>
+            <a:lvl9pPr marL="3657600" algn="l" defTabSz="914400">
+              <a:defRPr>
+                <a:solidFill>
+                  <a:schemeClr val="tx1"/>
+                </a:solidFill>
+                <a:latin typeface="Arial"/>
+                <a:ea typeface="+mn-ea"/>
+                <a:cs typeface="Arial"/>
+              </a:defRPr>
+            </a:lvl9pPr>
+          </a:lstStyle>
+          <a:p>
+            <a:pPr>
+              <a:lnSpc>
+                <a:spcPct val="90000"/>
+              </a:lnSpc>
+              <a:defRPr/>
+            </a:pPr>
+            <a:r>
+              <a:rPr lang="de-DE" sz="900" dirty="0"/>
+              <a:t>Aspekte der systemnahen Programmierung bei der Spieleentwicklung | 16.02.2021 | </a:t>
+            </a:r>
+            <a:r>
+              <a:rPr lang="de-DE" sz="900" b="1" dirty="0" err="1"/>
+              <a:t>Peano</a:t>
+            </a:r>
+            <a:r>
+              <a:rPr lang="de-DE" sz="900" b="1" dirty="0"/>
+              <a:t>-Kurven (A214)	                          </a:t>
+            </a:r>
+            <a:r>
+              <a:rPr lang="en-US" sz="1600" b="1" dirty="0"/>
+              <a:t>Patrick Zimmermann</a:t>
+            </a:r>
+            <a:endParaRPr lang="de-DE" sz="1600" b="1" dirty="0"/>
+          </a:p>
+          <a:p>
+            <a:pPr>
+              <a:lnSpc>
+                <a:spcPct val="90000"/>
+              </a:lnSpc>
+              <a:defRPr/>
+            </a:pPr>
+            <a:endParaRPr lang="de-DE" dirty="0"/>
+          </a:p>
+          <a:p>
+            <a:pPr>
+              <a:lnSpc>
+                <a:spcPct val="90000"/>
+              </a:lnSpc>
+              <a:spcAft>
+                <a:spcPts val="600"/>
+              </a:spcAft>
+              <a:defRPr/>
+            </a:pPr>
+            <a:endParaRPr lang="en-US" sz="900" dirty="0"/>
+          </a:p>
+        </p:txBody>
+      </p:sp>
     </p:spTree>
     <p:extLst>
       <p:ext uri="{BB962C8B-B14F-4D97-AF65-F5344CB8AC3E}">
@@ -14264,6 +16260,206 @@
                 <a:srgbClr val="FF0000"/>
               </a:solidFill>
             </a:endParaRPr>
+          </a:p>
+        </p:txBody>
+      </p:sp>
+      <p:sp>
+        <p:nvSpPr>
+          <p:cNvPr id="5" name="Fußzeilenplatzhalter 4">
+            <a:extLst>
+              <a:ext uri="{FF2B5EF4-FFF2-40B4-BE49-F238E27FC236}">
+                <a16:creationId xmlns:a16="http://schemas.microsoft.com/office/drawing/2014/main" id="{3B0BCB8F-E3A9-4F70-A2AB-F23989C12790}"/>
+              </a:ext>
+            </a:extLst>
+          </p:cNvPr>
+          <p:cNvSpPr>
+            <a:spLocks noGrp="1"/>
+          </p:cNvSpPr>
+          <p:nvPr/>
+        </p:nvSpPr>
+        <p:spPr bwMode="auto">
+          <a:xfrm>
+            <a:off x="169558" y="6473313"/>
+            <a:ext cx="8393101" cy="365125"/>
+          </a:xfrm>
+          <a:prstGeom prst="rect">
+            <a:avLst/>
+          </a:prstGeom>
+        </p:spPr>
+        <p:txBody>
+          <a:bodyPr vert="horz" lIns="0" tIns="45720" rIns="0" bIns="45720" rtlCol="0" anchor="ctr">
+            <a:normAutofit/>
+          </a:bodyPr>
+          <a:lstStyle>
+            <a:defPPr>
+              <a:defRPr lang="de-DE"/>
+            </a:defPPr>
+            <a:lvl1pPr algn="l">
+              <a:spcBef>
+                <a:spcPts val="0"/>
+              </a:spcBef>
+              <a:spcAft>
+                <a:spcPts val="0"/>
+              </a:spcAft>
+              <a:defRPr sz="1200">
+                <a:solidFill>
+                  <a:schemeClr val="tx1"/>
+                </a:solidFill>
+                <a:latin typeface="Arial"/>
+                <a:ea typeface="+mn-ea"/>
+                <a:cs typeface="Arial"/>
+              </a:defRPr>
+            </a:lvl1pPr>
+            <a:lvl2pPr marL="457200" algn="l">
+              <a:spcBef>
+                <a:spcPts val="0"/>
+              </a:spcBef>
+              <a:spcAft>
+                <a:spcPts val="0"/>
+              </a:spcAft>
+              <a:defRPr>
+                <a:solidFill>
+                  <a:schemeClr val="tx1"/>
+                </a:solidFill>
+                <a:latin typeface="Arial"/>
+                <a:ea typeface="+mn-ea"/>
+                <a:cs typeface="Arial"/>
+              </a:defRPr>
+            </a:lvl2pPr>
+            <a:lvl3pPr marL="914400" algn="l">
+              <a:spcBef>
+                <a:spcPts val="0"/>
+              </a:spcBef>
+              <a:spcAft>
+                <a:spcPts val="0"/>
+              </a:spcAft>
+              <a:defRPr>
+                <a:solidFill>
+                  <a:schemeClr val="tx1"/>
+                </a:solidFill>
+                <a:latin typeface="Arial"/>
+                <a:ea typeface="+mn-ea"/>
+                <a:cs typeface="Arial"/>
+              </a:defRPr>
+            </a:lvl3pPr>
+            <a:lvl4pPr marL="1371600" algn="l">
+              <a:spcBef>
+                <a:spcPts val="0"/>
+              </a:spcBef>
+              <a:spcAft>
+                <a:spcPts val="0"/>
+              </a:spcAft>
+              <a:defRPr>
+                <a:solidFill>
+                  <a:schemeClr val="tx1"/>
+                </a:solidFill>
+                <a:latin typeface="Arial"/>
+                <a:ea typeface="+mn-ea"/>
+                <a:cs typeface="Arial"/>
+              </a:defRPr>
+            </a:lvl4pPr>
+            <a:lvl5pPr marL="1828800" algn="l">
+              <a:spcBef>
+                <a:spcPts val="0"/>
+              </a:spcBef>
+              <a:spcAft>
+                <a:spcPts val="0"/>
+              </a:spcAft>
+              <a:defRPr>
+                <a:solidFill>
+                  <a:schemeClr val="tx1"/>
+                </a:solidFill>
+                <a:latin typeface="Arial"/>
+                <a:ea typeface="+mn-ea"/>
+                <a:cs typeface="Arial"/>
+              </a:defRPr>
+            </a:lvl5pPr>
+            <a:lvl6pPr marL="2286000" algn="l" defTabSz="914400">
+              <a:defRPr>
+                <a:solidFill>
+                  <a:schemeClr val="tx1"/>
+                </a:solidFill>
+                <a:latin typeface="Arial"/>
+                <a:ea typeface="+mn-ea"/>
+                <a:cs typeface="Arial"/>
+              </a:defRPr>
+            </a:lvl6pPr>
+            <a:lvl7pPr marL="2743200" algn="l" defTabSz="914400">
+              <a:defRPr>
+                <a:solidFill>
+                  <a:schemeClr val="tx1"/>
+                </a:solidFill>
+                <a:latin typeface="Arial"/>
+                <a:ea typeface="+mn-ea"/>
+                <a:cs typeface="Arial"/>
+              </a:defRPr>
+            </a:lvl7pPr>
+            <a:lvl8pPr marL="3200400" algn="l" defTabSz="914400">
+              <a:defRPr>
+                <a:solidFill>
+                  <a:schemeClr val="tx1"/>
+                </a:solidFill>
+                <a:latin typeface="Arial"/>
+                <a:ea typeface="+mn-ea"/>
+                <a:cs typeface="Arial"/>
+              </a:defRPr>
+            </a:lvl8pPr>
+            <a:lvl9pPr marL="3657600" algn="l" defTabSz="914400">
+              <a:defRPr>
+                <a:solidFill>
+                  <a:schemeClr val="tx1"/>
+                </a:solidFill>
+                <a:latin typeface="Arial"/>
+                <a:ea typeface="+mn-ea"/>
+                <a:cs typeface="Arial"/>
+              </a:defRPr>
+            </a:lvl9pPr>
+          </a:lstStyle>
+          <a:p>
+            <a:pPr>
+              <a:lnSpc>
+                <a:spcPct val="90000"/>
+              </a:lnSpc>
+              <a:defRPr/>
+            </a:pPr>
+            <a:r>
+              <a:rPr lang="de-DE" sz="900" dirty="0"/>
+              <a:t>Aspekte der systemnahen Programmierung bei der Spieleentwicklung | 16.02.2021 | </a:t>
+            </a:r>
+            <a:r>
+              <a:rPr lang="de-DE" sz="900" b="1" dirty="0" err="1"/>
+              <a:t>Peano</a:t>
+            </a:r>
+            <a:r>
+              <a:rPr lang="de-DE" sz="900" b="1" dirty="0"/>
+              <a:t>-Kurven (A214)		 </a:t>
+            </a:r>
+            <a:r>
+              <a:rPr lang="en-US" sz="1600" b="1" dirty="0"/>
+              <a:t>Mohamed Attia</a:t>
+            </a:r>
+            <a:endParaRPr lang="de-DE" sz="1600" b="1" dirty="0"/>
+          </a:p>
+          <a:p>
+            <a:pPr>
+              <a:lnSpc>
+                <a:spcPct val="90000"/>
+              </a:lnSpc>
+              <a:defRPr/>
+            </a:pPr>
+            <a:endParaRPr lang="de-DE" dirty="0"/>
+          </a:p>
+          <a:p>
+            <a:pPr>
+              <a:lnSpc>
+                <a:spcPct val="90000"/>
+              </a:lnSpc>
+              <a:spcAft>
+                <a:spcPts val="600"/>
+              </a:spcAft>
+              <a:defRPr/>
+            </a:pPr>
+            <a:endParaRPr lang="en-US" sz="900" dirty="0"/>
           </a:p>
         </p:txBody>
       </p:sp>
@@ -14602,6 +16798,206 @@
           </a:prstGeom>
         </p:spPr>
       </p:pic>
+      <p:sp>
+        <p:nvSpPr>
+          <p:cNvPr id="5" name="Fußzeilenplatzhalter 4">
+            <a:extLst>
+              <a:ext uri="{FF2B5EF4-FFF2-40B4-BE49-F238E27FC236}">
+                <a16:creationId xmlns:a16="http://schemas.microsoft.com/office/drawing/2014/main" id="{93186AD8-42FD-4733-A18E-CA290820B73C}"/>
+              </a:ext>
+            </a:extLst>
+          </p:cNvPr>
+          <p:cNvSpPr>
+            <a:spLocks noGrp="1"/>
+          </p:cNvSpPr>
+          <p:nvPr/>
+        </p:nvSpPr>
+        <p:spPr bwMode="auto">
+          <a:xfrm>
+            <a:off x="169558" y="6473313"/>
+            <a:ext cx="8393101" cy="365125"/>
+          </a:xfrm>
+          <a:prstGeom prst="rect">
+            <a:avLst/>
+          </a:prstGeom>
+        </p:spPr>
+        <p:txBody>
+          <a:bodyPr vert="horz" lIns="0" tIns="45720" rIns="0" bIns="45720" rtlCol="0" anchor="ctr">
+            <a:normAutofit/>
+          </a:bodyPr>
+          <a:lstStyle>
+            <a:defPPr>
+              <a:defRPr lang="de-DE"/>
+            </a:defPPr>
+            <a:lvl1pPr algn="l">
+              <a:spcBef>
+                <a:spcPts val="0"/>
+              </a:spcBef>
+              <a:spcAft>
+                <a:spcPts val="0"/>
+              </a:spcAft>
+              <a:defRPr sz="1200">
+                <a:solidFill>
+                  <a:schemeClr val="tx1"/>
+                </a:solidFill>
+                <a:latin typeface="Arial"/>
+                <a:ea typeface="+mn-ea"/>
+                <a:cs typeface="Arial"/>
+              </a:defRPr>
+            </a:lvl1pPr>
+            <a:lvl2pPr marL="457200" algn="l">
+              <a:spcBef>
+                <a:spcPts val="0"/>
+              </a:spcBef>
+              <a:spcAft>
+                <a:spcPts val="0"/>
+              </a:spcAft>
+              <a:defRPr>
+                <a:solidFill>
+                  <a:schemeClr val="tx1"/>
+                </a:solidFill>
+                <a:latin typeface="Arial"/>
+                <a:ea typeface="+mn-ea"/>
+                <a:cs typeface="Arial"/>
+              </a:defRPr>
+            </a:lvl2pPr>
+            <a:lvl3pPr marL="914400" algn="l">
+              <a:spcBef>
+                <a:spcPts val="0"/>
+              </a:spcBef>
+              <a:spcAft>
+                <a:spcPts val="0"/>
+              </a:spcAft>
+              <a:defRPr>
+                <a:solidFill>
+                  <a:schemeClr val="tx1"/>
+                </a:solidFill>
+                <a:latin typeface="Arial"/>
+                <a:ea typeface="+mn-ea"/>
+                <a:cs typeface="Arial"/>
+              </a:defRPr>
+            </a:lvl3pPr>
+            <a:lvl4pPr marL="1371600" algn="l">
+              <a:spcBef>
+                <a:spcPts val="0"/>
+              </a:spcBef>
+              <a:spcAft>
+                <a:spcPts val="0"/>
+              </a:spcAft>
+              <a:defRPr>
+                <a:solidFill>
+                  <a:schemeClr val="tx1"/>
+                </a:solidFill>
+                <a:latin typeface="Arial"/>
+                <a:ea typeface="+mn-ea"/>
+                <a:cs typeface="Arial"/>
+              </a:defRPr>
+            </a:lvl4pPr>
+            <a:lvl5pPr marL="1828800" algn="l">
+              <a:spcBef>
+                <a:spcPts val="0"/>
+              </a:spcBef>
+              <a:spcAft>
+                <a:spcPts val="0"/>
+              </a:spcAft>
+              <a:defRPr>
+                <a:solidFill>
+                  <a:schemeClr val="tx1"/>
+                </a:solidFill>
+                <a:latin typeface="Arial"/>
+                <a:ea typeface="+mn-ea"/>
+                <a:cs typeface="Arial"/>
+              </a:defRPr>
+            </a:lvl5pPr>
+            <a:lvl6pPr marL="2286000" algn="l" defTabSz="914400">
+              <a:defRPr>
+                <a:solidFill>
+                  <a:schemeClr val="tx1"/>
+                </a:solidFill>
+                <a:latin typeface="Arial"/>
+                <a:ea typeface="+mn-ea"/>
+                <a:cs typeface="Arial"/>
+              </a:defRPr>
+            </a:lvl6pPr>
+            <a:lvl7pPr marL="2743200" algn="l" defTabSz="914400">
+              <a:defRPr>
+                <a:solidFill>
+                  <a:schemeClr val="tx1"/>
+                </a:solidFill>
+                <a:latin typeface="Arial"/>
+                <a:ea typeface="+mn-ea"/>
+                <a:cs typeface="Arial"/>
+              </a:defRPr>
+            </a:lvl7pPr>
+            <a:lvl8pPr marL="3200400" algn="l" defTabSz="914400">
+              <a:defRPr>
+                <a:solidFill>
+                  <a:schemeClr val="tx1"/>
+                </a:solidFill>
+                <a:latin typeface="Arial"/>
+                <a:ea typeface="+mn-ea"/>
+                <a:cs typeface="Arial"/>
+              </a:defRPr>
+            </a:lvl8pPr>
+            <a:lvl9pPr marL="3657600" algn="l" defTabSz="914400">
+              <a:defRPr>
+                <a:solidFill>
+                  <a:schemeClr val="tx1"/>
+                </a:solidFill>
+                <a:latin typeface="Arial"/>
+                <a:ea typeface="+mn-ea"/>
+                <a:cs typeface="Arial"/>
+              </a:defRPr>
+            </a:lvl9pPr>
+          </a:lstStyle>
+          <a:p>
+            <a:pPr>
+              <a:lnSpc>
+                <a:spcPct val="90000"/>
+              </a:lnSpc>
+              <a:defRPr/>
+            </a:pPr>
+            <a:r>
+              <a:rPr lang="de-DE" sz="900" dirty="0"/>
+              <a:t>Aspekte der systemnahen Programmierung bei der Spieleentwicklung | 16.02.2021 | </a:t>
+            </a:r>
+            <a:r>
+              <a:rPr lang="de-DE" sz="900" b="1" dirty="0" err="1"/>
+              <a:t>Peano</a:t>
+            </a:r>
+            <a:r>
+              <a:rPr lang="de-DE" sz="900" b="1" dirty="0"/>
+              <a:t>-Kurven (A214)		 </a:t>
+            </a:r>
+            <a:r>
+              <a:rPr lang="en-US" sz="1600" b="1" dirty="0"/>
+              <a:t>Mohamed Attia</a:t>
+            </a:r>
+            <a:endParaRPr lang="de-DE" sz="1600" b="1" dirty="0"/>
+          </a:p>
+          <a:p>
+            <a:pPr>
+              <a:lnSpc>
+                <a:spcPct val="90000"/>
+              </a:lnSpc>
+              <a:defRPr/>
+            </a:pPr>
+            <a:endParaRPr lang="de-DE" dirty="0"/>
+          </a:p>
+          <a:p>
+            <a:pPr>
+              <a:lnSpc>
+                <a:spcPct val="90000"/>
+              </a:lnSpc>
+              <a:spcAft>
+                <a:spcPts val="600"/>
+              </a:spcAft>
+              <a:defRPr/>
+            </a:pPr>
+            <a:endParaRPr lang="en-US" sz="900" dirty="0"/>
+          </a:p>
+        </p:txBody>
+      </p:sp>
     </p:spTree>
     <p:extLst>
       <p:ext uri="{BB962C8B-B14F-4D97-AF65-F5344CB8AC3E}">

--- a/Ausarbeitung/präzi.pptx
+++ b/Ausarbeitung/präzi.pptx
@@ -10,26 +10,28 @@
     <p:sldMasterId id="2147483697" r:id="rId6"/>
   </p:sldMasterIdLst>
   <p:notesMasterIdLst>
-    <p:notesMasterId r:id="rId21"/>
+    <p:notesMasterId r:id="rId23"/>
   </p:notesMasterIdLst>
   <p:handoutMasterIdLst>
-    <p:handoutMasterId r:id="rId22"/>
+    <p:handoutMasterId r:id="rId24"/>
   </p:handoutMasterIdLst>
   <p:sldIdLst>
     <p:sldId id="355" r:id="rId7"/>
-    <p:sldId id="473" r:id="rId8"/>
-    <p:sldId id="474" r:id="rId9"/>
-    <p:sldId id="400" r:id="rId10"/>
-    <p:sldId id="406" r:id="rId11"/>
-    <p:sldId id="471" r:id="rId12"/>
-    <p:sldId id="429" r:id="rId13"/>
-    <p:sldId id="475" r:id="rId14"/>
-    <p:sldId id="476" r:id="rId15"/>
-    <p:sldId id="477" r:id="rId16"/>
-    <p:sldId id="478" r:id="rId17"/>
-    <p:sldId id="479" r:id="rId18"/>
-    <p:sldId id="480" r:id="rId19"/>
-    <p:sldId id="356" r:id="rId20"/>
+    <p:sldId id="481" r:id="rId8"/>
+    <p:sldId id="482" r:id="rId9"/>
+    <p:sldId id="473" r:id="rId10"/>
+    <p:sldId id="400" r:id="rId11"/>
+    <p:sldId id="474" r:id="rId12"/>
+    <p:sldId id="406" r:id="rId13"/>
+    <p:sldId id="471" r:id="rId14"/>
+    <p:sldId id="429" r:id="rId15"/>
+    <p:sldId id="475" r:id="rId16"/>
+    <p:sldId id="476" r:id="rId17"/>
+    <p:sldId id="477" r:id="rId18"/>
+    <p:sldId id="478" r:id="rId19"/>
+    <p:sldId id="479" r:id="rId20"/>
+    <p:sldId id="480" r:id="rId21"/>
+    <p:sldId id="356" r:id="rId22"/>
   </p:sldIdLst>
   <p:sldSz cx="9144000" cy="6858000" type="screen4x3"/>
   <p:notesSz cx="9925050" cy="6665913"/>
@@ -393,7 +395,7 @@
               <a:pPr>
                 <a:defRPr/>
               </a:pPr>
-              <a:t>‹#›</a:t>
+              <a:t>‹Nr.›</a:t>
             </a:fld>
             <a:endParaRPr lang="en-GB"/>
           </a:p>
@@ -411,6 +413,58 @@
 </file>
 
 <file path=ppt/ink/ink1.xml><?xml version="1.0" encoding="utf-8"?>
+<inkml:ink xmlns:inkml="http://www.w3.org/2003/InkML">
+  <inkml:definitions>
+    <inkml:context xml:id="ctx0">
+      <inkml:inkSource xml:id="inkSrc0">
+        <inkml:traceFormat>
+          <inkml:channel name="X" type="integer" min="-2.14748E9" max="2.14748E9" units="cm"/>
+          <inkml:channel name="Y" type="integer" min="-2.14748E9" max="2.14748E9" units="cm"/>
+        </inkml:traceFormat>
+        <inkml:channelProperties>
+          <inkml:channelProperty channel="X" name="resolution" value="1000" units="1/cm"/>
+          <inkml:channelProperty channel="Y" name="resolution" value="1000" units="1/cm"/>
+        </inkml:channelProperties>
+      </inkml:inkSource>
+      <inkml:timestamp xml:id="ts0" timeString="2021-02-15T16:06:00.333"/>
+    </inkml:context>
+    <inkml:brush xml:id="br0">
+      <inkml:brushProperty name="width" value="0.05" units="cm"/>
+      <inkml:brushProperty name="height" value="0.05" units="cm"/>
+      <inkml:brushProperty name="ignorePressure" value="1"/>
+    </inkml:brush>
+  </inkml:definitions>
+  <inkml:trace contextRef="#ctx0" brushRef="#br0">0 0,'0'0</inkml:trace>
+</inkml:ink>
+</file>
+
+<file path=ppt/ink/ink2.xml><?xml version="1.0" encoding="utf-8"?>
+<inkml:ink xmlns:inkml="http://www.w3.org/2003/InkML">
+  <inkml:definitions>
+    <inkml:context xml:id="ctx0">
+      <inkml:inkSource xml:id="inkSrc0">
+        <inkml:traceFormat>
+          <inkml:channel name="X" type="integer" min="-2.14748E9" max="2.14748E9" units="cm"/>
+          <inkml:channel name="Y" type="integer" min="-2.14748E9" max="2.14748E9" units="cm"/>
+        </inkml:traceFormat>
+        <inkml:channelProperties>
+          <inkml:channelProperty channel="X" name="resolution" value="1000" units="1/cm"/>
+          <inkml:channelProperty channel="Y" name="resolution" value="1000" units="1/cm"/>
+        </inkml:channelProperties>
+      </inkml:inkSource>
+      <inkml:timestamp xml:id="ts0" timeString="2021-02-15T16:06:00.333"/>
+    </inkml:context>
+    <inkml:brush xml:id="br0">
+      <inkml:brushProperty name="width" value="0.05" units="cm"/>
+      <inkml:brushProperty name="height" value="0.05" units="cm"/>
+      <inkml:brushProperty name="ignorePressure" value="1"/>
+    </inkml:brush>
+  </inkml:definitions>
+  <inkml:trace contextRef="#ctx0" brushRef="#br0">0 0,'0'0</inkml:trace>
+</inkml:ink>
+</file>
+
+<file path=ppt/ink/ink3.xml><?xml version="1.0" encoding="utf-8"?>
 <inkml:ink xmlns:inkml="http://www.w3.org/2003/InkML">
   <inkml:definitions>
     <inkml:context xml:id="ctx0">
@@ -439,7 +493,7 @@
 </inkml:ink>
 </file>
 
-<file path=ppt/ink/ink2.xml><?xml version="1.0" encoding="utf-8"?>
+<file path=ppt/ink/ink4.xml><?xml version="1.0" encoding="utf-8"?>
 <inkml:ink xmlns:inkml="http://www.w3.org/2003/InkML">
   <inkml:definitions>
     <inkml:context xml:id="ctx0">
@@ -769,7 +823,7 @@
               <a:pPr>
                 <a:defRPr/>
               </a:pPr>
-              <a:t>‹#›</a:t>
+              <a:t>‹Nr.›</a:t>
             </a:fld>
             <a:endParaRPr lang="en-GB"/>
           </a:p>
@@ -1160,7 +1214,7 @@
             <a:fld id="{CE58CB1E-F828-4F11-99E0-327109AF9DA4}" type="slidenum">
               <a:rPr lang="de-DE" smtClean="0"/>
               <a:pPr/>
-              <a:t>‹#›</a:t>
+              <a:t>‹Nr.›</a:t>
             </a:fld>
             <a:endParaRPr lang="de-DE" dirty="0"/>
           </a:p>
@@ -1253,6 +1307,167 @@
 </file>
 
 <file path=ppt/slideLayouts/slideLayout10.xml><?xml version="1.0" encoding="utf-8"?>
+<p:sldLayout xmlns:a="http://schemas.openxmlformats.org/drawingml/2006/main" xmlns:r="http://schemas.openxmlformats.org/officeDocument/2006/relationships" xmlns:p="http://schemas.openxmlformats.org/presentationml/2006/main" userDrawn="1">
+  <p:cSld name="Bilder formatfüllend">
+    <p:spTree>
+      <p:nvGrpSpPr>
+        <p:cNvPr id="1" name=""/>
+        <p:cNvGrpSpPr/>
+        <p:nvPr/>
+      </p:nvGrpSpPr>
+      <p:grpSpPr>
+        <a:xfrm>
+          <a:off x="0" y="0"/>
+          <a:ext cx="0" cy="0"/>
+          <a:chOff x="0" y="0"/>
+          <a:chExt cx="0" cy="0"/>
+        </a:xfrm>
+      </p:grpSpPr>
+      <p:sp>
+        <p:nvSpPr>
+          <p:cNvPr id="8" name="Bildplatzhalter 2"/>
+          <p:cNvSpPr>
+            <a:spLocks noGrp="1"/>
+          </p:cNvSpPr>
+          <p:nvPr>
+            <p:ph type="pic" sz="quarter" idx="14" hasCustomPrompt="1"/>
+          </p:nvPr>
+        </p:nvSpPr>
+        <p:spPr>
+          <a:xfrm>
+            <a:off x="0" y="1691640"/>
+            <a:ext cx="9144000" cy="5166360"/>
+          </a:xfrm>
+          <a:prstGeom prst="rect">
+            <a:avLst/>
+          </a:prstGeom>
+        </p:spPr>
+        <p:txBody>
+          <a:bodyPr/>
+          <a:lstStyle>
+            <a:lvl1pPr>
+              <a:lnSpc>
+                <a:spcPct val="114000"/>
+              </a:lnSpc>
+              <a:defRPr/>
+            </a:lvl1pPr>
+          </a:lstStyle>
+          <a:p>
+            <a:endParaRPr lang="de-DE" dirty="0"/>
+          </a:p>
+        </p:txBody>
+      </p:sp>
+      <p:sp>
+        <p:nvSpPr>
+          <p:cNvPr id="6" name="Foliennummernplatzhalter 5"/>
+          <p:cNvSpPr>
+            <a:spLocks noGrp="1"/>
+          </p:cNvSpPr>
+          <p:nvPr>
+            <p:ph type="sldNum" sz="quarter" idx="15"/>
+          </p:nvPr>
+        </p:nvSpPr>
+        <p:spPr/>
+        <p:txBody>
+          <a:bodyPr/>
+          <a:lstStyle/>
+          <a:p>
+            <a:fld id="{CE58CB1E-F828-4F11-99E0-327109AF9DA4}" type="slidenum">
+              <a:rPr lang="de-DE" smtClean="0"/>
+              <a:pPr/>
+              <a:t>‹Nr.›</a:t>
+            </a:fld>
+            <a:endParaRPr lang="de-DE" dirty="0"/>
+          </a:p>
+        </p:txBody>
+      </p:sp>
+      <p:sp>
+        <p:nvSpPr>
+          <p:cNvPr id="10" name="Fußzeilenplatzhalter 9"/>
+          <p:cNvSpPr>
+            <a:spLocks noGrp="1"/>
+          </p:cNvSpPr>
+          <p:nvPr>
+            <p:ph type="ftr" sz="quarter" idx="16"/>
+          </p:nvPr>
+        </p:nvSpPr>
+        <p:spPr/>
+        <p:txBody>
+          <a:bodyPr/>
+          <a:lstStyle/>
+          <a:p>
+            <a:r>
+              <a:rPr lang="de-DE"/>
+              <a:t>Dr. rer. nat. Erika Mustermann (TUM) | kann beliebig erweitert werden | Infos mit Strich trennen</a:t>
+            </a:r>
+            <a:endParaRPr lang="en-US" dirty="0"/>
+          </a:p>
+        </p:txBody>
+      </p:sp>
+      <p:sp>
+        <p:nvSpPr>
+          <p:cNvPr id="7" name="Titel 1"/>
+          <p:cNvSpPr>
+            <a:spLocks noGrp="1"/>
+          </p:cNvSpPr>
+          <p:nvPr>
+            <p:ph type="title" hasCustomPrompt="1"/>
+          </p:nvPr>
+        </p:nvSpPr>
+        <p:spPr>
+          <a:xfrm>
+            <a:off x="319090" y="994334"/>
+            <a:ext cx="8508999" cy="410369"/>
+          </a:xfrm>
+          <a:prstGeom prst="rect">
+            <a:avLst/>
+          </a:prstGeom>
+          <a:noFill/>
+          <a:ln w="9525">
+            <a:noFill/>
+            <a:miter lim="800000"/>
+            <a:headEnd/>
+            <a:tailEnd/>
+          </a:ln>
+        </p:spPr>
+        <p:txBody>
+          <a:bodyPr vert="horz" wrap="square" lIns="0" tIns="0" rIns="0" bIns="0" numCol="1" anchor="t" anchorCtr="0" compatLnSpc="1">
+            <a:prstTxWarp prst="textNoShape">
+              <a:avLst/>
+            </a:prstTxWarp>
+            <a:spAutoFit/>
+          </a:bodyPr>
+          <a:lstStyle>
+            <a:lvl1pPr>
+              <a:lnSpc>
+                <a:spcPts val="3200"/>
+              </a:lnSpc>
+              <a:defRPr lang="de-DE" sz="3000" noProof="0" dirty="0"/>
+            </a:lvl1pPr>
+          </a:lstStyle>
+          <a:p>
+            <a:pPr lvl="0"/>
+            <a:r>
+              <a:rPr lang="de-DE" noProof="0" dirty="0"/>
+              <a:t>Titel durch Klicken bearbeiten</a:t>
+            </a:r>
+          </a:p>
+        </p:txBody>
+      </p:sp>
+    </p:spTree>
+    <p:extLst>
+      <p:ext uri="{BB962C8B-B14F-4D97-AF65-F5344CB8AC3E}">
+        <p14:creationId xmlns:p14="http://schemas.microsoft.com/office/powerpoint/2010/main" val="2435256476"/>
+      </p:ext>
+    </p:extLst>
+  </p:cSld>
+  <p:clrMapOvr>
+    <a:masterClrMapping/>
+  </p:clrMapOvr>
+</p:sldLayout>
+</file>
+
+<file path=ppt/slideLayouts/slideLayout11.xml><?xml version="1.0" encoding="utf-8"?>
 <p:sldLayout xmlns:a="http://schemas.openxmlformats.org/drawingml/2006/main" xmlns:r="http://schemas.openxmlformats.org/officeDocument/2006/relationships" xmlns:p="http://schemas.openxmlformats.org/presentationml/2006/main" userDrawn="1">
   <p:cSld name="Zwei Inhalte + Text (Hintergrund)">
     <p:spTree>
@@ -1379,7 +1594,7 @@
             <a:fld id="{CE58CB1E-F828-4F11-99E0-327109AF9DA4}" type="slidenum">
               <a:rPr lang="de-DE" smtClean="0"/>
               <a:pPr/>
-              <a:t>‹#›</a:t>
+              <a:t>‹Nr.›</a:t>
             </a:fld>
             <a:endParaRPr lang="de-DE" dirty="0"/>
           </a:p>
@@ -1567,7 +1782,7 @@
 </p:sldLayout>
 </file>
 
-<file path=ppt/slideLayouts/slideLayout11.xml><?xml version="1.0" encoding="utf-8"?>
+<file path=ppt/slideLayouts/slideLayout12.xml><?xml version="1.0" encoding="utf-8"?>
 <p:sldLayout xmlns:a="http://schemas.openxmlformats.org/drawingml/2006/main" xmlns:r="http://schemas.openxmlformats.org/officeDocument/2006/relationships" xmlns:p="http://schemas.openxmlformats.org/presentationml/2006/main" preserve="1" userDrawn="1">
   <p:cSld name="Start">
     <p:spTree>
@@ -1724,7 +1939,7 @@
             <a:fld id="{CE58CB1E-F828-4F11-99E0-327109AF9DA4}" type="slidenum">
               <a:rPr lang="de-DE" smtClean="0"/>
               <a:pPr/>
-              <a:t>‹#›</a:t>
+              <a:t>‹Nr.›</a:t>
             </a:fld>
             <a:endParaRPr lang="de-DE" dirty="0"/>
           </a:p>
@@ -1816,7 +2031,7 @@
 </p:sldLayout>
 </file>
 
-<file path=ppt/slideLayouts/slideLayout12.xml><?xml version="1.0" encoding="utf-8"?>
+<file path=ppt/slideLayouts/slideLayout13.xml><?xml version="1.0" encoding="utf-8"?>
 <p:sldLayout xmlns:a="http://schemas.openxmlformats.org/drawingml/2006/main" xmlns:r="http://schemas.openxmlformats.org/officeDocument/2006/relationships" xmlns:p="http://schemas.openxmlformats.org/presentationml/2006/main" preserve="1" userDrawn="1">
   <p:cSld name="Inhalt">
     <p:spTree>
@@ -1923,7 +2138,7 @@
             <a:fld id="{CE58CB1E-F828-4F11-99E0-327109AF9DA4}" type="slidenum">
               <a:rPr lang="de-DE" smtClean="0"/>
               <a:pPr/>
-              <a:t>‹#›</a:t>
+              <a:t>‹Nr.›</a:t>
             </a:fld>
             <a:endParaRPr lang="de-DE" dirty="0"/>
           </a:p>
@@ -2015,7 +2230,7 @@
 </p:sldLayout>
 </file>
 
-<file path=ppt/slideLayouts/slideLayout13.xml><?xml version="1.0" encoding="utf-8"?>
+<file path=ppt/slideLayouts/slideLayout14.xml><?xml version="1.0" encoding="utf-8"?>
 <p:sldLayout xmlns:a="http://schemas.openxmlformats.org/drawingml/2006/main" xmlns:r="http://schemas.openxmlformats.org/officeDocument/2006/relationships" xmlns:p="http://schemas.openxmlformats.org/presentationml/2006/main" preserve="1" userDrawn="1">
   <p:cSld name="Inhalt + Text">
     <p:spTree>
@@ -2122,7 +2337,7 @@
             <a:fld id="{CE58CB1E-F828-4F11-99E0-327109AF9DA4}" type="slidenum">
               <a:rPr lang="de-DE" smtClean="0"/>
               <a:pPr/>
-              <a:t>‹#›</a:t>
+              <a:t>‹Nr.›</a:t>
             </a:fld>
             <a:endParaRPr lang="de-DE" dirty="0"/>
           </a:p>
@@ -2262,7 +2477,7 @@
 </p:sldLayout>
 </file>
 
-<file path=ppt/slideLayouts/slideLayout14.xml><?xml version="1.0" encoding="utf-8"?>
+<file path=ppt/slideLayouts/slideLayout15.xml><?xml version="1.0" encoding="utf-8"?>
 <p:sldLayout xmlns:a="http://schemas.openxmlformats.org/drawingml/2006/main" xmlns:r="http://schemas.openxmlformats.org/officeDocument/2006/relationships" xmlns:p="http://schemas.openxmlformats.org/presentationml/2006/main" preserve="1" userDrawn="1">
   <p:cSld name="zwei Inhalte">
     <p:spTree>
@@ -2443,7 +2658,7 @@
             <a:fld id="{CE58CB1E-F828-4F11-99E0-327109AF9DA4}" type="slidenum">
               <a:rPr lang="de-DE" smtClean="0"/>
               <a:pPr/>
-              <a:t>‹#›</a:t>
+              <a:t>‹Nr.›</a:t>
             </a:fld>
             <a:endParaRPr lang="de-DE" dirty="0"/>
           </a:p>
@@ -2535,7 +2750,7 @@
 </p:sldLayout>
 </file>
 
-<file path=ppt/slideLayouts/slideLayout15.xml><?xml version="1.0" encoding="utf-8"?>
+<file path=ppt/slideLayouts/slideLayout16.xml><?xml version="1.0" encoding="utf-8"?>
 <p:sldLayout xmlns:a="http://schemas.openxmlformats.org/drawingml/2006/main" xmlns:r="http://schemas.openxmlformats.org/officeDocument/2006/relationships" xmlns:p="http://schemas.openxmlformats.org/presentationml/2006/main" preserve="1" userDrawn="1">
   <p:cSld name="Zwei Inhalte + Text">
     <p:spTree>
@@ -2619,7 +2834,7 @@
             <a:fld id="{CE58CB1E-F828-4F11-99E0-327109AF9DA4}" type="slidenum">
               <a:rPr lang="de-DE" smtClean="0"/>
               <a:pPr/>
-              <a:t>‹#›</a:t>
+              <a:t>‹Nr.›</a:t>
             </a:fld>
             <a:endParaRPr lang="de-DE" dirty="0"/>
           </a:p>
@@ -2807,7 +3022,7 @@
 </p:sldLayout>
 </file>
 
-<file path=ppt/slideLayouts/slideLayout16.xml><?xml version="1.0" encoding="utf-8"?>
+<file path=ppt/slideLayouts/slideLayout17.xml><?xml version="1.0" encoding="utf-8"?>
 <p:sldLayout xmlns:a="http://schemas.openxmlformats.org/drawingml/2006/main" xmlns:r="http://schemas.openxmlformats.org/officeDocument/2006/relationships" xmlns:p="http://schemas.openxmlformats.org/presentationml/2006/main" preserve="1" userDrawn="1">
   <p:cSld name="Zwei Inhalte + Text (Hintergrund)">
     <p:spTree>
@@ -2934,7 +3149,7 @@
             <a:fld id="{CE58CB1E-F828-4F11-99E0-327109AF9DA4}" type="slidenum">
               <a:rPr lang="de-DE" smtClean="0"/>
               <a:pPr/>
-              <a:t>‹#›</a:t>
+              <a:t>‹Nr.›</a:t>
             </a:fld>
             <a:endParaRPr lang="de-DE" dirty="0"/>
           </a:p>
@@ -3122,7 +3337,7 @@
 </p:sldLayout>
 </file>
 
-<file path=ppt/slideLayouts/slideLayout17.xml><?xml version="1.0" encoding="utf-8"?>
+<file path=ppt/slideLayouts/slideLayout18.xml><?xml version="1.0" encoding="utf-8"?>
 <p:sldLayout xmlns:a="http://schemas.openxmlformats.org/drawingml/2006/main" xmlns:r="http://schemas.openxmlformats.org/officeDocument/2006/relationships" xmlns:p="http://schemas.openxmlformats.org/presentationml/2006/main" preserve="1" userDrawn="1">
   <p:cSld name="große Bilder">
     <p:spTree>
@@ -3206,7 +3421,7 @@
             <a:fld id="{CE58CB1E-F828-4F11-99E0-327109AF9DA4}" type="slidenum">
               <a:rPr lang="de-DE" smtClean="0"/>
               <a:pPr/>
-              <a:t>‹#›</a:t>
+              <a:t>‹Nr.›</a:t>
             </a:fld>
             <a:endParaRPr lang="de-DE" dirty="0"/>
           </a:p>
@@ -3324,7 +3539,7 @@
 </p:sldLayout>
 </file>
 
-<file path=ppt/slideLayouts/slideLayout18.xml><?xml version="1.0" encoding="utf-8"?>
+<file path=ppt/slideLayouts/slideLayout19.xml><?xml version="1.0" encoding="utf-8"?>
 <p:sldLayout xmlns:a="http://schemas.openxmlformats.org/drawingml/2006/main" xmlns:r="http://schemas.openxmlformats.org/officeDocument/2006/relationships" xmlns:p="http://schemas.openxmlformats.org/presentationml/2006/main" preserve="1" userDrawn="1">
   <p:cSld name="Bilder formatfüllend">
     <p:spTree>
@@ -3393,7 +3608,7 @@
             <a:fld id="{CE58CB1E-F828-4F11-99E0-327109AF9DA4}" type="slidenum">
               <a:rPr lang="de-DE" smtClean="0"/>
               <a:pPr/>
-              <a:t>‹#›</a:t>
+              <a:t>‹Nr.›</a:t>
             </a:fld>
             <a:endParaRPr lang="de-DE" dirty="0"/>
           </a:p>
@@ -3485,7 +3700,280 @@
 </p:sldLayout>
 </file>
 
-<file path=ppt/slideLayouts/slideLayout19.xml><?xml version="1.0" encoding="utf-8"?>
+<file path=ppt/slideLayouts/slideLayout2.xml><?xml version="1.0" encoding="utf-8"?>
+<p:sldLayout xmlns:a="http://schemas.openxmlformats.org/drawingml/2006/main" xmlns:r="http://schemas.openxmlformats.org/officeDocument/2006/relationships" xmlns:p="http://schemas.openxmlformats.org/presentationml/2006/main" userDrawn="1">
+  <p:cSld name="zwei Inhalte">
+    <p:spTree>
+      <p:nvGrpSpPr>
+        <p:cNvPr id="1" name=""/>
+        <p:cNvGrpSpPr/>
+        <p:nvPr/>
+      </p:nvGrpSpPr>
+      <p:grpSpPr>
+        <a:xfrm>
+          <a:off x="0" y="0"/>
+          <a:ext cx="0" cy="0"/>
+          <a:chOff x="0" y="0"/>
+          <a:chExt cx="0" cy="0"/>
+        </a:xfrm>
+      </p:grpSpPr>
+      <p:sp>
+        <p:nvSpPr>
+          <p:cNvPr id="11" name="Inhaltsplatzhalter 2"/>
+          <p:cNvSpPr>
+            <a:spLocks noGrp="1"/>
+          </p:cNvSpPr>
+          <p:nvPr>
+            <p:ph idx="14" hasCustomPrompt="1"/>
+          </p:nvPr>
+        </p:nvSpPr>
+        <p:spPr>
+          <a:xfrm>
+            <a:off x="319091" y="1762188"/>
+            <a:ext cx="4180910" cy="4687380"/>
+          </a:xfrm>
+          <a:prstGeom prst="rect">
+            <a:avLst/>
+          </a:prstGeom>
+          <a:noFill/>
+          <a:ln w="9525">
+            <a:noFill/>
+            <a:miter lim="800000"/>
+            <a:headEnd/>
+            <a:tailEnd/>
+          </a:ln>
+        </p:spPr>
+        <p:txBody>
+          <a:bodyPr vert="horz" wrap="square" lIns="0" tIns="0" rIns="0" bIns="0" numCol="1" anchor="t" anchorCtr="0" compatLnSpc="1">
+            <a:prstTxWarp prst="textNoShape">
+              <a:avLst/>
+            </a:prstTxWarp>
+          </a:bodyPr>
+          <a:lstStyle>
+            <a:lvl1pPr>
+              <a:lnSpc>
+                <a:spcPct val="114000"/>
+              </a:lnSpc>
+              <a:defRPr lang="de-DE" noProof="0" dirty="0" smtClean="0"/>
+            </a:lvl1pPr>
+            <a:lvl2pPr>
+              <a:lnSpc>
+                <a:spcPct val="114000"/>
+              </a:lnSpc>
+              <a:defRPr lang="de-DE" noProof="0" dirty="0" smtClean="0"/>
+            </a:lvl2pPr>
+            <a:lvl3pPr>
+              <a:defRPr sz="1600" baseline="0"/>
+            </a:lvl3pPr>
+          </a:lstStyle>
+          <a:p>
+            <a:pPr lvl="0"/>
+            <a:r>
+              <a:rPr lang="de-DE" noProof="0" dirty="0"/>
+              <a:t>Inhalt durch Klicken bearbeiten</a:t>
+            </a:r>
+          </a:p>
+          <a:p>
+            <a:pPr lvl="1"/>
+            <a:r>
+              <a:rPr lang="de-DE" noProof="0" dirty="0"/>
+              <a:t>Zweite Ebene</a:t>
+            </a:r>
+          </a:p>
+          <a:p>
+            <a:pPr lvl="2"/>
+            <a:r>
+              <a:rPr lang="de-DE" sz="1600" noProof="0" dirty="0"/>
+              <a:t>Dritte Ebene</a:t>
+            </a:r>
+            <a:endParaRPr lang="de-DE" noProof="0" dirty="0"/>
+          </a:p>
+        </p:txBody>
+      </p:sp>
+      <p:sp>
+        <p:nvSpPr>
+          <p:cNvPr id="13" name="Inhaltsplatzhalter 2"/>
+          <p:cNvSpPr>
+            <a:spLocks noGrp="1"/>
+          </p:cNvSpPr>
+          <p:nvPr>
+            <p:ph idx="15" hasCustomPrompt="1"/>
+          </p:nvPr>
+        </p:nvSpPr>
+        <p:spPr>
+          <a:xfrm>
+            <a:off x="4647179" y="1762188"/>
+            <a:ext cx="4180910" cy="4687380"/>
+          </a:xfrm>
+          <a:prstGeom prst="rect">
+            <a:avLst/>
+          </a:prstGeom>
+          <a:noFill/>
+          <a:ln w="9525">
+            <a:noFill/>
+            <a:miter lim="800000"/>
+            <a:headEnd/>
+            <a:tailEnd/>
+          </a:ln>
+        </p:spPr>
+        <p:txBody>
+          <a:bodyPr vert="horz" wrap="square" lIns="0" tIns="0" rIns="0" bIns="0" numCol="1" anchor="t" anchorCtr="0" compatLnSpc="1">
+            <a:prstTxWarp prst="textNoShape">
+              <a:avLst/>
+            </a:prstTxWarp>
+          </a:bodyPr>
+          <a:lstStyle>
+            <a:lvl1pPr>
+              <a:lnSpc>
+                <a:spcPct val="114000"/>
+              </a:lnSpc>
+              <a:defRPr lang="de-DE" noProof="0" dirty="0" smtClean="0"/>
+            </a:lvl1pPr>
+            <a:lvl2pPr>
+              <a:lnSpc>
+                <a:spcPct val="114000"/>
+              </a:lnSpc>
+              <a:defRPr lang="de-DE" noProof="0" dirty="0" smtClean="0"/>
+            </a:lvl2pPr>
+            <a:lvl3pPr>
+              <a:defRPr sz="1600"/>
+            </a:lvl3pPr>
+          </a:lstStyle>
+          <a:p>
+            <a:pPr lvl="0"/>
+            <a:r>
+              <a:rPr lang="de-DE" noProof="0" dirty="0"/>
+              <a:t>Inhalt durch Klicken bearbeiten</a:t>
+            </a:r>
+          </a:p>
+          <a:p>
+            <a:pPr lvl="1"/>
+            <a:r>
+              <a:rPr lang="de-DE" noProof="0" dirty="0"/>
+              <a:t>Zweite Ebene</a:t>
+            </a:r>
+          </a:p>
+          <a:p>
+            <a:pPr lvl="2"/>
+            <a:r>
+              <a:rPr lang="de-DE" sz="1600" noProof="0" dirty="0"/>
+              <a:t>Dritte Ebene</a:t>
+            </a:r>
+            <a:endParaRPr lang="de-DE" noProof="0" dirty="0"/>
+          </a:p>
+        </p:txBody>
+      </p:sp>
+      <p:sp>
+        <p:nvSpPr>
+          <p:cNvPr id="6" name="Foliennummernplatzhalter 5"/>
+          <p:cNvSpPr>
+            <a:spLocks noGrp="1"/>
+          </p:cNvSpPr>
+          <p:nvPr>
+            <p:ph type="sldNum" sz="quarter" idx="16"/>
+          </p:nvPr>
+        </p:nvSpPr>
+        <p:spPr/>
+        <p:txBody>
+          <a:bodyPr/>
+          <a:lstStyle/>
+          <a:p>
+            <a:fld id="{CE58CB1E-F828-4F11-99E0-327109AF9DA4}" type="slidenum">
+              <a:rPr lang="de-DE" smtClean="0"/>
+              <a:pPr/>
+              <a:t>‹Nr.›</a:t>
+            </a:fld>
+            <a:endParaRPr lang="de-DE" dirty="0"/>
+          </a:p>
+        </p:txBody>
+      </p:sp>
+      <p:sp>
+        <p:nvSpPr>
+          <p:cNvPr id="8" name="Fußzeilenplatzhalter 7"/>
+          <p:cNvSpPr>
+            <a:spLocks noGrp="1"/>
+          </p:cNvSpPr>
+          <p:nvPr>
+            <p:ph type="ftr" sz="quarter" idx="17"/>
+          </p:nvPr>
+        </p:nvSpPr>
+        <p:spPr/>
+        <p:txBody>
+          <a:bodyPr/>
+          <a:lstStyle/>
+          <a:p>
+            <a:r>
+              <a:rPr lang="de-DE"/>
+              <a:t>Dr. rer. nat. Erika Mustermann (TUM) | kann beliebig erweitert werden | Infos mit Strich trennen</a:t>
+            </a:r>
+            <a:endParaRPr lang="en-US" dirty="0"/>
+          </a:p>
+        </p:txBody>
+      </p:sp>
+      <p:sp>
+        <p:nvSpPr>
+          <p:cNvPr id="7" name="Titel 1"/>
+          <p:cNvSpPr>
+            <a:spLocks noGrp="1"/>
+          </p:cNvSpPr>
+          <p:nvPr>
+            <p:ph type="title" hasCustomPrompt="1"/>
+          </p:nvPr>
+        </p:nvSpPr>
+        <p:spPr>
+          <a:xfrm>
+            <a:off x="319090" y="994334"/>
+            <a:ext cx="8508999" cy="410369"/>
+          </a:xfrm>
+          <a:prstGeom prst="rect">
+            <a:avLst/>
+          </a:prstGeom>
+          <a:noFill/>
+          <a:ln w="9525">
+            <a:noFill/>
+            <a:miter lim="800000"/>
+            <a:headEnd/>
+            <a:tailEnd/>
+          </a:ln>
+        </p:spPr>
+        <p:txBody>
+          <a:bodyPr vert="horz" wrap="square" lIns="0" tIns="0" rIns="0" bIns="0" numCol="1" anchor="t" anchorCtr="0" compatLnSpc="1">
+            <a:prstTxWarp prst="textNoShape">
+              <a:avLst/>
+            </a:prstTxWarp>
+            <a:spAutoFit/>
+          </a:bodyPr>
+          <a:lstStyle>
+            <a:lvl1pPr>
+              <a:lnSpc>
+                <a:spcPts val="3200"/>
+              </a:lnSpc>
+              <a:defRPr lang="de-DE" sz="3000" noProof="0" dirty="0"/>
+            </a:lvl1pPr>
+          </a:lstStyle>
+          <a:p>
+            <a:pPr lvl="0"/>
+            <a:r>
+              <a:rPr lang="de-DE" noProof="0" dirty="0"/>
+              <a:t>Titel durch Klicken bearbeiten</a:t>
+            </a:r>
+          </a:p>
+        </p:txBody>
+      </p:sp>
+    </p:spTree>
+    <p:extLst>
+      <p:ext uri="{BB962C8B-B14F-4D97-AF65-F5344CB8AC3E}">
+        <p14:creationId xmlns:p14="http://schemas.microsoft.com/office/powerpoint/2010/main" val="3282508983"/>
+      </p:ext>
+    </p:extLst>
+  </p:cSld>
+  <p:clrMapOvr>
+    <a:masterClrMapping/>
+  </p:clrMapOvr>
+</p:sldLayout>
+</file>
+
+<file path=ppt/slideLayouts/slideLayout20.xml><?xml version="1.0" encoding="utf-8"?>
 <p:sldLayout xmlns:a="http://schemas.openxmlformats.org/drawingml/2006/main" xmlns:r="http://schemas.openxmlformats.org/officeDocument/2006/relationships" xmlns:p="http://schemas.openxmlformats.org/presentationml/2006/main" preserve="1" userDrawn="1">
   <p:cSld name="Kapiteltrenner">
     <p:spTree>
@@ -3592,7 +4080,7 @@
             <a:fld id="{CE58CB1E-F828-4F11-99E0-327109AF9DA4}" type="slidenum">
               <a:rPr lang="de-DE" smtClean="0"/>
               <a:pPr/>
-              <a:t>‹#›</a:t>
+              <a:t>‹Nr.›</a:t>
             </a:fld>
             <a:endParaRPr lang="de-DE" dirty="0"/>
           </a:p>
@@ -3634,7 +4122,172 @@
 </p:sldLayout>
 </file>
 
-<file path=ppt/slideLayouts/slideLayout2.xml><?xml version="1.0" encoding="utf-8"?>
+<file path=ppt/slideLayouts/slideLayout21.xml><?xml version="1.0" encoding="utf-8"?>
+<p:sldLayout xmlns:a="http://schemas.openxmlformats.org/drawingml/2006/main" xmlns:r="http://schemas.openxmlformats.org/officeDocument/2006/relationships" xmlns:p="http://schemas.openxmlformats.org/presentationml/2006/main" preserve="1" userDrawn="1">
+  <p:cSld name="Kapiteltrenner">
+    <p:spTree>
+      <p:nvGrpSpPr>
+        <p:cNvPr id="1" name=""/>
+        <p:cNvGrpSpPr/>
+        <p:nvPr/>
+      </p:nvGrpSpPr>
+      <p:grpSpPr>
+        <a:xfrm>
+          <a:off x="0" y="0"/>
+          <a:ext cx="0" cy="0"/>
+          <a:chOff x="0" y="0"/>
+          <a:chExt cx="0" cy="0"/>
+        </a:xfrm>
+      </p:grpSpPr>
+      <p:sp>
+        <p:nvSpPr>
+          <p:cNvPr id="6" name="Foliennummernplatzhalter 5"/>
+          <p:cNvSpPr>
+            <a:spLocks noGrp="1"/>
+          </p:cNvSpPr>
+          <p:nvPr>
+            <p:ph type="sldNum" sz="quarter" idx="11"/>
+          </p:nvPr>
+        </p:nvSpPr>
+        <p:spPr/>
+        <p:txBody>
+          <a:bodyPr/>
+          <a:lstStyle>
+            <a:lvl1pPr>
+              <a:defRPr>
+                <a:solidFill>
+                  <a:schemeClr val="bg1"/>
+                </a:solidFill>
+              </a:defRPr>
+            </a:lvl1pPr>
+          </a:lstStyle>
+          <a:p>
+            <a:fld id="{CE58CB1E-F828-4F11-99E0-327109AF9DA4}" type="slidenum">
+              <a:rPr lang="de-DE" smtClean="0"/>
+              <a:pPr/>
+              <a:t>‹Nr.›</a:t>
+            </a:fld>
+            <a:endParaRPr lang="de-DE" dirty="0"/>
+          </a:p>
+        </p:txBody>
+      </p:sp>
+      <p:sp>
+        <p:nvSpPr>
+          <p:cNvPr id="8" name="Fußzeilenplatzhalter 7"/>
+          <p:cNvSpPr>
+            <a:spLocks noGrp="1"/>
+          </p:cNvSpPr>
+          <p:nvPr>
+            <p:ph type="ftr" sz="quarter" idx="12"/>
+          </p:nvPr>
+        </p:nvSpPr>
+        <p:spPr/>
+        <p:txBody>
+          <a:bodyPr/>
+          <a:lstStyle>
+            <a:lvl1pPr>
+              <a:defRPr>
+                <a:solidFill>
+                  <a:schemeClr val="bg1"/>
+                </a:solidFill>
+              </a:defRPr>
+            </a:lvl1pPr>
+          </a:lstStyle>
+          <a:p>
+            <a:r>
+              <a:rPr lang="de-DE"/>
+              <a:t>Dr. rer. nat. Erika Mustermann (TUM) | kann beliebig erweitert werden | Infos mit Strich trennen</a:t>
+            </a:r>
+            <a:endParaRPr lang="en-US" dirty="0"/>
+          </a:p>
+        </p:txBody>
+      </p:sp>
+      <p:sp>
+        <p:nvSpPr>
+          <p:cNvPr id="5" name="Titel 1"/>
+          <p:cNvSpPr>
+            <a:spLocks noGrp="1"/>
+          </p:cNvSpPr>
+          <p:nvPr>
+            <p:ph type="title" hasCustomPrompt="1"/>
+          </p:nvPr>
+        </p:nvSpPr>
+        <p:spPr>
+          <a:xfrm>
+            <a:off x="319090" y="994334"/>
+            <a:ext cx="8508999" cy="1231106"/>
+          </a:xfrm>
+          <a:prstGeom prst="rect">
+            <a:avLst/>
+          </a:prstGeom>
+          <a:noFill/>
+          <a:ln w="9525">
+            <a:noFill/>
+            <a:miter lim="800000"/>
+            <a:headEnd/>
+            <a:tailEnd/>
+          </a:ln>
+        </p:spPr>
+        <p:txBody>
+          <a:bodyPr vert="horz" wrap="square" lIns="0" tIns="0" rIns="0" bIns="0" numCol="1" anchor="t" anchorCtr="0" compatLnSpc="1">
+            <a:prstTxWarp prst="textNoShape">
+              <a:avLst/>
+            </a:prstTxWarp>
+            <a:spAutoFit/>
+          </a:bodyPr>
+          <a:lstStyle>
+            <a:lvl1pPr>
+              <a:lnSpc>
+                <a:spcPts val="3200"/>
+              </a:lnSpc>
+              <a:defRPr lang="de-DE" sz="3000" baseline="0" noProof="0" dirty="0">
+                <a:solidFill>
+                  <a:schemeClr val="bg1"/>
+                </a:solidFill>
+              </a:defRPr>
+            </a:lvl1pPr>
+          </a:lstStyle>
+          <a:p>
+            <a:pPr lvl="0"/>
+            <a:r>
+              <a:rPr lang="de-DE" noProof="0" dirty="0"/>
+              <a:t>Präsentationsmuster</a:t>
+            </a:r>
+            <a:br>
+              <a:rPr lang="de-DE" noProof="0" dirty="0"/>
+            </a:br>
+            <a:br>
+              <a:rPr lang="de-DE" noProof="0" dirty="0"/>
+            </a:br>
+            <a:r>
+              <a:rPr lang="de-DE" noProof="0" dirty="0"/>
+              <a:t>kann auch als </a:t>
+            </a:r>
+            <a:r>
+              <a:rPr lang="de-DE" noProof="0" dirty="0" err="1"/>
+              <a:t>Kapiteltrenner</a:t>
+            </a:r>
+            <a:r>
+              <a:rPr lang="de-DE" noProof="0" dirty="0"/>
+              <a:t> verwendet werden</a:t>
+            </a:r>
+          </a:p>
+        </p:txBody>
+      </p:sp>
+    </p:spTree>
+    <p:extLst>
+      <p:ext uri="{BB962C8B-B14F-4D97-AF65-F5344CB8AC3E}">
+        <p14:creationId xmlns:p14="http://schemas.microsoft.com/office/powerpoint/2010/main" val="171855092"/>
+      </p:ext>
+    </p:extLst>
+  </p:cSld>
+  <p:clrMapOvr>
+    <a:masterClrMapping/>
+  </p:clrMapOvr>
+</p:sldLayout>
+</file>
+
+<file path=ppt/slideLayouts/slideLayout3.xml><?xml version="1.0" encoding="utf-8"?>
 <p:sldLayout xmlns:a="http://schemas.openxmlformats.org/drawingml/2006/main" xmlns:r="http://schemas.openxmlformats.org/officeDocument/2006/relationships" xmlns:p="http://schemas.openxmlformats.org/presentationml/2006/main" preserve="1" userDrawn="1">
   <p:cSld name="Start">
     <p:spTree>
@@ -3793,7 +4446,7 @@
             <a:fld id="{CE58CB1E-F828-4F11-99E0-327109AF9DA4}" type="slidenum">
               <a:rPr lang="de-DE" smtClean="0"/>
               <a:pPr/>
-              <a:t>‹#›</a:t>
+              <a:t>‹Nr.›</a:t>
             </a:fld>
             <a:endParaRPr lang="de-DE" dirty="0"/>
           </a:p>
@@ -3843,172 +4496,7 @@
 </p:sldLayout>
 </file>
 
-<file path=ppt/slideLayouts/slideLayout20.xml><?xml version="1.0" encoding="utf-8"?>
-<p:sldLayout xmlns:a="http://schemas.openxmlformats.org/drawingml/2006/main" xmlns:r="http://schemas.openxmlformats.org/officeDocument/2006/relationships" xmlns:p="http://schemas.openxmlformats.org/presentationml/2006/main" preserve="1" userDrawn="1">
-  <p:cSld name="Kapiteltrenner">
-    <p:spTree>
-      <p:nvGrpSpPr>
-        <p:cNvPr id="1" name=""/>
-        <p:cNvGrpSpPr/>
-        <p:nvPr/>
-      </p:nvGrpSpPr>
-      <p:grpSpPr>
-        <a:xfrm>
-          <a:off x="0" y="0"/>
-          <a:ext cx="0" cy="0"/>
-          <a:chOff x="0" y="0"/>
-          <a:chExt cx="0" cy="0"/>
-        </a:xfrm>
-      </p:grpSpPr>
-      <p:sp>
-        <p:nvSpPr>
-          <p:cNvPr id="6" name="Foliennummernplatzhalter 5"/>
-          <p:cNvSpPr>
-            <a:spLocks noGrp="1"/>
-          </p:cNvSpPr>
-          <p:nvPr>
-            <p:ph type="sldNum" sz="quarter" idx="11"/>
-          </p:nvPr>
-        </p:nvSpPr>
-        <p:spPr/>
-        <p:txBody>
-          <a:bodyPr/>
-          <a:lstStyle>
-            <a:lvl1pPr>
-              <a:defRPr>
-                <a:solidFill>
-                  <a:schemeClr val="bg1"/>
-                </a:solidFill>
-              </a:defRPr>
-            </a:lvl1pPr>
-          </a:lstStyle>
-          <a:p>
-            <a:fld id="{CE58CB1E-F828-4F11-99E0-327109AF9DA4}" type="slidenum">
-              <a:rPr lang="de-DE" smtClean="0"/>
-              <a:pPr/>
-              <a:t>‹#›</a:t>
-            </a:fld>
-            <a:endParaRPr lang="de-DE" dirty="0"/>
-          </a:p>
-        </p:txBody>
-      </p:sp>
-      <p:sp>
-        <p:nvSpPr>
-          <p:cNvPr id="8" name="Fußzeilenplatzhalter 7"/>
-          <p:cNvSpPr>
-            <a:spLocks noGrp="1"/>
-          </p:cNvSpPr>
-          <p:nvPr>
-            <p:ph type="ftr" sz="quarter" idx="12"/>
-          </p:nvPr>
-        </p:nvSpPr>
-        <p:spPr/>
-        <p:txBody>
-          <a:bodyPr/>
-          <a:lstStyle>
-            <a:lvl1pPr>
-              <a:defRPr>
-                <a:solidFill>
-                  <a:schemeClr val="bg1"/>
-                </a:solidFill>
-              </a:defRPr>
-            </a:lvl1pPr>
-          </a:lstStyle>
-          <a:p>
-            <a:r>
-              <a:rPr lang="de-DE"/>
-              <a:t>Dr. rer. nat. Erika Mustermann (TUM) | kann beliebig erweitert werden | Infos mit Strich trennen</a:t>
-            </a:r>
-            <a:endParaRPr lang="en-US" dirty="0"/>
-          </a:p>
-        </p:txBody>
-      </p:sp>
-      <p:sp>
-        <p:nvSpPr>
-          <p:cNvPr id="5" name="Titel 1"/>
-          <p:cNvSpPr>
-            <a:spLocks noGrp="1"/>
-          </p:cNvSpPr>
-          <p:nvPr>
-            <p:ph type="title" hasCustomPrompt="1"/>
-          </p:nvPr>
-        </p:nvSpPr>
-        <p:spPr>
-          <a:xfrm>
-            <a:off x="319090" y="994334"/>
-            <a:ext cx="8508999" cy="1231106"/>
-          </a:xfrm>
-          <a:prstGeom prst="rect">
-            <a:avLst/>
-          </a:prstGeom>
-          <a:noFill/>
-          <a:ln w="9525">
-            <a:noFill/>
-            <a:miter lim="800000"/>
-            <a:headEnd/>
-            <a:tailEnd/>
-          </a:ln>
-        </p:spPr>
-        <p:txBody>
-          <a:bodyPr vert="horz" wrap="square" lIns="0" tIns="0" rIns="0" bIns="0" numCol="1" anchor="t" anchorCtr="0" compatLnSpc="1">
-            <a:prstTxWarp prst="textNoShape">
-              <a:avLst/>
-            </a:prstTxWarp>
-            <a:spAutoFit/>
-          </a:bodyPr>
-          <a:lstStyle>
-            <a:lvl1pPr>
-              <a:lnSpc>
-                <a:spcPts val="3200"/>
-              </a:lnSpc>
-              <a:defRPr lang="de-DE" sz="3000" baseline="0" noProof="0" dirty="0">
-                <a:solidFill>
-                  <a:schemeClr val="bg1"/>
-                </a:solidFill>
-              </a:defRPr>
-            </a:lvl1pPr>
-          </a:lstStyle>
-          <a:p>
-            <a:pPr lvl="0"/>
-            <a:r>
-              <a:rPr lang="de-DE" noProof="0" dirty="0"/>
-              <a:t>Präsentationsmuster</a:t>
-            </a:r>
-            <a:br>
-              <a:rPr lang="de-DE" noProof="0" dirty="0"/>
-            </a:br>
-            <a:br>
-              <a:rPr lang="de-DE" noProof="0" dirty="0"/>
-            </a:br>
-            <a:r>
-              <a:rPr lang="de-DE" noProof="0" dirty="0"/>
-              <a:t>kann auch als </a:t>
-            </a:r>
-            <a:r>
-              <a:rPr lang="de-DE" noProof="0" dirty="0" err="1"/>
-              <a:t>Kapiteltrenner</a:t>
-            </a:r>
-            <a:r>
-              <a:rPr lang="de-DE" noProof="0" dirty="0"/>
-              <a:t> verwendet werden</a:t>
-            </a:r>
-          </a:p>
-        </p:txBody>
-      </p:sp>
-    </p:spTree>
-    <p:extLst>
-      <p:ext uri="{BB962C8B-B14F-4D97-AF65-F5344CB8AC3E}">
-        <p14:creationId xmlns:p14="http://schemas.microsoft.com/office/powerpoint/2010/main" val="171855092"/>
-      </p:ext>
-    </p:extLst>
-  </p:cSld>
-  <p:clrMapOvr>
-    <a:masterClrMapping/>
-  </p:clrMapOvr>
-</p:sldLayout>
-</file>
-
-<file path=ppt/slideLayouts/slideLayout3.xml><?xml version="1.0" encoding="utf-8"?>
+<file path=ppt/slideLayouts/slideLayout4.xml><?xml version="1.0" encoding="utf-8"?>
 <p:sldLayout xmlns:a="http://schemas.openxmlformats.org/drawingml/2006/main" xmlns:r="http://schemas.openxmlformats.org/officeDocument/2006/relationships" xmlns:p="http://schemas.openxmlformats.org/presentationml/2006/main" preserve="1" userDrawn="1">
   <p:cSld name="Start">
     <p:spTree>
@@ -4169,7 +4657,7 @@
             <a:fld id="{CE58CB1E-F828-4F11-99E0-327109AF9DA4}" type="slidenum">
               <a:rPr lang="de-DE" smtClean="0"/>
               <a:pPr/>
-              <a:t>‹#›</a:t>
+              <a:t>‹Nr.›</a:t>
             </a:fld>
             <a:endParaRPr lang="de-DE" dirty="0"/>
           </a:p>
@@ -4261,7 +4749,7 @@
 </p:sldLayout>
 </file>
 
-<file path=ppt/slideLayouts/slideLayout4.xml><?xml version="1.0" encoding="utf-8"?>
+<file path=ppt/slideLayouts/slideLayout5.xml><?xml version="1.0" encoding="utf-8"?>
 <p:sldLayout xmlns:a="http://schemas.openxmlformats.org/drawingml/2006/main" xmlns:r="http://schemas.openxmlformats.org/officeDocument/2006/relationships" xmlns:p="http://schemas.openxmlformats.org/presentationml/2006/main" userDrawn="1">
   <p:cSld name="Inhalt">
     <p:spTree>
@@ -4368,7 +4856,7 @@
             <a:fld id="{CE58CB1E-F828-4F11-99E0-327109AF9DA4}" type="slidenum">
               <a:rPr lang="de-DE" smtClean="0"/>
               <a:pPr/>
-              <a:t>‹#›</a:t>
+              <a:t>‹Nr.›</a:t>
             </a:fld>
             <a:endParaRPr lang="de-DE" dirty="0"/>
           </a:p>
@@ -4460,7 +4948,7 @@
 </p:sldLayout>
 </file>
 
-<file path=ppt/slideLayouts/slideLayout5.xml><?xml version="1.0" encoding="utf-8"?>
+<file path=ppt/slideLayouts/slideLayout6.xml><?xml version="1.0" encoding="utf-8"?>
 <p:sldLayout xmlns:a="http://schemas.openxmlformats.org/drawingml/2006/main" xmlns:r="http://schemas.openxmlformats.org/officeDocument/2006/relationships" xmlns:p="http://schemas.openxmlformats.org/presentationml/2006/main" userDrawn="1">
   <p:cSld name="Zwei Inhalte + Text">
     <p:spTree>
@@ -4544,7 +5032,7 @@
             <a:fld id="{CE58CB1E-F828-4F11-99E0-327109AF9DA4}" type="slidenum">
               <a:rPr lang="de-DE" smtClean="0"/>
               <a:pPr/>
-              <a:t>‹#›</a:t>
+              <a:t>‹Nr.›</a:t>
             </a:fld>
             <a:endParaRPr lang="de-DE" dirty="0"/>
           </a:p>
@@ -4732,7 +5220,7 @@
 </p:sldLayout>
 </file>
 
-<file path=ppt/slideLayouts/slideLayout6.xml><?xml version="1.0" encoding="utf-8"?>
+<file path=ppt/slideLayouts/slideLayout7.xml><?xml version="1.0" encoding="utf-8"?>
 <p:sldLayout xmlns:a="http://schemas.openxmlformats.org/drawingml/2006/main" xmlns:r="http://schemas.openxmlformats.org/officeDocument/2006/relationships" xmlns:p="http://schemas.openxmlformats.org/presentationml/2006/main" userDrawn="1">
   <p:cSld name="zwei Inhalte">
     <p:spTree>
@@ -4913,7 +5401,7 @@
             <a:fld id="{CE58CB1E-F828-4F11-99E0-327109AF9DA4}" type="slidenum">
               <a:rPr lang="de-DE" smtClean="0"/>
               <a:pPr/>
-              <a:t>‹#›</a:t>
+              <a:t>‹Nr.›</a:t>
             </a:fld>
             <a:endParaRPr lang="de-DE" dirty="0"/>
           </a:p>
@@ -5005,7 +5493,7 @@
 </p:sldLayout>
 </file>
 
-<file path=ppt/slideLayouts/slideLayout7.xml><?xml version="1.0" encoding="utf-8"?>
+<file path=ppt/slideLayouts/slideLayout8.xml><?xml version="1.0" encoding="utf-8"?>
 <p:sldLayout xmlns:a="http://schemas.openxmlformats.org/drawingml/2006/main" xmlns:r="http://schemas.openxmlformats.org/officeDocument/2006/relationships" xmlns:p="http://schemas.openxmlformats.org/presentationml/2006/main" userDrawn="1">
   <p:cSld name="Inhalt + Text">
     <p:spTree>
@@ -5112,7 +5600,7 @@
             <a:fld id="{CE58CB1E-F828-4F11-99E0-327109AF9DA4}" type="slidenum">
               <a:rPr lang="de-DE" smtClean="0"/>
               <a:pPr/>
-              <a:t>‹#›</a:t>
+              <a:t>‹Nr.›</a:t>
             </a:fld>
             <a:endParaRPr lang="de-DE" dirty="0"/>
           </a:p>
@@ -5252,7 +5740,7 @@
 </p:sldLayout>
 </file>
 
-<file path=ppt/slideLayouts/slideLayout8.xml><?xml version="1.0" encoding="utf-8"?>
+<file path=ppt/slideLayouts/slideLayout9.xml><?xml version="1.0" encoding="utf-8"?>
 <p:sldLayout xmlns:a="http://schemas.openxmlformats.org/drawingml/2006/main" xmlns:r="http://schemas.openxmlformats.org/officeDocument/2006/relationships" xmlns:p="http://schemas.openxmlformats.org/presentationml/2006/main" userDrawn="1">
   <p:cSld name="große Bilder">
     <p:spTree>
@@ -5336,7 +5824,7 @@
             <a:fld id="{CE58CB1E-F828-4F11-99E0-327109AF9DA4}" type="slidenum">
               <a:rPr lang="de-DE" smtClean="0"/>
               <a:pPr/>
-              <a:t>‹#›</a:t>
+              <a:t>‹Nr.›</a:t>
             </a:fld>
             <a:endParaRPr lang="de-DE" dirty="0"/>
           </a:p>
@@ -5454,167 +5942,6 @@
 </p:sldLayout>
 </file>
 
-<file path=ppt/slideLayouts/slideLayout9.xml><?xml version="1.0" encoding="utf-8"?>
-<p:sldLayout xmlns:a="http://schemas.openxmlformats.org/drawingml/2006/main" xmlns:r="http://schemas.openxmlformats.org/officeDocument/2006/relationships" xmlns:p="http://schemas.openxmlformats.org/presentationml/2006/main" userDrawn="1">
-  <p:cSld name="Bilder formatfüllend">
-    <p:spTree>
-      <p:nvGrpSpPr>
-        <p:cNvPr id="1" name=""/>
-        <p:cNvGrpSpPr/>
-        <p:nvPr/>
-      </p:nvGrpSpPr>
-      <p:grpSpPr>
-        <a:xfrm>
-          <a:off x="0" y="0"/>
-          <a:ext cx="0" cy="0"/>
-          <a:chOff x="0" y="0"/>
-          <a:chExt cx="0" cy="0"/>
-        </a:xfrm>
-      </p:grpSpPr>
-      <p:sp>
-        <p:nvSpPr>
-          <p:cNvPr id="8" name="Bildplatzhalter 2"/>
-          <p:cNvSpPr>
-            <a:spLocks noGrp="1"/>
-          </p:cNvSpPr>
-          <p:nvPr>
-            <p:ph type="pic" sz="quarter" idx="14" hasCustomPrompt="1"/>
-          </p:nvPr>
-        </p:nvSpPr>
-        <p:spPr>
-          <a:xfrm>
-            <a:off x="0" y="1691640"/>
-            <a:ext cx="9144000" cy="5166360"/>
-          </a:xfrm>
-          <a:prstGeom prst="rect">
-            <a:avLst/>
-          </a:prstGeom>
-        </p:spPr>
-        <p:txBody>
-          <a:bodyPr/>
-          <a:lstStyle>
-            <a:lvl1pPr>
-              <a:lnSpc>
-                <a:spcPct val="114000"/>
-              </a:lnSpc>
-              <a:defRPr/>
-            </a:lvl1pPr>
-          </a:lstStyle>
-          <a:p>
-            <a:endParaRPr lang="de-DE" dirty="0"/>
-          </a:p>
-        </p:txBody>
-      </p:sp>
-      <p:sp>
-        <p:nvSpPr>
-          <p:cNvPr id="6" name="Foliennummernplatzhalter 5"/>
-          <p:cNvSpPr>
-            <a:spLocks noGrp="1"/>
-          </p:cNvSpPr>
-          <p:nvPr>
-            <p:ph type="sldNum" sz="quarter" idx="15"/>
-          </p:nvPr>
-        </p:nvSpPr>
-        <p:spPr/>
-        <p:txBody>
-          <a:bodyPr/>
-          <a:lstStyle/>
-          <a:p>
-            <a:fld id="{CE58CB1E-F828-4F11-99E0-327109AF9DA4}" type="slidenum">
-              <a:rPr lang="de-DE" smtClean="0"/>
-              <a:pPr/>
-              <a:t>‹#›</a:t>
-            </a:fld>
-            <a:endParaRPr lang="de-DE" dirty="0"/>
-          </a:p>
-        </p:txBody>
-      </p:sp>
-      <p:sp>
-        <p:nvSpPr>
-          <p:cNvPr id="10" name="Fußzeilenplatzhalter 9"/>
-          <p:cNvSpPr>
-            <a:spLocks noGrp="1"/>
-          </p:cNvSpPr>
-          <p:nvPr>
-            <p:ph type="ftr" sz="quarter" idx="16"/>
-          </p:nvPr>
-        </p:nvSpPr>
-        <p:spPr/>
-        <p:txBody>
-          <a:bodyPr/>
-          <a:lstStyle/>
-          <a:p>
-            <a:r>
-              <a:rPr lang="de-DE"/>
-              <a:t>Dr. rer. nat. Erika Mustermann (TUM) | kann beliebig erweitert werden | Infos mit Strich trennen</a:t>
-            </a:r>
-            <a:endParaRPr lang="en-US" dirty="0"/>
-          </a:p>
-        </p:txBody>
-      </p:sp>
-      <p:sp>
-        <p:nvSpPr>
-          <p:cNvPr id="7" name="Titel 1"/>
-          <p:cNvSpPr>
-            <a:spLocks noGrp="1"/>
-          </p:cNvSpPr>
-          <p:nvPr>
-            <p:ph type="title" hasCustomPrompt="1"/>
-          </p:nvPr>
-        </p:nvSpPr>
-        <p:spPr>
-          <a:xfrm>
-            <a:off x="319090" y="994334"/>
-            <a:ext cx="8508999" cy="410369"/>
-          </a:xfrm>
-          <a:prstGeom prst="rect">
-            <a:avLst/>
-          </a:prstGeom>
-          <a:noFill/>
-          <a:ln w="9525">
-            <a:noFill/>
-            <a:miter lim="800000"/>
-            <a:headEnd/>
-            <a:tailEnd/>
-          </a:ln>
-        </p:spPr>
-        <p:txBody>
-          <a:bodyPr vert="horz" wrap="square" lIns="0" tIns="0" rIns="0" bIns="0" numCol="1" anchor="t" anchorCtr="0" compatLnSpc="1">
-            <a:prstTxWarp prst="textNoShape">
-              <a:avLst/>
-            </a:prstTxWarp>
-            <a:spAutoFit/>
-          </a:bodyPr>
-          <a:lstStyle>
-            <a:lvl1pPr>
-              <a:lnSpc>
-                <a:spcPts val="3200"/>
-              </a:lnSpc>
-              <a:defRPr lang="de-DE" sz="3000" noProof="0" dirty="0"/>
-            </a:lvl1pPr>
-          </a:lstStyle>
-          <a:p>
-            <a:pPr lvl="0"/>
-            <a:r>
-              <a:rPr lang="de-DE" noProof="0" dirty="0"/>
-              <a:t>Titel durch Klicken bearbeiten</a:t>
-            </a:r>
-          </a:p>
-        </p:txBody>
-      </p:sp>
-    </p:spTree>
-    <p:extLst>
-      <p:ext uri="{BB962C8B-B14F-4D97-AF65-F5344CB8AC3E}">
-        <p14:creationId xmlns:p14="http://schemas.microsoft.com/office/powerpoint/2010/main" val="2435256476"/>
-      </p:ext>
-    </p:extLst>
-  </p:cSld>
-  <p:clrMapOvr>
-    <a:masterClrMapping/>
-  </p:clrMapOvr>
-</p:sldLayout>
-</file>
-
 <file path=ppt/slideMasters/slideMaster1.xml><?xml version="1.0" encoding="utf-8"?>
 <p:sldMaster xmlns:a="http://schemas.openxmlformats.org/drawingml/2006/main" xmlns:r="http://schemas.openxmlformats.org/officeDocument/2006/relationships" xmlns:p="http://schemas.openxmlformats.org/presentationml/2006/main" preserve="1">
   <p:cSld>
@@ -5646,7 +5973,7 @@
           <p:nvPr/>
         </p:nvPicPr>
         <p:blipFill>
-          <a:blip r:embed="rId3"/>
+          <a:blip r:embed="rId4"/>
           <a:stretch>
             <a:fillRect/>
           </a:stretch>
@@ -5734,7 +6061,7 @@
             <a:fld id="{CE58CB1E-F828-4F11-99E0-327109AF9DA4}" type="slidenum">
               <a:rPr lang="de-DE" smtClean="0"/>
               <a:pPr/>
-              <a:t>‹#›</a:t>
+              <a:t>‹Nr.›</a:t>
             </a:fld>
             <a:endParaRPr lang="de-DE" dirty="0"/>
           </a:p>
@@ -5745,6 +6072,7 @@
   <p:clrMap bg1="lt1" tx1="dk1" bg2="lt2" tx2="dk2" accent1="accent1" accent2="accent2" accent3="accent3" accent4="accent4" accent5="accent5" accent6="accent6" hlink="hlink" folHlink="folHlink"/>
   <p:sldLayoutIdLst>
     <p:sldLayoutId id="2147483664" r:id="rId1"/>
+    <p:sldLayoutId id="2147483719" r:id="rId2"/>
   </p:sldLayoutIdLst>
   <p:hf hdr="0" ftr="0" dt="0"/>
   <p:txStyles>
@@ -6211,7 +6539,7 @@
                   <a:spcPct val="114000"/>
                 </a:lnSpc>
               </a:pPr>
-              <a:t>‹#›</a:t>
+              <a:t>‹Nr.›</a:t>
             </a:fld>
             <a:endParaRPr lang="de-DE" sz="1200" dirty="0">
               <a:latin typeface="+mn-lt"/>
@@ -6303,7 +6631,7 @@
             <a:fld id="{CE58CB1E-F828-4F11-99E0-327109AF9DA4}" type="slidenum">
               <a:rPr lang="de-DE" noProof="0" smtClean="0"/>
               <a:pPr/>
-              <a:t>‹#›</a:t>
+              <a:t>‹Nr.›</a:t>
             </a:fld>
             <a:endParaRPr lang="de-DE" noProof="0"/>
           </a:p>
@@ -6817,7 +7145,7 @@
             <a:fld id="{CE58CB1E-F828-4F11-99E0-327109AF9DA4}" type="slidenum">
               <a:rPr lang="de-DE" smtClean="0"/>
               <a:pPr/>
-              <a:t>‹#›</a:t>
+              <a:t>‹Nr.›</a:t>
             </a:fld>
             <a:endParaRPr lang="de-DE" dirty="0"/>
           </a:p>
@@ -7475,7 +7803,7 @@
             <a:fld id="{CE58CB1E-F828-4F11-99E0-327109AF9DA4}" type="slidenum">
               <a:rPr lang="de-DE" smtClean="0"/>
               <a:pPr/>
-              <a:t>‹#›</a:t>
+              <a:t>‹Nr.›</a:t>
             </a:fld>
             <a:endParaRPr lang="de-DE" dirty="0"/>
           </a:p>
@@ -8072,7 +8400,7 @@
             <a:fld id="{CE58CB1E-F828-4F11-99E0-327109AF9DA4}" type="slidenum">
               <a:rPr lang="de-DE" smtClean="0"/>
               <a:pPr/>
-              <a:t>‹#›</a:t>
+              <a:t>‹Nr.›</a:t>
             </a:fld>
             <a:endParaRPr lang="de-DE" dirty="0"/>
           </a:p>
@@ -8669,7 +8997,7 @@
             <a:fld id="{CE58CB1E-F828-4F11-99E0-327109AF9DA4}" type="slidenum">
               <a:rPr lang="de-DE" smtClean="0"/>
               <a:pPr/>
-              <a:t>‹#›</a:t>
+              <a:t>‹Nr.›</a:t>
             </a:fld>
             <a:endParaRPr lang="de-DE" dirty="0"/>
           </a:p>
@@ -9341,6 +9669,1243 @@
           <a:chExt cx="0" cy="0"/>
         </a:xfrm>
       </p:grpSpPr>
+      <p:sp>
+        <p:nvSpPr>
+          <p:cNvPr id="4" name="Foliennummernplatzhalter 3"/>
+          <p:cNvSpPr>
+            <a:spLocks noGrp="1"/>
+          </p:cNvSpPr>
+          <p:nvPr>
+            <p:ph type="sldNum" sz="quarter" idx="16"/>
+          </p:nvPr>
+        </p:nvSpPr>
+        <p:spPr>
+          <a:xfrm>
+            <a:off x="6774934" y="6473313"/>
+            <a:ext cx="2052074" cy="365125"/>
+          </a:xfrm>
+        </p:spPr>
+        <p:txBody>
+          <a:bodyPr anchor="ctr">
+            <a:normAutofit/>
+          </a:bodyPr>
+          <a:lstStyle/>
+          <a:p>
+            <a:pPr>
+              <a:spcAft>
+                <a:spcPts val="600"/>
+              </a:spcAft>
+            </a:pPr>
+            <a:fld id="{CE58CB1E-F828-4F11-99E0-327109AF9DA4}" type="slidenum">
+              <a:rPr lang="de-DE" smtClean="0"/>
+              <a:pPr>
+                <a:spcAft>
+                  <a:spcPts val="600"/>
+                </a:spcAft>
+              </a:pPr>
+              <a:t>10</a:t>
+            </a:fld>
+            <a:endParaRPr lang="de-DE"/>
+          </a:p>
+        </p:txBody>
+      </p:sp>
+      <p:sp>
+        <p:nvSpPr>
+          <p:cNvPr id="3" name="Titel 2"/>
+          <p:cNvSpPr>
+            <a:spLocks noGrp="1"/>
+          </p:cNvSpPr>
+          <p:nvPr>
+            <p:ph type="title"/>
+          </p:nvPr>
+        </p:nvSpPr>
+        <p:spPr>
+          <a:xfrm>
+            <a:off x="311162" y="878427"/>
+            <a:ext cx="8508999" cy="410369"/>
+          </a:xfrm>
+        </p:spPr>
+        <p:txBody>
+          <a:bodyPr wrap="square" anchor="t">
+            <a:noAutofit/>
+          </a:bodyPr>
+          <a:lstStyle/>
+          <a:p>
+            <a:r>
+              <a:rPr lang="en-US" sz="3200" dirty="0"/>
+              <a:t> </a:t>
+            </a:r>
+            <a:r>
+              <a:rPr lang="en-US" sz="3200" dirty="0" err="1">
+                <a:solidFill>
+                  <a:schemeClr val="bg2">
+                    <a:lumMod val="75000"/>
+                  </a:schemeClr>
+                </a:solidFill>
+              </a:rPr>
+              <a:t>Performanzanalyse</a:t>
+            </a:r>
+            <a:endParaRPr lang="de-DE" sz="3200" dirty="0"/>
+          </a:p>
+        </p:txBody>
+      </p:sp>
+      <p:sp>
+        <p:nvSpPr>
+          <p:cNvPr id="12" name="Content Placeholder 13">
+            <a:extLst>
+              <a:ext uri="{FF2B5EF4-FFF2-40B4-BE49-F238E27FC236}">
+                <a16:creationId xmlns:a16="http://schemas.microsoft.com/office/drawing/2014/main" id="{BD0F1FD7-B55C-4C88-940C-DE7178B6A3B2}"/>
+              </a:ext>
+            </a:extLst>
+          </p:cNvPr>
+          <p:cNvSpPr txBox="1">
+            <a:spLocks/>
+          </p:cNvSpPr>
+          <p:nvPr/>
+        </p:nvSpPr>
+        <p:spPr>
+          <a:xfrm>
+            <a:off x="260392" y="1925690"/>
+            <a:ext cx="8508999" cy="4523878"/>
+          </a:xfrm>
+          <a:prstGeom prst="rect">
+            <a:avLst/>
+          </a:prstGeom>
+          <a:noFill/>
+          <a:ln w="9525">
+            <a:noFill/>
+            <a:miter lim="800000"/>
+            <a:headEnd/>
+            <a:tailEnd/>
+          </a:ln>
+        </p:spPr>
+        <p:txBody>
+          <a:bodyPr vert="horz" wrap="square" lIns="0" tIns="0" rIns="0" bIns="0" numCol="1" anchor="t" anchorCtr="0" compatLnSpc="1">
+            <a:prstTxWarp prst="textNoShape">
+              <a:avLst/>
+            </a:prstTxWarp>
+            <a:normAutofit/>
+          </a:bodyPr>
+          <a:lstStyle>
+            <a:lvl1pPr algn="l" rtl="0" eaLnBrk="0" fontAlgn="base" hangingPunct="0">
+              <a:lnSpc>
+                <a:spcPct val="114000"/>
+              </a:lnSpc>
+              <a:spcBef>
+                <a:spcPct val="0"/>
+              </a:spcBef>
+              <a:spcAft>
+                <a:spcPct val="0"/>
+              </a:spcAft>
+              <a:defRPr lang="de-DE" sz="1600" kern="1200" noProof="0" dirty="0" smtClean="0">
+                <a:solidFill>
+                  <a:schemeClr val="tx1"/>
+                </a:solidFill>
+                <a:latin typeface="+mn-lt"/>
+                <a:ea typeface="+mn-ea"/>
+                <a:cs typeface="+mn-cs"/>
+              </a:defRPr>
+            </a:lvl1pPr>
+            <a:lvl2pPr marL="176213" indent="-176213" algn="l" rtl="0" eaLnBrk="0" fontAlgn="base" hangingPunct="0">
+              <a:lnSpc>
+                <a:spcPct val="114000"/>
+              </a:lnSpc>
+              <a:spcBef>
+                <a:spcPct val="0"/>
+              </a:spcBef>
+              <a:spcAft>
+                <a:spcPct val="0"/>
+              </a:spcAft>
+              <a:buFont typeface="Arial" charset="0"/>
+              <a:buChar char="•"/>
+              <a:defRPr lang="de-DE" sz="1600" kern="1200" noProof="0" dirty="0" smtClean="0">
+                <a:solidFill>
+                  <a:schemeClr val="tx1"/>
+                </a:solidFill>
+                <a:latin typeface="+mn-lt"/>
+                <a:ea typeface="+mn-ea"/>
+                <a:cs typeface="+mn-cs"/>
+              </a:defRPr>
+            </a:lvl2pPr>
+            <a:lvl3pPr marL="360363" indent="-184150" algn="l" rtl="0" eaLnBrk="0" fontAlgn="base" hangingPunct="0">
+              <a:lnSpc>
+                <a:spcPct val="125000"/>
+              </a:lnSpc>
+              <a:spcBef>
+                <a:spcPct val="0"/>
+              </a:spcBef>
+              <a:spcAft>
+                <a:spcPct val="0"/>
+              </a:spcAft>
+              <a:buFont typeface="Symbol" pitchFamily="18" charset="2"/>
+              <a:buChar char="-"/>
+              <a:defRPr sz="1600" kern="1200">
+                <a:solidFill>
+                  <a:schemeClr val="tx1"/>
+                </a:solidFill>
+                <a:latin typeface="+mn-lt"/>
+                <a:ea typeface="+mn-ea"/>
+                <a:cs typeface="+mn-cs"/>
+              </a:defRPr>
+            </a:lvl3pPr>
+            <a:lvl4pPr marL="538163" indent="-177800" algn="l" rtl="0" eaLnBrk="0" fontAlgn="base" hangingPunct="0">
+              <a:lnSpc>
+                <a:spcPct val="125000"/>
+              </a:lnSpc>
+              <a:spcBef>
+                <a:spcPct val="0"/>
+              </a:spcBef>
+              <a:spcAft>
+                <a:spcPct val="0"/>
+              </a:spcAft>
+              <a:buFont typeface="Symbol" pitchFamily="18" charset="2"/>
+              <a:buChar char="-"/>
+              <a:defRPr sz="1400" kern="1200">
+                <a:solidFill>
+                  <a:schemeClr val="tx1"/>
+                </a:solidFill>
+                <a:latin typeface="+mn-lt"/>
+                <a:ea typeface="+mn-ea"/>
+                <a:cs typeface="+mn-cs"/>
+              </a:defRPr>
+            </a:lvl4pPr>
+            <a:lvl5pPr marL="714375" indent="-176213" algn="l" rtl="0" eaLnBrk="0" fontAlgn="base" hangingPunct="0">
+              <a:lnSpc>
+                <a:spcPct val="125000"/>
+              </a:lnSpc>
+              <a:spcBef>
+                <a:spcPct val="0"/>
+              </a:spcBef>
+              <a:spcAft>
+                <a:spcPct val="0"/>
+              </a:spcAft>
+              <a:buFont typeface="Symbol" pitchFamily="18" charset="2"/>
+              <a:buChar char="-"/>
+              <a:defRPr sz="1400" kern="1200">
+                <a:solidFill>
+                  <a:schemeClr val="tx1"/>
+                </a:solidFill>
+                <a:latin typeface="+mn-lt"/>
+                <a:ea typeface="+mn-ea"/>
+                <a:cs typeface="+mn-cs"/>
+              </a:defRPr>
+            </a:lvl5pPr>
+            <a:lvl6pPr marL="2514600" indent="-228600" algn="l" defTabSz="914400" rtl="0" eaLnBrk="1" latinLnBrk="0" hangingPunct="1">
+              <a:spcBef>
+                <a:spcPct val="20000"/>
+              </a:spcBef>
+              <a:buFont typeface="Arial" pitchFamily="34" charset="0"/>
+              <a:buChar char="•"/>
+              <a:defRPr sz="2000" kern="1200">
+                <a:solidFill>
+                  <a:schemeClr val="tx1"/>
+                </a:solidFill>
+                <a:latin typeface="+mn-lt"/>
+                <a:ea typeface="+mn-ea"/>
+                <a:cs typeface="+mn-cs"/>
+              </a:defRPr>
+            </a:lvl6pPr>
+            <a:lvl7pPr marL="2971800" indent="-228600" algn="l" defTabSz="914400" rtl="0" eaLnBrk="1" latinLnBrk="0" hangingPunct="1">
+              <a:spcBef>
+                <a:spcPct val="20000"/>
+              </a:spcBef>
+              <a:buFont typeface="Arial" pitchFamily="34" charset="0"/>
+              <a:buChar char="•"/>
+              <a:defRPr sz="2000" kern="1200">
+                <a:solidFill>
+                  <a:schemeClr val="tx1"/>
+                </a:solidFill>
+                <a:latin typeface="+mn-lt"/>
+                <a:ea typeface="+mn-ea"/>
+                <a:cs typeface="+mn-cs"/>
+              </a:defRPr>
+            </a:lvl7pPr>
+            <a:lvl8pPr marL="3429000" indent="-228600" algn="l" defTabSz="914400" rtl="0" eaLnBrk="1" latinLnBrk="0" hangingPunct="1">
+              <a:spcBef>
+                <a:spcPct val="20000"/>
+              </a:spcBef>
+              <a:buFont typeface="Arial" pitchFamily="34" charset="0"/>
+              <a:buChar char="•"/>
+              <a:defRPr sz="2000" kern="1200">
+                <a:solidFill>
+                  <a:schemeClr val="tx1"/>
+                </a:solidFill>
+                <a:latin typeface="+mn-lt"/>
+                <a:ea typeface="+mn-ea"/>
+                <a:cs typeface="+mn-cs"/>
+              </a:defRPr>
+            </a:lvl8pPr>
+            <a:lvl9pPr marL="3886200" indent="-228600" algn="l" defTabSz="914400" rtl="0" eaLnBrk="1" latinLnBrk="0" hangingPunct="1">
+              <a:spcBef>
+                <a:spcPct val="20000"/>
+              </a:spcBef>
+              <a:buFont typeface="Arial" pitchFamily="34" charset="0"/>
+              <a:buChar char="•"/>
+              <a:defRPr sz="2000" kern="1200">
+                <a:solidFill>
+                  <a:schemeClr val="tx1"/>
+                </a:solidFill>
+                <a:latin typeface="+mn-lt"/>
+                <a:ea typeface="+mn-ea"/>
+                <a:cs typeface="+mn-cs"/>
+              </a:defRPr>
+            </a:lvl9pPr>
+          </a:lstStyle>
+          <a:p>
+            <a:pPr marL="285750" indent="-285750">
+              <a:spcAft>
+                <a:spcPts val="600"/>
+              </a:spcAft>
+              <a:buFont typeface="Courier New" panose="02070309020205020404" pitchFamily="49" charset="0"/>
+              <a:buChar char="o"/>
+            </a:pPr>
+            <a:r>
+              <a:rPr lang="en-GB" sz="2400" dirty="0">
+                <a:solidFill>
+                  <a:srgbClr val="005293"/>
+                </a:solidFill>
+              </a:rPr>
+              <a:t>Environment:</a:t>
+            </a:r>
+          </a:p>
+          <a:p>
+            <a:pPr marL="285750" indent="-285750">
+              <a:spcAft>
+                <a:spcPts val="600"/>
+              </a:spcAft>
+              <a:buFont typeface="Courier New" panose="02070309020205020404" pitchFamily="49" charset="0"/>
+              <a:buChar char="o"/>
+            </a:pPr>
+            <a:endParaRPr lang="en-GB" sz="2400" dirty="0">
+              <a:solidFill>
+                <a:srgbClr val="005293"/>
+              </a:solidFill>
+            </a:endParaRPr>
+          </a:p>
+          <a:p>
+            <a:pPr marL="285750" indent="-285750">
+              <a:spcAft>
+                <a:spcPts val="600"/>
+              </a:spcAft>
+              <a:buFont typeface="Wingdings" panose="05000000000000000000" pitchFamily="2" charset="2"/>
+              <a:buChar char="Ø"/>
+            </a:pPr>
+            <a:r>
+              <a:rPr lang="en-GB" sz="1800" dirty="0"/>
+              <a:t>I</a:t>
+            </a:r>
+            <a:r>
+              <a:rPr lang="en-US" sz="1800" dirty="0" err="1"/>
+              <a:t>ntel</a:t>
+            </a:r>
+            <a:r>
+              <a:rPr lang="en-US" sz="1800" dirty="0"/>
+              <a:t> Core i7-7700K (4.20GHz)</a:t>
+            </a:r>
+          </a:p>
+          <a:p>
+            <a:pPr marL="285750" indent="-285750">
+              <a:spcAft>
+                <a:spcPts val="600"/>
+              </a:spcAft>
+              <a:buFont typeface="Wingdings" panose="05000000000000000000" pitchFamily="2" charset="2"/>
+              <a:buChar char="Ø"/>
+            </a:pPr>
+            <a:r>
+              <a:rPr lang="en-US" sz="1800" dirty="0"/>
+              <a:t>16GB RAM</a:t>
+            </a:r>
+            <a:endParaRPr lang="de-DE" sz="1800" dirty="0"/>
+          </a:p>
+          <a:p>
+            <a:pPr marL="285750" indent="-285750">
+              <a:spcAft>
+                <a:spcPts val="600"/>
+              </a:spcAft>
+              <a:buFont typeface="Wingdings" panose="05000000000000000000" pitchFamily="2" charset="2"/>
+              <a:buChar char="Ø"/>
+            </a:pPr>
+            <a:r>
+              <a:rPr lang="en-US" sz="1800" dirty="0"/>
+              <a:t>Linux Mint 20 64-bit (Kernel 5.4.0-26-generic)</a:t>
+            </a:r>
+          </a:p>
+          <a:p>
+            <a:pPr marL="342900" indent="-342900">
+              <a:spcAft>
+                <a:spcPts val="600"/>
+              </a:spcAft>
+              <a:buFont typeface="Wingdings" panose="05000000000000000000" pitchFamily="2" charset="2"/>
+              <a:buChar char="Ø"/>
+            </a:pPr>
+            <a:endParaRPr lang="en-GB" sz="2400" dirty="0">
+              <a:solidFill>
+                <a:srgbClr val="005293"/>
+              </a:solidFill>
+            </a:endParaRPr>
+          </a:p>
+          <a:p>
+            <a:pPr marL="285750" indent="-285750">
+              <a:spcAft>
+                <a:spcPts val="600"/>
+              </a:spcAft>
+              <a:buFont typeface="Courier New" panose="02070309020205020404" pitchFamily="49" charset="0"/>
+              <a:buChar char="o"/>
+            </a:pPr>
+            <a:r>
+              <a:rPr lang="en-GB" sz="2400" dirty="0">
+                <a:solidFill>
+                  <a:srgbClr val="005293"/>
+                </a:solidFill>
+              </a:rPr>
+              <a:t>Compiler:</a:t>
+            </a:r>
+          </a:p>
+          <a:p>
+            <a:pPr marL="285750" indent="-285750">
+              <a:spcAft>
+                <a:spcPts val="600"/>
+              </a:spcAft>
+              <a:buFont typeface="Courier New" panose="02070309020205020404" pitchFamily="49" charset="0"/>
+              <a:buChar char="o"/>
+            </a:pPr>
+            <a:endParaRPr lang="en-GB" sz="2400" dirty="0">
+              <a:solidFill>
+                <a:srgbClr val="005293"/>
+              </a:solidFill>
+            </a:endParaRPr>
+          </a:p>
+          <a:p>
+            <a:pPr marL="342900" indent="-342900">
+              <a:spcAft>
+                <a:spcPts val="600"/>
+              </a:spcAft>
+              <a:buFont typeface="Wingdings" panose="05000000000000000000" pitchFamily="2" charset="2"/>
+              <a:buChar char="Ø"/>
+            </a:pPr>
+            <a:r>
+              <a:rPr lang="de-DE" dirty="0"/>
+              <a:t>GCC 9.3.0 mit Option -03</a:t>
+            </a:r>
+            <a:endParaRPr lang="en-GB" dirty="0"/>
+          </a:p>
+          <a:p>
+            <a:pPr marL="285750" indent="-285750">
+              <a:spcAft>
+                <a:spcPts val="600"/>
+              </a:spcAft>
+              <a:buFont typeface="Wingdings" panose="05000000000000000000" pitchFamily="2" charset="2"/>
+              <a:buChar char="Ø"/>
+            </a:pPr>
+            <a:endParaRPr lang="en-GB" dirty="0"/>
+          </a:p>
+          <a:p>
+            <a:pPr marL="457200" indent="-457200">
+              <a:spcAft>
+                <a:spcPts val="600"/>
+              </a:spcAft>
+              <a:buFont typeface="Courier New" panose="02070309020205020404" pitchFamily="49" charset="0"/>
+              <a:buChar char="o"/>
+            </a:pPr>
+            <a:endParaRPr lang="en-GB" dirty="0">
+              <a:solidFill>
+                <a:srgbClr val="FF0000"/>
+              </a:solidFill>
+            </a:endParaRPr>
+          </a:p>
+          <a:p>
+            <a:pPr marL="285750" indent="-285750">
+              <a:spcAft>
+                <a:spcPts val="600"/>
+              </a:spcAft>
+              <a:buFont typeface="Courier New" panose="02070309020205020404" pitchFamily="49" charset="0"/>
+              <a:buChar char="o"/>
+            </a:pPr>
+            <a:endParaRPr lang="en-US" dirty="0">
+              <a:solidFill>
+                <a:srgbClr val="FF0000"/>
+              </a:solidFill>
+            </a:endParaRPr>
+          </a:p>
+        </p:txBody>
+      </p:sp>
+      <p:sp>
+        <p:nvSpPr>
+          <p:cNvPr id="5" name="Fußzeilenplatzhalter 4">
+            <a:extLst>
+              <a:ext uri="{FF2B5EF4-FFF2-40B4-BE49-F238E27FC236}">
+                <a16:creationId xmlns:a16="http://schemas.microsoft.com/office/drawing/2014/main" id="{3B0BCB8F-E3A9-4F70-A2AB-F23989C12790}"/>
+              </a:ext>
+            </a:extLst>
+          </p:cNvPr>
+          <p:cNvSpPr>
+            <a:spLocks noGrp="1"/>
+          </p:cNvSpPr>
+          <p:nvPr/>
+        </p:nvSpPr>
+        <p:spPr bwMode="auto">
+          <a:xfrm>
+            <a:off x="169558" y="6473313"/>
+            <a:ext cx="8393101" cy="365125"/>
+          </a:xfrm>
+          <a:prstGeom prst="rect">
+            <a:avLst/>
+          </a:prstGeom>
+        </p:spPr>
+        <p:txBody>
+          <a:bodyPr vert="horz" lIns="0" tIns="45720" rIns="0" bIns="45720" rtlCol="0" anchor="ctr">
+            <a:normAutofit/>
+          </a:bodyPr>
+          <a:lstStyle>
+            <a:defPPr>
+              <a:defRPr lang="de-DE"/>
+            </a:defPPr>
+            <a:lvl1pPr algn="l">
+              <a:spcBef>
+                <a:spcPts val="0"/>
+              </a:spcBef>
+              <a:spcAft>
+                <a:spcPts val="0"/>
+              </a:spcAft>
+              <a:defRPr sz="1200">
+                <a:solidFill>
+                  <a:schemeClr val="tx1"/>
+                </a:solidFill>
+                <a:latin typeface="Arial"/>
+                <a:ea typeface="+mn-ea"/>
+                <a:cs typeface="Arial"/>
+              </a:defRPr>
+            </a:lvl1pPr>
+            <a:lvl2pPr marL="457200" algn="l">
+              <a:spcBef>
+                <a:spcPts val="0"/>
+              </a:spcBef>
+              <a:spcAft>
+                <a:spcPts val="0"/>
+              </a:spcAft>
+              <a:defRPr>
+                <a:solidFill>
+                  <a:schemeClr val="tx1"/>
+                </a:solidFill>
+                <a:latin typeface="Arial"/>
+                <a:ea typeface="+mn-ea"/>
+                <a:cs typeface="Arial"/>
+              </a:defRPr>
+            </a:lvl2pPr>
+            <a:lvl3pPr marL="914400" algn="l">
+              <a:spcBef>
+                <a:spcPts val="0"/>
+              </a:spcBef>
+              <a:spcAft>
+                <a:spcPts val="0"/>
+              </a:spcAft>
+              <a:defRPr>
+                <a:solidFill>
+                  <a:schemeClr val="tx1"/>
+                </a:solidFill>
+                <a:latin typeface="Arial"/>
+                <a:ea typeface="+mn-ea"/>
+                <a:cs typeface="Arial"/>
+              </a:defRPr>
+            </a:lvl3pPr>
+            <a:lvl4pPr marL="1371600" algn="l">
+              <a:spcBef>
+                <a:spcPts val="0"/>
+              </a:spcBef>
+              <a:spcAft>
+                <a:spcPts val="0"/>
+              </a:spcAft>
+              <a:defRPr>
+                <a:solidFill>
+                  <a:schemeClr val="tx1"/>
+                </a:solidFill>
+                <a:latin typeface="Arial"/>
+                <a:ea typeface="+mn-ea"/>
+                <a:cs typeface="Arial"/>
+              </a:defRPr>
+            </a:lvl4pPr>
+            <a:lvl5pPr marL="1828800" algn="l">
+              <a:spcBef>
+                <a:spcPts val="0"/>
+              </a:spcBef>
+              <a:spcAft>
+                <a:spcPts val="0"/>
+              </a:spcAft>
+              <a:defRPr>
+                <a:solidFill>
+                  <a:schemeClr val="tx1"/>
+                </a:solidFill>
+                <a:latin typeface="Arial"/>
+                <a:ea typeface="+mn-ea"/>
+                <a:cs typeface="Arial"/>
+              </a:defRPr>
+            </a:lvl5pPr>
+            <a:lvl6pPr marL="2286000" algn="l" defTabSz="914400">
+              <a:defRPr>
+                <a:solidFill>
+                  <a:schemeClr val="tx1"/>
+                </a:solidFill>
+                <a:latin typeface="Arial"/>
+                <a:ea typeface="+mn-ea"/>
+                <a:cs typeface="Arial"/>
+              </a:defRPr>
+            </a:lvl6pPr>
+            <a:lvl7pPr marL="2743200" algn="l" defTabSz="914400">
+              <a:defRPr>
+                <a:solidFill>
+                  <a:schemeClr val="tx1"/>
+                </a:solidFill>
+                <a:latin typeface="Arial"/>
+                <a:ea typeface="+mn-ea"/>
+                <a:cs typeface="Arial"/>
+              </a:defRPr>
+            </a:lvl7pPr>
+            <a:lvl8pPr marL="3200400" algn="l" defTabSz="914400">
+              <a:defRPr>
+                <a:solidFill>
+                  <a:schemeClr val="tx1"/>
+                </a:solidFill>
+                <a:latin typeface="Arial"/>
+                <a:ea typeface="+mn-ea"/>
+                <a:cs typeface="Arial"/>
+              </a:defRPr>
+            </a:lvl8pPr>
+            <a:lvl9pPr marL="3657600" algn="l" defTabSz="914400">
+              <a:defRPr>
+                <a:solidFill>
+                  <a:schemeClr val="tx1"/>
+                </a:solidFill>
+                <a:latin typeface="Arial"/>
+                <a:ea typeface="+mn-ea"/>
+                <a:cs typeface="Arial"/>
+              </a:defRPr>
+            </a:lvl9pPr>
+          </a:lstStyle>
+          <a:p>
+            <a:pPr>
+              <a:lnSpc>
+                <a:spcPct val="90000"/>
+              </a:lnSpc>
+              <a:defRPr/>
+            </a:pPr>
+            <a:r>
+              <a:rPr lang="de-DE" sz="900" dirty="0"/>
+              <a:t>Aspekte der systemnahen Programmierung bei der Spieleentwicklung | 16.02.2021 | </a:t>
+            </a:r>
+            <a:r>
+              <a:rPr lang="de-DE" sz="900" b="1" dirty="0" err="1"/>
+              <a:t>Peano</a:t>
+            </a:r>
+            <a:r>
+              <a:rPr lang="de-DE" sz="900" b="1" dirty="0"/>
+              <a:t>-Kurven (A214)		 </a:t>
+            </a:r>
+            <a:r>
+              <a:rPr lang="en-US" sz="1600" b="1" dirty="0"/>
+              <a:t>Mohamed Attia</a:t>
+            </a:r>
+            <a:endParaRPr lang="de-DE" sz="1600" b="1" dirty="0"/>
+          </a:p>
+          <a:p>
+            <a:pPr>
+              <a:lnSpc>
+                <a:spcPct val="90000"/>
+              </a:lnSpc>
+              <a:defRPr/>
+            </a:pPr>
+            <a:endParaRPr lang="de-DE" dirty="0"/>
+          </a:p>
+          <a:p>
+            <a:pPr>
+              <a:lnSpc>
+                <a:spcPct val="90000"/>
+              </a:lnSpc>
+              <a:spcAft>
+                <a:spcPts val="600"/>
+              </a:spcAft>
+              <a:defRPr/>
+            </a:pPr>
+            <a:endParaRPr lang="en-US" sz="900" dirty="0"/>
+          </a:p>
+        </p:txBody>
+      </p:sp>
+    </p:spTree>
+    <p:extLst>
+      <p:ext uri="{BB962C8B-B14F-4D97-AF65-F5344CB8AC3E}">
+        <p14:creationId xmlns:p14="http://schemas.microsoft.com/office/powerpoint/2010/main" val="2239404565"/>
+      </p:ext>
+    </p:extLst>
+  </p:cSld>
+  <p:clrMapOvr>
+    <a:masterClrMapping/>
+  </p:clrMapOvr>
+  <mc:AlternateContent xmlns:mc="http://schemas.openxmlformats.org/markup-compatibility/2006" xmlns:p14="http://schemas.microsoft.com/office/powerpoint/2010/main">
+    <mc:Choice Requires="p14">
+      <p:transition spd="med" p14:dur="700" advTm="29363">
+        <p:fade/>
+      </p:transition>
+    </mc:Choice>
+    <mc:Fallback xmlns="">
+      <p:transition spd="med" advTm="29363">
+        <p:fade/>
+      </p:transition>
+    </mc:Fallback>
+  </mc:AlternateContent>
+</p:sld>
+</file>
+
+<file path=ppt/slides/slide11.xml><?xml version="1.0" encoding="utf-8"?>
+<p:sld xmlns:a="http://schemas.openxmlformats.org/drawingml/2006/main" xmlns:r="http://schemas.openxmlformats.org/officeDocument/2006/relationships" xmlns:p="http://schemas.openxmlformats.org/presentationml/2006/main">
+  <p:cSld>
+    <p:spTree>
+      <p:nvGrpSpPr>
+        <p:cNvPr id="1" name=""/>
+        <p:cNvGrpSpPr/>
+        <p:nvPr/>
+      </p:nvGrpSpPr>
+      <p:grpSpPr>
+        <a:xfrm>
+          <a:off x="0" y="0"/>
+          <a:ext cx="0" cy="0"/>
+          <a:chOff x="0" y="0"/>
+          <a:chExt cx="0" cy="0"/>
+        </a:xfrm>
+      </p:grpSpPr>
+      <p:sp>
+        <p:nvSpPr>
+          <p:cNvPr id="4" name="Foliennummernplatzhalter 3"/>
+          <p:cNvSpPr>
+            <a:spLocks noGrp="1"/>
+          </p:cNvSpPr>
+          <p:nvPr>
+            <p:ph type="sldNum" sz="quarter" idx="11"/>
+          </p:nvPr>
+        </p:nvSpPr>
+        <p:spPr>
+          <a:xfrm>
+            <a:off x="6774934" y="6473313"/>
+            <a:ext cx="2052074" cy="365125"/>
+          </a:xfrm>
+        </p:spPr>
+        <p:txBody>
+          <a:bodyPr anchor="ctr">
+            <a:normAutofit/>
+          </a:bodyPr>
+          <a:lstStyle/>
+          <a:p>
+            <a:pPr>
+              <a:spcAft>
+                <a:spcPts val="600"/>
+              </a:spcAft>
+            </a:pPr>
+            <a:fld id="{CE58CB1E-F828-4F11-99E0-327109AF9DA4}" type="slidenum">
+              <a:rPr lang="de-DE" smtClean="0"/>
+              <a:pPr>
+                <a:spcAft>
+                  <a:spcPts val="600"/>
+                </a:spcAft>
+              </a:pPr>
+              <a:t>11</a:t>
+            </a:fld>
+            <a:endParaRPr lang="de-DE" dirty="0"/>
+          </a:p>
+        </p:txBody>
+      </p:sp>
+      <p:sp>
+        <p:nvSpPr>
+          <p:cNvPr id="7" name="Titel 2">
+            <a:extLst>
+              <a:ext uri="{FF2B5EF4-FFF2-40B4-BE49-F238E27FC236}">
+                <a16:creationId xmlns:a16="http://schemas.microsoft.com/office/drawing/2014/main" id="{B24129D1-E71B-47E0-9724-460D627BC21D}"/>
+              </a:ext>
+            </a:extLst>
+          </p:cNvPr>
+          <p:cNvSpPr txBox="1">
+            <a:spLocks/>
+          </p:cNvSpPr>
+          <p:nvPr/>
+        </p:nvSpPr>
+        <p:spPr>
+          <a:xfrm>
+            <a:off x="311162" y="878427"/>
+            <a:ext cx="8508999" cy="410369"/>
+          </a:xfrm>
+          <a:prstGeom prst="rect">
+            <a:avLst/>
+          </a:prstGeom>
+          <a:noFill/>
+          <a:ln w="9525">
+            <a:noFill/>
+            <a:miter lim="800000"/>
+            <a:headEnd/>
+            <a:tailEnd/>
+          </a:ln>
+        </p:spPr>
+        <p:txBody>
+          <a:bodyPr vert="horz" wrap="square" lIns="0" tIns="0" rIns="0" bIns="0" numCol="1" anchor="t" anchorCtr="0" compatLnSpc="1">
+            <a:prstTxWarp prst="textNoShape">
+              <a:avLst/>
+            </a:prstTxWarp>
+            <a:noAutofit/>
+          </a:bodyPr>
+          <a:lstStyle>
+            <a:lvl1pPr algn="l" rtl="0" eaLnBrk="0" fontAlgn="base" hangingPunct="0">
+              <a:lnSpc>
+                <a:spcPts val="3200"/>
+              </a:lnSpc>
+              <a:spcBef>
+                <a:spcPct val="0"/>
+              </a:spcBef>
+              <a:spcAft>
+                <a:spcPct val="0"/>
+              </a:spcAft>
+              <a:defRPr lang="de-DE" sz="3000" b="0" kern="1200" noProof="0" dirty="0">
+                <a:solidFill>
+                  <a:schemeClr val="tx1"/>
+                </a:solidFill>
+                <a:latin typeface="+mj-lt"/>
+                <a:ea typeface="+mj-ea"/>
+                <a:cs typeface="+mj-cs"/>
+              </a:defRPr>
+            </a:lvl1pPr>
+            <a:lvl2pPr algn="l" rtl="0" eaLnBrk="0" fontAlgn="base" hangingPunct="0">
+              <a:spcBef>
+                <a:spcPct val="0"/>
+              </a:spcBef>
+              <a:spcAft>
+                <a:spcPct val="0"/>
+              </a:spcAft>
+              <a:defRPr sz="2000" b="1">
+                <a:solidFill>
+                  <a:schemeClr val="tx2"/>
+                </a:solidFill>
+                <a:latin typeface="Arial" charset="0"/>
+                <a:cs typeface="Arial" charset="0"/>
+              </a:defRPr>
+            </a:lvl2pPr>
+            <a:lvl3pPr algn="l" rtl="0" eaLnBrk="0" fontAlgn="base" hangingPunct="0">
+              <a:spcBef>
+                <a:spcPct val="0"/>
+              </a:spcBef>
+              <a:spcAft>
+                <a:spcPct val="0"/>
+              </a:spcAft>
+              <a:defRPr sz="2000" b="1">
+                <a:solidFill>
+                  <a:schemeClr val="tx2"/>
+                </a:solidFill>
+                <a:latin typeface="Arial" charset="0"/>
+                <a:cs typeface="Arial" charset="0"/>
+              </a:defRPr>
+            </a:lvl3pPr>
+            <a:lvl4pPr algn="l" rtl="0" eaLnBrk="0" fontAlgn="base" hangingPunct="0">
+              <a:spcBef>
+                <a:spcPct val="0"/>
+              </a:spcBef>
+              <a:spcAft>
+                <a:spcPct val="0"/>
+              </a:spcAft>
+              <a:defRPr sz="2000" b="1">
+                <a:solidFill>
+                  <a:schemeClr val="tx2"/>
+                </a:solidFill>
+                <a:latin typeface="Arial" charset="0"/>
+                <a:cs typeface="Arial" charset="0"/>
+              </a:defRPr>
+            </a:lvl4pPr>
+            <a:lvl5pPr algn="l" rtl="0" eaLnBrk="0" fontAlgn="base" hangingPunct="0">
+              <a:spcBef>
+                <a:spcPct val="0"/>
+              </a:spcBef>
+              <a:spcAft>
+                <a:spcPct val="0"/>
+              </a:spcAft>
+              <a:defRPr sz="2000" b="1">
+                <a:solidFill>
+                  <a:schemeClr val="tx2"/>
+                </a:solidFill>
+                <a:latin typeface="Arial" charset="0"/>
+                <a:cs typeface="Arial" charset="0"/>
+              </a:defRPr>
+            </a:lvl5pPr>
+            <a:lvl6pPr marL="457200" algn="l" rtl="0" fontAlgn="base">
+              <a:spcBef>
+                <a:spcPct val="0"/>
+              </a:spcBef>
+              <a:spcAft>
+                <a:spcPct val="0"/>
+              </a:spcAft>
+              <a:defRPr sz="2000" b="1">
+                <a:solidFill>
+                  <a:schemeClr val="tx2"/>
+                </a:solidFill>
+                <a:latin typeface="Arial" charset="0"/>
+                <a:cs typeface="Arial" charset="0"/>
+              </a:defRPr>
+            </a:lvl6pPr>
+            <a:lvl7pPr marL="914400" algn="l" rtl="0" fontAlgn="base">
+              <a:spcBef>
+                <a:spcPct val="0"/>
+              </a:spcBef>
+              <a:spcAft>
+                <a:spcPct val="0"/>
+              </a:spcAft>
+              <a:defRPr sz="2000" b="1">
+                <a:solidFill>
+                  <a:schemeClr val="tx2"/>
+                </a:solidFill>
+                <a:latin typeface="Arial" charset="0"/>
+                <a:cs typeface="Arial" charset="0"/>
+              </a:defRPr>
+            </a:lvl7pPr>
+            <a:lvl8pPr marL="1371600" algn="l" rtl="0" fontAlgn="base">
+              <a:spcBef>
+                <a:spcPct val="0"/>
+              </a:spcBef>
+              <a:spcAft>
+                <a:spcPct val="0"/>
+              </a:spcAft>
+              <a:defRPr sz="2000" b="1">
+                <a:solidFill>
+                  <a:schemeClr val="tx2"/>
+                </a:solidFill>
+                <a:latin typeface="Arial" charset="0"/>
+                <a:cs typeface="Arial" charset="0"/>
+              </a:defRPr>
+            </a:lvl8pPr>
+            <a:lvl9pPr marL="1828800" algn="l" rtl="0" fontAlgn="base">
+              <a:spcBef>
+                <a:spcPct val="0"/>
+              </a:spcBef>
+              <a:spcAft>
+                <a:spcPct val="0"/>
+              </a:spcAft>
+              <a:defRPr sz="2000" b="1">
+                <a:solidFill>
+                  <a:schemeClr val="tx2"/>
+                </a:solidFill>
+                <a:latin typeface="Arial" charset="0"/>
+                <a:cs typeface="Arial" charset="0"/>
+              </a:defRPr>
+            </a:lvl9pPr>
+          </a:lstStyle>
+          <a:p>
+            <a:r>
+              <a:rPr lang="en-US" sz="3200" dirty="0"/>
+              <a:t> </a:t>
+            </a:r>
+            <a:r>
+              <a:rPr lang="en-US" sz="3200" dirty="0" err="1">
+                <a:solidFill>
+                  <a:schemeClr val="bg2">
+                    <a:lumMod val="75000"/>
+                  </a:schemeClr>
+                </a:solidFill>
+              </a:rPr>
+              <a:t>Performanzanalyse</a:t>
+            </a:r>
+            <a:r>
+              <a:rPr lang="en-US" sz="3200" dirty="0">
+                <a:solidFill>
+                  <a:schemeClr val="bg2">
+                    <a:lumMod val="75000"/>
+                  </a:schemeClr>
+                </a:solidFill>
+              </a:rPr>
+              <a:t>: </a:t>
+            </a:r>
+            <a:r>
+              <a:rPr lang="en-US" sz="3200" dirty="0">
+                <a:solidFill>
+                  <a:srgbClr val="005293"/>
+                </a:solidFill>
+              </a:rPr>
+              <a:t>SIMD-</a:t>
+            </a:r>
+            <a:r>
+              <a:rPr lang="en-US" sz="3200" dirty="0" err="1">
+                <a:solidFill>
+                  <a:srgbClr val="005293"/>
+                </a:solidFill>
+              </a:rPr>
+              <a:t>Instruktionen</a:t>
+            </a:r>
+            <a:endParaRPr lang="en-US" sz="3200" dirty="0"/>
+          </a:p>
+        </p:txBody>
+      </p:sp>
+      <p:pic>
+        <p:nvPicPr>
+          <p:cNvPr id="10" name="Picture 9" descr="Table&#10;&#10;Description automatically generated">
+            <a:extLst>
+              <a:ext uri="{FF2B5EF4-FFF2-40B4-BE49-F238E27FC236}">
+                <a16:creationId xmlns:a16="http://schemas.microsoft.com/office/drawing/2014/main" id="{1419B984-9DED-4B28-95AC-4B074D22B4CA}"/>
+              </a:ext>
+            </a:extLst>
+          </p:cNvPr>
+          <p:cNvPicPr>
+            <a:picLocks noChangeAspect="1"/>
+          </p:cNvPicPr>
+          <p:nvPr/>
+        </p:nvPicPr>
+        <p:blipFill>
+          <a:blip r:embed="rId2"/>
+          <a:stretch>
+            <a:fillRect/>
+          </a:stretch>
+        </p:blipFill>
+        <p:spPr>
+          <a:xfrm>
+            <a:off x="442659" y="2398029"/>
+            <a:ext cx="8333530" cy="3118148"/>
+          </a:xfrm>
+          <a:prstGeom prst="rect">
+            <a:avLst/>
+          </a:prstGeom>
+        </p:spPr>
+      </p:pic>
+      <p:sp>
+        <p:nvSpPr>
+          <p:cNvPr id="5" name="Fußzeilenplatzhalter 4">
+            <a:extLst>
+              <a:ext uri="{FF2B5EF4-FFF2-40B4-BE49-F238E27FC236}">
+                <a16:creationId xmlns:a16="http://schemas.microsoft.com/office/drawing/2014/main" id="{93186AD8-42FD-4733-A18E-CA290820B73C}"/>
+              </a:ext>
+            </a:extLst>
+          </p:cNvPr>
+          <p:cNvSpPr>
+            <a:spLocks noGrp="1"/>
+          </p:cNvSpPr>
+          <p:nvPr/>
+        </p:nvSpPr>
+        <p:spPr bwMode="auto">
+          <a:xfrm>
+            <a:off x="169558" y="6473313"/>
+            <a:ext cx="8393101" cy="365125"/>
+          </a:xfrm>
+          <a:prstGeom prst="rect">
+            <a:avLst/>
+          </a:prstGeom>
+        </p:spPr>
+        <p:txBody>
+          <a:bodyPr vert="horz" lIns="0" tIns="45720" rIns="0" bIns="45720" rtlCol="0" anchor="ctr">
+            <a:normAutofit/>
+          </a:bodyPr>
+          <a:lstStyle>
+            <a:defPPr>
+              <a:defRPr lang="de-DE"/>
+            </a:defPPr>
+            <a:lvl1pPr algn="l">
+              <a:spcBef>
+                <a:spcPts val="0"/>
+              </a:spcBef>
+              <a:spcAft>
+                <a:spcPts val="0"/>
+              </a:spcAft>
+              <a:defRPr sz="1200">
+                <a:solidFill>
+                  <a:schemeClr val="tx1"/>
+                </a:solidFill>
+                <a:latin typeface="Arial"/>
+                <a:ea typeface="+mn-ea"/>
+                <a:cs typeface="Arial"/>
+              </a:defRPr>
+            </a:lvl1pPr>
+            <a:lvl2pPr marL="457200" algn="l">
+              <a:spcBef>
+                <a:spcPts val="0"/>
+              </a:spcBef>
+              <a:spcAft>
+                <a:spcPts val="0"/>
+              </a:spcAft>
+              <a:defRPr>
+                <a:solidFill>
+                  <a:schemeClr val="tx1"/>
+                </a:solidFill>
+                <a:latin typeface="Arial"/>
+                <a:ea typeface="+mn-ea"/>
+                <a:cs typeface="Arial"/>
+              </a:defRPr>
+            </a:lvl2pPr>
+            <a:lvl3pPr marL="914400" algn="l">
+              <a:spcBef>
+                <a:spcPts val="0"/>
+              </a:spcBef>
+              <a:spcAft>
+                <a:spcPts val="0"/>
+              </a:spcAft>
+              <a:defRPr>
+                <a:solidFill>
+                  <a:schemeClr val="tx1"/>
+                </a:solidFill>
+                <a:latin typeface="Arial"/>
+                <a:ea typeface="+mn-ea"/>
+                <a:cs typeface="Arial"/>
+              </a:defRPr>
+            </a:lvl3pPr>
+            <a:lvl4pPr marL="1371600" algn="l">
+              <a:spcBef>
+                <a:spcPts val="0"/>
+              </a:spcBef>
+              <a:spcAft>
+                <a:spcPts val="0"/>
+              </a:spcAft>
+              <a:defRPr>
+                <a:solidFill>
+                  <a:schemeClr val="tx1"/>
+                </a:solidFill>
+                <a:latin typeface="Arial"/>
+                <a:ea typeface="+mn-ea"/>
+                <a:cs typeface="Arial"/>
+              </a:defRPr>
+            </a:lvl4pPr>
+            <a:lvl5pPr marL="1828800" algn="l">
+              <a:spcBef>
+                <a:spcPts val="0"/>
+              </a:spcBef>
+              <a:spcAft>
+                <a:spcPts val="0"/>
+              </a:spcAft>
+              <a:defRPr>
+                <a:solidFill>
+                  <a:schemeClr val="tx1"/>
+                </a:solidFill>
+                <a:latin typeface="Arial"/>
+                <a:ea typeface="+mn-ea"/>
+                <a:cs typeface="Arial"/>
+              </a:defRPr>
+            </a:lvl5pPr>
+            <a:lvl6pPr marL="2286000" algn="l" defTabSz="914400">
+              <a:defRPr>
+                <a:solidFill>
+                  <a:schemeClr val="tx1"/>
+                </a:solidFill>
+                <a:latin typeface="Arial"/>
+                <a:ea typeface="+mn-ea"/>
+                <a:cs typeface="Arial"/>
+              </a:defRPr>
+            </a:lvl6pPr>
+            <a:lvl7pPr marL="2743200" algn="l" defTabSz="914400">
+              <a:defRPr>
+                <a:solidFill>
+                  <a:schemeClr val="tx1"/>
+                </a:solidFill>
+                <a:latin typeface="Arial"/>
+                <a:ea typeface="+mn-ea"/>
+                <a:cs typeface="Arial"/>
+              </a:defRPr>
+            </a:lvl7pPr>
+            <a:lvl8pPr marL="3200400" algn="l" defTabSz="914400">
+              <a:defRPr>
+                <a:solidFill>
+                  <a:schemeClr val="tx1"/>
+                </a:solidFill>
+                <a:latin typeface="Arial"/>
+                <a:ea typeface="+mn-ea"/>
+                <a:cs typeface="Arial"/>
+              </a:defRPr>
+            </a:lvl8pPr>
+            <a:lvl9pPr marL="3657600" algn="l" defTabSz="914400">
+              <a:defRPr>
+                <a:solidFill>
+                  <a:schemeClr val="tx1"/>
+                </a:solidFill>
+                <a:latin typeface="Arial"/>
+                <a:ea typeface="+mn-ea"/>
+                <a:cs typeface="Arial"/>
+              </a:defRPr>
+            </a:lvl9pPr>
+          </a:lstStyle>
+          <a:p>
+            <a:pPr>
+              <a:lnSpc>
+                <a:spcPct val="90000"/>
+              </a:lnSpc>
+              <a:defRPr/>
+            </a:pPr>
+            <a:r>
+              <a:rPr lang="de-DE" sz="900" dirty="0"/>
+              <a:t>Aspekte der systemnahen Programmierung bei der Spieleentwicklung | 16.02.2021 | </a:t>
+            </a:r>
+            <a:r>
+              <a:rPr lang="de-DE" sz="900" b="1" dirty="0" err="1"/>
+              <a:t>Peano</a:t>
+            </a:r>
+            <a:r>
+              <a:rPr lang="de-DE" sz="900" b="1" dirty="0"/>
+              <a:t>-Kurven (A214)		 </a:t>
+            </a:r>
+            <a:r>
+              <a:rPr lang="en-US" sz="1600" b="1" dirty="0"/>
+              <a:t>Mohamed Attia</a:t>
+            </a:r>
+            <a:endParaRPr lang="de-DE" sz="1600" b="1" dirty="0"/>
+          </a:p>
+          <a:p>
+            <a:pPr>
+              <a:lnSpc>
+                <a:spcPct val="90000"/>
+              </a:lnSpc>
+              <a:defRPr/>
+            </a:pPr>
+            <a:endParaRPr lang="de-DE" dirty="0"/>
+          </a:p>
+          <a:p>
+            <a:pPr>
+              <a:lnSpc>
+                <a:spcPct val="90000"/>
+              </a:lnSpc>
+              <a:spcAft>
+                <a:spcPts val="600"/>
+              </a:spcAft>
+              <a:defRPr/>
+            </a:pPr>
+            <a:endParaRPr lang="en-US" sz="900" dirty="0"/>
+          </a:p>
+        </p:txBody>
+      </p:sp>
+    </p:spTree>
+    <p:extLst>
+      <p:ext uri="{BB962C8B-B14F-4D97-AF65-F5344CB8AC3E}">
+        <p14:creationId xmlns:p14="http://schemas.microsoft.com/office/powerpoint/2010/main" val="1685893145"/>
+      </p:ext>
+    </p:extLst>
+  </p:cSld>
+  <p:clrMapOvr>
+    <a:masterClrMapping/>
+  </p:clrMapOvr>
+  <mc:AlternateContent xmlns:mc="http://schemas.openxmlformats.org/markup-compatibility/2006" xmlns:p14="http://schemas.microsoft.com/office/powerpoint/2010/main">
+    <mc:Choice Requires="p14">
+      <p:transition spd="med" p14:dur="700" advTm="29363">
+        <p:fade/>
+      </p:transition>
+    </mc:Choice>
+    <mc:Fallback xmlns="">
+      <p:transition spd="med" advTm="29363">
+        <p:fade/>
+      </p:transition>
+    </mc:Fallback>
+  </mc:AlternateContent>
+</p:sld>
+</file>
+
+<file path=ppt/slides/slide12.xml><?xml version="1.0" encoding="utf-8"?>
+<p:sld xmlns:a="http://schemas.openxmlformats.org/drawingml/2006/main" xmlns:r="http://schemas.openxmlformats.org/officeDocument/2006/relationships" xmlns:p="http://schemas.openxmlformats.org/presentationml/2006/main">
+  <p:cSld>
+    <p:spTree>
+      <p:nvGrpSpPr>
+        <p:cNvPr id="1" name=""/>
+        <p:cNvGrpSpPr/>
+        <p:nvPr/>
+      </p:nvGrpSpPr>
+      <p:grpSpPr>
+        <a:xfrm>
+          <a:off x="0" y="0"/>
+          <a:ext cx="0" cy="0"/>
+          <a:chOff x="0" y="0"/>
+          <a:chExt cx="0" cy="0"/>
+        </a:xfrm>
+      </p:grpSpPr>
       <p:pic>
         <p:nvPicPr>
           <p:cNvPr id="5" name="Picture 4" descr="Chart, bar chart&#10;&#10;Description automatically generated">
@@ -9412,7 +10977,7 @@
                   <a:spcPts val="600"/>
                 </a:spcAft>
               </a:pPr>
-              <a:t>10</a:t>
+              <a:t>12</a:t>
             </a:fld>
             <a:endParaRPr lang="de-DE"/>
           </a:p>
@@ -9894,7 +11459,7 @@
 </p:sld>
 </file>
 
-<file path=ppt/slides/slide11.xml><?xml version="1.0" encoding="utf-8"?>
+<file path=ppt/slides/slide13.xml><?xml version="1.0" encoding="utf-8"?>
 <p:sld xmlns:a="http://schemas.openxmlformats.org/drawingml/2006/main" xmlns:r="http://schemas.openxmlformats.org/officeDocument/2006/relationships" xmlns:p="http://schemas.openxmlformats.org/presentationml/2006/main">
   <p:cSld>
     <p:spTree>
@@ -9981,7 +11546,7 @@
                   <a:spcPts val="600"/>
                 </a:spcAft>
               </a:pPr>
-              <a:t>11</a:t>
+              <a:t>13</a:t>
             </a:fld>
             <a:endParaRPr lang="de-DE"/>
           </a:p>
@@ -10463,7 +12028,7 @@
 </p:sld>
 </file>
 
-<file path=ppt/slides/slide12.xml><?xml version="1.0" encoding="utf-8"?>
+<file path=ppt/slides/slide14.xml><?xml version="1.0" encoding="utf-8"?>
 <p:sld xmlns:a="http://schemas.openxmlformats.org/drawingml/2006/main" xmlns:r="http://schemas.openxmlformats.org/officeDocument/2006/relationships" xmlns:p="http://schemas.openxmlformats.org/presentationml/2006/main">
   <p:cSld>
     <p:spTree>
@@ -10550,7 +12115,7 @@
                   <a:spcPts val="600"/>
                 </a:spcAft>
               </a:pPr>
-              <a:t>12</a:t>
+              <a:t>14</a:t>
             </a:fld>
             <a:endParaRPr lang="de-DE"/>
           </a:p>
@@ -11032,7 +12597,7 @@
 </p:sld>
 </file>
 
-<file path=ppt/slides/slide13.xml><?xml version="1.0" encoding="utf-8"?>
+<file path=ppt/slides/slide15.xml><?xml version="1.0" encoding="utf-8"?>
 <p:sld xmlns:a="http://schemas.openxmlformats.org/drawingml/2006/main" xmlns:r="http://schemas.openxmlformats.org/officeDocument/2006/relationships" xmlns:p="http://schemas.openxmlformats.org/presentationml/2006/main">
   <p:cSld>
     <p:spTree>
@@ -11083,7 +12648,7 @@
                   <a:spcPts val="600"/>
                 </a:spcAft>
               </a:pPr>
-              <a:t>13</a:t>
+              <a:t>15</a:t>
             </a:fld>
             <a:endParaRPr lang="de-DE" dirty="0"/>
           </a:p>
@@ -11701,7 +13266,7 @@
 </p:sld>
 </file>
 
-<file path=ppt/slides/slide14.xml><?xml version="1.0" encoding="utf-8"?>
+<file path=ppt/slides/slide16.xml><?xml version="1.0" encoding="utf-8"?>
 <p:sld xmlns:a="http://schemas.openxmlformats.org/drawingml/2006/main" xmlns:r="http://schemas.openxmlformats.org/officeDocument/2006/relationships" xmlns:p="http://schemas.openxmlformats.org/presentationml/2006/main">
   <p:cSld>
     <p:spTree>
@@ -11794,7 +13359,7 @@
             <a:fld id="{CE58CB1E-F828-4F11-99E0-327109AF9DA4}" type="slidenum">
               <a:rPr lang="de-DE" smtClean="0"/>
               <a:pPr/>
-              <a:t>14</a:t>
+              <a:t>16</a:t>
             </a:fld>
             <a:endParaRPr lang="de-DE" dirty="0"/>
           </a:p>
@@ -11839,10 +13404,10 @@
       </p:grpSpPr>
       <p:sp>
         <p:nvSpPr>
-          <p:cNvPr id="14" name="Content Placeholder 13">
+          <p:cNvPr id="2" name="Inhaltsplatzhalter 1">
             <a:extLst>
               <a:ext uri="{FF2B5EF4-FFF2-40B4-BE49-F238E27FC236}">
-                <a16:creationId xmlns:a16="http://schemas.microsoft.com/office/drawing/2014/main" id="{4F27CAB4-9F06-4A2C-924C-826960716AE6}"/>
+                <a16:creationId xmlns:a16="http://schemas.microsoft.com/office/drawing/2014/main" id="{41736A61-17C7-4A06-8397-B06905510137}"/>
               </a:ext>
             </a:extLst>
           </p:cNvPr>
@@ -11850,107 +13415,352 @@
             <a:spLocks noGrp="1"/>
           </p:cNvSpPr>
           <p:nvPr>
-            <p:ph idx="15"/>
+            <p:ph idx="10"/>
           </p:nvPr>
         </p:nvSpPr>
         <p:spPr>
           <a:xfrm>
-            <a:off x="5147285" y="1925690"/>
-            <a:ext cx="3622106" cy="4523878"/>
+            <a:off x="3409244" y="2057400"/>
+            <a:ext cx="4977685" cy="3677654"/>
           </a:xfrm>
         </p:spPr>
         <p:txBody>
-          <a:bodyPr wrap="square" anchor="t">
-            <a:normAutofit/>
-          </a:bodyPr>
+          <a:bodyPr/>
           <a:lstStyle/>
           <a:p>
-            <a:pPr>
-              <a:spcAft>
-                <a:spcPts val="600"/>
-              </a:spcAft>
+            <a:pPr marL="342900" indent="-342900">
+              <a:buFont typeface="Arial" panose="020B0604020202020204" pitchFamily="34" charset="0"/>
+              <a:buChar char="•"/>
             </a:pPr>
-            <a:r>
-              <a:rPr lang="en-GB" dirty="0"/>
-              <a:t>•THOMAS</a:t>
-            </a:r>
-          </a:p>
-          <a:p>
-            <a:pPr marL="457200" indent="-457200">
-              <a:spcAft>
-                <a:spcPts val="600"/>
-              </a:spcAft>
-              <a:buFont typeface="Courier New" panose="02070309020205020404" pitchFamily="49" charset="0"/>
-              <a:buChar char="o"/>
+            <a:endParaRPr lang="de-DE" sz="2000" dirty="0"/>
+          </a:p>
+          <a:p>
+            <a:pPr marL="342900" indent="-342900">
+              <a:buFont typeface="Arial" panose="020B0604020202020204" pitchFamily="34" charset="0"/>
+              <a:buChar char="•"/>
             </a:pPr>
-            <a:endParaRPr lang="en-GB" dirty="0">
-              <a:solidFill>
-                <a:srgbClr val="FF0000"/>
-              </a:solidFill>
-            </a:endParaRPr>
-          </a:p>
-          <a:p>
-            <a:pPr marL="285750" indent="-285750">
-              <a:spcAft>
-                <a:spcPts val="600"/>
-              </a:spcAft>
-              <a:buFont typeface="Courier New" panose="02070309020205020404" pitchFamily="49" charset="0"/>
-              <a:buChar char="o"/>
+            <a:r>
+              <a:rPr lang="de-DE" sz="2000" dirty="0"/>
+              <a:t>Mehrdimensional auf Eindimensional</a:t>
+            </a:r>
+          </a:p>
+          <a:p>
+            <a:pPr marL="342900" indent="-342900">
+              <a:buFont typeface="Arial" panose="020B0604020202020204" pitchFamily="34" charset="0"/>
+              <a:buChar char="•"/>
             </a:pPr>
-            <a:endParaRPr lang="en-US" dirty="0">
-              <a:solidFill>
-                <a:srgbClr val="FF0000"/>
-              </a:solidFill>
-            </a:endParaRPr>
+            <a:endParaRPr lang="de-DE" sz="2000" dirty="0"/>
+          </a:p>
+          <a:p>
+            <a:pPr marL="342900" indent="-342900">
+              <a:buFont typeface="Arial" panose="020B0604020202020204" pitchFamily="34" charset="0"/>
+              <a:buChar char="•"/>
+            </a:pPr>
+            <a:r>
+              <a:rPr lang="de-DE" sz="2000" dirty="0"/>
+              <a:t>Durchquert jedes Feld einmal</a:t>
+            </a:r>
+          </a:p>
+          <a:p>
+            <a:pPr marL="342900" indent="-342900">
+              <a:buFont typeface="Arial" panose="020B0604020202020204" pitchFamily="34" charset="0"/>
+              <a:buChar char="•"/>
+            </a:pPr>
+            <a:endParaRPr lang="de-DE" sz="2000" dirty="0"/>
+          </a:p>
+          <a:p>
+            <a:pPr marL="342900" indent="-342900">
+              <a:buFont typeface="Arial" panose="020B0604020202020204" pitchFamily="34" charset="0"/>
+              <a:buChar char="•"/>
+            </a:pPr>
+            <a:r>
+              <a:rPr lang="de-DE" sz="2000" dirty="0"/>
+              <a:t>Punkte nähern sich Grenzwerten</a:t>
+            </a:r>
+          </a:p>
+          <a:p>
+            <a:pPr marL="342900" indent="-342900">
+              <a:buFont typeface="Arial" panose="020B0604020202020204" pitchFamily="34" charset="0"/>
+              <a:buChar char="•"/>
+            </a:pPr>
+            <a:endParaRPr lang="de-DE" sz="2000" dirty="0"/>
+          </a:p>
+          <a:p>
+            <a:pPr marL="342900" indent="-342900">
+              <a:buFont typeface="Arial" panose="020B0604020202020204" pitchFamily="34" charset="0"/>
+              <a:buChar char="•"/>
+            </a:pPr>
+            <a:endParaRPr lang="de-DE" sz="2000" dirty="0"/>
           </a:p>
         </p:txBody>
       </p:sp>
       <p:sp>
         <p:nvSpPr>
-          <p:cNvPr id="4" name="Foliennummernplatzhalter 3"/>
+          <p:cNvPr id="3" name="Foliennummernplatzhalter 2">
+            <a:extLst>
+              <a:ext uri="{FF2B5EF4-FFF2-40B4-BE49-F238E27FC236}">
+                <a16:creationId xmlns:a16="http://schemas.microsoft.com/office/drawing/2014/main" id="{A43F53DD-1A27-45CB-AB32-8D3B8B312E16}"/>
+              </a:ext>
+            </a:extLst>
+          </p:cNvPr>
           <p:cNvSpPr>
             <a:spLocks noGrp="1"/>
           </p:cNvSpPr>
           <p:nvPr>
-            <p:ph type="sldNum" sz="quarter" idx="16"/>
+            <p:ph type="sldNum" sz="quarter" idx="12"/>
           </p:nvPr>
         </p:nvSpPr>
-        <p:spPr>
-          <a:xfrm>
-            <a:off x="6774934" y="6473313"/>
-            <a:ext cx="2052074" cy="365125"/>
-          </a:xfrm>
-        </p:spPr>
+        <p:spPr/>
         <p:txBody>
-          <a:bodyPr anchor="ctr">
-            <a:normAutofit/>
-          </a:bodyPr>
+          <a:bodyPr/>
           <a:lstStyle/>
           <a:p>
-            <a:pPr>
-              <a:spcAft>
-                <a:spcPts val="600"/>
-              </a:spcAft>
-            </a:pPr>
             <a:fld id="{CE58CB1E-F828-4F11-99E0-327109AF9DA4}" type="slidenum">
               <a:rPr lang="de-DE" smtClean="0"/>
-              <a:pPr>
-                <a:spcAft>
-                  <a:spcPts val="600"/>
-                </a:spcAft>
-              </a:pPr>
+              <a:pPr/>
               <a:t>2</a:t>
             </a:fld>
             <a:endParaRPr lang="de-DE" dirty="0"/>
           </a:p>
         </p:txBody>
       </p:sp>
+      <mc:AlternateContent xmlns:mc="http://schemas.openxmlformats.org/markup-compatibility/2006" xmlns:p14="http://schemas.microsoft.com/office/powerpoint/2010/main">
+        <mc:Choice Requires="p14">
+          <p:contentPart p14:bwMode="auto" r:id="rId2">
+            <p14:nvContentPartPr>
+              <p14:cNvPr id="5" name="Freihand 4">
+                <a:extLst>
+                  <a:ext uri="{FF2B5EF4-FFF2-40B4-BE49-F238E27FC236}">
+                    <a16:creationId xmlns:a16="http://schemas.microsoft.com/office/drawing/2014/main" id="{A78E1C10-1A33-45EA-9ABE-1ABA5766D68D}"/>
+                  </a:ext>
+                </a:extLst>
+              </p14:cNvPr>
+              <p14:cNvContentPartPr/>
+              <p14:nvPr/>
+            </p14:nvContentPartPr>
+            <p14:xfrm>
+              <a:off x="4676084" y="3657581"/>
+              <a:ext cx="360" cy="360"/>
+            </p14:xfrm>
+          </p:contentPart>
+        </mc:Choice>
+        <mc:Fallback xmlns="">
+          <p:pic>
+            <p:nvPicPr>
+              <p:cNvPr id="5" name="Freihand 4">
+                <a:extLst>
+                  <a:ext uri="{FF2B5EF4-FFF2-40B4-BE49-F238E27FC236}">
+                    <a16:creationId xmlns:a16="http://schemas.microsoft.com/office/drawing/2014/main" id="{A78E1C10-1A33-45EA-9ABE-1ABA5766D68D}"/>
+                  </a:ext>
+                </a:extLst>
+              </p:cNvPr>
+              <p:cNvPicPr/>
+              <p:nvPr/>
+            </p:nvPicPr>
+            <p:blipFill>
+              <a:blip r:embed="rId3"/>
+              <a:stretch>
+                <a:fillRect/>
+              </a:stretch>
+            </p:blipFill>
+            <p:spPr>
+              <a:xfrm>
+                <a:off x="4667084" y="3648581"/>
+                <a:ext cx="18000" cy="18000"/>
+              </a:xfrm>
+              <a:prstGeom prst="rect">
+                <a:avLst/>
+              </a:prstGeom>
+            </p:spPr>
+          </p:pic>
+        </mc:Fallback>
+      </mc:AlternateContent>
+      <p:pic>
+        <p:nvPicPr>
+          <p:cNvPr id="6" name="Grafik 5">
+            <a:extLst>
+              <a:ext uri="{FF2B5EF4-FFF2-40B4-BE49-F238E27FC236}">
+                <a16:creationId xmlns:a16="http://schemas.microsoft.com/office/drawing/2014/main" id="{5099C549-7094-473A-AB8D-0BC988880445}"/>
+              </a:ext>
+            </a:extLst>
+          </p:cNvPr>
+          <p:cNvPicPr>
+            <a:picLocks noChangeAspect="1"/>
+          </p:cNvPicPr>
+          <p:nvPr/>
+        </p:nvPicPr>
+        <p:blipFill>
+          <a:blip r:embed="rId4"/>
+          <a:stretch>
+            <a:fillRect/>
+          </a:stretch>
+        </p:blipFill>
+        <p:spPr>
+          <a:xfrm>
+            <a:off x="449937" y="1337785"/>
+            <a:ext cx="1160146" cy="1160146"/>
+          </a:xfrm>
+          <a:prstGeom prst="rect">
+            <a:avLst/>
+          </a:prstGeom>
+        </p:spPr>
+      </p:pic>
+      <p:pic>
+        <p:nvPicPr>
+          <p:cNvPr id="9" name="Grafik 8">
+            <a:extLst>
+              <a:ext uri="{FF2B5EF4-FFF2-40B4-BE49-F238E27FC236}">
+                <a16:creationId xmlns:a16="http://schemas.microsoft.com/office/drawing/2014/main" id="{E63639BC-B2CA-4D16-BE12-F5693701EB79}"/>
+              </a:ext>
+            </a:extLst>
+          </p:cNvPr>
+          <p:cNvPicPr>
+            <a:picLocks noChangeAspect="1"/>
+          </p:cNvPicPr>
+          <p:nvPr/>
+        </p:nvPicPr>
+        <p:blipFill>
+          <a:blip r:embed="rId5"/>
+          <a:stretch>
+            <a:fillRect/>
+          </a:stretch>
+        </p:blipFill>
+        <p:spPr>
+          <a:xfrm>
+            <a:off x="449937" y="2560626"/>
+            <a:ext cx="1160146" cy="1160146"/>
+          </a:xfrm>
+          <a:prstGeom prst="rect">
+            <a:avLst/>
+          </a:prstGeom>
+        </p:spPr>
+      </p:pic>
+      <p:pic>
+        <p:nvPicPr>
+          <p:cNvPr id="10" name="Grafik 9">
+            <a:extLst>
+              <a:ext uri="{FF2B5EF4-FFF2-40B4-BE49-F238E27FC236}">
+                <a16:creationId xmlns:a16="http://schemas.microsoft.com/office/drawing/2014/main" id="{8ED1E649-6B66-483F-A5A5-34235829B2CE}"/>
+              </a:ext>
+            </a:extLst>
+          </p:cNvPr>
+          <p:cNvPicPr>
+            <a:picLocks noChangeAspect="1"/>
+          </p:cNvPicPr>
+          <p:nvPr/>
+        </p:nvPicPr>
+        <p:blipFill>
+          <a:blip r:embed="rId6"/>
+          <a:stretch>
+            <a:fillRect/>
+          </a:stretch>
+        </p:blipFill>
+        <p:spPr>
+          <a:xfrm>
+            <a:off x="449937" y="3792882"/>
+            <a:ext cx="1160146" cy="1163021"/>
+          </a:xfrm>
+          <a:prstGeom prst="rect">
+            <a:avLst/>
+          </a:prstGeom>
+        </p:spPr>
+      </p:pic>
+      <p:pic>
+        <p:nvPicPr>
+          <p:cNvPr id="11" name="Grafik 10">
+            <a:extLst>
+              <a:ext uri="{FF2B5EF4-FFF2-40B4-BE49-F238E27FC236}">
+                <a16:creationId xmlns:a16="http://schemas.microsoft.com/office/drawing/2014/main" id="{7CBCFDE5-79E7-4CAA-B053-B3E8F201315C}"/>
+              </a:ext>
+            </a:extLst>
+          </p:cNvPr>
+          <p:cNvPicPr>
+            <a:picLocks noChangeAspect="1"/>
+          </p:cNvPicPr>
+          <p:nvPr/>
+        </p:nvPicPr>
+        <p:blipFill>
+          <a:blip r:embed="rId7"/>
+          <a:stretch>
+            <a:fillRect/>
+          </a:stretch>
+        </p:blipFill>
+        <p:spPr>
+          <a:xfrm>
+            <a:off x="1824146" y="1334977"/>
+            <a:ext cx="1160146" cy="1150663"/>
+          </a:xfrm>
+          <a:prstGeom prst="rect">
+            <a:avLst/>
+          </a:prstGeom>
+        </p:spPr>
+      </p:pic>
+      <p:pic>
+        <p:nvPicPr>
+          <p:cNvPr id="12" name="Grafik 11">
+            <a:extLst>
+              <a:ext uri="{FF2B5EF4-FFF2-40B4-BE49-F238E27FC236}">
+                <a16:creationId xmlns:a16="http://schemas.microsoft.com/office/drawing/2014/main" id="{8B2D3E38-CC26-45CD-8DA1-9A4C668CF273}"/>
+              </a:ext>
+            </a:extLst>
+          </p:cNvPr>
+          <p:cNvPicPr>
+            <a:picLocks noChangeAspect="1"/>
+          </p:cNvPicPr>
+          <p:nvPr/>
+        </p:nvPicPr>
+        <p:blipFill>
+          <a:blip r:embed="rId8"/>
+          <a:stretch>
+            <a:fillRect/>
+          </a:stretch>
+        </p:blipFill>
+        <p:spPr>
+          <a:xfrm>
+            <a:off x="1824146" y="2570200"/>
+            <a:ext cx="1160146" cy="1158664"/>
+          </a:xfrm>
+          <a:prstGeom prst="rect">
+            <a:avLst/>
+          </a:prstGeom>
+        </p:spPr>
+      </p:pic>
+      <p:pic>
+        <p:nvPicPr>
+          <p:cNvPr id="13" name="Grafik 12">
+            <a:extLst>
+              <a:ext uri="{FF2B5EF4-FFF2-40B4-BE49-F238E27FC236}">
+                <a16:creationId xmlns:a16="http://schemas.microsoft.com/office/drawing/2014/main" id="{F7BC6809-155C-4862-9D8F-7AE3661D23D1}"/>
+              </a:ext>
+            </a:extLst>
+          </p:cNvPr>
+          <p:cNvPicPr>
+            <a:picLocks noChangeAspect="1"/>
+          </p:cNvPicPr>
+          <p:nvPr/>
+        </p:nvPicPr>
+        <p:blipFill>
+          <a:blip r:embed="rId9"/>
+          <a:stretch>
+            <a:fillRect/>
+          </a:stretch>
+        </p:blipFill>
+        <p:spPr>
+          <a:xfrm>
+            <a:off x="1820623" y="3791717"/>
+            <a:ext cx="1170193" cy="1158664"/>
+          </a:xfrm>
+          <a:prstGeom prst="rect">
+            <a:avLst/>
+          </a:prstGeom>
+        </p:spPr>
+      </p:pic>
       <p:sp>
         <p:nvSpPr>
-          <p:cNvPr id="8" name="Titel 2">
+          <p:cNvPr id="14" name="Inhaltsplatzhalter 1">
             <a:extLst>
               <a:ext uri="{FF2B5EF4-FFF2-40B4-BE49-F238E27FC236}">
-                <a16:creationId xmlns:a16="http://schemas.microsoft.com/office/drawing/2014/main" id="{66D87E1D-CB52-40CC-9D1E-558B606176A6}"/>
+                <a16:creationId xmlns:a16="http://schemas.microsoft.com/office/drawing/2014/main" id="{BAD1377C-6FEB-4299-8103-BAD1E7CDCE48}"/>
               </a:ext>
             </a:extLst>
           </p:cNvPr>
@@ -11961,7 +13771,300 @@
         </p:nvSpPr>
         <p:spPr>
           <a:xfrm>
-            <a:off x="311162" y="878427"/>
+            <a:off x="311162" y="6179816"/>
+            <a:ext cx="2875933" cy="190585"/>
+          </a:xfrm>
+          <a:prstGeom prst="rect">
+            <a:avLst/>
+          </a:prstGeom>
+          <a:noFill/>
+          <a:ln w="9525">
+            <a:noFill/>
+            <a:miter lim="800000"/>
+            <a:headEnd/>
+            <a:tailEnd/>
+          </a:ln>
+        </p:spPr>
+        <p:txBody>
+          <a:bodyPr vert="horz" wrap="square" lIns="0" tIns="0" rIns="0" bIns="0" numCol="1" anchor="t" anchorCtr="0" compatLnSpc="1">
+            <a:prstTxWarp prst="textNoShape">
+              <a:avLst/>
+            </a:prstTxWarp>
+          </a:bodyPr>
+          <a:lstStyle>
+            <a:lvl1pPr algn="l" rtl="0" eaLnBrk="1" fontAlgn="base" hangingPunct="1">
+              <a:lnSpc>
+                <a:spcPct val="150000"/>
+              </a:lnSpc>
+              <a:spcBef>
+                <a:spcPct val="0"/>
+              </a:spcBef>
+              <a:spcAft>
+                <a:spcPct val="0"/>
+              </a:spcAft>
+              <a:defRPr lang="de-DE" sz="1600" kern="1200" baseline="0" noProof="0" dirty="0" smtClean="0">
+                <a:solidFill>
+                  <a:schemeClr val="tx1"/>
+                </a:solidFill>
+                <a:latin typeface="+mn-lt"/>
+                <a:ea typeface="+mn-ea"/>
+                <a:cs typeface="+mn-cs"/>
+              </a:defRPr>
+            </a:lvl1pPr>
+            <a:lvl2pPr marL="176213" indent="-176213" algn="l" rtl="0" eaLnBrk="1" fontAlgn="base" hangingPunct="1">
+              <a:lnSpc>
+                <a:spcPct val="100000"/>
+              </a:lnSpc>
+              <a:spcBef>
+                <a:spcPct val="0"/>
+              </a:spcBef>
+              <a:spcAft>
+                <a:spcPct val="0"/>
+              </a:spcAft>
+              <a:buFont typeface="Arial" charset="0"/>
+              <a:buChar char="•"/>
+              <a:defRPr lang="de-DE" sz="1600" kern="1200" noProof="0" dirty="0" smtClean="0">
+                <a:solidFill>
+                  <a:schemeClr val="tx1"/>
+                </a:solidFill>
+                <a:latin typeface="+mn-lt"/>
+                <a:ea typeface="+mn-ea"/>
+                <a:cs typeface="+mn-cs"/>
+              </a:defRPr>
+            </a:lvl2pPr>
+            <a:lvl3pPr marL="360363" indent="-184150" algn="l" rtl="0" eaLnBrk="1" fontAlgn="base" hangingPunct="1">
+              <a:lnSpc>
+                <a:spcPct val="125000"/>
+              </a:lnSpc>
+              <a:spcBef>
+                <a:spcPct val="0"/>
+              </a:spcBef>
+              <a:spcAft>
+                <a:spcPct val="0"/>
+              </a:spcAft>
+              <a:buFont typeface="Symbol" pitchFamily="18" charset="2"/>
+              <a:buChar char="-"/>
+              <a:defRPr sz="1400" kern="1200">
+                <a:solidFill>
+                  <a:schemeClr val="tx1"/>
+                </a:solidFill>
+                <a:latin typeface="+mn-lt"/>
+                <a:ea typeface="+mn-ea"/>
+                <a:cs typeface="+mn-cs"/>
+              </a:defRPr>
+            </a:lvl3pPr>
+            <a:lvl4pPr marL="538163" indent="-177800" algn="l" rtl="0" eaLnBrk="1" fontAlgn="base" hangingPunct="1">
+              <a:lnSpc>
+                <a:spcPct val="125000"/>
+              </a:lnSpc>
+              <a:spcBef>
+                <a:spcPct val="0"/>
+              </a:spcBef>
+              <a:spcAft>
+                <a:spcPct val="0"/>
+              </a:spcAft>
+              <a:buFont typeface="Symbol" pitchFamily="18" charset="2"/>
+              <a:buChar char="-"/>
+              <a:defRPr sz="1400" kern="1200">
+                <a:solidFill>
+                  <a:schemeClr val="tx1"/>
+                </a:solidFill>
+                <a:latin typeface="+mn-lt"/>
+                <a:ea typeface="+mn-ea"/>
+                <a:cs typeface="+mn-cs"/>
+              </a:defRPr>
+            </a:lvl4pPr>
+            <a:lvl5pPr marL="714375" indent="-176213" algn="l" rtl="0" eaLnBrk="1" fontAlgn="base" hangingPunct="1">
+              <a:lnSpc>
+                <a:spcPct val="125000"/>
+              </a:lnSpc>
+              <a:spcBef>
+                <a:spcPct val="0"/>
+              </a:spcBef>
+              <a:spcAft>
+                <a:spcPct val="0"/>
+              </a:spcAft>
+              <a:buFont typeface="Symbol" pitchFamily="18" charset="2"/>
+              <a:buChar char="-"/>
+              <a:defRPr sz="1400" kern="1200">
+                <a:solidFill>
+                  <a:schemeClr val="tx1"/>
+                </a:solidFill>
+                <a:latin typeface="+mn-lt"/>
+                <a:ea typeface="+mn-ea"/>
+                <a:cs typeface="+mn-cs"/>
+              </a:defRPr>
+            </a:lvl5pPr>
+            <a:lvl6pPr marL="2514600" indent="-228600" algn="l" defTabSz="914400" rtl="0" eaLnBrk="1" latinLnBrk="0" hangingPunct="1">
+              <a:spcBef>
+                <a:spcPct val="20000"/>
+              </a:spcBef>
+              <a:buFont typeface="Arial" pitchFamily="34" charset="0"/>
+              <a:buChar char="•"/>
+              <a:defRPr sz="2000" kern="1200">
+                <a:solidFill>
+                  <a:schemeClr val="tx1"/>
+                </a:solidFill>
+                <a:latin typeface="+mn-lt"/>
+                <a:ea typeface="+mn-ea"/>
+                <a:cs typeface="+mn-cs"/>
+              </a:defRPr>
+            </a:lvl6pPr>
+            <a:lvl7pPr marL="2971800" indent="-228600" algn="l" defTabSz="914400" rtl="0" eaLnBrk="1" latinLnBrk="0" hangingPunct="1">
+              <a:spcBef>
+                <a:spcPct val="20000"/>
+              </a:spcBef>
+              <a:buFont typeface="Arial" pitchFamily="34" charset="0"/>
+              <a:buChar char="•"/>
+              <a:defRPr sz="2000" kern="1200">
+                <a:solidFill>
+                  <a:schemeClr val="tx1"/>
+                </a:solidFill>
+                <a:latin typeface="+mn-lt"/>
+                <a:ea typeface="+mn-ea"/>
+                <a:cs typeface="+mn-cs"/>
+              </a:defRPr>
+            </a:lvl7pPr>
+            <a:lvl8pPr marL="3429000" indent="-228600" algn="l" defTabSz="914400" rtl="0" eaLnBrk="1" latinLnBrk="0" hangingPunct="1">
+              <a:spcBef>
+                <a:spcPct val="20000"/>
+              </a:spcBef>
+              <a:buFont typeface="Arial" pitchFamily="34" charset="0"/>
+              <a:buChar char="•"/>
+              <a:defRPr sz="2000" kern="1200">
+                <a:solidFill>
+                  <a:schemeClr val="tx1"/>
+                </a:solidFill>
+                <a:latin typeface="+mn-lt"/>
+                <a:ea typeface="+mn-ea"/>
+                <a:cs typeface="+mn-cs"/>
+              </a:defRPr>
+            </a:lvl8pPr>
+            <a:lvl9pPr marL="3886200" indent="-228600" algn="l" defTabSz="914400" rtl="0" eaLnBrk="1" latinLnBrk="0" hangingPunct="1">
+              <a:spcBef>
+                <a:spcPct val="20000"/>
+              </a:spcBef>
+              <a:buFont typeface="Arial" pitchFamily="34" charset="0"/>
+              <a:buChar char="•"/>
+              <a:defRPr sz="2000" kern="1200">
+                <a:solidFill>
+                  <a:schemeClr val="tx1"/>
+                </a:solidFill>
+                <a:latin typeface="+mn-lt"/>
+                <a:ea typeface="+mn-ea"/>
+                <a:cs typeface="+mn-cs"/>
+              </a:defRPr>
+            </a:lvl9pPr>
+          </a:lstStyle>
+          <a:p>
+            <a:r>
+              <a:rPr lang="de-DE" sz="600" dirty="0"/>
+              <a:t>Naiver Ansatz gegen Hilbert-Kurve, Video von 3Blue1Brown, </a:t>
+            </a:r>
+            <a:r>
+              <a:rPr lang="de-DE" sz="600" i="1" dirty="0" err="1"/>
+              <a:t>Is</a:t>
+            </a:r>
+            <a:r>
+              <a:rPr lang="de-DE" sz="600" i="1" dirty="0"/>
+              <a:t> infinite </a:t>
+            </a:r>
+            <a:r>
+              <a:rPr lang="de-DE" sz="600" i="1" dirty="0" err="1"/>
+              <a:t>math</a:t>
+            </a:r>
+            <a:r>
+              <a:rPr lang="de-DE" sz="600" i="1" dirty="0"/>
+              <a:t> </a:t>
+            </a:r>
+            <a:r>
+              <a:rPr lang="de-DE" sz="600" i="1" dirty="0" err="1"/>
+              <a:t>useful</a:t>
+            </a:r>
+            <a:r>
+              <a:rPr lang="de-DE" sz="600" i="1" dirty="0"/>
+              <a:t>?</a:t>
+            </a:r>
+          </a:p>
+        </p:txBody>
+      </p:sp>
+      <p:pic>
+        <p:nvPicPr>
+          <p:cNvPr id="15" name="Grafik 14">
+            <a:extLst>
+              <a:ext uri="{FF2B5EF4-FFF2-40B4-BE49-F238E27FC236}">
+                <a16:creationId xmlns:a16="http://schemas.microsoft.com/office/drawing/2014/main" id="{CB61A724-0DE7-4C5D-9F90-9E3210AD494C}"/>
+              </a:ext>
+            </a:extLst>
+          </p:cNvPr>
+          <p:cNvPicPr>
+            <a:picLocks noChangeAspect="1"/>
+          </p:cNvPicPr>
+          <p:nvPr/>
+        </p:nvPicPr>
+        <p:blipFill>
+          <a:blip r:embed="rId10"/>
+          <a:stretch>
+            <a:fillRect/>
+          </a:stretch>
+        </p:blipFill>
+        <p:spPr>
+          <a:xfrm>
+            <a:off x="1824146" y="5037331"/>
+            <a:ext cx="1160146" cy="1165826"/>
+          </a:xfrm>
+          <a:prstGeom prst="rect">
+            <a:avLst/>
+          </a:prstGeom>
+        </p:spPr>
+      </p:pic>
+      <p:pic>
+        <p:nvPicPr>
+          <p:cNvPr id="16" name="Grafik 15">
+            <a:extLst>
+              <a:ext uri="{FF2B5EF4-FFF2-40B4-BE49-F238E27FC236}">
+                <a16:creationId xmlns:a16="http://schemas.microsoft.com/office/drawing/2014/main" id="{E0E19E59-C82D-4BDC-9AE2-A511AC433497}"/>
+              </a:ext>
+            </a:extLst>
+          </p:cNvPr>
+          <p:cNvPicPr>
+            <a:picLocks noChangeAspect="1"/>
+          </p:cNvPicPr>
+          <p:nvPr/>
+        </p:nvPicPr>
+        <p:blipFill>
+          <a:blip r:embed="rId11"/>
+          <a:stretch>
+            <a:fillRect/>
+          </a:stretch>
+        </p:blipFill>
+        <p:spPr>
+          <a:xfrm>
+            <a:off x="451354" y="5028013"/>
+            <a:ext cx="1158729" cy="1160146"/>
+          </a:xfrm>
+          <a:prstGeom prst="rect">
+            <a:avLst/>
+          </a:prstGeom>
+        </p:spPr>
+      </p:pic>
+      <p:sp>
+        <p:nvSpPr>
+          <p:cNvPr id="18" name="Titel 2">
+            <a:extLst>
+              <a:ext uri="{FF2B5EF4-FFF2-40B4-BE49-F238E27FC236}">
+                <a16:creationId xmlns:a16="http://schemas.microsoft.com/office/drawing/2014/main" id="{5B07B3F1-61AF-4211-B560-E530AEF0B462}"/>
+              </a:ext>
+            </a:extLst>
+          </p:cNvPr>
+          <p:cNvSpPr txBox="1">
+            <a:spLocks/>
+          </p:cNvSpPr>
+          <p:nvPr/>
+        </p:nvSpPr>
+        <p:spPr>
+          <a:xfrm>
+            <a:off x="311162" y="878400"/>
             <a:ext cx="8508999" cy="410369"/>
           </a:xfrm>
           <a:prstGeom prst="rect">
@@ -12125,48 +14228,38 @@
           </a:lstStyle>
           <a:p>
             <a:r>
-              <a:rPr lang="en-US" sz="3200" dirty="0">
-                <a:solidFill>
-                  <a:schemeClr val="bg2">
+              <a:rPr lang="en-US" sz="3200" dirty="0" err="1">
+                <a:solidFill>
+                  <a:schemeClr val="accent1">
                     <a:lumMod val="75000"/>
                   </a:schemeClr>
                 </a:solidFill>
               </a:rPr>
-              <a:t>Motivation: </a:t>
-            </a:r>
-            <a:r>
-              <a:rPr lang="en-US" sz="3200" dirty="0" err="1">
-                <a:solidFill>
-                  <a:schemeClr val="bg2">
+              <a:t>Raumfüllende</a:t>
+            </a:r>
+            <a:r>
+              <a:rPr lang="en-US" sz="3200" dirty="0">
+                <a:solidFill>
+                  <a:schemeClr val="accent1">
                     <a:lumMod val="75000"/>
                   </a:schemeClr>
                 </a:solidFill>
               </a:rPr>
-              <a:t>Peano</a:t>
-            </a:r>
-            <a:r>
-              <a:rPr lang="en-US" sz="3200" dirty="0">
-                <a:solidFill>
-                  <a:schemeClr val="bg2">
+              <a:t> </a:t>
+            </a:r>
+            <a:r>
+              <a:rPr lang="en-US" sz="3200" dirty="0" err="1">
+                <a:solidFill>
+                  <a:schemeClr val="accent1">
                     <a:lumMod val="75000"/>
                   </a:schemeClr>
                 </a:solidFill>
               </a:rPr>
-              <a:t> </a:t>
-            </a:r>
-            <a:r>
-              <a:rPr lang="en-US" sz="3200" dirty="0" err="1">
-                <a:solidFill>
-                  <a:schemeClr val="bg2">
-                    <a:lumMod val="75000"/>
-                  </a:schemeClr>
-                </a:solidFill>
-              </a:rPr>
               <a:t>Kurven</a:t>
             </a:r>
             <a:endParaRPr lang="en-US" sz="3200" dirty="0">
               <a:solidFill>
-                <a:schemeClr val="bg2">
+                <a:schemeClr val="accent1">
                   <a:lumMod val="75000"/>
                 </a:schemeClr>
               </a:solidFill>
@@ -12174,42 +14267,12 @@
           </a:p>
         </p:txBody>
       </p:sp>
-      <p:pic>
-        <p:nvPicPr>
-          <p:cNvPr id="3" name="Picture 2" descr="Diagram&#10;&#10;Description automatically generated with low confidence">
+      <p:sp>
+        <p:nvSpPr>
+          <p:cNvPr id="24" name="Fußzeilenplatzhalter 4">
             <a:extLst>
               <a:ext uri="{FF2B5EF4-FFF2-40B4-BE49-F238E27FC236}">
-                <a16:creationId xmlns:a16="http://schemas.microsoft.com/office/drawing/2014/main" id="{7DF1AC57-45D7-4520-A778-C6A3E209B1DF}"/>
-              </a:ext>
-            </a:extLst>
-          </p:cNvPr>
-          <p:cNvPicPr>
-            <a:picLocks noChangeAspect="1"/>
-          </p:cNvPicPr>
-          <p:nvPr/>
-        </p:nvPicPr>
-        <p:blipFill>
-          <a:blip r:embed="rId2"/>
-          <a:stretch>
-            <a:fillRect/>
-          </a:stretch>
-        </p:blipFill>
-        <p:spPr>
-          <a:xfrm>
-            <a:off x="169559" y="2373994"/>
-            <a:ext cx="4764476" cy="2591622"/>
-          </a:xfrm>
-          <a:prstGeom prst="rect">
-            <a:avLst/>
-          </a:prstGeom>
-        </p:spPr>
-      </p:pic>
-      <p:sp>
-        <p:nvSpPr>
-          <p:cNvPr id="7" name="Fußzeilenplatzhalter 4">
-            <a:extLst>
-              <a:ext uri="{FF2B5EF4-FFF2-40B4-BE49-F238E27FC236}">
-                <a16:creationId xmlns:a16="http://schemas.microsoft.com/office/drawing/2014/main" id="{C3BD614B-76A3-450B-BEB9-8A340045349E}"/>
+                <a16:creationId xmlns:a16="http://schemas.microsoft.com/office/drawing/2014/main" id="{D7D903C5-7FA3-4DB5-B878-A86C6645B890}"/>
               </a:ext>
             </a:extLst>
           </p:cNvPr>
@@ -12373,15 +14436,11 @@
             </a:r>
             <a:r>
               <a:rPr lang="de-DE" sz="900" b="1" dirty="0"/>
-              <a:t>-Kurven (A214)		 </a:t>
+              <a:t>-Kurven (A214)	                          </a:t>
             </a:r>
             <a:r>
               <a:rPr lang="en-US" sz="1600" b="1" dirty="0"/>
-              <a:t>Thomas </a:t>
-            </a:r>
-            <a:r>
-              <a:rPr lang="en-US" sz="1600" b="1" dirty="0" err="1"/>
-              <a:t>Torggler</a:t>
+              <a:t>Thomas Torggler</a:t>
             </a:r>
             <a:endParaRPr lang="de-DE" sz="1600" b="1" dirty="0"/>
           </a:p>
@@ -12411,25 +14470,13 @@
     </p:spTree>
     <p:extLst>
       <p:ext uri="{BB962C8B-B14F-4D97-AF65-F5344CB8AC3E}">
-        <p14:creationId xmlns:p14="http://schemas.microsoft.com/office/powerpoint/2010/main" val="4072176880"/>
+        <p14:creationId xmlns:p14="http://schemas.microsoft.com/office/powerpoint/2010/main" val="2656542389"/>
       </p:ext>
     </p:extLst>
   </p:cSld>
   <p:clrMapOvr>
     <a:masterClrMapping/>
   </p:clrMapOvr>
-  <mc:AlternateContent xmlns:mc="http://schemas.openxmlformats.org/markup-compatibility/2006" xmlns:p14="http://schemas.microsoft.com/office/powerpoint/2010/main">
-    <mc:Choice Requires="p14">
-      <p:transition spd="med" p14:dur="700" advTm="82598">
-        <p:fade/>
-      </p:transition>
-    </mc:Choice>
-    <mc:Fallback xmlns="">
-      <p:transition spd="med" advTm="82598">
-        <p:fade/>
-      </p:transition>
-    </mc:Fallback>
-  </mc:AlternateContent>
 </p:sld>
 </file>
 
@@ -12452,10 +14499,10 @@
       </p:grpSpPr>
       <p:sp>
         <p:nvSpPr>
-          <p:cNvPr id="14" name="Content Placeholder 13">
+          <p:cNvPr id="2" name="Inhaltsplatzhalter 1">
             <a:extLst>
               <a:ext uri="{FF2B5EF4-FFF2-40B4-BE49-F238E27FC236}">
-                <a16:creationId xmlns:a16="http://schemas.microsoft.com/office/drawing/2014/main" id="{4F27CAB4-9F06-4A2C-924C-826960716AE6}"/>
+                <a16:creationId xmlns:a16="http://schemas.microsoft.com/office/drawing/2014/main" id="{41736A61-17C7-4A06-8397-B06905510137}"/>
               </a:ext>
             </a:extLst>
           </p:cNvPr>
@@ -12463,107 +14510,197 @@
             <a:spLocks noGrp="1"/>
           </p:cNvSpPr>
           <p:nvPr>
-            <p:ph idx="15"/>
+            <p:ph idx="10"/>
           </p:nvPr>
         </p:nvSpPr>
         <p:spPr>
           <a:xfrm>
-            <a:off x="260392" y="1925690"/>
-            <a:ext cx="8508999" cy="4523878"/>
+            <a:off x="3336758" y="2057400"/>
+            <a:ext cx="5050171" cy="3677654"/>
           </a:xfrm>
         </p:spPr>
         <p:txBody>
-          <a:bodyPr wrap="square" anchor="t">
-            <a:normAutofit/>
-          </a:bodyPr>
+          <a:bodyPr/>
           <a:lstStyle/>
           <a:p>
-            <a:pPr>
-              <a:spcAft>
-                <a:spcPts val="600"/>
-              </a:spcAft>
+            <a:endParaRPr lang="en-US" sz="2000" dirty="0"/>
+          </a:p>
+          <a:p>
+            <a:pPr marL="285750" indent="-285750">
+              <a:buFont typeface="Arial" panose="020B0604020202020204" pitchFamily="34" charset="0"/>
+              <a:buChar char="•"/>
             </a:pPr>
             <a:r>
-              <a:rPr lang="en-GB" dirty="0"/>
-              <a:t>•</a:t>
-            </a:r>
-          </a:p>
-          <a:p>
-            <a:pPr marL="457200" indent="-457200">
-              <a:spcAft>
-                <a:spcPts val="600"/>
-              </a:spcAft>
-              <a:buFont typeface="Courier New" panose="02070309020205020404" pitchFamily="49" charset="0"/>
-              <a:buChar char="o"/>
+              <a:rPr lang="en-US" sz="2400" dirty="0" err="1"/>
+              <a:t>Guiseppe</a:t>
+            </a:r>
+            <a:r>
+              <a:rPr lang="en-US" sz="2400" dirty="0"/>
+              <a:t> </a:t>
+            </a:r>
+            <a:r>
+              <a:rPr lang="en-US" sz="2400" dirty="0" err="1"/>
+              <a:t>Peano</a:t>
+            </a:r>
+            <a:r>
+              <a:rPr lang="en-US" sz="2400" dirty="0"/>
+              <a:t> (1858 – 1932)</a:t>
+            </a:r>
+          </a:p>
+          <a:p>
+            <a:endParaRPr lang="en-US" sz="2400" dirty="0"/>
+          </a:p>
+          <a:p>
+            <a:pPr marL="285750" indent="-285750">
+              <a:buFont typeface="Arial" panose="020B0604020202020204" pitchFamily="34" charset="0"/>
+              <a:buChar char="•"/>
             </a:pPr>
-            <a:endParaRPr lang="en-GB" dirty="0">
-              <a:solidFill>
-                <a:srgbClr val="FF0000"/>
-              </a:solidFill>
-            </a:endParaRPr>
+            <a:r>
+              <a:rPr lang="de-DE" sz="2400" dirty="0"/>
+              <a:t>Entworfen</a:t>
+            </a:r>
+            <a:r>
+              <a:rPr lang="en-US" sz="2400" dirty="0"/>
+              <a:t> 1890</a:t>
+            </a:r>
+          </a:p>
+          <a:p>
+            <a:endParaRPr lang="en-US" sz="2400" dirty="0"/>
           </a:p>
           <a:p>
             <a:pPr marL="285750" indent="-285750">
-              <a:spcAft>
-                <a:spcPts val="600"/>
-              </a:spcAft>
-              <a:buFont typeface="Courier New" panose="02070309020205020404" pitchFamily="49" charset="0"/>
-              <a:buChar char="o"/>
+              <a:buFont typeface="Arial" panose="020B0604020202020204" pitchFamily="34" charset="0"/>
+              <a:buChar char="•"/>
             </a:pPr>
-            <a:endParaRPr lang="en-US" dirty="0">
-              <a:solidFill>
-                <a:srgbClr val="FF0000"/>
-              </a:solidFill>
-            </a:endParaRPr>
+            <a:r>
+              <a:rPr lang="de-DE" sz="2400" dirty="0"/>
+              <a:t>Nachfolger</a:t>
+            </a:r>
+            <a:r>
+              <a:rPr lang="en-US" sz="2400" dirty="0"/>
+              <a:t>: Hilbert, Gosper etc.</a:t>
+            </a:r>
+            <a:endParaRPr lang="de-DE" sz="2400" dirty="0"/>
           </a:p>
         </p:txBody>
       </p:sp>
       <p:sp>
         <p:nvSpPr>
-          <p:cNvPr id="4" name="Foliennummernplatzhalter 3"/>
+          <p:cNvPr id="3" name="Foliennummernplatzhalter 2">
+            <a:extLst>
+              <a:ext uri="{FF2B5EF4-FFF2-40B4-BE49-F238E27FC236}">
+                <a16:creationId xmlns:a16="http://schemas.microsoft.com/office/drawing/2014/main" id="{A43F53DD-1A27-45CB-AB32-8D3B8B312E16}"/>
+              </a:ext>
+            </a:extLst>
+          </p:cNvPr>
           <p:cNvSpPr>
             <a:spLocks noGrp="1"/>
           </p:cNvSpPr>
           <p:nvPr>
-            <p:ph type="sldNum" sz="quarter" idx="16"/>
+            <p:ph type="sldNum" sz="quarter" idx="12"/>
           </p:nvPr>
         </p:nvSpPr>
-        <p:spPr>
-          <a:xfrm>
-            <a:off x="6774934" y="6473313"/>
-            <a:ext cx="2052074" cy="365125"/>
-          </a:xfrm>
-        </p:spPr>
+        <p:spPr/>
         <p:txBody>
-          <a:bodyPr anchor="ctr">
-            <a:normAutofit/>
-          </a:bodyPr>
+          <a:bodyPr/>
           <a:lstStyle/>
           <a:p>
-            <a:pPr>
-              <a:spcAft>
-                <a:spcPts val="600"/>
-              </a:spcAft>
-            </a:pPr>
             <a:fld id="{CE58CB1E-F828-4F11-99E0-327109AF9DA4}" type="slidenum">
               <a:rPr lang="de-DE" smtClean="0"/>
-              <a:pPr>
-                <a:spcAft>
-                  <a:spcPts val="600"/>
-                </a:spcAft>
-              </a:pPr>
+              <a:pPr/>
               <a:t>3</a:t>
             </a:fld>
             <a:endParaRPr lang="de-DE" dirty="0"/>
           </a:p>
         </p:txBody>
       </p:sp>
+      <mc:AlternateContent xmlns:mc="http://schemas.openxmlformats.org/markup-compatibility/2006" xmlns:p14="http://schemas.microsoft.com/office/powerpoint/2010/main">
+        <mc:Choice Requires="p14">
+          <p:contentPart p14:bwMode="auto" r:id="rId2">
+            <p14:nvContentPartPr>
+              <p14:cNvPr id="5" name="Freihand 4">
+                <a:extLst>
+                  <a:ext uri="{FF2B5EF4-FFF2-40B4-BE49-F238E27FC236}">
+                    <a16:creationId xmlns:a16="http://schemas.microsoft.com/office/drawing/2014/main" id="{A78E1C10-1A33-45EA-9ABE-1ABA5766D68D}"/>
+                  </a:ext>
+                </a:extLst>
+              </p14:cNvPr>
+              <p14:cNvContentPartPr/>
+              <p14:nvPr/>
+            </p14:nvContentPartPr>
+            <p14:xfrm>
+              <a:off x="4676084" y="3657581"/>
+              <a:ext cx="360" cy="360"/>
+            </p14:xfrm>
+          </p:contentPart>
+        </mc:Choice>
+        <mc:Fallback xmlns="">
+          <p:pic>
+            <p:nvPicPr>
+              <p:cNvPr id="5" name="Freihand 4">
+                <a:extLst>
+                  <a:ext uri="{FF2B5EF4-FFF2-40B4-BE49-F238E27FC236}">
+                    <a16:creationId xmlns:a16="http://schemas.microsoft.com/office/drawing/2014/main" id="{A78E1C10-1A33-45EA-9ABE-1ABA5766D68D}"/>
+                  </a:ext>
+                </a:extLst>
+              </p:cNvPr>
+              <p:cNvPicPr/>
+              <p:nvPr/>
+            </p:nvPicPr>
+            <p:blipFill>
+              <a:blip r:embed="rId3"/>
+              <a:stretch>
+                <a:fillRect/>
+              </a:stretch>
+            </p:blipFill>
+            <p:spPr>
+              <a:xfrm>
+                <a:off x="4667084" y="3648581"/>
+                <a:ext cx="18000" cy="18000"/>
+              </a:xfrm>
+              <a:prstGeom prst="rect">
+                <a:avLst/>
+              </a:prstGeom>
+            </p:spPr>
+          </p:pic>
+        </mc:Fallback>
+      </mc:AlternateContent>
+      <p:pic>
+        <p:nvPicPr>
+          <p:cNvPr id="7" name="Grafik 6" descr="Ein Bild, das Text, Person, darstellend enthält.&#10;&#10;Automatisch generierte Beschreibung">
+            <a:extLst>
+              <a:ext uri="{FF2B5EF4-FFF2-40B4-BE49-F238E27FC236}">
+                <a16:creationId xmlns:a16="http://schemas.microsoft.com/office/drawing/2014/main" id="{2FE696D2-4A66-49F8-A7FB-26ABFE5B4D72}"/>
+              </a:ext>
+            </a:extLst>
+          </p:cNvPr>
+          <p:cNvPicPr>
+            <a:picLocks noChangeAspect="1"/>
+          </p:cNvPicPr>
+          <p:nvPr/>
+        </p:nvPicPr>
+        <p:blipFill>
+          <a:blip r:embed="rId4"/>
+          <a:stretch>
+            <a:fillRect/>
+          </a:stretch>
+        </p:blipFill>
+        <p:spPr>
+          <a:xfrm>
+            <a:off x="460107" y="2057400"/>
+            <a:ext cx="2576322" cy="3733800"/>
+          </a:xfrm>
+          <a:prstGeom prst="rect">
+            <a:avLst/>
+          </a:prstGeom>
+        </p:spPr>
+      </p:pic>
       <p:sp>
         <p:nvSpPr>
-          <p:cNvPr id="8" name="Titel 2">
+          <p:cNvPr id="8" name="Inhaltsplatzhalter 1">
             <a:extLst>
               <a:ext uri="{FF2B5EF4-FFF2-40B4-BE49-F238E27FC236}">
-                <a16:creationId xmlns:a16="http://schemas.microsoft.com/office/drawing/2014/main" id="{66D87E1D-CB52-40CC-9D1E-558B606176A6}"/>
+                <a16:creationId xmlns:a16="http://schemas.microsoft.com/office/drawing/2014/main" id="{9112852C-E2E8-4BC8-A7C7-55C810948ED2}"/>
               </a:ext>
             </a:extLst>
           </p:cNvPr>
@@ -12574,7 +14711,239 @@
         </p:nvSpPr>
         <p:spPr>
           <a:xfrm>
-            <a:off x="311162" y="878427"/>
+            <a:off x="460108" y="5843578"/>
+            <a:ext cx="3325829" cy="410369"/>
+          </a:xfrm>
+          <a:prstGeom prst="rect">
+            <a:avLst/>
+          </a:prstGeom>
+          <a:noFill/>
+          <a:ln w="9525">
+            <a:noFill/>
+            <a:miter lim="800000"/>
+            <a:headEnd/>
+            <a:tailEnd/>
+          </a:ln>
+        </p:spPr>
+        <p:txBody>
+          <a:bodyPr vert="horz" wrap="square" lIns="0" tIns="0" rIns="0" bIns="0" numCol="1" anchor="t" anchorCtr="0" compatLnSpc="1">
+            <a:prstTxWarp prst="textNoShape">
+              <a:avLst/>
+            </a:prstTxWarp>
+          </a:bodyPr>
+          <a:lstStyle>
+            <a:lvl1pPr algn="l" rtl="0" eaLnBrk="1" fontAlgn="base" hangingPunct="1">
+              <a:lnSpc>
+                <a:spcPct val="150000"/>
+              </a:lnSpc>
+              <a:spcBef>
+                <a:spcPct val="0"/>
+              </a:spcBef>
+              <a:spcAft>
+                <a:spcPct val="0"/>
+              </a:spcAft>
+              <a:defRPr lang="de-DE" sz="1600" kern="1200" baseline="0" noProof="0" dirty="0" smtClean="0">
+                <a:solidFill>
+                  <a:schemeClr val="tx1"/>
+                </a:solidFill>
+                <a:latin typeface="+mn-lt"/>
+                <a:ea typeface="+mn-ea"/>
+                <a:cs typeface="+mn-cs"/>
+              </a:defRPr>
+            </a:lvl1pPr>
+            <a:lvl2pPr marL="176213" indent="-176213" algn="l" rtl="0" eaLnBrk="1" fontAlgn="base" hangingPunct="1">
+              <a:lnSpc>
+                <a:spcPct val="100000"/>
+              </a:lnSpc>
+              <a:spcBef>
+                <a:spcPct val="0"/>
+              </a:spcBef>
+              <a:spcAft>
+                <a:spcPct val="0"/>
+              </a:spcAft>
+              <a:buFont typeface="Arial" charset="0"/>
+              <a:buChar char="•"/>
+              <a:defRPr lang="de-DE" sz="1600" kern="1200" noProof="0" dirty="0" smtClean="0">
+                <a:solidFill>
+                  <a:schemeClr val="tx1"/>
+                </a:solidFill>
+                <a:latin typeface="+mn-lt"/>
+                <a:ea typeface="+mn-ea"/>
+                <a:cs typeface="+mn-cs"/>
+              </a:defRPr>
+            </a:lvl2pPr>
+            <a:lvl3pPr marL="360363" indent="-184150" algn="l" rtl="0" eaLnBrk="1" fontAlgn="base" hangingPunct="1">
+              <a:lnSpc>
+                <a:spcPct val="125000"/>
+              </a:lnSpc>
+              <a:spcBef>
+                <a:spcPct val="0"/>
+              </a:spcBef>
+              <a:spcAft>
+                <a:spcPct val="0"/>
+              </a:spcAft>
+              <a:buFont typeface="Symbol" pitchFamily="18" charset="2"/>
+              <a:buChar char="-"/>
+              <a:defRPr sz="1400" kern="1200">
+                <a:solidFill>
+                  <a:schemeClr val="tx1"/>
+                </a:solidFill>
+                <a:latin typeface="+mn-lt"/>
+                <a:ea typeface="+mn-ea"/>
+                <a:cs typeface="+mn-cs"/>
+              </a:defRPr>
+            </a:lvl3pPr>
+            <a:lvl4pPr marL="538163" indent="-177800" algn="l" rtl="0" eaLnBrk="1" fontAlgn="base" hangingPunct="1">
+              <a:lnSpc>
+                <a:spcPct val="125000"/>
+              </a:lnSpc>
+              <a:spcBef>
+                <a:spcPct val="0"/>
+              </a:spcBef>
+              <a:spcAft>
+                <a:spcPct val="0"/>
+              </a:spcAft>
+              <a:buFont typeface="Symbol" pitchFamily="18" charset="2"/>
+              <a:buChar char="-"/>
+              <a:defRPr sz="1400" kern="1200">
+                <a:solidFill>
+                  <a:schemeClr val="tx1"/>
+                </a:solidFill>
+                <a:latin typeface="+mn-lt"/>
+                <a:ea typeface="+mn-ea"/>
+                <a:cs typeface="+mn-cs"/>
+              </a:defRPr>
+            </a:lvl4pPr>
+            <a:lvl5pPr marL="714375" indent="-176213" algn="l" rtl="0" eaLnBrk="1" fontAlgn="base" hangingPunct="1">
+              <a:lnSpc>
+                <a:spcPct val="125000"/>
+              </a:lnSpc>
+              <a:spcBef>
+                <a:spcPct val="0"/>
+              </a:spcBef>
+              <a:spcAft>
+                <a:spcPct val="0"/>
+              </a:spcAft>
+              <a:buFont typeface="Symbol" pitchFamily="18" charset="2"/>
+              <a:buChar char="-"/>
+              <a:defRPr sz="1400" kern="1200">
+                <a:solidFill>
+                  <a:schemeClr val="tx1"/>
+                </a:solidFill>
+                <a:latin typeface="+mn-lt"/>
+                <a:ea typeface="+mn-ea"/>
+                <a:cs typeface="+mn-cs"/>
+              </a:defRPr>
+            </a:lvl5pPr>
+            <a:lvl6pPr marL="2514600" indent="-228600" algn="l" defTabSz="914400" rtl="0" eaLnBrk="1" latinLnBrk="0" hangingPunct="1">
+              <a:spcBef>
+                <a:spcPct val="20000"/>
+              </a:spcBef>
+              <a:buFont typeface="Arial" pitchFamily="34" charset="0"/>
+              <a:buChar char="•"/>
+              <a:defRPr sz="2000" kern="1200">
+                <a:solidFill>
+                  <a:schemeClr val="tx1"/>
+                </a:solidFill>
+                <a:latin typeface="+mn-lt"/>
+                <a:ea typeface="+mn-ea"/>
+                <a:cs typeface="+mn-cs"/>
+              </a:defRPr>
+            </a:lvl6pPr>
+            <a:lvl7pPr marL="2971800" indent="-228600" algn="l" defTabSz="914400" rtl="0" eaLnBrk="1" latinLnBrk="0" hangingPunct="1">
+              <a:spcBef>
+                <a:spcPct val="20000"/>
+              </a:spcBef>
+              <a:buFont typeface="Arial" pitchFamily="34" charset="0"/>
+              <a:buChar char="•"/>
+              <a:defRPr sz="2000" kern="1200">
+                <a:solidFill>
+                  <a:schemeClr val="tx1"/>
+                </a:solidFill>
+                <a:latin typeface="+mn-lt"/>
+                <a:ea typeface="+mn-ea"/>
+                <a:cs typeface="+mn-cs"/>
+              </a:defRPr>
+            </a:lvl7pPr>
+            <a:lvl8pPr marL="3429000" indent="-228600" algn="l" defTabSz="914400" rtl="0" eaLnBrk="1" latinLnBrk="0" hangingPunct="1">
+              <a:spcBef>
+                <a:spcPct val="20000"/>
+              </a:spcBef>
+              <a:buFont typeface="Arial" pitchFamily="34" charset="0"/>
+              <a:buChar char="•"/>
+              <a:defRPr sz="2000" kern="1200">
+                <a:solidFill>
+                  <a:schemeClr val="tx1"/>
+                </a:solidFill>
+                <a:latin typeface="+mn-lt"/>
+                <a:ea typeface="+mn-ea"/>
+                <a:cs typeface="+mn-cs"/>
+              </a:defRPr>
+            </a:lvl8pPr>
+            <a:lvl9pPr marL="3886200" indent="-228600" algn="l" defTabSz="914400" rtl="0" eaLnBrk="1" latinLnBrk="0" hangingPunct="1">
+              <a:spcBef>
+                <a:spcPct val="20000"/>
+              </a:spcBef>
+              <a:buFont typeface="Arial" pitchFamily="34" charset="0"/>
+              <a:buChar char="•"/>
+              <a:defRPr sz="2000" kern="1200">
+                <a:solidFill>
+                  <a:schemeClr val="tx1"/>
+                </a:solidFill>
+                <a:latin typeface="+mn-lt"/>
+                <a:ea typeface="+mn-ea"/>
+                <a:cs typeface="+mn-cs"/>
+              </a:defRPr>
+            </a:lvl9pPr>
+          </a:lstStyle>
+          <a:p>
+            <a:r>
+              <a:rPr lang="de-DE" sz="600" dirty="0"/>
+              <a:t>Guiseppe </a:t>
+            </a:r>
+            <a:r>
+              <a:rPr lang="de-DE" sz="600" dirty="0" err="1"/>
+              <a:t>Peano</a:t>
+            </a:r>
+            <a:r>
+              <a:rPr lang="de-DE" sz="600" dirty="0"/>
+              <a:t>,</a:t>
+            </a:r>
+          </a:p>
+          <a:p>
+            <a:r>
+              <a:rPr lang="de-DE" sz="600" dirty="0"/>
+              <a:t>https://www.amoilibri23.com/il-20-aprile-del-1932-moriva-a-cavoretto-giuseppe-peano,</a:t>
+            </a:r>
+          </a:p>
+          <a:p>
+            <a:r>
+              <a:rPr lang="de-DE" sz="600" dirty="0"/>
+              <a:t>15.02.2021</a:t>
+            </a:r>
+          </a:p>
+          <a:p>
+            <a:endParaRPr lang="de-DE" sz="600" dirty="0"/>
+          </a:p>
+        </p:txBody>
+      </p:sp>
+      <p:sp>
+        <p:nvSpPr>
+          <p:cNvPr id="11" name="Titel 2">
+            <a:extLst>
+              <a:ext uri="{FF2B5EF4-FFF2-40B4-BE49-F238E27FC236}">
+                <a16:creationId xmlns:a16="http://schemas.microsoft.com/office/drawing/2014/main" id="{9F7689F4-2E90-44E3-8891-987169C718EE}"/>
+              </a:ext>
+            </a:extLst>
+          </p:cNvPr>
+          <p:cNvSpPr txBox="1">
+            <a:spLocks/>
+          </p:cNvSpPr>
+          <p:nvPr/>
+        </p:nvSpPr>
+        <p:spPr>
+          <a:xfrm>
+            <a:off x="311162" y="878400"/>
             <a:ext cx="8508999" cy="410369"/>
           </a:xfrm>
           <a:prstGeom prst="rect">
@@ -12738,44 +15107,31 @@
           </a:lstStyle>
           <a:p>
             <a:r>
-              <a:rPr lang="en-US" sz="3200" dirty="0">
-                <a:solidFill>
-                  <a:schemeClr val="bg2">
+              <a:rPr lang="en-US" sz="3200" dirty="0" err="1">
+                <a:solidFill>
+                  <a:schemeClr val="accent1">
                     <a:lumMod val="75000"/>
                   </a:schemeClr>
                 </a:solidFill>
               </a:rPr>
-              <a:t>Motivation: </a:t>
-            </a:r>
-            <a:r>
-              <a:rPr lang="en-US" sz="3200" dirty="0" err="1">
-                <a:solidFill>
-                  <a:schemeClr val="bg2">
-                    <a:lumMod val="75000"/>
-                  </a:schemeClr>
-                </a:solidFill>
-              </a:rPr>
-              <a:t>Beispiel</a:t>
-            </a:r>
-            <a:r>
-              <a:rPr lang="en-US" sz="3200" dirty="0">
-                <a:solidFill>
-                  <a:schemeClr val="bg2">
-                    <a:lumMod val="75000"/>
-                  </a:schemeClr>
-                </a:solidFill>
-              </a:rPr>
-              <a:t> des Ansatzes </a:t>
-            </a:r>
+              <a:t>Geschichte</a:t>
+            </a:r>
+            <a:endParaRPr lang="en-US" sz="3200" dirty="0">
+              <a:solidFill>
+                <a:schemeClr val="accent1">
+                  <a:lumMod val="75000"/>
+                </a:schemeClr>
+              </a:solidFill>
+            </a:endParaRPr>
           </a:p>
         </p:txBody>
       </p:sp>
       <p:sp>
         <p:nvSpPr>
-          <p:cNvPr id="5" name="Fußzeilenplatzhalter 4">
+          <p:cNvPr id="12" name="Fußzeilenplatzhalter 4">
             <a:extLst>
               <a:ext uri="{FF2B5EF4-FFF2-40B4-BE49-F238E27FC236}">
-                <a16:creationId xmlns:a16="http://schemas.microsoft.com/office/drawing/2014/main" id="{B15D540A-76FB-4324-8830-DA84688E5EF4}"/>
+                <a16:creationId xmlns:a16="http://schemas.microsoft.com/office/drawing/2014/main" id="{E8351A26-0032-45B0-8A25-2354113292B8}"/>
               </a:ext>
             </a:extLst>
           </p:cNvPr>
@@ -12939,15 +15295,11 @@
             </a:r>
             <a:r>
               <a:rPr lang="de-DE" sz="900" b="1" dirty="0"/>
-              <a:t>-Kurven (A214)		 </a:t>
+              <a:t>-Kurven (A214)	                          </a:t>
             </a:r>
             <a:r>
               <a:rPr lang="en-US" sz="1600" b="1" dirty="0"/>
-              <a:t>Thomas </a:t>
-            </a:r>
-            <a:r>
-              <a:rPr lang="en-US" sz="1600" b="1" dirty="0" err="1"/>
-              <a:t>Torggler</a:t>
+              <a:t>Thomas Torggler</a:t>
             </a:r>
             <a:endParaRPr lang="de-DE" sz="1600" b="1" dirty="0"/>
           </a:p>
@@ -12977,25 +15329,13 @@
     </p:spTree>
     <p:extLst>
       <p:ext uri="{BB962C8B-B14F-4D97-AF65-F5344CB8AC3E}">
-        <p14:creationId xmlns:p14="http://schemas.microsoft.com/office/powerpoint/2010/main" val="702018694"/>
+        <p14:creationId xmlns:p14="http://schemas.microsoft.com/office/powerpoint/2010/main" val="2541971640"/>
       </p:ext>
     </p:extLst>
   </p:cSld>
   <p:clrMapOvr>
     <a:masterClrMapping/>
   </p:clrMapOvr>
-  <mc:AlternateContent xmlns:mc="http://schemas.openxmlformats.org/markup-compatibility/2006" xmlns:p14="http://schemas.microsoft.com/office/powerpoint/2010/main">
-    <mc:Choice Requires="p14">
-      <p:transition spd="med" p14:dur="700" advTm="82598">
-        <p:fade/>
-      </p:transition>
-    </mc:Choice>
-    <mc:Fallback xmlns="">
-      <p:transition spd="med" advTm="82598">
-        <p:fade/>
-      </p:transition>
-    </mc:Fallback>
-  </mc:AlternateContent>
 </p:sld>
 </file>
 
@@ -13034,8 +15374,8 @@
         </p:nvSpPr>
         <p:spPr>
           <a:xfrm>
-            <a:off x="260392" y="1925690"/>
-            <a:ext cx="8508999" cy="4523878"/>
+            <a:off x="4707657" y="2622884"/>
+            <a:ext cx="3972802" cy="2133601"/>
           </a:xfrm>
         </p:spPr>
         <p:txBody>
@@ -13049,10 +15389,79 @@
                 <a:spcPts val="600"/>
               </a:spcAft>
             </a:pPr>
-            <a:r>
-              <a:rPr lang="en-GB" dirty="0"/>
-              <a:t>•</a:t>
-            </a:r>
+            <a:endParaRPr lang="en-GB" dirty="0"/>
+          </a:p>
+          <a:p>
+            <a:pPr marL="342900" indent="-342900">
+              <a:spcAft>
+                <a:spcPts val="600"/>
+              </a:spcAft>
+              <a:buFont typeface="Arial" panose="020B0604020202020204" pitchFamily="34" charset="0"/>
+              <a:buChar char="•"/>
+            </a:pPr>
+            <a:r>
+              <a:rPr lang="en-GB" sz="2400" dirty="0" err="1"/>
+              <a:t>Fläche</a:t>
+            </a:r>
+            <a:r>
+              <a:rPr lang="en-GB" sz="2400" dirty="0"/>
+              <a:t> </a:t>
+            </a:r>
+            <a:r>
+              <a:rPr lang="en-GB" sz="2400" dirty="0" err="1"/>
+              <a:t>aufteilen</a:t>
+            </a:r>
+            <a:endParaRPr lang="en-GB" sz="2400" dirty="0"/>
+          </a:p>
+          <a:p>
+            <a:pPr marL="342900" indent="-342900">
+              <a:spcAft>
+                <a:spcPts val="600"/>
+              </a:spcAft>
+              <a:buFont typeface="Arial" panose="020B0604020202020204" pitchFamily="34" charset="0"/>
+              <a:buChar char="•"/>
+            </a:pPr>
+            <a:endParaRPr lang="en-GB" sz="2400" dirty="0"/>
+          </a:p>
+          <a:p>
+            <a:pPr marL="342900" indent="-342900">
+              <a:spcAft>
+                <a:spcPts val="600"/>
+              </a:spcAft>
+              <a:buFont typeface="Arial" panose="020B0604020202020204" pitchFamily="34" charset="0"/>
+              <a:buChar char="•"/>
+            </a:pPr>
+            <a:r>
+              <a:rPr lang="en-GB" sz="2400" dirty="0" err="1"/>
+              <a:t>Kurve</a:t>
+            </a:r>
+            <a:r>
+              <a:rPr lang="en-GB" sz="2400" dirty="0"/>
+              <a:t> </a:t>
+            </a:r>
+            <a:r>
+              <a:rPr lang="en-GB" sz="2400" dirty="0" err="1"/>
+              <a:t>zeichnen</a:t>
+            </a:r>
+            <a:endParaRPr lang="en-GB" sz="2400" dirty="0"/>
+          </a:p>
+          <a:p>
+            <a:pPr>
+              <a:spcAft>
+                <a:spcPts val="600"/>
+              </a:spcAft>
+            </a:pPr>
+            <a:endParaRPr lang="en-GB" sz="2400" dirty="0"/>
+          </a:p>
+          <a:p>
+            <a:pPr marL="342900" indent="-342900">
+              <a:spcAft>
+                <a:spcPts val="600"/>
+              </a:spcAft>
+              <a:buFont typeface="Arial" panose="020B0604020202020204" pitchFamily="34" charset="0"/>
+              <a:buChar char="•"/>
+            </a:pPr>
+            <a:endParaRPr lang="en-GB" sz="2400" dirty="0"/>
           </a:p>
           <a:p>
             <a:pPr marL="457200" indent="-457200">
@@ -13124,12 +15533,132 @@
           </a:p>
         </p:txBody>
       </p:sp>
+      <p:pic>
+        <p:nvPicPr>
+          <p:cNvPr id="7" name="Grafik 6">
+            <a:extLst>
+              <a:ext uri="{FF2B5EF4-FFF2-40B4-BE49-F238E27FC236}">
+                <a16:creationId xmlns:a16="http://schemas.microsoft.com/office/drawing/2014/main" id="{69ADE22D-F58C-49D2-B40E-A0B4EEF229C5}"/>
+              </a:ext>
+            </a:extLst>
+          </p:cNvPr>
+          <p:cNvPicPr>
+            <a:picLocks noChangeAspect="1"/>
+          </p:cNvPicPr>
+          <p:nvPr/>
+        </p:nvPicPr>
+        <p:blipFill>
+          <a:blip r:embed="rId2"/>
+          <a:stretch>
+            <a:fillRect/>
+          </a:stretch>
+        </p:blipFill>
+        <p:spPr>
+          <a:xfrm>
+            <a:off x="463541" y="2089805"/>
+            <a:ext cx="4114800" cy="4114800"/>
+          </a:xfrm>
+          <a:prstGeom prst="rect">
+            <a:avLst/>
+          </a:prstGeom>
+        </p:spPr>
+      </p:pic>
+      <p:pic>
+        <p:nvPicPr>
+          <p:cNvPr id="5" name="Grafik 4">
+            <a:extLst>
+              <a:ext uri="{FF2B5EF4-FFF2-40B4-BE49-F238E27FC236}">
+                <a16:creationId xmlns:a16="http://schemas.microsoft.com/office/drawing/2014/main" id="{F4C03D37-9E44-4B91-94EA-F1FE6751F823}"/>
+              </a:ext>
+            </a:extLst>
+          </p:cNvPr>
+          <p:cNvPicPr>
+            <a:picLocks noChangeAspect="1"/>
+          </p:cNvPicPr>
+          <p:nvPr/>
+        </p:nvPicPr>
+        <p:blipFill>
+          <a:blip r:embed="rId3"/>
+          <a:stretch>
+            <a:fillRect/>
+          </a:stretch>
+        </p:blipFill>
+        <p:spPr>
+          <a:xfrm>
+            <a:off x="463541" y="2089804"/>
+            <a:ext cx="4114800" cy="4114800"/>
+          </a:xfrm>
+          <a:prstGeom prst="rect">
+            <a:avLst/>
+          </a:prstGeom>
+        </p:spPr>
+      </p:pic>
+      <p:pic>
+        <p:nvPicPr>
+          <p:cNvPr id="9" name="Grafik 8">
+            <a:extLst>
+              <a:ext uri="{FF2B5EF4-FFF2-40B4-BE49-F238E27FC236}">
+                <a16:creationId xmlns:a16="http://schemas.microsoft.com/office/drawing/2014/main" id="{F3001C09-D178-4D1D-B343-F724962672D8}"/>
+              </a:ext>
+            </a:extLst>
+          </p:cNvPr>
+          <p:cNvPicPr>
+            <a:picLocks noChangeAspect="1"/>
+          </p:cNvPicPr>
+          <p:nvPr/>
+        </p:nvPicPr>
+        <p:blipFill>
+          <a:blip r:embed="rId4"/>
+          <a:stretch>
+            <a:fillRect/>
+          </a:stretch>
+        </p:blipFill>
+        <p:spPr>
+          <a:xfrm>
+            <a:off x="463541" y="2089803"/>
+            <a:ext cx="4114800" cy="4114800"/>
+          </a:xfrm>
+          <a:prstGeom prst="rect">
+            <a:avLst/>
+          </a:prstGeom>
+        </p:spPr>
+      </p:pic>
+      <p:pic>
+        <p:nvPicPr>
+          <p:cNvPr id="6" name="Grafik 5">
+            <a:extLst>
+              <a:ext uri="{FF2B5EF4-FFF2-40B4-BE49-F238E27FC236}">
+                <a16:creationId xmlns:a16="http://schemas.microsoft.com/office/drawing/2014/main" id="{8910694B-301A-48C0-905F-9E71AA6D4ABF}"/>
+              </a:ext>
+            </a:extLst>
+          </p:cNvPr>
+          <p:cNvPicPr>
+            <a:picLocks noChangeAspect="1"/>
+          </p:cNvPicPr>
+          <p:nvPr/>
+        </p:nvPicPr>
+        <p:blipFill>
+          <a:blip r:embed="rId5"/>
+          <a:stretch>
+            <a:fillRect/>
+          </a:stretch>
+        </p:blipFill>
+        <p:spPr>
+          <a:xfrm>
+            <a:off x="463541" y="2089802"/>
+            <a:ext cx="4114800" cy="4114800"/>
+          </a:xfrm>
+          <a:prstGeom prst="rect">
+            <a:avLst/>
+          </a:prstGeom>
+        </p:spPr>
+      </p:pic>
       <p:sp>
         <p:nvSpPr>
-          <p:cNvPr id="8" name="Titel 2">
+          <p:cNvPr id="10" name="Titel 2">
             <a:extLst>
               <a:ext uri="{FF2B5EF4-FFF2-40B4-BE49-F238E27FC236}">
-                <a16:creationId xmlns:a16="http://schemas.microsoft.com/office/drawing/2014/main" id="{66D87E1D-CB52-40CC-9D1E-558B606176A6}"/>
+                <a16:creationId xmlns:a16="http://schemas.microsoft.com/office/drawing/2014/main" id="{04F4BBF9-4D3E-4C84-8D20-3C5F8EA53CA0}"/>
               </a:ext>
             </a:extLst>
           </p:cNvPr>
@@ -13140,7 +15669,7 @@
         </p:nvSpPr>
         <p:spPr>
           <a:xfrm>
-            <a:off x="311162" y="878427"/>
+            <a:off x="311162" y="878400"/>
             <a:ext cx="8508999" cy="410369"/>
           </a:xfrm>
           <a:prstGeom prst="rect">
@@ -13304,24 +15833,31 @@
           </a:lstStyle>
           <a:p>
             <a:r>
-              <a:rPr lang="en-US" sz="3200" dirty="0">
-                <a:solidFill>
-                  <a:schemeClr val="bg2">
+              <a:rPr lang="en-US" sz="3200" dirty="0" err="1">
+                <a:solidFill>
+                  <a:schemeClr val="accent1">
                     <a:lumMod val="75000"/>
                   </a:schemeClr>
                 </a:solidFill>
               </a:rPr>
-              <a:t>Motivation: Aufgabe</a:t>
-            </a:r>
+              <a:t>Struktur</a:t>
+            </a:r>
+            <a:endParaRPr lang="en-US" sz="3200" dirty="0">
+              <a:solidFill>
+                <a:schemeClr val="accent1">
+                  <a:lumMod val="75000"/>
+                </a:schemeClr>
+              </a:solidFill>
+            </a:endParaRPr>
           </a:p>
         </p:txBody>
       </p:sp>
       <p:sp>
         <p:nvSpPr>
-          <p:cNvPr id="5" name="Fußzeilenplatzhalter 4">
+          <p:cNvPr id="12" name="Fußzeilenplatzhalter 4">
             <a:extLst>
               <a:ext uri="{FF2B5EF4-FFF2-40B4-BE49-F238E27FC236}">
-                <a16:creationId xmlns:a16="http://schemas.microsoft.com/office/drawing/2014/main" id="{0669DAC8-0629-4919-9127-A8D198CB7618}"/>
+                <a16:creationId xmlns:a16="http://schemas.microsoft.com/office/drawing/2014/main" id="{1A71B663-46ED-4BE8-A90E-7AA85A82F7C8}"/>
               </a:ext>
             </a:extLst>
           </p:cNvPr>
@@ -13485,15 +16021,933 @@
             </a:r>
             <a:r>
               <a:rPr lang="de-DE" sz="900" b="1" dirty="0"/>
-              <a:t>-Kurven (A214)		 </a:t>
+              <a:t>-Kurven (A214)	                          </a:t>
             </a:r>
             <a:r>
               <a:rPr lang="en-US" sz="1600" b="1" dirty="0"/>
-              <a:t>Thomas </a:t>
-            </a:r>
-            <a:r>
-              <a:rPr lang="en-US" sz="1600" b="1" dirty="0" err="1"/>
-              <a:t>Torggler</a:t>
+              <a:t>Thomas Torggler</a:t>
+            </a:r>
+            <a:endParaRPr lang="de-DE" sz="1600" b="1" dirty="0"/>
+          </a:p>
+          <a:p>
+            <a:pPr>
+              <a:lnSpc>
+                <a:spcPct val="90000"/>
+              </a:lnSpc>
+              <a:defRPr/>
+            </a:pPr>
+            <a:endParaRPr lang="de-DE" dirty="0"/>
+          </a:p>
+          <a:p>
+            <a:pPr>
+              <a:lnSpc>
+                <a:spcPct val="90000"/>
+              </a:lnSpc>
+              <a:spcAft>
+                <a:spcPts val="600"/>
+              </a:spcAft>
+              <a:defRPr/>
+            </a:pPr>
+            <a:endParaRPr lang="en-US" sz="900" dirty="0"/>
+          </a:p>
+        </p:txBody>
+      </p:sp>
+    </p:spTree>
+    <p:extLst>
+      <p:ext uri="{BB962C8B-B14F-4D97-AF65-F5344CB8AC3E}">
+        <p14:creationId xmlns:p14="http://schemas.microsoft.com/office/powerpoint/2010/main" val="4072176880"/>
+      </p:ext>
+    </p:extLst>
+  </p:cSld>
+  <p:clrMapOvr>
+    <a:masterClrMapping/>
+  </p:clrMapOvr>
+  <mc:AlternateContent xmlns:mc="http://schemas.openxmlformats.org/markup-compatibility/2006" xmlns:p14="http://schemas.microsoft.com/office/powerpoint/2010/main">
+    <mc:Choice Requires="p14">
+      <p:transition spd="med" p14:dur="700" advTm="82598">
+        <p:fade/>
+      </p:transition>
+    </mc:Choice>
+    <mc:Fallback xmlns="">
+      <p:transition spd="med" advTm="82598">
+        <p:fade/>
+      </p:transition>
+    </mc:Fallback>
+  </mc:AlternateContent>
+  <p:timing>
+    <p:tnLst>
+      <p:par>
+        <p:cTn id="1" dur="indefinite" restart="never" nodeType="tmRoot">
+          <p:childTnLst>
+            <p:seq concurrent="1" nextAc="seek">
+              <p:cTn id="2" dur="indefinite" nodeType="mainSeq">
+                <p:childTnLst>
+                  <p:par>
+                    <p:cTn id="3" fill="hold">
+                      <p:stCondLst>
+                        <p:cond delay="indefinite"/>
+                      </p:stCondLst>
+                      <p:childTnLst>
+                        <p:par>
+                          <p:cTn id="4" fill="hold">
+                            <p:stCondLst>
+                              <p:cond delay="0"/>
+                            </p:stCondLst>
+                            <p:childTnLst>
+                              <p:par>
+                                <p:cTn id="5" presetID="1" presetClass="entr" presetSubtype="0" fill="hold" nodeType="clickEffect">
+                                  <p:stCondLst>
+                                    <p:cond delay="0"/>
+                                  </p:stCondLst>
+                                  <p:childTnLst>
+                                    <p:set>
+                                      <p:cBhvr>
+                                        <p:cTn id="6" dur="1" fill="hold">
+                                          <p:stCondLst>
+                                            <p:cond delay="0"/>
+                                          </p:stCondLst>
+                                        </p:cTn>
+                                        <p:tgtEl>
+                                          <p:spTgt spid="5"/>
+                                        </p:tgtEl>
+                                        <p:attrNameLst>
+                                          <p:attrName>style.visibility</p:attrName>
+                                        </p:attrNameLst>
+                                      </p:cBhvr>
+                                      <p:to>
+                                        <p:strVal val="visible"/>
+                                      </p:to>
+                                    </p:set>
+                                  </p:childTnLst>
+                                </p:cTn>
+                              </p:par>
+                            </p:childTnLst>
+                          </p:cTn>
+                        </p:par>
+                      </p:childTnLst>
+                    </p:cTn>
+                  </p:par>
+                  <p:par>
+                    <p:cTn id="7" fill="hold">
+                      <p:stCondLst>
+                        <p:cond delay="indefinite"/>
+                      </p:stCondLst>
+                      <p:childTnLst>
+                        <p:par>
+                          <p:cTn id="8" fill="hold">
+                            <p:stCondLst>
+                              <p:cond delay="0"/>
+                            </p:stCondLst>
+                            <p:childTnLst>
+                              <p:par>
+                                <p:cTn id="9" presetID="1" presetClass="entr" presetSubtype="0" fill="hold" nodeType="clickEffect">
+                                  <p:stCondLst>
+                                    <p:cond delay="0"/>
+                                  </p:stCondLst>
+                                  <p:childTnLst>
+                                    <p:set>
+                                      <p:cBhvr>
+                                        <p:cTn id="10" dur="1" fill="hold">
+                                          <p:stCondLst>
+                                            <p:cond delay="0"/>
+                                          </p:stCondLst>
+                                        </p:cTn>
+                                        <p:tgtEl>
+                                          <p:spTgt spid="9"/>
+                                        </p:tgtEl>
+                                        <p:attrNameLst>
+                                          <p:attrName>style.visibility</p:attrName>
+                                        </p:attrNameLst>
+                                      </p:cBhvr>
+                                      <p:to>
+                                        <p:strVal val="visible"/>
+                                      </p:to>
+                                    </p:set>
+                                  </p:childTnLst>
+                                </p:cTn>
+                              </p:par>
+                            </p:childTnLst>
+                          </p:cTn>
+                        </p:par>
+                      </p:childTnLst>
+                    </p:cTn>
+                  </p:par>
+                  <p:par>
+                    <p:cTn id="11" fill="hold">
+                      <p:stCondLst>
+                        <p:cond delay="indefinite"/>
+                      </p:stCondLst>
+                      <p:childTnLst>
+                        <p:par>
+                          <p:cTn id="12" fill="hold">
+                            <p:stCondLst>
+                              <p:cond delay="0"/>
+                            </p:stCondLst>
+                            <p:childTnLst>
+                              <p:par>
+                                <p:cTn id="13" presetID="1" presetClass="entr" presetSubtype="0" fill="hold" nodeType="clickEffect">
+                                  <p:stCondLst>
+                                    <p:cond delay="0"/>
+                                  </p:stCondLst>
+                                  <p:childTnLst>
+                                    <p:set>
+                                      <p:cBhvr>
+                                        <p:cTn id="14" dur="1" fill="hold">
+                                          <p:stCondLst>
+                                            <p:cond delay="0"/>
+                                          </p:stCondLst>
+                                        </p:cTn>
+                                        <p:tgtEl>
+                                          <p:spTgt spid="6"/>
+                                        </p:tgtEl>
+                                        <p:attrNameLst>
+                                          <p:attrName>style.visibility</p:attrName>
+                                        </p:attrNameLst>
+                                      </p:cBhvr>
+                                      <p:to>
+                                        <p:strVal val="visible"/>
+                                      </p:to>
+                                    </p:set>
+                                  </p:childTnLst>
+                                </p:cTn>
+                              </p:par>
+                            </p:childTnLst>
+                          </p:cTn>
+                        </p:par>
+                      </p:childTnLst>
+                    </p:cTn>
+                  </p:par>
+                </p:childTnLst>
+              </p:cTn>
+              <p:prevCondLst>
+                <p:cond evt="onPrev" delay="0">
+                  <p:tgtEl>
+                    <p:sldTgt/>
+                  </p:tgtEl>
+                </p:cond>
+              </p:prevCondLst>
+              <p:nextCondLst>
+                <p:cond evt="onNext" delay="0">
+                  <p:tgtEl>
+                    <p:sldTgt/>
+                  </p:tgtEl>
+                </p:cond>
+              </p:nextCondLst>
+            </p:seq>
+          </p:childTnLst>
+        </p:cTn>
+      </p:par>
+    </p:tnLst>
+  </p:timing>
+</p:sld>
+</file>
+
+<file path=ppt/slides/slide5.xml><?xml version="1.0" encoding="utf-8"?>
+<p:sld xmlns:a="http://schemas.openxmlformats.org/drawingml/2006/main" xmlns:r="http://schemas.openxmlformats.org/officeDocument/2006/relationships" xmlns:p="http://schemas.openxmlformats.org/presentationml/2006/main">
+  <p:cSld>
+    <p:spTree>
+      <p:nvGrpSpPr>
+        <p:cNvPr id="1" name=""/>
+        <p:cNvGrpSpPr/>
+        <p:nvPr/>
+      </p:nvGrpSpPr>
+      <p:grpSpPr>
+        <a:xfrm>
+          <a:off x="0" y="0"/>
+          <a:ext cx="0" cy="0"/>
+          <a:chOff x="0" y="0"/>
+          <a:chExt cx="0" cy="0"/>
+        </a:xfrm>
+      </p:grpSpPr>
+      <p:sp>
+        <p:nvSpPr>
+          <p:cNvPr id="7" name="Content Placeholder 13">
+            <a:extLst>
+              <a:ext uri="{FF2B5EF4-FFF2-40B4-BE49-F238E27FC236}">
+                <a16:creationId xmlns:a16="http://schemas.microsoft.com/office/drawing/2014/main" id="{61DF1302-508E-40BB-BE54-F9CF66CD9EA4}"/>
+              </a:ext>
+            </a:extLst>
+          </p:cNvPr>
+          <p:cNvSpPr txBox="1">
+            <a:spLocks/>
+          </p:cNvSpPr>
+          <p:nvPr/>
+        </p:nvSpPr>
+        <p:spPr>
+          <a:xfrm>
+            <a:off x="519137" y="1783868"/>
+            <a:ext cx="7445767" cy="4456511"/>
+          </a:xfrm>
+          <a:prstGeom prst="rect">
+            <a:avLst/>
+          </a:prstGeom>
+          <a:noFill/>
+          <a:ln w="9525">
+            <a:noFill/>
+            <a:miter lim="800000"/>
+            <a:headEnd/>
+            <a:tailEnd/>
+          </a:ln>
+        </p:spPr>
+        <p:txBody>
+          <a:bodyPr vert="horz" wrap="square" lIns="0" tIns="0" rIns="0" bIns="0" numCol="1" anchor="t" anchorCtr="0" compatLnSpc="1">
+            <a:prstTxWarp prst="textNoShape">
+              <a:avLst/>
+            </a:prstTxWarp>
+            <a:normAutofit/>
+          </a:bodyPr>
+          <a:lstStyle>
+            <a:lvl1pPr algn="l" rtl="0" eaLnBrk="0" fontAlgn="base" hangingPunct="0">
+              <a:lnSpc>
+                <a:spcPct val="114000"/>
+              </a:lnSpc>
+              <a:spcBef>
+                <a:spcPct val="0"/>
+              </a:spcBef>
+              <a:spcAft>
+                <a:spcPct val="0"/>
+              </a:spcAft>
+              <a:defRPr lang="de-DE" sz="1600" kern="1200" noProof="0" dirty="0" smtClean="0">
+                <a:solidFill>
+                  <a:schemeClr val="tx1"/>
+                </a:solidFill>
+                <a:latin typeface="+mn-lt"/>
+                <a:ea typeface="+mn-ea"/>
+                <a:cs typeface="+mn-cs"/>
+              </a:defRPr>
+            </a:lvl1pPr>
+            <a:lvl2pPr marL="176213" indent="-176213" algn="l" rtl="0" eaLnBrk="0" fontAlgn="base" hangingPunct="0">
+              <a:lnSpc>
+                <a:spcPct val="114000"/>
+              </a:lnSpc>
+              <a:spcBef>
+                <a:spcPct val="0"/>
+              </a:spcBef>
+              <a:spcAft>
+                <a:spcPct val="0"/>
+              </a:spcAft>
+              <a:buFont typeface="Arial" charset="0"/>
+              <a:buChar char="•"/>
+              <a:defRPr lang="de-DE" sz="1600" kern="1200" noProof="0" dirty="0" smtClean="0">
+                <a:solidFill>
+                  <a:schemeClr val="tx1"/>
+                </a:solidFill>
+                <a:latin typeface="+mn-lt"/>
+                <a:ea typeface="+mn-ea"/>
+                <a:cs typeface="+mn-cs"/>
+              </a:defRPr>
+            </a:lvl2pPr>
+            <a:lvl3pPr marL="360363" indent="-184150" algn="l" rtl="0" eaLnBrk="0" fontAlgn="base" hangingPunct="0">
+              <a:lnSpc>
+                <a:spcPct val="125000"/>
+              </a:lnSpc>
+              <a:spcBef>
+                <a:spcPct val="0"/>
+              </a:spcBef>
+              <a:spcAft>
+                <a:spcPct val="0"/>
+              </a:spcAft>
+              <a:buFont typeface="Symbol" pitchFamily="18" charset="2"/>
+              <a:buChar char="-"/>
+              <a:defRPr sz="1600" kern="1200">
+                <a:solidFill>
+                  <a:schemeClr val="tx1"/>
+                </a:solidFill>
+                <a:latin typeface="+mn-lt"/>
+                <a:ea typeface="+mn-ea"/>
+                <a:cs typeface="+mn-cs"/>
+              </a:defRPr>
+            </a:lvl3pPr>
+            <a:lvl4pPr marL="538163" indent="-177800" algn="l" rtl="0" eaLnBrk="0" fontAlgn="base" hangingPunct="0">
+              <a:lnSpc>
+                <a:spcPct val="125000"/>
+              </a:lnSpc>
+              <a:spcBef>
+                <a:spcPct val="0"/>
+              </a:spcBef>
+              <a:spcAft>
+                <a:spcPct val="0"/>
+              </a:spcAft>
+              <a:buFont typeface="Symbol" pitchFamily="18" charset="2"/>
+              <a:buChar char="-"/>
+              <a:defRPr sz="1400" kern="1200">
+                <a:solidFill>
+                  <a:schemeClr val="tx1"/>
+                </a:solidFill>
+                <a:latin typeface="+mn-lt"/>
+                <a:ea typeface="+mn-ea"/>
+                <a:cs typeface="+mn-cs"/>
+              </a:defRPr>
+            </a:lvl4pPr>
+            <a:lvl5pPr marL="714375" indent="-176213" algn="l" rtl="0" eaLnBrk="0" fontAlgn="base" hangingPunct="0">
+              <a:lnSpc>
+                <a:spcPct val="125000"/>
+              </a:lnSpc>
+              <a:spcBef>
+                <a:spcPct val="0"/>
+              </a:spcBef>
+              <a:spcAft>
+                <a:spcPct val="0"/>
+              </a:spcAft>
+              <a:buFont typeface="Symbol" pitchFamily="18" charset="2"/>
+              <a:buChar char="-"/>
+              <a:defRPr sz="1400" kern="1200">
+                <a:solidFill>
+                  <a:schemeClr val="tx1"/>
+                </a:solidFill>
+                <a:latin typeface="+mn-lt"/>
+                <a:ea typeface="+mn-ea"/>
+                <a:cs typeface="+mn-cs"/>
+              </a:defRPr>
+            </a:lvl5pPr>
+            <a:lvl6pPr marL="2514600" indent="-228600" algn="l" defTabSz="914400" rtl="0" eaLnBrk="1" latinLnBrk="0" hangingPunct="1">
+              <a:spcBef>
+                <a:spcPct val="20000"/>
+              </a:spcBef>
+              <a:buFont typeface="Arial" pitchFamily="34" charset="0"/>
+              <a:buChar char="•"/>
+              <a:defRPr sz="2000" kern="1200">
+                <a:solidFill>
+                  <a:schemeClr val="tx1"/>
+                </a:solidFill>
+                <a:latin typeface="+mn-lt"/>
+                <a:ea typeface="+mn-ea"/>
+                <a:cs typeface="+mn-cs"/>
+              </a:defRPr>
+            </a:lvl6pPr>
+            <a:lvl7pPr marL="2971800" indent="-228600" algn="l" defTabSz="914400" rtl="0" eaLnBrk="1" latinLnBrk="0" hangingPunct="1">
+              <a:spcBef>
+                <a:spcPct val="20000"/>
+              </a:spcBef>
+              <a:buFont typeface="Arial" pitchFamily="34" charset="0"/>
+              <a:buChar char="•"/>
+              <a:defRPr sz="2000" kern="1200">
+                <a:solidFill>
+                  <a:schemeClr val="tx1"/>
+                </a:solidFill>
+                <a:latin typeface="+mn-lt"/>
+                <a:ea typeface="+mn-ea"/>
+                <a:cs typeface="+mn-cs"/>
+              </a:defRPr>
+            </a:lvl7pPr>
+            <a:lvl8pPr marL="3429000" indent="-228600" algn="l" defTabSz="914400" rtl="0" eaLnBrk="1" latinLnBrk="0" hangingPunct="1">
+              <a:spcBef>
+                <a:spcPct val="20000"/>
+              </a:spcBef>
+              <a:buFont typeface="Arial" pitchFamily="34" charset="0"/>
+              <a:buChar char="•"/>
+              <a:defRPr sz="2000" kern="1200">
+                <a:solidFill>
+                  <a:schemeClr val="tx1"/>
+                </a:solidFill>
+                <a:latin typeface="+mn-lt"/>
+                <a:ea typeface="+mn-ea"/>
+                <a:cs typeface="+mn-cs"/>
+              </a:defRPr>
+            </a:lvl8pPr>
+            <a:lvl9pPr marL="3886200" indent="-228600" algn="l" defTabSz="914400" rtl="0" eaLnBrk="1" latinLnBrk="0" hangingPunct="1">
+              <a:spcBef>
+                <a:spcPct val="20000"/>
+              </a:spcBef>
+              <a:buFont typeface="Arial" pitchFamily="34" charset="0"/>
+              <a:buChar char="•"/>
+              <a:defRPr sz="2000" kern="1200">
+                <a:solidFill>
+                  <a:schemeClr val="tx1"/>
+                </a:solidFill>
+                <a:latin typeface="+mn-lt"/>
+                <a:ea typeface="+mn-ea"/>
+                <a:cs typeface="+mn-cs"/>
+              </a:defRPr>
+            </a:lvl9pPr>
+          </a:lstStyle>
+          <a:p>
+            <a:pPr>
+              <a:spcAft>
+                <a:spcPts val="600"/>
+              </a:spcAft>
+            </a:pPr>
+            <a:endParaRPr lang="en-GB" dirty="0"/>
+          </a:p>
+          <a:p>
+            <a:pPr marL="342900" indent="-342900">
+              <a:spcAft>
+                <a:spcPts val="600"/>
+              </a:spcAft>
+              <a:buFont typeface="Arial" panose="020B0604020202020204" pitchFamily="34" charset="0"/>
+              <a:buChar char="•"/>
+            </a:pPr>
+            <a:r>
+              <a:rPr lang="de-DE" sz="2400" dirty="0"/>
+              <a:t>Theorie</a:t>
+            </a:r>
+          </a:p>
+          <a:p>
+            <a:pPr marL="1057275" lvl="4" indent="-342900">
+              <a:spcAft>
+                <a:spcPts val="600"/>
+              </a:spcAft>
+              <a:buFont typeface="Arial" panose="020B0604020202020204" pitchFamily="34" charset="0"/>
+              <a:buChar char="•"/>
+            </a:pPr>
+            <a:r>
+              <a:rPr lang="de-DE" sz="2200" dirty="0"/>
+              <a:t>Algorithmus entwickeln</a:t>
+            </a:r>
+          </a:p>
+          <a:p>
+            <a:pPr marL="1057275" lvl="4" indent="-342900">
+              <a:spcAft>
+                <a:spcPts val="600"/>
+              </a:spcAft>
+              <a:buFont typeface="Arial" panose="020B0604020202020204" pitchFamily="34" charset="0"/>
+              <a:buChar char="•"/>
+            </a:pPr>
+            <a:r>
+              <a:rPr lang="de-DE" sz="2200" dirty="0"/>
+              <a:t>Anwendungsbereiche</a:t>
+            </a:r>
+          </a:p>
+          <a:p>
+            <a:pPr lvl="4" indent="0">
+              <a:spcAft>
+                <a:spcPts val="600"/>
+              </a:spcAft>
+              <a:buNone/>
+            </a:pPr>
+            <a:endParaRPr lang="en-GB" sz="2200" dirty="0"/>
+          </a:p>
+          <a:p>
+            <a:pPr marL="342900" indent="-342900">
+              <a:spcAft>
+                <a:spcPts val="600"/>
+              </a:spcAft>
+              <a:buFont typeface="Arial" panose="020B0604020202020204" pitchFamily="34" charset="0"/>
+              <a:buChar char="•"/>
+            </a:pPr>
+            <a:r>
+              <a:rPr lang="en-GB" sz="2400" dirty="0"/>
+              <a:t>Praxis</a:t>
+            </a:r>
+          </a:p>
+          <a:p>
+            <a:pPr marL="1057275" lvl="4" indent="-342900">
+              <a:spcAft>
+                <a:spcPts val="600"/>
+              </a:spcAft>
+              <a:buFont typeface="Arial" panose="020B0604020202020204" pitchFamily="34" charset="0"/>
+              <a:buChar char="•"/>
+            </a:pPr>
+            <a:r>
+              <a:rPr lang="de-DE" sz="2200" dirty="0"/>
+              <a:t>Algorithmus</a:t>
+            </a:r>
+            <a:r>
+              <a:rPr lang="en-GB" sz="2200" dirty="0"/>
+              <a:t> </a:t>
+            </a:r>
+            <a:r>
+              <a:rPr lang="de-DE" sz="2200" dirty="0"/>
+              <a:t>implementieren</a:t>
+            </a:r>
+          </a:p>
+          <a:p>
+            <a:pPr marL="1057275" lvl="4" indent="-342900">
+              <a:spcAft>
+                <a:spcPts val="600"/>
+              </a:spcAft>
+              <a:buFont typeface="Arial" panose="020B0604020202020204" pitchFamily="34" charset="0"/>
+              <a:buChar char="•"/>
+            </a:pPr>
+            <a:r>
+              <a:rPr lang="de-DE" sz="2200" dirty="0"/>
+              <a:t>Ausgabe</a:t>
+            </a:r>
+            <a:r>
+              <a:rPr lang="en-GB" sz="2200" dirty="0"/>
+              <a:t> in </a:t>
+            </a:r>
+            <a:r>
+              <a:rPr lang="de-DE" sz="2200" dirty="0"/>
+              <a:t>SVG-Datei</a:t>
+            </a:r>
+            <a:endParaRPr lang="de-DE" sz="2400" dirty="0"/>
+          </a:p>
+        </p:txBody>
+      </p:sp>
+      <p:sp>
+        <p:nvSpPr>
+          <p:cNvPr id="4" name="Titel 2">
+            <a:extLst>
+              <a:ext uri="{FF2B5EF4-FFF2-40B4-BE49-F238E27FC236}">
+                <a16:creationId xmlns:a16="http://schemas.microsoft.com/office/drawing/2014/main" id="{0C2F9289-F1D3-4057-9510-DA5F7F0B4CD4}"/>
+              </a:ext>
+            </a:extLst>
+          </p:cNvPr>
+          <p:cNvSpPr txBox="1">
+            <a:spLocks/>
+          </p:cNvSpPr>
+          <p:nvPr/>
+        </p:nvSpPr>
+        <p:spPr>
+          <a:xfrm>
+            <a:off x="311162" y="878400"/>
+            <a:ext cx="8508999" cy="410369"/>
+          </a:xfrm>
+          <a:prstGeom prst="rect">
+            <a:avLst/>
+          </a:prstGeom>
+          <a:noFill/>
+          <a:ln w="9525">
+            <a:noFill/>
+            <a:miter lim="800000"/>
+            <a:headEnd/>
+            <a:tailEnd/>
+          </a:ln>
+        </p:spPr>
+        <p:txBody>
+          <a:bodyPr vert="horz" wrap="square" lIns="0" tIns="0" rIns="0" bIns="0" numCol="1" anchor="t" anchorCtr="0" compatLnSpc="1">
+            <a:prstTxWarp prst="textNoShape">
+              <a:avLst/>
+            </a:prstTxWarp>
+            <a:noAutofit/>
+          </a:bodyPr>
+          <a:lstStyle>
+            <a:lvl1pPr algn="l" rtl="0" eaLnBrk="0" fontAlgn="base" hangingPunct="0">
+              <a:lnSpc>
+                <a:spcPts val="3200"/>
+              </a:lnSpc>
+              <a:spcBef>
+                <a:spcPct val="0"/>
+              </a:spcBef>
+              <a:spcAft>
+                <a:spcPct val="0"/>
+              </a:spcAft>
+              <a:defRPr lang="de-DE" sz="3000" b="0" kern="1200" noProof="0" dirty="0">
+                <a:solidFill>
+                  <a:schemeClr val="tx1"/>
+                </a:solidFill>
+                <a:latin typeface="+mj-lt"/>
+                <a:ea typeface="+mj-ea"/>
+                <a:cs typeface="+mj-cs"/>
+              </a:defRPr>
+            </a:lvl1pPr>
+            <a:lvl2pPr algn="l" rtl="0" eaLnBrk="0" fontAlgn="base" hangingPunct="0">
+              <a:spcBef>
+                <a:spcPct val="0"/>
+              </a:spcBef>
+              <a:spcAft>
+                <a:spcPct val="0"/>
+              </a:spcAft>
+              <a:defRPr sz="2000" b="1">
+                <a:solidFill>
+                  <a:schemeClr val="tx2"/>
+                </a:solidFill>
+                <a:latin typeface="Arial" charset="0"/>
+                <a:cs typeface="Arial" charset="0"/>
+              </a:defRPr>
+            </a:lvl2pPr>
+            <a:lvl3pPr algn="l" rtl="0" eaLnBrk="0" fontAlgn="base" hangingPunct="0">
+              <a:spcBef>
+                <a:spcPct val="0"/>
+              </a:spcBef>
+              <a:spcAft>
+                <a:spcPct val="0"/>
+              </a:spcAft>
+              <a:defRPr sz="2000" b="1">
+                <a:solidFill>
+                  <a:schemeClr val="tx2"/>
+                </a:solidFill>
+                <a:latin typeface="Arial" charset="0"/>
+                <a:cs typeface="Arial" charset="0"/>
+              </a:defRPr>
+            </a:lvl3pPr>
+            <a:lvl4pPr algn="l" rtl="0" eaLnBrk="0" fontAlgn="base" hangingPunct="0">
+              <a:spcBef>
+                <a:spcPct val="0"/>
+              </a:spcBef>
+              <a:spcAft>
+                <a:spcPct val="0"/>
+              </a:spcAft>
+              <a:defRPr sz="2000" b="1">
+                <a:solidFill>
+                  <a:schemeClr val="tx2"/>
+                </a:solidFill>
+                <a:latin typeface="Arial" charset="0"/>
+                <a:cs typeface="Arial" charset="0"/>
+              </a:defRPr>
+            </a:lvl4pPr>
+            <a:lvl5pPr algn="l" rtl="0" eaLnBrk="0" fontAlgn="base" hangingPunct="0">
+              <a:spcBef>
+                <a:spcPct val="0"/>
+              </a:spcBef>
+              <a:spcAft>
+                <a:spcPct val="0"/>
+              </a:spcAft>
+              <a:defRPr sz="2000" b="1">
+                <a:solidFill>
+                  <a:schemeClr val="tx2"/>
+                </a:solidFill>
+                <a:latin typeface="Arial" charset="0"/>
+                <a:cs typeface="Arial" charset="0"/>
+              </a:defRPr>
+            </a:lvl5pPr>
+            <a:lvl6pPr marL="457200" algn="l" rtl="0" fontAlgn="base">
+              <a:spcBef>
+                <a:spcPct val="0"/>
+              </a:spcBef>
+              <a:spcAft>
+                <a:spcPct val="0"/>
+              </a:spcAft>
+              <a:defRPr sz="2000" b="1">
+                <a:solidFill>
+                  <a:schemeClr val="tx2"/>
+                </a:solidFill>
+                <a:latin typeface="Arial" charset="0"/>
+                <a:cs typeface="Arial" charset="0"/>
+              </a:defRPr>
+            </a:lvl6pPr>
+            <a:lvl7pPr marL="914400" algn="l" rtl="0" fontAlgn="base">
+              <a:spcBef>
+                <a:spcPct val="0"/>
+              </a:spcBef>
+              <a:spcAft>
+                <a:spcPct val="0"/>
+              </a:spcAft>
+              <a:defRPr sz="2000" b="1">
+                <a:solidFill>
+                  <a:schemeClr val="tx2"/>
+                </a:solidFill>
+                <a:latin typeface="Arial" charset="0"/>
+                <a:cs typeface="Arial" charset="0"/>
+              </a:defRPr>
+            </a:lvl7pPr>
+            <a:lvl8pPr marL="1371600" algn="l" rtl="0" fontAlgn="base">
+              <a:spcBef>
+                <a:spcPct val="0"/>
+              </a:spcBef>
+              <a:spcAft>
+                <a:spcPct val="0"/>
+              </a:spcAft>
+              <a:defRPr sz="2000" b="1">
+                <a:solidFill>
+                  <a:schemeClr val="tx2"/>
+                </a:solidFill>
+                <a:latin typeface="Arial" charset="0"/>
+                <a:cs typeface="Arial" charset="0"/>
+              </a:defRPr>
+            </a:lvl8pPr>
+            <a:lvl9pPr marL="1828800" algn="l" rtl="0" fontAlgn="base">
+              <a:spcBef>
+                <a:spcPct val="0"/>
+              </a:spcBef>
+              <a:spcAft>
+                <a:spcPct val="0"/>
+              </a:spcAft>
+              <a:defRPr sz="2000" b="1">
+                <a:solidFill>
+                  <a:schemeClr val="tx2"/>
+                </a:solidFill>
+                <a:latin typeface="Arial" charset="0"/>
+                <a:cs typeface="Arial" charset="0"/>
+              </a:defRPr>
+            </a:lvl9pPr>
+          </a:lstStyle>
+          <a:p>
+            <a:r>
+              <a:rPr lang="en-US" sz="3200" dirty="0" err="1">
+                <a:solidFill>
+                  <a:schemeClr val="accent1">
+                    <a:lumMod val="75000"/>
+                  </a:schemeClr>
+                </a:solidFill>
+              </a:rPr>
+              <a:t>Aufgabenstellung</a:t>
+            </a:r>
+            <a:endParaRPr lang="en-US" sz="3200" dirty="0">
+              <a:solidFill>
+                <a:schemeClr val="accent1">
+                  <a:lumMod val="75000"/>
+                </a:schemeClr>
+              </a:solidFill>
+            </a:endParaRPr>
+          </a:p>
+        </p:txBody>
+      </p:sp>
+      <p:sp>
+        <p:nvSpPr>
+          <p:cNvPr id="8" name="Fußzeilenplatzhalter 4">
+            <a:extLst>
+              <a:ext uri="{FF2B5EF4-FFF2-40B4-BE49-F238E27FC236}">
+                <a16:creationId xmlns:a16="http://schemas.microsoft.com/office/drawing/2014/main" id="{98E6EE01-08D3-4DDE-AB4D-1E5445FEA4CD}"/>
+              </a:ext>
+            </a:extLst>
+          </p:cNvPr>
+          <p:cNvSpPr>
+            <a:spLocks noGrp="1"/>
+          </p:cNvSpPr>
+          <p:nvPr/>
+        </p:nvSpPr>
+        <p:spPr bwMode="auto">
+          <a:xfrm>
+            <a:off x="169558" y="6473313"/>
+            <a:ext cx="8393101" cy="365125"/>
+          </a:xfrm>
+          <a:prstGeom prst="rect">
+            <a:avLst/>
+          </a:prstGeom>
+        </p:spPr>
+        <p:txBody>
+          <a:bodyPr vert="horz" lIns="0" tIns="45720" rIns="0" bIns="45720" rtlCol="0" anchor="ctr">
+            <a:normAutofit/>
+          </a:bodyPr>
+          <a:lstStyle>
+            <a:defPPr>
+              <a:defRPr lang="de-DE"/>
+            </a:defPPr>
+            <a:lvl1pPr algn="l">
+              <a:spcBef>
+                <a:spcPts val="0"/>
+              </a:spcBef>
+              <a:spcAft>
+                <a:spcPts val="0"/>
+              </a:spcAft>
+              <a:defRPr sz="1200">
+                <a:solidFill>
+                  <a:schemeClr val="tx1"/>
+                </a:solidFill>
+                <a:latin typeface="Arial"/>
+                <a:ea typeface="+mn-ea"/>
+                <a:cs typeface="Arial"/>
+              </a:defRPr>
+            </a:lvl1pPr>
+            <a:lvl2pPr marL="457200" algn="l">
+              <a:spcBef>
+                <a:spcPts val="0"/>
+              </a:spcBef>
+              <a:spcAft>
+                <a:spcPts val="0"/>
+              </a:spcAft>
+              <a:defRPr>
+                <a:solidFill>
+                  <a:schemeClr val="tx1"/>
+                </a:solidFill>
+                <a:latin typeface="Arial"/>
+                <a:ea typeface="+mn-ea"/>
+                <a:cs typeface="Arial"/>
+              </a:defRPr>
+            </a:lvl2pPr>
+            <a:lvl3pPr marL="914400" algn="l">
+              <a:spcBef>
+                <a:spcPts val="0"/>
+              </a:spcBef>
+              <a:spcAft>
+                <a:spcPts val="0"/>
+              </a:spcAft>
+              <a:defRPr>
+                <a:solidFill>
+                  <a:schemeClr val="tx1"/>
+                </a:solidFill>
+                <a:latin typeface="Arial"/>
+                <a:ea typeface="+mn-ea"/>
+                <a:cs typeface="Arial"/>
+              </a:defRPr>
+            </a:lvl3pPr>
+            <a:lvl4pPr marL="1371600" algn="l">
+              <a:spcBef>
+                <a:spcPts val="0"/>
+              </a:spcBef>
+              <a:spcAft>
+                <a:spcPts val="0"/>
+              </a:spcAft>
+              <a:defRPr>
+                <a:solidFill>
+                  <a:schemeClr val="tx1"/>
+                </a:solidFill>
+                <a:latin typeface="Arial"/>
+                <a:ea typeface="+mn-ea"/>
+                <a:cs typeface="Arial"/>
+              </a:defRPr>
+            </a:lvl4pPr>
+            <a:lvl5pPr marL="1828800" algn="l">
+              <a:spcBef>
+                <a:spcPts val="0"/>
+              </a:spcBef>
+              <a:spcAft>
+                <a:spcPts val="0"/>
+              </a:spcAft>
+              <a:defRPr>
+                <a:solidFill>
+                  <a:schemeClr val="tx1"/>
+                </a:solidFill>
+                <a:latin typeface="Arial"/>
+                <a:ea typeface="+mn-ea"/>
+                <a:cs typeface="Arial"/>
+              </a:defRPr>
+            </a:lvl5pPr>
+            <a:lvl6pPr marL="2286000" algn="l" defTabSz="914400">
+              <a:defRPr>
+                <a:solidFill>
+                  <a:schemeClr val="tx1"/>
+                </a:solidFill>
+                <a:latin typeface="Arial"/>
+                <a:ea typeface="+mn-ea"/>
+                <a:cs typeface="Arial"/>
+              </a:defRPr>
+            </a:lvl6pPr>
+            <a:lvl7pPr marL="2743200" algn="l" defTabSz="914400">
+              <a:defRPr>
+                <a:solidFill>
+                  <a:schemeClr val="tx1"/>
+                </a:solidFill>
+                <a:latin typeface="Arial"/>
+                <a:ea typeface="+mn-ea"/>
+                <a:cs typeface="Arial"/>
+              </a:defRPr>
+            </a:lvl7pPr>
+            <a:lvl8pPr marL="3200400" algn="l" defTabSz="914400">
+              <a:defRPr>
+                <a:solidFill>
+                  <a:schemeClr val="tx1"/>
+                </a:solidFill>
+                <a:latin typeface="Arial"/>
+                <a:ea typeface="+mn-ea"/>
+                <a:cs typeface="Arial"/>
+              </a:defRPr>
+            </a:lvl8pPr>
+            <a:lvl9pPr marL="3657600" algn="l" defTabSz="914400">
+              <a:defRPr>
+                <a:solidFill>
+                  <a:schemeClr val="tx1"/>
+                </a:solidFill>
+                <a:latin typeface="Arial"/>
+                <a:ea typeface="+mn-ea"/>
+                <a:cs typeface="Arial"/>
+              </a:defRPr>
+            </a:lvl9pPr>
+          </a:lstStyle>
+          <a:p>
+            <a:pPr>
+              <a:lnSpc>
+                <a:spcPct val="90000"/>
+              </a:lnSpc>
+              <a:defRPr/>
+            </a:pPr>
+            <a:r>
+              <a:rPr lang="de-DE" sz="900" dirty="0"/>
+              <a:t>Aspekte der systemnahen Programmierung bei der Spieleentwicklung | 16.02.2021 | </a:t>
+            </a:r>
+            <a:r>
+              <a:rPr lang="de-DE" sz="900" b="1" dirty="0" err="1"/>
+              <a:t>Peano</a:t>
+            </a:r>
+            <a:r>
+              <a:rPr lang="de-DE" sz="900" b="1" dirty="0"/>
+              <a:t>-Kurven (A214)	                          </a:t>
+            </a:r>
+            <a:r>
+              <a:rPr lang="en-US" sz="1600" b="1" dirty="0"/>
+              <a:t>Thomas Torggler</a:t>
             </a:r>
             <a:endParaRPr lang="de-DE" sz="1600" b="1" dirty="0"/>
           </a:p>
@@ -13545,7 +16999,863 @@
 </p:sld>
 </file>
 
-<file path=ppt/slides/slide5.xml><?xml version="1.0" encoding="utf-8"?>
+<file path=ppt/slides/slide6.xml><?xml version="1.0" encoding="utf-8"?>
+<p:sld xmlns:a="http://schemas.openxmlformats.org/drawingml/2006/main" xmlns:r="http://schemas.openxmlformats.org/officeDocument/2006/relationships" xmlns:p="http://schemas.openxmlformats.org/presentationml/2006/main">
+  <p:cSld>
+    <p:spTree>
+      <p:nvGrpSpPr>
+        <p:cNvPr id="1" name=""/>
+        <p:cNvGrpSpPr/>
+        <p:nvPr/>
+      </p:nvGrpSpPr>
+      <p:grpSpPr>
+        <a:xfrm>
+          <a:off x="0" y="0"/>
+          <a:ext cx="0" cy="0"/>
+          <a:chOff x="0" y="0"/>
+          <a:chExt cx="0" cy="0"/>
+        </a:xfrm>
+      </p:grpSpPr>
+      <p:sp>
+        <p:nvSpPr>
+          <p:cNvPr id="4" name="Foliennummernplatzhalter 3"/>
+          <p:cNvSpPr>
+            <a:spLocks noGrp="1"/>
+          </p:cNvSpPr>
+          <p:nvPr>
+            <p:ph type="sldNum" sz="quarter" idx="16"/>
+          </p:nvPr>
+        </p:nvSpPr>
+        <p:spPr>
+          <a:xfrm>
+            <a:off x="6774934" y="6473313"/>
+            <a:ext cx="2052074" cy="365125"/>
+          </a:xfrm>
+        </p:spPr>
+        <p:txBody>
+          <a:bodyPr anchor="ctr">
+            <a:normAutofit/>
+          </a:bodyPr>
+          <a:lstStyle/>
+          <a:p>
+            <a:pPr>
+              <a:spcAft>
+                <a:spcPts val="600"/>
+              </a:spcAft>
+            </a:pPr>
+            <a:fld id="{CE58CB1E-F828-4F11-99E0-327109AF9DA4}" type="slidenum">
+              <a:rPr lang="de-DE" smtClean="0"/>
+              <a:pPr>
+                <a:spcAft>
+                  <a:spcPts val="600"/>
+                </a:spcAft>
+              </a:pPr>
+              <a:t>6</a:t>
+            </a:fld>
+            <a:endParaRPr lang="de-DE" dirty="0"/>
+          </a:p>
+        </p:txBody>
+      </p:sp>
+      <p:sp>
+        <p:nvSpPr>
+          <p:cNvPr id="5" name="Content Placeholder 13">
+            <a:extLst>
+              <a:ext uri="{FF2B5EF4-FFF2-40B4-BE49-F238E27FC236}">
+                <a16:creationId xmlns:a16="http://schemas.microsoft.com/office/drawing/2014/main" id="{20B2803E-037E-40A7-8247-D92264E619EC}"/>
+              </a:ext>
+            </a:extLst>
+          </p:cNvPr>
+          <p:cNvSpPr txBox="1">
+            <a:spLocks/>
+          </p:cNvSpPr>
+          <p:nvPr/>
+        </p:nvSpPr>
+        <p:spPr>
+          <a:xfrm>
+            <a:off x="519137" y="1783868"/>
+            <a:ext cx="7445767" cy="4456511"/>
+          </a:xfrm>
+          <a:prstGeom prst="rect">
+            <a:avLst/>
+          </a:prstGeom>
+          <a:noFill/>
+          <a:ln w="9525">
+            <a:noFill/>
+            <a:miter lim="800000"/>
+            <a:headEnd/>
+            <a:tailEnd/>
+          </a:ln>
+        </p:spPr>
+        <p:txBody>
+          <a:bodyPr vert="horz" wrap="square" lIns="0" tIns="0" rIns="0" bIns="0" numCol="1" anchor="t" anchorCtr="0" compatLnSpc="1">
+            <a:prstTxWarp prst="textNoShape">
+              <a:avLst/>
+            </a:prstTxWarp>
+            <a:normAutofit/>
+          </a:bodyPr>
+          <a:lstStyle>
+            <a:lvl1pPr algn="l" rtl="0" eaLnBrk="0" fontAlgn="base" hangingPunct="0">
+              <a:lnSpc>
+                <a:spcPct val="114000"/>
+              </a:lnSpc>
+              <a:spcBef>
+                <a:spcPct val="0"/>
+              </a:spcBef>
+              <a:spcAft>
+                <a:spcPct val="0"/>
+              </a:spcAft>
+              <a:defRPr lang="de-DE" sz="1600" kern="1200" noProof="0" dirty="0" smtClean="0">
+                <a:solidFill>
+                  <a:schemeClr val="tx1"/>
+                </a:solidFill>
+                <a:latin typeface="+mn-lt"/>
+                <a:ea typeface="+mn-ea"/>
+                <a:cs typeface="+mn-cs"/>
+              </a:defRPr>
+            </a:lvl1pPr>
+            <a:lvl2pPr marL="176213" indent="-176213" algn="l" rtl="0" eaLnBrk="0" fontAlgn="base" hangingPunct="0">
+              <a:lnSpc>
+                <a:spcPct val="114000"/>
+              </a:lnSpc>
+              <a:spcBef>
+                <a:spcPct val="0"/>
+              </a:spcBef>
+              <a:spcAft>
+                <a:spcPct val="0"/>
+              </a:spcAft>
+              <a:buFont typeface="Arial" charset="0"/>
+              <a:buChar char="•"/>
+              <a:defRPr lang="de-DE" sz="1600" kern="1200" noProof="0" dirty="0" smtClean="0">
+                <a:solidFill>
+                  <a:schemeClr val="tx1"/>
+                </a:solidFill>
+                <a:latin typeface="+mn-lt"/>
+                <a:ea typeface="+mn-ea"/>
+                <a:cs typeface="+mn-cs"/>
+              </a:defRPr>
+            </a:lvl2pPr>
+            <a:lvl3pPr marL="360363" indent="-184150" algn="l" rtl="0" eaLnBrk="0" fontAlgn="base" hangingPunct="0">
+              <a:lnSpc>
+                <a:spcPct val="125000"/>
+              </a:lnSpc>
+              <a:spcBef>
+                <a:spcPct val="0"/>
+              </a:spcBef>
+              <a:spcAft>
+                <a:spcPct val="0"/>
+              </a:spcAft>
+              <a:buFont typeface="Symbol" pitchFamily="18" charset="2"/>
+              <a:buChar char="-"/>
+              <a:defRPr sz="1600" kern="1200">
+                <a:solidFill>
+                  <a:schemeClr val="tx1"/>
+                </a:solidFill>
+                <a:latin typeface="+mn-lt"/>
+                <a:ea typeface="+mn-ea"/>
+                <a:cs typeface="+mn-cs"/>
+              </a:defRPr>
+            </a:lvl3pPr>
+            <a:lvl4pPr marL="538163" indent="-177800" algn="l" rtl="0" eaLnBrk="0" fontAlgn="base" hangingPunct="0">
+              <a:lnSpc>
+                <a:spcPct val="125000"/>
+              </a:lnSpc>
+              <a:spcBef>
+                <a:spcPct val="0"/>
+              </a:spcBef>
+              <a:spcAft>
+                <a:spcPct val="0"/>
+              </a:spcAft>
+              <a:buFont typeface="Symbol" pitchFamily="18" charset="2"/>
+              <a:buChar char="-"/>
+              <a:defRPr sz="1400" kern="1200">
+                <a:solidFill>
+                  <a:schemeClr val="tx1"/>
+                </a:solidFill>
+                <a:latin typeface="+mn-lt"/>
+                <a:ea typeface="+mn-ea"/>
+                <a:cs typeface="+mn-cs"/>
+              </a:defRPr>
+            </a:lvl4pPr>
+            <a:lvl5pPr marL="714375" indent="-176213" algn="l" rtl="0" eaLnBrk="0" fontAlgn="base" hangingPunct="0">
+              <a:lnSpc>
+                <a:spcPct val="125000"/>
+              </a:lnSpc>
+              <a:spcBef>
+                <a:spcPct val="0"/>
+              </a:spcBef>
+              <a:spcAft>
+                <a:spcPct val="0"/>
+              </a:spcAft>
+              <a:buFont typeface="Symbol" pitchFamily="18" charset="2"/>
+              <a:buChar char="-"/>
+              <a:defRPr sz="1400" kern="1200">
+                <a:solidFill>
+                  <a:schemeClr val="tx1"/>
+                </a:solidFill>
+                <a:latin typeface="+mn-lt"/>
+                <a:ea typeface="+mn-ea"/>
+                <a:cs typeface="+mn-cs"/>
+              </a:defRPr>
+            </a:lvl5pPr>
+            <a:lvl6pPr marL="2514600" indent="-228600" algn="l" defTabSz="914400" rtl="0" eaLnBrk="1" latinLnBrk="0" hangingPunct="1">
+              <a:spcBef>
+                <a:spcPct val="20000"/>
+              </a:spcBef>
+              <a:buFont typeface="Arial" pitchFamily="34" charset="0"/>
+              <a:buChar char="•"/>
+              <a:defRPr sz="2000" kern="1200">
+                <a:solidFill>
+                  <a:schemeClr val="tx1"/>
+                </a:solidFill>
+                <a:latin typeface="+mn-lt"/>
+                <a:ea typeface="+mn-ea"/>
+                <a:cs typeface="+mn-cs"/>
+              </a:defRPr>
+            </a:lvl6pPr>
+            <a:lvl7pPr marL="2971800" indent="-228600" algn="l" defTabSz="914400" rtl="0" eaLnBrk="1" latinLnBrk="0" hangingPunct="1">
+              <a:spcBef>
+                <a:spcPct val="20000"/>
+              </a:spcBef>
+              <a:buFont typeface="Arial" pitchFamily="34" charset="0"/>
+              <a:buChar char="•"/>
+              <a:defRPr sz="2000" kern="1200">
+                <a:solidFill>
+                  <a:schemeClr val="tx1"/>
+                </a:solidFill>
+                <a:latin typeface="+mn-lt"/>
+                <a:ea typeface="+mn-ea"/>
+                <a:cs typeface="+mn-cs"/>
+              </a:defRPr>
+            </a:lvl7pPr>
+            <a:lvl8pPr marL="3429000" indent="-228600" algn="l" defTabSz="914400" rtl="0" eaLnBrk="1" latinLnBrk="0" hangingPunct="1">
+              <a:spcBef>
+                <a:spcPct val="20000"/>
+              </a:spcBef>
+              <a:buFont typeface="Arial" pitchFamily="34" charset="0"/>
+              <a:buChar char="•"/>
+              <a:defRPr sz="2000" kern="1200">
+                <a:solidFill>
+                  <a:schemeClr val="tx1"/>
+                </a:solidFill>
+                <a:latin typeface="+mn-lt"/>
+                <a:ea typeface="+mn-ea"/>
+                <a:cs typeface="+mn-cs"/>
+              </a:defRPr>
+            </a:lvl8pPr>
+            <a:lvl9pPr marL="3886200" indent="-228600" algn="l" defTabSz="914400" rtl="0" eaLnBrk="1" latinLnBrk="0" hangingPunct="1">
+              <a:spcBef>
+                <a:spcPct val="20000"/>
+              </a:spcBef>
+              <a:buFont typeface="Arial" pitchFamily="34" charset="0"/>
+              <a:buChar char="•"/>
+              <a:defRPr sz="2000" kern="1200">
+                <a:solidFill>
+                  <a:schemeClr val="tx1"/>
+                </a:solidFill>
+                <a:latin typeface="+mn-lt"/>
+                <a:ea typeface="+mn-ea"/>
+                <a:cs typeface="+mn-cs"/>
+              </a:defRPr>
+            </a:lvl9pPr>
+          </a:lstStyle>
+          <a:p>
+            <a:pPr>
+              <a:spcAft>
+                <a:spcPts val="600"/>
+              </a:spcAft>
+            </a:pPr>
+            <a:endParaRPr lang="en-GB" dirty="0"/>
+          </a:p>
+          <a:p>
+            <a:pPr marL="342900" indent="-342900">
+              <a:spcAft>
+                <a:spcPts val="600"/>
+              </a:spcAft>
+              <a:buFont typeface="Arial" panose="020B0604020202020204" pitchFamily="34" charset="0"/>
+              <a:buChar char="•"/>
+            </a:pPr>
+            <a:r>
+              <a:rPr lang="en-GB" sz="2400" dirty="0" err="1"/>
+              <a:t>Matrixmultiplikationen</a:t>
+            </a:r>
+            <a:endParaRPr lang="en-GB" sz="2400" dirty="0"/>
+          </a:p>
+          <a:p>
+            <a:pPr marL="342900" indent="-342900">
+              <a:spcAft>
+                <a:spcPts val="600"/>
+              </a:spcAft>
+              <a:buFont typeface="Arial" panose="020B0604020202020204" pitchFamily="34" charset="0"/>
+              <a:buChar char="•"/>
+            </a:pPr>
+            <a:endParaRPr lang="en-GB" sz="2400" dirty="0"/>
+          </a:p>
+          <a:p>
+            <a:pPr marL="342900" indent="-342900">
+              <a:spcAft>
+                <a:spcPts val="600"/>
+              </a:spcAft>
+              <a:buFont typeface="Arial" panose="020B0604020202020204" pitchFamily="34" charset="0"/>
+              <a:buChar char="•"/>
+            </a:pPr>
+            <a:r>
+              <a:rPr lang="en-GB" sz="2400" dirty="0"/>
+              <a:t>Lade- und </a:t>
+            </a:r>
+            <a:r>
+              <a:rPr lang="en-GB" sz="2400" dirty="0" err="1"/>
+              <a:t>Speicheroperationen</a:t>
+            </a:r>
+            <a:endParaRPr lang="en-GB" sz="2400" dirty="0"/>
+          </a:p>
+          <a:p>
+            <a:pPr marL="342900" indent="-342900">
+              <a:spcAft>
+                <a:spcPts val="600"/>
+              </a:spcAft>
+              <a:buFont typeface="Arial" panose="020B0604020202020204" pitchFamily="34" charset="0"/>
+              <a:buChar char="•"/>
+            </a:pPr>
+            <a:endParaRPr lang="en-GB" sz="2400" dirty="0"/>
+          </a:p>
+          <a:p>
+            <a:pPr marL="342900" indent="-342900">
+              <a:spcAft>
+                <a:spcPts val="600"/>
+              </a:spcAft>
+              <a:buFont typeface="Arial" panose="020B0604020202020204" pitchFamily="34" charset="0"/>
+              <a:buChar char="•"/>
+            </a:pPr>
+            <a:r>
+              <a:rPr lang="en-GB" sz="2400" dirty="0" err="1"/>
+              <a:t>Partitionieren</a:t>
+            </a:r>
+            <a:r>
+              <a:rPr lang="en-GB" sz="2400" dirty="0"/>
+              <a:t> von </a:t>
+            </a:r>
+            <a:r>
+              <a:rPr lang="en-GB" sz="2400" dirty="0" err="1"/>
+              <a:t>Datensätzen</a:t>
+            </a:r>
+            <a:endParaRPr lang="en-GB" sz="2400" dirty="0"/>
+          </a:p>
+          <a:p>
+            <a:pPr marL="342900" indent="-342900">
+              <a:spcAft>
+                <a:spcPts val="600"/>
+              </a:spcAft>
+              <a:buFont typeface="Arial" panose="020B0604020202020204" pitchFamily="34" charset="0"/>
+              <a:buChar char="•"/>
+            </a:pPr>
+            <a:endParaRPr lang="en-GB" sz="2400" dirty="0"/>
+          </a:p>
+          <a:p>
+            <a:pPr marL="342900" indent="-342900">
+              <a:spcAft>
+                <a:spcPts val="600"/>
+              </a:spcAft>
+              <a:buFont typeface="Arial" panose="020B0604020202020204" pitchFamily="34" charset="0"/>
+              <a:buChar char="•"/>
+            </a:pPr>
+            <a:r>
+              <a:rPr lang="en-GB" sz="2400" dirty="0"/>
+              <a:t>Image Processing</a:t>
+            </a:r>
+          </a:p>
+          <a:p>
+            <a:pPr marL="342900" indent="-342900">
+              <a:spcAft>
+                <a:spcPts val="600"/>
+              </a:spcAft>
+              <a:buFont typeface="Arial" panose="020B0604020202020204" pitchFamily="34" charset="0"/>
+              <a:buChar char="•"/>
+            </a:pPr>
+            <a:endParaRPr lang="en-GB" sz="2400" dirty="0"/>
+          </a:p>
+          <a:p>
+            <a:pPr marL="342900" indent="-342900">
+              <a:spcAft>
+                <a:spcPts val="600"/>
+              </a:spcAft>
+              <a:buFont typeface="Arial" panose="020B0604020202020204" pitchFamily="34" charset="0"/>
+              <a:buChar char="•"/>
+            </a:pPr>
+            <a:endParaRPr lang="en-GB" sz="2400" dirty="0"/>
+          </a:p>
+          <a:p>
+            <a:pPr>
+              <a:spcAft>
+                <a:spcPts val="600"/>
+              </a:spcAft>
+            </a:pPr>
+            <a:endParaRPr lang="en-GB" sz="2400" dirty="0"/>
+          </a:p>
+          <a:p>
+            <a:pPr marL="342900" indent="-342900">
+              <a:spcAft>
+                <a:spcPts val="600"/>
+              </a:spcAft>
+              <a:buFont typeface="Arial" panose="020B0604020202020204" pitchFamily="34" charset="0"/>
+              <a:buChar char="•"/>
+            </a:pPr>
+            <a:endParaRPr lang="en-GB" sz="2400" dirty="0"/>
+          </a:p>
+          <a:p>
+            <a:pPr marL="457200" indent="-457200">
+              <a:spcAft>
+                <a:spcPts val="600"/>
+              </a:spcAft>
+              <a:buFont typeface="Courier New" panose="02070309020205020404" pitchFamily="49" charset="0"/>
+              <a:buChar char="o"/>
+            </a:pPr>
+            <a:endParaRPr lang="en-GB" dirty="0">
+              <a:solidFill>
+                <a:srgbClr val="FF0000"/>
+              </a:solidFill>
+            </a:endParaRPr>
+          </a:p>
+          <a:p>
+            <a:pPr marL="285750" indent="-285750">
+              <a:spcAft>
+                <a:spcPts val="600"/>
+              </a:spcAft>
+              <a:buFont typeface="Courier New" panose="02070309020205020404" pitchFamily="49" charset="0"/>
+              <a:buChar char="o"/>
+            </a:pPr>
+            <a:endParaRPr lang="en-US" dirty="0">
+              <a:solidFill>
+                <a:srgbClr val="FF0000"/>
+              </a:solidFill>
+            </a:endParaRPr>
+          </a:p>
+        </p:txBody>
+      </p:sp>
+      <p:sp>
+        <p:nvSpPr>
+          <p:cNvPr id="6" name="Titel 2">
+            <a:extLst>
+              <a:ext uri="{FF2B5EF4-FFF2-40B4-BE49-F238E27FC236}">
+                <a16:creationId xmlns:a16="http://schemas.microsoft.com/office/drawing/2014/main" id="{E8D43674-8EC4-4227-BD13-5051EA652B4B}"/>
+              </a:ext>
+            </a:extLst>
+          </p:cNvPr>
+          <p:cNvSpPr txBox="1">
+            <a:spLocks/>
+          </p:cNvSpPr>
+          <p:nvPr/>
+        </p:nvSpPr>
+        <p:spPr>
+          <a:xfrm>
+            <a:off x="311162" y="878400"/>
+            <a:ext cx="8508999" cy="410369"/>
+          </a:xfrm>
+          <a:prstGeom prst="rect">
+            <a:avLst/>
+          </a:prstGeom>
+          <a:noFill/>
+          <a:ln w="9525">
+            <a:noFill/>
+            <a:miter lim="800000"/>
+            <a:headEnd/>
+            <a:tailEnd/>
+          </a:ln>
+        </p:spPr>
+        <p:txBody>
+          <a:bodyPr vert="horz" wrap="square" lIns="0" tIns="0" rIns="0" bIns="0" numCol="1" anchor="t" anchorCtr="0" compatLnSpc="1">
+            <a:prstTxWarp prst="textNoShape">
+              <a:avLst/>
+            </a:prstTxWarp>
+            <a:noAutofit/>
+          </a:bodyPr>
+          <a:lstStyle>
+            <a:lvl1pPr algn="l" rtl="0" eaLnBrk="0" fontAlgn="base" hangingPunct="0">
+              <a:lnSpc>
+                <a:spcPts val="3200"/>
+              </a:lnSpc>
+              <a:spcBef>
+                <a:spcPct val="0"/>
+              </a:spcBef>
+              <a:spcAft>
+                <a:spcPct val="0"/>
+              </a:spcAft>
+              <a:defRPr lang="de-DE" sz="3000" b="0" kern="1200" noProof="0" dirty="0">
+                <a:solidFill>
+                  <a:schemeClr val="tx1"/>
+                </a:solidFill>
+                <a:latin typeface="+mj-lt"/>
+                <a:ea typeface="+mj-ea"/>
+                <a:cs typeface="+mj-cs"/>
+              </a:defRPr>
+            </a:lvl1pPr>
+            <a:lvl2pPr algn="l" rtl="0" eaLnBrk="0" fontAlgn="base" hangingPunct="0">
+              <a:spcBef>
+                <a:spcPct val="0"/>
+              </a:spcBef>
+              <a:spcAft>
+                <a:spcPct val="0"/>
+              </a:spcAft>
+              <a:defRPr sz="2000" b="1">
+                <a:solidFill>
+                  <a:schemeClr val="tx2"/>
+                </a:solidFill>
+                <a:latin typeface="Arial" charset="0"/>
+                <a:cs typeface="Arial" charset="0"/>
+              </a:defRPr>
+            </a:lvl2pPr>
+            <a:lvl3pPr algn="l" rtl="0" eaLnBrk="0" fontAlgn="base" hangingPunct="0">
+              <a:spcBef>
+                <a:spcPct val="0"/>
+              </a:spcBef>
+              <a:spcAft>
+                <a:spcPct val="0"/>
+              </a:spcAft>
+              <a:defRPr sz="2000" b="1">
+                <a:solidFill>
+                  <a:schemeClr val="tx2"/>
+                </a:solidFill>
+                <a:latin typeface="Arial" charset="0"/>
+                <a:cs typeface="Arial" charset="0"/>
+              </a:defRPr>
+            </a:lvl3pPr>
+            <a:lvl4pPr algn="l" rtl="0" eaLnBrk="0" fontAlgn="base" hangingPunct="0">
+              <a:spcBef>
+                <a:spcPct val="0"/>
+              </a:spcBef>
+              <a:spcAft>
+                <a:spcPct val="0"/>
+              </a:spcAft>
+              <a:defRPr sz="2000" b="1">
+                <a:solidFill>
+                  <a:schemeClr val="tx2"/>
+                </a:solidFill>
+                <a:latin typeface="Arial" charset="0"/>
+                <a:cs typeface="Arial" charset="0"/>
+              </a:defRPr>
+            </a:lvl4pPr>
+            <a:lvl5pPr algn="l" rtl="0" eaLnBrk="0" fontAlgn="base" hangingPunct="0">
+              <a:spcBef>
+                <a:spcPct val="0"/>
+              </a:spcBef>
+              <a:spcAft>
+                <a:spcPct val="0"/>
+              </a:spcAft>
+              <a:defRPr sz="2000" b="1">
+                <a:solidFill>
+                  <a:schemeClr val="tx2"/>
+                </a:solidFill>
+                <a:latin typeface="Arial" charset="0"/>
+                <a:cs typeface="Arial" charset="0"/>
+              </a:defRPr>
+            </a:lvl5pPr>
+            <a:lvl6pPr marL="457200" algn="l" rtl="0" fontAlgn="base">
+              <a:spcBef>
+                <a:spcPct val="0"/>
+              </a:spcBef>
+              <a:spcAft>
+                <a:spcPct val="0"/>
+              </a:spcAft>
+              <a:defRPr sz="2000" b="1">
+                <a:solidFill>
+                  <a:schemeClr val="tx2"/>
+                </a:solidFill>
+                <a:latin typeface="Arial" charset="0"/>
+                <a:cs typeface="Arial" charset="0"/>
+              </a:defRPr>
+            </a:lvl6pPr>
+            <a:lvl7pPr marL="914400" algn="l" rtl="0" fontAlgn="base">
+              <a:spcBef>
+                <a:spcPct val="0"/>
+              </a:spcBef>
+              <a:spcAft>
+                <a:spcPct val="0"/>
+              </a:spcAft>
+              <a:defRPr sz="2000" b="1">
+                <a:solidFill>
+                  <a:schemeClr val="tx2"/>
+                </a:solidFill>
+                <a:latin typeface="Arial" charset="0"/>
+                <a:cs typeface="Arial" charset="0"/>
+              </a:defRPr>
+            </a:lvl7pPr>
+            <a:lvl8pPr marL="1371600" algn="l" rtl="0" fontAlgn="base">
+              <a:spcBef>
+                <a:spcPct val="0"/>
+              </a:spcBef>
+              <a:spcAft>
+                <a:spcPct val="0"/>
+              </a:spcAft>
+              <a:defRPr sz="2000" b="1">
+                <a:solidFill>
+                  <a:schemeClr val="tx2"/>
+                </a:solidFill>
+                <a:latin typeface="Arial" charset="0"/>
+                <a:cs typeface="Arial" charset="0"/>
+              </a:defRPr>
+            </a:lvl8pPr>
+            <a:lvl9pPr marL="1828800" algn="l" rtl="0" fontAlgn="base">
+              <a:spcBef>
+                <a:spcPct val="0"/>
+              </a:spcBef>
+              <a:spcAft>
+                <a:spcPct val="0"/>
+              </a:spcAft>
+              <a:defRPr sz="2000" b="1">
+                <a:solidFill>
+                  <a:schemeClr val="tx2"/>
+                </a:solidFill>
+                <a:latin typeface="Arial" charset="0"/>
+                <a:cs typeface="Arial" charset="0"/>
+              </a:defRPr>
+            </a:lvl9pPr>
+          </a:lstStyle>
+          <a:p>
+            <a:r>
+              <a:rPr lang="en-US" sz="3200" dirty="0" err="1">
+                <a:solidFill>
+                  <a:schemeClr val="accent1">
+                    <a:lumMod val="75000"/>
+                  </a:schemeClr>
+                </a:solidFill>
+              </a:rPr>
+              <a:t>Anwendungsbereiche</a:t>
+            </a:r>
+            <a:endParaRPr lang="en-US" sz="3200" dirty="0">
+              <a:solidFill>
+                <a:schemeClr val="accent1">
+                  <a:lumMod val="75000"/>
+                </a:schemeClr>
+              </a:solidFill>
+            </a:endParaRPr>
+          </a:p>
+        </p:txBody>
+      </p:sp>
+      <p:sp>
+        <p:nvSpPr>
+          <p:cNvPr id="8" name="Fußzeilenplatzhalter 4">
+            <a:extLst>
+              <a:ext uri="{FF2B5EF4-FFF2-40B4-BE49-F238E27FC236}">
+                <a16:creationId xmlns:a16="http://schemas.microsoft.com/office/drawing/2014/main" id="{E1E946FE-2F9B-4E77-B189-B79985015940}"/>
+              </a:ext>
+            </a:extLst>
+          </p:cNvPr>
+          <p:cNvSpPr>
+            <a:spLocks noGrp="1"/>
+          </p:cNvSpPr>
+          <p:nvPr/>
+        </p:nvSpPr>
+        <p:spPr bwMode="auto">
+          <a:xfrm>
+            <a:off x="169558" y="6473313"/>
+            <a:ext cx="8393101" cy="365125"/>
+          </a:xfrm>
+          <a:prstGeom prst="rect">
+            <a:avLst/>
+          </a:prstGeom>
+        </p:spPr>
+        <p:txBody>
+          <a:bodyPr vert="horz" lIns="0" tIns="45720" rIns="0" bIns="45720" rtlCol="0" anchor="ctr">
+            <a:normAutofit/>
+          </a:bodyPr>
+          <a:lstStyle>
+            <a:defPPr>
+              <a:defRPr lang="de-DE"/>
+            </a:defPPr>
+            <a:lvl1pPr algn="l">
+              <a:spcBef>
+                <a:spcPts val="0"/>
+              </a:spcBef>
+              <a:spcAft>
+                <a:spcPts val="0"/>
+              </a:spcAft>
+              <a:defRPr sz="1200">
+                <a:solidFill>
+                  <a:schemeClr val="tx1"/>
+                </a:solidFill>
+                <a:latin typeface="Arial"/>
+                <a:ea typeface="+mn-ea"/>
+                <a:cs typeface="Arial"/>
+              </a:defRPr>
+            </a:lvl1pPr>
+            <a:lvl2pPr marL="457200" algn="l">
+              <a:spcBef>
+                <a:spcPts val="0"/>
+              </a:spcBef>
+              <a:spcAft>
+                <a:spcPts val="0"/>
+              </a:spcAft>
+              <a:defRPr>
+                <a:solidFill>
+                  <a:schemeClr val="tx1"/>
+                </a:solidFill>
+                <a:latin typeface="Arial"/>
+                <a:ea typeface="+mn-ea"/>
+                <a:cs typeface="Arial"/>
+              </a:defRPr>
+            </a:lvl2pPr>
+            <a:lvl3pPr marL="914400" algn="l">
+              <a:spcBef>
+                <a:spcPts val="0"/>
+              </a:spcBef>
+              <a:spcAft>
+                <a:spcPts val="0"/>
+              </a:spcAft>
+              <a:defRPr>
+                <a:solidFill>
+                  <a:schemeClr val="tx1"/>
+                </a:solidFill>
+                <a:latin typeface="Arial"/>
+                <a:ea typeface="+mn-ea"/>
+                <a:cs typeface="Arial"/>
+              </a:defRPr>
+            </a:lvl3pPr>
+            <a:lvl4pPr marL="1371600" algn="l">
+              <a:spcBef>
+                <a:spcPts val="0"/>
+              </a:spcBef>
+              <a:spcAft>
+                <a:spcPts val="0"/>
+              </a:spcAft>
+              <a:defRPr>
+                <a:solidFill>
+                  <a:schemeClr val="tx1"/>
+                </a:solidFill>
+                <a:latin typeface="Arial"/>
+                <a:ea typeface="+mn-ea"/>
+                <a:cs typeface="Arial"/>
+              </a:defRPr>
+            </a:lvl4pPr>
+            <a:lvl5pPr marL="1828800" algn="l">
+              <a:spcBef>
+                <a:spcPts val="0"/>
+              </a:spcBef>
+              <a:spcAft>
+                <a:spcPts val="0"/>
+              </a:spcAft>
+              <a:defRPr>
+                <a:solidFill>
+                  <a:schemeClr val="tx1"/>
+                </a:solidFill>
+                <a:latin typeface="Arial"/>
+                <a:ea typeface="+mn-ea"/>
+                <a:cs typeface="Arial"/>
+              </a:defRPr>
+            </a:lvl5pPr>
+            <a:lvl6pPr marL="2286000" algn="l" defTabSz="914400">
+              <a:defRPr>
+                <a:solidFill>
+                  <a:schemeClr val="tx1"/>
+                </a:solidFill>
+                <a:latin typeface="Arial"/>
+                <a:ea typeface="+mn-ea"/>
+                <a:cs typeface="Arial"/>
+              </a:defRPr>
+            </a:lvl6pPr>
+            <a:lvl7pPr marL="2743200" algn="l" defTabSz="914400">
+              <a:defRPr>
+                <a:solidFill>
+                  <a:schemeClr val="tx1"/>
+                </a:solidFill>
+                <a:latin typeface="Arial"/>
+                <a:ea typeface="+mn-ea"/>
+                <a:cs typeface="Arial"/>
+              </a:defRPr>
+            </a:lvl7pPr>
+            <a:lvl8pPr marL="3200400" algn="l" defTabSz="914400">
+              <a:defRPr>
+                <a:solidFill>
+                  <a:schemeClr val="tx1"/>
+                </a:solidFill>
+                <a:latin typeface="Arial"/>
+                <a:ea typeface="+mn-ea"/>
+                <a:cs typeface="Arial"/>
+              </a:defRPr>
+            </a:lvl8pPr>
+            <a:lvl9pPr marL="3657600" algn="l" defTabSz="914400">
+              <a:defRPr>
+                <a:solidFill>
+                  <a:schemeClr val="tx1"/>
+                </a:solidFill>
+                <a:latin typeface="Arial"/>
+                <a:ea typeface="+mn-ea"/>
+                <a:cs typeface="Arial"/>
+              </a:defRPr>
+            </a:lvl9pPr>
+          </a:lstStyle>
+          <a:p>
+            <a:pPr>
+              <a:lnSpc>
+                <a:spcPct val="90000"/>
+              </a:lnSpc>
+              <a:defRPr/>
+            </a:pPr>
+            <a:r>
+              <a:rPr lang="de-DE" sz="900" dirty="0"/>
+              <a:t>Aspekte der systemnahen Programmierung bei der Spieleentwicklung | 16.02.2021 | </a:t>
+            </a:r>
+            <a:r>
+              <a:rPr lang="de-DE" sz="900" b="1" dirty="0" err="1"/>
+              <a:t>Peano</a:t>
+            </a:r>
+            <a:r>
+              <a:rPr lang="de-DE" sz="900" b="1" dirty="0"/>
+              <a:t>-Kurven (A214)	                          </a:t>
+            </a:r>
+            <a:r>
+              <a:rPr lang="en-US" sz="1600" b="1" dirty="0"/>
+              <a:t>Thomas Torggler</a:t>
+            </a:r>
+            <a:endParaRPr lang="de-DE" sz="1600" b="1" dirty="0"/>
+          </a:p>
+          <a:p>
+            <a:pPr>
+              <a:lnSpc>
+                <a:spcPct val="90000"/>
+              </a:lnSpc>
+              <a:defRPr/>
+            </a:pPr>
+            <a:endParaRPr lang="de-DE" dirty="0"/>
+          </a:p>
+          <a:p>
+            <a:pPr>
+              <a:lnSpc>
+                <a:spcPct val="90000"/>
+              </a:lnSpc>
+              <a:spcAft>
+                <a:spcPts val="600"/>
+              </a:spcAft>
+              <a:defRPr/>
+            </a:pPr>
+            <a:endParaRPr lang="en-US" sz="900" dirty="0"/>
+          </a:p>
+        </p:txBody>
+      </p:sp>
+    </p:spTree>
+    <p:extLst>
+      <p:ext uri="{BB962C8B-B14F-4D97-AF65-F5344CB8AC3E}">
+        <p14:creationId xmlns:p14="http://schemas.microsoft.com/office/powerpoint/2010/main" val="702018694"/>
+      </p:ext>
+    </p:extLst>
+  </p:cSld>
+  <p:clrMapOvr>
+    <a:masterClrMapping/>
+  </p:clrMapOvr>
+  <mc:AlternateContent xmlns:mc="http://schemas.openxmlformats.org/markup-compatibility/2006" xmlns:p14="http://schemas.microsoft.com/office/powerpoint/2010/main">
+    <mc:Choice Requires="p14">
+      <p:transition spd="med" p14:dur="700" advTm="82598">
+        <p:fade/>
+      </p:transition>
+    </mc:Choice>
+    <mc:Fallback xmlns="">
+      <p:transition spd="med" advTm="82598">
+        <p:fade/>
+      </p:transition>
+    </mc:Fallback>
+  </mc:AlternateContent>
+</p:sld>
+</file>
+
+<file path=ppt/slides/slide7.xml><?xml version="1.0" encoding="utf-8"?>
 <p:sld xmlns:a="http://schemas.openxmlformats.org/drawingml/2006/main" xmlns:r="http://schemas.openxmlformats.org/officeDocument/2006/relationships" xmlns:p="http://schemas.openxmlformats.org/presentationml/2006/main">
   <p:cSld>
     <p:spTree>
@@ -13697,7 +18007,7 @@
                   <a:spcPts val="600"/>
                 </a:spcAft>
               </a:pPr>
-              <a:t>5</a:t>
+              <a:t>7</a:t>
             </a:fld>
             <a:endParaRPr lang="de-DE" dirty="0"/>
           </a:p>
@@ -14187,7 +18497,7 @@
 </p:sld>
 </file>
 
-<file path=ppt/slides/slide6.xml><?xml version="1.0" encoding="utf-8"?>
+<file path=ppt/slides/slide8.xml><?xml version="1.0" encoding="utf-8"?>
 <p:sld xmlns:a="http://schemas.openxmlformats.org/drawingml/2006/main" xmlns:r="http://schemas.openxmlformats.org/officeDocument/2006/relationships" xmlns:p="http://schemas.openxmlformats.org/presentationml/2006/main">
   <p:cSld>
     <p:spTree>
@@ -14415,7 +18725,7 @@
                   <a:spcPts val="600"/>
                 </a:spcAft>
               </a:pPr>
-              <a:t>6</a:t>
+              <a:t>8</a:t>
             </a:fld>
             <a:endParaRPr lang="de-DE"/>
           </a:p>
@@ -14859,7 +19169,7 @@
 </p:sld>
 </file>
 
-<file path=ppt/slides/slide7.xml><?xml version="1.0" encoding="utf-8"?>
+<file path=ppt/slides/slide9.xml><?xml version="1.0" encoding="utf-8"?>
 <p:sld xmlns:a="http://schemas.openxmlformats.org/drawingml/2006/main" xmlns:r="http://schemas.openxmlformats.org/officeDocument/2006/relationships" xmlns:p="http://schemas.openxmlformats.org/presentationml/2006/main">
   <p:cSld>
     <p:spTree>
@@ -14910,7 +19220,7 @@
                   <a:spcPts val="600"/>
                 </a:spcAft>
               </a:pPr>
-              <a:t>7</a:t>
+              <a:t>9</a:t>
             </a:fld>
             <a:endParaRPr lang="de-DE"/>
           </a:p>
@@ -15500,8 +19810,8 @@
             </p:blipFill>
             <p:spPr>
               <a:xfrm>
-                <a:off x="1740600" y="4327080"/>
-                <a:ext cx="20880" cy="119880"/>
+                <a:off x="1740240" y="4328623"/>
+                <a:ext cx="20880" cy="116805"/>
               </a:xfrm>
               <a:prstGeom prst="rect">
                 <a:avLst/>
@@ -15551,8 +19861,8 @@
             </p:blipFill>
             <p:spPr>
               <a:xfrm>
-                <a:off x="343800" y="5093520"/>
-                <a:ext cx="23760" cy="164520"/>
+                <a:off x="343440" y="5092816"/>
+                <a:ext cx="23760" cy="165206"/>
               </a:xfrm>
               <a:prstGeom prst="rect">
                 <a:avLst/>
@@ -15765,1243 +20075,6 @@
     <p:extLst>
       <p:ext uri="{BB962C8B-B14F-4D97-AF65-F5344CB8AC3E}">
         <p14:creationId xmlns:p14="http://schemas.microsoft.com/office/powerpoint/2010/main" val="1907390843"/>
-      </p:ext>
-    </p:extLst>
-  </p:cSld>
-  <p:clrMapOvr>
-    <a:masterClrMapping/>
-  </p:clrMapOvr>
-  <mc:AlternateContent xmlns:mc="http://schemas.openxmlformats.org/markup-compatibility/2006" xmlns:p14="http://schemas.microsoft.com/office/powerpoint/2010/main">
-    <mc:Choice Requires="p14">
-      <p:transition spd="med" p14:dur="700" advTm="29363">
-        <p:fade/>
-      </p:transition>
-    </mc:Choice>
-    <mc:Fallback xmlns="">
-      <p:transition spd="med" advTm="29363">
-        <p:fade/>
-      </p:transition>
-    </mc:Fallback>
-  </mc:AlternateContent>
-</p:sld>
-</file>
-
-<file path=ppt/slides/slide8.xml><?xml version="1.0" encoding="utf-8"?>
-<p:sld xmlns:a="http://schemas.openxmlformats.org/drawingml/2006/main" xmlns:r="http://schemas.openxmlformats.org/officeDocument/2006/relationships" xmlns:p="http://schemas.openxmlformats.org/presentationml/2006/main">
-  <p:cSld>
-    <p:spTree>
-      <p:nvGrpSpPr>
-        <p:cNvPr id="1" name=""/>
-        <p:cNvGrpSpPr/>
-        <p:nvPr/>
-      </p:nvGrpSpPr>
-      <p:grpSpPr>
-        <a:xfrm>
-          <a:off x="0" y="0"/>
-          <a:ext cx="0" cy="0"/>
-          <a:chOff x="0" y="0"/>
-          <a:chExt cx="0" cy="0"/>
-        </a:xfrm>
-      </p:grpSpPr>
-      <p:sp>
-        <p:nvSpPr>
-          <p:cNvPr id="4" name="Foliennummernplatzhalter 3"/>
-          <p:cNvSpPr>
-            <a:spLocks noGrp="1"/>
-          </p:cNvSpPr>
-          <p:nvPr>
-            <p:ph type="sldNum" sz="quarter" idx="16"/>
-          </p:nvPr>
-        </p:nvSpPr>
-        <p:spPr>
-          <a:xfrm>
-            <a:off x="6774934" y="6473313"/>
-            <a:ext cx="2052074" cy="365125"/>
-          </a:xfrm>
-        </p:spPr>
-        <p:txBody>
-          <a:bodyPr anchor="ctr">
-            <a:normAutofit/>
-          </a:bodyPr>
-          <a:lstStyle/>
-          <a:p>
-            <a:pPr>
-              <a:spcAft>
-                <a:spcPts val="600"/>
-              </a:spcAft>
-            </a:pPr>
-            <a:fld id="{CE58CB1E-F828-4F11-99E0-327109AF9DA4}" type="slidenum">
-              <a:rPr lang="de-DE" smtClean="0"/>
-              <a:pPr>
-                <a:spcAft>
-                  <a:spcPts val="600"/>
-                </a:spcAft>
-              </a:pPr>
-              <a:t>8</a:t>
-            </a:fld>
-            <a:endParaRPr lang="de-DE"/>
-          </a:p>
-        </p:txBody>
-      </p:sp>
-      <p:sp>
-        <p:nvSpPr>
-          <p:cNvPr id="3" name="Titel 2"/>
-          <p:cNvSpPr>
-            <a:spLocks noGrp="1"/>
-          </p:cNvSpPr>
-          <p:nvPr>
-            <p:ph type="title"/>
-          </p:nvPr>
-        </p:nvSpPr>
-        <p:spPr>
-          <a:xfrm>
-            <a:off x="311162" y="878427"/>
-            <a:ext cx="8508999" cy="410369"/>
-          </a:xfrm>
-        </p:spPr>
-        <p:txBody>
-          <a:bodyPr wrap="square" anchor="t">
-            <a:noAutofit/>
-          </a:bodyPr>
-          <a:lstStyle/>
-          <a:p>
-            <a:r>
-              <a:rPr lang="en-US" sz="3200" dirty="0"/>
-              <a:t> </a:t>
-            </a:r>
-            <a:r>
-              <a:rPr lang="en-US" sz="3200" dirty="0" err="1">
-                <a:solidFill>
-                  <a:schemeClr val="bg2">
-                    <a:lumMod val="75000"/>
-                  </a:schemeClr>
-                </a:solidFill>
-              </a:rPr>
-              <a:t>Performanzanalyse</a:t>
-            </a:r>
-            <a:endParaRPr lang="de-DE" sz="3200" dirty="0"/>
-          </a:p>
-        </p:txBody>
-      </p:sp>
-      <p:sp>
-        <p:nvSpPr>
-          <p:cNvPr id="12" name="Content Placeholder 13">
-            <a:extLst>
-              <a:ext uri="{FF2B5EF4-FFF2-40B4-BE49-F238E27FC236}">
-                <a16:creationId xmlns:a16="http://schemas.microsoft.com/office/drawing/2014/main" id="{BD0F1FD7-B55C-4C88-940C-DE7178B6A3B2}"/>
-              </a:ext>
-            </a:extLst>
-          </p:cNvPr>
-          <p:cNvSpPr txBox="1">
-            <a:spLocks/>
-          </p:cNvSpPr>
-          <p:nvPr/>
-        </p:nvSpPr>
-        <p:spPr>
-          <a:xfrm>
-            <a:off x="260392" y="1925690"/>
-            <a:ext cx="8508999" cy="4523878"/>
-          </a:xfrm>
-          <a:prstGeom prst="rect">
-            <a:avLst/>
-          </a:prstGeom>
-          <a:noFill/>
-          <a:ln w="9525">
-            <a:noFill/>
-            <a:miter lim="800000"/>
-            <a:headEnd/>
-            <a:tailEnd/>
-          </a:ln>
-        </p:spPr>
-        <p:txBody>
-          <a:bodyPr vert="horz" wrap="square" lIns="0" tIns="0" rIns="0" bIns="0" numCol="1" anchor="t" anchorCtr="0" compatLnSpc="1">
-            <a:prstTxWarp prst="textNoShape">
-              <a:avLst/>
-            </a:prstTxWarp>
-            <a:normAutofit/>
-          </a:bodyPr>
-          <a:lstStyle>
-            <a:lvl1pPr algn="l" rtl="0" eaLnBrk="0" fontAlgn="base" hangingPunct="0">
-              <a:lnSpc>
-                <a:spcPct val="114000"/>
-              </a:lnSpc>
-              <a:spcBef>
-                <a:spcPct val="0"/>
-              </a:spcBef>
-              <a:spcAft>
-                <a:spcPct val="0"/>
-              </a:spcAft>
-              <a:defRPr lang="de-DE" sz="1600" kern="1200" noProof="0" dirty="0" smtClean="0">
-                <a:solidFill>
-                  <a:schemeClr val="tx1"/>
-                </a:solidFill>
-                <a:latin typeface="+mn-lt"/>
-                <a:ea typeface="+mn-ea"/>
-                <a:cs typeface="+mn-cs"/>
-              </a:defRPr>
-            </a:lvl1pPr>
-            <a:lvl2pPr marL="176213" indent="-176213" algn="l" rtl="0" eaLnBrk="0" fontAlgn="base" hangingPunct="0">
-              <a:lnSpc>
-                <a:spcPct val="114000"/>
-              </a:lnSpc>
-              <a:spcBef>
-                <a:spcPct val="0"/>
-              </a:spcBef>
-              <a:spcAft>
-                <a:spcPct val="0"/>
-              </a:spcAft>
-              <a:buFont typeface="Arial" charset="0"/>
-              <a:buChar char="•"/>
-              <a:defRPr lang="de-DE" sz="1600" kern="1200" noProof="0" dirty="0" smtClean="0">
-                <a:solidFill>
-                  <a:schemeClr val="tx1"/>
-                </a:solidFill>
-                <a:latin typeface="+mn-lt"/>
-                <a:ea typeface="+mn-ea"/>
-                <a:cs typeface="+mn-cs"/>
-              </a:defRPr>
-            </a:lvl2pPr>
-            <a:lvl3pPr marL="360363" indent="-184150" algn="l" rtl="0" eaLnBrk="0" fontAlgn="base" hangingPunct="0">
-              <a:lnSpc>
-                <a:spcPct val="125000"/>
-              </a:lnSpc>
-              <a:spcBef>
-                <a:spcPct val="0"/>
-              </a:spcBef>
-              <a:spcAft>
-                <a:spcPct val="0"/>
-              </a:spcAft>
-              <a:buFont typeface="Symbol" pitchFamily="18" charset="2"/>
-              <a:buChar char="-"/>
-              <a:defRPr sz="1600" kern="1200">
-                <a:solidFill>
-                  <a:schemeClr val="tx1"/>
-                </a:solidFill>
-                <a:latin typeface="+mn-lt"/>
-                <a:ea typeface="+mn-ea"/>
-                <a:cs typeface="+mn-cs"/>
-              </a:defRPr>
-            </a:lvl3pPr>
-            <a:lvl4pPr marL="538163" indent="-177800" algn="l" rtl="0" eaLnBrk="0" fontAlgn="base" hangingPunct="0">
-              <a:lnSpc>
-                <a:spcPct val="125000"/>
-              </a:lnSpc>
-              <a:spcBef>
-                <a:spcPct val="0"/>
-              </a:spcBef>
-              <a:spcAft>
-                <a:spcPct val="0"/>
-              </a:spcAft>
-              <a:buFont typeface="Symbol" pitchFamily="18" charset="2"/>
-              <a:buChar char="-"/>
-              <a:defRPr sz="1400" kern="1200">
-                <a:solidFill>
-                  <a:schemeClr val="tx1"/>
-                </a:solidFill>
-                <a:latin typeface="+mn-lt"/>
-                <a:ea typeface="+mn-ea"/>
-                <a:cs typeface="+mn-cs"/>
-              </a:defRPr>
-            </a:lvl4pPr>
-            <a:lvl5pPr marL="714375" indent="-176213" algn="l" rtl="0" eaLnBrk="0" fontAlgn="base" hangingPunct="0">
-              <a:lnSpc>
-                <a:spcPct val="125000"/>
-              </a:lnSpc>
-              <a:spcBef>
-                <a:spcPct val="0"/>
-              </a:spcBef>
-              <a:spcAft>
-                <a:spcPct val="0"/>
-              </a:spcAft>
-              <a:buFont typeface="Symbol" pitchFamily="18" charset="2"/>
-              <a:buChar char="-"/>
-              <a:defRPr sz="1400" kern="1200">
-                <a:solidFill>
-                  <a:schemeClr val="tx1"/>
-                </a:solidFill>
-                <a:latin typeface="+mn-lt"/>
-                <a:ea typeface="+mn-ea"/>
-                <a:cs typeface="+mn-cs"/>
-              </a:defRPr>
-            </a:lvl5pPr>
-            <a:lvl6pPr marL="2514600" indent="-228600" algn="l" defTabSz="914400" rtl="0" eaLnBrk="1" latinLnBrk="0" hangingPunct="1">
-              <a:spcBef>
-                <a:spcPct val="20000"/>
-              </a:spcBef>
-              <a:buFont typeface="Arial" pitchFamily="34" charset="0"/>
-              <a:buChar char="•"/>
-              <a:defRPr sz="2000" kern="1200">
-                <a:solidFill>
-                  <a:schemeClr val="tx1"/>
-                </a:solidFill>
-                <a:latin typeface="+mn-lt"/>
-                <a:ea typeface="+mn-ea"/>
-                <a:cs typeface="+mn-cs"/>
-              </a:defRPr>
-            </a:lvl6pPr>
-            <a:lvl7pPr marL="2971800" indent="-228600" algn="l" defTabSz="914400" rtl="0" eaLnBrk="1" latinLnBrk="0" hangingPunct="1">
-              <a:spcBef>
-                <a:spcPct val="20000"/>
-              </a:spcBef>
-              <a:buFont typeface="Arial" pitchFamily="34" charset="0"/>
-              <a:buChar char="•"/>
-              <a:defRPr sz="2000" kern="1200">
-                <a:solidFill>
-                  <a:schemeClr val="tx1"/>
-                </a:solidFill>
-                <a:latin typeface="+mn-lt"/>
-                <a:ea typeface="+mn-ea"/>
-                <a:cs typeface="+mn-cs"/>
-              </a:defRPr>
-            </a:lvl7pPr>
-            <a:lvl8pPr marL="3429000" indent="-228600" algn="l" defTabSz="914400" rtl="0" eaLnBrk="1" latinLnBrk="0" hangingPunct="1">
-              <a:spcBef>
-                <a:spcPct val="20000"/>
-              </a:spcBef>
-              <a:buFont typeface="Arial" pitchFamily="34" charset="0"/>
-              <a:buChar char="•"/>
-              <a:defRPr sz="2000" kern="1200">
-                <a:solidFill>
-                  <a:schemeClr val="tx1"/>
-                </a:solidFill>
-                <a:latin typeface="+mn-lt"/>
-                <a:ea typeface="+mn-ea"/>
-                <a:cs typeface="+mn-cs"/>
-              </a:defRPr>
-            </a:lvl8pPr>
-            <a:lvl9pPr marL="3886200" indent="-228600" algn="l" defTabSz="914400" rtl="0" eaLnBrk="1" latinLnBrk="0" hangingPunct="1">
-              <a:spcBef>
-                <a:spcPct val="20000"/>
-              </a:spcBef>
-              <a:buFont typeface="Arial" pitchFamily="34" charset="0"/>
-              <a:buChar char="•"/>
-              <a:defRPr sz="2000" kern="1200">
-                <a:solidFill>
-                  <a:schemeClr val="tx1"/>
-                </a:solidFill>
-                <a:latin typeface="+mn-lt"/>
-                <a:ea typeface="+mn-ea"/>
-                <a:cs typeface="+mn-cs"/>
-              </a:defRPr>
-            </a:lvl9pPr>
-          </a:lstStyle>
-          <a:p>
-            <a:pPr marL="285750" indent="-285750">
-              <a:spcAft>
-                <a:spcPts val="600"/>
-              </a:spcAft>
-              <a:buFont typeface="Courier New" panose="02070309020205020404" pitchFamily="49" charset="0"/>
-              <a:buChar char="o"/>
-            </a:pPr>
-            <a:r>
-              <a:rPr lang="en-GB" sz="2400" dirty="0">
-                <a:solidFill>
-                  <a:srgbClr val="005293"/>
-                </a:solidFill>
-              </a:rPr>
-              <a:t>Environment:</a:t>
-            </a:r>
-          </a:p>
-          <a:p>
-            <a:pPr marL="285750" indent="-285750">
-              <a:spcAft>
-                <a:spcPts val="600"/>
-              </a:spcAft>
-              <a:buFont typeface="Courier New" panose="02070309020205020404" pitchFamily="49" charset="0"/>
-              <a:buChar char="o"/>
-            </a:pPr>
-            <a:endParaRPr lang="en-GB" sz="2400" dirty="0">
-              <a:solidFill>
-                <a:srgbClr val="005293"/>
-              </a:solidFill>
-            </a:endParaRPr>
-          </a:p>
-          <a:p>
-            <a:pPr marL="285750" indent="-285750">
-              <a:spcAft>
-                <a:spcPts val="600"/>
-              </a:spcAft>
-              <a:buFont typeface="Wingdings" panose="05000000000000000000" pitchFamily="2" charset="2"/>
-              <a:buChar char="Ø"/>
-            </a:pPr>
-            <a:r>
-              <a:rPr lang="en-GB" sz="1800" dirty="0"/>
-              <a:t>I</a:t>
-            </a:r>
-            <a:r>
-              <a:rPr lang="en-US" sz="1800" dirty="0" err="1"/>
-              <a:t>ntel</a:t>
-            </a:r>
-            <a:r>
-              <a:rPr lang="en-US" sz="1800" dirty="0"/>
-              <a:t> Core i7-7700K (4.20GHz)</a:t>
-            </a:r>
-          </a:p>
-          <a:p>
-            <a:pPr marL="285750" indent="-285750">
-              <a:spcAft>
-                <a:spcPts val="600"/>
-              </a:spcAft>
-              <a:buFont typeface="Wingdings" panose="05000000000000000000" pitchFamily="2" charset="2"/>
-              <a:buChar char="Ø"/>
-            </a:pPr>
-            <a:r>
-              <a:rPr lang="en-US" sz="1800" dirty="0"/>
-              <a:t>16GB RAM</a:t>
-            </a:r>
-            <a:endParaRPr lang="de-DE" sz="1800" dirty="0"/>
-          </a:p>
-          <a:p>
-            <a:pPr marL="285750" indent="-285750">
-              <a:spcAft>
-                <a:spcPts val="600"/>
-              </a:spcAft>
-              <a:buFont typeface="Wingdings" panose="05000000000000000000" pitchFamily="2" charset="2"/>
-              <a:buChar char="Ø"/>
-            </a:pPr>
-            <a:r>
-              <a:rPr lang="en-US" sz="1800" dirty="0"/>
-              <a:t>Linux Mint 20 64-bit (Kernel 5.4.0-26-generic)</a:t>
-            </a:r>
-          </a:p>
-          <a:p>
-            <a:pPr marL="342900" indent="-342900">
-              <a:spcAft>
-                <a:spcPts val="600"/>
-              </a:spcAft>
-              <a:buFont typeface="Wingdings" panose="05000000000000000000" pitchFamily="2" charset="2"/>
-              <a:buChar char="Ø"/>
-            </a:pPr>
-            <a:endParaRPr lang="en-GB" sz="2400" dirty="0">
-              <a:solidFill>
-                <a:srgbClr val="005293"/>
-              </a:solidFill>
-            </a:endParaRPr>
-          </a:p>
-          <a:p>
-            <a:pPr marL="285750" indent="-285750">
-              <a:spcAft>
-                <a:spcPts val="600"/>
-              </a:spcAft>
-              <a:buFont typeface="Courier New" panose="02070309020205020404" pitchFamily="49" charset="0"/>
-              <a:buChar char="o"/>
-            </a:pPr>
-            <a:r>
-              <a:rPr lang="en-GB" sz="2400" dirty="0">
-                <a:solidFill>
-                  <a:srgbClr val="005293"/>
-                </a:solidFill>
-              </a:rPr>
-              <a:t>Compiler:</a:t>
-            </a:r>
-          </a:p>
-          <a:p>
-            <a:pPr marL="285750" indent="-285750">
-              <a:spcAft>
-                <a:spcPts val="600"/>
-              </a:spcAft>
-              <a:buFont typeface="Courier New" panose="02070309020205020404" pitchFamily="49" charset="0"/>
-              <a:buChar char="o"/>
-            </a:pPr>
-            <a:endParaRPr lang="en-GB" sz="2400" dirty="0">
-              <a:solidFill>
-                <a:srgbClr val="005293"/>
-              </a:solidFill>
-            </a:endParaRPr>
-          </a:p>
-          <a:p>
-            <a:pPr marL="342900" indent="-342900">
-              <a:spcAft>
-                <a:spcPts val="600"/>
-              </a:spcAft>
-              <a:buFont typeface="Wingdings" panose="05000000000000000000" pitchFamily="2" charset="2"/>
-              <a:buChar char="Ø"/>
-            </a:pPr>
-            <a:r>
-              <a:rPr lang="de-DE" dirty="0"/>
-              <a:t>GCC 9.3.0 mit Option -03</a:t>
-            </a:r>
-            <a:endParaRPr lang="en-GB" dirty="0"/>
-          </a:p>
-          <a:p>
-            <a:pPr marL="285750" indent="-285750">
-              <a:spcAft>
-                <a:spcPts val="600"/>
-              </a:spcAft>
-              <a:buFont typeface="Wingdings" panose="05000000000000000000" pitchFamily="2" charset="2"/>
-              <a:buChar char="Ø"/>
-            </a:pPr>
-            <a:endParaRPr lang="en-GB" dirty="0"/>
-          </a:p>
-          <a:p>
-            <a:pPr marL="457200" indent="-457200">
-              <a:spcAft>
-                <a:spcPts val="600"/>
-              </a:spcAft>
-              <a:buFont typeface="Courier New" panose="02070309020205020404" pitchFamily="49" charset="0"/>
-              <a:buChar char="o"/>
-            </a:pPr>
-            <a:endParaRPr lang="en-GB" dirty="0">
-              <a:solidFill>
-                <a:srgbClr val="FF0000"/>
-              </a:solidFill>
-            </a:endParaRPr>
-          </a:p>
-          <a:p>
-            <a:pPr marL="285750" indent="-285750">
-              <a:spcAft>
-                <a:spcPts val="600"/>
-              </a:spcAft>
-              <a:buFont typeface="Courier New" panose="02070309020205020404" pitchFamily="49" charset="0"/>
-              <a:buChar char="o"/>
-            </a:pPr>
-            <a:endParaRPr lang="en-US" dirty="0">
-              <a:solidFill>
-                <a:srgbClr val="FF0000"/>
-              </a:solidFill>
-            </a:endParaRPr>
-          </a:p>
-        </p:txBody>
-      </p:sp>
-      <p:sp>
-        <p:nvSpPr>
-          <p:cNvPr id="5" name="Fußzeilenplatzhalter 4">
-            <a:extLst>
-              <a:ext uri="{FF2B5EF4-FFF2-40B4-BE49-F238E27FC236}">
-                <a16:creationId xmlns:a16="http://schemas.microsoft.com/office/drawing/2014/main" id="{3B0BCB8F-E3A9-4F70-A2AB-F23989C12790}"/>
-              </a:ext>
-            </a:extLst>
-          </p:cNvPr>
-          <p:cNvSpPr>
-            <a:spLocks noGrp="1"/>
-          </p:cNvSpPr>
-          <p:nvPr/>
-        </p:nvSpPr>
-        <p:spPr bwMode="auto">
-          <a:xfrm>
-            <a:off x="169558" y="6473313"/>
-            <a:ext cx="8393101" cy="365125"/>
-          </a:xfrm>
-          <a:prstGeom prst="rect">
-            <a:avLst/>
-          </a:prstGeom>
-        </p:spPr>
-        <p:txBody>
-          <a:bodyPr vert="horz" lIns="0" tIns="45720" rIns="0" bIns="45720" rtlCol="0" anchor="ctr">
-            <a:normAutofit/>
-          </a:bodyPr>
-          <a:lstStyle>
-            <a:defPPr>
-              <a:defRPr lang="de-DE"/>
-            </a:defPPr>
-            <a:lvl1pPr algn="l">
-              <a:spcBef>
-                <a:spcPts val="0"/>
-              </a:spcBef>
-              <a:spcAft>
-                <a:spcPts val="0"/>
-              </a:spcAft>
-              <a:defRPr sz="1200">
-                <a:solidFill>
-                  <a:schemeClr val="tx1"/>
-                </a:solidFill>
-                <a:latin typeface="Arial"/>
-                <a:ea typeface="+mn-ea"/>
-                <a:cs typeface="Arial"/>
-              </a:defRPr>
-            </a:lvl1pPr>
-            <a:lvl2pPr marL="457200" algn="l">
-              <a:spcBef>
-                <a:spcPts val="0"/>
-              </a:spcBef>
-              <a:spcAft>
-                <a:spcPts val="0"/>
-              </a:spcAft>
-              <a:defRPr>
-                <a:solidFill>
-                  <a:schemeClr val="tx1"/>
-                </a:solidFill>
-                <a:latin typeface="Arial"/>
-                <a:ea typeface="+mn-ea"/>
-                <a:cs typeface="Arial"/>
-              </a:defRPr>
-            </a:lvl2pPr>
-            <a:lvl3pPr marL="914400" algn="l">
-              <a:spcBef>
-                <a:spcPts val="0"/>
-              </a:spcBef>
-              <a:spcAft>
-                <a:spcPts val="0"/>
-              </a:spcAft>
-              <a:defRPr>
-                <a:solidFill>
-                  <a:schemeClr val="tx1"/>
-                </a:solidFill>
-                <a:latin typeface="Arial"/>
-                <a:ea typeface="+mn-ea"/>
-                <a:cs typeface="Arial"/>
-              </a:defRPr>
-            </a:lvl3pPr>
-            <a:lvl4pPr marL="1371600" algn="l">
-              <a:spcBef>
-                <a:spcPts val="0"/>
-              </a:spcBef>
-              <a:spcAft>
-                <a:spcPts val="0"/>
-              </a:spcAft>
-              <a:defRPr>
-                <a:solidFill>
-                  <a:schemeClr val="tx1"/>
-                </a:solidFill>
-                <a:latin typeface="Arial"/>
-                <a:ea typeface="+mn-ea"/>
-                <a:cs typeface="Arial"/>
-              </a:defRPr>
-            </a:lvl4pPr>
-            <a:lvl5pPr marL="1828800" algn="l">
-              <a:spcBef>
-                <a:spcPts val="0"/>
-              </a:spcBef>
-              <a:spcAft>
-                <a:spcPts val="0"/>
-              </a:spcAft>
-              <a:defRPr>
-                <a:solidFill>
-                  <a:schemeClr val="tx1"/>
-                </a:solidFill>
-                <a:latin typeface="Arial"/>
-                <a:ea typeface="+mn-ea"/>
-                <a:cs typeface="Arial"/>
-              </a:defRPr>
-            </a:lvl5pPr>
-            <a:lvl6pPr marL="2286000" algn="l" defTabSz="914400">
-              <a:defRPr>
-                <a:solidFill>
-                  <a:schemeClr val="tx1"/>
-                </a:solidFill>
-                <a:latin typeface="Arial"/>
-                <a:ea typeface="+mn-ea"/>
-                <a:cs typeface="Arial"/>
-              </a:defRPr>
-            </a:lvl6pPr>
-            <a:lvl7pPr marL="2743200" algn="l" defTabSz="914400">
-              <a:defRPr>
-                <a:solidFill>
-                  <a:schemeClr val="tx1"/>
-                </a:solidFill>
-                <a:latin typeface="Arial"/>
-                <a:ea typeface="+mn-ea"/>
-                <a:cs typeface="Arial"/>
-              </a:defRPr>
-            </a:lvl7pPr>
-            <a:lvl8pPr marL="3200400" algn="l" defTabSz="914400">
-              <a:defRPr>
-                <a:solidFill>
-                  <a:schemeClr val="tx1"/>
-                </a:solidFill>
-                <a:latin typeface="Arial"/>
-                <a:ea typeface="+mn-ea"/>
-                <a:cs typeface="Arial"/>
-              </a:defRPr>
-            </a:lvl8pPr>
-            <a:lvl9pPr marL="3657600" algn="l" defTabSz="914400">
-              <a:defRPr>
-                <a:solidFill>
-                  <a:schemeClr val="tx1"/>
-                </a:solidFill>
-                <a:latin typeface="Arial"/>
-                <a:ea typeface="+mn-ea"/>
-                <a:cs typeface="Arial"/>
-              </a:defRPr>
-            </a:lvl9pPr>
-          </a:lstStyle>
-          <a:p>
-            <a:pPr>
-              <a:lnSpc>
-                <a:spcPct val="90000"/>
-              </a:lnSpc>
-              <a:defRPr/>
-            </a:pPr>
-            <a:r>
-              <a:rPr lang="de-DE" sz="900" dirty="0"/>
-              <a:t>Aspekte der systemnahen Programmierung bei der Spieleentwicklung | 16.02.2021 | </a:t>
-            </a:r>
-            <a:r>
-              <a:rPr lang="de-DE" sz="900" b="1" dirty="0" err="1"/>
-              <a:t>Peano</a:t>
-            </a:r>
-            <a:r>
-              <a:rPr lang="de-DE" sz="900" b="1" dirty="0"/>
-              <a:t>-Kurven (A214)		 </a:t>
-            </a:r>
-            <a:r>
-              <a:rPr lang="en-US" sz="1600" b="1" dirty="0"/>
-              <a:t>Mohamed Attia</a:t>
-            </a:r>
-            <a:endParaRPr lang="de-DE" sz="1600" b="1" dirty="0"/>
-          </a:p>
-          <a:p>
-            <a:pPr>
-              <a:lnSpc>
-                <a:spcPct val="90000"/>
-              </a:lnSpc>
-              <a:defRPr/>
-            </a:pPr>
-            <a:endParaRPr lang="de-DE" dirty="0"/>
-          </a:p>
-          <a:p>
-            <a:pPr>
-              <a:lnSpc>
-                <a:spcPct val="90000"/>
-              </a:lnSpc>
-              <a:spcAft>
-                <a:spcPts val="600"/>
-              </a:spcAft>
-              <a:defRPr/>
-            </a:pPr>
-            <a:endParaRPr lang="en-US" sz="900" dirty="0"/>
-          </a:p>
-        </p:txBody>
-      </p:sp>
-    </p:spTree>
-    <p:extLst>
-      <p:ext uri="{BB962C8B-B14F-4D97-AF65-F5344CB8AC3E}">
-        <p14:creationId xmlns:p14="http://schemas.microsoft.com/office/powerpoint/2010/main" val="2239404565"/>
-      </p:ext>
-    </p:extLst>
-  </p:cSld>
-  <p:clrMapOvr>
-    <a:masterClrMapping/>
-  </p:clrMapOvr>
-  <mc:AlternateContent xmlns:mc="http://schemas.openxmlformats.org/markup-compatibility/2006" xmlns:p14="http://schemas.microsoft.com/office/powerpoint/2010/main">
-    <mc:Choice Requires="p14">
-      <p:transition spd="med" p14:dur="700" advTm="29363">
-        <p:fade/>
-      </p:transition>
-    </mc:Choice>
-    <mc:Fallback xmlns="">
-      <p:transition spd="med" advTm="29363">
-        <p:fade/>
-      </p:transition>
-    </mc:Fallback>
-  </mc:AlternateContent>
-</p:sld>
-</file>
-
-<file path=ppt/slides/slide9.xml><?xml version="1.0" encoding="utf-8"?>
-<p:sld xmlns:a="http://schemas.openxmlformats.org/drawingml/2006/main" xmlns:r="http://schemas.openxmlformats.org/officeDocument/2006/relationships" xmlns:p="http://schemas.openxmlformats.org/presentationml/2006/main">
-  <p:cSld>
-    <p:spTree>
-      <p:nvGrpSpPr>
-        <p:cNvPr id="1" name=""/>
-        <p:cNvGrpSpPr/>
-        <p:nvPr/>
-      </p:nvGrpSpPr>
-      <p:grpSpPr>
-        <a:xfrm>
-          <a:off x="0" y="0"/>
-          <a:ext cx="0" cy="0"/>
-          <a:chOff x="0" y="0"/>
-          <a:chExt cx="0" cy="0"/>
-        </a:xfrm>
-      </p:grpSpPr>
-      <p:sp>
-        <p:nvSpPr>
-          <p:cNvPr id="4" name="Foliennummernplatzhalter 3"/>
-          <p:cNvSpPr>
-            <a:spLocks noGrp="1"/>
-          </p:cNvSpPr>
-          <p:nvPr>
-            <p:ph type="sldNum" sz="quarter" idx="11"/>
-          </p:nvPr>
-        </p:nvSpPr>
-        <p:spPr>
-          <a:xfrm>
-            <a:off x="6774934" y="6473313"/>
-            <a:ext cx="2052074" cy="365125"/>
-          </a:xfrm>
-        </p:spPr>
-        <p:txBody>
-          <a:bodyPr anchor="ctr">
-            <a:normAutofit/>
-          </a:bodyPr>
-          <a:lstStyle/>
-          <a:p>
-            <a:pPr>
-              <a:spcAft>
-                <a:spcPts val="600"/>
-              </a:spcAft>
-            </a:pPr>
-            <a:fld id="{CE58CB1E-F828-4F11-99E0-327109AF9DA4}" type="slidenum">
-              <a:rPr lang="de-DE" smtClean="0"/>
-              <a:pPr>
-                <a:spcAft>
-                  <a:spcPts val="600"/>
-                </a:spcAft>
-              </a:pPr>
-              <a:t>9</a:t>
-            </a:fld>
-            <a:endParaRPr lang="de-DE" dirty="0"/>
-          </a:p>
-        </p:txBody>
-      </p:sp>
-      <p:sp>
-        <p:nvSpPr>
-          <p:cNvPr id="7" name="Titel 2">
-            <a:extLst>
-              <a:ext uri="{FF2B5EF4-FFF2-40B4-BE49-F238E27FC236}">
-                <a16:creationId xmlns:a16="http://schemas.microsoft.com/office/drawing/2014/main" id="{B24129D1-E71B-47E0-9724-460D627BC21D}"/>
-              </a:ext>
-            </a:extLst>
-          </p:cNvPr>
-          <p:cNvSpPr txBox="1">
-            <a:spLocks/>
-          </p:cNvSpPr>
-          <p:nvPr/>
-        </p:nvSpPr>
-        <p:spPr>
-          <a:xfrm>
-            <a:off x="311162" y="878427"/>
-            <a:ext cx="8508999" cy="410369"/>
-          </a:xfrm>
-          <a:prstGeom prst="rect">
-            <a:avLst/>
-          </a:prstGeom>
-          <a:noFill/>
-          <a:ln w="9525">
-            <a:noFill/>
-            <a:miter lim="800000"/>
-            <a:headEnd/>
-            <a:tailEnd/>
-          </a:ln>
-        </p:spPr>
-        <p:txBody>
-          <a:bodyPr vert="horz" wrap="square" lIns="0" tIns="0" rIns="0" bIns="0" numCol="1" anchor="t" anchorCtr="0" compatLnSpc="1">
-            <a:prstTxWarp prst="textNoShape">
-              <a:avLst/>
-            </a:prstTxWarp>
-            <a:noAutofit/>
-          </a:bodyPr>
-          <a:lstStyle>
-            <a:lvl1pPr algn="l" rtl="0" eaLnBrk="0" fontAlgn="base" hangingPunct="0">
-              <a:lnSpc>
-                <a:spcPts val="3200"/>
-              </a:lnSpc>
-              <a:spcBef>
-                <a:spcPct val="0"/>
-              </a:spcBef>
-              <a:spcAft>
-                <a:spcPct val="0"/>
-              </a:spcAft>
-              <a:defRPr lang="de-DE" sz="3000" b="0" kern="1200" noProof="0" dirty="0">
-                <a:solidFill>
-                  <a:schemeClr val="tx1"/>
-                </a:solidFill>
-                <a:latin typeface="+mj-lt"/>
-                <a:ea typeface="+mj-ea"/>
-                <a:cs typeface="+mj-cs"/>
-              </a:defRPr>
-            </a:lvl1pPr>
-            <a:lvl2pPr algn="l" rtl="0" eaLnBrk="0" fontAlgn="base" hangingPunct="0">
-              <a:spcBef>
-                <a:spcPct val="0"/>
-              </a:spcBef>
-              <a:spcAft>
-                <a:spcPct val="0"/>
-              </a:spcAft>
-              <a:defRPr sz="2000" b="1">
-                <a:solidFill>
-                  <a:schemeClr val="tx2"/>
-                </a:solidFill>
-                <a:latin typeface="Arial" charset="0"/>
-                <a:cs typeface="Arial" charset="0"/>
-              </a:defRPr>
-            </a:lvl2pPr>
-            <a:lvl3pPr algn="l" rtl="0" eaLnBrk="0" fontAlgn="base" hangingPunct="0">
-              <a:spcBef>
-                <a:spcPct val="0"/>
-              </a:spcBef>
-              <a:spcAft>
-                <a:spcPct val="0"/>
-              </a:spcAft>
-              <a:defRPr sz="2000" b="1">
-                <a:solidFill>
-                  <a:schemeClr val="tx2"/>
-                </a:solidFill>
-                <a:latin typeface="Arial" charset="0"/>
-                <a:cs typeface="Arial" charset="0"/>
-              </a:defRPr>
-            </a:lvl3pPr>
-            <a:lvl4pPr algn="l" rtl="0" eaLnBrk="0" fontAlgn="base" hangingPunct="0">
-              <a:spcBef>
-                <a:spcPct val="0"/>
-              </a:spcBef>
-              <a:spcAft>
-                <a:spcPct val="0"/>
-              </a:spcAft>
-              <a:defRPr sz="2000" b="1">
-                <a:solidFill>
-                  <a:schemeClr val="tx2"/>
-                </a:solidFill>
-                <a:latin typeface="Arial" charset="0"/>
-                <a:cs typeface="Arial" charset="0"/>
-              </a:defRPr>
-            </a:lvl4pPr>
-            <a:lvl5pPr algn="l" rtl="0" eaLnBrk="0" fontAlgn="base" hangingPunct="0">
-              <a:spcBef>
-                <a:spcPct val="0"/>
-              </a:spcBef>
-              <a:spcAft>
-                <a:spcPct val="0"/>
-              </a:spcAft>
-              <a:defRPr sz="2000" b="1">
-                <a:solidFill>
-                  <a:schemeClr val="tx2"/>
-                </a:solidFill>
-                <a:latin typeface="Arial" charset="0"/>
-                <a:cs typeface="Arial" charset="0"/>
-              </a:defRPr>
-            </a:lvl5pPr>
-            <a:lvl6pPr marL="457200" algn="l" rtl="0" fontAlgn="base">
-              <a:spcBef>
-                <a:spcPct val="0"/>
-              </a:spcBef>
-              <a:spcAft>
-                <a:spcPct val="0"/>
-              </a:spcAft>
-              <a:defRPr sz="2000" b="1">
-                <a:solidFill>
-                  <a:schemeClr val="tx2"/>
-                </a:solidFill>
-                <a:latin typeface="Arial" charset="0"/>
-                <a:cs typeface="Arial" charset="0"/>
-              </a:defRPr>
-            </a:lvl6pPr>
-            <a:lvl7pPr marL="914400" algn="l" rtl="0" fontAlgn="base">
-              <a:spcBef>
-                <a:spcPct val="0"/>
-              </a:spcBef>
-              <a:spcAft>
-                <a:spcPct val="0"/>
-              </a:spcAft>
-              <a:defRPr sz="2000" b="1">
-                <a:solidFill>
-                  <a:schemeClr val="tx2"/>
-                </a:solidFill>
-                <a:latin typeface="Arial" charset="0"/>
-                <a:cs typeface="Arial" charset="0"/>
-              </a:defRPr>
-            </a:lvl7pPr>
-            <a:lvl8pPr marL="1371600" algn="l" rtl="0" fontAlgn="base">
-              <a:spcBef>
-                <a:spcPct val="0"/>
-              </a:spcBef>
-              <a:spcAft>
-                <a:spcPct val="0"/>
-              </a:spcAft>
-              <a:defRPr sz="2000" b="1">
-                <a:solidFill>
-                  <a:schemeClr val="tx2"/>
-                </a:solidFill>
-                <a:latin typeface="Arial" charset="0"/>
-                <a:cs typeface="Arial" charset="0"/>
-              </a:defRPr>
-            </a:lvl8pPr>
-            <a:lvl9pPr marL="1828800" algn="l" rtl="0" fontAlgn="base">
-              <a:spcBef>
-                <a:spcPct val="0"/>
-              </a:spcBef>
-              <a:spcAft>
-                <a:spcPct val="0"/>
-              </a:spcAft>
-              <a:defRPr sz="2000" b="1">
-                <a:solidFill>
-                  <a:schemeClr val="tx2"/>
-                </a:solidFill>
-                <a:latin typeface="Arial" charset="0"/>
-                <a:cs typeface="Arial" charset="0"/>
-              </a:defRPr>
-            </a:lvl9pPr>
-          </a:lstStyle>
-          <a:p>
-            <a:r>
-              <a:rPr lang="en-US" sz="3200" dirty="0"/>
-              <a:t> </a:t>
-            </a:r>
-            <a:r>
-              <a:rPr lang="en-US" sz="3200" dirty="0" err="1">
-                <a:solidFill>
-                  <a:schemeClr val="bg2">
-                    <a:lumMod val="75000"/>
-                  </a:schemeClr>
-                </a:solidFill>
-              </a:rPr>
-              <a:t>Performanzanalyse</a:t>
-            </a:r>
-            <a:r>
-              <a:rPr lang="en-US" sz="3200" dirty="0">
-                <a:solidFill>
-                  <a:schemeClr val="bg2">
-                    <a:lumMod val="75000"/>
-                  </a:schemeClr>
-                </a:solidFill>
-              </a:rPr>
-              <a:t>: </a:t>
-            </a:r>
-            <a:r>
-              <a:rPr lang="en-US" sz="3200" dirty="0">
-                <a:solidFill>
-                  <a:srgbClr val="005293"/>
-                </a:solidFill>
-              </a:rPr>
-              <a:t>SIMD-</a:t>
-            </a:r>
-            <a:r>
-              <a:rPr lang="en-US" sz="3200" dirty="0" err="1">
-                <a:solidFill>
-                  <a:srgbClr val="005293"/>
-                </a:solidFill>
-              </a:rPr>
-              <a:t>Instruktionen</a:t>
-            </a:r>
-            <a:endParaRPr lang="en-US" sz="3200" dirty="0"/>
-          </a:p>
-        </p:txBody>
-      </p:sp>
-      <p:pic>
-        <p:nvPicPr>
-          <p:cNvPr id="10" name="Picture 9" descr="Table&#10;&#10;Description automatically generated">
-            <a:extLst>
-              <a:ext uri="{FF2B5EF4-FFF2-40B4-BE49-F238E27FC236}">
-                <a16:creationId xmlns:a16="http://schemas.microsoft.com/office/drawing/2014/main" id="{1419B984-9DED-4B28-95AC-4B074D22B4CA}"/>
-              </a:ext>
-            </a:extLst>
-          </p:cNvPr>
-          <p:cNvPicPr>
-            <a:picLocks noChangeAspect="1"/>
-          </p:cNvPicPr>
-          <p:nvPr/>
-        </p:nvPicPr>
-        <p:blipFill>
-          <a:blip r:embed="rId2"/>
-          <a:stretch>
-            <a:fillRect/>
-          </a:stretch>
-        </p:blipFill>
-        <p:spPr>
-          <a:xfrm>
-            <a:off x="442659" y="2398029"/>
-            <a:ext cx="8333530" cy="3118148"/>
-          </a:xfrm>
-          <a:prstGeom prst="rect">
-            <a:avLst/>
-          </a:prstGeom>
-        </p:spPr>
-      </p:pic>
-      <p:sp>
-        <p:nvSpPr>
-          <p:cNvPr id="5" name="Fußzeilenplatzhalter 4">
-            <a:extLst>
-              <a:ext uri="{FF2B5EF4-FFF2-40B4-BE49-F238E27FC236}">
-                <a16:creationId xmlns:a16="http://schemas.microsoft.com/office/drawing/2014/main" id="{93186AD8-42FD-4733-A18E-CA290820B73C}"/>
-              </a:ext>
-            </a:extLst>
-          </p:cNvPr>
-          <p:cNvSpPr>
-            <a:spLocks noGrp="1"/>
-          </p:cNvSpPr>
-          <p:nvPr/>
-        </p:nvSpPr>
-        <p:spPr bwMode="auto">
-          <a:xfrm>
-            <a:off x="169558" y="6473313"/>
-            <a:ext cx="8393101" cy="365125"/>
-          </a:xfrm>
-          <a:prstGeom prst="rect">
-            <a:avLst/>
-          </a:prstGeom>
-        </p:spPr>
-        <p:txBody>
-          <a:bodyPr vert="horz" lIns="0" tIns="45720" rIns="0" bIns="45720" rtlCol="0" anchor="ctr">
-            <a:normAutofit/>
-          </a:bodyPr>
-          <a:lstStyle>
-            <a:defPPr>
-              <a:defRPr lang="de-DE"/>
-            </a:defPPr>
-            <a:lvl1pPr algn="l">
-              <a:spcBef>
-                <a:spcPts val="0"/>
-              </a:spcBef>
-              <a:spcAft>
-                <a:spcPts val="0"/>
-              </a:spcAft>
-              <a:defRPr sz="1200">
-                <a:solidFill>
-                  <a:schemeClr val="tx1"/>
-                </a:solidFill>
-                <a:latin typeface="Arial"/>
-                <a:ea typeface="+mn-ea"/>
-                <a:cs typeface="Arial"/>
-              </a:defRPr>
-            </a:lvl1pPr>
-            <a:lvl2pPr marL="457200" algn="l">
-              <a:spcBef>
-                <a:spcPts val="0"/>
-              </a:spcBef>
-              <a:spcAft>
-                <a:spcPts val="0"/>
-              </a:spcAft>
-              <a:defRPr>
-                <a:solidFill>
-                  <a:schemeClr val="tx1"/>
-                </a:solidFill>
-                <a:latin typeface="Arial"/>
-                <a:ea typeface="+mn-ea"/>
-                <a:cs typeface="Arial"/>
-              </a:defRPr>
-            </a:lvl2pPr>
-            <a:lvl3pPr marL="914400" algn="l">
-              <a:spcBef>
-                <a:spcPts val="0"/>
-              </a:spcBef>
-              <a:spcAft>
-                <a:spcPts val="0"/>
-              </a:spcAft>
-              <a:defRPr>
-                <a:solidFill>
-                  <a:schemeClr val="tx1"/>
-                </a:solidFill>
-                <a:latin typeface="Arial"/>
-                <a:ea typeface="+mn-ea"/>
-                <a:cs typeface="Arial"/>
-              </a:defRPr>
-            </a:lvl3pPr>
-            <a:lvl4pPr marL="1371600" algn="l">
-              <a:spcBef>
-                <a:spcPts val="0"/>
-              </a:spcBef>
-              <a:spcAft>
-                <a:spcPts val="0"/>
-              </a:spcAft>
-              <a:defRPr>
-                <a:solidFill>
-                  <a:schemeClr val="tx1"/>
-                </a:solidFill>
-                <a:latin typeface="Arial"/>
-                <a:ea typeface="+mn-ea"/>
-                <a:cs typeface="Arial"/>
-              </a:defRPr>
-            </a:lvl4pPr>
-            <a:lvl5pPr marL="1828800" algn="l">
-              <a:spcBef>
-                <a:spcPts val="0"/>
-              </a:spcBef>
-              <a:spcAft>
-                <a:spcPts val="0"/>
-              </a:spcAft>
-              <a:defRPr>
-                <a:solidFill>
-                  <a:schemeClr val="tx1"/>
-                </a:solidFill>
-                <a:latin typeface="Arial"/>
-                <a:ea typeface="+mn-ea"/>
-                <a:cs typeface="Arial"/>
-              </a:defRPr>
-            </a:lvl5pPr>
-            <a:lvl6pPr marL="2286000" algn="l" defTabSz="914400">
-              <a:defRPr>
-                <a:solidFill>
-                  <a:schemeClr val="tx1"/>
-                </a:solidFill>
-                <a:latin typeface="Arial"/>
-                <a:ea typeface="+mn-ea"/>
-                <a:cs typeface="Arial"/>
-              </a:defRPr>
-            </a:lvl6pPr>
-            <a:lvl7pPr marL="2743200" algn="l" defTabSz="914400">
-              <a:defRPr>
-                <a:solidFill>
-                  <a:schemeClr val="tx1"/>
-                </a:solidFill>
-                <a:latin typeface="Arial"/>
-                <a:ea typeface="+mn-ea"/>
-                <a:cs typeface="Arial"/>
-              </a:defRPr>
-            </a:lvl7pPr>
-            <a:lvl8pPr marL="3200400" algn="l" defTabSz="914400">
-              <a:defRPr>
-                <a:solidFill>
-                  <a:schemeClr val="tx1"/>
-                </a:solidFill>
-                <a:latin typeface="Arial"/>
-                <a:ea typeface="+mn-ea"/>
-                <a:cs typeface="Arial"/>
-              </a:defRPr>
-            </a:lvl8pPr>
-            <a:lvl9pPr marL="3657600" algn="l" defTabSz="914400">
-              <a:defRPr>
-                <a:solidFill>
-                  <a:schemeClr val="tx1"/>
-                </a:solidFill>
-                <a:latin typeface="Arial"/>
-                <a:ea typeface="+mn-ea"/>
-                <a:cs typeface="Arial"/>
-              </a:defRPr>
-            </a:lvl9pPr>
-          </a:lstStyle>
-          <a:p>
-            <a:pPr>
-              <a:lnSpc>
-                <a:spcPct val="90000"/>
-              </a:lnSpc>
-              <a:defRPr/>
-            </a:pPr>
-            <a:r>
-              <a:rPr lang="de-DE" sz="900" dirty="0"/>
-              <a:t>Aspekte der systemnahen Programmierung bei der Spieleentwicklung | 16.02.2021 | </a:t>
-            </a:r>
-            <a:r>
-              <a:rPr lang="de-DE" sz="900" b="1" dirty="0" err="1"/>
-              <a:t>Peano</a:t>
-            </a:r>
-            <a:r>
-              <a:rPr lang="de-DE" sz="900" b="1" dirty="0"/>
-              <a:t>-Kurven (A214)		 </a:t>
-            </a:r>
-            <a:r>
-              <a:rPr lang="en-US" sz="1600" b="1" dirty="0"/>
-              <a:t>Mohamed Attia</a:t>
-            </a:r>
-            <a:endParaRPr lang="de-DE" sz="1600" b="1" dirty="0"/>
-          </a:p>
-          <a:p>
-            <a:pPr>
-              <a:lnSpc>
-                <a:spcPct val="90000"/>
-              </a:lnSpc>
-              <a:defRPr/>
-            </a:pPr>
-            <a:endParaRPr lang="de-DE" dirty="0"/>
-          </a:p>
-          <a:p>
-            <a:pPr>
-              <a:lnSpc>
-                <a:spcPct val="90000"/>
-              </a:lnSpc>
-              <a:spcAft>
-                <a:spcPts val="600"/>
-              </a:spcAft>
-              <a:defRPr/>
-            </a:pPr>
-            <a:endParaRPr lang="en-US" sz="900" dirty="0"/>
-          </a:p>
-        </p:txBody>
-      </p:sp>
-    </p:spTree>
-    <p:extLst>
-      <p:ext uri="{BB962C8B-B14F-4D97-AF65-F5344CB8AC3E}">
-        <p14:creationId xmlns:p14="http://schemas.microsoft.com/office/powerpoint/2010/main" val="1685893145"/>
       </p:ext>
     </p:extLst>
   </p:cSld>

--- a/Ausarbeitung/präzi.pptx
+++ b/Ausarbeitung/präzi.pptx
@@ -19509,44 +19509,6 @@
             <a:endParaRPr lang="en-GB" dirty="0"/>
           </a:p>
           <a:p>
-            <a:pPr>
-              <a:spcAft>
-                <a:spcPts val="600"/>
-              </a:spcAft>
-            </a:pPr>
-            <a:endParaRPr lang="en-GB" dirty="0"/>
-          </a:p>
-          <a:p>
-            <a:pPr marL="285750" indent="-285750">
-              <a:spcAft>
-                <a:spcPts val="600"/>
-              </a:spcAft>
-              <a:buFont typeface="Arial" panose="020B0604020202020204" pitchFamily="34" charset="0"/>
-              <a:buChar char="•"/>
-            </a:pPr>
-            <a:r>
-              <a:rPr lang="en-GB" dirty="0" err="1"/>
-              <a:t>Induktiv</a:t>
-            </a:r>
-            <a:r>
-              <a:rPr lang="en-GB" dirty="0"/>
-              <a:t> </a:t>
-            </a:r>
-            <a:r>
-              <a:rPr lang="en-GB" dirty="0" err="1"/>
-              <a:t>zu</a:t>
-            </a:r>
-            <a:r>
-              <a:rPr lang="en-GB" dirty="0"/>
-              <a:t> </a:t>
-            </a:r>
-            <a:r>
-              <a:rPr lang="en-GB" dirty="0" err="1"/>
-              <a:t>zeigen</a:t>
-            </a:r>
-            <a:endParaRPr lang="en-GB" dirty="0"/>
-          </a:p>
-          <a:p>
             <a:pPr marL="285750" indent="-285750">
               <a:spcAft>
                 <a:spcPts val="600"/>
@@ -19565,50 +19527,43 @@
               <a:buChar char="•"/>
             </a:pPr>
             <a:r>
-              <a:rPr lang="en-GB" dirty="0" err="1"/>
-              <a:t>Konstruktion</a:t>
-            </a:r>
-            <a:r>
-              <a:rPr lang="en-GB" dirty="0"/>
-              <a:t> </a:t>
-            </a:r>
-            <a:r>
-              <a:rPr lang="en-GB" dirty="0" err="1"/>
-              <a:t>aus</a:t>
-            </a:r>
-            <a:r>
-              <a:rPr lang="en-GB" dirty="0"/>
-              <a:t> den </a:t>
-            </a:r>
-            <a:r>
-              <a:rPr lang="en-GB" dirty="0" err="1"/>
-              <a:t>Kurven</a:t>
-            </a:r>
-            <a:r>
-              <a:rPr lang="en-GB" dirty="0"/>
-              <a:t> </a:t>
-            </a:r>
-            <a:r>
-              <a:rPr lang="en-GB" dirty="0" err="1"/>
-              <a:t>mit</a:t>
-            </a:r>
-            <a:r>
-              <a:rPr lang="en-GB" dirty="0"/>
-              <a:t> Grad 1 &amp; 2 </a:t>
-            </a:r>
-            <a:r>
-              <a:rPr lang="en-GB" dirty="0" err="1"/>
-              <a:t>abgeleitet</a:t>
+              <a:rPr lang="de-DE" dirty="0"/>
+              <a:t>Berechnung der Permutationen entscheidend</a:t>
             </a:r>
             <a:endParaRPr lang="en-GB" dirty="0"/>
           </a:p>
           <a:p>
-            <a:pPr>
+            <a:pPr marL="285750" indent="-285750">
               <a:spcAft>
                 <a:spcPts val="600"/>
               </a:spcAft>
+              <a:buFont typeface="Arial" panose="020B0604020202020204" pitchFamily="34" charset="0"/>
+              <a:buChar char="•"/>
             </a:pPr>
             <a:endParaRPr lang="en-GB" dirty="0"/>
+          </a:p>
+          <a:p>
+            <a:pPr marL="285750" indent="-285750">
+              <a:spcAft>
+                <a:spcPts val="600"/>
+              </a:spcAft>
+              <a:buFont typeface="Arial" panose="020B0604020202020204" pitchFamily="34" charset="0"/>
+              <a:buChar char="•"/>
+            </a:pPr>
+            <a:r>
+              <a:rPr lang="de-DE" dirty="0"/>
+              <a:t>Induktiv zu zeigen</a:t>
+            </a:r>
+          </a:p>
+          <a:p>
+            <a:pPr marL="285750" indent="-285750">
+              <a:spcAft>
+                <a:spcPts val="600"/>
+              </a:spcAft>
+              <a:buFont typeface="Arial" panose="020B0604020202020204" pitchFamily="34" charset="0"/>
+              <a:buChar char="•"/>
+            </a:pPr>
+            <a:endParaRPr lang="de-DE" dirty="0"/>
           </a:p>
           <a:p>
             <a:pPr marL="285750" indent="-285750">

--- a/Ausarbeitung/präzi.pptx
+++ b/Ausarbeitung/präzi.pptx
@@ -10,10 +10,10 @@
     <p:sldMasterId id="2147483697" r:id="rId6"/>
   </p:sldMasterIdLst>
   <p:notesMasterIdLst>
-    <p:notesMasterId r:id="rId23"/>
+    <p:notesMasterId r:id="rId22"/>
   </p:notesMasterIdLst>
   <p:handoutMasterIdLst>
-    <p:handoutMasterId r:id="rId24"/>
+    <p:handoutMasterId r:id="rId23"/>
   </p:handoutMasterIdLst>
   <p:sldIdLst>
     <p:sldId id="355" r:id="rId7"/>
@@ -26,12 +26,11 @@
     <p:sldId id="471" r:id="rId14"/>
     <p:sldId id="429" r:id="rId15"/>
     <p:sldId id="475" r:id="rId16"/>
-    <p:sldId id="476" r:id="rId17"/>
-    <p:sldId id="477" r:id="rId18"/>
-    <p:sldId id="478" r:id="rId19"/>
-    <p:sldId id="479" r:id="rId20"/>
-    <p:sldId id="480" r:id="rId21"/>
-    <p:sldId id="356" r:id="rId22"/>
+    <p:sldId id="478" r:id="rId17"/>
+    <p:sldId id="479" r:id="rId18"/>
+    <p:sldId id="476" r:id="rId19"/>
+    <p:sldId id="480" r:id="rId20"/>
+    <p:sldId id="356" r:id="rId21"/>
   </p:sldIdLst>
   <p:sldSz cx="9144000" cy="6858000" type="screen4x3"/>
   <p:notesSz cx="9925050" cy="6665913"/>
@@ -302,7 +301,7 @@
               <a:pPr>
                 <a:defRPr/>
               </a:pPr>
-              <a:t>15/02/2021</a:t>
+              <a:t>16/02/2021</a:t>
             </a:fld>
             <a:endParaRPr lang="en-GB" dirty="0"/>
           </a:p>
@@ -395,7 +394,7 @@
               <a:pPr>
                 <a:defRPr/>
               </a:pPr>
-              <a:t>‹Nr.›</a:t>
+              <a:t>‹#›</a:t>
             </a:fld>
             <a:endParaRPr lang="en-GB"/>
           </a:p>
@@ -631,7 +630,7 @@
               <a:pPr>
                 <a:defRPr/>
               </a:pPr>
-              <a:t>15/02/2021</a:t>
+              <a:t>16/02/2021</a:t>
             </a:fld>
             <a:endParaRPr lang="en-GB"/>
           </a:p>
@@ -823,7 +822,7 @@
               <a:pPr>
                 <a:defRPr/>
               </a:pPr>
-              <a:t>‹Nr.›</a:t>
+              <a:t>‹#›</a:t>
             </a:fld>
             <a:endParaRPr lang="en-GB"/>
           </a:p>
@@ -1214,7 +1213,7 @@
             <a:fld id="{CE58CB1E-F828-4F11-99E0-327109AF9DA4}" type="slidenum">
               <a:rPr lang="de-DE" smtClean="0"/>
               <a:pPr/>
-              <a:t>‹Nr.›</a:t>
+              <a:t>‹#›</a:t>
             </a:fld>
             <a:endParaRPr lang="de-DE" dirty="0"/>
           </a:p>
@@ -1375,7 +1374,7 @@
             <a:fld id="{CE58CB1E-F828-4F11-99E0-327109AF9DA4}" type="slidenum">
               <a:rPr lang="de-DE" smtClean="0"/>
               <a:pPr/>
-              <a:t>‹Nr.›</a:t>
+              <a:t>‹#›</a:t>
             </a:fld>
             <a:endParaRPr lang="de-DE" dirty="0"/>
           </a:p>
@@ -1594,7 +1593,7 @@
             <a:fld id="{CE58CB1E-F828-4F11-99E0-327109AF9DA4}" type="slidenum">
               <a:rPr lang="de-DE" smtClean="0"/>
               <a:pPr/>
-              <a:t>‹Nr.›</a:t>
+              <a:t>‹#›</a:t>
             </a:fld>
             <a:endParaRPr lang="de-DE" dirty="0"/>
           </a:p>
@@ -1939,7 +1938,7 @@
             <a:fld id="{CE58CB1E-F828-4F11-99E0-327109AF9DA4}" type="slidenum">
               <a:rPr lang="de-DE" smtClean="0"/>
               <a:pPr/>
-              <a:t>‹Nr.›</a:t>
+              <a:t>‹#›</a:t>
             </a:fld>
             <a:endParaRPr lang="de-DE" dirty="0"/>
           </a:p>
@@ -2138,7 +2137,7 @@
             <a:fld id="{CE58CB1E-F828-4F11-99E0-327109AF9DA4}" type="slidenum">
               <a:rPr lang="de-DE" smtClean="0"/>
               <a:pPr/>
-              <a:t>‹Nr.›</a:t>
+              <a:t>‹#›</a:t>
             </a:fld>
             <a:endParaRPr lang="de-DE" dirty="0"/>
           </a:p>
@@ -2337,7 +2336,7 @@
             <a:fld id="{CE58CB1E-F828-4F11-99E0-327109AF9DA4}" type="slidenum">
               <a:rPr lang="de-DE" smtClean="0"/>
               <a:pPr/>
-              <a:t>‹Nr.›</a:t>
+              <a:t>‹#›</a:t>
             </a:fld>
             <a:endParaRPr lang="de-DE" dirty="0"/>
           </a:p>
@@ -2658,7 +2657,7 @@
             <a:fld id="{CE58CB1E-F828-4F11-99E0-327109AF9DA4}" type="slidenum">
               <a:rPr lang="de-DE" smtClean="0"/>
               <a:pPr/>
-              <a:t>‹Nr.›</a:t>
+              <a:t>‹#›</a:t>
             </a:fld>
             <a:endParaRPr lang="de-DE" dirty="0"/>
           </a:p>
@@ -2834,7 +2833,7 @@
             <a:fld id="{CE58CB1E-F828-4F11-99E0-327109AF9DA4}" type="slidenum">
               <a:rPr lang="de-DE" smtClean="0"/>
               <a:pPr/>
-              <a:t>‹Nr.›</a:t>
+              <a:t>‹#›</a:t>
             </a:fld>
             <a:endParaRPr lang="de-DE" dirty="0"/>
           </a:p>
@@ -3149,7 +3148,7 @@
             <a:fld id="{CE58CB1E-F828-4F11-99E0-327109AF9DA4}" type="slidenum">
               <a:rPr lang="de-DE" smtClean="0"/>
               <a:pPr/>
-              <a:t>‹Nr.›</a:t>
+              <a:t>‹#›</a:t>
             </a:fld>
             <a:endParaRPr lang="de-DE" dirty="0"/>
           </a:p>
@@ -3421,7 +3420,7 @@
             <a:fld id="{CE58CB1E-F828-4F11-99E0-327109AF9DA4}" type="slidenum">
               <a:rPr lang="de-DE" smtClean="0"/>
               <a:pPr/>
-              <a:t>‹Nr.›</a:t>
+              <a:t>‹#›</a:t>
             </a:fld>
             <a:endParaRPr lang="de-DE" dirty="0"/>
           </a:p>
@@ -3608,7 +3607,7 @@
             <a:fld id="{CE58CB1E-F828-4F11-99E0-327109AF9DA4}" type="slidenum">
               <a:rPr lang="de-DE" smtClean="0"/>
               <a:pPr/>
-              <a:t>‹Nr.›</a:t>
+              <a:t>‹#›</a:t>
             </a:fld>
             <a:endParaRPr lang="de-DE" dirty="0"/>
           </a:p>
@@ -3881,7 +3880,7 @@
             <a:fld id="{CE58CB1E-F828-4F11-99E0-327109AF9DA4}" type="slidenum">
               <a:rPr lang="de-DE" smtClean="0"/>
               <a:pPr/>
-              <a:t>‹Nr.›</a:t>
+              <a:t>‹#›</a:t>
             </a:fld>
             <a:endParaRPr lang="de-DE" dirty="0"/>
           </a:p>
@@ -4080,7 +4079,7 @@
             <a:fld id="{CE58CB1E-F828-4F11-99E0-327109AF9DA4}" type="slidenum">
               <a:rPr lang="de-DE" smtClean="0"/>
               <a:pPr/>
-              <a:t>‹Nr.›</a:t>
+              <a:t>‹#›</a:t>
             </a:fld>
             <a:endParaRPr lang="de-DE" dirty="0"/>
           </a:p>
@@ -4165,7 +4164,7 @@
             <a:fld id="{CE58CB1E-F828-4F11-99E0-327109AF9DA4}" type="slidenum">
               <a:rPr lang="de-DE" smtClean="0"/>
               <a:pPr/>
-              <a:t>‹Nr.›</a:t>
+              <a:t>‹#›</a:t>
             </a:fld>
             <a:endParaRPr lang="de-DE" dirty="0"/>
           </a:p>
@@ -4446,7 +4445,7 @@
             <a:fld id="{CE58CB1E-F828-4F11-99E0-327109AF9DA4}" type="slidenum">
               <a:rPr lang="de-DE" smtClean="0"/>
               <a:pPr/>
-              <a:t>‹Nr.›</a:t>
+              <a:t>‹#›</a:t>
             </a:fld>
             <a:endParaRPr lang="de-DE" dirty="0"/>
           </a:p>
@@ -4657,7 +4656,7 @@
             <a:fld id="{CE58CB1E-F828-4F11-99E0-327109AF9DA4}" type="slidenum">
               <a:rPr lang="de-DE" smtClean="0"/>
               <a:pPr/>
-              <a:t>‹Nr.›</a:t>
+              <a:t>‹#›</a:t>
             </a:fld>
             <a:endParaRPr lang="de-DE" dirty="0"/>
           </a:p>
@@ -4856,7 +4855,7 @@
             <a:fld id="{CE58CB1E-F828-4F11-99E0-327109AF9DA4}" type="slidenum">
               <a:rPr lang="de-DE" smtClean="0"/>
               <a:pPr/>
-              <a:t>‹Nr.›</a:t>
+              <a:t>‹#›</a:t>
             </a:fld>
             <a:endParaRPr lang="de-DE" dirty="0"/>
           </a:p>
@@ -5032,7 +5031,7 @@
             <a:fld id="{CE58CB1E-F828-4F11-99E0-327109AF9DA4}" type="slidenum">
               <a:rPr lang="de-DE" smtClean="0"/>
               <a:pPr/>
-              <a:t>‹Nr.›</a:t>
+              <a:t>‹#›</a:t>
             </a:fld>
             <a:endParaRPr lang="de-DE" dirty="0"/>
           </a:p>
@@ -5401,7 +5400,7 @@
             <a:fld id="{CE58CB1E-F828-4F11-99E0-327109AF9DA4}" type="slidenum">
               <a:rPr lang="de-DE" smtClean="0"/>
               <a:pPr/>
-              <a:t>‹Nr.›</a:t>
+              <a:t>‹#›</a:t>
             </a:fld>
             <a:endParaRPr lang="de-DE" dirty="0"/>
           </a:p>
@@ -5600,7 +5599,7 @@
             <a:fld id="{CE58CB1E-F828-4F11-99E0-327109AF9DA4}" type="slidenum">
               <a:rPr lang="de-DE" smtClean="0"/>
               <a:pPr/>
-              <a:t>‹Nr.›</a:t>
+              <a:t>‹#›</a:t>
             </a:fld>
             <a:endParaRPr lang="de-DE" dirty="0"/>
           </a:p>
@@ -5824,7 +5823,7 @@
             <a:fld id="{CE58CB1E-F828-4F11-99E0-327109AF9DA4}" type="slidenum">
               <a:rPr lang="de-DE" smtClean="0"/>
               <a:pPr/>
-              <a:t>‹Nr.›</a:t>
+              <a:t>‹#›</a:t>
             </a:fld>
             <a:endParaRPr lang="de-DE" dirty="0"/>
           </a:p>
@@ -6061,7 +6060,7 @@
             <a:fld id="{CE58CB1E-F828-4F11-99E0-327109AF9DA4}" type="slidenum">
               <a:rPr lang="de-DE" smtClean="0"/>
               <a:pPr/>
-              <a:t>‹Nr.›</a:t>
+              <a:t>‹#›</a:t>
             </a:fld>
             <a:endParaRPr lang="de-DE" dirty="0"/>
           </a:p>
@@ -6539,7 +6538,7 @@
                   <a:spcPct val="114000"/>
                 </a:lnSpc>
               </a:pPr>
-              <a:t>‹Nr.›</a:t>
+              <a:t>‹#›</a:t>
             </a:fld>
             <a:endParaRPr lang="de-DE" sz="1200" dirty="0">
               <a:latin typeface="+mn-lt"/>
@@ -6631,7 +6630,7 @@
             <a:fld id="{CE58CB1E-F828-4F11-99E0-327109AF9DA4}" type="slidenum">
               <a:rPr lang="de-DE" noProof="0" smtClean="0"/>
               <a:pPr/>
-              <a:t>‹Nr.›</a:t>
+              <a:t>‹#›</a:t>
             </a:fld>
             <a:endParaRPr lang="de-DE" noProof="0"/>
           </a:p>
@@ -7145,7 +7144,7 @@
             <a:fld id="{CE58CB1E-F828-4F11-99E0-327109AF9DA4}" type="slidenum">
               <a:rPr lang="de-DE" smtClean="0"/>
               <a:pPr/>
-              <a:t>‹Nr.›</a:t>
+              <a:t>‹#›</a:t>
             </a:fld>
             <a:endParaRPr lang="de-DE" dirty="0"/>
           </a:p>
@@ -7803,7 +7802,7 @@
             <a:fld id="{CE58CB1E-F828-4F11-99E0-327109AF9DA4}" type="slidenum">
               <a:rPr lang="de-DE" smtClean="0"/>
               <a:pPr/>
-              <a:t>‹Nr.›</a:t>
+              <a:t>‹#›</a:t>
             </a:fld>
             <a:endParaRPr lang="de-DE" dirty="0"/>
           </a:p>
@@ -8400,7 +8399,7 @@
             <a:fld id="{CE58CB1E-F828-4F11-99E0-327109AF9DA4}" type="slidenum">
               <a:rPr lang="de-DE" smtClean="0"/>
               <a:pPr/>
-              <a:t>‹Nr.›</a:t>
+              <a:t>‹#›</a:t>
             </a:fld>
             <a:endParaRPr lang="de-DE" dirty="0"/>
           </a:p>
@@ -8997,7 +8996,7 @@
             <a:fld id="{CE58CB1E-F828-4F11-99E0-327109AF9DA4}" type="slidenum">
               <a:rPr lang="de-DE" smtClean="0"/>
               <a:pPr/>
-              <a:t>‹Nr.›</a:t>
+              <a:t>‹#›</a:t>
             </a:fld>
             <a:endParaRPr lang="de-DE" dirty="0"/>
           </a:p>
@@ -9691,21 +9690,71 @@
           </a:bodyPr>
           <a:lstStyle/>
           <a:p>
-            <a:pPr>
+            <a:pPr marL="0" marR="0" lvl="0" indent="0" algn="r" defTabSz="914400" rtl="0" eaLnBrk="1" fontAlgn="base" latinLnBrk="0" hangingPunct="1">
+              <a:lnSpc>
+                <a:spcPct val="100000"/>
+              </a:lnSpc>
+              <a:spcBef>
+                <a:spcPct val="0"/>
+              </a:spcBef>
               <a:spcAft>
                 <a:spcPts val="600"/>
               </a:spcAft>
+              <a:buClrTx/>
+              <a:buSzTx/>
+              <a:buFontTx/>
+              <a:buNone/>
+              <a:tabLst/>
+              <a:defRPr/>
             </a:pPr>
             <a:fld id="{CE58CB1E-F828-4F11-99E0-327109AF9DA4}" type="slidenum">
-              <a:rPr lang="de-DE" smtClean="0"/>
-              <a:pPr>
+              <a:rPr kumimoji="0" lang="de-DE" sz="1200" b="0" i="0" u="none" strike="noStrike" kern="1200" cap="none" spc="0" normalizeH="0" baseline="0" noProof="0" smtClean="0">
+                <a:ln>
+                  <a:noFill/>
+                </a:ln>
+                <a:solidFill>
+                  <a:prstClr val="black"/>
+                </a:solidFill>
+                <a:effectLst/>
+                <a:uLnTx/>
+                <a:uFillTx/>
+                <a:latin typeface="Arial" charset="0"/>
+                <a:ea typeface="+mn-ea"/>
+                <a:cs typeface="Arial" charset="0"/>
+              </a:rPr>
+              <a:pPr marL="0" marR="0" lvl="0" indent="0" algn="r" defTabSz="914400" rtl="0" eaLnBrk="1" fontAlgn="base" latinLnBrk="0" hangingPunct="1">
+                <a:lnSpc>
+                  <a:spcPct val="100000"/>
+                </a:lnSpc>
+                <a:spcBef>
+                  <a:spcPct val="0"/>
+                </a:spcBef>
                 <a:spcAft>
                   <a:spcPts val="600"/>
                 </a:spcAft>
+                <a:buClrTx/>
+                <a:buSzTx/>
+                <a:buFontTx/>
+                <a:buNone/>
+                <a:tabLst/>
+                <a:defRPr/>
               </a:pPr>
               <a:t>10</a:t>
             </a:fld>
-            <a:endParaRPr lang="de-DE"/>
+            <a:endParaRPr kumimoji="0" lang="de-DE" sz="1200" b="0" i="0" u="none" strike="noStrike" kern="1200" cap="none" spc="0" normalizeH="0" baseline="0" noProof="0">
+              <a:ln>
+                <a:noFill/>
+              </a:ln>
+              <a:solidFill>
+                <a:prstClr val="black"/>
+              </a:solidFill>
+              <a:effectLst/>
+              <a:uLnTx/>
+              <a:uFillTx/>
+              <a:latin typeface="Arial" charset="0"/>
+              <a:ea typeface="+mn-ea"/>
+              <a:cs typeface="Arial" charset="0"/>
+            </a:endParaRPr>
           </a:p>
         </p:txBody>
       </p:sp>
@@ -9952,179 +10001,479 @@
             </a:lvl9pPr>
           </a:lstStyle>
           <a:p>
-            <a:pPr marL="285750" indent="-285750">
+            <a:pPr marL="285750" marR="0" lvl="0" indent="-285750" algn="l" defTabSz="914400" rtl="0" eaLnBrk="0" fontAlgn="base" latinLnBrk="0" hangingPunct="0">
+              <a:lnSpc>
+                <a:spcPct val="114000"/>
+              </a:lnSpc>
+              <a:spcBef>
+                <a:spcPct val="0"/>
+              </a:spcBef>
               <a:spcAft>
                 <a:spcPts val="600"/>
               </a:spcAft>
+              <a:buClrTx/>
+              <a:buSzTx/>
               <a:buFont typeface="Courier New" panose="02070309020205020404" pitchFamily="49" charset="0"/>
               <a:buChar char="o"/>
+              <a:tabLst/>
+              <a:defRPr/>
             </a:pPr>
             <a:r>
-              <a:rPr lang="en-GB" sz="2400" dirty="0">
+              <a:rPr kumimoji="0" lang="en-GB" sz="2400" b="0" i="0" u="none" strike="noStrike" kern="1200" cap="none" spc="0" normalizeH="0" baseline="0" noProof="0" dirty="0">
+                <a:ln>
+                  <a:noFill/>
+                </a:ln>
                 <a:solidFill>
                   <a:srgbClr val="005293"/>
                 </a:solidFill>
+                <a:effectLst/>
+                <a:uLnTx/>
+                <a:uFillTx/>
+                <a:latin typeface="Arial"/>
+                <a:ea typeface="+mn-ea"/>
+                <a:cs typeface="+mn-cs"/>
               </a:rPr>
               <a:t>Environment:</a:t>
             </a:r>
           </a:p>
           <a:p>
-            <a:pPr marL="285750" indent="-285750">
+            <a:pPr marL="285750" marR="0" lvl="0" indent="-285750" algn="l" defTabSz="914400" rtl="0" eaLnBrk="0" fontAlgn="base" latinLnBrk="0" hangingPunct="0">
+              <a:lnSpc>
+                <a:spcPct val="114000"/>
+              </a:lnSpc>
+              <a:spcBef>
+                <a:spcPct val="0"/>
+              </a:spcBef>
               <a:spcAft>
                 <a:spcPts val="600"/>
               </a:spcAft>
+              <a:buClrTx/>
+              <a:buSzTx/>
               <a:buFont typeface="Courier New" panose="02070309020205020404" pitchFamily="49" charset="0"/>
               <a:buChar char="o"/>
+              <a:tabLst/>
+              <a:defRPr/>
             </a:pPr>
-            <a:endParaRPr lang="en-GB" sz="2400" dirty="0">
+            <a:endParaRPr kumimoji="0" lang="en-GB" sz="2400" b="0" i="0" u="none" strike="noStrike" kern="1200" cap="none" spc="0" normalizeH="0" baseline="0" noProof="0" dirty="0">
+              <a:ln>
+                <a:noFill/>
+              </a:ln>
               <a:solidFill>
                 <a:srgbClr val="005293"/>
               </a:solidFill>
+              <a:effectLst/>
+              <a:uLnTx/>
+              <a:uFillTx/>
+              <a:latin typeface="Arial"/>
+              <a:ea typeface="+mn-ea"/>
+              <a:cs typeface="+mn-cs"/>
             </a:endParaRPr>
           </a:p>
           <a:p>
-            <a:pPr marL="285750" indent="-285750">
+            <a:pPr marL="285750" marR="0" lvl="0" indent="-285750" algn="l" defTabSz="914400" rtl="0" eaLnBrk="0" fontAlgn="base" latinLnBrk="0" hangingPunct="0">
+              <a:lnSpc>
+                <a:spcPct val="114000"/>
+              </a:lnSpc>
+              <a:spcBef>
+                <a:spcPct val="0"/>
+              </a:spcBef>
               <a:spcAft>
                 <a:spcPts val="600"/>
               </a:spcAft>
+              <a:buClrTx/>
+              <a:buSzTx/>
               <a:buFont typeface="Wingdings" panose="05000000000000000000" pitchFamily="2" charset="2"/>
               <a:buChar char="Ø"/>
+              <a:tabLst/>
+              <a:defRPr/>
             </a:pPr>
             <a:r>
-              <a:rPr lang="en-GB" sz="1800" dirty="0"/>
+              <a:rPr kumimoji="0" lang="en-GB" sz="1800" b="0" i="0" u="none" strike="noStrike" kern="1200" cap="none" spc="0" normalizeH="0" baseline="0" noProof="0" dirty="0">
+                <a:ln>
+                  <a:noFill/>
+                </a:ln>
+                <a:solidFill>
+                  <a:prstClr val="black"/>
+                </a:solidFill>
+                <a:effectLst/>
+                <a:uLnTx/>
+                <a:uFillTx/>
+                <a:latin typeface="Arial"/>
+                <a:ea typeface="+mn-ea"/>
+                <a:cs typeface="+mn-cs"/>
+              </a:rPr>
               <a:t>I</a:t>
             </a:r>
             <a:r>
-              <a:rPr lang="en-US" sz="1800" dirty="0" err="1"/>
+              <a:rPr kumimoji="0" lang="en-US" sz="1800" b="0" i="0" u="none" strike="noStrike" kern="1200" cap="none" spc="0" normalizeH="0" baseline="0" noProof="0" dirty="0" err="1">
+                <a:ln>
+                  <a:noFill/>
+                </a:ln>
+                <a:solidFill>
+                  <a:prstClr val="black"/>
+                </a:solidFill>
+                <a:effectLst/>
+                <a:uLnTx/>
+                <a:uFillTx/>
+                <a:latin typeface="Arial"/>
+                <a:ea typeface="+mn-ea"/>
+                <a:cs typeface="+mn-cs"/>
+              </a:rPr>
               <a:t>ntel</a:t>
             </a:r>
             <a:r>
-              <a:rPr lang="en-US" sz="1800" dirty="0"/>
+              <a:rPr kumimoji="0" lang="en-US" sz="1800" b="0" i="0" u="none" strike="noStrike" kern="1200" cap="none" spc="0" normalizeH="0" baseline="0" noProof="0" dirty="0">
+                <a:ln>
+                  <a:noFill/>
+                </a:ln>
+                <a:solidFill>
+                  <a:prstClr val="black"/>
+                </a:solidFill>
+                <a:effectLst/>
+                <a:uLnTx/>
+                <a:uFillTx/>
+                <a:latin typeface="Arial"/>
+                <a:ea typeface="+mn-ea"/>
+                <a:cs typeface="+mn-cs"/>
+              </a:rPr>
               <a:t> Core i7-7700K (4.20GHz)</a:t>
             </a:r>
           </a:p>
           <a:p>
-            <a:pPr marL="285750" indent="-285750">
+            <a:pPr marL="285750" marR="0" lvl="0" indent="-285750" algn="l" defTabSz="914400" rtl="0" eaLnBrk="0" fontAlgn="base" latinLnBrk="0" hangingPunct="0">
+              <a:lnSpc>
+                <a:spcPct val="114000"/>
+              </a:lnSpc>
+              <a:spcBef>
+                <a:spcPct val="0"/>
+              </a:spcBef>
               <a:spcAft>
                 <a:spcPts val="600"/>
               </a:spcAft>
+              <a:buClrTx/>
+              <a:buSzTx/>
               <a:buFont typeface="Wingdings" panose="05000000000000000000" pitchFamily="2" charset="2"/>
               <a:buChar char="Ø"/>
+              <a:tabLst/>
+              <a:defRPr/>
             </a:pPr>
             <a:r>
-              <a:rPr lang="en-US" sz="1800" dirty="0"/>
+              <a:rPr kumimoji="0" lang="en-US" sz="1800" b="0" i="0" u="none" strike="noStrike" kern="1200" cap="none" spc="0" normalizeH="0" baseline="0" noProof="0" dirty="0">
+                <a:ln>
+                  <a:noFill/>
+                </a:ln>
+                <a:solidFill>
+                  <a:prstClr val="black"/>
+                </a:solidFill>
+                <a:effectLst/>
+                <a:uLnTx/>
+                <a:uFillTx/>
+                <a:latin typeface="Arial"/>
+                <a:ea typeface="+mn-ea"/>
+                <a:cs typeface="+mn-cs"/>
+              </a:rPr>
               <a:t>16GB RAM</a:t>
             </a:r>
-            <a:endParaRPr lang="de-DE" sz="1800" dirty="0"/>
-          </a:p>
-          <a:p>
-            <a:pPr marL="285750" indent="-285750">
+            <a:endParaRPr kumimoji="0" lang="de-DE" sz="1800" b="0" i="0" u="none" strike="noStrike" kern="1200" cap="none" spc="0" normalizeH="0" baseline="0" noProof="0" dirty="0">
+              <a:ln>
+                <a:noFill/>
+              </a:ln>
+              <a:solidFill>
+                <a:prstClr val="black"/>
+              </a:solidFill>
+              <a:effectLst/>
+              <a:uLnTx/>
+              <a:uFillTx/>
+              <a:latin typeface="Arial"/>
+              <a:ea typeface="+mn-ea"/>
+              <a:cs typeface="+mn-cs"/>
+            </a:endParaRPr>
+          </a:p>
+          <a:p>
+            <a:pPr marL="285750" marR="0" lvl="0" indent="-285750" algn="l" defTabSz="914400" rtl="0" eaLnBrk="0" fontAlgn="base" latinLnBrk="0" hangingPunct="0">
+              <a:lnSpc>
+                <a:spcPct val="114000"/>
+              </a:lnSpc>
+              <a:spcBef>
+                <a:spcPct val="0"/>
+              </a:spcBef>
               <a:spcAft>
                 <a:spcPts val="600"/>
               </a:spcAft>
+              <a:buClrTx/>
+              <a:buSzTx/>
               <a:buFont typeface="Wingdings" panose="05000000000000000000" pitchFamily="2" charset="2"/>
               <a:buChar char="Ø"/>
+              <a:tabLst/>
+              <a:defRPr/>
             </a:pPr>
             <a:r>
-              <a:rPr lang="en-US" sz="1800" dirty="0"/>
+              <a:rPr kumimoji="0" lang="en-US" sz="1800" b="0" i="0" u="none" strike="noStrike" kern="1200" cap="none" spc="0" normalizeH="0" baseline="0" noProof="0" dirty="0">
+                <a:ln>
+                  <a:noFill/>
+                </a:ln>
+                <a:solidFill>
+                  <a:prstClr val="black"/>
+                </a:solidFill>
+                <a:effectLst/>
+                <a:uLnTx/>
+                <a:uFillTx/>
+                <a:latin typeface="Arial"/>
+                <a:ea typeface="+mn-ea"/>
+                <a:cs typeface="+mn-cs"/>
+              </a:rPr>
               <a:t>Linux Mint 20 64-bit (Kernel 5.4.0-26-generic)</a:t>
             </a:r>
           </a:p>
           <a:p>
-            <a:pPr marL="342900" indent="-342900">
+            <a:pPr marL="342900" marR="0" lvl="0" indent="-342900" algn="l" defTabSz="914400" rtl="0" eaLnBrk="0" fontAlgn="base" latinLnBrk="0" hangingPunct="0">
+              <a:lnSpc>
+                <a:spcPct val="114000"/>
+              </a:lnSpc>
+              <a:spcBef>
+                <a:spcPct val="0"/>
+              </a:spcBef>
               <a:spcAft>
                 <a:spcPts val="600"/>
               </a:spcAft>
+              <a:buClrTx/>
+              <a:buSzTx/>
               <a:buFont typeface="Wingdings" panose="05000000000000000000" pitchFamily="2" charset="2"/>
               <a:buChar char="Ø"/>
+              <a:tabLst/>
+              <a:defRPr/>
             </a:pPr>
-            <a:endParaRPr lang="en-GB" sz="2400" dirty="0">
+            <a:endParaRPr kumimoji="0" lang="en-GB" sz="2400" b="0" i="0" u="none" strike="noStrike" kern="1200" cap="none" spc="0" normalizeH="0" baseline="0" noProof="0" dirty="0">
+              <a:ln>
+                <a:noFill/>
+              </a:ln>
               <a:solidFill>
                 <a:srgbClr val="005293"/>
               </a:solidFill>
+              <a:effectLst/>
+              <a:uLnTx/>
+              <a:uFillTx/>
+              <a:latin typeface="Arial"/>
+              <a:ea typeface="+mn-ea"/>
+              <a:cs typeface="+mn-cs"/>
             </a:endParaRPr>
           </a:p>
           <a:p>
-            <a:pPr marL="285750" indent="-285750">
+            <a:pPr marL="285750" marR="0" lvl="0" indent="-285750" algn="l" defTabSz="914400" rtl="0" eaLnBrk="0" fontAlgn="base" latinLnBrk="0" hangingPunct="0">
+              <a:lnSpc>
+                <a:spcPct val="114000"/>
+              </a:lnSpc>
+              <a:spcBef>
+                <a:spcPct val="0"/>
+              </a:spcBef>
               <a:spcAft>
                 <a:spcPts val="600"/>
               </a:spcAft>
+              <a:buClrTx/>
+              <a:buSzTx/>
               <a:buFont typeface="Courier New" panose="02070309020205020404" pitchFamily="49" charset="0"/>
               <a:buChar char="o"/>
+              <a:tabLst/>
+              <a:defRPr/>
             </a:pPr>
             <a:r>
-              <a:rPr lang="en-GB" sz="2400" dirty="0">
+              <a:rPr kumimoji="0" lang="en-GB" sz="2400" b="0" i="0" u="none" strike="noStrike" kern="1200" cap="none" spc="0" normalizeH="0" baseline="0" noProof="0" dirty="0">
+                <a:ln>
+                  <a:noFill/>
+                </a:ln>
                 <a:solidFill>
                   <a:srgbClr val="005293"/>
                 </a:solidFill>
+                <a:effectLst/>
+                <a:uLnTx/>
+                <a:uFillTx/>
+                <a:latin typeface="Arial"/>
+                <a:ea typeface="+mn-ea"/>
+                <a:cs typeface="+mn-cs"/>
               </a:rPr>
               <a:t>Compiler:</a:t>
             </a:r>
           </a:p>
           <a:p>
-            <a:pPr marL="285750" indent="-285750">
+            <a:pPr marL="285750" marR="0" lvl="0" indent="-285750" algn="l" defTabSz="914400" rtl="0" eaLnBrk="0" fontAlgn="base" latinLnBrk="0" hangingPunct="0">
+              <a:lnSpc>
+                <a:spcPct val="114000"/>
+              </a:lnSpc>
+              <a:spcBef>
+                <a:spcPct val="0"/>
+              </a:spcBef>
               <a:spcAft>
                 <a:spcPts val="600"/>
               </a:spcAft>
+              <a:buClrTx/>
+              <a:buSzTx/>
               <a:buFont typeface="Courier New" panose="02070309020205020404" pitchFamily="49" charset="0"/>
               <a:buChar char="o"/>
+              <a:tabLst/>
+              <a:defRPr/>
             </a:pPr>
-            <a:endParaRPr lang="en-GB" sz="2400" dirty="0">
+            <a:endParaRPr kumimoji="0" lang="en-GB" sz="2400" b="0" i="0" u="none" strike="noStrike" kern="1200" cap="none" spc="0" normalizeH="0" baseline="0" noProof="0" dirty="0">
+              <a:ln>
+                <a:noFill/>
+              </a:ln>
               <a:solidFill>
                 <a:srgbClr val="005293"/>
               </a:solidFill>
+              <a:effectLst/>
+              <a:uLnTx/>
+              <a:uFillTx/>
+              <a:latin typeface="Arial"/>
+              <a:ea typeface="+mn-ea"/>
+              <a:cs typeface="+mn-cs"/>
             </a:endParaRPr>
           </a:p>
           <a:p>
-            <a:pPr marL="342900" indent="-342900">
+            <a:pPr marL="342900" marR="0" lvl="0" indent="-342900" algn="l" defTabSz="914400" rtl="0" eaLnBrk="0" fontAlgn="base" latinLnBrk="0" hangingPunct="0">
+              <a:lnSpc>
+                <a:spcPct val="114000"/>
+              </a:lnSpc>
+              <a:spcBef>
+                <a:spcPct val="0"/>
+              </a:spcBef>
               <a:spcAft>
                 <a:spcPts val="600"/>
               </a:spcAft>
+              <a:buClrTx/>
+              <a:buSzTx/>
               <a:buFont typeface="Wingdings" panose="05000000000000000000" pitchFamily="2" charset="2"/>
               <a:buChar char="Ø"/>
+              <a:tabLst/>
+              <a:defRPr/>
             </a:pPr>
             <a:r>
-              <a:rPr lang="de-DE" dirty="0"/>
+              <a:rPr kumimoji="0" lang="de-DE" sz="1600" b="0" i="0" u="none" strike="noStrike" kern="1200" cap="none" spc="0" normalizeH="0" baseline="0" noProof="0" dirty="0">
+                <a:ln>
+                  <a:noFill/>
+                </a:ln>
+                <a:solidFill>
+                  <a:prstClr val="black"/>
+                </a:solidFill>
+                <a:effectLst/>
+                <a:uLnTx/>
+                <a:uFillTx/>
+                <a:latin typeface="Arial"/>
+                <a:ea typeface="+mn-ea"/>
+                <a:cs typeface="+mn-cs"/>
+              </a:rPr>
               <a:t>GCC 9.3.0 mit Option -03</a:t>
             </a:r>
-            <a:endParaRPr lang="en-GB" dirty="0"/>
-          </a:p>
-          <a:p>
-            <a:pPr marL="285750" indent="-285750">
+            <a:endParaRPr kumimoji="0" lang="en-GB" sz="1600" b="0" i="0" u="none" strike="noStrike" kern="1200" cap="none" spc="0" normalizeH="0" baseline="0" noProof="0" dirty="0">
+              <a:ln>
+                <a:noFill/>
+              </a:ln>
+              <a:solidFill>
+                <a:prstClr val="black"/>
+              </a:solidFill>
+              <a:effectLst/>
+              <a:uLnTx/>
+              <a:uFillTx/>
+              <a:latin typeface="Arial"/>
+              <a:ea typeface="+mn-ea"/>
+              <a:cs typeface="+mn-cs"/>
+            </a:endParaRPr>
+          </a:p>
+          <a:p>
+            <a:pPr marL="285750" marR="0" lvl="0" indent="-285750" algn="l" defTabSz="914400" rtl="0" eaLnBrk="0" fontAlgn="base" latinLnBrk="0" hangingPunct="0">
+              <a:lnSpc>
+                <a:spcPct val="114000"/>
+              </a:lnSpc>
+              <a:spcBef>
+                <a:spcPct val="0"/>
+              </a:spcBef>
               <a:spcAft>
                 <a:spcPts val="600"/>
               </a:spcAft>
+              <a:buClrTx/>
+              <a:buSzTx/>
               <a:buFont typeface="Wingdings" panose="05000000000000000000" pitchFamily="2" charset="2"/>
               <a:buChar char="Ø"/>
+              <a:tabLst/>
+              <a:defRPr/>
             </a:pPr>
-            <a:endParaRPr lang="en-GB" dirty="0"/>
-          </a:p>
-          <a:p>
-            <a:pPr marL="457200" indent="-457200">
+            <a:endParaRPr kumimoji="0" lang="en-GB" sz="1600" b="0" i="0" u="none" strike="noStrike" kern="1200" cap="none" spc="0" normalizeH="0" baseline="0" noProof="0" dirty="0">
+              <a:ln>
+                <a:noFill/>
+              </a:ln>
+              <a:solidFill>
+                <a:prstClr val="black"/>
+              </a:solidFill>
+              <a:effectLst/>
+              <a:uLnTx/>
+              <a:uFillTx/>
+              <a:latin typeface="Arial"/>
+              <a:ea typeface="+mn-ea"/>
+              <a:cs typeface="+mn-cs"/>
+            </a:endParaRPr>
+          </a:p>
+          <a:p>
+            <a:pPr marL="457200" marR="0" lvl="0" indent="-457200" algn="l" defTabSz="914400" rtl="0" eaLnBrk="0" fontAlgn="base" latinLnBrk="0" hangingPunct="0">
+              <a:lnSpc>
+                <a:spcPct val="114000"/>
+              </a:lnSpc>
+              <a:spcBef>
+                <a:spcPct val="0"/>
+              </a:spcBef>
               <a:spcAft>
                 <a:spcPts val="600"/>
               </a:spcAft>
+              <a:buClrTx/>
+              <a:buSzTx/>
               <a:buFont typeface="Courier New" panose="02070309020205020404" pitchFamily="49" charset="0"/>
               <a:buChar char="o"/>
+              <a:tabLst/>
+              <a:defRPr/>
             </a:pPr>
-            <a:endParaRPr lang="en-GB" dirty="0">
+            <a:endParaRPr kumimoji="0" lang="en-GB" sz="1600" b="0" i="0" u="none" strike="noStrike" kern="1200" cap="none" spc="0" normalizeH="0" baseline="0" noProof="0" dirty="0">
+              <a:ln>
+                <a:noFill/>
+              </a:ln>
               <a:solidFill>
                 <a:srgbClr val="FF0000"/>
               </a:solidFill>
+              <a:effectLst/>
+              <a:uLnTx/>
+              <a:uFillTx/>
+              <a:latin typeface="Arial"/>
+              <a:ea typeface="+mn-ea"/>
+              <a:cs typeface="+mn-cs"/>
             </a:endParaRPr>
           </a:p>
           <a:p>
-            <a:pPr marL="285750" indent="-285750">
+            <a:pPr marL="285750" marR="0" lvl="0" indent="-285750" algn="l" defTabSz="914400" rtl="0" eaLnBrk="0" fontAlgn="base" latinLnBrk="0" hangingPunct="0">
+              <a:lnSpc>
+                <a:spcPct val="114000"/>
+              </a:lnSpc>
+              <a:spcBef>
+                <a:spcPct val="0"/>
+              </a:spcBef>
               <a:spcAft>
                 <a:spcPts val="600"/>
               </a:spcAft>
+              <a:buClrTx/>
+              <a:buSzTx/>
               <a:buFont typeface="Courier New" panose="02070309020205020404" pitchFamily="49" charset="0"/>
               <a:buChar char="o"/>
+              <a:tabLst/>
+              <a:defRPr/>
             </a:pPr>
-            <a:endParaRPr lang="en-US" dirty="0">
+            <a:endParaRPr kumimoji="0" lang="en-US" sz="1600" b="0" i="0" u="none" strike="noStrike" kern="1200" cap="none" spc="0" normalizeH="0" baseline="0" noProof="0" dirty="0">
+              <a:ln>
+                <a:noFill/>
+              </a:ln>
               <a:solidFill>
                 <a:srgbClr val="FF0000"/>
               </a:solidFill>
+              <a:effectLst/>
+              <a:uLnTx/>
+              <a:uFillTx/>
+              <a:latin typeface="Arial"/>
+              <a:ea typeface="+mn-ea"/>
+              <a:cs typeface="+mn-cs"/>
             </a:endParaRPr>
           </a:p>
         </p:txBody>
@@ -10282,50 +10631,171 @@
             </a:lvl9pPr>
           </a:lstStyle>
           <a:p>
-            <a:pPr>
+            <a:pPr marL="0" marR="0" lvl="0" indent="0" algn="l" defTabSz="914400" rtl="0" eaLnBrk="1" fontAlgn="base" latinLnBrk="0" hangingPunct="1">
               <a:lnSpc>
                 <a:spcPct val="90000"/>
               </a:lnSpc>
+              <a:spcBef>
+                <a:spcPts val="0"/>
+              </a:spcBef>
+              <a:spcAft>
+                <a:spcPts val="0"/>
+              </a:spcAft>
+              <a:buClrTx/>
+              <a:buSzTx/>
+              <a:buFontTx/>
+              <a:buNone/>
+              <a:tabLst/>
               <a:defRPr/>
             </a:pPr>
             <a:r>
-              <a:rPr lang="de-DE" sz="900" dirty="0"/>
+              <a:rPr kumimoji="0" lang="de-DE" sz="900" b="0" i="0" u="none" strike="noStrike" kern="1200" cap="none" spc="0" normalizeH="0" baseline="0" noProof="0" dirty="0">
+                <a:ln>
+                  <a:noFill/>
+                </a:ln>
+                <a:solidFill>
+                  <a:prstClr val="black"/>
+                </a:solidFill>
+                <a:effectLst/>
+                <a:uLnTx/>
+                <a:uFillTx/>
+                <a:latin typeface="Arial"/>
+                <a:ea typeface="+mn-ea"/>
+                <a:cs typeface="Arial"/>
+              </a:rPr>
               <a:t>Aspekte der systemnahen Programmierung bei der Spieleentwicklung | 16.02.2021 | </a:t>
             </a:r>
             <a:r>
-              <a:rPr lang="de-DE" sz="900" b="1" dirty="0" err="1"/>
+              <a:rPr kumimoji="0" lang="de-DE" sz="900" b="1" i="0" u="none" strike="noStrike" kern="1200" cap="none" spc="0" normalizeH="0" baseline="0" noProof="0" dirty="0" err="1">
+                <a:ln>
+                  <a:noFill/>
+                </a:ln>
+                <a:solidFill>
+                  <a:prstClr val="black"/>
+                </a:solidFill>
+                <a:effectLst/>
+                <a:uLnTx/>
+                <a:uFillTx/>
+                <a:latin typeface="Arial"/>
+                <a:ea typeface="+mn-ea"/>
+                <a:cs typeface="Arial"/>
+              </a:rPr>
               <a:t>Peano</a:t>
             </a:r>
             <a:r>
-              <a:rPr lang="de-DE" sz="900" b="1" dirty="0"/>
+              <a:rPr kumimoji="0" lang="de-DE" sz="900" b="1" i="0" u="none" strike="noStrike" kern="1200" cap="none" spc="0" normalizeH="0" baseline="0" noProof="0" dirty="0">
+                <a:ln>
+                  <a:noFill/>
+                </a:ln>
+                <a:solidFill>
+                  <a:prstClr val="black"/>
+                </a:solidFill>
+                <a:effectLst/>
+                <a:uLnTx/>
+                <a:uFillTx/>
+                <a:latin typeface="Arial"/>
+                <a:ea typeface="+mn-ea"/>
+                <a:cs typeface="Arial"/>
+              </a:rPr>
               <a:t>-Kurven (A214)		 </a:t>
             </a:r>
             <a:r>
-              <a:rPr lang="en-US" sz="1600" b="1" dirty="0"/>
+              <a:rPr kumimoji="0" lang="en-US" sz="1600" b="1" i="0" u="none" strike="noStrike" kern="1200" cap="none" spc="0" normalizeH="0" baseline="0" noProof="0" dirty="0">
+                <a:ln>
+                  <a:noFill/>
+                </a:ln>
+                <a:solidFill>
+                  <a:prstClr val="black"/>
+                </a:solidFill>
+                <a:effectLst/>
+                <a:uLnTx/>
+                <a:uFillTx/>
+                <a:latin typeface="Arial"/>
+                <a:ea typeface="+mn-ea"/>
+                <a:cs typeface="Arial"/>
+              </a:rPr>
               <a:t>Mohamed Attia</a:t>
             </a:r>
-            <a:endParaRPr lang="de-DE" sz="1600" b="1" dirty="0"/>
-          </a:p>
-          <a:p>
-            <a:pPr>
+            <a:endParaRPr kumimoji="0" lang="de-DE" sz="1600" b="1" i="0" u="none" strike="noStrike" kern="1200" cap="none" spc="0" normalizeH="0" baseline="0" noProof="0" dirty="0">
+              <a:ln>
+                <a:noFill/>
+              </a:ln>
+              <a:solidFill>
+                <a:prstClr val="black"/>
+              </a:solidFill>
+              <a:effectLst/>
+              <a:uLnTx/>
+              <a:uFillTx/>
+              <a:latin typeface="Arial"/>
+              <a:ea typeface="+mn-ea"/>
+              <a:cs typeface="Arial"/>
+            </a:endParaRPr>
+          </a:p>
+          <a:p>
+            <a:pPr marL="0" marR="0" lvl="0" indent="0" algn="l" defTabSz="914400" rtl="0" eaLnBrk="1" fontAlgn="base" latinLnBrk="0" hangingPunct="1">
               <a:lnSpc>
                 <a:spcPct val="90000"/>
               </a:lnSpc>
+              <a:spcBef>
+                <a:spcPts val="0"/>
+              </a:spcBef>
+              <a:spcAft>
+                <a:spcPts val="0"/>
+              </a:spcAft>
+              <a:buClrTx/>
+              <a:buSzTx/>
+              <a:buFontTx/>
+              <a:buNone/>
+              <a:tabLst/>
               <a:defRPr/>
             </a:pPr>
-            <a:endParaRPr lang="de-DE" dirty="0"/>
-          </a:p>
-          <a:p>
-            <a:pPr>
+            <a:endParaRPr kumimoji="0" lang="de-DE" sz="1200" b="0" i="0" u="none" strike="noStrike" kern="1200" cap="none" spc="0" normalizeH="0" baseline="0" noProof="0" dirty="0">
+              <a:ln>
+                <a:noFill/>
+              </a:ln>
+              <a:solidFill>
+                <a:prstClr val="black"/>
+              </a:solidFill>
+              <a:effectLst/>
+              <a:uLnTx/>
+              <a:uFillTx/>
+              <a:latin typeface="Arial"/>
+              <a:ea typeface="+mn-ea"/>
+              <a:cs typeface="Arial"/>
+            </a:endParaRPr>
+          </a:p>
+          <a:p>
+            <a:pPr marL="0" marR="0" lvl="0" indent="0" algn="l" defTabSz="914400" rtl="0" eaLnBrk="1" fontAlgn="base" latinLnBrk="0" hangingPunct="1">
               <a:lnSpc>
                 <a:spcPct val="90000"/>
               </a:lnSpc>
+              <a:spcBef>
+                <a:spcPts val="0"/>
+              </a:spcBef>
               <a:spcAft>
                 <a:spcPts val="600"/>
               </a:spcAft>
+              <a:buClrTx/>
+              <a:buSzTx/>
+              <a:buFontTx/>
+              <a:buNone/>
+              <a:tabLst/>
               <a:defRPr/>
             </a:pPr>
-            <a:endParaRPr lang="en-US" sz="900" dirty="0"/>
+            <a:endParaRPr kumimoji="0" lang="en-US" sz="900" b="0" i="0" u="none" strike="noStrike" kern="1200" cap="none" spc="0" normalizeH="0" baseline="0" noProof="0" dirty="0">
+              <a:ln>
+                <a:noFill/>
+              </a:ln>
+              <a:solidFill>
+                <a:prstClr val="black"/>
+              </a:solidFill>
+              <a:effectLst/>
+              <a:uLnTx/>
+              <a:uFillTx/>
+              <a:latin typeface="Arial"/>
+              <a:ea typeface="+mn-ea"/>
+              <a:cs typeface="Arial"/>
+            </a:endParaRPr>
           </a:p>
         </p:txBody>
       </p:sp>
@@ -10339,14 +10809,14 @@
   <p:clrMapOvr>
     <a:masterClrMapping/>
   </p:clrMapOvr>
-  <mc:AlternateContent xmlns:mc="http://schemas.openxmlformats.org/markup-compatibility/2006" xmlns:p14="http://schemas.microsoft.com/office/powerpoint/2010/main">
-    <mc:Choice Requires="p14">
-      <p:transition spd="med" p14:dur="700" advTm="29363">
+  <mc:AlternateContent xmlns:mc="http://schemas.openxmlformats.org/markup-compatibility/2006">
+    <mc:Choice xmlns:p14="http://schemas.microsoft.com/office/powerpoint/2010/main" Requires="p14">
+      <p:transition spd="med" p14:dur="700" advTm="37653">
         <p:fade/>
       </p:transition>
     </mc:Choice>
-    <mc:Fallback xmlns="">
-      <p:transition spd="med" advTm="29363">
+    <mc:Fallback>
+      <p:transition spd="med" advTm="37653">
         <p:fade/>
       </p:transition>
     </mc:Fallback>
@@ -10355,1111 +10825,6 @@
 </file>
 
 <file path=ppt/slides/slide11.xml><?xml version="1.0" encoding="utf-8"?>
-<p:sld xmlns:a="http://schemas.openxmlformats.org/drawingml/2006/main" xmlns:r="http://schemas.openxmlformats.org/officeDocument/2006/relationships" xmlns:p="http://schemas.openxmlformats.org/presentationml/2006/main">
-  <p:cSld>
-    <p:spTree>
-      <p:nvGrpSpPr>
-        <p:cNvPr id="1" name=""/>
-        <p:cNvGrpSpPr/>
-        <p:nvPr/>
-      </p:nvGrpSpPr>
-      <p:grpSpPr>
-        <a:xfrm>
-          <a:off x="0" y="0"/>
-          <a:ext cx="0" cy="0"/>
-          <a:chOff x="0" y="0"/>
-          <a:chExt cx="0" cy="0"/>
-        </a:xfrm>
-      </p:grpSpPr>
-      <p:sp>
-        <p:nvSpPr>
-          <p:cNvPr id="4" name="Foliennummernplatzhalter 3"/>
-          <p:cNvSpPr>
-            <a:spLocks noGrp="1"/>
-          </p:cNvSpPr>
-          <p:nvPr>
-            <p:ph type="sldNum" sz="quarter" idx="11"/>
-          </p:nvPr>
-        </p:nvSpPr>
-        <p:spPr>
-          <a:xfrm>
-            <a:off x="6774934" y="6473313"/>
-            <a:ext cx="2052074" cy="365125"/>
-          </a:xfrm>
-        </p:spPr>
-        <p:txBody>
-          <a:bodyPr anchor="ctr">
-            <a:normAutofit/>
-          </a:bodyPr>
-          <a:lstStyle/>
-          <a:p>
-            <a:pPr>
-              <a:spcAft>
-                <a:spcPts val="600"/>
-              </a:spcAft>
-            </a:pPr>
-            <a:fld id="{CE58CB1E-F828-4F11-99E0-327109AF9DA4}" type="slidenum">
-              <a:rPr lang="de-DE" smtClean="0"/>
-              <a:pPr>
-                <a:spcAft>
-                  <a:spcPts val="600"/>
-                </a:spcAft>
-              </a:pPr>
-              <a:t>11</a:t>
-            </a:fld>
-            <a:endParaRPr lang="de-DE" dirty="0"/>
-          </a:p>
-        </p:txBody>
-      </p:sp>
-      <p:sp>
-        <p:nvSpPr>
-          <p:cNvPr id="7" name="Titel 2">
-            <a:extLst>
-              <a:ext uri="{FF2B5EF4-FFF2-40B4-BE49-F238E27FC236}">
-                <a16:creationId xmlns:a16="http://schemas.microsoft.com/office/drawing/2014/main" id="{B24129D1-E71B-47E0-9724-460D627BC21D}"/>
-              </a:ext>
-            </a:extLst>
-          </p:cNvPr>
-          <p:cNvSpPr txBox="1">
-            <a:spLocks/>
-          </p:cNvSpPr>
-          <p:nvPr/>
-        </p:nvSpPr>
-        <p:spPr>
-          <a:xfrm>
-            <a:off x="311162" y="878427"/>
-            <a:ext cx="8508999" cy="410369"/>
-          </a:xfrm>
-          <a:prstGeom prst="rect">
-            <a:avLst/>
-          </a:prstGeom>
-          <a:noFill/>
-          <a:ln w="9525">
-            <a:noFill/>
-            <a:miter lim="800000"/>
-            <a:headEnd/>
-            <a:tailEnd/>
-          </a:ln>
-        </p:spPr>
-        <p:txBody>
-          <a:bodyPr vert="horz" wrap="square" lIns="0" tIns="0" rIns="0" bIns="0" numCol="1" anchor="t" anchorCtr="0" compatLnSpc="1">
-            <a:prstTxWarp prst="textNoShape">
-              <a:avLst/>
-            </a:prstTxWarp>
-            <a:noAutofit/>
-          </a:bodyPr>
-          <a:lstStyle>
-            <a:lvl1pPr algn="l" rtl="0" eaLnBrk="0" fontAlgn="base" hangingPunct="0">
-              <a:lnSpc>
-                <a:spcPts val="3200"/>
-              </a:lnSpc>
-              <a:spcBef>
-                <a:spcPct val="0"/>
-              </a:spcBef>
-              <a:spcAft>
-                <a:spcPct val="0"/>
-              </a:spcAft>
-              <a:defRPr lang="de-DE" sz="3000" b="0" kern="1200" noProof="0" dirty="0">
-                <a:solidFill>
-                  <a:schemeClr val="tx1"/>
-                </a:solidFill>
-                <a:latin typeface="+mj-lt"/>
-                <a:ea typeface="+mj-ea"/>
-                <a:cs typeface="+mj-cs"/>
-              </a:defRPr>
-            </a:lvl1pPr>
-            <a:lvl2pPr algn="l" rtl="0" eaLnBrk="0" fontAlgn="base" hangingPunct="0">
-              <a:spcBef>
-                <a:spcPct val="0"/>
-              </a:spcBef>
-              <a:spcAft>
-                <a:spcPct val="0"/>
-              </a:spcAft>
-              <a:defRPr sz="2000" b="1">
-                <a:solidFill>
-                  <a:schemeClr val="tx2"/>
-                </a:solidFill>
-                <a:latin typeface="Arial" charset="0"/>
-                <a:cs typeface="Arial" charset="0"/>
-              </a:defRPr>
-            </a:lvl2pPr>
-            <a:lvl3pPr algn="l" rtl="0" eaLnBrk="0" fontAlgn="base" hangingPunct="0">
-              <a:spcBef>
-                <a:spcPct val="0"/>
-              </a:spcBef>
-              <a:spcAft>
-                <a:spcPct val="0"/>
-              </a:spcAft>
-              <a:defRPr sz="2000" b="1">
-                <a:solidFill>
-                  <a:schemeClr val="tx2"/>
-                </a:solidFill>
-                <a:latin typeface="Arial" charset="0"/>
-                <a:cs typeface="Arial" charset="0"/>
-              </a:defRPr>
-            </a:lvl3pPr>
-            <a:lvl4pPr algn="l" rtl="0" eaLnBrk="0" fontAlgn="base" hangingPunct="0">
-              <a:spcBef>
-                <a:spcPct val="0"/>
-              </a:spcBef>
-              <a:spcAft>
-                <a:spcPct val="0"/>
-              </a:spcAft>
-              <a:defRPr sz="2000" b="1">
-                <a:solidFill>
-                  <a:schemeClr val="tx2"/>
-                </a:solidFill>
-                <a:latin typeface="Arial" charset="0"/>
-                <a:cs typeface="Arial" charset="0"/>
-              </a:defRPr>
-            </a:lvl4pPr>
-            <a:lvl5pPr algn="l" rtl="0" eaLnBrk="0" fontAlgn="base" hangingPunct="0">
-              <a:spcBef>
-                <a:spcPct val="0"/>
-              </a:spcBef>
-              <a:spcAft>
-                <a:spcPct val="0"/>
-              </a:spcAft>
-              <a:defRPr sz="2000" b="1">
-                <a:solidFill>
-                  <a:schemeClr val="tx2"/>
-                </a:solidFill>
-                <a:latin typeface="Arial" charset="0"/>
-                <a:cs typeface="Arial" charset="0"/>
-              </a:defRPr>
-            </a:lvl5pPr>
-            <a:lvl6pPr marL="457200" algn="l" rtl="0" fontAlgn="base">
-              <a:spcBef>
-                <a:spcPct val="0"/>
-              </a:spcBef>
-              <a:spcAft>
-                <a:spcPct val="0"/>
-              </a:spcAft>
-              <a:defRPr sz="2000" b="1">
-                <a:solidFill>
-                  <a:schemeClr val="tx2"/>
-                </a:solidFill>
-                <a:latin typeface="Arial" charset="0"/>
-                <a:cs typeface="Arial" charset="0"/>
-              </a:defRPr>
-            </a:lvl6pPr>
-            <a:lvl7pPr marL="914400" algn="l" rtl="0" fontAlgn="base">
-              <a:spcBef>
-                <a:spcPct val="0"/>
-              </a:spcBef>
-              <a:spcAft>
-                <a:spcPct val="0"/>
-              </a:spcAft>
-              <a:defRPr sz="2000" b="1">
-                <a:solidFill>
-                  <a:schemeClr val="tx2"/>
-                </a:solidFill>
-                <a:latin typeface="Arial" charset="0"/>
-                <a:cs typeface="Arial" charset="0"/>
-              </a:defRPr>
-            </a:lvl7pPr>
-            <a:lvl8pPr marL="1371600" algn="l" rtl="0" fontAlgn="base">
-              <a:spcBef>
-                <a:spcPct val="0"/>
-              </a:spcBef>
-              <a:spcAft>
-                <a:spcPct val="0"/>
-              </a:spcAft>
-              <a:defRPr sz="2000" b="1">
-                <a:solidFill>
-                  <a:schemeClr val="tx2"/>
-                </a:solidFill>
-                <a:latin typeface="Arial" charset="0"/>
-                <a:cs typeface="Arial" charset="0"/>
-              </a:defRPr>
-            </a:lvl8pPr>
-            <a:lvl9pPr marL="1828800" algn="l" rtl="0" fontAlgn="base">
-              <a:spcBef>
-                <a:spcPct val="0"/>
-              </a:spcBef>
-              <a:spcAft>
-                <a:spcPct val="0"/>
-              </a:spcAft>
-              <a:defRPr sz="2000" b="1">
-                <a:solidFill>
-                  <a:schemeClr val="tx2"/>
-                </a:solidFill>
-                <a:latin typeface="Arial" charset="0"/>
-                <a:cs typeface="Arial" charset="0"/>
-              </a:defRPr>
-            </a:lvl9pPr>
-          </a:lstStyle>
-          <a:p>
-            <a:r>
-              <a:rPr lang="en-US" sz="3200" dirty="0"/>
-              <a:t> </a:t>
-            </a:r>
-            <a:r>
-              <a:rPr lang="en-US" sz="3200" dirty="0" err="1">
-                <a:solidFill>
-                  <a:schemeClr val="bg2">
-                    <a:lumMod val="75000"/>
-                  </a:schemeClr>
-                </a:solidFill>
-              </a:rPr>
-              <a:t>Performanzanalyse</a:t>
-            </a:r>
-            <a:r>
-              <a:rPr lang="en-US" sz="3200" dirty="0">
-                <a:solidFill>
-                  <a:schemeClr val="bg2">
-                    <a:lumMod val="75000"/>
-                  </a:schemeClr>
-                </a:solidFill>
-              </a:rPr>
-              <a:t>: </a:t>
-            </a:r>
-            <a:r>
-              <a:rPr lang="en-US" sz="3200" dirty="0">
-                <a:solidFill>
-                  <a:srgbClr val="005293"/>
-                </a:solidFill>
-              </a:rPr>
-              <a:t>SIMD-</a:t>
-            </a:r>
-            <a:r>
-              <a:rPr lang="en-US" sz="3200" dirty="0" err="1">
-                <a:solidFill>
-                  <a:srgbClr val="005293"/>
-                </a:solidFill>
-              </a:rPr>
-              <a:t>Instruktionen</a:t>
-            </a:r>
-            <a:endParaRPr lang="en-US" sz="3200" dirty="0"/>
-          </a:p>
-        </p:txBody>
-      </p:sp>
-      <p:pic>
-        <p:nvPicPr>
-          <p:cNvPr id="10" name="Picture 9" descr="Table&#10;&#10;Description automatically generated">
-            <a:extLst>
-              <a:ext uri="{FF2B5EF4-FFF2-40B4-BE49-F238E27FC236}">
-                <a16:creationId xmlns:a16="http://schemas.microsoft.com/office/drawing/2014/main" id="{1419B984-9DED-4B28-95AC-4B074D22B4CA}"/>
-              </a:ext>
-            </a:extLst>
-          </p:cNvPr>
-          <p:cNvPicPr>
-            <a:picLocks noChangeAspect="1"/>
-          </p:cNvPicPr>
-          <p:nvPr/>
-        </p:nvPicPr>
-        <p:blipFill>
-          <a:blip r:embed="rId2"/>
-          <a:stretch>
-            <a:fillRect/>
-          </a:stretch>
-        </p:blipFill>
-        <p:spPr>
-          <a:xfrm>
-            <a:off x="442659" y="2398029"/>
-            <a:ext cx="8333530" cy="3118148"/>
-          </a:xfrm>
-          <a:prstGeom prst="rect">
-            <a:avLst/>
-          </a:prstGeom>
-        </p:spPr>
-      </p:pic>
-      <p:sp>
-        <p:nvSpPr>
-          <p:cNvPr id="5" name="Fußzeilenplatzhalter 4">
-            <a:extLst>
-              <a:ext uri="{FF2B5EF4-FFF2-40B4-BE49-F238E27FC236}">
-                <a16:creationId xmlns:a16="http://schemas.microsoft.com/office/drawing/2014/main" id="{93186AD8-42FD-4733-A18E-CA290820B73C}"/>
-              </a:ext>
-            </a:extLst>
-          </p:cNvPr>
-          <p:cNvSpPr>
-            <a:spLocks noGrp="1"/>
-          </p:cNvSpPr>
-          <p:nvPr/>
-        </p:nvSpPr>
-        <p:spPr bwMode="auto">
-          <a:xfrm>
-            <a:off x="169558" y="6473313"/>
-            <a:ext cx="8393101" cy="365125"/>
-          </a:xfrm>
-          <a:prstGeom prst="rect">
-            <a:avLst/>
-          </a:prstGeom>
-        </p:spPr>
-        <p:txBody>
-          <a:bodyPr vert="horz" lIns="0" tIns="45720" rIns="0" bIns="45720" rtlCol="0" anchor="ctr">
-            <a:normAutofit/>
-          </a:bodyPr>
-          <a:lstStyle>
-            <a:defPPr>
-              <a:defRPr lang="de-DE"/>
-            </a:defPPr>
-            <a:lvl1pPr algn="l">
-              <a:spcBef>
-                <a:spcPts val="0"/>
-              </a:spcBef>
-              <a:spcAft>
-                <a:spcPts val="0"/>
-              </a:spcAft>
-              <a:defRPr sz="1200">
-                <a:solidFill>
-                  <a:schemeClr val="tx1"/>
-                </a:solidFill>
-                <a:latin typeface="Arial"/>
-                <a:ea typeface="+mn-ea"/>
-                <a:cs typeface="Arial"/>
-              </a:defRPr>
-            </a:lvl1pPr>
-            <a:lvl2pPr marL="457200" algn="l">
-              <a:spcBef>
-                <a:spcPts val="0"/>
-              </a:spcBef>
-              <a:spcAft>
-                <a:spcPts val="0"/>
-              </a:spcAft>
-              <a:defRPr>
-                <a:solidFill>
-                  <a:schemeClr val="tx1"/>
-                </a:solidFill>
-                <a:latin typeface="Arial"/>
-                <a:ea typeface="+mn-ea"/>
-                <a:cs typeface="Arial"/>
-              </a:defRPr>
-            </a:lvl2pPr>
-            <a:lvl3pPr marL="914400" algn="l">
-              <a:spcBef>
-                <a:spcPts val="0"/>
-              </a:spcBef>
-              <a:spcAft>
-                <a:spcPts val="0"/>
-              </a:spcAft>
-              <a:defRPr>
-                <a:solidFill>
-                  <a:schemeClr val="tx1"/>
-                </a:solidFill>
-                <a:latin typeface="Arial"/>
-                <a:ea typeface="+mn-ea"/>
-                <a:cs typeface="Arial"/>
-              </a:defRPr>
-            </a:lvl3pPr>
-            <a:lvl4pPr marL="1371600" algn="l">
-              <a:spcBef>
-                <a:spcPts val="0"/>
-              </a:spcBef>
-              <a:spcAft>
-                <a:spcPts val="0"/>
-              </a:spcAft>
-              <a:defRPr>
-                <a:solidFill>
-                  <a:schemeClr val="tx1"/>
-                </a:solidFill>
-                <a:latin typeface="Arial"/>
-                <a:ea typeface="+mn-ea"/>
-                <a:cs typeface="Arial"/>
-              </a:defRPr>
-            </a:lvl4pPr>
-            <a:lvl5pPr marL="1828800" algn="l">
-              <a:spcBef>
-                <a:spcPts val="0"/>
-              </a:spcBef>
-              <a:spcAft>
-                <a:spcPts val="0"/>
-              </a:spcAft>
-              <a:defRPr>
-                <a:solidFill>
-                  <a:schemeClr val="tx1"/>
-                </a:solidFill>
-                <a:latin typeface="Arial"/>
-                <a:ea typeface="+mn-ea"/>
-                <a:cs typeface="Arial"/>
-              </a:defRPr>
-            </a:lvl5pPr>
-            <a:lvl6pPr marL="2286000" algn="l" defTabSz="914400">
-              <a:defRPr>
-                <a:solidFill>
-                  <a:schemeClr val="tx1"/>
-                </a:solidFill>
-                <a:latin typeface="Arial"/>
-                <a:ea typeface="+mn-ea"/>
-                <a:cs typeface="Arial"/>
-              </a:defRPr>
-            </a:lvl6pPr>
-            <a:lvl7pPr marL="2743200" algn="l" defTabSz="914400">
-              <a:defRPr>
-                <a:solidFill>
-                  <a:schemeClr val="tx1"/>
-                </a:solidFill>
-                <a:latin typeface="Arial"/>
-                <a:ea typeface="+mn-ea"/>
-                <a:cs typeface="Arial"/>
-              </a:defRPr>
-            </a:lvl7pPr>
-            <a:lvl8pPr marL="3200400" algn="l" defTabSz="914400">
-              <a:defRPr>
-                <a:solidFill>
-                  <a:schemeClr val="tx1"/>
-                </a:solidFill>
-                <a:latin typeface="Arial"/>
-                <a:ea typeface="+mn-ea"/>
-                <a:cs typeface="Arial"/>
-              </a:defRPr>
-            </a:lvl8pPr>
-            <a:lvl9pPr marL="3657600" algn="l" defTabSz="914400">
-              <a:defRPr>
-                <a:solidFill>
-                  <a:schemeClr val="tx1"/>
-                </a:solidFill>
-                <a:latin typeface="Arial"/>
-                <a:ea typeface="+mn-ea"/>
-                <a:cs typeface="Arial"/>
-              </a:defRPr>
-            </a:lvl9pPr>
-          </a:lstStyle>
-          <a:p>
-            <a:pPr>
-              <a:lnSpc>
-                <a:spcPct val="90000"/>
-              </a:lnSpc>
-              <a:defRPr/>
-            </a:pPr>
-            <a:r>
-              <a:rPr lang="de-DE" sz="900" dirty="0"/>
-              <a:t>Aspekte der systemnahen Programmierung bei der Spieleentwicklung | 16.02.2021 | </a:t>
-            </a:r>
-            <a:r>
-              <a:rPr lang="de-DE" sz="900" b="1" dirty="0" err="1"/>
-              <a:t>Peano</a:t>
-            </a:r>
-            <a:r>
-              <a:rPr lang="de-DE" sz="900" b="1" dirty="0"/>
-              <a:t>-Kurven (A214)		 </a:t>
-            </a:r>
-            <a:r>
-              <a:rPr lang="en-US" sz="1600" b="1" dirty="0"/>
-              <a:t>Mohamed Attia</a:t>
-            </a:r>
-            <a:endParaRPr lang="de-DE" sz="1600" b="1" dirty="0"/>
-          </a:p>
-          <a:p>
-            <a:pPr>
-              <a:lnSpc>
-                <a:spcPct val="90000"/>
-              </a:lnSpc>
-              <a:defRPr/>
-            </a:pPr>
-            <a:endParaRPr lang="de-DE" dirty="0"/>
-          </a:p>
-          <a:p>
-            <a:pPr>
-              <a:lnSpc>
-                <a:spcPct val="90000"/>
-              </a:lnSpc>
-              <a:spcAft>
-                <a:spcPts val="600"/>
-              </a:spcAft>
-              <a:defRPr/>
-            </a:pPr>
-            <a:endParaRPr lang="en-US" sz="900" dirty="0"/>
-          </a:p>
-        </p:txBody>
-      </p:sp>
-    </p:spTree>
-    <p:extLst>
-      <p:ext uri="{BB962C8B-B14F-4D97-AF65-F5344CB8AC3E}">
-        <p14:creationId xmlns:p14="http://schemas.microsoft.com/office/powerpoint/2010/main" val="1685893145"/>
-      </p:ext>
-    </p:extLst>
-  </p:cSld>
-  <p:clrMapOvr>
-    <a:masterClrMapping/>
-  </p:clrMapOvr>
-  <mc:AlternateContent xmlns:mc="http://schemas.openxmlformats.org/markup-compatibility/2006" xmlns:p14="http://schemas.microsoft.com/office/powerpoint/2010/main">
-    <mc:Choice Requires="p14">
-      <p:transition spd="med" p14:dur="700" advTm="29363">
-        <p:fade/>
-      </p:transition>
-    </mc:Choice>
-    <mc:Fallback xmlns="">
-      <p:transition spd="med" advTm="29363">
-        <p:fade/>
-      </p:transition>
-    </mc:Fallback>
-  </mc:AlternateContent>
-</p:sld>
-</file>
-
-<file path=ppt/slides/slide12.xml><?xml version="1.0" encoding="utf-8"?>
-<p:sld xmlns:a="http://schemas.openxmlformats.org/drawingml/2006/main" xmlns:r="http://schemas.openxmlformats.org/officeDocument/2006/relationships" xmlns:p="http://schemas.openxmlformats.org/presentationml/2006/main">
-  <p:cSld>
-    <p:spTree>
-      <p:nvGrpSpPr>
-        <p:cNvPr id="1" name=""/>
-        <p:cNvGrpSpPr/>
-        <p:nvPr/>
-      </p:nvGrpSpPr>
-      <p:grpSpPr>
-        <a:xfrm>
-          <a:off x="0" y="0"/>
-          <a:ext cx="0" cy="0"/>
-          <a:chOff x="0" y="0"/>
-          <a:chExt cx="0" cy="0"/>
-        </a:xfrm>
-      </p:grpSpPr>
-      <p:pic>
-        <p:nvPicPr>
-          <p:cNvPr id="5" name="Picture 4" descr="Chart, bar chart&#10;&#10;Description automatically generated">
-            <a:extLst>
-              <a:ext uri="{FF2B5EF4-FFF2-40B4-BE49-F238E27FC236}">
-                <a16:creationId xmlns:a16="http://schemas.microsoft.com/office/drawing/2014/main" id="{547B83D1-95EE-4F7E-8B63-DE0AAF710199}"/>
-              </a:ext>
-            </a:extLst>
-          </p:cNvPr>
-          <p:cNvPicPr>
-            <a:picLocks noChangeAspect="1"/>
-          </p:cNvPicPr>
-          <p:nvPr/>
-        </p:nvPicPr>
-        <p:blipFill>
-          <a:blip r:embed="rId2"/>
-          <a:stretch>
-            <a:fillRect/>
-          </a:stretch>
-        </p:blipFill>
-        <p:spPr>
-          <a:xfrm>
-            <a:off x="319090" y="1641075"/>
-            <a:ext cx="8508999" cy="4651227"/>
-          </a:xfrm>
-          <a:prstGeom prst="rect">
-            <a:avLst/>
-          </a:prstGeom>
-          <a:noFill/>
-          <a:ln w="9525">
-            <a:noFill/>
-            <a:miter lim="800000"/>
-            <a:headEnd/>
-            <a:tailEnd/>
-          </a:ln>
-        </p:spPr>
-      </p:pic>
-      <p:sp>
-        <p:nvSpPr>
-          <p:cNvPr id="4" name="Foliennummernplatzhalter 3"/>
-          <p:cNvSpPr>
-            <a:spLocks noGrp="1"/>
-          </p:cNvSpPr>
-          <p:nvPr>
-            <p:ph type="sldNum" sz="quarter" idx="11"/>
-          </p:nvPr>
-        </p:nvSpPr>
-        <p:spPr>
-          <a:xfrm>
-            <a:off x="6774934" y="6473313"/>
-            <a:ext cx="2052074" cy="365125"/>
-          </a:xfrm>
-        </p:spPr>
-        <p:txBody>
-          <a:bodyPr anchor="ctr">
-            <a:normAutofit/>
-          </a:bodyPr>
-          <a:lstStyle/>
-          <a:p>
-            <a:pPr>
-              <a:spcAft>
-                <a:spcPts val="600"/>
-              </a:spcAft>
-            </a:pPr>
-            <a:fld id="{CE58CB1E-F828-4F11-99E0-327109AF9DA4}" type="slidenum">
-              <a:rPr lang="de-DE" smtClean="0"/>
-              <a:pPr>
-                <a:spcAft>
-                  <a:spcPts val="600"/>
-                </a:spcAft>
-              </a:pPr>
-              <a:t>12</a:t>
-            </a:fld>
-            <a:endParaRPr lang="de-DE"/>
-          </a:p>
-        </p:txBody>
-      </p:sp>
-      <p:sp>
-        <p:nvSpPr>
-          <p:cNvPr id="8" name="Titel 2">
-            <a:extLst>
-              <a:ext uri="{FF2B5EF4-FFF2-40B4-BE49-F238E27FC236}">
-                <a16:creationId xmlns:a16="http://schemas.microsoft.com/office/drawing/2014/main" id="{573D1DC5-689B-478B-B4A9-CBDED710DE1B}"/>
-              </a:ext>
-            </a:extLst>
-          </p:cNvPr>
-          <p:cNvSpPr txBox="1">
-            <a:spLocks/>
-          </p:cNvSpPr>
-          <p:nvPr/>
-        </p:nvSpPr>
-        <p:spPr>
-          <a:xfrm>
-            <a:off x="311162" y="878427"/>
-            <a:ext cx="8508999" cy="410369"/>
-          </a:xfrm>
-          <a:prstGeom prst="rect">
-            <a:avLst/>
-          </a:prstGeom>
-          <a:noFill/>
-          <a:ln w="9525">
-            <a:noFill/>
-            <a:miter lim="800000"/>
-            <a:headEnd/>
-            <a:tailEnd/>
-          </a:ln>
-        </p:spPr>
-        <p:txBody>
-          <a:bodyPr vert="horz" wrap="square" lIns="0" tIns="0" rIns="0" bIns="0" numCol="1" anchor="t" anchorCtr="0" compatLnSpc="1">
-            <a:prstTxWarp prst="textNoShape">
-              <a:avLst/>
-            </a:prstTxWarp>
-            <a:noAutofit/>
-          </a:bodyPr>
-          <a:lstStyle>
-            <a:lvl1pPr algn="l" rtl="0" eaLnBrk="0" fontAlgn="base" hangingPunct="0">
-              <a:lnSpc>
-                <a:spcPts val="3200"/>
-              </a:lnSpc>
-              <a:spcBef>
-                <a:spcPct val="0"/>
-              </a:spcBef>
-              <a:spcAft>
-                <a:spcPct val="0"/>
-              </a:spcAft>
-              <a:defRPr lang="de-DE" sz="3000" b="0" kern="1200" noProof="0" dirty="0">
-                <a:solidFill>
-                  <a:schemeClr val="tx1"/>
-                </a:solidFill>
-                <a:latin typeface="+mj-lt"/>
-                <a:ea typeface="+mj-ea"/>
-                <a:cs typeface="+mj-cs"/>
-              </a:defRPr>
-            </a:lvl1pPr>
-            <a:lvl2pPr algn="l" rtl="0" eaLnBrk="0" fontAlgn="base" hangingPunct="0">
-              <a:spcBef>
-                <a:spcPct val="0"/>
-              </a:spcBef>
-              <a:spcAft>
-                <a:spcPct val="0"/>
-              </a:spcAft>
-              <a:defRPr sz="2000" b="1">
-                <a:solidFill>
-                  <a:schemeClr val="tx2"/>
-                </a:solidFill>
-                <a:latin typeface="Arial" charset="0"/>
-                <a:cs typeface="Arial" charset="0"/>
-              </a:defRPr>
-            </a:lvl2pPr>
-            <a:lvl3pPr algn="l" rtl="0" eaLnBrk="0" fontAlgn="base" hangingPunct="0">
-              <a:spcBef>
-                <a:spcPct val="0"/>
-              </a:spcBef>
-              <a:spcAft>
-                <a:spcPct val="0"/>
-              </a:spcAft>
-              <a:defRPr sz="2000" b="1">
-                <a:solidFill>
-                  <a:schemeClr val="tx2"/>
-                </a:solidFill>
-                <a:latin typeface="Arial" charset="0"/>
-                <a:cs typeface="Arial" charset="0"/>
-              </a:defRPr>
-            </a:lvl3pPr>
-            <a:lvl4pPr algn="l" rtl="0" eaLnBrk="0" fontAlgn="base" hangingPunct="0">
-              <a:spcBef>
-                <a:spcPct val="0"/>
-              </a:spcBef>
-              <a:spcAft>
-                <a:spcPct val="0"/>
-              </a:spcAft>
-              <a:defRPr sz="2000" b="1">
-                <a:solidFill>
-                  <a:schemeClr val="tx2"/>
-                </a:solidFill>
-                <a:latin typeface="Arial" charset="0"/>
-                <a:cs typeface="Arial" charset="0"/>
-              </a:defRPr>
-            </a:lvl4pPr>
-            <a:lvl5pPr algn="l" rtl="0" eaLnBrk="0" fontAlgn="base" hangingPunct="0">
-              <a:spcBef>
-                <a:spcPct val="0"/>
-              </a:spcBef>
-              <a:spcAft>
-                <a:spcPct val="0"/>
-              </a:spcAft>
-              <a:defRPr sz="2000" b="1">
-                <a:solidFill>
-                  <a:schemeClr val="tx2"/>
-                </a:solidFill>
-                <a:latin typeface="Arial" charset="0"/>
-                <a:cs typeface="Arial" charset="0"/>
-              </a:defRPr>
-            </a:lvl5pPr>
-            <a:lvl6pPr marL="457200" algn="l" rtl="0" fontAlgn="base">
-              <a:spcBef>
-                <a:spcPct val="0"/>
-              </a:spcBef>
-              <a:spcAft>
-                <a:spcPct val="0"/>
-              </a:spcAft>
-              <a:defRPr sz="2000" b="1">
-                <a:solidFill>
-                  <a:schemeClr val="tx2"/>
-                </a:solidFill>
-                <a:latin typeface="Arial" charset="0"/>
-                <a:cs typeface="Arial" charset="0"/>
-              </a:defRPr>
-            </a:lvl6pPr>
-            <a:lvl7pPr marL="914400" algn="l" rtl="0" fontAlgn="base">
-              <a:spcBef>
-                <a:spcPct val="0"/>
-              </a:spcBef>
-              <a:spcAft>
-                <a:spcPct val="0"/>
-              </a:spcAft>
-              <a:defRPr sz="2000" b="1">
-                <a:solidFill>
-                  <a:schemeClr val="tx2"/>
-                </a:solidFill>
-                <a:latin typeface="Arial" charset="0"/>
-                <a:cs typeface="Arial" charset="0"/>
-              </a:defRPr>
-            </a:lvl7pPr>
-            <a:lvl8pPr marL="1371600" algn="l" rtl="0" fontAlgn="base">
-              <a:spcBef>
-                <a:spcPct val="0"/>
-              </a:spcBef>
-              <a:spcAft>
-                <a:spcPct val="0"/>
-              </a:spcAft>
-              <a:defRPr sz="2000" b="1">
-                <a:solidFill>
-                  <a:schemeClr val="tx2"/>
-                </a:solidFill>
-                <a:latin typeface="Arial" charset="0"/>
-                <a:cs typeface="Arial" charset="0"/>
-              </a:defRPr>
-            </a:lvl8pPr>
-            <a:lvl9pPr marL="1828800" algn="l" rtl="0" fontAlgn="base">
-              <a:spcBef>
-                <a:spcPct val="0"/>
-              </a:spcBef>
-              <a:spcAft>
-                <a:spcPct val="0"/>
-              </a:spcAft>
-              <a:defRPr sz="2000" b="1">
-                <a:solidFill>
-                  <a:schemeClr val="tx2"/>
-                </a:solidFill>
-                <a:latin typeface="Arial" charset="0"/>
-                <a:cs typeface="Arial" charset="0"/>
-              </a:defRPr>
-            </a:lvl9pPr>
-          </a:lstStyle>
-          <a:p>
-            <a:r>
-              <a:rPr lang="en-US" sz="3200" dirty="0"/>
-              <a:t> </a:t>
-            </a:r>
-            <a:r>
-              <a:rPr lang="de-DE" sz="3200" dirty="0" err="1">
-                <a:solidFill>
-                  <a:schemeClr val="bg2">
-                    <a:lumMod val="75000"/>
-                  </a:schemeClr>
-                </a:solidFill>
-              </a:rPr>
-              <a:t>Performanzanalyse</a:t>
-            </a:r>
-            <a:r>
-              <a:rPr lang="en-US" sz="3200" dirty="0">
-                <a:solidFill>
-                  <a:schemeClr val="bg2">
-                    <a:lumMod val="75000"/>
-                  </a:schemeClr>
-                </a:solidFill>
-              </a:rPr>
-              <a:t>: </a:t>
-            </a:r>
-            <a:r>
-              <a:rPr lang="en-US" sz="3200" dirty="0">
-                <a:solidFill>
-                  <a:srgbClr val="005293"/>
-                </a:solidFill>
-              </a:rPr>
-              <a:t>Grad 1 bis 3</a:t>
-            </a:r>
-            <a:endParaRPr lang="en-US" sz="3200" dirty="0"/>
-          </a:p>
-        </p:txBody>
-      </p:sp>
-      <p:pic>
-        <p:nvPicPr>
-          <p:cNvPr id="6" name="Picture 5" descr="Chart, bar chart&#10;&#10;Description automatically generated">
-            <a:extLst>
-              <a:ext uri="{FF2B5EF4-FFF2-40B4-BE49-F238E27FC236}">
-                <a16:creationId xmlns:a16="http://schemas.microsoft.com/office/drawing/2014/main" id="{56CC4D61-DB78-4D27-A5DA-EA73E88277E1}"/>
-              </a:ext>
-            </a:extLst>
-          </p:cNvPr>
-          <p:cNvPicPr>
-            <a:picLocks noChangeAspect="1"/>
-          </p:cNvPicPr>
-          <p:nvPr/>
-        </p:nvPicPr>
-        <p:blipFill rotWithShape="1">
-          <a:blip r:embed="rId3"/>
-          <a:srcRect t="-167" b="94092"/>
-          <a:stretch/>
-        </p:blipFill>
-        <p:spPr>
-          <a:xfrm>
-            <a:off x="319090" y="1628286"/>
-            <a:ext cx="8508999" cy="487185"/>
-          </a:xfrm>
-          <a:prstGeom prst="rect">
-            <a:avLst/>
-          </a:prstGeom>
-          <a:noFill/>
-          <a:ln w="9525">
-            <a:noFill/>
-            <a:miter lim="800000"/>
-            <a:headEnd/>
-            <a:tailEnd/>
-          </a:ln>
-        </p:spPr>
-      </p:pic>
-      <p:sp>
-        <p:nvSpPr>
-          <p:cNvPr id="7" name="Fußzeilenplatzhalter 4">
-            <a:extLst>
-              <a:ext uri="{FF2B5EF4-FFF2-40B4-BE49-F238E27FC236}">
-                <a16:creationId xmlns:a16="http://schemas.microsoft.com/office/drawing/2014/main" id="{80BC8B82-5684-4BF2-856C-E1B1010C50BA}"/>
-              </a:ext>
-            </a:extLst>
-          </p:cNvPr>
-          <p:cNvSpPr>
-            <a:spLocks noGrp="1"/>
-          </p:cNvSpPr>
-          <p:nvPr/>
-        </p:nvSpPr>
-        <p:spPr bwMode="auto">
-          <a:xfrm>
-            <a:off x="169558" y="6473313"/>
-            <a:ext cx="8393101" cy="365125"/>
-          </a:xfrm>
-          <a:prstGeom prst="rect">
-            <a:avLst/>
-          </a:prstGeom>
-        </p:spPr>
-        <p:txBody>
-          <a:bodyPr vert="horz" lIns="0" tIns="45720" rIns="0" bIns="45720" rtlCol="0" anchor="ctr">
-            <a:normAutofit/>
-          </a:bodyPr>
-          <a:lstStyle>
-            <a:defPPr>
-              <a:defRPr lang="de-DE"/>
-            </a:defPPr>
-            <a:lvl1pPr algn="l">
-              <a:spcBef>
-                <a:spcPts val="0"/>
-              </a:spcBef>
-              <a:spcAft>
-                <a:spcPts val="0"/>
-              </a:spcAft>
-              <a:defRPr sz="1200">
-                <a:solidFill>
-                  <a:schemeClr val="tx1"/>
-                </a:solidFill>
-                <a:latin typeface="Arial"/>
-                <a:ea typeface="+mn-ea"/>
-                <a:cs typeface="Arial"/>
-              </a:defRPr>
-            </a:lvl1pPr>
-            <a:lvl2pPr marL="457200" algn="l">
-              <a:spcBef>
-                <a:spcPts val="0"/>
-              </a:spcBef>
-              <a:spcAft>
-                <a:spcPts val="0"/>
-              </a:spcAft>
-              <a:defRPr>
-                <a:solidFill>
-                  <a:schemeClr val="tx1"/>
-                </a:solidFill>
-                <a:latin typeface="Arial"/>
-                <a:ea typeface="+mn-ea"/>
-                <a:cs typeface="Arial"/>
-              </a:defRPr>
-            </a:lvl2pPr>
-            <a:lvl3pPr marL="914400" algn="l">
-              <a:spcBef>
-                <a:spcPts val="0"/>
-              </a:spcBef>
-              <a:spcAft>
-                <a:spcPts val="0"/>
-              </a:spcAft>
-              <a:defRPr>
-                <a:solidFill>
-                  <a:schemeClr val="tx1"/>
-                </a:solidFill>
-                <a:latin typeface="Arial"/>
-                <a:ea typeface="+mn-ea"/>
-                <a:cs typeface="Arial"/>
-              </a:defRPr>
-            </a:lvl3pPr>
-            <a:lvl4pPr marL="1371600" algn="l">
-              <a:spcBef>
-                <a:spcPts val="0"/>
-              </a:spcBef>
-              <a:spcAft>
-                <a:spcPts val="0"/>
-              </a:spcAft>
-              <a:defRPr>
-                <a:solidFill>
-                  <a:schemeClr val="tx1"/>
-                </a:solidFill>
-                <a:latin typeface="Arial"/>
-                <a:ea typeface="+mn-ea"/>
-                <a:cs typeface="Arial"/>
-              </a:defRPr>
-            </a:lvl4pPr>
-            <a:lvl5pPr marL="1828800" algn="l">
-              <a:spcBef>
-                <a:spcPts val="0"/>
-              </a:spcBef>
-              <a:spcAft>
-                <a:spcPts val="0"/>
-              </a:spcAft>
-              <a:defRPr>
-                <a:solidFill>
-                  <a:schemeClr val="tx1"/>
-                </a:solidFill>
-                <a:latin typeface="Arial"/>
-                <a:ea typeface="+mn-ea"/>
-                <a:cs typeface="Arial"/>
-              </a:defRPr>
-            </a:lvl5pPr>
-            <a:lvl6pPr marL="2286000" algn="l" defTabSz="914400">
-              <a:defRPr>
-                <a:solidFill>
-                  <a:schemeClr val="tx1"/>
-                </a:solidFill>
-                <a:latin typeface="Arial"/>
-                <a:ea typeface="+mn-ea"/>
-                <a:cs typeface="Arial"/>
-              </a:defRPr>
-            </a:lvl6pPr>
-            <a:lvl7pPr marL="2743200" algn="l" defTabSz="914400">
-              <a:defRPr>
-                <a:solidFill>
-                  <a:schemeClr val="tx1"/>
-                </a:solidFill>
-                <a:latin typeface="Arial"/>
-                <a:ea typeface="+mn-ea"/>
-                <a:cs typeface="Arial"/>
-              </a:defRPr>
-            </a:lvl7pPr>
-            <a:lvl8pPr marL="3200400" algn="l" defTabSz="914400">
-              <a:defRPr>
-                <a:solidFill>
-                  <a:schemeClr val="tx1"/>
-                </a:solidFill>
-                <a:latin typeface="Arial"/>
-                <a:ea typeface="+mn-ea"/>
-                <a:cs typeface="Arial"/>
-              </a:defRPr>
-            </a:lvl8pPr>
-            <a:lvl9pPr marL="3657600" algn="l" defTabSz="914400">
-              <a:defRPr>
-                <a:solidFill>
-                  <a:schemeClr val="tx1"/>
-                </a:solidFill>
-                <a:latin typeface="Arial"/>
-                <a:ea typeface="+mn-ea"/>
-                <a:cs typeface="Arial"/>
-              </a:defRPr>
-            </a:lvl9pPr>
-          </a:lstStyle>
-          <a:p>
-            <a:pPr>
-              <a:lnSpc>
-                <a:spcPct val="90000"/>
-              </a:lnSpc>
-              <a:defRPr/>
-            </a:pPr>
-            <a:r>
-              <a:rPr lang="de-DE" sz="900" dirty="0"/>
-              <a:t>Aspekte der systemnahen Programmierung bei der Spieleentwicklung | 16.02.2021 | </a:t>
-            </a:r>
-            <a:r>
-              <a:rPr lang="de-DE" sz="900" b="1" dirty="0" err="1"/>
-              <a:t>Peano</a:t>
-            </a:r>
-            <a:r>
-              <a:rPr lang="de-DE" sz="900" b="1" dirty="0"/>
-              <a:t>-Kurven (A214)		 </a:t>
-            </a:r>
-            <a:r>
-              <a:rPr lang="en-US" sz="1600" b="1" dirty="0"/>
-              <a:t>Mohamed Attia</a:t>
-            </a:r>
-            <a:endParaRPr lang="de-DE" sz="1600" b="1" dirty="0"/>
-          </a:p>
-          <a:p>
-            <a:pPr>
-              <a:lnSpc>
-                <a:spcPct val="90000"/>
-              </a:lnSpc>
-              <a:defRPr/>
-            </a:pPr>
-            <a:endParaRPr lang="de-DE" dirty="0"/>
-          </a:p>
-          <a:p>
-            <a:pPr>
-              <a:lnSpc>
-                <a:spcPct val="90000"/>
-              </a:lnSpc>
-              <a:spcAft>
-                <a:spcPts val="600"/>
-              </a:spcAft>
-              <a:defRPr/>
-            </a:pPr>
-            <a:endParaRPr lang="en-US" sz="900" dirty="0"/>
-          </a:p>
-        </p:txBody>
-      </p:sp>
-    </p:spTree>
-    <p:extLst>
-      <p:ext uri="{BB962C8B-B14F-4D97-AF65-F5344CB8AC3E}">
-        <p14:creationId xmlns:p14="http://schemas.microsoft.com/office/powerpoint/2010/main" val="4076214429"/>
-      </p:ext>
-    </p:extLst>
-  </p:cSld>
-  <p:clrMapOvr>
-    <a:masterClrMapping/>
-  </p:clrMapOvr>
-  <mc:AlternateContent xmlns:mc="http://schemas.openxmlformats.org/markup-compatibility/2006" xmlns:p14="http://schemas.microsoft.com/office/powerpoint/2010/main">
-    <mc:Choice Requires="p14">
-      <p:transition spd="med" p14:dur="700" advTm="29363">
-        <p:fade/>
-      </p:transition>
-    </mc:Choice>
-    <mc:Fallback xmlns="">
-      <p:transition spd="med" advTm="29363">
-        <p:fade/>
-      </p:transition>
-    </mc:Fallback>
-  </mc:AlternateContent>
-</p:sld>
-</file>
-
-<file path=ppt/slides/slide13.xml><?xml version="1.0" encoding="utf-8"?>
 <p:sld xmlns:a="http://schemas.openxmlformats.org/drawingml/2006/main" xmlns:r="http://schemas.openxmlformats.org/officeDocument/2006/relationships" xmlns:p="http://schemas.openxmlformats.org/presentationml/2006/main">
   <p:cSld>
     <p:spTree>
@@ -11534,21 +10899,71 @@
           </a:bodyPr>
           <a:lstStyle/>
           <a:p>
-            <a:pPr>
+            <a:pPr marL="0" marR="0" lvl="0" indent="0" algn="r" defTabSz="914400" rtl="0" eaLnBrk="1" fontAlgn="base" latinLnBrk="0" hangingPunct="1">
+              <a:lnSpc>
+                <a:spcPct val="100000"/>
+              </a:lnSpc>
+              <a:spcBef>
+                <a:spcPct val="0"/>
+              </a:spcBef>
               <a:spcAft>
                 <a:spcPts val="600"/>
               </a:spcAft>
+              <a:buClrTx/>
+              <a:buSzTx/>
+              <a:buFontTx/>
+              <a:buNone/>
+              <a:tabLst/>
+              <a:defRPr/>
             </a:pPr>
             <a:fld id="{CE58CB1E-F828-4F11-99E0-327109AF9DA4}" type="slidenum">
-              <a:rPr lang="de-DE" smtClean="0"/>
-              <a:pPr>
+              <a:rPr kumimoji="0" lang="de-DE" sz="1200" b="0" i="0" u="none" strike="noStrike" kern="1200" cap="none" spc="0" normalizeH="0" baseline="0" noProof="0" smtClean="0">
+                <a:ln>
+                  <a:noFill/>
+                </a:ln>
+                <a:solidFill>
+                  <a:prstClr val="black"/>
+                </a:solidFill>
+                <a:effectLst/>
+                <a:uLnTx/>
+                <a:uFillTx/>
+                <a:latin typeface="Arial" charset="0"/>
+                <a:ea typeface="+mn-ea"/>
+                <a:cs typeface="Arial" charset="0"/>
+              </a:rPr>
+              <a:pPr marL="0" marR="0" lvl="0" indent="0" algn="r" defTabSz="914400" rtl="0" eaLnBrk="1" fontAlgn="base" latinLnBrk="0" hangingPunct="1">
+                <a:lnSpc>
+                  <a:spcPct val="100000"/>
+                </a:lnSpc>
+                <a:spcBef>
+                  <a:spcPct val="0"/>
+                </a:spcBef>
                 <a:spcAft>
                   <a:spcPts val="600"/>
                 </a:spcAft>
+                <a:buClrTx/>
+                <a:buSzTx/>
+                <a:buFontTx/>
+                <a:buNone/>
+                <a:tabLst/>
+                <a:defRPr/>
               </a:pPr>
-              <a:t>13</a:t>
+              <a:t>11</a:t>
             </a:fld>
-            <a:endParaRPr lang="de-DE"/>
+            <a:endParaRPr kumimoji="0" lang="de-DE" sz="1200" b="0" i="0" u="none" strike="noStrike" kern="1200" cap="none" spc="0" normalizeH="0" baseline="0" noProof="0">
+              <a:ln>
+                <a:noFill/>
+              </a:ln>
+              <a:solidFill>
+                <a:prstClr val="black"/>
+              </a:solidFill>
+              <a:effectLst/>
+              <a:uLnTx/>
+              <a:uFillTx/>
+              <a:latin typeface="Arial" charset="0"/>
+              <a:ea typeface="+mn-ea"/>
+              <a:cs typeface="Arial" charset="0"/>
+            </a:endParaRPr>
           </a:p>
         </p:txBody>
       </p:sp>
@@ -11731,39 +11146,109 @@
             </a:lvl9pPr>
           </a:lstStyle>
           <a:p>
-            <a:r>
-              <a:rPr lang="en-US" sz="3200" dirty="0"/>
+            <a:pPr marL="0" marR="0" lvl="0" indent="0" algn="l" defTabSz="914400" rtl="0" eaLnBrk="0" fontAlgn="base" latinLnBrk="0" hangingPunct="0">
+              <a:lnSpc>
+                <a:spcPts val="3200"/>
+              </a:lnSpc>
+              <a:spcBef>
+                <a:spcPct val="0"/>
+              </a:spcBef>
+              <a:spcAft>
+                <a:spcPct val="0"/>
+              </a:spcAft>
+              <a:buClrTx/>
+              <a:buSzTx/>
+              <a:buFontTx/>
+              <a:buNone/>
+              <a:tabLst/>
+              <a:defRPr/>
+            </a:pPr>
+            <a:r>
+              <a:rPr kumimoji="0" lang="en-US" sz="3200" b="0" i="0" u="none" strike="noStrike" kern="1200" cap="none" spc="0" normalizeH="0" baseline="0" noProof="0" dirty="0">
+                <a:ln>
+                  <a:noFill/>
+                </a:ln>
+                <a:solidFill>
+                  <a:prstClr val="black"/>
+                </a:solidFill>
+                <a:effectLst/>
+                <a:uLnTx/>
+                <a:uFillTx/>
+                <a:latin typeface="Arial"/>
+                <a:ea typeface="+mj-ea"/>
+                <a:cs typeface="+mj-cs"/>
+              </a:rPr>
               <a:t> </a:t>
             </a:r>
             <a:r>
-              <a:rPr lang="en-US" sz="3200" dirty="0" err="1">
-                <a:solidFill>
-                  <a:schemeClr val="bg2">
+              <a:rPr kumimoji="0" lang="en-US" sz="3200" b="0" i="0" u="none" strike="noStrike" kern="1200" cap="none" spc="0" normalizeH="0" baseline="0" noProof="0" dirty="0" err="1">
+                <a:ln>
+                  <a:noFill/>
+                </a:ln>
+                <a:solidFill>
+                  <a:srgbClr val="0065BD">
                     <a:lumMod val="75000"/>
-                  </a:schemeClr>
-                </a:solidFill>
+                  </a:srgbClr>
+                </a:solidFill>
+                <a:effectLst/>
+                <a:uLnTx/>
+                <a:uFillTx/>
+                <a:latin typeface="Arial"/>
+                <a:ea typeface="+mj-ea"/>
+                <a:cs typeface="+mj-cs"/>
               </a:rPr>
               <a:t>Performanzanalyse</a:t>
             </a:r>
             <a:r>
-              <a:rPr lang="en-US" sz="3200" dirty="0">
-                <a:solidFill>
-                  <a:schemeClr val="bg2">
+              <a:rPr kumimoji="0" lang="en-US" sz="3200" b="0" i="0" u="none" strike="noStrike" kern="1200" cap="none" spc="0" normalizeH="0" baseline="0" noProof="0" dirty="0">
+                <a:ln>
+                  <a:noFill/>
+                </a:ln>
+                <a:solidFill>
+                  <a:srgbClr val="0065BD">
                     <a:lumMod val="75000"/>
-                  </a:schemeClr>
-                </a:solidFill>
+                  </a:srgbClr>
+                </a:solidFill>
+                <a:effectLst/>
+                <a:uLnTx/>
+                <a:uFillTx/>
+                <a:latin typeface="Arial"/>
+                <a:ea typeface="+mj-ea"/>
+                <a:cs typeface="+mj-cs"/>
               </a:rPr>
               <a:t>: </a:t>
             </a:r>
             <a:r>
-              <a:rPr lang="en-US" sz="3200" dirty="0">
+              <a:rPr kumimoji="0" lang="en-US" sz="3200" b="0" i="0" u="none" strike="noStrike" kern="1200" cap="none" spc="0" normalizeH="0" baseline="0" noProof="0" dirty="0">
+                <a:ln>
+                  <a:noFill/>
+                </a:ln>
                 <a:solidFill>
                   <a:srgbClr val="005293"/>
                 </a:solidFill>
+                <a:effectLst/>
+                <a:uLnTx/>
+                <a:uFillTx/>
+                <a:latin typeface="Arial"/>
+                <a:ea typeface="+mj-ea"/>
+                <a:cs typeface="+mj-cs"/>
               </a:rPr>
               <a:t>Grad 4 bis 6</a:t>
             </a:r>
-            <a:endParaRPr lang="en-US" sz="3200" dirty="0"/>
+            <a:endParaRPr kumimoji="0" lang="en-US" sz="3200" b="0" i="0" u="none" strike="noStrike" kern="1200" cap="none" spc="0" normalizeH="0" baseline="0" noProof="0" dirty="0">
+              <a:ln>
+                <a:noFill/>
+              </a:ln>
+              <a:solidFill>
+                <a:prstClr val="black"/>
+              </a:solidFill>
+              <a:effectLst/>
+              <a:uLnTx/>
+              <a:uFillTx/>
+              <a:latin typeface="Arial"/>
+              <a:ea typeface="+mj-ea"/>
+              <a:cs typeface="+mj-cs"/>
+            </a:endParaRPr>
           </a:p>
         </p:txBody>
       </p:sp>
@@ -11956,50 +11441,171 @@
             </a:lvl9pPr>
           </a:lstStyle>
           <a:p>
-            <a:pPr>
+            <a:pPr marL="0" marR="0" lvl="0" indent="0" algn="l" defTabSz="914400" rtl="0" eaLnBrk="1" fontAlgn="base" latinLnBrk="0" hangingPunct="1">
               <a:lnSpc>
                 <a:spcPct val="90000"/>
               </a:lnSpc>
+              <a:spcBef>
+                <a:spcPts val="0"/>
+              </a:spcBef>
+              <a:spcAft>
+                <a:spcPts val="0"/>
+              </a:spcAft>
+              <a:buClrTx/>
+              <a:buSzTx/>
+              <a:buFontTx/>
+              <a:buNone/>
+              <a:tabLst/>
               <a:defRPr/>
             </a:pPr>
             <a:r>
-              <a:rPr lang="de-DE" sz="900" dirty="0"/>
+              <a:rPr kumimoji="0" lang="de-DE" sz="900" b="0" i="0" u="none" strike="noStrike" kern="1200" cap="none" spc="0" normalizeH="0" baseline="0" noProof="0" dirty="0">
+                <a:ln>
+                  <a:noFill/>
+                </a:ln>
+                <a:solidFill>
+                  <a:prstClr val="black"/>
+                </a:solidFill>
+                <a:effectLst/>
+                <a:uLnTx/>
+                <a:uFillTx/>
+                <a:latin typeface="Arial"/>
+                <a:ea typeface="+mn-ea"/>
+                <a:cs typeface="Arial"/>
+              </a:rPr>
               <a:t>Aspekte der systemnahen Programmierung bei der Spieleentwicklung | 16.02.2021 | </a:t>
             </a:r>
             <a:r>
-              <a:rPr lang="de-DE" sz="900" b="1" dirty="0" err="1"/>
+              <a:rPr kumimoji="0" lang="de-DE" sz="900" b="1" i="0" u="none" strike="noStrike" kern="1200" cap="none" spc="0" normalizeH="0" baseline="0" noProof="0" dirty="0" err="1">
+                <a:ln>
+                  <a:noFill/>
+                </a:ln>
+                <a:solidFill>
+                  <a:prstClr val="black"/>
+                </a:solidFill>
+                <a:effectLst/>
+                <a:uLnTx/>
+                <a:uFillTx/>
+                <a:latin typeface="Arial"/>
+                <a:ea typeface="+mn-ea"/>
+                <a:cs typeface="Arial"/>
+              </a:rPr>
               <a:t>Peano</a:t>
             </a:r>
             <a:r>
-              <a:rPr lang="de-DE" sz="900" b="1" dirty="0"/>
+              <a:rPr kumimoji="0" lang="de-DE" sz="900" b="1" i="0" u="none" strike="noStrike" kern="1200" cap="none" spc="0" normalizeH="0" baseline="0" noProof="0" dirty="0">
+                <a:ln>
+                  <a:noFill/>
+                </a:ln>
+                <a:solidFill>
+                  <a:prstClr val="black"/>
+                </a:solidFill>
+                <a:effectLst/>
+                <a:uLnTx/>
+                <a:uFillTx/>
+                <a:latin typeface="Arial"/>
+                <a:ea typeface="+mn-ea"/>
+                <a:cs typeface="Arial"/>
+              </a:rPr>
               <a:t>-Kurven (A214)		 </a:t>
             </a:r>
             <a:r>
-              <a:rPr lang="en-US" sz="1600" b="1" dirty="0"/>
+              <a:rPr kumimoji="0" lang="en-US" sz="1600" b="1" i="0" u="none" strike="noStrike" kern="1200" cap="none" spc="0" normalizeH="0" baseline="0" noProof="0" dirty="0">
+                <a:ln>
+                  <a:noFill/>
+                </a:ln>
+                <a:solidFill>
+                  <a:prstClr val="black"/>
+                </a:solidFill>
+                <a:effectLst/>
+                <a:uLnTx/>
+                <a:uFillTx/>
+                <a:latin typeface="Arial"/>
+                <a:ea typeface="+mn-ea"/>
+                <a:cs typeface="Arial"/>
+              </a:rPr>
               <a:t>Mohamed Attia</a:t>
             </a:r>
-            <a:endParaRPr lang="de-DE" sz="1600" b="1" dirty="0"/>
-          </a:p>
-          <a:p>
-            <a:pPr>
+            <a:endParaRPr kumimoji="0" lang="de-DE" sz="1600" b="1" i="0" u="none" strike="noStrike" kern="1200" cap="none" spc="0" normalizeH="0" baseline="0" noProof="0" dirty="0">
+              <a:ln>
+                <a:noFill/>
+              </a:ln>
+              <a:solidFill>
+                <a:prstClr val="black"/>
+              </a:solidFill>
+              <a:effectLst/>
+              <a:uLnTx/>
+              <a:uFillTx/>
+              <a:latin typeface="Arial"/>
+              <a:ea typeface="+mn-ea"/>
+              <a:cs typeface="Arial"/>
+            </a:endParaRPr>
+          </a:p>
+          <a:p>
+            <a:pPr marL="0" marR="0" lvl="0" indent="0" algn="l" defTabSz="914400" rtl="0" eaLnBrk="1" fontAlgn="base" latinLnBrk="0" hangingPunct="1">
               <a:lnSpc>
                 <a:spcPct val="90000"/>
               </a:lnSpc>
+              <a:spcBef>
+                <a:spcPts val="0"/>
+              </a:spcBef>
+              <a:spcAft>
+                <a:spcPts val="0"/>
+              </a:spcAft>
+              <a:buClrTx/>
+              <a:buSzTx/>
+              <a:buFontTx/>
+              <a:buNone/>
+              <a:tabLst/>
               <a:defRPr/>
             </a:pPr>
-            <a:endParaRPr lang="de-DE" dirty="0"/>
-          </a:p>
-          <a:p>
-            <a:pPr>
+            <a:endParaRPr kumimoji="0" lang="de-DE" sz="1200" b="0" i="0" u="none" strike="noStrike" kern="1200" cap="none" spc="0" normalizeH="0" baseline="0" noProof="0" dirty="0">
+              <a:ln>
+                <a:noFill/>
+              </a:ln>
+              <a:solidFill>
+                <a:prstClr val="black"/>
+              </a:solidFill>
+              <a:effectLst/>
+              <a:uLnTx/>
+              <a:uFillTx/>
+              <a:latin typeface="Arial"/>
+              <a:ea typeface="+mn-ea"/>
+              <a:cs typeface="Arial"/>
+            </a:endParaRPr>
+          </a:p>
+          <a:p>
+            <a:pPr marL="0" marR="0" lvl="0" indent="0" algn="l" defTabSz="914400" rtl="0" eaLnBrk="1" fontAlgn="base" latinLnBrk="0" hangingPunct="1">
               <a:lnSpc>
                 <a:spcPct val="90000"/>
               </a:lnSpc>
+              <a:spcBef>
+                <a:spcPts val="0"/>
+              </a:spcBef>
               <a:spcAft>
                 <a:spcPts val="600"/>
               </a:spcAft>
+              <a:buClrTx/>
+              <a:buSzTx/>
+              <a:buFontTx/>
+              <a:buNone/>
+              <a:tabLst/>
               <a:defRPr/>
             </a:pPr>
-            <a:endParaRPr lang="en-US" sz="900" dirty="0"/>
+            <a:endParaRPr kumimoji="0" lang="en-US" sz="900" b="0" i="0" u="none" strike="noStrike" kern="1200" cap="none" spc="0" normalizeH="0" baseline="0" noProof="0" dirty="0">
+              <a:ln>
+                <a:noFill/>
+              </a:ln>
+              <a:solidFill>
+                <a:prstClr val="black"/>
+              </a:solidFill>
+              <a:effectLst/>
+              <a:uLnTx/>
+              <a:uFillTx/>
+              <a:latin typeface="Arial"/>
+              <a:ea typeface="+mn-ea"/>
+              <a:cs typeface="Arial"/>
+            </a:endParaRPr>
           </a:p>
         </p:txBody>
       </p:sp>
@@ -12028,7 +11634,7 @@
 </p:sld>
 </file>
 
-<file path=ppt/slides/slide14.xml><?xml version="1.0" encoding="utf-8"?>
+<file path=ppt/slides/slide12.xml><?xml version="1.0" encoding="utf-8"?>
 <p:sld xmlns:a="http://schemas.openxmlformats.org/drawingml/2006/main" xmlns:r="http://schemas.openxmlformats.org/officeDocument/2006/relationships" xmlns:p="http://schemas.openxmlformats.org/presentationml/2006/main">
   <p:cSld>
     <p:spTree>
@@ -12103,21 +11709,71 @@
           </a:bodyPr>
           <a:lstStyle/>
           <a:p>
-            <a:pPr>
+            <a:pPr marL="0" marR="0" lvl="0" indent="0" algn="r" defTabSz="914400" rtl="0" eaLnBrk="1" fontAlgn="base" latinLnBrk="0" hangingPunct="1">
+              <a:lnSpc>
+                <a:spcPct val="100000"/>
+              </a:lnSpc>
+              <a:spcBef>
+                <a:spcPct val="0"/>
+              </a:spcBef>
               <a:spcAft>
                 <a:spcPts val="600"/>
               </a:spcAft>
+              <a:buClrTx/>
+              <a:buSzTx/>
+              <a:buFontTx/>
+              <a:buNone/>
+              <a:tabLst/>
+              <a:defRPr/>
             </a:pPr>
             <a:fld id="{CE58CB1E-F828-4F11-99E0-327109AF9DA4}" type="slidenum">
-              <a:rPr lang="de-DE" smtClean="0"/>
-              <a:pPr>
+              <a:rPr kumimoji="0" lang="de-DE" sz="1200" b="0" i="0" u="none" strike="noStrike" kern="1200" cap="none" spc="0" normalizeH="0" baseline="0" noProof="0" smtClean="0">
+                <a:ln>
+                  <a:noFill/>
+                </a:ln>
+                <a:solidFill>
+                  <a:prstClr val="black"/>
+                </a:solidFill>
+                <a:effectLst/>
+                <a:uLnTx/>
+                <a:uFillTx/>
+                <a:latin typeface="Arial" charset="0"/>
+                <a:ea typeface="+mn-ea"/>
+                <a:cs typeface="Arial" charset="0"/>
+              </a:rPr>
+              <a:pPr marL="0" marR="0" lvl="0" indent="0" algn="r" defTabSz="914400" rtl="0" eaLnBrk="1" fontAlgn="base" latinLnBrk="0" hangingPunct="1">
+                <a:lnSpc>
+                  <a:spcPct val="100000"/>
+                </a:lnSpc>
+                <a:spcBef>
+                  <a:spcPct val="0"/>
+                </a:spcBef>
                 <a:spcAft>
                   <a:spcPts val="600"/>
                 </a:spcAft>
+                <a:buClrTx/>
+                <a:buSzTx/>
+                <a:buFontTx/>
+                <a:buNone/>
+                <a:tabLst/>
+                <a:defRPr/>
               </a:pPr>
-              <a:t>14</a:t>
+              <a:t>12</a:t>
             </a:fld>
-            <a:endParaRPr lang="de-DE"/>
+            <a:endParaRPr kumimoji="0" lang="de-DE" sz="1200" b="0" i="0" u="none" strike="noStrike" kern="1200" cap="none" spc="0" normalizeH="0" baseline="0" noProof="0">
+              <a:ln>
+                <a:noFill/>
+              </a:ln>
+              <a:solidFill>
+                <a:prstClr val="black"/>
+              </a:solidFill>
+              <a:effectLst/>
+              <a:uLnTx/>
+              <a:uFillTx/>
+              <a:latin typeface="Arial" charset="0"/>
+              <a:ea typeface="+mn-ea"/>
+              <a:cs typeface="Arial" charset="0"/>
+            </a:endParaRPr>
           </a:p>
         </p:txBody>
       </p:sp>
@@ -12300,39 +11956,109 @@
             </a:lvl9pPr>
           </a:lstStyle>
           <a:p>
-            <a:r>
-              <a:rPr lang="en-US" sz="3200" dirty="0"/>
+            <a:pPr marL="0" marR="0" lvl="0" indent="0" algn="l" defTabSz="914400" rtl="0" eaLnBrk="0" fontAlgn="base" latinLnBrk="0" hangingPunct="0">
+              <a:lnSpc>
+                <a:spcPts val="3200"/>
+              </a:lnSpc>
+              <a:spcBef>
+                <a:spcPct val="0"/>
+              </a:spcBef>
+              <a:spcAft>
+                <a:spcPct val="0"/>
+              </a:spcAft>
+              <a:buClrTx/>
+              <a:buSzTx/>
+              <a:buFontTx/>
+              <a:buNone/>
+              <a:tabLst/>
+              <a:defRPr/>
+            </a:pPr>
+            <a:r>
+              <a:rPr kumimoji="0" lang="en-US" sz="3200" b="0" i="0" u="none" strike="noStrike" kern="1200" cap="none" spc="0" normalizeH="0" baseline="0" noProof="0" dirty="0">
+                <a:ln>
+                  <a:noFill/>
+                </a:ln>
+                <a:solidFill>
+                  <a:prstClr val="black"/>
+                </a:solidFill>
+                <a:effectLst/>
+                <a:uLnTx/>
+                <a:uFillTx/>
+                <a:latin typeface="Arial"/>
+                <a:ea typeface="+mj-ea"/>
+                <a:cs typeface="+mj-cs"/>
+              </a:rPr>
               <a:t> </a:t>
             </a:r>
             <a:r>
-              <a:rPr lang="en-US" sz="3200" dirty="0" err="1">
-                <a:solidFill>
-                  <a:schemeClr val="bg2">
+              <a:rPr kumimoji="0" lang="en-US" sz="3200" b="0" i="0" u="none" strike="noStrike" kern="1200" cap="none" spc="0" normalizeH="0" baseline="0" noProof="0" dirty="0" err="1">
+                <a:ln>
+                  <a:noFill/>
+                </a:ln>
+                <a:solidFill>
+                  <a:srgbClr val="0065BD">
                     <a:lumMod val="75000"/>
-                  </a:schemeClr>
-                </a:solidFill>
+                  </a:srgbClr>
+                </a:solidFill>
+                <a:effectLst/>
+                <a:uLnTx/>
+                <a:uFillTx/>
+                <a:latin typeface="Arial"/>
+                <a:ea typeface="+mj-ea"/>
+                <a:cs typeface="+mj-cs"/>
               </a:rPr>
               <a:t>Performanzanalyse</a:t>
             </a:r>
             <a:r>
-              <a:rPr lang="en-US" sz="3200" dirty="0">
-                <a:solidFill>
-                  <a:schemeClr val="bg2">
+              <a:rPr kumimoji="0" lang="en-US" sz="3200" b="0" i="0" u="none" strike="noStrike" kern="1200" cap="none" spc="0" normalizeH="0" baseline="0" noProof="0" dirty="0">
+                <a:ln>
+                  <a:noFill/>
+                </a:ln>
+                <a:solidFill>
+                  <a:srgbClr val="0065BD">
                     <a:lumMod val="75000"/>
-                  </a:schemeClr>
-                </a:solidFill>
+                  </a:srgbClr>
+                </a:solidFill>
+                <a:effectLst/>
+                <a:uLnTx/>
+                <a:uFillTx/>
+                <a:latin typeface="Arial"/>
+                <a:ea typeface="+mj-ea"/>
+                <a:cs typeface="+mj-cs"/>
               </a:rPr>
               <a:t>: </a:t>
             </a:r>
             <a:r>
-              <a:rPr lang="en-US" sz="3200" dirty="0">
+              <a:rPr kumimoji="0" lang="en-US" sz="3200" b="0" i="0" u="none" strike="noStrike" kern="1200" cap="none" spc="0" normalizeH="0" baseline="0" noProof="0" dirty="0">
+                <a:ln>
+                  <a:noFill/>
+                </a:ln>
                 <a:solidFill>
                   <a:srgbClr val="005293"/>
                 </a:solidFill>
+                <a:effectLst/>
+                <a:uLnTx/>
+                <a:uFillTx/>
+                <a:latin typeface="Arial"/>
+                <a:ea typeface="+mj-ea"/>
+                <a:cs typeface="+mj-cs"/>
               </a:rPr>
               <a:t>Grad 6 bis 8</a:t>
             </a:r>
-            <a:endParaRPr lang="en-US" sz="3200" dirty="0"/>
+            <a:endParaRPr kumimoji="0" lang="en-US" sz="3200" b="0" i="0" u="none" strike="noStrike" kern="1200" cap="none" spc="0" normalizeH="0" baseline="0" noProof="0" dirty="0">
+              <a:ln>
+                <a:noFill/>
+              </a:ln>
+              <a:solidFill>
+                <a:prstClr val="black"/>
+              </a:solidFill>
+              <a:effectLst/>
+              <a:uLnTx/>
+              <a:uFillTx/>
+              <a:latin typeface="Arial"/>
+              <a:ea typeface="+mj-ea"/>
+              <a:cs typeface="+mj-cs"/>
+            </a:endParaRPr>
           </a:p>
         </p:txBody>
       </p:sp>
@@ -12525,50 +12251,171 @@
             </a:lvl9pPr>
           </a:lstStyle>
           <a:p>
-            <a:pPr>
+            <a:pPr marL="0" marR="0" lvl="0" indent="0" algn="l" defTabSz="914400" rtl="0" eaLnBrk="1" fontAlgn="base" latinLnBrk="0" hangingPunct="1">
               <a:lnSpc>
                 <a:spcPct val="90000"/>
               </a:lnSpc>
+              <a:spcBef>
+                <a:spcPts val="0"/>
+              </a:spcBef>
+              <a:spcAft>
+                <a:spcPts val="0"/>
+              </a:spcAft>
+              <a:buClrTx/>
+              <a:buSzTx/>
+              <a:buFontTx/>
+              <a:buNone/>
+              <a:tabLst/>
               <a:defRPr/>
             </a:pPr>
             <a:r>
-              <a:rPr lang="de-DE" sz="900" dirty="0"/>
+              <a:rPr kumimoji="0" lang="de-DE" sz="900" b="0" i="0" u="none" strike="noStrike" kern="1200" cap="none" spc="0" normalizeH="0" baseline="0" noProof="0" dirty="0">
+                <a:ln>
+                  <a:noFill/>
+                </a:ln>
+                <a:solidFill>
+                  <a:prstClr val="black"/>
+                </a:solidFill>
+                <a:effectLst/>
+                <a:uLnTx/>
+                <a:uFillTx/>
+                <a:latin typeface="Arial"/>
+                <a:ea typeface="+mn-ea"/>
+                <a:cs typeface="Arial"/>
+              </a:rPr>
               <a:t>Aspekte der systemnahen Programmierung bei der Spieleentwicklung | 16.02.2021 | </a:t>
             </a:r>
             <a:r>
-              <a:rPr lang="de-DE" sz="900" b="1" dirty="0" err="1"/>
+              <a:rPr kumimoji="0" lang="de-DE" sz="900" b="1" i="0" u="none" strike="noStrike" kern="1200" cap="none" spc="0" normalizeH="0" baseline="0" noProof="0" dirty="0" err="1">
+                <a:ln>
+                  <a:noFill/>
+                </a:ln>
+                <a:solidFill>
+                  <a:prstClr val="black"/>
+                </a:solidFill>
+                <a:effectLst/>
+                <a:uLnTx/>
+                <a:uFillTx/>
+                <a:latin typeface="Arial"/>
+                <a:ea typeface="+mn-ea"/>
+                <a:cs typeface="Arial"/>
+              </a:rPr>
               <a:t>Peano</a:t>
             </a:r>
             <a:r>
-              <a:rPr lang="de-DE" sz="900" b="1" dirty="0"/>
+              <a:rPr kumimoji="0" lang="de-DE" sz="900" b="1" i="0" u="none" strike="noStrike" kern="1200" cap="none" spc="0" normalizeH="0" baseline="0" noProof="0" dirty="0">
+                <a:ln>
+                  <a:noFill/>
+                </a:ln>
+                <a:solidFill>
+                  <a:prstClr val="black"/>
+                </a:solidFill>
+                <a:effectLst/>
+                <a:uLnTx/>
+                <a:uFillTx/>
+                <a:latin typeface="Arial"/>
+                <a:ea typeface="+mn-ea"/>
+                <a:cs typeface="Arial"/>
+              </a:rPr>
               <a:t>-Kurven (A214)		 </a:t>
             </a:r>
             <a:r>
-              <a:rPr lang="en-US" sz="1600" b="1" dirty="0"/>
+              <a:rPr kumimoji="0" lang="en-US" sz="1600" b="1" i="0" u="none" strike="noStrike" kern="1200" cap="none" spc="0" normalizeH="0" baseline="0" noProof="0" dirty="0">
+                <a:ln>
+                  <a:noFill/>
+                </a:ln>
+                <a:solidFill>
+                  <a:prstClr val="black"/>
+                </a:solidFill>
+                <a:effectLst/>
+                <a:uLnTx/>
+                <a:uFillTx/>
+                <a:latin typeface="Arial"/>
+                <a:ea typeface="+mn-ea"/>
+                <a:cs typeface="Arial"/>
+              </a:rPr>
               <a:t>Mohamed Attia</a:t>
             </a:r>
-            <a:endParaRPr lang="de-DE" sz="1600" b="1" dirty="0"/>
-          </a:p>
-          <a:p>
-            <a:pPr>
+            <a:endParaRPr kumimoji="0" lang="de-DE" sz="1600" b="1" i="0" u="none" strike="noStrike" kern="1200" cap="none" spc="0" normalizeH="0" baseline="0" noProof="0" dirty="0">
+              <a:ln>
+                <a:noFill/>
+              </a:ln>
+              <a:solidFill>
+                <a:prstClr val="black"/>
+              </a:solidFill>
+              <a:effectLst/>
+              <a:uLnTx/>
+              <a:uFillTx/>
+              <a:latin typeface="Arial"/>
+              <a:ea typeface="+mn-ea"/>
+              <a:cs typeface="Arial"/>
+            </a:endParaRPr>
+          </a:p>
+          <a:p>
+            <a:pPr marL="0" marR="0" lvl="0" indent="0" algn="l" defTabSz="914400" rtl="0" eaLnBrk="1" fontAlgn="base" latinLnBrk="0" hangingPunct="1">
               <a:lnSpc>
                 <a:spcPct val="90000"/>
               </a:lnSpc>
+              <a:spcBef>
+                <a:spcPts val="0"/>
+              </a:spcBef>
+              <a:spcAft>
+                <a:spcPts val="0"/>
+              </a:spcAft>
+              <a:buClrTx/>
+              <a:buSzTx/>
+              <a:buFontTx/>
+              <a:buNone/>
+              <a:tabLst/>
               <a:defRPr/>
             </a:pPr>
-            <a:endParaRPr lang="de-DE" dirty="0"/>
-          </a:p>
-          <a:p>
-            <a:pPr>
+            <a:endParaRPr kumimoji="0" lang="de-DE" sz="1200" b="0" i="0" u="none" strike="noStrike" kern="1200" cap="none" spc="0" normalizeH="0" baseline="0" noProof="0" dirty="0">
+              <a:ln>
+                <a:noFill/>
+              </a:ln>
+              <a:solidFill>
+                <a:prstClr val="black"/>
+              </a:solidFill>
+              <a:effectLst/>
+              <a:uLnTx/>
+              <a:uFillTx/>
+              <a:latin typeface="Arial"/>
+              <a:ea typeface="+mn-ea"/>
+              <a:cs typeface="Arial"/>
+            </a:endParaRPr>
+          </a:p>
+          <a:p>
+            <a:pPr marL="0" marR="0" lvl="0" indent="0" algn="l" defTabSz="914400" rtl="0" eaLnBrk="1" fontAlgn="base" latinLnBrk="0" hangingPunct="1">
               <a:lnSpc>
                 <a:spcPct val="90000"/>
               </a:lnSpc>
+              <a:spcBef>
+                <a:spcPts val="0"/>
+              </a:spcBef>
               <a:spcAft>
                 <a:spcPts val="600"/>
               </a:spcAft>
+              <a:buClrTx/>
+              <a:buSzTx/>
+              <a:buFontTx/>
+              <a:buNone/>
+              <a:tabLst/>
               <a:defRPr/>
             </a:pPr>
-            <a:endParaRPr lang="en-US" sz="900" dirty="0"/>
+            <a:endParaRPr kumimoji="0" lang="en-US" sz="900" b="0" i="0" u="none" strike="noStrike" kern="1200" cap="none" spc="0" normalizeH="0" baseline="0" noProof="0" dirty="0">
+              <a:ln>
+                <a:noFill/>
+              </a:ln>
+              <a:solidFill>
+                <a:prstClr val="black"/>
+              </a:solidFill>
+              <a:effectLst/>
+              <a:uLnTx/>
+              <a:uFillTx/>
+              <a:latin typeface="Arial"/>
+              <a:ea typeface="+mn-ea"/>
+              <a:cs typeface="Arial"/>
+            </a:endParaRPr>
           </a:p>
         </p:txBody>
       </p:sp>
@@ -12597,7 +12444,792 @@
 </p:sld>
 </file>
 
-<file path=ppt/slides/slide15.xml><?xml version="1.0" encoding="utf-8"?>
+<file path=ppt/slides/slide13.xml><?xml version="1.0" encoding="utf-8"?>
+<p:sld xmlns:a="http://schemas.openxmlformats.org/drawingml/2006/main" xmlns:r="http://schemas.openxmlformats.org/officeDocument/2006/relationships" xmlns:p="http://schemas.openxmlformats.org/presentationml/2006/main">
+  <p:cSld>
+    <p:spTree>
+      <p:nvGrpSpPr>
+        <p:cNvPr id="1" name=""/>
+        <p:cNvGrpSpPr/>
+        <p:nvPr/>
+      </p:nvGrpSpPr>
+      <p:grpSpPr>
+        <a:xfrm>
+          <a:off x="0" y="0"/>
+          <a:ext cx="0" cy="0"/>
+          <a:chOff x="0" y="0"/>
+          <a:chExt cx="0" cy="0"/>
+        </a:xfrm>
+      </p:grpSpPr>
+      <p:sp>
+        <p:nvSpPr>
+          <p:cNvPr id="4" name="Foliennummernplatzhalter 3"/>
+          <p:cNvSpPr>
+            <a:spLocks noGrp="1"/>
+          </p:cNvSpPr>
+          <p:nvPr>
+            <p:ph type="sldNum" sz="quarter" idx="11"/>
+          </p:nvPr>
+        </p:nvSpPr>
+        <p:spPr>
+          <a:xfrm>
+            <a:off x="6774934" y="6473313"/>
+            <a:ext cx="2052074" cy="365125"/>
+          </a:xfrm>
+        </p:spPr>
+        <p:txBody>
+          <a:bodyPr anchor="ctr">
+            <a:normAutofit/>
+          </a:bodyPr>
+          <a:lstStyle/>
+          <a:p>
+            <a:pPr marL="0" marR="0" lvl="0" indent="0" algn="r" defTabSz="914400" rtl="0" eaLnBrk="1" fontAlgn="base" latinLnBrk="0" hangingPunct="1">
+              <a:lnSpc>
+                <a:spcPct val="100000"/>
+              </a:lnSpc>
+              <a:spcBef>
+                <a:spcPct val="0"/>
+              </a:spcBef>
+              <a:spcAft>
+                <a:spcPts val="600"/>
+              </a:spcAft>
+              <a:buClrTx/>
+              <a:buSzTx/>
+              <a:buFontTx/>
+              <a:buNone/>
+              <a:tabLst/>
+              <a:defRPr/>
+            </a:pPr>
+            <a:fld id="{CE58CB1E-F828-4F11-99E0-327109AF9DA4}" type="slidenum">
+              <a:rPr kumimoji="0" lang="de-DE" sz="1200" b="0" i="0" u="none" strike="noStrike" kern="1200" cap="none" spc="0" normalizeH="0" baseline="0" noProof="0" smtClean="0">
+                <a:ln>
+                  <a:noFill/>
+                </a:ln>
+                <a:solidFill>
+                  <a:prstClr val="black"/>
+                </a:solidFill>
+                <a:effectLst/>
+                <a:uLnTx/>
+                <a:uFillTx/>
+                <a:latin typeface="Arial" charset="0"/>
+                <a:ea typeface="+mn-ea"/>
+                <a:cs typeface="Arial" charset="0"/>
+              </a:rPr>
+              <a:pPr marL="0" marR="0" lvl="0" indent="0" algn="r" defTabSz="914400" rtl="0" eaLnBrk="1" fontAlgn="base" latinLnBrk="0" hangingPunct="1">
+                <a:lnSpc>
+                  <a:spcPct val="100000"/>
+                </a:lnSpc>
+                <a:spcBef>
+                  <a:spcPct val="0"/>
+                </a:spcBef>
+                <a:spcAft>
+                  <a:spcPts val="600"/>
+                </a:spcAft>
+                <a:buClrTx/>
+                <a:buSzTx/>
+                <a:buFontTx/>
+                <a:buNone/>
+                <a:tabLst/>
+                <a:defRPr/>
+              </a:pPr>
+              <a:t>13</a:t>
+            </a:fld>
+            <a:endParaRPr kumimoji="0" lang="de-DE" sz="1200" b="0" i="0" u="none" strike="noStrike" kern="1200" cap="none" spc="0" normalizeH="0" baseline="0" noProof="0" dirty="0">
+              <a:ln>
+                <a:noFill/>
+              </a:ln>
+              <a:solidFill>
+                <a:prstClr val="black"/>
+              </a:solidFill>
+              <a:effectLst/>
+              <a:uLnTx/>
+              <a:uFillTx/>
+              <a:latin typeface="Arial" charset="0"/>
+              <a:ea typeface="+mn-ea"/>
+              <a:cs typeface="Arial" charset="0"/>
+            </a:endParaRPr>
+          </a:p>
+        </p:txBody>
+      </p:sp>
+      <p:sp>
+        <p:nvSpPr>
+          <p:cNvPr id="7" name="Titel 2">
+            <a:extLst>
+              <a:ext uri="{FF2B5EF4-FFF2-40B4-BE49-F238E27FC236}">
+                <a16:creationId xmlns:a16="http://schemas.microsoft.com/office/drawing/2014/main" id="{B24129D1-E71B-47E0-9724-460D627BC21D}"/>
+              </a:ext>
+            </a:extLst>
+          </p:cNvPr>
+          <p:cNvSpPr txBox="1">
+            <a:spLocks/>
+          </p:cNvSpPr>
+          <p:nvPr/>
+        </p:nvSpPr>
+        <p:spPr>
+          <a:xfrm>
+            <a:off x="311162" y="878427"/>
+            <a:ext cx="8508999" cy="410369"/>
+          </a:xfrm>
+          <a:prstGeom prst="rect">
+            <a:avLst/>
+          </a:prstGeom>
+          <a:noFill/>
+          <a:ln w="9525">
+            <a:noFill/>
+            <a:miter lim="800000"/>
+            <a:headEnd/>
+            <a:tailEnd/>
+          </a:ln>
+        </p:spPr>
+        <p:txBody>
+          <a:bodyPr vert="horz" wrap="square" lIns="0" tIns="0" rIns="0" bIns="0" numCol="1" anchor="t" anchorCtr="0" compatLnSpc="1">
+            <a:prstTxWarp prst="textNoShape">
+              <a:avLst/>
+            </a:prstTxWarp>
+            <a:noAutofit/>
+          </a:bodyPr>
+          <a:lstStyle>
+            <a:lvl1pPr algn="l" rtl="0" eaLnBrk="0" fontAlgn="base" hangingPunct="0">
+              <a:lnSpc>
+                <a:spcPts val="3200"/>
+              </a:lnSpc>
+              <a:spcBef>
+                <a:spcPct val="0"/>
+              </a:spcBef>
+              <a:spcAft>
+                <a:spcPct val="0"/>
+              </a:spcAft>
+              <a:defRPr lang="de-DE" sz="3000" b="0" kern="1200" noProof="0" dirty="0">
+                <a:solidFill>
+                  <a:schemeClr val="tx1"/>
+                </a:solidFill>
+                <a:latin typeface="+mj-lt"/>
+                <a:ea typeface="+mj-ea"/>
+                <a:cs typeface="+mj-cs"/>
+              </a:defRPr>
+            </a:lvl1pPr>
+            <a:lvl2pPr algn="l" rtl="0" eaLnBrk="0" fontAlgn="base" hangingPunct="0">
+              <a:spcBef>
+                <a:spcPct val="0"/>
+              </a:spcBef>
+              <a:spcAft>
+                <a:spcPct val="0"/>
+              </a:spcAft>
+              <a:defRPr sz="2000" b="1">
+                <a:solidFill>
+                  <a:schemeClr val="tx2"/>
+                </a:solidFill>
+                <a:latin typeface="Arial" charset="0"/>
+                <a:cs typeface="Arial" charset="0"/>
+              </a:defRPr>
+            </a:lvl2pPr>
+            <a:lvl3pPr algn="l" rtl="0" eaLnBrk="0" fontAlgn="base" hangingPunct="0">
+              <a:spcBef>
+                <a:spcPct val="0"/>
+              </a:spcBef>
+              <a:spcAft>
+                <a:spcPct val="0"/>
+              </a:spcAft>
+              <a:defRPr sz="2000" b="1">
+                <a:solidFill>
+                  <a:schemeClr val="tx2"/>
+                </a:solidFill>
+                <a:latin typeface="Arial" charset="0"/>
+                <a:cs typeface="Arial" charset="0"/>
+              </a:defRPr>
+            </a:lvl3pPr>
+            <a:lvl4pPr algn="l" rtl="0" eaLnBrk="0" fontAlgn="base" hangingPunct="0">
+              <a:spcBef>
+                <a:spcPct val="0"/>
+              </a:spcBef>
+              <a:spcAft>
+                <a:spcPct val="0"/>
+              </a:spcAft>
+              <a:defRPr sz="2000" b="1">
+                <a:solidFill>
+                  <a:schemeClr val="tx2"/>
+                </a:solidFill>
+                <a:latin typeface="Arial" charset="0"/>
+                <a:cs typeface="Arial" charset="0"/>
+              </a:defRPr>
+            </a:lvl4pPr>
+            <a:lvl5pPr algn="l" rtl="0" eaLnBrk="0" fontAlgn="base" hangingPunct="0">
+              <a:spcBef>
+                <a:spcPct val="0"/>
+              </a:spcBef>
+              <a:spcAft>
+                <a:spcPct val="0"/>
+              </a:spcAft>
+              <a:defRPr sz="2000" b="1">
+                <a:solidFill>
+                  <a:schemeClr val="tx2"/>
+                </a:solidFill>
+                <a:latin typeface="Arial" charset="0"/>
+                <a:cs typeface="Arial" charset="0"/>
+              </a:defRPr>
+            </a:lvl5pPr>
+            <a:lvl6pPr marL="457200" algn="l" rtl="0" fontAlgn="base">
+              <a:spcBef>
+                <a:spcPct val="0"/>
+              </a:spcBef>
+              <a:spcAft>
+                <a:spcPct val="0"/>
+              </a:spcAft>
+              <a:defRPr sz="2000" b="1">
+                <a:solidFill>
+                  <a:schemeClr val="tx2"/>
+                </a:solidFill>
+                <a:latin typeface="Arial" charset="0"/>
+                <a:cs typeface="Arial" charset="0"/>
+              </a:defRPr>
+            </a:lvl6pPr>
+            <a:lvl7pPr marL="914400" algn="l" rtl="0" fontAlgn="base">
+              <a:spcBef>
+                <a:spcPct val="0"/>
+              </a:spcBef>
+              <a:spcAft>
+                <a:spcPct val="0"/>
+              </a:spcAft>
+              <a:defRPr sz="2000" b="1">
+                <a:solidFill>
+                  <a:schemeClr val="tx2"/>
+                </a:solidFill>
+                <a:latin typeface="Arial" charset="0"/>
+                <a:cs typeface="Arial" charset="0"/>
+              </a:defRPr>
+            </a:lvl7pPr>
+            <a:lvl8pPr marL="1371600" algn="l" rtl="0" fontAlgn="base">
+              <a:spcBef>
+                <a:spcPct val="0"/>
+              </a:spcBef>
+              <a:spcAft>
+                <a:spcPct val="0"/>
+              </a:spcAft>
+              <a:defRPr sz="2000" b="1">
+                <a:solidFill>
+                  <a:schemeClr val="tx2"/>
+                </a:solidFill>
+                <a:latin typeface="Arial" charset="0"/>
+                <a:cs typeface="Arial" charset="0"/>
+              </a:defRPr>
+            </a:lvl8pPr>
+            <a:lvl9pPr marL="1828800" algn="l" rtl="0" fontAlgn="base">
+              <a:spcBef>
+                <a:spcPct val="0"/>
+              </a:spcBef>
+              <a:spcAft>
+                <a:spcPct val="0"/>
+              </a:spcAft>
+              <a:defRPr sz="2000" b="1">
+                <a:solidFill>
+                  <a:schemeClr val="tx2"/>
+                </a:solidFill>
+                <a:latin typeface="Arial" charset="0"/>
+                <a:cs typeface="Arial" charset="0"/>
+              </a:defRPr>
+            </a:lvl9pPr>
+          </a:lstStyle>
+          <a:p>
+            <a:pPr marL="0" marR="0" lvl="0" indent="0" algn="l" defTabSz="914400" rtl="0" eaLnBrk="0" fontAlgn="base" latinLnBrk="0" hangingPunct="0">
+              <a:lnSpc>
+                <a:spcPts val="3200"/>
+              </a:lnSpc>
+              <a:spcBef>
+                <a:spcPct val="0"/>
+              </a:spcBef>
+              <a:spcAft>
+                <a:spcPct val="0"/>
+              </a:spcAft>
+              <a:buClrTx/>
+              <a:buSzTx/>
+              <a:buFontTx/>
+              <a:buNone/>
+              <a:tabLst/>
+              <a:defRPr/>
+            </a:pPr>
+            <a:r>
+              <a:rPr kumimoji="0" lang="en-US" sz="3200" b="0" i="0" u="none" strike="noStrike" kern="1200" cap="none" spc="0" normalizeH="0" baseline="0" noProof="0" dirty="0">
+                <a:ln>
+                  <a:noFill/>
+                </a:ln>
+                <a:solidFill>
+                  <a:prstClr val="black"/>
+                </a:solidFill>
+                <a:effectLst/>
+                <a:uLnTx/>
+                <a:uFillTx/>
+                <a:latin typeface="Arial"/>
+                <a:ea typeface="+mj-ea"/>
+                <a:cs typeface="+mj-cs"/>
+              </a:rPr>
+              <a:t> </a:t>
+            </a:r>
+            <a:r>
+              <a:rPr kumimoji="0" lang="en-US" sz="3200" b="0" i="0" u="none" strike="noStrike" kern="1200" cap="none" spc="0" normalizeH="0" baseline="0" noProof="0" dirty="0" err="1">
+                <a:ln>
+                  <a:noFill/>
+                </a:ln>
+                <a:solidFill>
+                  <a:srgbClr val="0065BD">
+                    <a:lumMod val="75000"/>
+                  </a:srgbClr>
+                </a:solidFill>
+                <a:effectLst/>
+                <a:uLnTx/>
+                <a:uFillTx/>
+                <a:latin typeface="Arial"/>
+                <a:ea typeface="+mj-ea"/>
+                <a:cs typeface="+mj-cs"/>
+              </a:rPr>
+              <a:t>Performanzanalyse</a:t>
+            </a:r>
+            <a:r>
+              <a:rPr kumimoji="0" lang="en-US" sz="3200" b="0" i="0" u="none" strike="noStrike" kern="1200" cap="none" spc="0" normalizeH="0" baseline="0" noProof="0" dirty="0">
+                <a:ln>
+                  <a:noFill/>
+                </a:ln>
+                <a:solidFill>
+                  <a:srgbClr val="0065BD">
+                    <a:lumMod val="75000"/>
+                  </a:srgbClr>
+                </a:solidFill>
+                <a:effectLst/>
+                <a:uLnTx/>
+                <a:uFillTx/>
+                <a:latin typeface="Arial"/>
+                <a:ea typeface="+mj-ea"/>
+                <a:cs typeface="+mj-cs"/>
+              </a:rPr>
+              <a:t>: </a:t>
+            </a:r>
+            <a:r>
+              <a:rPr kumimoji="0" lang="en-US" sz="3200" b="0" i="0" u="none" strike="noStrike" kern="1200" cap="none" spc="0" normalizeH="0" baseline="0" noProof="0" dirty="0">
+                <a:ln>
+                  <a:noFill/>
+                </a:ln>
+                <a:solidFill>
+                  <a:srgbClr val="005293"/>
+                </a:solidFill>
+                <a:effectLst/>
+                <a:uLnTx/>
+                <a:uFillTx/>
+                <a:latin typeface="Arial"/>
+                <a:ea typeface="+mj-ea"/>
+                <a:cs typeface="+mj-cs"/>
+              </a:rPr>
+              <a:t>SIMD-</a:t>
+            </a:r>
+            <a:r>
+              <a:rPr kumimoji="0" lang="en-US" sz="3200" b="0" i="0" u="none" strike="noStrike" kern="1200" cap="none" spc="0" normalizeH="0" baseline="0" noProof="0" dirty="0" err="1">
+                <a:ln>
+                  <a:noFill/>
+                </a:ln>
+                <a:solidFill>
+                  <a:srgbClr val="005293"/>
+                </a:solidFill>
+                <a:effectLst/>
+                <a:uLnTx/>
+                <a:uFillTx/>
+                <a:latin typeface="Arial"/>
+                <a:ea typeface="+mj-ea"/>
+                <a:cs typeface="+mj-cs"/>
+              </a:rPr>
+              <a:t>Instruktionen</a:t>
+            </a:r>
+            <a:endParaRPr kumimoji="0" lang="en-US" sz="3200" b="0" i="0" u="none" strike="noStrike" kern="1200" cap="none" spc="0" normalizeH="0" baseline="0" noProof="0" dirty="0">
+              <a:ln>
+                <a:noFill/>
+              </a:ln>
+              <a:solidFill>
+                <a:prstClr val="black"/>
+              </a:solidFill>
+              <a:effectLst/>
+              <a:uLnTx/>
+              <a:uFillTx/>
+              <a:latin typeface="Arial"/>
+              <a:ea typeface="+mj-ea"/>
+              <a:cs typeface="+mj-cs"/>
+            </a:endParaRPr>
+          </a:p>
+        </p:txBody>
+      </p:sp>
+      <p:pic>
+        <p:nvPicPr>
+          <p:cNvPr id="10" name="Picture 9" descr="Table&#10;&#10;Description automatically generated">
+            <a:extLst>
+              <a:ext uri="{FF2B5EF4-FFF2-40B4-BE49-F238E27FC236}">
+                <a16:creationId xmlns:a16="http://schemas.microsoft.com/office/drawing/2014/main" id="{1419B984-9DED-4B28-95AC-4B074D22B4CA}"/>
+              </a:ext>
+            </a:extLst>
+          </p:cNvPr>
+          <p:cNvPicPr>
+            <a:picLocks noChangeAspect="1"/>
+          </p:cNvPicPr>
+          <p:nvPr/>
+        </p:nvPicPr>
+        <p:blipFill>
+          <a:blip r:embed="rId2"/>
+          <a:stretch>
+            <a:fillRect/>
+          </a:stretch>
+        </p:blipFill>
+        <p:spPr>
+          <a:xfrm>
+            <a:off x="442659" y="2398029"/>
+            <a:ext cx="8333530" cy="3118148"/>
+          </a:xfrm>
+          <a:prstGeom prst="rect">
+            <a:avLst/>
+          </a:prstGeom>
+        </p:spPr>
+      </p:pic>
+      <p:sp>
+        <p:nvSpPr>
+          <p:cNvPr id="5" name="Fußzeilenplatzhalter 4">
+            <a:extLst>
+              <a:ext uri="{FF2B5EF4-FFF2-40B4-BE49-F238E27FC236}">
+                <a16:creationId xmlns:a16="http://schemas.microsoft.com/office/drawing/2014/main" id="{93186AD8-42FD-4733-A18E-CA290820B73C}"/>
+              </a:ext>
+            </a:extLst>
+          </p:cNvPr>
+          <p:cNvSpPr>
+            <a:spLocks noGrp="1"/>
+          </p:cNvSpPr>
+          <p:nvPr/>
+        </p:nvSpPr>
+        <p:spPr bwMode="auto">
+          <a:xfrm>
+            <a:off x="169558" y="6473313"/>
+            <a:ext cx="8393101" cy="365125"/>
+          </a:xfrm>
+          <a:prstGeom prst="rect">
+            <a:avLst/>
+          </a:prstGeom>
+        </p:spPr>
+        <p:txBody>
+          <a:bodyPr vert="horz" lIns="0" tIns="45720" rIns="0" bIns="45720" rtlCol="0" anchor="ctr">
+            <a:normAutofit/>
+          </a:bodyPr>
+          <a:lstStyle>
+            <a:defPPr>
+              <a:defRPr lang="de-DE"/>
+            </a:defPPr>
+            <a:lvl1pPr algn="l">
+              <a:spcBef>
+                <a:spcPts val="0"/>
+              </a:spcBef>
+              <a:spcAft>
+                <a:spcPts val="0"/>
+              </a:spcAft>
+              <a:defRPr sz="1200">
+                <a:solidFill>
+                  <a:schemeClr val="tx1"/>
+                </a:solidFill>
+                <a:latin typeface="Arial"/>
+                <a:ea typeface="+mn-ea"/>
+                <a:cs typeface="Arial"/>
+              </a:defRPr>
+            </a:lvl1pPr>
+            <a:lvl2pPr marL="457200" algn="l">
+              <a:spcBef>
+                <a:spcPts val="0"/>
+              </a:spcBef>
+              <a:spcAft>
+                <a:spcPts val="0"/>
+              </a:spcAft>
+              <a:defRPr>
+                <a:solidFill>
+                  <a:schemeClr val="tx1"/>
+                </a:solidFill>
+                <a:latin typeface="Arial"/>
+                <a:ea typeface="+mn-ea"/>
+                <a:cs typeface="Arial"/>
+              </a:defRPr>
+            </a:lvl2pPr>
+            <a:lvl3pPr marL="914400" algn="l">
+              <a:spcBef>
+                <a:spcPts val="0"/>
+              </a:spcBef>
+              <a:spcAft>
+                <a:spcPts val="0"/>
+              </a:spcAft>
+              <a:defRPr>
+                <a:solidFill>
+                  <a:schemeClr val="tx1"/>
+                </a:solidFill>
+                <a:latin typeface="Arial"/>
+                <a:ea typeface="+mn-ea"/>
+                <a:cs typeface="Arial"/>
+              </a:defRPr>
+            </a:lvl3pPr>
+            <a:lvl4pPr marL="1371600" algn="l">
+              <a:spcBef>
+                <a:spcPts val="0"/>
+              </a:spcBef>
+              <a:spcAft>
+                <a:spcPts val="0"/>
+              </a:spcAft>
+              <a:defRPr>
+                <a:solidFill>
+                  <a:schemeClr val="tx1"/>
+                </a:solidFill>
+                <a:latin typeface="Arial"/>
+                <a:ea typeface="+mn-ea"/>
+                <a:cs typeface="Arial"/>
+              </a:defRPr>
+            </a:lvl4pPr>
+            <a:lvl5pPr marL="1828800" algn="l">
+              <a:spcBef>
+                <a:spcPts val="0"/>
+              </a:spcBef>
+              <a:spcAft>
+                <a:spcPts val="0"/>
+              </a:spcAft>
+              <a:defRPr>
+                <a:solidFill>
+                  <a:schemeClr val="tx1"/>
+                </a:solidFill>
+                <a:latin typeface="Arial"/>
+                <a:ea typeface="+mn-ea"/>
+                <a:cs typeface="Arial"/>
+              </a:defRPr>
+            </a:lvl5pPr>
+            <a:lvl6pPr marL="2286000" algn="l" defTabSz="914400">
+              <a:defRPr>
+                <a:solidFill>
+                  <a:schemeClr val="tx1"/>
+                </a:solidFill>
+                <a:latin typeface="Arial"/>
+                <a:ea typeface="+mn-ea"/>
+                <a:cs typeface="Arial"/>
+              </a:defRPr>
+            </a:lvl6pPr>
+            <a:lvl7pPr marL="2743200" algn="l" defTabSz="914400">
+              <a:defRPr>
+                <a:solidFill>
+                  <a:schemeClr val="tx1"/>
+                </a:solidFill>
+                <a:latin typeface="Arial"/>
+                <a:ea typeface="+mn-ea"/>
+                <a:cs typeface="Arial"/>
+              </a:defRPr>
+            </a:lvl7pPr>
+            <a:lvl8pPr marL="3200400" algn="l" defTabSz="914400">
+              <a:defRPr>
+                <a:solidFill>
+                  <a:schemeClr val="tx1"/>
+                </a:solidFill>
+                <a:latin typeface="Arial"/>
+                <a:ea typeface="+mn-ea"/>
+                <a:cs typeface="Arial"/>
+              </a:defRPr>
+            </a:lvl8pPr>
+            <a:lvl9pPr marL="3657600" algn="l" defTabSz="914400">
+              <a:defRPr>
+                <a:solidFill>
+                  <a:schemeClr val="tx1"/>
+                </a:solidFill>
+                <a:latin typeface="Arial"/>
+                <a:ea typeface="+mn-ea"/>
+                <a:cs typeface="Arial"/>
+              </a:defRPr>
+            </a:lvl9pPr>
+          </a:lstStyle>
+          <a:p>
+            <a:pPr marL="0" marR="0" lvl="0" indent="0" algn="l" defTabSz="914400" rtl="0" eaLnBrk="1" fontAlgn="base" latinLnBrk="0" hangingPunct="1">
+              <a:lnSpc>
+                <a:spcPct val="90000"/>
+              </a:lnSpc>
+              <a:spcBef>
+                <a:spcPts val="0"/>
+              </a:spcBef>
+              <a:spcAft>
+                <a:spcPts val="0"/>
+              </a:spcAft>
+              <a:buClrTx/>
+              <a:buSzTx/>
+              <a:buFontTx/>
+              <a:buNone/>
+              <a:tabLst/>
+              <a:defRPr/>
+            </a:pPr>
+            <a:r>
+              <a:rPr kumimoji="0" lang="de-DE" sz="900" b="0" i="0" u="none" strike="noStrike" kern="1200" cap="none" spc="0" normalizeH="0" baseline="0" noProof="0" dirty="0">
+                <a:ln>
+                  <a:noFill/>
+                </a:ln>
+                <a:solidFill>
+                  <a:prstClr val="black"/>
+                </a:solidFill>
+                <a:effectLst/>
+                <a:uLnTx/>
+                <a:uFillTx/>
+                <a:latin typeface="Arial"/>
+                <a:ea typeface="+mn-ea"/>
+                <a:cs typeface="Arial"/>
+              </a:rPr>
+              <a:t>Aspekte der systemnahen Programmierung bei der Spieleentwicklung | 16.02.2021 | </a:t>
+            </a:r>
+            <a:r>
+              <a:rPr kumimoji="0" lang="de-DE" sz="900" b="1" i="0" u="none" strike="noStrike" kern="1200" cap="none" spc="0" normalizeH="0" baseline="0" noProof="0" dirty="0" err="1">
+                <a:ln>
+                  <a:noFill/>
+                </a:ln>
+                <a:solidFill>
+                  <a:prstClr val="black"/>
+                </a:solidFill>
+                <a:effectLst/>
+                <a:uLnTx/>
+                <a:uFillTx/>
+                <a:latin typeface="Arial"/>
+                <a:ea typeface="+mn-ea"/>
+                <a:cs typeface="Arial"/>
+              </a:rPr>
+              <a:t>Peano</a:t>
+            </a:r>
+            <a:r>
+              <a:rPr kumimoji="0" lang="de-DE" sz="900" b="1" i="0" u="none" strike="noStrike" kern="1200" cap="none" spc="0" normalizeH="0" baseline="0" noProof="0" dirty="0">
+                <a:ln>
+                  <a:noFill/>
+                </a:ln>
+                <a:solidFill>
+                  <a:prstClr val="black"/>
+                </a:solidFill>
+                <a:effectLst/>
+                <a:uLnTx/>
+                <a:uFillTx/>
+                <a:latin typeface="Arial"/>
+                <a:ea typeface="+mn-ea"/>
+                <a:cs typeface="Arial"/>
+              </a:rPr>
+              <a:t>-Kurven (A214)		 </a:t>
+            </a:r>
+            <a:r>
+              <a:rPr kumimoji="0" lang="en-US" sz="1600" b="1" i="0" u="none" strike="noStrike" kern="1200" cap="none" spc="0" normalizeH="0" baseline="0" noProof="0" dirty="0">
+                <a:ln>
+                  <a:noFill/>
+                </a:ln>
+                <a:solidFill>
+                  <a:prstClr val="black"/>
+                </a:solidFill>
+                <a:effectLst/>
+                <a:uLnTx/>
+                <a:uFillTx/>
+                <a:latin typeface="Arial"/>
+                <a:ea typeface="+mn-ea"/>
+                <a:cs typeface="Arial"/>
+              </a:rPr>
+              <a:t>Mohamed Attia</a:t>
+            </a:r>
+            <a:endParaRPr kumimoji="0" lang="de-DE" sz="1600" b="1" i="0" u="none" strike="noStrike" kern="1200" cap="none" spc="0" normalizeH="0" baseline="0" noProof="0" dirty="0">
+              <a:ln>
+                <a:noFill/>
+              </a:ln>
+              <a:solidFill>
+                <a:prstClr val="black"/>
+              </a:solidFill>
+              <a:effectLst/>
+              <a:uLnTx/>
+              <a:uFillTx/>
+              <a:latin typeface="Arial"/>
+              <a:ea typeface="+mn-ea"/>
+              <a:cs typeface="Arial"/>
+            </a:endParaRPr>
+          </a:p>
+          <a:p>
+            <a:pPr marL="0" marR="0" lvl="0" indent="0" algn="l" defTabSz="914400" rtl="0" eaLnBrk="1" fontAlgn="base" latinLnBrk="0" hangingPunct="1">
+              <a:lnSpc>
+                <a:spcPct val="90000"/>
+              </a:lnSpc>
+              <a:spcBef>
+                <a:spcPts val="0"/>
+              </a:spcBef>
+              <a:spcAft>
+                <a:spcPts val="0"/>
+              </a:spcAft>
+              <a:buClrTx/>
+              <a:buSzTx/>
+              <a:buFontTx/>
+              <a:buNone/>
+              <a:tabLst/>
+              <a:defRPr/>
+            </a:pPr>
+            <a:endParaRPr kumimoji="0" lang="de-DE" sz="1200" b="0" i="0" u="none" strike="noStrike" kern="1200" cap="none" spc="0" normalizeH="0" baseline="0" noProof="0" dirty="0">
+              <a:ln>
+                <a:noFill/>
+              </a:ln>
+              <a:solidFill>
+                <a:prstClr val="black"/>
+              </a:solidFill>
+              <a:effectLst/>
+              <a:uLnTx/>
+              <a:uFillTx/>
+              <a:latin typeface="Arial"/>
+              <a:ea typeface="+mn-ea"/>
+              <a:cs typeface="Arial"/>
+            </a:endParaRPr>
+          </a:p>
+          <a:p>
+            <a:pPr marL="0" marR="0" lvl="0" indent="0" algn="l" defTabSz="914400" rtl="0" eaLnBrk="1" fontAlgn="base" latinLnBrk="0" hangingPunct="1">
+              <a:lnSpc>
+                <a:spcPct val="90000"/>
+              </a:lnSpc>
+              <a:spcBef>
+                <a:spcPts val="0"/>
+              </a:spcBef>
+              <a:spcAft>
+                <a:spcPts val="600"/>
+              </a:spcAft>
+              <a:buClrTx/>
+              <a:buSzTx/>
+              <a:buFontTx/>
+              <a:buNone/>
+              <a:tabLst/>
+              <a:defRPr/>
+            </a:pPr>
+            <a:endParaRPr kumimoji="0" lang="en-US" sz="900" b="0" i="0" u="none" strike="noStrike" kern="1200" cap="none" spc="0" normalizeH="0" baseline="0" noProof="0" dirty="0">
+              <a:ln>
+                <a:noFill/>
+              </a:ln>
+              <a:solidFill>
+                <a:prstClr val="black"/>
+              </a:solidFill>
+              <a:effectLst/>
+              <a:uLnTx/>
+              <a:uFillTx/>
+              <a:latin typeface="Arial"/>
+              <a:ea typeface="+mn-ea"/>
+              <a:cs typeface="Arial"/>
+            </a:endParaRPr>
+          </a:p>
+        </p:txBody>
+      </p:sp>
+    </p:spTree>
+    <p:extLst>
+      <p:ext uri="{BB962C8B-B14F-4D97-AF65-F5344CB8AC3E}">
+        <p14:creationId xmlns:p14="http://schemas.microsoft.com/office/powerpoint/2010/main" val="1685893145"/>
+      </p:ext>
+    </p:extLst>
+  </p:cSld>
+  <p:clrMapOvr>
+    <a:masterClrMapping/>
+  </p:clrMapOvr>
+  <mc:AlternateContent xmlns:mc="http://schemas.openxmlformats.org/markup-compatibility/2006">
+    <mc:Choice xmlns:p14="http://schemas.microsoft.com/office/powerpoint/2010/main" Requires="p14">
+      <p:transition spd="med" p14:dur="700" advTm="1002">
+        <p:fade/>
+      </p:transition>
+    </mc:Choice>
+    <mc:Fallback>
+      <p:transition spd="med" advTm="1002">
+        <p:fade/>
+      </p:transition>
+    </mc:Fallback>
+  </mc:AlternateContent>
+</p:sld>
+</file>
+
+<file path=ppt/slides/slide14.xml><?xml version="1.0" encoding="utf-8"?>
 <p:sld xmlns:a="http://schemas.openxmlformats.org/drawingml/2006/main" xmlns:r="http://schemas.openxmlformats.org/officeDocument/2006/relationships" xmlns:p="http://schemas.openxmlformats.org/presentationml/2006/main">
   <p:cSld>
     <p:spTree>
@@ -12636,21 +13268,71 @@
           </a:bodyPr>
           <a:lstStyle/>
           <a:p>
-            <a:pPr>
+            <a:pPr marL="0" marR="0" lvl="0" indent="0" algn="r" defTabSz="914400" rtl="0" eaLnBrk="1" fontAlgn="base" latinLnBrk="0" hangingPunct="1">
+              <a:lnSpc>
+                <a:spcPct val="100000"/>
+              </a:lnSpc>
+              <a:spcBef>
+                <a:spcPct val="0"/>
+              </a:spcBef>
               <a:spcAft>
                 <a:spcPts val="600"/>
               </a:spcAft>
+              <a:buClrTx/>
+              <a:buSzTx/>
+              <a:buFontTx/>
+              <a:buNone/>
+              <a:tabLst/>
+              <a:defRPr/>
             </a:pPr>
             <a:fld id="{CE58CB1E-F828-4F11-99E0-327109AF9DA4}" type="slidenum">
-              <a:rPr lang="de-DE" smtClean="0"/>
-              <a:pPr>
+              <a:rPr kumimoji="0" lang="de-DE" sz="1200" b="0" i="0" u="none" strike="noStrike" kern="1200" cap="none" spc="0" normalizeH="0" baseline="0" noProof="0" smtClean="0">
+                <a:ln>
+                  <a:noFill/>
+                </a:ln>
+                <a:solidFill>
+                  <a:prstClr val="black"/>
+                </a:solidFill>
+                <a:effectLst/>
+                <a:uLnTx/>
+                <a:uFillTx/>
+                <a:latin typeface="Arial" charset="0"/>
+                <a:ea typeface="+mn-ea"/>
+                <a:cs typeface="Arial" charset="0"/>
+              </a:rPr>
+              <a:pPr marL="0" marR="0" lvl="0" indent="0" algn="r" defTabSz="914400" rtl="0" eaLnBrk="1" fontAlgn="base" latinLnBrk="0" hangingPunct="1">
+                <a:lnSpc>
+                  <a:spcPct val="100000"/>
+                </a:lnSpc>
+                <a:spcBef>
+                  <a:spcPct val="0"/>
+                </a:spcBef>
                 <a:spcAft>
                   <a:spcPts val="600"/>
                 </a:spcAft>
+                <a:buClrTx/>
+                <a:buSzTx/>
+                <a:buFontTx/>
+                <a:buNone/>
+                <a:tabLst/>
+                <a:defRPr/>
               </a:pPr>
-              <a:t>15</a:t>
+              <a:t>14</a:t>
             </a:fld>
-            <a:endParaRPr lang="de-DE" dirty="0"/>
+            <a:endParaRPr kumimoji="0" lang="de-DE" sz="1200" b="0" i="0" u="none" strike="noStrike" kern="1200" cap="none" spc="0" normalizeH="0" baseline="0" noProof="0" dirty="0">
+              <a:ln>
+                <a:noFill/>
+              </a:ln>
+              <a:solidFill>
+                <a:prstClr val="black"/>
+              </a:solidFill>
+              <a:effectLst/>
+              <a:uLnTx/>
+              <a:uFillTx/>
+              <a:latin typeface="Arial" charset="0"/>
+              <a:ea typeface="+mn-ea"/>
+              <a:cs typeface="Arial" charset="0"/>
+            </a:endParaRPr>
           </a:p>
         </p:txBody>
       </p:sp>
@@ -12897,147 +13579,383 @@
             </a:lvl9pPr>
           </a:lstStyle>
           <a:p>
-            <a:pPr marL="285750" indent="-285750">
+            <a:pPr marL="285750" marR="0" lvl="0" indent="-285750" algn="l" defTabSz="914400" rtl="0" eaLnBrk="0" fontAlgn="base" latinLnBrk="0" hangingPunct="0">
+              <a:lnSpc>
+                <a:spcPct val="114000"/>
+              </a:lnSpc>
+              <a:spcBef>
+                <a:spcPct val="0"/>
+              </a:spcBef>
               <a:spcAft>
                 <a:spcPts val="600"/>
               </a:spcAft>
+              <a:buClrTx/>
+              <a:buSzTx/>
               <a:buFont typeface="Courier New" panose="02070309020205020404" pitchFamily="49" charset="0"/>
               <a:buChar char="o"/>
+              <a:tabLst/>
+              <a:defRPr/>
             </a:pPr>
-            <a:endParaRPr lang="en-US" sz="2400" dirty="0">
+            <a:endParaRPr kumimoji="0" lang="en-US" sz="2400" b="0" i="0" u="none" strike="noStrike" kern="1200" cap="none" spc="0" normalizeH="0" baseline="0" noProof="0" dirty="0">
+              <a:ln>
+                <a:noFill/>
+              </a:ln>
               <a:solidFill>
-                <a:schemeClr val="bg2">
+                <a:srgbClr val="0065BD">
                   <a:lumMod val="75000"/>
-                </a:schemeClr>
+                </a:srgbClr>
               </a:solidFill>
+              <a:effectLst/>
+              <a:uLnTx/>
+              <a:uFillTx/>
+              <a:latin typeface="Arial"/>
+              <a:ea typeface="+mn-ea"/>
+              <a:cs typeface="+mn-cs"/>
             </a:endParaRPr>
           </a:p>
           <a:p>
-            <a:pPr marL="285750" indent="-285750">
+            <a:pPr marL="285750" marR="0" lvl="0" indent="-285750" algn="l" defTabSz="914400" rtl="0" eaLnBrk="0" fontAlgn="base" latinLnBrk="0" hangingPunct="0">
+              <a:lnSpc>
+                <a:spcPct val="114000"/>
+              </a:lnSpc>
+              <a:spcBef>
+                <a:spcPct val="0"/>
+              </a:spcBef>
               <a:spcAft>
                 <a:spcPts val="600"/>
               </a:spcAft>
+              <a:buClrTx/>
+              <a:buSzTx/>
               <a:buFont typeface="Courier New" panose="02070309020205020404" pitchFamily="49" charset="0"/>
               <a:buChar char="o"/>
+              <a:tabLst/>
+              <a:defRPr/>
             </a:pPr>
             <a:r>
-              <a:rPr lang="de-DE" sz="2400" dirty="0">
-                <a:solidFill>
-                  <a:schemeClr val="bg2">
+              <a:rPr kumimoji="0" lang="de-DE" sz="2400" b="0" i="0" u="none" strike="noStrike" kern="1200" cap="none" spc="0" normalizeH="0" baseline="0" noProof="0" dirty="0">
+                <a:ln>
+                  <a:noFill/>
+                </a:ln>
+                <a:solidFill>
+                  <a:srgbClr val="0065BD">
                     <a:lumMod val="75000"/>
-                  </a:schemeClr>
-                </a:solidFill>
+                  </a:srgbClr>
+                </a:solidFill>
+                <a:effectLst/>
+                <a:uLnTx/>
+                <a:uFillTx/>
+                <a:latin typeface="Arial"/>
+                <a:ea typeface="+mn-ea"/>
+                <a:cs typeface="+mn-cs"/>
               </a:rPr>
               <a:t>Verbesserungsmöglichkeiten</a:t>
             </a:r>
             <a:r>
-              <a:rPr lang="en-US" sz="2400" dirty="0">
-                <a:solidFill>
-                  <a:schemeClr val="bg2">
+              <a:rPr kumimoji="0" lang="en-US" sz="2400" b="0" i="0" u="none" strike="noStrike" kern="1200" cap="none" spc="0" normalizeH="0" baseline="0" noProof="0" dirty="0">
+                <a:ln>
+                  <a:noFill/>
+                </a:ln>
+                <a:solidFill>
+                  <a:srgbClr val="0065BD">
                     <a:lumMod val="75000"/>
-                  </a:schemeClr>
-                </a:solidFill>
+                  </a:srgbClr>
+                </a:solidFill>
+                <a:effectLst/>
+                <a:uLnTx/>
+                <a:uFillTx/>
+                <a:latin typeface="Arial"/>
+                <a:ea typeface="+mn-ea"/>
+                <a:cs typeface="+mn-cs"/>
               </a:rPr>
               <a:t>:</a:t>
             </a:r>
-            <a:endParaRPr lang="de-DE" sz="2400" dirty="0">
+            <a:endParaRPr kumimoji="0" lang="de-DE" sz="2400" b="0" i="0" u="none" strike="noStrike" kern="1200" cap="none" spc="0" normalizeH="0" baseline="0" noProof="0" dirty="0">
+              <a:ln>
+                <a:noFill/>
+              </a:ln>
               <a:solidFill>
                 <a:srgbClr val="005293"/>
               </a:solidFill>
+              <a:effectLst/>
+              <a:uLnTx/>
+              <a:uFillTx/>
+              <a:latin typeface="Arial"/>
+              <a:ea typeface="+mn-ea"/>
+              <a:cs typeface="+mn-cs"/>
             </a:endParaRPr>
           </a:p>
           <a:p>
-            <a:pPr marL="285750" indent="-285750">
+            <a:pPr marL="285750" marR="0" lvl="0" indent="-285750" algn="l" defTabSz="914400" rtl="0" eaLnBrk="0" fontAlgn="base" latinLnBrk="0" hangingPunct="0">
+              <a:lnSpc>
+                <a:spcPct val="114000"/>
+              </a:lnSpc>
+              <a:spcBef>
+                <a:spcPct val="0"/>
+              </a:spcBef>
               <a:spcAft>
                 <a:spcPts val="600"/>
               </a:spcAft>
+              <a:buClrTx/>
+              <a:buSzTx/>
               <a:buFont typeface="Wingdings" panose="05000000000000000000" pitchFamily="2" charset="2"/>
               <a:buChar char="ü"/>
+              <a:tabLst/>
+              <a:defRPr/>
             </a:pPr>
-            <a:endParaRPr lang="de-DE" dirty="0">
+            <a:endParaRPr kumimoji="0" lang="de-DE" sz="1600" b="0" i="0" u="none" strike="noStrike" kern="1200" cap="none" spc="0" normalizeH="0" baseline="0" noProof="0" dirty="0">
+              <a:ln>
+                <a:noFill/>
+              </a:ln>
               <a:solidFill>
                 <a:srgbClr val="005293"/>
               </a:solidFill>
+              <a:effectLst/>
+              <a:uLnTx/>
+              <a:uFillTx/>
+              <a:latin typeface="Arial"/>
+              <a:ea typeface="+mn-ea"/>
+              <a:cs typeface="+mn-cs"/>
             </a:endParaRPr>
           </a:p>
           <a:p>
-            <a:pPr marL="285750" indent="-285750">
+            <a:pPr marL="285750" marR="0" lvl="0" indent="-285750" algn="l" defTabSz="914400" rtl="0" eaLnBrk="0" fontAlgn="base" latinLnBrk="0" hangingPunct="0">
+              <a:lnSpc>
+                <a:spcPct val="114000"/>
+              </a:lnSpc>
+              <a:spcBef>
+                <a:spcPct val="0"/>
+              </a:spcBef>
               <a:spcAft>
                 <a:spcPts val="600"/>
               </a:spcAft>
+              <a:buClrTx/>
+              <a:buSzTx/>
               <a:buFont typeface="Wingdings" panose="05000000000000000000" pitchFamily="2" charset="2"/>
               <a:buChar char="ü"/>
+              <a:tabLst/>
+              <a:defRPr/>
             </a:pPr>
             <a:r>
-              <a:rPr lang="de-DE" sz="1800" dirty="0"/>
+              <a:rPr kumimoji="0" lang="de-DE" sz="1800" b="0" i="0" u="none" strike="noStrike" kern="1200" cap="none" spc="0" normalizeH="0" baseline="0" noProof="0" dirty="0">
+                <a:ln>
+                  <a:noFill/>
+                </a:ln>
+                <a:solidFill>
+                  <a:prstClr val="black"/>
+                </a:solidFill>
+                <a:effectLst/>
+                <a:uLnTx/>
+                <a:uFillTx/>
+                <a:latin typeface="Arial"/>
+                <a:ea typeface="+mn-ea"/>
+                <a:cs typeface="+mn-cs"/>
+              </a:rPr>
               <a:t>Speicheroptimierungen</a:t>
             </a:r>
           </a:p>
           <a:p>
-            <a:pPr marL="285750" indent="-285750">
+            <a:pPr marL="285750" marR="0" lvl="0" indent="-285750" algn="l" defTabSz="914400" rtl="0" eaLnBrk="0" fontAlgn="base" latinLnBrk="0" hangingPunct="0">
+              <a:lnSpc>
+                <a:spcPct val="114000"/>
+              </a:lnSpc>
+              <a:spcBef>
+                <a:spcPct val="0"/>
+              </a:spcBef>
               <a:spcAft>
                 <a:spcPts val="600"/>
               </a:spcAft>
+              <a:buClrTx/>
+              <a:buSzTx/>
               <a:buFont typeface="Wingdings" panose="05000000000000000000" pitchFamily="2" charset="2"/>
               <a:buChar char="ü"/>
+              <a:tabLst/>
+              <a:defRPr/>
             </a:pPr>
-            <a:endParaRPr lang="de-DE" sz="1800" dirty="0"/>
-          </a:p>
-          <a:p>
-            <a:pPr marL="285750" indent="-285750">
+            <a:endParaRPr kumimoji="0" lang="de-DE" sz="1800" b="0" i="0" u="none" strike="noStrike" kern="1200" cap="none" spc="0" normalizeH="0" baseline="0" noProof="0" dirty="0">
+              <a:ln>
+                <a:noFill/>
+              </a:ln>
+              <a:solidFill>
+                <a:prstClr val="black"/>
+              </a:solidFill>
+              <a:effectLst/>
+              <a:uLnTx/>
+              <a:uFillTx/>
+              <a:latin typeface="Arial"/>
+              <a:ea typeface="+mn-ea"/>
+              <a:cs typeface="+mn-cs"/>
+            </a:endParaRPr>
+          </a:p>
+          <a:p>
+            <a:pPr marL="285750" marR="0" lvl="0" indent="-285750" algn="l" defTabSz="914400" rtl="0" eaLnBrk="0" fontAlgn="base" latinLnBrk="0" hangingPunct="0">
+              <a:lnSpc>
+                <a:spcPct val="114000"/>
+              </a:lnSpc>
+              <a:spcBef>
+                <a:spcPct val="0"/>
+              </a:spcBef>
               <a:spcAft>
                 <a:spcPts val="600"/>
               </a:spcAft>
+              <a:buClrTx/>
+              <a:buSzTx/>
               <a:buFont typeface="Wingdings" panose="05000000000000000000" pitchFamily="2" charset="2"/>
               <a:buChar char="ü"/>
+              <a:tabLst/>
+              <a:defRPr/>
             </a:pPr>
             <a:r>
-              <a:rPr lang="de-DE" sz="1800" dirty="0"/>
+              <a:rPr kumimoji="0" lang="de-DE" sz="1800" b="0" i="0" u="none" strike="noStrike" kern="1200" cap="none" spc="0" normalizeH="0" baseline="0" noProof="0" dirty="0">
+                <a:ln>
+                  <a:noFill/>
+                </a:ln>
+                <a:solidFill>
+                  <a:prstClr val="black"/>
+                </a:solidFill>
+                <a:effectLst/>
+                <a:uLnTx/>
+                <a:uFillTx/>
+                <a:latin typeface="Arial"/>
+                <a:ea typeface="+mn-ea"/>
+                <a:cs typeface="+mn-cs"/>
+              </a:rPr>
               <a:t>Multithreading</a:t>
             </a:r>
           </a:p>
           <a:p>
-            <a:pPr marL="285750" indent="-285750">
+            <a:pPr marL="285750" marR="0" lvl="0" indent="-285750" algn="l" defTabSz="914400" rtl="0" eaLnBrk="0" fontAlgn="base" latinLnBrk="0" hangingPunct="0">
+              <a:lnSpc>
+                <a:spcPct val="114000"/>
+              </a:lnSpc>
+              <a:spcBef>
+                <a:spcPct val="0"/>
+              </a:spcBef>
               <a:spcAft>
                 <a:spcPts val="600"/>
               </a:spcAft>
+              <a:buClrTx/>
+              <a:buSzTx/>
               <a:buFont typeface="Wingdings" panose="05000000000000000000" pitchFamily="2" charset="2"/>
               <a:buChar char="ü"/>
+              <a:tabLst/>
+              <a:defRPr/>
             </a:pPr>
-            <a:endParaRPr lang="de-DE" sz="1800" dirty="0"/>
-          </a:p>
-          <a:p>
-            <a:pPr marL="285750" indent="-285750">
+            <a:endParaRPr kumimoji="0" lang="de-DE" sz="1800" b="0" i="0" u="none" strike="noStrike" kern="1200" cap="none" spc="0" normalizeH="0" baseline="0" noProof="0" dirty="0">
+              <a:ln>
+                <a:noFill/>
+              </a:ln>
+              <a:solidFill>
+                <a:prstClr val="black"/>
+              </a:solidFill>
+              <a:effectLst/>
+              <a:uLnTx/>
+              <a:uFillTx/>
+              <a:latin typeface="Arial"/>
+              <a:ea typeface="+mn-ea"/>
+              <a:cs typeface="+mn-cs"/>
+            </a:endParaRPr>
+          </a:p>
+          <a:p>
+            <a:pPr marL="285750" marR="0" lvl="0" indent="-285750" algn="l" defTabSz="914400" rtl="0" eaLnBrk="0" fontAlgn="base" latinLnBrk="0" hangingPunct="0">
+              <a:lnSpc>
+                <a:spcPct val="114000"/>
+              </a:lnSpc>
+              <a:spcBef>
+                <a:spcPct val="0"/>
+              </a:spcBef>
               <a:spcAft>
                 <a:spcPts val="600"/>
               </a:spcAft>
+              <a:buClrTx/>
+              <a:buSzTx/>
               <a:buFont typeface="Wingdings" panose="05000000000000000000" pitchFamily="2" charset="2"/>
               <a:buChar char="ü"/>
+              <a:tabLst/>
+              <a:defRPr/>
             </a:pPr>
             <a:r>
-              <a:rPr lang="de-DE" sz="1800" dirty="0"/>
+              <a:rPr kumimoji="0" lang="de-DE" sz="1800" b="0" i="0" u="none" strike="noStrike" kern="1200" cap="none" spc="0" normalizeH="0" baseline="0" noProof="0" dirty="0">
+                <a:ln>
+                  <a:noFill/>
+                </a:ln>
+                <a:solidFill>
+                  <a:prstClr val="black"/>
+                </a:solidFill>
+                <a:effectLst/>
+                <a:uLnTx/>
+                <a:uFillTx/>
+                <a:latin typeface="Arial"/>
+                <a:ea typeface="+mn-ea"/>
+                <a:cs typeface="+mn-cs"/>
+              </a:rPr>
               <a:t>16-bit Alignment SIMD-Instruktionen </a:t>
             </a:r>
           </a:p>
           <a:p>
-            <a:pPr marL="285750" indent="-285750">
+            <a:pPr marL="285750" marR="0" lvl="0" indent="-285750" algn="l" defTabSz="914400" rtl="0" eaLnBrk="0" fontAlgn="base" latinLnBrk="0" hangingPunct="0">
+              <a:lnSpc>
+                <a:spcPct val="114000"/>
+              </a:lnSpc>
+              <a:spcBef>
+                <a:spcPct val="0"/>
+              </a:spcBef>
               <a:spcAft>
                 <a:spcPts val="600"/>
               </a:spcAft>
+              <a:buClrTx/>
+              <a:buSzTx/>
               <a:buFont typeface="Wingdings" panose="05000000000000000000" pitchFamily="2" charset="2"/>
               <a:buChar char="ü"/>
+              <a:tabLst/>
+              <a:defRPr/>
             </a:pPr>
-            <a:endParaRPr lang="de-DE" sz="1800" dirty="0"/>
-          </a:p>
-          <a:p>
-            <a:pPr marL="285750" indent="-285750">
+            <a:endParaRPr kumimoji="0" lang="de-DE" sz="1800" b="0" i="0" u="none" strike="noStrike" kern="1200" cap="none" spc="0" normalizeH="0" baseline="0" noProof="0" dirty="0">
+              <a:ln>
+                <a:noFill/>
+              </a:ln>
+              <a:solidFill>
+                <a:prstClr val="black"/>
+              </a:solidFill>
+              <a:effectLst/>
+              <a:uLnTx/>
+              <a:uFillTx/>
+              <a:latin typeface="Arial"/>
+              <a:ea typeface="+mn-ea"/>
+              <a:cs typeface="+mn-cs"/>
+            </a:endParaRPr>
+          </a:p>
+          <a:p>
+            <a:pPr marL="285750" marR="0" lvl="0" indent="-285750" algn="l" defTabSz="914400" rtl="0" eaLnBrk="0" fontAlgn="base" latinLnBrk="0" hangingPunct="0">
+              <a:lnSpc>
+                <a:spcPct val="114000"/>
+              </a:lnSpc>
+              <a:spcBef>
+                <a:spcPct val="0"/>
+              </a:spcBef>
               <a:spcAft>
                 <a:spcPts val="600"/>
               </a:spcAft>
+              <a:buClrTx/>
+              <a:buSzTx/>
               <a:buFont typeface="Wingdings" panose="05000000000000000000" pitchFamily="2" charset="2"/>
               <a:buChar char="ü"/>
+              <a:tabLst/>
+              <a:defRPr/>
             </a:pPr>
-            <a:endParaRPr lang="de-DE" dirty="0"/>
+            <a:endParaRPr kumimoji="0" lang="de-DE" sz="1600" b="0" i="0" u="none" strike="noStrike" kern="1200" cap="none" spc="0" normalizeH="0" baseline="0" noProof="0" dirty="0">
+              <a:ln>
+                <a:noFill/>
+              </a:ln>
+              <a:solidFill>
+                <a:prstClr val="black"/>
+              </a:solidFill>
+              <a:effectLst/>
+              <a:uLnTx/>
+              <a:uFillTx/>
+              <a:latin typeface="Arial"/>
+              <a:ea typeface="+mn-ea"/>
+              <a:cs typeface="+mn-cs"/>
+            </a:endParaRPr>
           </a:p>
         </p:txBody>
       </p:sp>
@@ -13194,50 +14112,171 @@
             </a:lvl9pPr>
           </a:lstStyle>
           <a:p>
-            <a:pPr>
+            <a:pPr marL="0" marR="0" lvl="0" indent="0" algn="l" defTabSz="914400" rtl="0" eaLnBrk="1" fontAlgn="base" latinLnBrk="0" hangingPunct="1">
               <a:lnSpc>
                 <a:spcPct val="90000"/>
               </a:lnSpc>
+              <a:spcBef>
+                <a:spcPts val="0"/>
+              </a:spcBef>
+              <a:spcAft>
+                <a:spcPts val="0"/>
+              </a:spcAft>
+              <a:buClrTx/>
+              <a:buSzTx/>
+              <a:buFontTx/>
+              <a:buNone/>
+              <a:tabLst/>
               <a:defRPr/>
             </a:pPr>
             <a:r>
-              <a:rPr lang="de-DE" sz="900" dirty="0"/>
+              <a:rPr kumimoji="0" lang="de-DE" sz="900" b="0" i="0" u="none" strike="noStrike" kern="1200" cap="none" spc="0" normalizeH="0" baseline="0" noProof="0" dirty="0">
+                <a:ln>
+                  <a:noFill/>
+                </a:ln>
+                <a:solidFill>
+                  <a:prstClr val="black"/>
+                </a:solidFill>
+                <a:effectLst/>
+                <a:uLnTx/>
+                <a:uFillTx/>
+                <a:latin typeface="Arial"/>
+                <a:ea typeface="+mn-ea"/>
+                <a:cs typeface="Arial"/>
+              </a:rPr>
               <a:t>Aspekte der systemnahen Programmierung bei der Spieleentwicklung | 16.02.2021 | </a:t>
             </a:r>
             <a:r>
-              <a:rPr lang="de-DE" sz="900" b="1" dirty="0" err="1"/>
+              <a:rPr kumimoji="0" lang="de-DE" sz="900" b="1" i="0" u="none" strike="noStrike" kern="1200" cap="none" spc="0" normalizeH="0" baseline="0" noProof="0" dirty="0" err="1">
+                <a:ln>
+                  <a:noFill/>
+                </a:ln>
+                <a:solidFill>
+                  <a:prstClr val="black"/>
+                </a:solidFill>
+                <a:effectLst/>
+                <a:uLnTx/>
+                <a:uFillTx/>
+                <a:latin typeface="Arial"/>
+                <a:ea typeface="+mn-ea"/>
+                <a:cs typeface="Arial"/>
+              </a:rPr>
               <a:t>Peano</a:t>
             </a:r>
             <a:r>
-              <a:rPr lang="de-DE" sz="900" b="1" dirty="0"/>
+              <a:rPr kumimoji="0" lang="de-DE" sz="900" b="1" i="0" u="none" strike="noStrike" kern="1200" cap="none" spc="0" normalizeH="0" baseline="0" noProof="0" dirty="0">
+                <a:ln>
+                  <a:noFill/>
+                </a:ln>
+                <a:solidFill>
+                  <a:prstClr val="black"/>
+                </a:solidFill>
+                <a:effectLst/>
+                <a:uLnTx/>
+                <a:uFillTx/>
+                <a:latin typeface="Arial"/>
+                <a:ea typeface="+mn-ea"/>
+                <a:cs typeface="Arial"/>
+              </a:rPr>
               <a:t>-Kurven (A214)		 </a:t>
             </a:r>
             <a:r>
-              <a:rPr lang="en-US" sz="1600" b="1" dirty="0"/>
+              <a:rPr kumimoji="0" lang="en-US" sz="1600" b="1" i="0" u="none" strike="noStrike" kern="1200" cap="none" spc="0" normalizeH="0" baseline="0" noProof="0" dirty="0">
+                <a:ln>
+                  <a:noFill/>
+                </a:ln>
+                <a:solidFill>
+                  <a:prstClr val="black"/>
+                </a:solidFill>
+                <a:effectLst/>
+                <a:uLnTx/>
+                <a:uFillTx/>
+                <a:latin typeface="Arial"/>
+                <a:ea typeface="+mn-ea"/>
+                <a:cs typeface="Arial"/>
+              </a:rPr>
               <a:t>Mohamed Attia</a:t>
             </a:r>
-            <a:endParaRPr lang="de-DE" sz="1600" b="1" dirty="0"/>
-          </a:p>
-          <a:p>
-            <a:pPr>
+            <a:endParaRPr kumimoji="0" lang="de-DE" sz="1600" b="1" i="0" u="none" strike="noStrike" kern="1200" cap="none" spc="0" normalizeH="0" baseline="0" noProof="0" dirty="0">
+              <a:ln>
+                <a:noFill/>
+              </a:ln>
+              <a:solidFill>
+                <a:prstClr val="black"/>
+              </a:solidFill>
+              <a:effectLst/>
+              <a:uLnTx/>
+              <a:uFillTx/>
+              <a:latin typeface="Arial"/>
+              <a:ea typeface="+mn-ea"/>
+              <a:cs typeface="Arial"/>
+            </a:endParaRPr>
+          </a:p>
+          <a:p>
+            <a:pPr marL="0" marR="0" lvl="0" indent="0" algn="l" defTabSz="914400" rtl="0" eaLnBrk="1" fontAlgn="base" latinLnBrk="0" hangingPunct="1">
               <a:lnSpc>
                 <a:spcPct val="90000"/>
               </a:lnSpc>
+              <a:spcBef>
+                <a:spcPts val="0"/>
+              </a:spcBef>
+              <a:spcAft>
+                <a:spcPts val="0"/>
+              </a:spcAft>
+              <a:buClrTx/>
+              <a:buSzTx/>
+              <a:buFontTx/>
+              <a:buNone/>
+              <a:tabLst/>
               <a:defRPr/>
             </a:pPr>
-            <a:endParaRPr lang="de-DE" dirty="0"/>
-          </a:p>
-          <a:p>
-            <a:pPr>
+            <a:endParaRPr kumimoji="0" lang="de-DE" sz="1200" b="0" i="0" u="none" strike="noStrike" kern="1200" cap="none" spc="0" normalizeH="0" baseline="0" noProof="0" dirty="0">
+              <a:ln>
+                <a:noFill/>
+              </a:ln>
+              <a:solidFill>
+                <a:prstClr val="black"/>
+              </a:solidFill>
+              <a:effectLst/>
+              <a:uLnTx/>
+              <a:uFillTx/>
+              <a:latin typeface="Arial"/>
+              <a:ea typeface="+mn-ea"/>
+              <a:cs typeface="Arial"/>
+            </a:endParaRPr>
+          </a:p>
+          <a:p>
+            <a:pPr marL="0" marR="0" lvl="0" indent="0" algn="l" defTabSz="914400" rtl="0" eaLnBrk="1" fontAlgn="base" latinLnBrk="0" hangingPunct="1">
               <a:lnSpc>
                 <a:spcPct val="90000"/>
               </a:lnSpc>
+              <a:spcBef>
+                <a:spcPts val="0"/>
+              </a:spcBef>
               <a:spcAft>
                 <a:spcPts val="600"/>
               </a:spcAft>
+              <a:buClrTx/>
+              <a:buSzTx/>
+              <a:buFontTx/>
+              <a:buNone/>
+              <a:tabLst/>
               <a:defRPr/>
             </a:pPr>
-            <a:endParaRPr lang="en-US" sz="900" dirty="0"/>
+            <a:endParaRPr kumimoji="0" lang="en-US" sz="900" b="0" i="0" u="none" strike="noStrike" kern="1200" cap="none" spc="0" normalizeH="0" baseline="0" noProof="0" dirty="0">
+              <a:ln>
+                <a:noFill/>
+              </a:ln>
+              <a:solidFill>
+                <a:prstClr val="black"/>
+              </a:solidFill>
+              <a:effectLst/>
+              <a:uLnTx/>
+              <a:uFillTx/>
+              <a:latin typeface="Arial"/>
+              <a:ea typeface="+mn-ea"/>
+              <a:cs typeface="Arial"/>
+            </a:endParaRPr>
           </a:p>
         </p:txBody>
       </p:sp>
@@ -13266,7 +14305,7 @@
 </p:sld>
 </file>
 
-<file path=ppt/slides/slide16.xml><?xml version="1.0" encoding="utf-8"?>
+<file path=ppt/slides/slide15.xml><?xml version="1.0" encoding="utf-8"?>
 <p:sld xmlns:a="http://schemas.openxmlformats.org/drawingml/2006/main" xmlns:r="http://schemas.openxmlformats.org/officeDocument/2006/relationships" xmlns:p="http://schemas.openxmlformats.org/presentationml/2006/main">
   <p:cSld>
     <p:spTree>
@@ -13359,7 +14398,7 @@
             <a:fld id="{CE58CB1E-F828-4F11-99E0-327109AF9DA4}" type="slidenum">
               <a:rPr lang="de-DE" smtClean="0"/>
               <a:pPr/>
-              <a:t>16</a:t>
+              <a:t>15</a:t>
             </a:fld>
             <a:endParaRPr lang="de-DE" dirty="0"/>
           </a:p>
@@ -16971,6 +18010,52 @@
               <a:defRPr/>
             </a:pPr>
             <a:endParaRPr lang="en-US" sz="900" dirty="0"/>
+          </a:p>
+        </p:txBody>
+      </p:sp>
+      <p:sp>
+        <p:nvSpPr>
+          <p:cNvPr id="5" name="Foliennummernplatzhalter 3">
+            <a:extLst>
+              <a:ext uri="{FF2B5EF4-FFF2-40B4-BE49-F238E27FC236}">
+                <a16:creationId xmlns:a16="http://schemas.microsoft.com/office/drawing/2014/main" id="{6FE6E651-3C37-48A7-8526-6E07EC8BA994}"/>
+              </a:ext>
+            </a:extLst>
+          </p:cNvPr>
+          <p:cNvSpPr>
+            <a:spLocks noGrp="1"/>
+          </p:cNvSpPr>
+          <p:nvPr>
+            <p:ph type="sldNum" sz="quarter" idx="16"/>
+          </p:nvPr>
+        </p:nvSpPr>
+        <p:spPr>
+          <a:xfrm>
+            <a:off x="6774934" y="6473313"/>
+            <a:ext cx="2052074" cy="365125"/>
+          </a:xfrm>
+        </p:spPr>
+        <p:txBody>
+          <a:bodyPr anchor="ctr">
+            <a:normAutofit/>
+          </a:bodyPr>
+          <a:lstStyle/>
+          <a:p>
+            <a:pPr>
+              <a:spcAft>
+                <a:spcPts val="600"/>
+              </a:spcAft>
+            </a:pPr>
+            <a:fld id="{CE58CB1E-F828-4F11-99E0-327109AF9DA4}" type="slidenum">
+              <a:rPr lang="de-DE" smtClean="0"/>
+              <a:pPr>
+                <a:spcAft>
+                  <a:spcPts val="600"/>
+                </a:spcAft>
+              </a:pPr>
+              <a:t>5</a:t>
+            </a:fld>
+            <a:endParaRPr lang="de-DE" dirty="0"/>
           </a:p>
         </p:txBody>
       </p:sp>
